--- a/04_refactoring/images.pptx
+++ b/04_refactoring/images.pptx
@@ -10,8 +10,14 @@
     <p:sldId id="256" r:id="rId4"/>
     <p:sldId id="257" r:id="rId5"/>
     <p:sldId id="260" r:id="rId6"/>
-    <p:sldId id="261" r:id="rId7"/>
-    <p:sldId id="262" r:id="rId8"/>
+    <p:sldId id="263" r:id="rId7"/>
+    <p:sldId id="264" r:id="rId8"/>
+    <p:sldId id="265" r:id="rId9"/>
+    <p:sldId id="266" r:id="rId10"/>
+    <p:sldId id="267" r:id="rId11"/>
+    <p:sldId id="268" r:id="rId12"/>
+    <p:sldId id="261" r:id="rId13"/>
+    <p:sldId id="262" r:id="rId14"/>
   </p:sldIdLst>
   <p:sldSz cx="12192000" cy="6858000"/>
   <p:notesSz cx="6858000" cy="9144000"/>
@@ -336,6 +342,1174 @@
           <inkml:channelProperty channel="T" name="resolution" value="1" units="1/dev"/>
         </inkml:channelProperties>
       </inkml:inkSource>
+      <inkml:timestamp xml:id="ts0" timeString="2017-12-28T07:12:05.014"/>
+    </inkml:context>
+    <inkml:brush xml:id="br0">
+      <inkml:brushProperty name="width" value="0.07938" units="cm"/>
+      <inkml:brushProperty name="height" value="0.07938" units="cm"/>
+      <inkml:brushProperty name="color" value="#00B050"/>
+      <inkml:brushProperty name="fitToCurve" value="1"/>
+    </inkml:brush>
+    <inkml:brush xml:id="br1">
+      <inkml:brushProperty name="width" value="0.07938" units="cm"/>
+      <inkml:brushProperty name="height" value="0.07938" units="cm"/>
+      <inkml:brushProperty name="color" value="#FF0000"/>
+      <inkml:brushProperty name="fitToCurve" value="1"/>
+    </inkml:brush>
+  </inkml:definitions>
+  <inkml:traceGroup>
+    <inkml:annotationXML>
+      <emma:emma xmlns:emma="http://www.w3.org/2003/04/emma" version="1.0">
+        <emma:interpretation id="{1DF167AF-3185-4062-A02B-A337591C6F51}" emma:medium="tactile" emma:mode="ink">
+          <msink:context xmlns:msink="http://schemas.microsoft.com/ink/2010/main" type="writingRegion" rotatedBoundingBox="2787,8604 5842,8781 5790,9682 2735,9505"/>
+        </emma:interpretation>
+      </emma:emma>
+    </inkml:annotationXML>
+    <inkml:traceGroup>
+      <inkml:annotationXML>
+        <emma:emma xmlns:emma="http://www.w3.org/2003/04/emma" version="1.0">
+          <emma:interpretation id="{72A99161-24CD-446D-8A41-DCF4382E3437}" emma:medium="tactile" emma:mode="ink">
+            <msink:context xmlns:msink="http://schemas.microsoft.com/ink/2010/main" type="paragraph" rotatedBoundingBox="2787,8604 5842,8781 5790,9682 2735,9505" alignmentLevel="1"/>
+          </emma:interpretation>
+        </emma:emma>
+      </inkml:annotationXML>
+      <inkml:traceGroup>
+        <inkml:annotationXML>
+          <emma:emma xmlns:emma="http://www.w3.org/2003/04/emma" version="1.0">
+            <emma:interpretation id="{9C61036D-3ABC-473C-8743-D283C559A774}" emma:medium="tactile" emma:mode="ink">
+              <msink:context xmlns:msink="http://schemas.microsoft.com/ink/2010/main" type="line" rotatedBoundingBox="2787,8604 5842,8781 5790,9682 2735,9505"/>
+            </emma:interpretation>
+          </emma:emma>
+        </inkml:annotationXML>
+        <inkml:traceGroup>
+          <inkml:annotationXML>
+            <emma:emma xmlns:emma="http://www.w3.org/2003/04/emma" version="1.0">
+              <emma:interpretation id="{A7E7D6A8-EB8B-4397-97FA-D2309ABD53D3}" emma:medium="tactile" emma:mode="ink">
+                <msink:context xmlns:msink="http://schemas.microsoft.com/ink/2010/main" type="inkWord" rotatedBoundingBox="2770,8904 3445,8943 3420,9375 2745,9336"/>
+              </emma:interpretation>
+              <emma:one-of disjunction-type="recognition" id="oneOf0">
+                <emma:interpretation id="interp0" emma:lang="" emma:confidence="1">
+                  <emma:literal/>
+                </emma:interpretation>
+              </emma:one-of>
+            </emma:emma>
+          </inkml:annotationXML>
+          <inkml:trace contextRef="#ctx0" brushRef="#br0">-1137 1572 0,'24'0'94,"0"24"-79,-24 0 1,24 1 0,1-1-1,-25 0-15,24-24 16,-24 24-16,24-24 16,-24 24-1,24-24 16,0 0 63,1 0-78,-25-24-1,24 24-15,0-24 16,-24 0 0,24 24-16,0-24 15,0-1-15,-24 1 16,25 0-16,-25 0 16,24 24-16,-24-24 15,24-1 1</inkml:trace>
+          <inkml:trace contextRef="#ctx0" brushRef="#br0" timeOffset="-945.8765">-1403 1548 0,'0'-24'156,"0"-1"-140,24 1 0,0 0-1,-24 0 1,24 24 0,-24-24-16,24 24 15,-24-25-15,25 25 16,-25-24-1,24 24-15,0-24 32,0 24-17,-24-24-15,24 24 16,1 0 0,-1 0 30,0 0-30,0 0 0,0 0 15,1 0-15,-1 0 15,-24 24-16,24 0 1,-24 0 0,0 1-1,24-25 1,-24 24-16,0 0 16,0 0 15,0 0-16,0 1 17,0-1-17,0 0 1,0 0 0,0 0 15,0 1 0</inkml:trace>
+        </inkml:traceGroup>
+        <inkml:traceGroup>
+          <inkml:annotationXML>
+            <emma:emma xmlns:emma="http://www.w3.org/2003/04/emma" version="1.0">
+              <emma:interpretation id="{180710D7-57D5-442B-B72A-AF4E557CE061}" emma:medium="tactile" emma:mode="ink">
+                <msink:context xmlns:msink="http://schemas.microsoft.com/ink/2010/main" type="inkWord" rotatedBoundingBox="3799,8902 5523,9002 5489,9575 3765,9475"/>
+              </emma:interpretation>
+              <emma:one-of disjunction-type="recognition" id="oneOf1">
+                <emma:interpretation id="interp1" emma:lang="" emma:confidence="1">
+                  <emma:literal/>
+                </emma:interpretation>
+              </emma:one-of>
+            </emma:emma>
+          </inkml:annotationXML>
+          <inkml:trace contextRef="#ctx0" brushRef="#br1" timeOffset="8654.0793">72 1354 0,'-24'24'47,"0"-24"-16,0 25 32,0-25-48,48 0 95,0 0-110,0 0 15,0 0-15,1 0 16,-1 0 0,0 0-16,24 0 15,-24 0-15,1 0 16,-1 0-16,0 0 16,0 0-1,0 0 1,1 0-1,-1 0-15,0-25 0,0 25 16,0 0-16,-24-24 16,25 24-1</inkml:trace>
+          <inkml:trace contextRef="#ctx0" brushRef="#br1" timeOffset="7827.7218">193 1403 0,'24'-25'62,"-24"50"-15,0-1-47,0 0 16,0 0-16,0 0 0,0 25 15,0-25 1,0 0-16,0 25 0,0-25 15,0 0-15,0 0 16,0 0-16,0 1 16,-24-1-16,24 0 15,0 0 1,0-48 46</inkml:trace>
+          <inkml:trace contextRef="#ctx0" brushRef="#br1" timeOffset="7101.462">-24 1330 0,'0'-24'62,"-25"24"32,1 0-78,0 0-1,0 0 1,0 0 0,-1 0-1,1 0 1,24 24-16,-24-24 16,0 24-1,0-24 1,24 24-16,-25 1 15,25-1 17,0 0-32,0 0 31,0 0-15,25-24-1,-25 25-15,24-25 16,-24 24-16,24-24 15,-24 24 1,24-24-16,-24 24 16,24-24-1,-24 24 1,25-24 0,-1 25 15,-24-1-16,0 0 32,0 0-31,0 0 0,0 1-1,0-1 1,0 0-1,0 0 1,0 0 15,-24-24-31,-1 0 32,1 0-32,0 0 15,0 0 1,0 0-1,-1 0 1,25-24-16,-24 24 16,24-24-1,-24 0-15,24 0 16,-24 24 0,24-25-16,0 1 31,-24 24-16</inkml:trace>
+          <inkml:trace contextRef="#ctx0" brushRef="#br1" timeOffset="9627.261">580 1475 0,'-24'0'78,"0"24"-63,24 1 1,-24-1 0,24 0-16,-24 0 15,-1 0-15,25 25 16,-24-25-16,24 0 15,0 0-15,0 1 0,0-1 16,0 0 0,0 0-16,24-24 15,1 0-15,23 0 16,0 0-16,-23-24 16,23 0-16,0 0 15,-24-1-15,1 1 16,-1 0-16,0 0 15,-24 0-15,24 24 16,-24-25-16,0 1 16,0 0-16,0-24 15,0 23-15,0 1 16,-24 0-16,0 0 16,0 0-16,-1 24 15,1 0-15,0 0 16,-48 48 15,47-48-31,25 24 16</inkml:trace>
+          <inkml:trace contextRef="#ctx0" brushRef="#br1" timeOffset="10775.574">1064 1451 0,'0'24'63,"0"0"-48,0 1-15,0-1 16,-24 24-16,24-24 16,0 1-16,0 23 15,0-24-15,-24 25 16,24-25-16,0 0 15,-24 24-15,24-24 16,0 1 0,0-1-1,0-48 32,0-1-47,0 1 0,0 0 16,0-24-16,0-1 15,0 1-15,24 0 16,-24 23-16,24-23 16,-24 24-16,24-25 15,-24 25-15,24 0 16,-24 0-16,25 24 16,-1-24-16,-24-1 15,24 25 1,0 0-1,0 0 1,0 0 0,1 0-1,-1 0 1,0 25 0,0-1-1,-24 0 1,24-24-16,-24 24 15,0 0 1,0 1 0,-24-1-1,24 0-15,-24-24 16,0 24 0,0-24-16,-1 24 15,1-24 1,0 0-16,0 0 15,0 0 1,0-24 0,-1 24-1</inkml:trace>
+        </inkml:traceGroup>
+        <inkml:traceGroup>
+          <inkml:annotationXML>
+            <emma:emma xmlns:emma="http://www.w3.org/2003/04/emma" version="1.0">
+              <emma:interpretation id="{0023C37F-0918-4840-BC1D-C5C369C49FC3}" emma:medium="tactile" emma:mode="ink">
+                <msink:context xmlns:msink="http://schemas.microsoft.com/ink/2010/main" type="inkWord" rotatedBoundingBox="5686,9574 5762,9579 5756,9680 5680,9675"/>
+              </emma:interpretation>
+              <emma:one-of disjunction-type="recognition" id="oneOf2">
+                <emma:interpretation id="interp2" emma:lang="" emma:confidence="0">
+                  <emma:literal>d</emma:literal>
+                </emma:interpretation>
+                <emma:interpretation id="interp3" emma:lang="" emma:confidence="0">
+                  <emma:literal>s</emma:literal>
+                </emma:interpretation>
+                <emma:interpretation id="interp4" emma:lang="" emma:confidence="0">
+                  <emma:literal>.</emma:literal>
+                </emma:interpretation>
+                <emma:interpretation id="interp5" emma:lang="" emma:confidence="0">
+                  <emma:literal>P</emma:literal>
+                </emma:interpretation>
+                <emma:interpretation id="interp6" emma:lang="" emma:confidence="0">
+                  <emma:literal>D</emma:literal>
+                </emma:interpretation>
+              </emma:one-of>
+            </emma:emma>
+          </inkml:annotationXML>
+          <inkml:trace contextRef="#ctx0" brushRef="#br1" timeOffset="12412.2527">1596 1959 0,'0'24'47,"0"0"15,0 1-46,0-1 15,-24-24-31,0 0 16,0 0 0,24-24-1,0-1 1,0 1-1,24 0 17,0 24-32,0 0 15,-24 24 32,0 0-16,0 1-15,-24-25 15,0 0-15</inkml:trace>
+        </inkml:traceGroup>
+        <inkml:traceGroup>
+          <inkml:annotationXML>
+            <emma:emma xmlns:emma="http://www.w3.org/2003/04/emma" version="1.0">
+              <emma:interpretation id="{11DFA915-2CB1-4D8A-BFF7-CFEDF012E821}" emma:medium="tactile" emma:mode="ink">
+                <msink:context xmlns:msink="http://schemas.microsoft.com/ink/2010/main" type="inkWord" rotatedBoundingBox="5783,8778 5842,8781 5808,9364 5750,9360"/>
+              </emma:interpretation>
+              <emma:one-of disjunction-type="recognition" id="oneOf3">
+                <emma:interpretation id="interp7" emma:lang="" emma:confidence="1">
+                  <emma:literal/>
+                </emma:interpretation>
+              </emma:one-of>
+            </emma:emma>
+          </inkml:annotationXML>
+          <inkml:trace contextRef="#ctx0" brushRef="#br1" timeOffset="11644.6055">1645 1185 0,'24'-24'62,"-24"48"1,0 0-63,0 0 15,0 25-15,0-1 16,0 0-16,-24 1 16,24-1-16,-24 1 15,24-1-15,-25 0 16,25 1-16,0-25 15,0 0-15,0 0 0,0-48 63</inkml:trace>
+        </inkml:traceGroup>
+      </inkml:traceGroup>
+    </inkml:traceGroup>
+  </inkml:traceGroup>
+</inkml:ink>
+</file>
+
+<file path=ppt/ink/ink101.xml><?xml version="1.0" encoding="utf-8"?>
+<inkml:ink xmlns:inkml="http://www.w3.org/2003/InkML">
+  <inkml:definitions>
+    <inkml:context xml:id="ctx0">
+      <inkml:inkSource xml:id="inkSrc0">
+        <inkml:traceFormat>
+          <inkml:channel name="X" type="integer" min="-1920" max="3840" units="cm"/>
+          <inkml:channel name="Y" type="integer" max="1080" units="cm"/>
+          <inkml:channel name="T" type="integer" max="2.14748E9" units="dev"/>
+        </inkml:traceFormat>
+        <inkml:channelProperties>
+          <inkml:channelProperty channel="X" name="resolution" value="109.29791" units="1/cm"/>
+          <inkml:channelProperty channel="Y" name="resolution" value="36.48649" units="1/cm"/>
+          <inkml:channelProperty channel="T" name="resolution" value="1" units="1/dev"/>
+        </inkml:channelProperties>
+      </inkml:inkSource>
+      <inkml:timestamp xml:id="ts0" timeString="2017-12-28T07:14:38.359"/>
+    </inkml:context>
+    <inkml:brush xml:id="br0">
+      <inkml:brushProperty name="width" value="0.07938" units="cm"/>
+      <inkml:brushProperty name="height" value="0.07938" units="cm"/>
+      <inkml:brushProperty name="color" value="#0070C0"/>
+      <inkml:brushProperty name="fitToCurve" value="1"/>
+    </inkml:brush>
+    <inkml:brush xml:id="br1">
+      <inkml:brushProperty name="width" value="0.07938" units="cm"/>
+      <inkml:brushProperty name="height" value="0.07938" units="cm"/>
+      <inkml:brushProperty name="color" value="#FF0000"/>
+      <inkml:brushProperty name="fitToCurve" value="1"/>
+    </inkml:brush>
+    <inkml:brush xml:id="br2">
+      <inkml:brushProperty name="width" value="0.07938" units="cm"/>
+      <inkml:brushProperty name="height" value="0.07938" units="cm"/>
+      <inkml:brushProperty name="color" value="#00B050"/>
+      <inkml:brushProperty name="fitToCurve" value="1"/>
+    </inkml:brush>
+  </inkml:definitions>
+  <inkml:traceGroup>
+    <inkml:annotationXML>
+      <emma:emma xmlns:emma="http://www.w3.org/2003/04/emma" version="1.0">
+        <emma:interpretation id="{8B5BF865-F262-4EE2-A81F-36C311DABCF4}" emma:medium="tactile" emma:mode="ink">
+          <msink:context xmlns:msink="http://schemas.microsoft.com/ink/2010/main" type="writingRegion" rotatedBoundingBox="8127,10912 10928,10819 11009,13253 8208,13346"/>
+        </emma:interpretation>
+      </emma:emma>
+    </inkml:annotationXML>
+    <inkml:traceGroup>
+      <inkml:annotationXML>
+        <emma:emma xmlns:emma="http://www.w3.org/2003/04/emma" version="1.0">
+          <emma:interpretation id="{053DCF75-A9C3-4659-8D7D-257B65EE2518}" emma:medium="tactile" emma:mode="ink">
+            <msink:context xmlns:msink="http://schemas.microsoft.com/ink/2010/main" type="paragraph" rotatedBoundingBox="8271,10907 10437,10835 10460,11521 8294,11593" alignmentLevel="1"/>
+          </emma:interpretation>
+        </emma:emma>
+      </inkml:annotationXML>
+      <inkml:traceGroup>
+        <inkml:annotationXML>
+          <emma:emma xmlns:emma="http://www.w3.org/2003/04/emma" version="1.0">
+            <emma:interpretation id="{4B659B2B-04B0-4DB9-A1EA-34C8293C3903}" emma:medium="tactile" emma:mode="ink">
+              <msink:context xmlns:msink="http://schemas.microsoft.com/ink/2010/main" type="line" rotatedBoundingBox="8271,10907 10437,10835 10460,11521 8294,11593"/>
+            </emma:interpretation>
+          </emma:emma>
+        </inkml:annotationXML>
+        <inkml:traceGroup>
+          <inkml:annotationXML>
+            <emma:emma xmlns:emma="http://www.w3.org/2003/04/emma" version="1.0">
+              <emma:interpretation id="{26D2F94D-0F6A-4FF2-BCAF-C28FD9784E40}" emma:medium="tactile" emma:mode="ink">
+                <msink:context xmlns:msink="http://schemas.microsoft.com/ink/2010/main" type="inkWord" rotatedBoundingBox="8271,10912 9404,10874 9427,11555 8294,11593"/>
+              </emma:interpretation>
+              <emma:one-of disjunction-type="recognition" id="oneOf0">
+                <emma:interpretation id="interp0" emma:lang="" emma:confidence="1">
+                  <emma:literal/>
+                </emma:interpretation>
+              </emma:one-of>
+            </emma:emma>
+          </inkml:annotationXML>
+          <inkml:trace contextRef="#ctx0" brushRef="#br0">48-618 0,'0'-24'0,"0"48"218,0 0-202,0 0-16,0 0 16,25 1-1,-25-1-15,0 0 16,24 0-16,-24 0 16,0 1-16,0-1 15,24 0-15,-24 0 0,0 0 16,24 1-1,-24-1-15,0 0 0,0 0 16,0 0-16,0 1 16,24-1-1,-24 0-15,0 0 16,0 0 0,0-48 46</inkml:trace>
+          <inkml:trace contextRef="#ctx0" brushRef="#br0" timeOffset="2087.7216">48-618 0,'-24'0'47,"48"-24"47,1 24-79,-1 0 1,-24-24-16,24 24 15,0 0-15,0 0 32,0 0-32,1 0 15,-1 0 1,0 0 0,0 0-1,0 0 1,1 24-1,-1-24 17,-24 24-17,24-24-15,0 24 32,-24 0-1,24 25 16,-24-25-16,0 0-15,-24-24-1,0 24 1,0-24-16,24 24 15,-24-24-15,-1 0 16,1 25 0,0-25-1,0 0 17,0 24 14,-1-24 1,25 24-31,-24-24 0,24 24-1,24-24 79,1-24-78,-1 24-1,0 0 1,0-24-1,0 24-15,1 0 16,-1 0 15,0 0-15,0 0 0,0 0-1,1 24 1,-1-24-1,-24 24 1,24-24 0,-24 24-16,24 1 15,-24-1 17,0 0-17,0 0 1,24-24-16,-24 24 15,0 1 17,0-1-17,-24 0 1,0 0 0,24 0-1,-24-24-15,24 24 16,-24-24-1,-1 0 1,1 0 0,0 0-16,0 0 0,0 0 15,-1 0 1,1 0 0,24 25-16,-24-25 15,0 0 32,24 24-31,-24-24-1</inkml:trace>
+          <inkml:trace contextRef="#ctx0" brushRef="#br0" timeOffset="3750.9356">726-497 0,'-25'24'156,"25"0"-140,-24-24-16,24 24 16,-24 1-1,24-1-15,0 0 16,0 0-1,0 0-15,0 1 16,0-1 0,0 0-16,0 0 15,0 0 1,0 1 15,24-25 0,0 0-15,-24-25 0,25 25-1,-25-24 17,0 0-32,24 24 15,-24-24 1,0 0-16,0-1 15,0 1 1,0 0 0,0 0-1,0 0 1,0-1 0,0 1 30,0 0-14,0 48 140,0 0-172,0 1 31,0-1-31,0 0 15,0 0-15,24 0 16,-24 1 0,24-1-1,-24 0 1,24-24-16,1 0 31,-1 0-15</inkml:trace>
+          <inkml:trace contextRef="#ctx0" brushRef="#br0" timeOffset="4666.7561">1161-521 0,'0'-25'62,"-24"25"-15,0 0-31,0 0-1,-1 25 1,1-1 0,24 0-1,-24-24 1,24 24-1,0 0 1,-24-24-16,24 25 0,0-1 16,0 0-16,0 0 15,0 0 1,0 1-16,0-1 16,0 0-1,0 0 1,24 0-1,0-24 1,0 0-16,1 0 16,-1 0-1</inkml:trace>
+        </inkml:traceGroup>
+        <inkml:traceGroup>
+          <inkml:annotationXML>
+            <emma:emma xmlns:emma="http://www.w3.org/2003/04/emma" version="1.0">
+              <emma:interpretation id="{3200E2C4-20F5-4383-A9F6-9604DE5EFE67}" emma:medium="tactile" emma:mode="ink">
+                <msink:context xmlns:msink="http://schemas.microsoft.com/ink/2010/main" type="inkWord" rotatedBoundingBox="9652,10861 10437,10835 10455,11375 9670,11402"/>
+              </emma:interpretation>
+              <emma:one-of disjunction-type="recognition" id="oneOf1">
+                <emma:interpretation id="interp1" emma:lang="" emma:confidence="0">
+                  <emma:literal>--</emma:literal>
+                </emma:interpretation>
+                <emma:interpretation id="interp2" emma:lang="" emma:confidence="0">
+                  <emma:literal>4-</emma:literal>
+                </emma:interpretation>
+                <emma:interpretation id="interp3" emma:lang="" emma:confidence="0">
+                  <emma:literal>S-</emma:literal>
+                </emma:interpretation>
+                <emma:interpretation id="interp4" emma:lang="" emma:confidence="0">
+                  <emma:literal>E-</emma:literal>
+                </emma:interpretation>
+                <emma:interpretation id="interp5" emma:lang="" emma:confidence="0">
+                  <emma:literal>G-</emma:literal>
+                </emma:interpretation>
+              </emma:one-of>
+            </emma:emma>
+          </inkml:annotationXML>
+          <inkml:trace contextRef="#ctx0" brushRef="#br0" timeOffset="6474.5698">1742-666 0,'-25'0'93,"1"24"-77,0 0-16,0-24 16,0 24-1,0-24-15,-1 24 16,1 0-16,0-24 16,0 25-1,24-1 1,-24-24-1,24 24 17,0 0 108,24 0-124,0 1 0,0-25-1,-24 24-15,24 0 16,1-24-16,-25 24 15,24-24-15,-24 24 0,24-24 16,-24 25-16,24-25 16,-24 24-16,0 0 31,24-24-31,-24 24 31,0 0-15</inkml:trace>
+          <inkml:trace contextRef="#ctx0" brushRef="#br0" timeOffset="7044.2065">1935-449 0,'-24'0'46,"24"24"17,24-24-47,0 25-1,1-1-15,23-24 16,-24 0-16,0 0 15,1 0 1,23 0-16,-24 0 0,0 0 16</inkml:trace>
+          <inkml:trace contextRef="#ctx0" brushRef="#br0" timeOffset="5610.3963">1427-715 0,'0'24'78,"0"1"-62,0-1-16,0 0 15,0 0-15,0 24 16,0-23-16,0 23 0,0-24 15,0 25-15,0-25 16,0 24-16,0-24 16,0 1-16,0-1 15,0 0 1,0 0 0,0 0 15</inkml:trace>
+        </inkml:traceGroup>
+      </inkml:traceGroup>
+    </inkml:traceGroup>
+    <inkml:traceGroup>
+      <inkml:annotationXML>
+        <emma:emma xmlns:emma="http://www.w3.org/2003/04/emma" version="1.0">
+          <emma:interpretation id="{8A9AEDF2-0915-4C1F-892D-C766897B299F}" emma:medium="tactile" emma:mode="ink">
+            <msink:context xmlns:msink="http://schemas.microsoft.com/ink/2010/main" type="paragraph" rotatedBoundingBox="8178,11580 10959,11590 10953,13337 8171,13327" alignmentLevel="1"/>
+          </emma:interpretation>
+        </emma:emma>
+      </inkml:annotationXML>
+      <inkml:traceGroup>
+        <inkml:annotationXML>
+          <emma:emma xmlns:emma="http://www.w3.org/2003/04/emma" version="1.0">
+            <emma:interpretation id="{AB9D2611-2194-4B97-BF90-A38233264D92}" emma:medium="tactile" emma:mode="ink">
+              <msink:context xmlns:msink="http://schemas.microsoft.com/ink/2010/main" type="inkBullet" rotatedBoundingBox="8250,11580 10959,11590 10957,12119 8248,12109"/>
+            </emma:interpretation>
+            <emma:one-of disjunction-type="recognition" id="oneOf2">
+              <emma:interpretation id="interp6" emma:lang="" emma:confidence="0">
+                <emma:literal>→</emma:literal>
+              </emma:interpretation>
+            </emma:one-of>
+          </emma:emma>
+        </inkml:annotationXML>
+        <inkml:trace contextRef="#ctx0" brushRef="#br1" timeOffset="-27336.1171">0 374 0,'24'0'219,"0"-24"-188,1 24-16,-25-25 1,24 25 15,-24-24-15,24 24 15,0 0-15,-24-24-1,24 24 1,-24-24 0,24 24-16,1 0 31,-25-24-15,24 24-16,0 0 31,-24-25-31,24 25 15,0-24 17,1 24-17,-25-24 1,24 24 0,0 0-1,0-24 16,0 24-15,1 0-16,-25-24 16,24 24-16,0 0 15,-24-25 1,24 25 0,0 0-1,1-24 1,-1 24-16,0 0 31,0 0-15,0 0 15,-24-24-31,24 24 16,1 0-1,-1 0 1,0 0 15,0-24-15,0 24 15,1 0-15,-1 0-1,0 0 1,0 0 15,0 0-15,1 0-1,-1 0 17,0 0-17,0 0 1,0 0-1,1 0 1,-1 0-16,0 0 16,0 0-1,0 0 17,0 0-32,1 0 15,-1 0 1,0 0-16,0 0 15,0 0 1,1 0 0,-1 0-16,0 0 15,0 0 1,25 0 0,-25 0-1,0 0-15,24 0 0,-23 0 16,-1 0-16,0 0 15,0 0-15,0 0 16,0 24 0,1-24-1,-1 0 1,0 0 0,-24 24-16,24-24 15,0 0-15,1 0 16,-25 24-16,24-24 15,0 0 1,0 0-16,-24 25 16,24-25-16,1 0 15,-1 0-15,0 24 16,0-24 0,0 0-16,1 0 15,-1 24-15,0-24 16,0 0-1,-24 24 1,24-24-16,0 24 31,1-24-31,-1 0 16,-24 25-16,24-25 16,0 0-16,0 24 0,1-24 31,-25 24-31,24-24 15,-24 24 1,24-24 0,0 24-1,0 1 17,1-1-17,-1 0 16,0-24-15,-24 24 0,24-24-16,-24 24 15,24-24 48,-48 0-1,0 0-46</inkml:trace>
+        <inkml:trace contextRef="#ctx0" brushRef="#br1" timeOffset="-25189.6131">2201 446 0,'-24'-24'63,"121"72"93,-73-48-140,0 0-16,0 0 15,-24 25 1,25-25-16,-1 0 15,-24 24 17,24-24-32,0 0 15,0 0 1,1 0 0,-1 24-16,0-24 15,0 0 16,0 0 1,1 0-1,-1 0 16,0 0 47,0-24 77,-24 0-171,24 24 32,-24-25-32,0 1 31,0 0 0,0 0-15,0 0 15,0 0-31,0-1 31,0 1 1,0 0-1,0 0-16,0 0 1,0-1 15,0 1 1,0 0-1,0 0 47,-24 24 31,24-24-77</inkml:trace>
+      </inkml:traceGroup>
+      <inkml:traceGroup>
+        <inkml:annotationXML>
+          <emma:emma xmlns:emma="http://www.w3.org/2003/04/emma" version="1.0">
+            <emma:interpretation id="{6DB0FC51-039A-4626-98E3-A8DEBFFCFB65}" emma:medium="tactile" emma:mode="ink">
+              <msink:context xmlns:msink="http://schemas.microsoft.com/ink/2010/main" type="line" rotatedBoundingBox="8176,12138 10887,12149 10885,12463 8175,12452"/>
+            </emma:interpretation>
+          </emma:emma>
+        </inkml:annotationXML>
+        <inkml:traceGroup>
+          <inkml:annotationXML>
+            <emma:emma xmlns:emma="http://www.w3.org/2003/04/emma" version="1.0">
+              <emma:interpretation id="{664CB112-5593-4A14-A93E-330B2A4AC21A}" emma:medium="tactile" emma:mode="ink">
+                <msink:context xmlns:msink="http://schemas.microsoft.com/ink/2010/main" type="inkWord" rotatedBoundingBox="8176,12138 10887,12149 10885,12463 8175,12452"/>
+              </emma:interpretation>
+              <emma:one-of disjunction-type="recognition" id="oneOf3">
+                <emma:interpretation id="interp7" emma:lang="" emma:confidence="1">
+                  <emma:literal/>
+                </emma:interpretation>
+              </emma:one-of>
+            </emma:emma>
+          </inkml:annotationXML>
+          <inkml:trace contextRef="#ctx0" brushRef="#br2" timeOffset="-18019.7152">2637 688 0,'0'24'312,"0"1"-265,0-1-16,0 0 16,0 0 0,0 0 0,-24-24-31,-1 25 15,1-25 0,24 24 0,-24-24 1,0 0-1,0 0 0,-1 0 16,1 0-31,0 0 30,0 0-14,0 0-1,-1 0-15,1 0 46,0 0-31,0 0-15,0-24 15,-1 24-15,1 0 15,0-25 0,0 25-15,24-24 0,-24 24-1,0 0 16,24-24-31,-25 24 16,1 0 15,24-24-15,-24 24 15,24-24-15,-24 24-1,24-25 1,-24 25 15,24-24-15,-25 24 31,25-24-47,-24 24 47,24-24-47,0 0 93,-24 24-93,24 24 157,0 0-142,-24 0 1,24 0 0,0 1-1,0-1 1,0 0-1,0 0 1,24 0 0,-24 1 15,0-1 0</inkml:trace>
+          <inkml:trace contextRef="#ctx0" brushRef="#br2" timeOffset="-17375.5424">1959 616 0,'25'0'203,"-1"0"-187,0 0-1,0 0 1,0 0-16,1 0 16</inkml:trace>
+          <inkml:trace contextRef="#ctx0" brushRef="#br2" timeOffset="-15343.5128">1814 640 0,'0'24'79,"-24"-24"-64,0 24 1,0-24-16,24 24 15,-25-24 1,25 25-16,-24-25 16,0 0 15,24 24-15,-24-24-16,0 24 31,0-24-16,-1 24 1,1-24 0,0 24-1,0-24 1,0 25 0,-1-25-1,1 0 16,24 24-15,-24-24 0,0 0 15,0 0-15,-1 0 15,1 0-16,0 0 1,0 0 15,24-24-31,-24 24 16,-1 0 15,25-25-15,-24 25-1,24-24 17,-24 24-17,0 0-15,24-24 16,-24 24 0,0 0-1,24-24-15,-25 0 31,1-1 1,24 1 15,-24 0-1,24 0-14,0 0-1,-24-1-15,24 1 30,-24 48 220,-1 1-250,25-1-16,0 0 15,-24 0-15,24 0 16,0 1 0,0-1 15,0 0 16</inkml:trace>
+          <inkml:trace contextRef="#ctx0" brushRef="#br2" timeOffset="-14847.3888">1016 567 0,'24'0'109,"0"0"-78,1 0-31,-25 24 0,24-24 16,0 0-16,0 0 15,0 0-15,0 0 16,1 0-16</inkml:trace>
+          <inkml:trace contextRef="#ctx0" brushRef="#br2" timeOffset="-12949.133">822 616 0,'0'24'78,"0"0"-31,-24-24-32,24 24 1,-24-24-16,0 24 16,0-24-1,-1 25-15,1-25 16,0 24-16,0-24 0,0 24 16,0-24-16,-1 0 15,1 24-15,0-24 47,0 0-16,0 0-15,-1 0-16,1 0 16,-48 0 15,47 0 0,1 0 47,0 0-47,0 0 1,24-24-17,-24 24-15,-1 0 16,1 0 15,24-24 0,-24 24 1,24-24-1,-24 24 0,24-25-15,0 1-1,0 0 17,-24 24 15,24-24-16,0 0 0,0-1-15,-24 25-1,24-24 32,-25 24-16,1 0 204,24 24-204,-24-24-31,24 25 16,-24-1-1,0 0-15,24 0 16,-25-24-16,25 24 16,0 1-1,0-1 1,0 0-1,25-24 48</inkml:trace>
+          <inkml:trace contextRef="#ctx0" brushRef="#br2" timeOffset="-12288.2496">73 591 0,'0'-24'62,"24"48"63,0-24-109,0 0 0,0 0-1,0 0-15,1 0 16,-1 0-1,-24-24 1,24 24 15</inkml:trace>
+        </inkml:traceGroup>
+      </inkml:traceGroup>
+      <inkml:traceGroup>
+        <inkml:annotationXML>
+          <emma:emma xmlns:emma="http://www.w3.org/2003/04/emma" version="1.0">
+            <emma:interpretation id="{2B35FE1F-9996-4719-8A21-7233F2FE60D7}" emma:medium="tactile" emma:mode="ink">
+              <msink:context xmlns:msink="http://schemas.microsoft.com/ink/2010/main" type="line" rotatedBoundingBox="8499,12733 10350,12639 10381,13250 8530,13344"/>
+            </emma:interpretation>
+          </emma:emma>
+        </inkml:annotationXML>
+        <inkml:traceGroup>
+          <inkml:annotationXML>
+            <emma:emma xmlns:emma="http://www.w3.org/2003/04/emma" version="1.0">
+              <emma:interpretation id="{DA78B963-216C-496B-A15B-AD72196F8DA8}" emma:medium="tactile" emma:mode="ink">
+                <msink:context xmlns:msink="http://schemas.microsoft.com/ink/2010/main" type="inkWord" rotatedBoundingBox="8499,12733 9767,12669 9798,13279 8530,13344"/>
+              </emma:interpretation>
+              <emma:one-of disjunction-type="recognition" id="oneOf4">
+                <emma:interpretation id="interp8" emma:lang="" emma:confidence="1">
+                  <emma:literal/>
+                </emma:interpretation>
+              </emma:one-of>
+            </emma:emma>
+          </inkml:annotationXML>
+          <inkml:trace contextRef="#ctx0" brushRef="#br0" timeOffset="8618.4254">411 1172 0,'24'-24'62,"-24"48"-31,0 0-15,0 0 0,0 25-16,0-25 15,0 0-15,0 25 16,0-25-16,0 24 15,0-24-15,0 25 16,-24-25-16,24 0 16,0 0-16,0 0 15,0 1-15,0-1 16,0 0 0,0 0-16,0 0 15,0 1 1,24-25 46,1 0-30,-1 0-17,-24-25-15,24 25 16,0-24-16</inkml:trace>
+          <inkml:trace contextRef="#ctx0" brushRef="#br0" timeOffset="9107.1235">266 1462 0,'24'-24'63,"0"24"-48,1 0-15,23 0 16,-24-24-16,49 24 47,-49 0-47</inkml:trace>
+          <inkml:trace contextRef="#ctx0" brushRef="#br0" timeOffset="9946.4602">629 1462 0,'48'-24'47,"-24"24"-31,49 48 62,-73-23-62,0-1-16,24 0 15,-24 0 1,0 0-16,0 1 16,0-1-1,0 0 1,0 0-1,0-48 48,0 0-63,0 0 16,0-25-16,24 25 15,-24 0-15,0 0 16,25-1-16,-25 1 15,0 0-15,24 24 47,0 0-31</inkml:trace>
+          <inkml:trace contextRef="#ctx0" brushRef="#br0" timeOffset="10912.8432">1089 1438 0,'-25'0'47,"25"24"-32,-24 0-15,0 1 16,0-1 0,24 0-16,0 0 15,-24-24-15,24 24 16,0 1-16,0-1 16,0 0 15,24-24-16,0 0 1,0 0-16,0 0 16,1 0-16,-25-24 15,24 0-15,0-1 16,-24 1-16,0 0 16,24 0-16,-24-25 31,0 25-16,0 0 17,-24 24 30,24 24 1,0 0-48,0 1-15,0-1 16,0 0-16,0 0 16,0 0-1,0 1 1,24-1-16,-24 0 31,24-24-31,0 0 16,1-24-16,-1 24 15,-24-24-15</inkml:trace>
+          <inkml:trace contextRef="#ctx0" brushRef="#br0" timeOffset="11573.553">1524 1390 0,'0'-24'47,"-24"48"-16,0-24-16,24 24-15,-25-24 16,1 24-16,0 0 16,24 0-1,-24-24-15,24 25 16,-24-1-16,24 0 16,-25 0-1,25 0-15,0 1 16,0-1-16,0 0 15,25-24 1,-1 24 0,0-24-16,0 0 15,0 0-15,1 0 16,-1 0-16,0 0 16,0 0-16,-24-24 15</inkml:trace>
+        </inkml:traceGroup>
+        <inkml:traceGroup>
+          <inkml:annotationXML>
+            <emma:emma xmlns:emma="http://www.w3.org/2003/04/emma" version="1.0">
+              <emma:interpretation id="{669DB9C3-6EFC-4320-9044-84E0B576E623}" emma:medium="tactile" emma:mode="ink">
+                <msink:context xmlns:msink="http://schemas.microsoft.com/ink/2010/main" type="inkWord" rotatedBoundingBox="10002,12748 10355,12730 10378,13183 10025,13200"/>
+              </emma:interpretation>
+              <emma:one-of disjunction-type="recognition" id="oneOf5">
+                <emma:interpretation id="interp9" emma:lang="" emma:confidence="0">
+                  <emma:literal>K</emma:literal>
+                </emma:interpretation>
+                <emma:interpretation id="interp10" emma:lang="" emma:confidence="0">
+                  <emma:literal>k</emma:literal>
+                </emma:interpretation>
+                <emma:interpretation id="interp11" emma:lang="" emma:confidence="0">
+                  <emma:literal>R</emma:literal>
+                </emma:interpretation>
+                <emma:interpretation id="interp12" emma:lang="" emma:confidence="0">
+                  <emma:literal>r</emma:literal>
+                </emma:interpretation>
+                <emma:interpretation id="interp13" emma:lang="" emma:confidence="0">
+                  <emma:literal>"</emma:literal>
+                </emma:interpretation>
+              </emma:one-of>
+            </emma:emma>
+          </inkml:annotationXML>
+          <inkml:trace contextRef="#ctx0" brushRef="#br0" timeOffset="12257.8856">1766 1172 0,'0'24'78,"0"0"-62,0 1-16,0-1 16,0 24-16,0-24 15,0 25-15,0-25 16,24 24-16,-24-24 16,0 1-16,0-1 15,0 0-15,24-24 0,-24 24 16</inkml:trace>
+          <inkml:trace contextRef="#ctx0" brushRef="#br0" timeOffset="13012.8297">2008 1196 0,'-49'49'109,"25"-25"-109,0 0 16,0-24-1,24 24-15,-24-24 16,-1 24 0,25 1 93,25-25-93,-25 24-1,24-24 1,-24 24-16,24 0 15,0-24-15,0 24 16,1-24-16,-25 24 16,24 1-16,0-25 15,0 24-15,-24 0 16,24-24-16,-24 24 16,25-24-16,-25 24 15,24-24 1</inkml:trace>
+        </inkml:traceGroup>
+      </inkml:traceGroup>
+    </inkml:traceGroup>
+  </inkml:traceGroup>
+</inkml:ink>
+</file>
+
+<file path=ppt/ink/ink102.xml><?xml version="1.0" encoding="utf-8"?>
+<inkml:ink xmlns:inkml="http://www.w3.org/2003/InkML">
+  <inkml:definitions>
+    <inkml:context xml:id="ctx0">
+      <inkml:inkSource xml:id="inkSrc0">
+        <inkml:traceFormat>
+          <inkml:channel name="X" type="integer" min="-1920" max="3840" units="cm"/>
+          <inkml:channel name="Y" type="integer" max="1080" units="cm"/>
+          <inkml:channel name="T" type="integer" max="2.14748E9" units="dev"/>
+        </inkml:traceFormat>
+        <inkml:channelProperties>
+          <inkml:channelProperty channel="X" name="resolution" value="109.29791" units="1/cm"/>
+          <inkml:channelProperty channel="Y" name="resolution" value="36.48649" units="1/cm"/>
+          <inkml:channelProperty channel="T" name="resolution" value="1" units="1/dev"/>
+        </inkml:channelProperties>
+      </inkml:inkSource>
+      <inkml:timestamp xml:id="ts0" timeString="2017-12-28T07:15:23.274"/>
+    </inkml:context>
+    <inkml:brush xml:id="br0">
+      <inkml:brushProperty name="width" value="0.05292" units="cm"/>
+      <inkml:brushProperty name="height" value="0.05292" units="cm"/>
+      <inkml:brushProperty name="color" value="#7B7B7B"/>
+      <inkml:brushProperty name="fitToCurve" value="1"/>
+    </inkml:brush>
+  </inkml:definitions>
+  <inkml:traceGroup>
+    <inkml:annotationXML>
+      <emma:emma xmlns:emma="http://www.w3.org/2003/04/emma" version="1.0">
+        <emma:interpretation id="{CD1C33AA-0A27-42B2-BFFD-1A5A2BCE6C6C}" emma:medium="tactile" emma:mode="ink">
+          <msink:context xmlns:msink="http://schemas.microsoft.com/ink/2010/main" type="inkDrawing" rotatedBoundingBox="8458,4600 10487,4121 10795,5425 8766,5904" semanticType="enclosure" shapeName="Other">
+            <msink:sourceLink direction="with" ref="{20B73E8C-A54B-4E76-A33F-5E8829661CF5}"/>
+            <msink:sourceLink direction="with" ref="{35102D6D-6281-42FE-8985-CD74E48B6498}"/>
+          </msink:context>
+        </emma:interpretation>
+      </emma:emma>
+    </inkml:annotationXML>
+    <inkml:trace contextRef="#ctx0" brushRef="#br0">27 73 0,'25'0'313,"-1"0"-298,0 0 1,0 0-1,0 0 1,1 0 0,-1 0-1,0 0 1,0 0 0,0 0-1,0 0 16,1 0-31,-1 0 16,0 0 0,0 0-1,0 0 1,1 0 0,-1 0-1,0 0 1,0 0-1,0 0 1,1 0-16,-1 0 0,0 0 31,0 0-31,25 0 32,-25 0-32,0 0 15,0 0 1,0 0-1,0 0-15,1 0 16,-1 0 0,0 0-1,0 0 1,0 0 15,1 0-31,-1-24 16,0 24-16,0 0 15,0 0 1,1 0 0,-1 0-1,0 0 1,0 0 0,0 0-16,1 0 15,-1 0 1,0 0 15,0 0-15,0 0-1,0 0-15,1 0 16,-1 0 0,0 0-16,0 0 15,0 0 1,1 0 15,-1 0 16,0 0-31,0-24-16,0 24 15,1 0 1,-1 0 15,0 0-15,0 0 15,0 0-15,1 0-16,-1 0 15,0 0 1,0 0 15,0 0-15,0 0-1,1 0 1,-25-24-16,24 24 16,0 0-1,0 0 1,-24 24 265,0 0-250,0 0-15,0 1 15,0-1-15,0 0 15,0 0-15,0 0 15,0 1-15,0-1-1,0 0 1,0 0-1,0 0 17,0 1-17,0-1 1,0 0 0,0 0-1,0 0 1,0 0-1,0 1 17,0-1-17,0 0 1,0 0 0,0 0-1,0 1 16,0-1-15,0 0 0,0 0-1,0 0 1,0 1 0,0-1 15,0 0-16,0 0 32,0 0-31,0 1 15,0-1 0,0 0 1,24-24-17,-24 24 1,0 0 93,0 0 63,0 1-31,25-25-63,-50 0 109,1 0-140,0 0-31,0 0 0,0 0-1,-1 0 16,1 0-15,0 0 31,0 0-16,0 24-31,0-24 31,-1 0-31,1 0 32,0 0-1,0 0 0,0 0-15,24 24-1,-25-24 1,1 0-16,0 0 31,0 0-15,0 0 0,-1 0 15,1 0-31,24 24 15,-24-24 1,0 0-16,0 0 16,-1 0 15,1 0-15,0 0-1,0 0-15,0 0 16,0 0-16,-1 0 15,1 24-15,0-24 16,0 0 0,0 0 15,-1 0 0,1 0-15,0 0-1,24 25 1,-24-25-16,0 0 16,-1 0-1,1 0 1,0 0 15,0 0-15,0 0 15,-1 24-15,1-24-1,0 0 1,0 0 15,0 0-31,0 0 31,-1 0-31,1 24 32,0-24-17,0 0 17,0 0-17,-1 0 16,1 0-15,0 0 0,0 0 15,0 0-15,-1 0-1,1 0 1,24 24-1,-24-24 1,0 0 15,0 0 1,-1 0-1,1 0 0,0 0 0,0 0 1,0 0-1,0 0 0,-1 0 0,1 0 1,0 0-17,0 0 32,0 0 62,24-24 1,0 0-79,0 0 0,0-1-15,-25 1 0,25 0-1,0 0 16,0 0 1,0-1-1,0 1-15,0 0-1,0 0 1,-24 24-16,24-24 15,0 0 17,0-1-17,0 1 17,0 0 30</inkml:trace>
+  </inkml:traceGroup>
+</inkml:ink>
+</file>
+
+<file path=ppt/ink/ink103.xml><?xml version="1.0" encoding="utf-8"?>
+<inkml:ink xmlns:inkml="http://www.w3.org/2003/InkML">
+  <inkml:definitions/>
+  <inkml:traceGroup>
+    <inkml:annotationXML>
+      <emma:emma xmlns:emma="http://www.w3.org/2003/04/emma" version="1.0">
+        <emma:interpretation id="{D7512D96-1EC5-4707-BC30-9A3491256C30}" emma:medium="tactile" emma:mode="ink">
+          <msink:context xmlns:msink="http://schemas.microsoft.com/ink/2010/main" type="writingRegion" rotatedBoundingBox="10163,2103 15627,2143 15621,2952 10157,2912"/>
+        </emma:interpretation>
+      </emma:emma>
+    </inkml:annotationXML>
+  </inkml:traceGroup>
+</inkml:ink>
+</file>
+
+<file path=ppt/ink/ink104.xml><?xml version="1.0" encoding="utf-8"?>
+<inkml:ink xmlns:inkml="http://www.w3.org/2003/InkML">
+  <inkml:definitions>
+    <inkml:context xml:id="ctx0">
+      <inkml:inkSource xml:id="inkSrc0">
+        <inkml:traceFormat>
+          <inkml:channel name="X" type="integer" min="-1920" max="3840" units="cm"/>
+          <inkml:channel name="Y" type="integer" max="1080" units="cm"/>
+          <inkml:channel name="T" type="integer" max="2.14748E9" units="dev"/>
+        </inkml:traceFormat>
+        <inkml:channelProperties>
+          <inkml:channelProperty channel="X" name="resolution" value="109.29791" units="1/cm"/>
+          <inkml:channelProperty channel="Y" name="resolution" value="36.48649" units="1/cm"/>
+          <inkml:channelProperty channel="T" name="resolution" value="1" units="1/dev"/>
+        </inkml:channelProperties>
+      </inkml:inkSource>
+      <inkml:timestamp xml:id="ts0" timeString="2017-12-28T07:06:02.360"/>
+    </inkml:context>
+    <inkml:brush xml:id="br0">
+      <inkml:brushProperty name="width" value="0.07938" units="cm"/>
+      <inkml:brushProperty name="height" value="0.07938" units="cm"/>
+      <inkml:brushProperty name="color" value="#0070C0"/>
+      <inkml:brushProperty name="fitToCurve" value="1"/>
+    </inkml:brush>
+    <inkml:brush xml:id="br1">
+      <inkml:brushProperty name="width" value="0.05292" units="cm"/>
+      <inkml:brushProperty name="height" value="0.05292" units="cm"/>
+      <inkml:brushProperty name="color" value="#C55A11"/>
+      <inkml:brushProperty name="fitToCurve" value="1"/>
+    </inkml:brush>
+    <inkml:brush xml:id="br2">
+      <inkml:brushProperty name="width" value="0.05292" units="cm"/>
+      <inkml:brushProperty name="height" value="0.05292" units="cm"/>
+      <inkml:brushProperty name="color" value="#70AD47"/>
+      <inkml:brushProperty name="fitToCurve" value="1"/>
+    </inkml:brush>
+    <inkml:brush xml:id="br3">
+      <inkml:brushProperty name="width" value="0.05292" units="cm"/>
+      <inkml:brushProperty name="height" value="0.05292" units="cm"/>
+      <inkml:brushProperty name="color" value="#0070C0"/>
+      <inkml:brushProperty name="fitToCurve" value="1"/>
+    </inkml:brush>
+    <inkml:brush xml:id="br4">
+      <inkml:brushProperty name="width" value="0.07938" units="cm"/>
+      <inkml:brushProperty name="height" value="0.07938" units="cm"/>
+      <inkml:brushProperty name="color" value="#C00000"/>
+      <inkml:brushProperty name="fitToCurve" value="1"/>
+    </inkml:brush>
+    <inkml:brush xml:id="br5">
+      <inkml:brushProperty name="width" value="0.05292" units="cm"/>
+      <inkml:brushProperty name="height" value="0.05292" units="cm"/>
+      <inkml:brushProperty name="color" value="#7B7B7B"/>
+      <inkml:brushProperty name="fitToCurve" value="1"/>
+    </inkml:brush>
+  </inkml:definitions>
+  <inkml:traceGroup>
+    <inkml:annotationXML>
+      <emma:emma xmlns:emma="http://www.w3.org/2003/04/emma" version="1.0">
+        <emma:interpretation id="{202EA63A-B4EF-4252-BDF2-B16E442E2ECC}" emma:medium="tactile" emma:mode="ink">
+          <msink:context xmlns:msink="http://schemas.microsoft.com/ink/2010/main" type="writingRegion" rotatedBoundingBox="8012,2087 15627,2143 15595,6562 7980,6506"/>
+        </emma:interpretation>
+      </emma:emma>
+    </inkml:annotationXML>
+    <inkml:traceGroup>
+      <inkml:annotationXML>
+        <emma:emma xmlns:emma="http://www.w3.org/2003/04/emma" version="1.0">
+          <emma:interpretation id="{C8832E3D-2D53-462D-B137-5957A5D28C1A}" emma:medium="tactile" emma:mode="ink">
+            <msink:context xmlns:msink="http://schemas.microsoft.com/ink/2010/main" type="paragraph" rotatedBoundingBox="10163,2103 15627,2143 15621,2952 10157,2912" alignmentLevel="2"/>
+          </emma:interpretation>
+        </emma:emma>
+      </inkml:annotationXML>
+      <inkml:traceGroup>
+        <inkml:annotationXML>
+          <emma:emma xmlns:emma="http://www.w3.org/2003/04/emma" version="1.0">
+            <emma:interpretation id="{71059A15-5FBA-4563-A1B1-B7B98ECF4883}" emma:medium="tactile" emma:mode="ink">
+              <msink:context xmlns:msink="http://schemas.microsoft.com/ink/2010/main" type="line" rotatedBoundingBox="10163,2103 15627,2143 15621,2952 10157,2912"/>
+            </emma:interpretation>
+          </emma:emma>
+        </inkml:annotationXML>
+        <inkml:traceGroup>
+          <inkml:annotationXML>
+            <emma:emma xmlns:emma="http://www.w3.org/2003/04/emma" version="1.0">
+              <emma:interpretation id="{6D5BF988-AEBF-433F-B837-2175629963C4}" emma:medium="tactile" emma:mode="ink">
+                <msink:context xmlns:msink="http://schemas.microsoft.com/ink/2010/main" type="inkWord" rotatedBoundingBox="10163,2103 13017,2124 13012,2808 10158,2787"/>
+              </emma:interpretation>
+            </emma:emma>
+          </inkml:annotationXML>
+          <inkml:trace contextRef="#ctx0" brushRef="#br0">52 24 0,'25'-24'47,"-25"48"15,0 1-62,0 23 16,0 0-16,0 1 16,-25-1-16,25 25 0,-24-25 15,24 0 1,-24 1-16,24-25 0,0 24 15,0-23 1,0-1 0,0 0 46,24-24-15,0 0-31,1 0-16,-1 0 15,0 0-15,0 0 16,0 0 0,1 0-16,-1 0 15,0 0-15,0 0 16,0 0-1,-24-24-15</inkml:trace>
+          <inkml:trace contextRef="#ctx0" brushRef="#br0" timeOffset="899.9063">488 411 0,'24'0'78,"0"-24"-47,0 24-15,1 0 0,-1 0-1,-24-24-15,0 0 47,0 0-31,0-1-16,0 1 15,-24 0 1,-1 24 0,1 0-1,0 0 1,24 24 0,-24-24-16,24 24 15,-24-24-15,24 25 16,-25-1-1,25 0 1,0 0-16,0 0 16,0 1-16,-24-1 15,24 0-15,0 0 16,0 0-16,0 1 16,0-1-16,24 0 15,1 0 1,-1-24-1,0 0 1,0 0 0</inkml:trace>
+          <inkml:trace contextRef="#ctx0" brushRef="#br0" timeOffset="1830.3059">826 363 0,'-24'0'125,"24"24"-125,0 0 15,-24-24-15,0 25 16,0-1-16,24 0 16,-24 0-16,24 0 0,0 1 15,-25-25-15,25 24 16,0 0-1,25-24 1,-1 0 0,0 0-1,0-24-15,0 24 16,0-24-16,1-1 16,-25 1-16,0 0 0,24 0 15,-24 0 1,0 48 109,0 0-110,0 0 1,0 0-16,0 1 16,0-1-16,0 0 15,0 0 1,24-24 0,0 0-1</inkml:trace>
+          <inkml:trace contextRef="#ctx0" brushRef="#br0" timeOffset="2572.8407">1044 484 0,'49'-24'47,"-25"24"-1,-24 24 33,0 0-79,0 0 15,0 1-15,0-1 16,0 0-1,0 0-15,0-48 79,24 0-64,-24 0 16,0-1-15,0 1 0,24 24-16,-24-24 0,0 0 0,24 24 15,-24-24-15,25 24 16,-25-25 0</inkml:trace>
+          <inkml:trace contextRef="#ctx0" brushRef="#br0" timeOffset="3330.6445">1407 411 0,'0'25'79,"0"-1"-79,0 0 15,0 0-15,0 0 16,0 1-1,0-1-15,0 0 16,0 0 0,0-48 46,24 0-62,-24 0 16,24-1-16,1 1 0,-1 0 15,-24 0 1,24 24 0,-24-24-1,24 24 1,0 0 31,-24 24-47,0 0 15,25 0 1,-25 0 0,0 1-16,0-1 15,0 0 1,0 0 0</inkml:trace>
+          <inkml:trace contextRef="#ctx0" brushRef="#br0" timeOffset="4080.0958">1939 387 0,'-24'24'78,"0"1"-63,0-25-15,24 24 0,-25-24 16,25 24 0,-24-24-16,24 24 0,0 0 15,-24-24-15,24 25 16,0-1-16,0 0 31,24-24-15,0 0-1,1 0 1,-25-24-16,24 24 16,-24-24-16,24-1 15,-24 1-15,24 0 16,-24 0-16,24 24 15,-24-24-15,0-1 16,0 74 93,0 23-77,0-47-32,0-1 0,0 0 15,0 0 1,25 0 0</inkml:trace>
+          <inkml:trace contextRef="#ctx0" brushRef="#br0" timeOffset="4920.9429">2230 73 0,'24'0'47,"-24"24"-16,0 0-31,-24 25 16,24-25-16,-25 24 16,25-24-16,0 25 0,-24-25 15,24 24-15,0 1 16,0-25-1,0 0-15,0 0 16,0 0 0,24-24 15,1-24-15,-1 0-16,0 24 15,0-24-15,0 24 16,-24-24-16,24 24 31,-24 24 32,0 0-32,25-24-31,-25 24 15,0 0 1,0 1 0,-25-25-1,25 24 1,-24-24-16,0 0 0,-24 24 16,24-24-1,-1 0 1,25-24-1,0 0 1,0-1-16,0 1 16</inkml:trace>
+          <inkml:trace contextRef="#ctx0" brushRef="#br0" timeOffset="5483.242">2520 97 0,'0'24'47,"0"0"-32,0 25-15,0-25 0,0 24 16,0-24-1,0 25-15,0-25 0,0 24 16,0-23-16,0 23 16,0-24-16,0 25 15,0-25-15,0 0 16,0 0-16,0 0 16,-24 1-1,24-1 1</inkml:trace>
+          <inkml:trace contextRef="#ctx0" brushRef="#br0" timeOffset="6052.0902">2665 460 0,'121'24'62,"-97"-24"-62,0-24 16,0 24 0,-24-24-16,0-1 31,0 1 0,-24 24-15,0-24-1,0 24-15,0 0 16,0 0 0,24 24-1,-25-24-15,25 24 16,-24 1 0,24-1-16,-24 24 0,24-24 15,0 1-15,0-1 16,0 48-1,24-47 1,0-1 0,1-24-16,-1 0 15,0 0-15,0-24 16,0 24-16,-24-25 0</inkml:trace>
+        </inkml:traceGroup>
+        <inkml:traceGroup>
+          <inkml:annotationXML>
+            <emma:emma xmlns:emma="http://www.w3.org/2003/04/emma" version="1.0">
+              <emma:interpretation id="{C2FCC0FF-441D-4507-8F04-6D03D33E2A6C}" emma:medium="tactile" emma:mode="ink">
+                <msink:context xmlns:msink="http://schemas.microsoft.com/ink/2010/main" type="inkWord" rotatedBoundingBox="13792,2211 15627,2225 15621,2952 13787,2939"/>
+              </emma:interpretation>
+              <emma:one-of disjunction-type="recognition" id="oneOf0">
+                <emma:interpretation id="interp0" emma:lang="" emma:confidence="1">
+                  <emma:literal/>
+                </emma:interpretation>
+              </emma:one-of>
+            </emma:emma>
+          </inkml:annotationXML>
+          <inkml:trace contextRef="#ctx0" brushRef="#br0" timeOffset="7980.1916">3947 242 0,'0'-24'62,"-24"24"-15,0-24-31,-1 24-16,1 0 46,-48 24-30,48 0 0,24 0-1,-25-24-15,25 24 16,-24-24-16,24 25 16,0-1-16,0 0 0,0 0 15,0 0 1,0 1-16,0-1 15,24-24 1,-24 24-16,25-24 16,-1 24-16,0-24 15,-24 24 1,24-24-16,0 25 31,-24-1 0,0 0 1,0 0-1,0 0-31,-24-24 16,24 25-1,-24-25-15,0 0 16,0 0-1,-1 0 1,1 0-16,0 0 16,0-25-1,24 1 1,-24 24 0</inkml:trace>
+          <inkml:trace contextRef="#ctx0" brushRef="#br0" timeOffset="8573.9985">4092 290 0,'0'25'109,"0"-1"-109,0 0 16,0 0-16,0 0 15,0 1-15,0 23 16,0-24-16,0 0 15,0 1-15,0 23 16,0-24-16,0 0 16,0 1-16,0-1 15</inkml:trace>
+          <inkml:trace contextRef="#ctx0" brushRef="#br0" timeOffset="9112.8897">4334 315 0,'-24'24'47,"0"0"-31,0 0-16,-1-24 15,1 24-15,0 1 16,24-1 62,0 0-47,0 0-15,24-24 0,-24 24-16,0 1 15,24-25-15,-24 24 16,0 0-16,25 0 16,-25 0-1</inkml:trace>
+          <inkml:trace contextRef="#ctx0" brushRef="#br0" timeOffset="10177.3184">4721 266 0,'0'24'47,"0"1"-31,0 23-1,0-24-15,-24 25 0,24-25 16,0 24-16,-24-24 16,24 25-16,0-25 15,0 0-15,0 0 16,0 1-1,0-1 17,24-24-17</inkml:trace>
+          <inkml:trace contextRef="#ctx0" brushRef="#br0" timeOffset="10717.8931">4987 218 0,'0'24'47,"0"0"-47,-24 0 16,24 25-1,-24-25-15,0 24 0,24 1 16,-25-25-16,25 24 15,0-23-15,-24 23 16,24-24-16,0 0 16,0 1-16,0-1 15,24-24 1,1 0 15</inkml:trace>
+          <inkml:trace contextRef="#ctx0" brushRef="#br0" timeOffset="11992.6617">5253 774 0,'25'0'62,"-1"0"-46,-24 24 46,0 1-46,-24-25-1,-1 24 1,25-48 15,0-1-15,0 1 15</inkml:trace>
+          <inkml:trace contextRef="#ctx0" brushRef="#br0" timeOffset="11427.1426">5471 121 0,'0'24'47,"-24"1"-47,24 23 15,-24-24-15,24 0 16,-25 25-16,25-25 15,-24 24-15,24-24 0,-24 1 16,24-1-16,0 0 16,-24 0-16,24 0 15,-24-24 1</inkml:trace>
+        </inkml:traceGroup>
+        <inkml:traceGroup>
+          <inkml:annotationXML>
+            <emma:emma xmlns:emma="http://www.w3.org/2003/04/emma" version="1.0">
+              <emma:interpretation id="{02DCE745-F8AE-4157-93BC-8F80651E1966}" emma:medium="tactile" emma:mode="ink">
+                <msink:context xmlns:msink="http://schemas.microsoft.com/ink/2010/main" type="inkWord" rotatedBoundingBox="14662,2345 14709,2346 14706,2806 14658,2805"/>
+              </emma:interpretation>
+            </emma:emma>
+          </inkml:annotationXML>
+          <inkml:trace contextRef="#ctx0" brushRef="#br0" timeOffset="19094.7521">4528 460 0,'24'0'47,"-24"24"93,-24-24-140,24 24 16,0 0 0,0 1 15,0-1-15,0 0-1,0 0 1,0 0-1,-25-24 1,25 25-16,0-1 31</inkml:trace>
+          <inkml:trace contextRef="#ctx0" brushRef="#br0" timeOffset="20095.8979">4528 242 0,'24'0'62,"-24"24"1,0 0 187</inkml:trace>
+        </inkml:traceGroup>
+      </inkml:traceGroup>
+    </inkml:traceGroup>
+    <inkml:traceGroup>
+      <inkml:annotationXML>
+        <emma:emma xmlns:emma="http://www.w3.org/2003/04/emma" version="1.0">
+          <emma:interpretation id="{666DEA7A-778F-47BB-970C-044E71E4692C}" emma:medium="tactile" emma:mode="ink">
+            <msink:context xmlns:msink="http://schemas.microsoft.com/ink/2010/main" type="paragraph" rotatedBoundingBox="8695,4069 10622,3969 10651,4512 8723,4613" alignmentLevel="1"/>
+          </emma:interpretation>
+        </emma:emma>
+      </inkml:annotationXML>
+      <inkml:traceGroup>
+        <inkml:annotationXML>
+          <emma:emma xmlns:emma="http://www.w3.org/2003/04/emma" version="1.0">
+            <emma:interpretation id="{E1ADD104-F70F-4BDC-926D-E0D527CA0BEE}" emma:medium="tactile" emma:mode="ink">
+              <msink:context xmlns:msink="http://schemas.microsoft.com/ink/2010/main" type="line" rotatedBoundingBox="8695,4069 10622,3969 10651,4512 8723,4613"/>
+            </emma:interpretation>
+          </emma:emma>
+        </inkml:annotationXML>
+        <inkml:traceGroup>
+          <inkml:annotationXML>
+            <emma:emma xmlns:emma="http://www.w3.org/2003/04/emma" version="1.0">
+              <emma:interpretation id="{025F5A49-C909-4CB9-85FF-C06483446285}" emma:medium="tactile" emma:mode="ink">
+                <msink:context xmlns:msink="http://schemas.microsoft.com/ink/2010/main" type="inkWord" rotatedBoundingBox="8695,4069 10622,3969 10651,4512 8723,4613"/>
+              </emma:interpretation>
+              <emma:one-of disjunction-type="recognition" id="oneOf1">
+                <emma:interpretation id="interp1" emma:lang="" emma:confidence="1">
+                  <emma:literal/>
+                </emma:interpretation>
+              </emma:one-of>
+            </emma:emma>
+          </inkml:annotationXML>
+          <inkml:trace contextRef="#ctx0" brushRef="#br1" timeOffset="573510.664">-1375 2008 0,'73'73'63,"-73"-49"-63,24-24 15,-24 24-15,24-24 16</inkml:trace>
+          <inkml:trace contextRef="#ctx0" brushRef="#br1" timeOffset="573107.6513">-1423 2226 0,'-24'0'63,"48"0"30,0 0-77,0 24-16,0-24 16,1 24-16,-1-24 0,-24 24 15,24-24-15,0 0 16</inkml:trace>
+          <inkml:trace contextRef="#ctx0" brushRef="#br1" timeOffset="573952.8761">-1181 1960 0,'24'0'46,"0"24"-30,-24 0 0,0 0-16,0 0 15,0 1 1,0-1-16,0 0 16,0 0-1</inkml:trace>
+          <inkml:trace contextRef="#ctx0" brushRef="#br1" timeOffset="575133.426">-698 2105 0,'-48'97'47,"24"-73"-31,0 0-1,24 0 1</inkml:trace>
+          <inkml:trace contextRef="#ctx0" brushRef="#br1" timeOffset="574749.8351">-818 2008 0,'0'48'47,"-25"-48"-32,25 25-15,0-1 16,-24-24 0,24 24-16,0 0 15,0 0 1,-24-24-1</inkml:trace>
+          <inkml:trace contextRef="#ctx0" brushRef="#br1" timeOffset="574367.7063">-939 1960 0,'0'24'47,"0"0"-32,0 0 1,-25 0 0,25 1-1,0-1 1</inkml:trace>
+          <inkml:trace contextRef="#ctx0" brushRef="#br2" timeOffset="602476.2182">-480 2419 0,'-24'0'63,"24"-24"218,0 0-250,0 0 0,0-1 1,0 1-17,24 24-15,-24-24 31,0 0 1,0 0-1,24 24-15,-24-24-1,0-1 32,25 25-47,-25-24 31,24 0-15,-24 0 31,24 24-32,-24-24 1,24 24 0,-24-25-1,24 25 1,-24-24 0,25 24-16,-1-24 31,0 0-16,0 24 17,0 0 15,-24-24-47,24 24 15,1 0 1,-25-25 15,24 25-31,0 0 31,0 0 1,0 0-17,1 0 16,-25 25-31,24-25 32,-24 24-17,24-24 1,0 24 0,0 0 15,-24 0-31,25 1 15,-1-1 1,-24 0 0,24-24-1,-24 24 1,24 0 0,0 1 15,-24-1-16,25 0 1,-1-24 15,-24 24-15,24-24-16,-24 24 16,24-24-1,-24 24-15,0 1 31,0-1-15,24-24 0,-24 24-1,0 0 17</inkml:trace>
+          <inkml:trace contextRef="#ctx0" brushRef="#br2" timeOffset="617011.2098">52 1984 0,'25'0'266,"-1"0"-235,0 0-15,0 0 0,0 24-16,1-24 15,-25 24 1,24-24-16,0 24 15,0 1 1,0-1 0,0-24-16,-24 24 15,25 0-15,-1-24 16,0 24-16,0 1 16,0-25-16,-24 24 15,25 0-15,-1 0 16,-24 0-1,0 0 1</inkml:trace>
+          <inkml:trace contextRef="#ctx0" brushRef="#br2" timeOffset="618398.5558">-20 1960 0,'48'-49'47,"-24"25"-31,1 24-1,-1 0 17,0 0-17,0 0-15,0 0 16,1 0-16,-1 0 15,0 0-15,0 24 16,0-24-16,0 0 16</inkml:trace>
+          <inkml:trace contextRef="#ctx0" brushRef="#br2" timeOffset="617639.9623">173 2081 0,'73'72'62,"-49"-48"-62,-24 1 16,24-25-16,-24 24 16,24-24-16,-24 24 15,25-24-15,-25 24 16,24 0-1,-24 0-15,24-24 16</inkml:trace>
+          <inkml:trace contextRef="#ctx0" brushRef="#br2" timeOffset="619859.375">-456 2129 0,'-24'0'172,"0"0"-156,0 0 15,24 24-31,-24-24 31,24 24-15,-25-24 15,25 25-31,0-1 16,-24-24 0,24 24-16,0 0 31</inkml:trace>
+          <inkml:trace contextRef="#ctx0" brushRef="#br2" timeOffset="621077.0407">-214 1960 0,'-96'0'47,"71"0"-47,1 0 16,0 0-1,0 0 1,24-25-16,-24 25 16,-1 0-16,1 0 15,0 0 1,0 0 15,-25 25 0,25 47 16,0-48-31,24 1 0</inkml:trace>
+          <inkml:trace contextRef="#ctx0" brushRef="#br2" timeOffset="620475.9996">-310 2008 0,'-25'0'125,"1"0"-109,0 0-16,0 0 0,24 24 16,-24-24-16,-1 0 15,25 24 1,-24-24-1,0 0 1,24 25 0,-24-25-1,0 24 1,-1-24 0,25 24-1</inkml:trace>
+          <inkml:trace contextRef="#ctx0" brushRef="#br2" timeOffset="621638.7026">-335 2129 0,'-48'24'47,"24"-24"-31,24 24-16,-24-24 0,24 25 15,-25-1 1,1 0 0,24 0-16,-24-24 31,24 24-16</inkml:trace>
+          <inkml:trace contextRef="#ctx0" brushRef="#br2" timeOffset="622177.0348">-504 2226 0,'-24'48'47,"24"-24"-32,-24 0 1,24 1-16,0-1 15,-25-24-15,25 24 16,0 0 0,0 0 15,-24-24-31</inkml:trace>
+          <inkml:trace contextRef="#ctx0" brushRef="#br3" timeOffset="644774.3796">-1181 2395 0,'0'24'62,"-25"-24"235,25-24 125,25 24-391,-1 0 63,-48 0 15,-1 0-62,50 0 141,-50 0 15,50 0-94,-1 0-78,-48 0 94,-1 0-109,50 0 140,-50 0-31,25-24-62,25 24-1,-1 0-46,-48 0 78,-1 0-32</inkml:trace>
+          <inkml:trace contextRef="#ctx0" brushRef="#br3" timeOffset="646875.5769">-915 2419 0,'0'-24'235,"-24"24"-126,-1 0-93,1 0 15,48 0 78,1 0-62,-1 0 16,-48 0 46,-1 0-93,50 0 140,-50 0-78</inkml:trace>
+          <inkml:trace contextRef="#ctx0" brushRef="#br1" timeOffset="657045.3604">-286 2347 0,'24'0'266,"0"0"-235,0 0-15,0 0-1,-48 0 110,0 0-93,0 0-1,0 0 0,48 0 110,0 0-126,0 0-15,-48 0 141,0 0-125,0 0 15</inkml:trace>
+          <inkml:trace contextRef="#ctx0" brushRef="#br1" timeOffset="659137.8025">-20 2347 0,'24'0'141,"0"0"-94,-48 0 46,0 0-77,48 0 125,0 0-126,-24-25 1,24 25 0,-24-24 15,-24 24 16,0 24-32,48-24 126,-24 25-32,24-25 48,-48 0-48,0 0-78,48 0 47,0 0-46</inkml:trace>
+          <inkml:trace contextRef="#ctx0" brushRef="#br1" timeOffset="660750.0003">-262 2347 0,'24'0'234,"-24"24"-203,-24-24 16,48 0 16,0 0-48,0 0 16,-48 0 94,0 0-93,24-24-1,24 24 47,-48 0 16</inkml:trace>
+          <inkml:trace contextRef="#ctx0" brushRef="#br1" timeOffset="571998.0819">-1423 2443 0,'0'-24'500,"24"24"-500,-24-24 31,0 0 0,0 0 0,24-1 1,-24 1-1,0 0 0,24 24-15,-24-24-1,0 0 17,25 24-1,-25-24-31,0-1 31,24 25-15,-24-24 15,24 24-15,-24-24 15,24 24-15,-24-24 15,24 24-16,-24-24 32,24 24-47,1 0 32,-25-25 46,24 25-63,0 0 48,0 0-32,0 0 16,1 0-16,-25 25 16,24-25-47,0 0 47,-24 24-16,24-24-31,0 0 31,-24 24-15,25-24 0,-25 24 15,24-24-15,0 24 15,0-24 16,-24 25-32,24-25 17,-24 24-17,25-24 1,-25 24-1,24 0 1,0-24 15,-24 24-15,24-24 0,-24 24-1,24-24 1,-24 25-1,24-1 17,-24 0-1</inkml:trace>
+        </inkml:traceGroup>
+      </inkml:traceGroup>
+    </inkml:traceGroup>
+    <inkml:traceGroup>
+      <inkml:annotationXML>
+        <emma:emma xmlns:emma="http://www.w3.org/2003/04/emma" version="1.0">
+          <emma:interpretation id="{E926D206-4FB9-4A13-AFA9-42A79B06455E}" emma:medium="tactile" emma:mode="ink">
+            <msink:context xmlns:msink="http://schemas.microsoft.com/ink/2010/main" type="paragraph" rotatedBoundingBox="8965,4914 10359,4958 10343,5454 8949,5410" alignmentLevel="1"/>
+          </emma:interpretation>
+        </emma:emma>
+      </inkml:annotationXML>
+      <inkml:traceGroup>
+        <inkml:annotationXML>
+          <emma:emma xmlns:emma="http://www.w3.org/2003/04/emma" version="1.0">
+            <emma:interpretation id="{20B73E8C-A54B-4E76-A33F-5E8829661CF5}" emma:medium="tactile" emma:mode="ink">
+              <msink:context xmlns:msink="http://schemas.microsoft.com/ink/2010/main" type="line" rotatedBoundingBox="8965,4914 10359,4958 10343,5454 8949,5410">
+                <msink:destinationLink direction="with" ref="{CD1C33AA-0A27-42B2-BFFD-1A5A2BCE6C6C}"/>
+              </msink:context>
+            </emma:interpretation>
+          </emma:emma>
+        </inkml:annotationXML>
+        <inkml:traceGroup>
+          <inkml:annotationXML>
+            <emma:emma xmlns:emma="http://www.w3.org/2003/04/emma" version="1.0">
+              <emma:interpretation id="{6A0F327D-B8EC-4E66-A6F3-4FA3092E2093}" emma:medium="tactile" emma:mode="ink">
+                <msink:context xmlns:msink="http://schemas.microsoft.com/ink/2010/main" type="inkWord" rotatedBoundingBox="8965,4914 10359,4958 10343,5454 8949,5410">
+                  <msink:destinationLink direction="with" ref="{9D8B43C9-BF29-47CB-A8E0-9AF4B2F9A698}"/>
+                  <msink:destinationLink direction="with" ref="{E033F29F-D00F-44F5-83D9-9A9C8C5D8C12}"/>
+                </msink:context>
+              </emma:interpretation>
+            </emma:emma>
+          </inkml:annotationXML>
+          <inkml:trace contextRef="#ctx0" brushRef="#br4" timeOffset="685753.0815">-1181 2879 0,'0'24'266,"0"0"-266,0 0 15,0 1 1,0-1 0,0 0-1,0 0-15,0 0 16,0 1 0,0-1-16,0 0 15,0 0 1,0 0-1,0 1 1,0-1 0,0 0-1,0 0 63,-25-24-62</inkml:trace>
+          <inkml:trace contextRef="#ctx0" brushRef="#br4" timeOffset="686872.4429">-1157 2855 0,'0'-25'47,"24"25"-16,0 0 16,0 0-32,1 0 1,-1 0-16,0 0 31,0 25-15,0-25 15,-24 24-15,0 0 15,25 0-15,-25 0 15,0 1 0,0-1 0,-25-24 1,25 24-32,-24-24 31,0 0 0,24 24-15,-48-24 31,23 0-16</inkml:trace>
+          <inkml:trace contextRef="#ctx0" brushRef="#br4" timeOffset="690949.8055">-891 3097 0,'24'0'125,"-24"-25"-110,-24 25 157,24 25-156,-24-25-1,24 24 17,-24-24-17,24 24 1,-25-24-16,25 24 16,0 0-1,0 1 1,0-1-1,0 0-15,0 0 16,0 0 15,25-24-15,-1 0 0,0 0 15,-24-24-31,24 24 15,-24-24 1,0 0 0,0 0-1,0-1 1,0 1 0,0 0-1,24 24 16,-24-24-15,0 48 156,0 0-156,25-24-16,-25 24 15,0 1-15,0-1 16,24 0 15,0-24-15,0 0-1,0 0 1,0 0 0</inkml:trace>
+          <inkml:trace contextRef="#ctx0" brushRef="#br4" timeOffset="692114.3424">-601 2855 0,'0'-25'63,"24"25"15</inkml:trace>
+          <inkml:trace contextRef="#ctx0" brushRef="#br4" timeOffset="691655.5989">-601 3048 0,'0'24'110,"0"1"-95,0-1 1,0 0 0,0 0-1,0 0 1</inkml:trace>
+          <inkml:trace contextRef="#ctx0" brushRef="#br4" timeOffset="693170.4323">-407 3121 0,'0'-24'47,"24"24"-15,-24-25-32,24 25 31,0 0 31,1 0-30,-1 0-1,-24 25 0,24-1-15,-24 73 31,0-73-47,0 0 0,0 0 15,0 0 16,0-48 1,0 0-17,0 0-15,0-25 16,0 25-16,0-24 0,24 24 16,-24-1-1,24 25-15,-24-24 0,24 24 47,1 0-31</inkml:trace>
+          <inkml:trace contextRef="#ctx0" brushRef="#br4" timeOffset="693919.8079">-20 3048 0,'24'0'94,"0"0"-94,25-24 15,-25 24-15,0 0 16,0 0-16,0 0 16,1 0-1,-25-24 1</inkml:trace>
+        </inkml:traceGroup>
+      </inkml:traceGroup>
+    </inkml:traceGroup>
+    <inkml:traceGroup>
+      <inkml:annotationXML>
+        <emma:emma xmlns:emma="http://www.w3.org/2003/04/emma" version="1.0">
+          <emma:interpretation id="{318CE1EE-B858-429E-B361-8D5001293574}" emma:medium="tactile" emma:mode="ink">
+            <msink:context xmlns:msink="http://schemas.microsoft.com/ink/2010/main" type="paragraph" rotatedBoundingBox="9027,4699 8359,6621 7866,6449 8534,4528" alignmentLevel="1"/>
+          </emma:interpretation>
+        </emma:emma>
+      </inkml:annotationXML>
+      <inkml:traceGroup>
+        <inkml:annotationXML>
+          <emma:emma xmlns:emma="http://www.w3.org/2003/04/emma" version="1.0">
+            <emma:interpretation id="{43E1C9A9-F078-40A7-A75B-6B563A639263}" emma:medium="tactile" emma:mode="ink">
+              <msink:context xmlns:msink="http://schemas.microsoft.com/ink/2010/main" type="line" rotatedBoundingBox="9027,4699 8359,6621 7866,6449 8534,4528"/>
+            </emma:interpretation>
+          </emma:emma>
+        </inkml:annotationXML>
+        <inkml:traceGroup>
+          <inkml:annotationXML>
+            <emma:emma xmlns:emma="http://www.w3.org/2003/04/emma" version="1.0">
+              <emma:interpretation id="{BA800FF0-287E-4261-9E4C-5F62EA314332}" emma:medium="tactile" emma:mode="ink">
+                <msink:context xmlns:msink="http://schemas.microsoft.com/ink/2010/main" type="inkWord" rotatedBoundingBox="8474,6291 8403,6494 8217,6430 8288,6226">
+                  <msink:destinationLink direction="with" ref="{BD22C97F-DC02-4B6F-AD9C-73F8FFE0441D}"/>
+                  <msink:destinationLink direction="from" ref="{362D8207-6955-4B94-9360-CB1CEC8EBBBA}"/>
+                  <msink:destinationLink direction="to" ref="{362D8207-6955-4B94-9360-CB1CEC8EBBBA}"/>
+                  <msink:destinationLink direction="with" ref="{9D8B43C9-BF29-47CB-A8E0-9AF4B2F9A698}"/>
+                </msink:context>
+              </emma:interpretation>
+              <emma:one-of disjunction-type="recognition" id="oneOf2">
+                <emma:interpretation id="interp2" emma:lang="" emma:confidence="0">
+                  <emma:literal>z</emma:literal>
+                </emma:interpretation>
+                <emma:interpretation id="interp3" emma:lang="" emma:confidence="0">
+                  <emma:literal>Z</emma:literal>
+                </emma:interpretation>
+                <emma:interpretation id="interp4" emma:lang="" emma:confidence="0">
+                  <emma:literal>2</emma:literal>
+                </emma:interpretation>
+                <emma:interpretation id="interp5" emma:lang="" emma:confidence="0">
+                  <emma:literal>3</emma:literal>
+                </emma:interpretation>
+                <emma:interpretation id="interp6" emma:lang="" emma:confidence="0">
+                  <emma:literal>a</emma:literal>
+                </emma:interpretation>
+              </emma:one-of>
+            </emma:emma>
+          </inkml:annotationXML>
+          <inkml:trace contextRef="#ctx0" brushRef="#br4" timeOffset="729171.5566">-1931 4306 0,'24'-24'109,"0"24"-78,-24-24-31,24 24 16,1 0 15,-25 24 47,24 0-62,-24 0 0,0 0 15,24-24-15,-24 25-16,24-50 125,-24 1-110,0 0-15,24 0 0,-24 0 16,24 24-1,-24-24-15,0-1 0,25 25 16,-25-24 0</inkml:trace>
+        </inkml:traceGroup>
+        <inkml:traceGroup>
+          <inkml:annotationXML>
+            <emma:emma xmlns:emma="http://www.w3.org/2003/04/emma" version="1.0">
+              <emma:interpretation id="{5B4DF6FF-0292-4083-B592-F5B0B1590285}" emma:medium="tactile" emma:mode="ink">
+                <msink:context xmlns:msink="http://schemas.microsoft.com/ink/2010/main" type="inkWord" rotatedBoundingBox="8167,6184 8052,6514 7868,6450 7982,6120"/>
+              </emma:interpretation>
+              <emma:one-of disjunction-type="recognition" id="oneOf3">
+                <emma:interpretation id="interp7" emma:lang="" emma:confidence="1">
+                  <emma:literal/>
+                </emma:interpretation>
+              </emma:one-of>
+            </emma:emma>
+          </inkml:annotationXML>
+          <inkml:trace contextRef="#ctx0" brushRef="#br4" timeOffset="727355.8199">-2173 4040 0,'0'-24'62,"0"48"141,0 0-187,0 0 0,0 1-16,24-25 15,-24 24-15,0 0 16,0 0-16,0 0 0,0 1 15,0-1-15,0 0 16,0 0-16,0 0 16,0 0-16,0 1 15,24-25-15,-24 24 16,24-24 31</inkml:trace>
+        </inkml:traceGroup>
+        <inkml:traceGroup>
+          <inkml:annotationXML>
+            <emma:emma xmlns:emma="http://www.w3.org/2003/04/emma" version="1.0">
+              <emma:interpretation id="{958E5B9A-3374-4102-B476-08D72625E9E8}" emma:medium="tactile" emma:mode="ink">
+                <msink:context xmlns:msink="http://schemas.microsoft.com/ink/2010/main" type="inkWord" rotatedBoundingBox="8329,6074 8230,6358 7934,6255 8033,5971"/>
+              </emma:interpretation>
+              <emma:one-of disjunction-type="recognition" id="oneOf4">
+                <emma:interpretation id="interp8" emma:lang="" emma:confidence="0">
+                  <emma:literal>J</emma:literal>
+                </emma:interpretation>
+                <emma:interpretation id="interp9" emma:lang="" emma:confidence="0">
+                  <emma:literal>,</emma:literal>
+                </emma:interpretation>
+                <emma:interpretation id="interp10" emma:lang="" emma:confidence="0">
+                  <emma:literal>W</emma:literal>
+                </emma:interpretation>
+                <emma:interpretation id="interp11" emma:lang="" emma:confidence="0">
+                  <emma:literal>j</emma:literal>
+                </emma:interpretation>
+                <emma:interpretation id="interp12" emma:lang="" emma:confidence="0">
+                  <emma:literal>v</emma:literal>
+                </emma:interpretation>
+              </emma:one-of>
+            </emma:emma>
+          </inkml:annotationXML>
+          <inkml:trace contextRef="#ctx0" brushRef="#br4" timeOffset="728233.7769">-2149 3943 0,'48'0'78,"-23"0"-62,-1 0-16,0 0 16,0 0-16,0 0 15,1 0-15,-1 0 16,0 0 0,-24 24-16,24-24 15,-24 25 1,24-25-1,-24 24-15,0 0 32,0 0-17,-24-24 1,24 24-16,-24-24 16,24 25-16,-24-25 15,0 24-15,-1-24 16,1 0-1,0 24 1,0-24-16,0 0 16,-1 24-16,1-24 15</inkml:trace>
+        </inkml:traceGroup>
+        <inkml:traceGroup>
+          <inkml:annotationXML>
+            <emma:emma xmlns:emma="http://www.w3.org/2003/04/emma" version="1.0">
+              <emma:interpretation id="{35102D6D-6281-42FE-8985-CD74E48B6498}" emma:medium="tactile" emma:mode="ink">
+                <msink:context xmlns:msink="http://schemas.microsoft.com/ink/2010/main" type="inkWord" rotatedBoundingBox="8936,4668 8684,5394 8386,5290 8638,4564">
+                  <msink:destinationLink direction="with" ref="{CD1C33AA-0A27-42B2-BFFD-1A5A2BCE6C6C}"/>
+                </msink:context>
+              </emma:interpretation>
+              <emma:one-of disjunction-type="recognition" id="oneOf5">
+                <emma:interpretation id="interp13" emma:lang="" emma:confidence="1">
+                  <emma:literal/>
+                </emma:interpretation>
+              </emma:one-of>
+            </emma:emma>
+          </inkml:annotationXML>
+          <inkml:trace contextRef="#ctx0" brushRef="#br5" timeOffset="554584.151">-1520 2468 0,'24'0'15,"-24"24"142,0 0-126,0 0-15,0 0-1,0 1 1,0-1-1,0 0 17,0 0-32,0 0 15,0 1 1,0-1 0,0 0-1,0 0-15,0 0 16,0 0-1,0 1 1,0-1 0,0 0-16,0 0 15,0 0 1,0 1 0,0-1-16,0 0 15,0 0-15,0 0 31,0 1-31,0-1 16,0 0 0,24-24-16,-24 24 15,0 0-15,0 1 16,0-1 0,0 0-1,0 0 16</inkml:trace>
+        </inkml:traceGroup>
+      </inkml:traceGroup>
+    </inkml:traceGroup>
+  </inkml:traceGroup>
+</inkml:ink>
+</file>
+
+<file path=ppt/ink/ink105.xml><?xml version="1.0" encoding="utf-8"?>
+<inkml:ink xmlns:inkml="http://www.w3.org/2003/InkML">
+  <inkml:definitions>
+    <inkml:context xml:id="ctx0">
+      <inkml:inkSource xml:id="inkSrc0">
+        <inkml:traceFormat>
+          <inkml:channel name="X" type="integer" min="-1920" max="3840" units="cm"/>
+          <inkml:channel name="Y" type="integer" max="1080" units="cm"/>
+          <inkml:channel name="T" type="integer" max="2.14748E9" units="dev"/>
+        </inkml:traceFormat>
+        <inkml:channelProperties>
+          <inkml:channelProperty channel="X" name="resolution" value="109.29791" units="1/cm"/>
+          <inkml:channelProperty channel="Y" name="resolution" value="36.48649" units="1/cm"/>
+          <inkml:channelProperty channel="T" name="resolution" value="1" units="1/dev"/>
+        </inkml:channelProperties>
+      </inkml:inkSource>
+      <inkml:timestamp xml:id="ts0" timeString="2017-12-28T07:18:12.282"/>
+    </inkml:context>
+    <inkml:brush xml:id="br0">
+      <inkml:brushProperty name="width" value="0.07938" units="cm"/>
+      <inkml:brushProperty name="height" value="0.07938" units="cm"/>
+      <inkml:brushProperty name="color" value="#C00000"/>
+      <inkml:brushProperty name="fitToCurve" value="1"/>
+    </inkml:brush>
+  </inkml:definitions>
+  <inkml:traceGroup>
+    <inkml:annotationXML>
+      <emma:emma xmlns:emma="http://www.w3.org/2003/04/emma" version="1.0">
+        <emma:interpretation id="{BD22C97F-DC02-4B6F-AD9C-73F8FFE0441D}" emma:medium="tactile" emma:mode="ink">
+          <msink:context xmlns:msink="http://schemas.microsoft.com/ink/2010/main" type="inkDrawing" rotatedBoundingBox="8627,6506 8655,6256 8820,6274 8792,6524" semanticType="callout" shapeName="Other">
+            <msink:sourceLink direction="with" ref="{BA800FF0-287E-4261-9E4C-5F62EA314332}"/>
+          </msink:context>
+        </emma:interpretation>
+      </emma:emma>
+    </inkml:annotationXML>
+    <inkml:trace contextRef="#ctx0" brushRef="#br0">48 50 0,'0'25'94,"-24"-1"-79,24 0-15,0 0 16,-24 0 0,24 0-16,0 1 15,0-1 1,24-24 0,0 0-1,1 0 1,-1 0-16,0 0 15,-24-24-15,24-1 16,-24 1-16,24 0 16,-24 0-1,0 0-15,0 0 16,0-25 0,-72 25 30,48 24-46,-1 0 16,25 24 0,-24-24-16,24 24 15</inkml:trace>
+  </inkml:traceGroup>
+</inkml:ink>
+</file>
+
+<file path=ppt/ink/ink106.xml><?xml version="1.0" encoding="utf-8"?>
+<inkml:ink xmlns:inkml="http://www.w3.org/2003/InkML">
+  <inkml:definitions>
+    <inkml:context xml:id="ctx0">
+      <inkml:inkSource xml:id="inkSrc0">
+        <inkml:traceFormat>
+          <inkml:channel name="X" type="integer" min="-1920" max="3840" units="cm"/>
+          <inkml:channel name="Y" type="integer" max="1080" units="cm"/>
+          <inkml:channel name="T" type="integer" max="2.14748E9" units="dev"/>
+        </inkml:traceFormat>
+        <inkml:channelProperties>
+          <inkml:channelProperty channel="X" name="resolution" value="109.29791" units="1/cm"/>
+          <inkml:channelProperty channel="Y" name="resolution" value="36.48649" units="1/cm"/>
+          <inkml:channelProperty channel="T" name="resolution" value="1" units="1/dev"/>
+        </inkml:channelProperties>
+      </inkml:inkSource>
+      <inkml:timestamp xml:id="ts0" timeString="2017-12-28T07:18:13.329"/>
+    </inkml:context>
+    <inkml:brush xml:id="br0">
+      <inkml:brushProperty name="width" value="0.07938" units="cm"/>
+      <inkml:brushProperty name="height" value="0.07938" units="cm"/>
+      <inkml:brushProperty name="color" value="#C00000"/>
+      <inkml:brushProperty name="fitToCurve" value="1"/>
+    </inkml:brush>
+  </inkml:definitions>
+  <inkml:traceGroup>
+    <inkml:annotationXML>
+      <emma:emma xmlns:emma="http://www.w3.org/2003/04/emma" version="1.0">
+        <emma:interpretation id="{362D8207-6955-4B94-9360-CB1CEC8EBBBA}" emma:medium="tactile" emma:mode="ink">
+          <msink:context xmlns:msink="http://schemas.microsoft.com/ink/2010/main" type="inkDrawing" rotatedBoundingBox="8866,6739 8943,6252 9125,6281 9048,6768" semanticType="callout" shapeName="Other">
+            <msink:sourceLink direction="from" ref="{BA800FF0-287E-4261-9E4C-5F62EA314332}"/>
+            <msink:sourceLink direction="to" ref="{BA800FF0-287E-4261-9E4C-5F62EA314332}"/>
+          </msink:context>
+        </emma:interpretation>
+      </emma:emma>
+    </inkml:annotationXML>
+    <inkml:trace contextRef="#ctx0" brushRef="#br0">127 9 0,'0'-24'47,"-24"48"-32,0 0 17,-1 1-32,25-1 15,-24-24 1,24 24-1,0 0 1,24-24 15,1 0-15,-1 0 0,0 0-1,0-24 1,-24 0-16,24 24 15,-24-24-15,0-1 16,0 1 31,0 48 15,0 1-46,0-1 0,0 0-16,0 0 15,0 0-15,0 0 16,0 1-16,0-1 16,0 0-1,0 0-15,0 0 16,0 1-1,0-1 1,-24 0 0,24 0-16,-24 0 31,24 1-31,-24-25 31,0 24-31,-1-24 31,1 0-15,0-24 0,24-1-1,0 1-15,0 0 16,0 0 0,0 0-1</inkml:trace>
+  </inkml:traceGroup>
+</inkml:ink>
+</file>
+
+<file path=ppt/ink/ink107.xml><?xml version="1.0" encoding="utf-8"?>
+<inkml:ink xmlns:inkml="http://www.w3.org/2003/InkML">
+  <inkml:definitions>
+    <inkml:context xml:id="ctx0">
+      <inkml:inkSource xml:id="inkSrc0">
+        <inkml:traceFormat>
+          <inkml:channel name="X" type="integer" min="-1920" max="3840" units="cm"/>
+          <inkml:channel name="Y" type="integer" max="1080" units="cm"/>
+          <inkml:channel name="T" type="integer" max="2.14748E9" units="dev"/>
+        </inkml:traceFormat>
+        <inkml:channelProperties>
+          <inkml:channelProperty channel="X" name="resolution" value="109.29791" units="1/cm"/>
+          <inkml:channelProperty channel="Y" name="resolution" value="36.48649" units="1/cm"/>
+          <inkml:channelProperty channel="T" name="resolution" value="1" units="1/dev"/>
+        </inkml:channelProperties>
+      </inkml:inkSource>
+      <inkml:timestamp xml:id="ts0" timeString="2017-12-28T07:18:14.194"/>
+    </inkml:context>
+    <inkml:brush xml:id="br0">
+      <inkml:brushProperty name="width" value="0.07938" units="cm"/>
+      <inkml:brushProperty name="height" value="0.07938" units="cm"/>
+      <inkml:brushProperty name="color" value="#C00000"/>
+      <inkml:brushProperty name="fitToCurve" value="1"/>
+    </inkml:brush>
+  </inkml:definitions>
+  <inkml:traceGroup>
+    <inkml:annotationXML>
+      <emma:emma xmlns:emma="http://www.w3.org/2003/04/emma" version="1.0">
+        <emma:interpretation id="{9D8B43C9-BF29-47CB-A8E0-9AF4B2F9A698}" emma:medium="tactile" emma:mode="ink">
+          <msink:context xmlns:msink="http://schemas.microsoft.com/ink/2010/main" type="inkDrawing" rotatedBoundingBox="9337,6263 9350,6452 9178,6464 9165,6275" semanticType="callout" shapeName="Other">
+            <msink:sourceLink direction="with" ref="{BA800FF0-287E-4261-9E4C-5F62EA314332}"/>
+            <msink:sourceLink direction="with" ref="{6A0F327D-B8EC-4E66-A6F3-4FA3092E2093}"/>
+          </msink:context>
+        </emma:interpretation>
+      </emma:emma>
+    </inkml:annotationXML>
+    <inkml:trace contextRef="#ctx0" brushRef="#br0">0 48 0,'24'-24'63,"1"24"-63,-1 0 46,0 24-14,-24 1-1,24-25-31,-24 24 0,0 0 31,0 0-15,0 0-1,-24 0 1,24-48 47,0 0-48,0 0 1,0 0-16,24 0 0,-24-1 15,24 1 1,-24 0 0,25 24 46</inkml:trace>
+  </inkml:traceGroup>
+</inkml:ink>
+</file>
+
+<file path=ppt/ink/ink108.xml><?xml version="1.0" encoding="utf-8"?>
+<inkml:ink xmlns:inkml="http://www.w3.org/2003/InkML">
+  <inkml:definitions>
+    <inkml:context xml:id="ctx0">
+      <inkml:inkSource xml:id="inkSrc0">
+        <inkml:traceFormat>
+          <inkml:channel name="X" type="integer" min="-1920" max="3840" units="cm"/>
+          <inkml:channel name="Y" type="integer" max="1080" units="cm"/>
+          <inkml:channel name="T" type="integer" max="2.14748E9" units="dev"/>
+        </inkml:traceFormat>
+        <inkml:channelProperties>
+          <inkml:channelProperty channel="X" name="resolution" value="109.29791" units="1/cm"/>
+          <inkml:channelProperty channel="Y" name="resolution" value="36.48649" units="1/cm"/>
+          <inkml:channelProperty channel="T" name="resolution" value="1" units="1/dev"/>
+        </inkml:channelProperties>
+      </inkml:inkSource>
+      <inkml:timestamp xml:id="ts0" timeString="2017-12-28T07:18:15.235"/>
+    </inkml:context>
+    <inkml:brush xml:id="br0">
+      <inkml:brushProperty name="width" value="0.07938" units="cm"/>
+      <inkml:brushProperty name="height" value="0.07938" units="cm"/>
+      <inkml:brushProperty name="color" value="#C00000"/>
+      <inkml:brushProperty name="fitToCurve" value="1"/>
+    </inkml:brush>
+  </inkml:definitions>
+  <inkml:traceGroup>
+    <inkml:annotationXML>
+      <emma:emma xmlns:emma="http://www.w3.org/2003/04/emma" version="1.0">
+        <emma:interpretation id="{E033F29F-D00F-44F5-83D9-9A9C8C5D8C12}" emma:medium="tactile" emma:mode="ink">
+          <msink:context xmlns:msink="http://schemas.microsoft.com/ink/2010/main" type="inkDrawing" rotatedBoundingBox="9388,6308 9643,6241 9700,6458 9444,6524" semanticType="callout" shapeName="Other">
+            <msink:sourceLink direction="with" ref="{6A0F327D-B8EC-4E66-A6F3-4FA3092E2093}"/>
+          </msink:context>
+        </emma:interpretation>
+      </emma:emma>
+    </inkml:annotationXML>
+    <inkml:trace contextRef="#ctx0" brushRef="#br0">121 0 0,'-24'24'110,"0"0"-95,0 1 1,24-1-16,-25-24 15,25 24-15,0 0 16,-24-24-16,24 24 16,0 0-1,0 1 17,24-25-1,1 0-31,-1 0 15,0 0 1,-24-25 0,24 25-16,-24-24 15,0 0-15,24 0 16,-24 0-16,0 0 16,0-1-1,0 1 16,0 48 110,0 1-125,0-1-16,0 0 15,25 0 1,-25 0 0,0 0-1,24-24-15,0 0 16,0 0-1,0 0 1</inkml:trace>
+  </inkml:traceGroup>
+</inkml:ink>
+</file>
+
+<file path=ppt/ink/ink109.xml><?xml version="1.0" encoding="utf-8"?>
+<inkml:ink xmlns:inkml="http://www.w3.org/2003/InkML">
+  <inkml:definitions>
+    <inkml:context xml:id="ctx0">
+      <inkml:inkSource xml:id="inkSrc0">
+        <inkml:traceFormat>
+          <inkml:channel name="X" type="integer" min="-1920" max="3840" units="cm"/>
+          <inkml:channel name="Y" type="integer" max="1080" units="cm"/>
+          <inkml:channel name="T" type="integer" max="2.14748E9" units="dev"/>
+        </inkml:traceFormat>
+        <inkml:channelProperties>
+          <inkml:channelProperty channel="X" name="resolution" value="109.29791" units="1/cm"/>
+          <inkml:channelProperty channel="Y" name="resolution" value="36.48649" units="1/cm"/>
+          <inkml:channelProperty channel="T" name="resolution" value="1" units="1/dev"/>
+        </inkml:channelProperties>
+      </inkml:inkSource>
+      <inkml:timestamp xml:id="ts0" timeString="2017-12-28T07:18:16.458"/>
+    </inkml:context>
+    <inkml:brush xml:id="br0">
+      <inkml:brushProperty name="width" value="0.07938" units="cm"/>
+      <inkml:brushProperty name="height" value="0.07938" units="cm"/>
+      <inkml:brushProperty name="color" value="#C00000"/>
+      <inkml:brushProperty name="fitToCurve" value="1"/>
+    </inkml:brush>
+  </inkml:definitions>
+  <inkml:traceGroup>
+    <inkml:annotationXML>
+      <emma:emma xmlns:emma="http://www.w3.org/2003/04/emma" version="1.0">
+        <emma:interpretation id="{B5B3D633-527E-40F9-BD02-B47ABE0951B3}" emma:medium="tactile" emma:mode="ink">
+          <msink:context xmlns:msink="http://schemas.microsoft.com/ink/2010/main" type="inkDrawing"/>
+        </emma:interpretation>
+      </emma:emma>
+    </inkml:annotationXML>
+    <inkml:trace contextRef="#ctx0" brushRef="#br0">1 0 0,'0'48'63,"0"-24"-47,0 1-1,0-1 1,24 0-1,0-24 95,-24-24-95,25 0 1,-1 24 15,-24-25-31,24 1 47,-24 48 47,0 1-78,0-1-1,0 0 1,0 0-1,24-24 32,0 0 0,-24-24-47,24 0 0,1 0 16,-25-1-1,24 25 1,-24-24-16,24 24 16,-24-24-1,0 48 63,24-24-78,-24 24 16,0 1 0,0-1-16,0 0 15,0 0 1,0 0 0</inkml:trace>
+  </inkml:traceGroup>
+</inkml:ink>
+</file>
+
+<file path=ppt/ink/ink11.xml><?xml version="1.0" encoding="utf-8"?>
+<inkml:ink xmlns:inkml="http://www.w3.org/2003/InkML">
+  <inkml:definitions>
+    <inkml:context xml:id="ctx0">
+      <inkml:inkSource xml:id="inkSrc0">
+        <inkml:traceFormat>
+          <inkml:channel name="X" type="integer" min="-1920" max="3840" units="cm"/>
+          <inkml:channel name="Y" type="integer" max="1080" units="cm"/>
+          <inkml:channel name="T" type="integer" max="2.14748E9" units="dev"/>
+        </inkml:traceFormat>
+        <inkml:channelProperties>
+          <inkml:channelProperty channel="X" name="resolution" value="109.29791" units="1/cm"/>
+          <inkml:channelProperty channel="Y" name="resolution" value="36.48649" units="1/cm"/>
+          <inkml:channelProperty channel="T" name="resolution" value="1" units="1/dev"/>
+        </inkml:channelProperties>
+      </inkml:inkSource>
+      <inkml:timestamp xml:id="ts0" timeString="2017-12-27T12:09:09.199"/>
+    </inkml:context>
+    <inkml:brush xml:id="br0">
+      <inkml:brushProperty name="width" value="0.05292" units="cm"/>
+      <inkml:brushProperty name="height" value="0.05292" units="cm"/>
+      <inkml:brushProperty name="fitToCurve" value="1"/>
+    </inkml:brush>
+  </inkml:definitions>
+  <inkml:traceGroup>
+    <inkml:annotationXML>
+      <emma:emma xmlns:emma="http://www.w3.org/2003/04/emma" version="1.0">
+        <emma:interpretation id="{9F195F5D-A90B-4A7E-8E2D-1F186DD54C7E}" emma:medium="tactile" emma:mode="ink">
+          <msink:context xmlns:msink="http://schemas.microsoft.com/ink/2010/main" type="writingRegion" rotatedBoundingBox="20617,3060 20978,4256 20175,4499 19813,3303">
+            <msink:destinationLink direction="with" ref="{A673BB4B-4F88-4931-95AA-D7FF1FA87F19}"/>
+          </msink:context>
+        </emma:interpretation>
+      </emma:emma>
+    </inkml:annotationXML>
+    <inkml:traceGroup>
+      <inkml:annotationXML>
+        <emma:emma xmlns:emma="http://www.w3.org/2003/04/emma" version="1.0">
+          <emma:interpretation id="{D7A45669-EBA0-4D7E-B1B5-AA365BDA002F}" emma:medium="tactile" emma:mode="ink">
+            <msink:context xmlns:msink="http://schemas.microsoft.com/ink/2010/main" type="paragraph" rotatedBoundingBox="20617,3060 20978,4256 20175,4499 19813,3303" alignmentLevel="1"/>
+          </emma:interpretation>
+        </emma:emma>
+      </inkml:annotationXML>
+      <inkml:traceGroup>
+        <inkml:annotationXML>
+          <emma:emma xmlns:emma="http://www.w3.org/2003/04/emma" version="1.0">
+            <emma:interpretation id="{DA8D267D-76D4-4807-884D-266ADF50F994}" emma:medium="tactile" emma:mode="ink">
+              <msink:context xmlns:msink="http://schemas.microsoft.com/ink/2010/main" type="line" rotatedBoundingBox="20617,3060 20978,4256 20175,4499 19813,3303"/>
+            </emma:interpretation>
+          </emma:emma>
+        </inkml:annotationXML>
+        <inkml:traceGroup>
+          <inkml:annotationXML>
+            <emma:emma xmlns:emma="http://www.w3.org/2003/04/emma" version="1.0">
+              <emma:interpretation id="{958C9CBF-483E-4339-B543-2CE3709DA06B}" emma:medium="tactile" emma:mode="ink">
+                <msink:context xmlns:msink="http://schemas.microsoft.com/ink/2010/main" type="inkWord" rotatedBoundingBox="20617,3060 20978,4256 20175,4499 19813,3303"/>
+              </emma:interpretation>
+              <emma:one-of disjunction-type="recognition" id="oneOf0">
+                <emma:interpretation id="interp0" emma:lang="" emma:confidence="1">
+                  <emma:literal/>
+                </emma:interpretation>
+              </emma:one-of>
+            </emma:emma>
+          </inkml:annotationXML>
+          <inkml:trace contextRef="#ctx0" brushRef="#br0">145 387 0,'0'24'63,"24"-24"-1,0-24-46,1 24 0,-1 0 46,0 0-31</inkml:trace>
+          <inkml:trace contextRef="#ctx0" brushRef="#br0" timeOffset="1446.8875">314 581 0</inkml:trace>
+          <inkml:trace contextRef="#ctx0" brushRef="#br0" timeOffset="1808.4272">314 581 0,'121'24'0,"-97"-24"78,1 0-62</inkml:trace>
+          <inkml:trace contextRef="#ctx0" brushRef="#br0" timeOffset="2887.2929">24 605 0,'24'0'62,"0"0"-62,1 0 16,-1 0-16</inkml:trace>
+          <inkml:trace contextRef="#ctx0" brushRef="#br0" timeOffset="5407.5628">72 919 0,'49'0'46,"-25"0"-14</inkml:trace>
+          <inkml:trace contextRef="#ctx0" brushRef="#br0" timeOffset="4824.2505">242 750 0,'-24'0'47,"48"0"0</inkml:trace>
+          <inkml:trace contextRef="#ctx0" brushRef="#br0" timeOffset="328.7659">435 435 0,'24'0'47</inkml:trace>
+          <inkml:trace contextRef="#ctx0" brushRef="#br0" timeOffset="712.3659">653 435 0,'24'0'47,"0"0"-16,1 0 0,-1 0 1,0 0 46</inkml:trace>
+          <inkml:trace contextRef="#ctx0" brushRef="#br0" timeOffset="2055.6392">532 581 0,'48'0'62,"-23"0"-46,-1 0 0,0 0-1,0 0 1,0 0 0</inkml:trace>
+          <inkml:trace contextRef="#ctx0" brushRef="#br0" timeOffset="2219.0051">701 581 0,'25'0'47,"-1"0"-32,0 0 1,0 0 0,0 0-16,1 0 31</inkml:trace>
+          <inkml:trace contextRef="#ctx0" brushRef="#br0" timeOffset="4013.043">411 750 0,'48'0'47,"-23"0"-31,-1 0 77,0 0-14,0 0-79,0 0 31,1 0-16,-1 0 1,0 0 0,0 0-1,0 0 1,-24 24 15</inkml:trace>
+          <inkml:trace contextRef="#ctx0" brushRef="#br0" timeOffset="4275.6034">726 774 0,'72'24'0,"1"-24"47,-49 0-47</inkml:trace>
+          <inkml:trace contextRef="#ctx0" brushRef="#br0" timeOffset="4079.3493">726 774 0</inkml:trace>
+          <inkml:trace contextRef="#ctx0" brushRef="#br0" timeOffset="5596.3418">242 943 0,'48'0'47,"-24"0"-32</inkml:trace>
+          <inkml:trace contextRef="#ctx0" brushRef="#br0" timeOffset="5775.5472">242 943 0,'145'0'0,"-73"0"47</inkml:trace>
+          <inkml:trace contextRef="#ctx0" brushRef="#br0" timeOffset="6195.0679">556 943 0,'24'0'47,"1"0"-32,-1 0 1,0 0 15,0 0 32,0 0-32,-24 25-16,0-1 17,25-24-17,-1 0 1,0 0 0</inkml:trace>
+          <inkml:trace contextRef="#ctx0" brushRef="#br0" timeOffset="6307.8013">847 968 0</inkml:trace>
+          <inkml:trace contextRef="#ctx0" brushRef="#br0" timeOffset="6997.688">314 1089 0,'-48'24'46,"72"-24"17,0 0-47,1 0-1,-1 0-15,24 0 31</inkml:trace>
+          <inkml:trace contextRef="#ctx0" brushRef="#br0" timeOffset="7670.6801">629 1089 0,'97'24'16,"-73"-24"47,0 0-48,49 0 32,-49 0 16,0 0-48,0 24 1,0-24 15,0 0-15</inkml:trace>
+          <inkml:trace contextRef="#ctx0" brushRef="#br0" timeOffset="7289.6879">629 1089 0,'72'0'47</inkml:trace>
+          <inkml:trace contextRef="#ctx0" brushRef="#br0" timeOffset="8309.6173">193 1306 0,'146'0'0</inkml:trace>
+          <inkml:trace contextRef="#ctx0" brushRef="#br0" timeOffset="8239.909">193 1306 0,'25'0'78,"23"0"-62,-24 0-16,0 0 15</inkml:trace>
+          <inkml:trace contextRef="#ctx0" brushRef="#br0" timeOffset="8407.256">411 1306 0</inkml:trace>
+          <inkml:trace contextRef="#ctx0" brushRef="#br0" timeOffset="8488.5777">411 1306 0,'24'0'0,"25"0"46</inkml:trace>
+          <inkml:trace contextRef="#ctx0" brushRef="#br0" timeOffset="9537.8566">363 1403 0,'24'0'47,"0"0"-31,0 0-16,0 0 15</inkml:trace>
+          <inkml:trace contextRef="#ctx0" brushRef="#br0" timeOffset="8887.1557">726 1306 0,'48'-24'47,"-24"24"-1,0 0-30</inkml:trace>
+          <inkml:trace contextRef="#ctx0" brushRef="#br0" timeOffset="9044.6953">726 1306 0,'121'-24'15,"-97"24"16,0 0-15,0 0 0</inkml:trace>
+          <inkml:trace contextRef="#ctx0" brushRef="#br0" timeOffset="9885.5849">532 1451 0,'145'0'16,"-121"0"15,1 0 0</inkml:trace>
+          <inkml:trace contextRef="#ctx0" brushRef="#br0" timeOffset="9705.5134">532 1451 0,'48'0'62</inkml:trace>
+          <inkml:trace contextRef="#ctx0" brushRef="#br0" timeOffset="10096.1703">774 1451 0,'97'0'62,"-73"0"-46,0 0 0,0 0-1</inkml:trace>
+        </inkml:traceGroup>
+      </inkml:traceGroup>
+    </inkml:traceGroup>
+  </inkml:traceGroup>
+</inkml:ink>
+</file>
+
+<file path=ppt/ink/ink110.xml><?xml version="1.0" encoding="utf-8"?>
+<inkml:ink xmlns:inkml="http://www.w3.org/2003/InkML">
+  <inkml:definitions>
+    <inkml:context xml:id="ctx0">
+      <inkml:inkSource xml:id="inkSrc0">
+        <inkml:traceFormat>
+          <inkml:channel name="X" type="integer" min="-1920" max="3840" units="cm"/>
+          <inkml:channel name="Y" type="integer" max="1080" units="cm"/>
+          <inkml:channel name="T" type="integer" max="2.14748E9" units="dev"/>
+        </inkml:traceFormat>
+        <inkml:channelProperties>
+          <inkml:channelProperty channel="X" name="resolution" value="109.29791" units="1/cm"/>
+          <inkml:channelProperty channel="Y" name="resolution" value="36.48649" units="1/cm"/>
+          <inkml:channelProperty channel="T" name="resolution" value="1" units="1/dev"/>
+        </inkml:channelProperties>
+      </inkml:inkSource>
+      <inkml:timestamp xml:id="ts0" timeString="2017-12-28T07:18:17.568"/>
+    </inkml:context>
+    <inkml:brush xml:id="br0">
+      <inkml:brushProperty name="width" value="0.07938" units="cm"/>
+      <inkml:brushProperty name="height" value="0.07938" units="cm"/>
+      <inkml:brushProperty name="color" value="#C00000"/>
+      <inkml:brushProperty name="fitToCurve" value="1"/>
+    </inkml:brush>
+  </inkml:definitions>
+  <inkml:traceGroup>
+    <inkml:annotationXML>
+      <emma:emma xmlns:emma="http://www.w3.org/2003/04/emma" version="1.0">
+        <emma:interpretation id="{D40F2C63-AEFA-4A24-86F5-60852CD2D3C1}" emma:medium="tactile" emma:mode="ink">
+          <msink:context xmlns:msink="http://schemas.microsoft.com/ink/2010/main" type="inkDrawing"/>
+        </emma:interpretation>
+      </emma:emma>
+    </inkml:annotationXML>
+    <inkml:trace contextRef="#ctx0" brushRef="#br0">0 0 0,'24'0'62,"1"24"-15,-25 0-31,0 0-1,0 1 1,0-1-16,0 0 31,24-24 47,-24-24-62,24 0 0,-24-1-16,24 25 0,-24-24 15,24 24 1,-24-24-16,25 24 109,-25 24-93,0 0-1,0 1 1,24-25 15,0 0 1,0-25-17,0 1 1,0 0-1,1 24 17,-25 24 61,0 0-77,24 1 0,-24-1-16,0 0 15,0 0 1,0 0 0</inkml:trace>
+  </inkml:traceGroup>
+</inkml:ink>
+</file>
+
+<file path=ppt/ink/ink111.xml><?xml version="1.0" encoding="utf-8"?>
+<inkml:ink xmlns:inkml="http://www.w3.org/2003/InkML">
+  <inkml:definitions>
+    <inkml:context xml:id="ctx0">
+      <inkml:inkSource xml:id="inkSrc0">
+        <inkml:traceFormat>
+          <inkml:channel name="X" type="integer" min="-1920" max="3840" units="cm"/>
+          <inkml:channel name="Y" type="integer" max="1080" units="cm"/>
+          <inkml:channel name="T" type="integer" max="2.14748E9" units="dev"/>
+        </inkml:traceFormat>
+        <inkml:channelProperties>
+          <inkml:channelProperty channel="X" name="resolution" value="109.29791" units="1/cm"/>
+          <inkml:channelProperty channel="Y" name="resolution" value="36.48649" units="1/cm"/>
+          <inkml:channelProperty channel="T" name="resolution" value="1" units="1/dev"/>
+        </inkml:channelProperties>
+      </inkml:inkSource>
+      <inkml:timestamp xml:id="ts0" timeString="2017-12-28T07:18:18.058"/>
+    </inkml:context>
+    <inkml:brush xml:id="br0">
+      <inkml:brushProperty name="width" value="0.07938" units="cm"/>
+      <inkml:brushProperty name="height" value="0.07938" units="cm"/>
+      <inkml:brushProperty name="color" value="#C00000"/>
+      <inkml:brushProperty name="fitToCurve" value="1"/>
+    </inkml:brush>
+  </inkml:definitions>
+  <inkml:traceGroup>
+    <inkml:annotationXML>
+      <emma:emma xmlns:emma="http://www.w3.org/2003/04/emma" version="1.0">
+        <emma:interpretation id="{71FEC1FE-69E6-4E64-90D5-2C0E3679F792}" emma:medium="tactile" emma:mode="ink">
+          <msink:context xmlns:msink="http://schemas.microsoft.com/ink/2010/main" type="inkDrawing"/>
+        </emma:interpretation>
+      </emma:emma>
+    </inkml:annotationXML>
+    <inkml:trace contextRef="#ctx0" brushRef="#br0">0 0 0,'24'0'47,"-24"24"-32,0 0 1,0 0-1,0 1-15,0-1 16,0 0 0,0 0-1</inkml:trace>
+  </inkml:traceGroup>
+</inkml:ink>
+</file>
+
+<file path=ppt/ink/ink112.xml><?xml version="1.0" encoding="utf-8"?>
+<inkml:ink xmlns:inkml="http://www.w3.org/2003/InkML">
+  <inkml:definitions>
+    <inkml:context xml:id="ctx0">
+      <inkml:inkSource xml:id="inkSrc0">
+        <inkml:traceFormat>
+          <inkml:channel name="X" type="integer" min="-1920" max="3840" units="cm"/>
+          <inkml:channel name="Y" type="integer" max="1080" units="cm"/>
+          <inkml:channel name="T" type="integer" max="2.14748E9" units="dev"/>
+        </inkml:traceFormat>
+        <inkml:channelProperties>
+          <inkml:channelProperty channel="X" name="resolution" value="109.29791" units="1/cm"/>
+          <inkml:channelProperty channel="Y" name="resolution" value="36.48649" units="1/cm"/>
+          <inkml:channelProperty channel="T" name="resolution" value="1" units="1/dev"/>
+        </inkml:channelProperties>
+      </inkml:inkSource>
+      <inkml:timestamp xml:id="ts0" timeString="2017-12-28T07:18:18.431"/>
+    </inkml:context>
+    <inkml:brush xml:id="br0">
+      <inkml:brushProperty name="width" value="0.07938" units="cm"/>
+      <inkml:brushProperty name="height" value="0.07938" units="cm"/>
+      <inkml:brushProperty name="color" value="#C00000"/>
+      <inkml:brushProperty name="fitToCurve" value="1"/>
+    </inkml:brush>
+  </inkml:definitions>
+  <inkml:traceGroup>
+    <inkml:annotationXML>
+      <emma:emma xmlns:emma="http://www.w3.org/2003/04/emma" version="1.0">
+        <emma:interpretation id="{47AC40F8-FBAA-4467-86ED-F3D8496BE8E6}" emma:medium="tactile" emma:mode="ink">
+          <msink:context xmlns:msink="http://schemas.microsoft.com/ink/2010/main" type="inkDrawing"/>
+        </emma:interpretation>
+      </emma:emma>
+    </inkml:annotationXML>
+    <inkml:trace contextRef="#ctx0" brushRef="#br0">0 24 0,'24'-24'47</inkml:trace>
+  </inkml:traceGroup>
+</inkml:ink>
+</file>
+
+<file path=ppt/ink/ink113.xml><?xml version="1.0" encoding="utf-8"?>
+<inkml:ink xmlns:inkml="http://www.w3.org/2003/InkML">
+  <inkml:definitions>
+    <inkml:context xml:id="ctx0">
+      <inkml:inkSource xml:id="inkSrc0">
+        <inkml:traceFormat>
+          <inkml:channel name="X" type="integer" min="-1920" max="3840" units="cm"/>
+          <inkml:channel name="Y" type="integer" max="1080" units="cm"/>
+          <inkml:channel name="T" type="integer" max="2.14748E9" units="dev"/>
+        </inkml:traceFormat>
+        <inkml:channelProperties>
+          <inkml:channelProperty channel="X" name="resolution" value="109.29791" units="1/cm"/>
+          <inkml:channelProperty channel="Y" name="resolution" value="36.48649" units="1/cm"/>
+          <inkml:channelProperty channel="T" name="resolution" value="1" units="1/dev"/>
+        </inkml:channelProperties>
+      </inkml:inkSource>
       <inkml:timestamp xml:id="ts0" timeString="2017-12-28T07:18:19.389"/>
     </inkml:context>
     <inkml:brush xml:id="br0">
@@ -358,7 +1532,7 @@
 </inkml:ink>
 </file>
 
-<file path=ppt/ink/ink101.xml><?xml version="1.0" encoding="utf-8"?>
+<file path=ppt/ink/ink114.xml><?xml version="1.0" encoding="utf-8"?>
 <inkml:ink xmlns:inkml="http://www.w3.org/2003/InkML">
   <inkml:definitions>
     <inkml:context xml:id="ctx0">
@@ -396,7 +1570,7 @@
 </inkml:ink>
 </file>
 
-<file path=ppt/ink/ink102.xml><?xml version="1.0" encoding="utf-8"?>
+<file path=ppt/ink/ink115.xml><?xml version="1.0" encoding="utf-8"?>
 <inkml:ink xmlns:inkml="http://www.w3.org/2003/InkML">
   <inkml:definitions>
     <inkml:context xml:id="ctx0">
@@ -486,7 +1660,7 @@
 </inkml:ink>
 </file>
 
-<file path=ppt/ink/ink103.xml><?xml version="1.0" encoding="utf-8"?>
+<file path=ppt/ink/ink116.xml><?xml version="1.0" encoding="utf-8"?>
 <inkml:ink xmlns:inkml="http://www.w3.org/2003/InkML">
   <inkml:definitions>
     <inkml:context xml:id="ctx0">
@@ -526,7 +1700,7 @@
 </inkml:ink>
 </file>
 
-<file path=ppt/ink/ink104.xml><?xml version="1.0" encoding="utf-8"?>
+<file path=ppt/ink/ink117.xml><?xml version="1.0" encoding="utf-8"?>
 <inkml:ink xmlns:inkml="http://www.w3.org/2003/InkML">
   <inkml:definitions>
     <inkml:context xml:id="ctx0">
@@ -566,7 +1740,7 @@
 </inkml:ink>
 </file>
 
-<file path=ppt/ink/ink105.xml><?xml version="1.0" encoding="utf-8"?>
+<file path=ppt/ink/ink118.xml><?xml version="1.0" encoding="utf-8"?>
 <inkml:ink xmlns:inkml="http://www.w3.org/2003/InkML">
   <inkml:definitions>
     <inkml:context xml:id="ctx0">
@@ -640,7 +1814,7 @@
             </emma:emma>
           </inkml:annotationXML>
           <inkml:trace contextRef="#ctx0" brushRef="#br0">605 267 0,'24'0'63,"-24"24"-32,0 1-15,0-1-16,0 0 0,0 0 15,0 0 1,0 1-16,0-1 16,24 0 15,0-24-15,0 0-1,1-24-15,-1 0 16,0-1-1,-24 1-15,0 0 16,0 0 0</inkml:trace>
-          <inkml:trace contextRef="#ctx0" brushRef="#br0" timeOffset="1003.8061">1016 291 0,'0'-24'62,"0"48"-62,-24-24 16,-1 25-16,25-1 0,-24-24 16,24 24-16,-24 0 15,0 0-15,24 1 16,0-1-1,0 0 1,0 0 15,24-24-15,0 0 0,0 0-16,-24-24 0,25 24 15,-1-24 1,-24 0-16,24 24 0,-24-25 15,0 1-15,24 0 16,-24 0-16,0 0 16,-24 24 62,24 24-63,0 0-15,0 0 16,0 0-16,0 1 16,0-1-16,0 0 15,0 0-15,0 0 0,0 0 16,0 1-16,0-1 16,0 0-16,0 0 15,0 0-15,24 1 16,-24-1-16,0 0 15,0 0-15,0 0 16,0 1 0,-24-1-1,24 0 1,-24-24-16,24 24 16,-24-24-1,-1 24 1,1-24-1,0 0-15,0-24 16,0 0 0,24 0-1,0 0 1,-24 24-16,24-25 16,0 1-16,0 0 15</inkml:trace>
+          <inkml:trace contextRef="#ctx0" brushRef="#br0" timeOffset="1003.806">1016 291 0,'0'-24'62,"0"48"-62,-24-24 16,-1 25-16,25-1 0,-24-24 16,24 24-16,-24 0 15,0 0-15,24 1 16,0-1-1,0 0 1,0 0 15,24-24-15,0 0 0,0 0-16,-24-24 0,25 24 15,-1-24 1,-24 0-16,24 24 0,-24-25 15,0 1-15,24 0 16,-24 0-16,0 0 16,-24 24 62,24 24-63,0 0-15,0 0 16,0 0-16,0 1 16,0-1-16,0 0 15,0 0-15,0 0 0,0 0 16,0 1-16,0-1 16,0 0-16,0 0 15,0 0-15,24 1 16,-24-1-16,0 0 15,0 0-15,0 0 16,0 1 0,-24-1-1,24 0 1,-24-24-16,24 24 16,-24-24-1,-1 24 1,1-24-1,0 0-15,0-24 16,0 0 0,24 0-1,0 0 1,-24 24-16,24-25 16,0 1-16,0 0 15</inkml:trace>
           <inkml:trace contextRef="#ctx0" brushRef="#br0" timeOffset="-2444.3056">0 49 0,'0'25'203,"0"-1"-203,0 0 16,24 0-1,-24 0-15,0 1 0,0 23 16,0-24-16,0 0 15,0 1-15,0 23 16,0-24-16,0 0 16,24 1-16,-24-1 15,0 0-15,0 0 16,0 0-16,24 0 16</inkml:trace>
           <inkml:trace contextRef="#ctx0" brushRef="#br0" timeOffset="-877.3631">24 1 0,'24'0'125,"25"0"-109,-25 0-16,0 0 15,0 0-15,0 0 16,1 0-16,-1 0 0,0 0 16,0 0-1,0 0 1,1 0 0,-25 24-16,24-24 15,0 0 1,-24 24-16,0 1 15,24-25 1,-24 24 0,0 0-1,-24-24-15,24 24 0,-24-24 16,0 24-16,-1-24 16,1 25-1,0-25 1,-49 0 31,73 24 15,-24-24-46,24 24 15,24-24-15,1 0-1,-25 24 1,24-24-16,0 0 16,0 0-1,0 24-15,1-24 16,-25 25-1,24-25 1,-24 24 0,24-24-1,-24 24-15,0 0 16,0 0 15,0 1-15,0-1-1,-24 0 17,0 0-17,-1-24 1,1 24-16,0-24 16,0 0-1,0 24-15,-1-24 31,1 0-31,0 0 16,0 0-16,0 0 16,-1 0-16,1 0 15,0 0 1,24 25-16,-24-25 16</inkml:trace>
           <inkml:trace contextRef="#ctx0" brushRef="#br0" timeOffset="2347.9895">1161 195 0,'24'0'110,"0"0"-110,-24 24 15,25-24-15,-1 0 16,0 0-16,0 0 16,0 0-16,1 0 15,23 0-15</inkml:trace>
@@ -675,10 +1849,10 @@
               </emma:one-of>
             </emma:emma>
           </inkml:annotationXML>
-          <inkml:trace contextRef="#ctx0" brushRef="#br0" timeOffset="5932.77">2491 243 0,'25'24'47,"-25"0"-32,0 1 1,0-1-16,0 0 15,0 0 1,0 0 0,0 25 15,24-49-15,0 0 15,0-24-31,-24-1 15,24 1-15,1 24 16,-25-24-16,24 0 16,-24 0-1,24 24 1,-24 24 62,0 0-62,0 0-1,24-24 1,-24 24-16,0 1 16,0-1-1,0 0 1,0 0-1</inkml:trace>
+          <inkml:trace contextRef="#ctx0" brushRef="#br0" timeOffset="5932.7699">2491 243 0,'25'24'47,"-25"0"-32,0 1 1,0-1-16,0 0 15,0 0 1,0 0 0,0 25 15,24-49-15,0 0 15,0-24-31,-24-1 15,24 1-15,1 24 16,-25-24-16,24 0 16,-24 0-1,24 24 1,-24 24 62,0 0-62,0 0-1,24-24 1,-24 24-16,0 1 16,0-1-1,0 0 1,0 0-1</inkml:trace>
           <inkml:trace contextRef="#ctx0" brushRef="#br0" timeOffset="6840.217">2975 243 0,'-24'24'62,"0"0"-62,0 1 16,0-1 0,24 0-16,0 0 15,-25 0-15,25 1 16,0-1-1,0 0 1,25-24-16,-1 0 16,0 0-1,0 0-15,0 0 16,0-24-16,1 0 0,-25-1 16,24 1-16,-24 0 15,24 0 1,-24 0-1,0 48 64,-24 0-64,24 0 1,0 0-16,0 1 15,0 23 1,-24-24-16,24 0 0,0 0 16,0 25-16,0-1 15,0 1 1,0-25-16,0 0 16,0 24-16,-25-23 15,25-1-15,0 24 16,0-24-16,-24 1 15,0-1 1,0 0-16,0-24 0,0 0 16,-1 0-1,1 0-15,0 0 16,0-24 0,24 0-16,0-1 15,0 1 1,0 0-16,0 0 15,24 0-15,-24-1 16,24 25-16,-24-24 16,24 24-16,1-24 15,-1 24-15</inkml:trace>
           <inkml:trace contextRef="#ctx0" brushRef="#br0" timeOffset="4853.7476">2322 267 0,'24'0'63,"-24"24"-32,0 1-15,0-1-16,0 0 15,0 0-15,0 0 16,0 1-16,0-1 15,0 0-15,-24-24 16,24 24-16</inkml:trace>
-          <inkml:trace contextRef="#ctx0" brushRef="#br0" timeOffset="5160.7837">2346 74 0</inkml:trace>
+          <inkml:trace contextRef="#ctx0" brushRef="#br0" timeOffset="5160.7836">2346 74 0</inkml:trace>
         </inkml:traceGroup>
       </inkml:traceGroup>
       <inkml:traceGroup>
@@ -702,9 +1876,9 @@
               </emma:one-of>
             </emma:emma>
           </inkml:annotationXML>
-          <inkml:trace contextRef="#ctx0" brushRef="#br1" timeOffset="11625.8758">1040 1211 0,'24'0'125,"0"0"-109,1 0-1,-1 0-15,0 0 16,0 0-16,0 0 15,1 0-15,-1 0 0,0 0 16,0 0-16,0 0 16,1 0-16,-1 0 15,0-25-15,0 25 16,0 0-16,0 0 16,1 0-16,-1-24 15,24 24-15,-24 0 16,1 0-1,-1 0-15,0 0 16,0 0-16,0-24 16,1 24-1,-1 0 1</inkml:trace>
+          <inkml:trace contextRef="#ctx0" brushRef="#br1" timeOffset="11625.8756">1040 1211 0,'24'0'125,"0"0"-109,1 0-1,-1 0-15,0 0 16,0 0-16,0 0 15,1 0-15,-1 0 0,0 0 16,0 0-16,0 0 16,1 0-16,-1 0 15,0-25-15,0 25 16,0 0-16,0 0 16,1 0-16,-1-24 15,24 24-15,-24 0 16,1 0-1,-1 0-15,0 0 16,0 0-16,0-24 16,1 24-1,-1 0 1</inkml:trace>
           <inkml:trace contextRef="#ctx0" brushRef="#br1" timeOffset="12688.5313">1161 1477 0,'-24'0'63,"48"0"30,0 0-77,0 0 0,1 0-1,-1 0-15,0-24 16,0 24-16,0 0 15,1 0-15,-25-25 16,24 25-16,0 0 16,0 0-16,0 0 15,0 0 1,1-24-16,-1 24 16,0 0-16,0-24 15,0 24-15,1 0 16,-1-24-16,0 24 0,0 0 15,0 0 17,1 0 30,-1-24-15</inkml:trace>
-          <inkml:trace contextRef="#ctx0" brushRef="#br1" timeOffset="13791.8586">1596 824 0,'-24'24'63,"24"0"-48,0 0 1,0 0-16,0 1 16,0-1-16,0 0 15,-24 0-15,24 0 16,0 0-16,-24 1 16,24-1-16,0 0 15,0 0-15,-24 0 16,24 1-16,0-1 15,0 0-15,0 0 16,-25 0 0,25 1-16,0-1 15,0 0 1,0 0 0,0 0-1,0 1-15,0-1 16,0 0-1,0 0 17,-24 0-1,24 0-31,0 1 31,0-1 32,0 0-32,0-48 31,24 0-46</inkml:trace>
+          <inkml:trace contextRef="#ctx0" brushRef="#br1" timeOffset="13791.8584">1596 824 0,'-24'24'63,"24"0"-48,0 0 1,0 0-16,0 1 16,0-1-16,0 0 15,-24 0-15,24 0 16,0 0-16,-24 1 16,24-1-16,0 0 15,0 0-15,-24 0 16,24 1-16,0-1 15,0 0-15,0 0 16,-25 0 0,25 1-16,0-1 15,0 0 1,0 0 0,0 0-1,0 1-15,0-1 16,0 0-1,0 0 17,-24 0-1,24 0-31,0 1 31,0-1 32,0 0-32,0-48 31,24 0-46</inkml:trace>
         </inkml:traceGroup>
       </inkml:traceGroup>
     </inkml:traceGroup>
@@ -749,7 +1923,7 @@
           <inkml:trace contextRef="#ctx0" brushRef="#br2" timeOffset="24559.4688">2153 2033 0,'0'24'78,"0"0"-78,-24-24 16,24 25-16,0-1 16,-25 0-16,25 24 15,0-23-15,0-1 16,0 0-16,25-24 31,-1 0-15,0 0-1,0 0-15,0 0 16,1-24-16,-25 0 16,24-1-16,-24 1 15,0-24-15,0 24 16,0-1-16,-24 1 16,-1 24-1,1 0 1,0 0-1,0 0 1</inkml:trace>
           <inkml:trace contextRef="#ctx0" brushRef="#br2" timeOffset="25309.3814">2395 2106 0,'0'-25'46,"24"25"-30,-24-24-16,24 24 31,0 0 32,-24 24-48,0 1-15,0-1 16,24 0 0,-24 0-1,0 0-15,0 1 16,0-1 15,0-121 47,0 73-62,0 0-16,25-1 16,-25 1-1,0 0 1,24 24-1,-24-24 1</inkml:trace>
           <inkml:trace contextRef="#ctx0" brushRef="#br2" timeOffset="26054.9215">2685 1840 0,'0'-25'47</inkml:trace>
-          <inkml:trace contextRef="#ctx0" brushRef="#br2" timeOffset="25754.6319">2685 2033 0,'24'24'63,"-24"0"-48,0 1-15,0-1 16,24 0-16,-24 0 16,0 0-1,0-48 32</inkml:trace>
+          <inkml:trace contextRef="#ctx0" brushRef="#br2" timeOffset="25754.6318">2685 2033 0,'24'24'63,"-24"0"-48,0 1-15,0-1 16,24 0-16,-24 0 16,0 0-1,0-48 32</inkml:trace>
         </inkml:traceGroup>
         <inkml:traceGroup>
           <inkml:annotationXML>
@@ -776,108 +1950,8 @@
               </emma:one-of>
             </emma:emma>
           </inkml:annotationXML>
-          <inkml:trace contextRef="#ctx0" brushRef="#br2" timeOffset="26835.2199">2854 1961 0,'25'48'47,"-25"-24"-31,0 0-1,0 0-15,0 1 16,0-1 0,0 0-1,0 0 1,24-24-1,0 0 17,-24-24-32,0 0 15,24 0-15,0-1 16,-24 1 0,24 24-16,-24-24 46,25 24 1,-25 24-31,0 0 0,0 1-1,24-1-15,-24 0 16,0 0-16,0 0 15,0 1 1</inkml:trace>
+          <inkml:trace contextRef="#ctx0" brushRef="#br2" timeOffset="26835.2198">2854 1961 0,'25'48'47,"-25"-24"-31,0 0-1,0 0-15,0 1 16,0-1 0,0 0-1,0 0 1,24-24-1,0 0 17,-24-24-32,0 0 15,24 0-15,0-1 16,-24 1 0,24 24-16,-24-24 46,25 24 1,-25 24-31,0 0 0,0 1-1,24-1-15,-24 0 16,0 0-16,0 0 15,0 1 1</inkml:trace>
           <inkml:trace contextRef="#ctx0" brushRef="#br2" timeOffset="27628.5156">3217 1936 0,'-72'121'62,"72"-97"-62,0 1 16,0-1 15,24-24-15,0 0-1,0 0 1,0 0-16,25-24 15,-25-1-15,0 1 16,0 0-16,-24-24 16,25 48-16,-25-24 15,-25 24 48,1 24-48,24 0-15,-24-24 16,24 24-16,-24 0 0,24 0 16,0 1-16,-24-1 15,24 24-15,0-24 16,0 1-16,0-1 16,0 0-16,0 24 15,0-23-15,0 23 16,0-24-16,0 0 15,0 25-15,0-25 16,0 24-16,0-24 16,-25 1-16,1-1 15,24 0-15,-24 0 16,0-24-16,0 24 0,-1-24 16,-23 0-1,24 0-15,0 0 0,24-24 16,-25 0-16,25 0 15,0 0 1,0-1-16,0 1 16,0 0-16,0 0 15,25 0-15,-1 0 16,0-1-16,0 1 16,0 24-16</inkml:trace>
-        </inkml:traceGroup>
-      </inkml:traceGroup>
-    </inkml:traceGroup>
-  </inkml:traceGroup>
-</inkml:ink>
-</file>
-
-<file path=ppt/ink/ink11.xml><?xml version="1.0" encoding="utf-8"?>
-<inkml:ink xmlns:inkml="http://www.w3.org/2003/InkML">
-  <inkml:definitions>
-    <inkml:context xml:id="ctx0">
-      <inkml:inkSource xml:id="inkSrc0">
-        <inkml:traceFormat>
-          <inkml:channel name="X" type="integer" min="-1920" max="3840" units="cm"/>
-          <inkml:channel name="Y" type="integer" max="1080" units="cm"/>
-          <inkml:channel name="T" type="integer" max="2.14748E9" units="dev"/>
-        </inkml:traceFormat>
-        <inkml:channelProperties>
-          <inkml:channelProperty channel="X" name="resolution" value="109.29791" units="1/cm"/>
-          <inkml:channelProperty channel="Y" name="resolution" value="36.48649" units="1/cm"/>
-          <inkml:channelProperty channel="T" name="resolution" value="1" units="1/dev"/>
-        </inkml:channelProperties>
-      </inkml:inkSource>
-      <inkml:timestamp xml:id="ts0" timeString="2017-12-27T12:09:09.199"/>
-    </inkml:context>
-    <inkml:brush xml:id="br0">
-      <inkml:brushProperty name="width" value="0.05292" units="cm"/>
-      <inkml:brushProperty name="height" value="0.05292" units="cm"/>
-      <inkml:brushProperty name="fitToCurve" value="1"/>
-    </inkml:brush>
-  </inkml:definitions>
-  <inkml:traceGroup>
-    <inkml:annotationXML>
-      <emma:emma xmlns:emma="http://www.w3.org/2003/04/emma" version="1.0">
-        <emma:interpretation id="{9F195F5D-A90B-4A7E-8E2D-1F186DD54C7E}" emma:medium="tactile" emma:mode="ink">
-          <msink:context xmlns:msink="http://schemas.microsoft.com/ink/2010/main" type="writingRegion" rotatedBoundingBox="20617,3060 20978,4256 20175,4499 19813,3303">
-            <msink:destinationLink direction="with" ref="{A673BB4B-4F88-4931-95AA-D7FF1FA87F19}"/>
-          </msink:context>
-        </emma:interpretation>
-      </emma:emma>
-    </inkml:annotationXML>
-    <inkml:traceGroup>
-      <inkml:annotationXML>
-        <emma:emma xmlns:emma="http://www.w3.org/2003/04/emma" version="1.0">
-          <emma:interpretation id="{D7A45669-EBA0-4D7E-B1B5-AA365BDA002F}" emma:medium="tactile" emma:mode="ink">
-            <msink:context xmlns:msink="http://schemas.microsoft.com/ink/2010/main" type="paragraph" rotatedBoundingBox="20617,3060 20978,4256 20175,4499 19813,3303" alignmentLevel="1"/>
-          </emma:interpretation>
-        </emma:emma>
-      </inkml:annotationXML>
-      <inkml:traceGroup>
-        <inkml:annotationXML>
-          <emma:emma xmlns:emma="http://www.w3.org/2003/04/emma" version="1.0">
-            <emma:interpretation id="{DA8D267D-76D4-4807-884D-266ADF50F994}" emma:medium="tactile" emma:mode="ink">
-              <msink:context xmlns:msink="http://schemas.microsoft.com/ink/2010/main" type="line" rotatedBoundingBox="20617,3060 20978,4256 20175,4499 19813,3303"/>
-            </emma:interpretation>
-          </emma:emma>
-        </inkml:annotationXML>
-        <inkml:traceGroup>
-          <inkml:annotationXML>
-            <emma:emma xmlns:emma="http://www.w3.org/2003/04/emma" version="1.0">
-              <emma:interpretation id="{958C9CBF-483E-4339-B543-2CE3709DA06B}" emma:medium="tactile" emma:mode="ink">
-                <msink:context xmlns:msink="http://schemas.microsoft.com/ink/2010/main" type="inkWord" rotatedBoundingBox="20617,3060 20978,4256 20175,4499 19813,3303"/>
-              </emma:interpretation>
-              <emma:one-of disjunction-type="recognition" id="oneOf0">
-                <emma:interpretation id="interp0" emma:lang="" emma:confidence="1">
-                  <emma:literal/>
-                </emma:interpretation>
-              </emma:one-of>
-            </emma:emma>
-          </inkml:annotationXML>
-          <inkml:trace contextRef="#ctx0" brushRef="#br0">145 387 0,'0'24'63,"24"-24"-1,0-24-46,1 24 0,-1 0 46,0 0-31</inkml:trace>
-          <inkml:trace contextRef="#ctx0" brushRef="#br0" timeOffset="1446.8875">314 581 0</inkml:trace>
-          <inkml:trace contextRef="#ctx0" brushRef="#br0" timeOffset="1808.4272">314 581 0,'121'24'0,"-97"-24"78,1 0-62</inkml:trace>
-          <inkml:trace contextRef="#ctx0" brushRef="#br0" timeOffset="2887.2929">24 605 0,'24'0'62,"0"0"-62,1 0 16,-1 0-16</inkml:trace>
-          <inkml:trace contextRef="#ctx0" brushRef="#br0" timeOffset="5407.5628">72 919 0,'49'0'46,"-25"0"-14</inkml:trace>
-          <inkml:trace contextRef="#ctx0" brushRef="#br0" timeOffset="4824.2505">242 750 0,'-24'0'47,"48"0"0</inkml:trace>
-          <inkml:trace contextRef="#ctx0" brushRef="#br0" timeOffset="328.7661">435 435 0,'24'0'47</inkml:trace>
-          <inkml:trace contextRef="#ctx0" brushRef="#br0" timeOffset="712.3661">653 435 0,'24'0'47,"0"0"-16,1 0 0,-1 0 1,0 0 46</inkml:trace>
-          <inkml:trace contextRef="#ctx0" brushRef="#br0" timeOffset="2055.6392">532 581 0,'48'0'62,"-23"0"-46,-1 0 0,0 0-1,0 0 1,0 0 0</inkml:trace>
-          <inkml:trace contextRef="#ctx0" brushRef="#br0" timeOffset="2219.0051">701 581 0,'25'0'47,"-1"0"-32,0 0 1,0 0 0,0 0-16,1 0 31</inkml:trace>
-          <inkml:trace contextRef="#ctx0" brushRef="#br0" timeOffset="4013.043">411 750 0,'48'0'47,"-23"0"-31,-1 0 77,0 0-14,0 0-79,0 0 31,1 0-16,-1 0 1,0 0 0,0 0-1,0 0 1,-24 24 15</inkml:trace>
-          <inkml:trace contextRef="#ctx0" brushRef="#br0" timeOffset="4275.6034">726 774 0,'72'24'0,"1"-24"47,-49 0-47</inkml:trace>
-          <inkml:trace contextRef="#ctx0" brushRef="#br0" timeOffset="4079.3493">726 774 0</inkml:trace>
-          <inkml:trace contextRef="#ctx0" brushRef="#br0" timeOffset="5596.3418">242 943 0,'48'0'47,"-24"0"-32</inkml:trace>
-          <inkml:trace contextRef="#ctx0" brushRef="#br0" timeOffset="5775.5472">242 943 0,'145'0'0,"-73"0"47</inkml:trace>
-          <inkml:trace contextRef="#ctx0" brushRef="#br0" timeOffset="6195.0679">556 943 0,'24'0'47,"1"0"-32,-1 0 1,0 0 15,0 0 32,0 0-32,-24 25-16,0-1 17,25-24-17,-1 0 1,0 0 0</inkml:trace>
-          <inkml:trace contextRef="#ctx0" brushRef="#br0" timeOffset="6307.8013">847 968 0</inkml:trace>
-          <inkml:trace contextRef="#ctx0" brushRef="#br0" timeOffset="6997.688">314 1089 0,'-48'24'46,"72"-24"17,0 0-47,1 0-1,-1 0-15,24 0 31</inkml:trace>
-          <inkml:trace contextRef="#ctx0" brushRef="#br0" timeOffset="7670.6801">629 1089 0,'97'24'16,"-73"-24"47,0 0-48,49 0 32,-49 0 16,0 0-48,0 24 1,0-24 15,0 0-15</inkml:trace>
-          <inkml:trace contextRef="#ctx0" brushRef="#br0" timeOffset="7289.6879">629 1089 0,'72'0'47</inkml:trace>
-          <inkml:trace contextRef="#ctx0" brushRef="#br0" timeOffset="8309.6173">193 1306 0,'146'0'0</inkml:trace>
-          <inkml:trace contextRef="#ctx0" brushRef="#br0" timeOffset="8239.909">193 1306 0,'25'0'78,"23"0"-62,-24 0-16,0 0 15</inkml:trace>
-          <inkml:trace contextRef="#ctx0" brushRef="#br0" timeOffset="8407.256">411 1306 0</inkml:trace>
-          <inkml:trace contextRef="#ctx0" brushRef="#br0" timeOffset="8488.5777">411 1306 0,'24'0'0,"25"0"46</inkml:trace>
-          <inkml:trace contextRef="#ctx0" brushRef="#br0" timeOffset="9537.8568">363 1403 0,'24'0'47,"0"0"-31,0 0-16,0 0 15</inkml:trace>
-          <inkml:trace contextRef="#ctx0" brushRef="#br0" timeOffset="8887.1557">726 1306 0,'48'-24'47,"-24"24"-1,0 0-30</inkml:trace>
-          <inkml:trace contextRef="#ctx0" brushRef="#br0" timeOffset="9044.6953">726 1306 0,'121'-24'15,"-97"24"16,0 0-15,0 0 0</inkml:trace>
-          <inkml:trace contextRef="#ctx0" brushRef="#br0" timeOffset="9885.5849">532 1451 0,'145'0'16,"-121"0"15,1 0 0</inkml:trace>
-          <inkml:trace contextRef="#ctx0" brushRef="#br0" timeOffset="9705.5134">532 1451 0,'48'0'62</inkml:trace>
-          <inkml:trace contextRef="#ctx0" brushRef="#br0" timeOffset="10096.1703">774 1451 0,'97'0'62,"-73"0"-46,0 0 0,0 0-1</inkml:trace>
         </inkml:traceGroup>
       </inkml:traceGroup>
     </inkml:traceGroup>
@@ -1004,7 +2078,7 @@
           <inkml:trace contextRef="#ctx0" brushRef="#br0" timeOffset="7859.5492">1495 4357 0,'0'19'78,"0"0"-62,0 0-16,0 0 16,0 0-16,0-1 15,0 20-15,0-19 16,0 0-16,0 0 15,0 0-15,0 0 16,0 0-16,0 0 16,0 0-16,0 0 15,0 0-15,0 0 16,0 0 0,0 0-1,0 0 1,0 0-1,19-19 1,-19 19 0,18-19-1,-18 19 17,19-19-17</inkml:trace>
           <inkml:trace contextRef="#ctx0" brushRef="#br0" timeOffset="8355.5463">1381 4546 0,'19'0'94,"0"0"-94,0 0 16,0 0-1,0 0-15,0 0 16,0 0 0,-1 0-16,1 0 15,0 0-15,0 0 16</inkml:trace>
           <inkml:trace contextRef="#ctx0" brushRef="#br0" timeOffset="9201.224">1741 4603 0,'19'0'47,"-38"19"-32,19 0-15,-19 0 16,19 0 0,-19 0-16,19 0 15,0 0-15,0 0 16,0 0 0,0 0-16,0 0 15,19-19 1,-19 19-16,19-19 0,0 0 15,0 0 1,0 0-16,0-19 0,0 0 16,0 0-16,-19 0 15,19 0-15,-19 0 16,0 0-16,0 0 16,0 0-1,0 0-15,0 0 16,0 0-16,-19 19 15,19-19-15,-19 19 32,0 0-32,0 0 15,19 19 1,-19-19-16</inkml:trace>
-          <inkml:trace contextRef="#ctx0" brushRef="#br0" timeOffset="10079.8657">1949 4660 0,'19'-19'46,"0"19"-30,0 0 47,0 0-32,-19 19-16,0 0 1,0 0-16,0 0 16,0 0-1,0 0 1,0 0 0,0 0-1,19-19 32,-19-19-16,0 0-15,0 0 0,19 0-1,-19 0-15,19 0 16,-19 0-1,19 19-15,-19-19 16,19 19-16,-19-19 16,19 19-1,0 0 1</inkml:trace>
+          <inkml:trace contextRef="#ctx0" brushRef="#br0" timeOffset="10079.8655">1949 4660 0,'19'-19'46,"0"19"-30,0 0 47,0 0-32,-19 19-16,0 0 1,0 0-16,0 0 16,0 0-1,0 0 1,0 0 0,0 0-1,19-19 32,-19-19-16,0 0-15,0 0 0,19 0-1,-19 0-15,19 0 16,-19 0-1,19 19-15,-19-19 16,19 19-16,-19-19 16,19 19-1,0 0 1</inkml:trace>
         </inkml:traceGroup>
         <inkml:traceGroup>
           <inkml:annotationXML>
@@ -1058,7 +2132,7 @@
           <inkml:trace contextRef="#ctx0" brushRef="#br0" timeOffset="16844.142">585 5361 0,'19'0'63,"0"0"-32,0-19-15,0 19-1,-19-19 17,0 1-1,0-1 0,-19 19-15,19-19-1,-19 19-15,0 0 16,0 0 15,0 0-15,0 0 15,0 0 0,19 19-15,-19-19-16,19 19 16,0-1-1,-19 1 1,19 0-16,0 0 16,0 0-1,0 0-15,0 0 16,0 0-16,0 0 15,19 0 1,-19 0-16,0 0 16,38 0 15,-19-19-15,19 0-16,-19 0 15,0-19-15</inkml:trace>
           <inkml:trace contextRef="#ctx0" brushRef="#br0" timeOffset="17801.8547">850 5323 0,'-19'0'47,"0"0"-16,19 19-31,-19-19 16,19 19-1,-19 0-15,19 0 16,0 0 0,-19-19-16,19 19 15,0 0-15,0 0 16,0 0 0,0 0-1,19-19 1,0 0-1,0 0 1,-19-19-16,19 0 16,0 0-16,0 0 15,-19 0 1,19 0-16,-19 0 16,0 0-1,0 0 1,-19 19 62,19 19-78,0 0 16,0 0-1,0 0-15,0 0 16,0 0-16,0 0 15,0 0 1,38 0 31,-38-38-47</inkml:trace>
           <inkml:trace contextRef="#ctx0" brushRef="#br0" timeOffset="18945.3494">1191 5305 0,'-19'0'62,"0"18"-46,-56 58 31,75-57-32,-19 0-15,19 0 16,0 0-16,0 0 15,19-19 32,-1 0-31,1 0 0,0 0-16,0 0 15,0-19 1,0 0-1,-19 0-15,19 0 16,-19 0-16,19 0 16,-19 0-16,0 0 15,19 0-15,-19 1 0,0-1 16,19 0-16,-19 0 16,0-19-16,0 19 15,19 0-15,-19 0 16,0 0-16,0 0 15,0 0-15,0 0 16,0 0 0,19 0-16,-19 38 93,0 0-93,-19 0 16,19 0-16,-19 38 31,19-38-31,-19 0 0,19 19 16,0-19-16,0 19 16,-19-1-16,19-18 15,0 0-15,0 0 16,0 0-16,0 0 15,0 0-15,0 0 16,19-19 0,0 0 15,0 0-31</inkml:trace>
-          <inkml:trace contextRef="#ctx0" brushRef="#br0" timeOffset="20599.8792">1495 5323 0,'-19'19'109,"0"-19"-109,0 19 16,0 0 0,0-19 15,19 19-31,-19 0 0,0 0 15,19 0 1,-19 0 0,19 0-1,19-19 17,0 0-17,0 0-15,0 0 0,0 0 16,0 0 46,0-19-62,-19 0 0,19 19 16,-19-19-16,0 0 16,19 19-16,-19-19 15,18 0 32,-18 38 31,0 0-62,0 0-1,0 0 1,0 0 0,0 0-16,0 0 15,19 0 1,0-19 0,0 0-1,0 0 1,-19-19-1</inkml:trace>
+          <inkml:trace contextRef="#ctx0" brushRef="#br0" timeOffset="20599.879">1495 5323 0,'-19'19'109,"0"-19"-109,0 19 16,0 0 0,0-19 15,19 19-31,-19 0 0,0 0 15,19 0 1,-19 0 0,19 0-1,19-19 17,0 0-17,0 0-15,0 0 0,0 0 16,0 0 46,0-19-62,-19 0 0,19 19 16,-19-19-16,0 0 16,19 19-16,-19-19 15,18 0 32,-18 38 31,0 0-62,0 0-1,0 0 1,0 0 0,0 0-16,0 0 15,19 0 1,0-19 0,0 0-1,0 0 1,-19-19-1</inkml:trace>
         </inkml:traceGroup>
         <inkml:traceGroup>
           <inkml:annotationXML>
@@ -1073,7 +2147,7 @@
               </emma:one-of>
             </emma:emma>
           </inkml:annotationXML>
-          <inkml:trace contextRef="#ctx0" brushRef="#br0" timeOffset="21711.8993">1817 5039 0,'0'-19'62,"0"38"-62,0 0 16,0 95 31,0-76-47,0-19 15,0 19-15,0-19 16,0 0-16,0-1 16,0 1-16,0 0 15,0 0-15,0 0 16,0 0 0,0 0 15,19-38 31,-19 0-46,19 19-16,0-19 16,-19 0-16,19 19 15,0 0 16,0 0 16,-19 19-31,18 0 15,-18 0-15,0 0-1,0 0 17,0 0-17,-75 0 48,18-38-16,57 0-32,0 0-15,0 0 16</inkml:trace>
+          <inkml:trace contextRef="#ctx0" brushRef="#br0" timeOffset="21711.8991">1817 5039 0,'0'-19'62,"0"38"-62,0 0 16,0 95 31,0-76-47,0-19 15,0 19-15,0-19 16,0 0-16,0-1 16,0 1-16,0 0 15,0 0-15,0 0 16,0 0 0,0 0 15,19-38 31,-19 0-46,19 19-16,0-19 16,-19 0-16,19 19 15,0 0 16,0 0 16,-19 19-31,18 0 15,-18 0-15,0 0-1,0 0 17,0 0-17,-75 0 48,18-38-16,57 0-32,0 0-15,0 0 16</inkml:trace>
           <inkml:trace contextRef="#ctx0" brushRef="#br0" timeOffset="22370.2938">2044 5342 0,'0'19'63,"0"0"-48,0 0 1,0 0-16,0 0 0,0 0 16,0 0-16,0 0 15,19-19 1</inkml:trace>
           <inkml:trace contextRef="#ctx0" brushRef="#br0" timeOffset="22641.1483">2063 5210 0</inkml:trace>
           <inkml:trace contextRef="#ctx0" brushRef="#br0" timeOffset="23149.9773">2196 5134 0,'19'38'47,"-19"-19"-31,0 0-16,0 0 15,0 19-15,0-19 16,0 0-16,0 18 16,0-18-16,0 19 15,0-19-15,0 0 0,0 19 32,0-19-1,19-19-16,0 0 17,0 0-17</inkml:trace>
@@ -1301,8 +2375,8 @@
           <inkml:trace contextRef="#ctx0" brushRef="#br2" timeOffset="35834.4985">895 1791 0,'145'0'171</inkml:trace>
           <inkml:trace contextRef="#ctx0" brushRef="#br2" timeOffset="35451.6898">943 1573 0,'0'48'63,"0"-24"-63,0 1 0,0-1 15,0 0-15,0 0 16,-24 0-16,24 25 16,0-25-16,0 0 15,0 0-15,0 1 16,0-1-16,0 0 16,0 0-16,0 0 15,0 0 1,0 1 15,24-25-15,1 0-1,-1 0-15,0 0 16,0-25 15</inkml:trace>
           <inkml:trace contextRef="#ctx0" brushRef="#br2" timeOffset="36500.7982">1137 1839 0,'-24'48'47,"24"-23"-32,-25-1 1,25 0 0,0 48 15,73-47 16,-49-25-47,0-25 0,1 1 15,-1 0-15,0 0 16,0 0-16,-24 0 16,0-1-16,0 1 15,0 0-15,0 0 16,0 0 0,-24 24-16,0 0 15,0 0-15,-1 0 16,1 0-1,0 0-15</inkml:trace>
-          <inkml:trace contextRef="#ctx0" brushRef="#br2" timeOffset="37280.625">1427 1887 0,'24'0'63,"1"0"-63,-1 0 47,-24 25 0,0-1-47,0 0 15,0 0 1,0 0-16,0 0 31,0-48 32,0 0-48,0 0-15,0 0 16,24 0-16,-24-1 16,24 1-1,0 0 16,0 24 1</inkml:trace>
-          <inkml:trace contextRef="#ctx0" brushRef="#br2" timeOffset="37693.7435">1717 1839 0,'0'73'62,"0"-49"-46,0 0-16,0 0 16,0 0-1</inkml:trace>
+          <inkml:trace contextRef="#ctx0" brushRef="#br2" timeOffset="37280.6248">1427 1887 0,'24'0'63,"1"0"-63,-1 0 47,-24 25 0,0-1-47,0 0 15,0 0 1,0 0-16,0 0 31,0-48 32,0 0-48,0 0-15,0 0 16,24 0-16,-24-1 16,24 1-1,0 0 16,0 24 1</inkml:trace>
+          <inkml:trace contextRef="#ctx0" brushRef="#br2" timeOffset="37693.7433">1717 1839 0,'0'73'62,"0"-49"-46,0 0-16,0 0 16,0 0-1</inkml:trace>
           <inkml:trace contextRef="#ctx0" brushRef="#br2" timeOffset="38047.8664">1742 1670 0</inkml:trace>
           <inkml:trace contextRef="#ctx0" brushRef="#br2" timeOffset="38961.1475">1742 1670 0,'121'145'15,"-121"-121"48,0 0-48,0 0 1,0 1 0,0-1-1,0 0 1,0 0 0,24-24 46,-24-24-31,24 24-31,-24-24 16,24 24 0,-24-24-1,24-1 1,1 25-1,-25-24 1,24 24-16,0 0 78,-24 24-62,0 1-1,0-1 1,0 0 0,0 0-1,0 0 17</inkml:trace>
           <inkml:trace contextRef="#ctx0" brushRef="#br2" timeOffset="29308.4893">-484 1524 0,'0'25'125,"0"-1"-110,0 0 1,0 0 0,0 0-16,0 1 15,0-1-15,0 0 16,0 0 0,0 0-16,0 1 15,0-1-15,0 0 16,0 0-1,0 0 1,0 1 0,0-1-1</inkml:trace>
@@ -1741,7 +2815,7 @@
           <inkml:trace contextRef="#ctx0" brushRef="#br0" timeOffset="7207.5726">1073 2152 0,'49'-24'47,"-25"24"-31,-24-24 15,24 72 79,-24-23-95,0-1 1,0 0-1,0 0 17,0 0-1,0-48 16,0 0-32,24 24-15,-24-24 16,0 0-16,24-1 16,-24 1-1,0 0 17,25 24-1</inkml:trace>
           <inkml:trace contextRef="#ctx0" brushRef="#br0" timeOffset="7800.5514">1339 2104 0,'-24'97'47,"24"-73"-16,0 0-15,0 0 15,24-24 0,1 0-31,-1-24 31,0 0-31,-24 0 16,24 0-16,-24-1 16,0 1-1,0 0 1,0 0-1,-24 24 17,0 0-17,0 0 32</inkml:trace>
           <inkml:trace contextRef="#ctx0" brushRef="#br0" timeOffset="8565.5363">1509 2104 0,'0'24'62,"0"0"-46,0 1-16,0-1 16,0 0-1,24-48 63,0 0-62,0-1 0,-24 1-1,24 0 48,1 48 30,-25 0-61,0 1-17,0-1 1,0 0 0</inkml:trace>
-          <inkml:trace contextRef="#ctx0" brushRef="#br0" timeOffset="9276.9659">1751 2080 0,'24'72'94,"-48"-47"-94,24-1 15,24-24 48,0 0-63,0-24 15,0 24 1,-24-25 0,25 25-16,-25 25 156,24-25-109,0 0-32,0-25 1,0 25-16</inkml:trace>
+          <inkml:trace contextRef="#ctx0" brushRef="#br0" timeOffset="9276.9657">1751 2080 0,'24'72'94,"-48"-47"-94,24-1 15,24-24 48,0 0-63,0-24 15,0 24 1,-24-25 0,25 25-16,-25 25 156,24-25-109,0 0-32,0-25 1,0 25-16</inkml:trace>
           <inkml:trace contextRef="#ctx0" brushRef="#br0" timeOffset="9464.4514">1992 2128 0,'0'24'78,"0"1"-62,-24-25 0,24 24-16,0 0 15</inkml:trace>
           <inkml:trace contextRef="#ctx0" brushRef="#br0" timeOffset="10012.6922">1992 2128 0,'121'24'16,"-48"-24"15,-49 0-16,-24-24-15,24 24 16,-24-24 0,25 24-1,-25-24 1,0 0 0,-73 24 46,49 0-62,0 24 16,24 0-1,-25-24 1,25 24-16,0 0 16,0 1-1,0-1-15,0 0 16,0 0-1,25-24 1,-1 0 0,0 0-1,0 0-15</inkml:trace>
           <inkml:trace contextRef="#ctx0" brushRef="#br0" timeOffset="10710.6543">2404 2056 0,'96'48'16,"-71"-48"31,-25 24 47,0 0-94,0 1 15,0-1 1,0 0 0,24-24 15</inkml:trace>
@@ -1976,9 +3050,9 @@
             </emma:emma>
           </inkml:annotationXML>
           <inkml:trace contextRef="#ctx0" brushRef="#br0">11283 436 0,'-73'0'47</inkml:trace>
-          <inkml:trace contextRef="#ctx0" brushRef="#br0" timeOffset="157.5196">11283 436 0,'73'-121'0</inkml:trace>
+          <inkml:trace contextRef="#ctx0" brushRef="#br0" timeOffset="157.5194">11283 436 0,'73'-121'0</inkml:trace>
           <inkml:trace contextRef="#ctx0" brushRef="#br0" timeOffset="-1859.5855">10896 121 0</inkml:trace>
-          <inkml:trace contextRef="#ctx0" brushRef="#br0" timeOffset="-1650.0513">10896 121 0,'24'-48'0</inkml:trace>
+          <inkml:trace contextRef="#ctx0" brushRef="#br0" timeOffset="-1650.0511">10896 121 0,'24'-48'0</inkml:trace>
           <inkml:trace contextRef="#ctx0" brushRef="#br0" timeOffset="-351.8191">11114 653 0,'72'25'62,"-48"-25"-62,25 0 16</inkml:trace>
           <inkml:trace contextRef="#ctx0" brushRef="#br0" timeOffset="-1449.0669">11162 170 0,'48'0'62</inkml:trace>
           <inkml:trace contextRef="#ctx0" brushRef="#br0" timeOffset="-1281.0017">11186 315 0</inkml:trace>
@@ -1989,10 +3063,10 @@
           <inkml:trace contextRef="#ctx0" brushRef="#br0" timeOffset="-871.1228">10267 339 0,'-24'73'47</inkml:trace>
           <inkml:trace contextRef="#ctx0" brushRef="#br0" timeOffset="1576.4179">10291 121 0</inkml:trace>
           <inkml:trace contextRef="#ctx0" brushRef="#br0" timeOffset="-698.7996">10291 605 0,'121'0'32,"-97"0"-17</inkml:trace>
-          <inkml:trace contextRef="#ctx0" brushRef="#br0" timeOffset="-2332.1888">10340 170 0,'24'0'47</inkml:trace>
+          <inkml:trace contextRef="#ctx0" brushRef="#br0" timeOffset="-2332.1886">10340 170 0,'24'0'47</inkml:trace>
           <inkml:trace contextRef="#ctx0" brushRef="#br0" timeOffset="-2145.7057">10533 97 0,'24'0'16</inkml:trace>
           <inkml:trace contextRef="#ctx0" brushRef="#br0" timeOffset="-1108.8551">10702 291 0</inkml:trace>
-          <inkml:trace contextRef="#ctx0" brushRef="#br0" timeOffset="-519.3211">10702 629 0,'97'0'63</inkml:trace>
+          <inkml:trace contextRef="#ctx0" brushRef="#br0" timeOffset="-519.3209">10702 629 0,'97'0'63</inkml:trace>
           <inkml:trace contextRef="#ctx0" brushRef="#br0" timeOffset="1373.9396">10848 25 0,'-25'0'62</inkml:trace>
           <inkml:trace contextRef="#ctx0" brushRef="#br0" timeOffset="1119.2151">11331 266 0</inkml:trace>
           <inkml:trace contextRef="#ctx0" brushRef="#br0" timeOffset="-199.1419">11356 726 0,'96'-24'62</inkml:trace>
@@ -2012,7 +3086,7 @@
           <inkml:trace contextRef="#ctx0" brushRef="#br0" timeOffset="5090.8538">9106-24 0,'-24'0'47</inkml:trace>
           <inkml:trace contextRef="#ctx0" brushRef="#br0" timeOffset="4410.1138">9082 121 0,'24'0'47</inkml:trace>
           <inkml:trace contextRef="#ctx0" brushRef="#br1" timeOffset="-18217.0537">10340-242 0,'-25'0'281,"1"0"-249,0 0-17,0 0 16,0 0-15,-1 0 0,1 0 31,0 0-32,0 0 1,0 0 15,0 0 0,-1 0 1,25-24-17,-24 24 1,0 0-1,0 0 17,24-24-17,-24 24 1,-1 0 15,1 0 0,0 0-15,0 0 15,0 0-15,-1 0 15,1 0 0,0 0 1,0 0-17,0 0 1,-1 0 31,1 0-32,0 0 1,0 0 0,0 0 15,0 0 16,24 24-16,-25-24-15,1 0 93,24 24-93,-24-24 31,24 25-1,-24-25-30,0 0 47,24 24-48,-25-24 48,25 24-63,-24-24 47,24 24-32,-24-24 16,24 24-15,-24-24 15,24 25-15,-24-25 31,24 24-32,0 0 17,-25-24-17,25 24 17,-24 0 14,24 1 1,-24-1 0,24 0-16,0 0 16,-24-24-15,24 24-17,0 0 1,0 1 31,0-1-16,0 0 0,-24-24 0,24 24-15,0 0 31,0 1-31,0-1 15,24-24-16,-24 24 1,0 0 47,0 0-17,0 1 1,24-25-31,-24 24-16,24-24 47,-24 24 234,24-24-187,1 0-63,-1 0 0,-24 24-15,24-24 0,0 0 15,0 0-31,1 0 15,-1 0 1,0 0-16,0 0 47,-24 24-47,24-24 31,1 0 0,-1 0-31,0 0 16,-24 25 0,24-25-1</inkml:trace>
-          <inkml:trace contextRef="#ctx0" brushRef="#br0" timeOffset="4795.0837">9348-121 0</inkml:trace>
+          <inkml:trace contextRef="#ctx0" brushRef="#br0" timeOffset="4795.0836">9348-121 0</inkml:trace>
           <inkml:trace contextRef="#ctx0" brushRef="#br1" timeOffset="-13756.116">9009-217 0,'-24'0'63,"0"0"-32,0 0-15,-1 0 15,1 0-15,0 0 15,0 0-15,0 0-16,-25 0 46,25 0-30,0 0 0,0 0-1,-1 0 1,1 0 0,24 24-16,-24-24 31,0 24 0,0-24-15,24 24 15,-24-24-31,24 24 31,-25-24-15,25 25-1,-24-1 17,24 0-1,0 0 0,-24-24-15,24 24 31,-24-24-16,24 25-31,-24-25 16,24 24 30,0 0 33,24-24-48,0 24 47,0-24-31,-24 24-32,24-24 1,1 0 0,-1 0-1,0 0 1,0 0 0,0 0 15,0 0-16,1 0 1</inkml:trace>
           <inkml:trace contextRef="#ctx0" brushRef="#br0" timeOffset="6593.2682">8550 49 0</inkml:trace>
           <inkml:trace contextRef="#ctx0" brushRef="#br0" timeOffset="6472.4826">8743-72 0,'-145'48'15</inkml:trace>
@@ -2261,7 +3335,7 @@
               </emma:one-of>
             </emma:emma>
           </inkml:annotationXML>
-          <inkml:trace contextRef="#ctx0" brushRef="#br0" timeOffset="21372.6795">-1935 2661 0,'24'0'62,"73"0"1,-73 0-63,0 0 15</inkml:trace>
+          <inkml:trace contextRef="#ctx0" brushRef="#br0" timeOffset="21372.6793">-1935 2661 0,'24'0'62,"73"0"1,-73 0-63,0 0 15</inkml:trace>
           <inkml:trace contextRef="#ctx0" brushRef="#br0" timeOffset="20954.1694">-1862 2395 0,'0'72'63,"0"-48"-48,0 1-15,0-1 16,0 0-16,0 0 16,0 0-16,0 1 15,0-1-15,0 0 0,0 0 16,0 0-1,-25 0-15,25 1 0,0-1 16,0 73 62,0-73-78,25-24 16,-1 0-1,0 0 1,0 0 0,0 0 15</inkml:trace>
           <inkml:trace contextRef="#ctx0" brushRef="#br0" timeOffset="20092.3031">-2201 2757 0,'0'218'156,"0"-194"-156,0 1 15,0-1-15,0 0 32,0 0-32,0 0 31,0-48 31,0 0-46,0 0 0,0 0-16,0-1 15,0 1-15,0 0 16,0 0-16,0 0 16,0-1-16,0 1 15,0 0-15,0 0 16,24 24-16,-24-24 15,0-1-15,0 1 0,0 0 16,24 0 0,-24 0-1,24 24 17,-24-24-17,25 24 32,-25 24-47,24-24 16,0 0-1,0 72 48,-24-48-32,0 1 0,-24-1-15,24 0 15,-24-24-15,0-24 15,-1 24-15,1 0 15,0 0-15</inkml:trace>
         </inkml:traceGroup>
@@ -2278,7 +3352,7 @@
               </emma:one-of>
             </emma:emma>
           </inkml:annotationXML>
-          <inkml:trace contextRef="#ctx0" brushRef="#br0" timeOffset="33615.1237">557 2661 0,'0'-24'109,"0"-1"-78</inkml:trace>
+          <inkml:trace contextRef="#ctx0" brushRef="#br0" timeOffset="33615.1235">557 2661 0,'0'-24'109,"0"-1"-78</inkml:trace>
           <inkml:trace contextRef="#ctx0" brushRef="#br0" timeOffset="34514.0081">750 2806 0,'0'24'47,"0"0"-16,0 0-15,0 1-1,0-1-15,0 0 16,0 0 0,0 0-1,24-24 16,1 0-15,-1 0-16,0 0 16,0 0-16,0-24 15,0 24 1,-24-48 0,25 48-1,-25-24-15,0-1 0,0 1 16,0 0-1,0 0 1,-25 24-16,1 0 16,0 0-1,0 0 1,0 0 0,0 0 15</inkml:trace>
           <inkml:trace contextRef="#ctx0" brushRef="#br0" timeOffset="21990.1108">-1572 2733 0,'0'24'78,"0"1"-62,0-1-16,0 0 16,0 0-16,0 0 15,0 1-15,0-1 16,0 0 0</inkml:trace>
           <inkml:trace contextRef="#ctx0" brushRef="#br0" timeOffset="22454.8151">-1572 2588 0</inkml:trace>
@@ -2517,7 +3591,7 @@
           <inkml:trace contextRef="#ctx0" brushRef="#br0">1 24 0,'0'-24'16,"0"48"93,0 0-93,0 25-16,0-25 15,24 0-15</inkml:trace>
           <inkml:trace contextRef="#ctx0" brushRef="#br0" timeOffset="412.3247">98 72 0,'24'25'47,"0"-25"-31,0 0-1,-24-25-15,24 25 0,-24 25 63,24-25-63,-24 24 15,25-24 32,-25 24-31,24-24 0</inkml:trace>
           <inkml:trace contextRef="#ctx0" brushRef="#br0" timeOffset="879.0301">364 72 0,'-49'49'47,"73"-49"47,1 0-94,-1 0 15,24 0-15,-24 0 16,1 0-16,-1 0 16,0 0-1,-24 24 63,24-24-31,-24-24-31</inkml:trace>
-          <inkml:trace contextRef="#ctx0" brushRef="#br0" timeOffset="1094.1431">581 121 0,'0'0'109,"25"-24"-109,-1 24 16,0-25-16</inkml:trace>
+          <inkml:trace contextRef="#ctx0" brushRef="#br0" timeOffset="1094.1429">581 121 0,'0'0'109,"25"-24"-109,-1 24 16,0-25-16</inkml:trace>
           <inkml:trace contextRef="#ctx0" brushRef="#br0" timeOffset="1658.7559">799 72 0,'24'-48'47,"0"48"-31,-24 24 31,0 0-32,0 1 1,25-25 0,-1 0 15,-24-25-16,0 50 110,24-1-93,0 0-17,0-24 1,1 0-16,-1-24 16,0 24-1,-24-24-15</inkml:trace>
           <inkml:trace contextRef="#ctx0" brushRef="#br0" timeOffset="1934.6926">1041 97 0,'24'0'125,"0"0"-94,-24 24 32</inkml:trace>
           <inkml:trace contextRef="#ctx0" brushRef="#br0" timeOffset="3156.816">1331-49 0,'-48'0'78,"-1"73"-15,49-49-63,25-24 47,-1 0-16</inkml:trace>
@@ -2555,7 +3629,7 @@
           <inkml:trace contextRef="#ctx0" brushRef="#br0" timeOffset="7386.2851">944 943 0,'49'0'47,"-25"0"-31,0 0-16,-24-24 15,24 24-15,0 0 16,1 0 109,-25-24-109,24 24-1,0 0 48,0 0-48,0 0 17,-24 24-1,24-24 31,1 0-46,-1 0 0,0 0-1</inkml:trace>
           <inkml:trace contextRef="#ctx0" brushRef="#br0" timeOffset="4566.6996">412 532 0,'-48'24'62,"72"-24"-15,0 0-31,-24 24 15,0 1-31,0-1 31,24-24 32,0 0-48,122-121 32</inkml:trace>
           <inkml:trace contextRef="#ctx0" brushRef="#br0" timeOffset="4972.2111">581 484 0,'121'72'16,"-97"-72"15,1 24-15,-1-24-1,0 0 1,0 0-1</inkml:trace>
-          <inkml:trace contextRef="#ctx0" brushRef="#br0" timeOffset="4716.9333">581 484 0,'25'24'47</inkml:trace>
+          <inkml:trace contextRef="#ctx0" brushRef="#br0" timeOffset="4716.9331">581 484 0,'25'24'47</inkml:trace>
           <inkml:trace contextRef="#ctx0" brushRef="#br0" timeOffset="5489.1059">751 556 0,'72'0'47,"-48"0"-32,1 0-15,-1 0 16,0 0-1,0 0 1,0 0 93,1 0-93,-1 0 47,0 0-63,0 0 15,0 0 1,1 0-1</inkml:trace>
         </inkml:traceGroup>
       </inkml:traceGroup>
@@ -3185,7 +4259,7 @@
           <inkml:trace contextRef="#ctx0" brushRef="#br0" timeOffset="7145.5434">2105-363 0,'24'25'93,"0"-1"-93,1 0 16,-25 0-16,24 0 16,0 0-16,-24 1 15,24-1-15,-24 0 16,24 0-16,-24 25 16,25-1-1,-25-24-15,0 0 16,24 1-16,-24-1 15,0 0-15,24 0 16,-24 0-16,0 25 16,0-25-16,0 0 15,24 0-15,-24 0 0,0 1 16,0-1 0,0 0-16,24 0 15,-24 0-15,0 1 16,0-1-1,0 0 1,0 0 0,0 0 15,0 1-15</inkml:trace>
           <inkml:trace contextRef="#ctx0" brushRef="#br0" timeOffset="8107.1156">2589-338 0,'24'0'63,"-24"24"-48,24 0-15,0 0 16,-24 24-16,25 1 15,-1-1-15,0 1 0,-24-25 16,24 24-16,0 25 16,-24-25-16,25 1 15,-25-1-15,0 0 16,24 1-16,-24-25 16,0 24-16,0-24 15,0 1-15,0-1 16,0 0-16,0 0 15,24-24-15,-24 24 16,0 1 0</inkml:trace>
           <inkml:trace contextRef="#ctx0" brushRef="#br0" timeOffset="8923.761">2758-363 0,'24'0'78,"-24"25"-63,25-25-15,-1 24 0,0 0 16,0 0-16,0 0 16,1 0-16,-1 1 15,0 23-15,-24-24 16,24 0-16,-24 25 16,24-25-16,-24 0 15,24 0-15,-24 1 16,25 23-16,-25-24 15,0 0-15,24 1 16,0 23-16,-24-24 16,0 0-16,24 0 15,-24 1-15,0-1 0,0 0 16,0 24 0,0-23 15,0-1-16,-24-24 1</inkml:trace>
-          <inkml:trace contextRef="#ctx0" brushRef="#br1" timeOffset="78999.4122">25-387 0,'48'49'63,"-24"-49"-47,-24 24-1,24-24-15,1 0 16,-1 24-1,0-24 17,-24 24-32,24-24 15,0 0 17,1 0-17,-1 24 16,0-24-15,0 0 0,0 0-1,1 0 1,-1 0 15,0 0 0,-24 24 1,0 1-17,24-25-15,-24 24 16,24-24-16,0 0 31</inkml:trace>
+          <inkml:trace contextRef="#ctx0" brushRef="#br1" timeOffset="78999.412">25-387 0,'48'49'63,"-24"-49"-47,-24 24-1,24-24-15,1 0 16,-1 24-1,0-24 17,-24 24-32,24-24 15,0 0 17,1 0-17,-1 24 16,0-24-15,0 0 0,0 0-1,1 0 1,-1 0 15,0 0 0,-24 24 1,0 1-17,24-25-15,-24 24 16,24-24-16,0 0 31</inkml:trace>
         </inkml:traceGroup>
       </inkml:traceGroup>
     </inkml:traceGroup>
@@ -3278,7 +4352,7 @@
           <inkml:trace contextRef="#ctx0" brushRef="#br1" timeOffset="-104166.3748">2081 678 0,'0'24'94,"0"0"-79,0 0 1,0 0 0,0 0-1,24-24-15,-24 25 16</inkml:trace>
           <inkml:trace contextRef="#ctx0" brushRef="#br1" timeOffset="-102823.8637">2129 678 0,'24'0'78,"1"0"-62,-1 0 0,0 0-1,0 0 1,0 0-16,1 0 15,-1 0-15,0 0 16,0 0 0,0 0-16,1 0 15,-1 0-15,0 0 16,0 0 0,0 0-16,0 0 15,1 0 1,-1 0 15,0 0 110,-24 24-63,0 0-47,0 0-15,0 0-1,0 0 17,0 1-17,0-1 1,24-24-1,-48 0 110,0 0-109,0 0 15,-1 0-31,1 0 16,0 0 0,0 0-1,0 0 1,0 0-16,-1 0 15,25 24 1,-24-24 0,0 0-1,0 0 1,0 0 15</inkml:trace>
           <inkml:trace contextRef="#ctx0" brushRef="#br1" timeOffset="-101841.9604">2782 629 0,'0'49'63,"0"-25"-63,0 0 31,0 0-31,0 0 16,0 0-1,0 1-15,25-25 16,-25 24 0</inkml:trace>
-          <inkml:trace contextRef="#ctx0" brushRef="#br1" timeOffset="-100663.9937">2855 653 0,'24'0'93,"0"25"-77,25-25 0,-25 0-16,0 0 15,0 0-15,25 0 16,-25 0-16,0 0 15,0 0-15,0 0 16,1 0 0,-1 0-1,0 0 1,24 0 0,-23 0-1,-1 0 16,-24 24 94,-24 0-109,24 0 0,0 0-16,-25 0 15,25 1 1,0-1 0,0 0 155,-24-24-155,0 0 15,0 0 1,0 0-17,-1 0-15,1 0 16,0 0-1,0 0-15,0 0 16,-1 0-16,1 0 16,0 0-1,0 0 1,0 0 0,0 0-1</inkml:trace>
+          <inkml:trace contextRef="#ctx0" brushRef="#br1" timeOffset="-100663.9935">2855 653 0,'24'0'93,"0"25"-77,25-25 0,-25 0-16,0 0 15,0 0-15,25 0 16,-25 0-16,0 0 15,0 0-15,0 0 16,1 0 0,-1 0-1,0 0 1,24 0 0,-23 0-1,-1 0 16,-24 24 94,-24 0-109,24 0 0,0 0-16,-25 0 15,25 1 1,0-1 0,0 0 155,-24-24-155,0 0 15,0 0 1,0 0-17,-1 0-15,1 0 16,0 0-1,0 0-15,0 0 16,-1 0-16,1 0 16,0 0-1,0 0 1,0 0 0,0 0-1</inkml:trace>
           <inkml:trace contextRef="#ctx0" brushRef="#br1" timeOffset="-96801.9907">3411 242 0,'25'0'16,"-1"24"93,-24 0-109,0 1 16,24-1 0,-24 0-16,0 0 15,24 0 1,-24 1 0,0-1-16,24 0 15,-24 0-15,0 0 16,0 1-16,0-1 15,0 0 1,0 0-16,0 0 16,0 1-1,0-1-15,0 0 16,0 0 0,0 0-1,0 0 1,0 1-1,0-1 1,0 0-16,-24-24 16,24 24-1,0 0-15,-24-24 0,24 25 16,0-1 0,0 0-1,-24-24 1,24 24-1,0 0 17,-24 1-17,24-1 1,-25-24 0,25 24-1</inkml:trace>
           <inkml:trace contextRef="#ctx0" brushRef="#br1" timeOffset="-94535.4253">3484 266 0,'24'0'187,"0"0"-171,0 0-1,1 0 1,-1 0 0,0 0-1,0 0-15,0 0 16,1 0 0,-1 0-1,0 24 1,0-24-1,-24 25-15,24-25 16,1 0 0,-1 0-1,-24 24-15,24-24 16,0 0 0,-24 24-1,24-24 1,1 24-1,-1-24 1,-24 24-16,24-24 16,-24 25-1,24-25 1,0 24 0,0-24 15,1 0-16,-25 24-15,24-24 16,0 24 15,0-24-15,-24 24 0,24-24-1,1 25 16,-1-25 1,-24 24-17,24-24 1,0 24 0,0-24 15,-24 24-16,25-24 1,-1 0 31,-24 24 15,24-24-30</inkml:trace>
           <inkml:trace contextRef="#ctx0" brushRef="#br1" timeOffset="-89166.4201">4331 823 0,'-25'0'750,"1"0"-688,0 0-46,0 0 31,0 0-16,-1 0 0,1 0 16,0 0-16,0 0 0,0 0-15,24-25 15,-25 25-31,1 0 47,0 0-16,0 0 1,0 0-1,0 0 0,-1 0 0,1 0 16,0 0 0,24 25 0,24-25 422,0 0-422,-24-25-32,25 25 17,-1-24-1,0 24 0,-24-24 0,24 24-31,0-24 16,0 24 31,-24-24-16,25 24-31,-1 0 31,0 0 16,0-24-31,0 24 15,-24-25-31,25 25 16,-1 0 46,0 0-31,0 0 32,0 0-32,1 0 47</inkml:trace>
@@ -3310,7 +4384,7 @@
               </emma:one-of>
             </emma:emma>
           </inkml:annotationXML>
-          <inkml:trace contextRef="#ctx0" brushRef="#br1" timeOffset="-70726.9866">1041 1016 0,'0'-24'62,"0"48"48,0 0-95,0 1 1,0-1 0,0 0-16,-25 0 15,25 0 1,-24 1-16,24-1 16,0 0-16,-24 0 15,24 0 1,0 0-16,-24 1 15,24-1 1,0 0-16,-24-24 16,24 24-16,-24 0 15,24 1-15,-25-1 16,25 0-16,-24 0 16,0-24-16,24 24 15,-24 1-15,0-1 16,-1 0-1,1 0 1,0-24 0,24 24-1,-24-24 1</inkml:trace>
+          <inkml:trace contextRef="#ctx0" brushRef="#br1" timeOffset="-70726.9864">1041 1016 0,'0'-24'62,"0"48"48,0 0-95,0 1 1,0-1 0,0 0-16,-25 0 15,25 0 1,-24 1-16,24-1 16,0 0-16,-24 0 15,24 0 1,0 0-16,-24 1 15,24-1 1,0 0-16,-24-24 16,24 24-16,-24 0 15,24 1-15,-25-1 16,25 0-16,-24 0 16,0-24-16,24 24 15,-24 1-15,0-1 16,-1 0-1,1 0 1,0-24 0,24 24-1,-24-24 1</inkml:trace>
           <inkml:trace contextRef="#ctx0" brushRef="#br1" timeOffset="-69736.6279">847 1645 0,'24'24'62,"1"-48"-15,-1 0-31,0 24-1,-24-24-15,24 0 0,0-1 16,0 1 0,1 0-16,-25 0 15,24 0-15,0-1 16,-24 1 0,24 0-16,-24-24 15,24 23-15,-24 1 16,25 0-16,-25 0 15,24 0-15,-24 0 16,24-1-16,-24 1 16,0 0-1,0 0 1,24 24 0,-24-24-1,0-1-15,24 25 16,-24-24-16,0 0 15,25 24 1,-25-24 0,0 0 31,24 24-32</inkml:trace>
           <inkml:trace contextRef="#ctx0" brushRef="#br1" timeOffset="-67889.8729">1670 919 0,'0'25'125,"0"-1"-109,0 0-1,0 0 1,0 0-16,0 1 16,0-1-1,0 0-15,0 0 16,0 0 0,0 1-16,0-1 15,-25 0 1,25 0-16,0 0 15,0 0-15,0 1 16,0-1-16,-24-24 16,24 24-16,0 0 15,0 0-15,-24 1 16,24-1 0,0 0 15,0 0-31,-24-24 15,24 24 1,-24-24-16,24 25 16,-25-25-16,25 24 15,-24 0-15,24 0 16,-24 0 0,0 1-1,0-25 1,24 24-1,0 0 64,0 0-48,24-48 109,0 24-140,0-24 16,0 0 0,1 24-16,-25-25 15,24 1-15,0 24 16,-24-24-16,48-24 16,1-25-1,-25 73 1,0-24-16,-24 0 15,24-1-15,-24 1 16,25 0-16,-25 0 16,24 24-16,-24-24 15,24-1-15,-24 1 16,0 0-16,0 0 16,0 0-16,24 0 15,-24-1 1,0 1-16,24 0 15,-24 0 1,0 0 0,25-1-1,-25 1 1,0 0 15,0 0-15,0 0-1,24 24 1,-24-25-16</inkml:trace>
           <inkml:trace contextRef="#ctx0" brushRef="#br1" timeOffset="-66593.5154">2226 919 0,'0'25'63,"24"-25"-63,-24 24 16,0 0-1,0 0 1,0 0-16,0 1 15,0-1-15,0 0 16,0 0-16,0 0 16,0 1-16,0-1 15,0 0 1,0 24 0,0-24-1,0 1-15,0-1 16,-24 0-1,24 0 1,0 0 0,-24-24-16,24 25 15,-24-1 1,24 0 0,-25-24-16,25 24 0,0 0 31,0 1-16,0-1 1,0 0 0,-24-24-1,24-24 110,24 24-125,1-24 16,-25-1-16,24 25 16,0-24-16,-24 0 15,24 0-15,0 0 16,-24-1-16,25 1 15,-25 0-15,24 0 16,0 0-16,-24-1 16,24 1-16,-24 0 15,24 0-15,-24 0 16,25 0-16,23-25 31,-48 25-31,24 0 0,-24 0 31,24 24-15,0-25 31,1 25-31,-25-24-1,24 24-15</inkml:trace>
@@ -3388,7 +4462,7 @@
           </inkml:annotationXML>
           <inkml:trace contextRef="#ctx0" brushRef="#br0">3435-2782 0,'-24'-25'46,"48"25"17,1 0-63,-1 0 16,24 0-1,-24 0-15,1 0 16,-1 0-16,0 0 15,0 0-15,0 0 16,1 0 0,-1 0-1,0 0 17,0 25-17,0 23 32,-24-24-16,0 0 1,0 1-17,0-1 1,-24 0-1,0 0 1,0 0-16,0 1 16,-1-25-16,1 24 15,0-24 1,0 24-16,0-24 31,-1 0-15,1 0 15,0 0 32,0 0-48,24 24-15,24-24 94,0 0-78,0 0-16,-24 24 15,25-24 1,-1 0-16,0 24 15,0-24-15,0 0 16,1 0 0,-1 25-16,0-25 15,0 24 1,0 0 0,0-24-1,1 0-15,-25 24 16,24-24-16,0 24 15,0-24-15,0 25 32,-24-1-17,0 0 1,25-24-16,-25 24 16,24-24 15,-24 24 0</inkml:trace>
           <inkml:trace contextRef="#ctx0" brushRef="#br0" timeOffset="-1753.8521">3411-2758 0,'0'-24'63,"0"48"93,24 0-140,-24 0-1,25 0 1,-25 1-16,0-1 16,0 0-1,24 0-15,-24 0 16,0 1-16,0-1 0,0 0 15,0 0 1,24 0-16,-24 0 16,24 1-16,-24-1 15,0 0-15,0 0 16,24 0-16,-24 1 16,0-1-16,25 0 15,-25 0 1,24 0-16,-24 1 15,0-1-15,24-24 16,-24 24-16,0 0 16,24-24-1,-24 24-15,0 1 47,24-25-16</inkml:trace>
-          <inkml:trace contextRef="#ctx0" brushRef="#br0" timeOffset="1215.6128">4137-2492 0,'24'0'62,"0"0"-31,1 0 1,-1 0-17,0 0 1,0 0 0,-24-24-16,24 24 15,-24-24-15,0-1 31,0 1-15,0 0 15,-24 24-31,0 0 16,0-24 0,0 24-1,-1 0 16,1 0-15,0 0 15,0 24-15,0-24 15,24 24-31,0 0 31,-25 25 1,25-25-32,0 0 15,0 0 1,0 0-16,0 1 16,0-1-1,0 0-15,0 0 16,25 0-16,-25 1 15,0-1-15,24-24 16,-24 24-16,0 0 16,24-24-16,-24 24 15,24-24-15,0 0 16,1 0 0,-1 0-16,0 0 15</inkml:trace>
+          <inkml:trace contextRef="#ctx0" brushRef="#br0" timeOffset="1215.6126">4137-2492 0,'24'0'62,"0"0"-31,1 0 1,-1 0-17,0 0 1,0 0 0,-24-24-16,24 24 15,-24-24-15,0-1 31,0 1-15,0 0 15,-24 24-31,0 0 16,0-24 0,0 24-1,-1 0 16,1 0-15,0 0 15,0 24-15,0-24 15,24 24-31,0 0 31,-25 25 1,25-25-32,0 0 15,0 0 1,0 0-16,0 1 16,0-1-1,0 0-15,0 0 16,25 0-16,-25 1 15,0-1-15,24-24 16,-24 24-16,0 0 16,24-24-16,-24 24 15,24-24-15,0 0 16,1 0 0,-1 0-16,0 0 15</inkml:trace>
           <inkml:trace contextRef="#ctx0" brushRef="#br0" timeOffset="2407.8425">4790-3097 0,'-48'-24'94,"24"24"-94,-1 0 0,1 24 15,0-24-15,24 24 16,-24 1-1,24-1-15,-24-24 0,24 24 16,-25 0 0,25 0-16,0 0 0,-24 1 15,24-1-15,0 0 16,0 24-16,0-23 16,0-1-16,0 0 15,0 24-15,0-23 16,0 23-16,0-24 15,0 25-15,0-1 16,0-24-16,0 24 16,0-23-16,0-1 15,0 0-15,0 0 16,0 25-16,0-25 16,24 0-16,-24 0 15,0 25-15,0-25 0,0 0 16,0 0-1</inkml:trace>
           <inkml:trace contextRef="#ctx0" brushRef="#br0" timeOffset="3209.6362">4500-2758 0,'0'-24'47,"24"24"187,0 0-234,0 0 16,1 0-1,-1 24-15,0-24 16,0 0 0,0 0-16,1 0 15,-1 0-15,0 0 16,0 0 0</inkml:trace>
           <inkml:trace contextRef="#ctx0" brushRef="#br0" timeOffset="4433.897">5008-2637 0,'-24'0'78,"-1"0"-78,1 24 15,0-24 1,0 24-16,0 0 16,-1 1-16,1-25 15,24 24-15,-24 0 16,0 0 0,24 0-16,0 0 15,0 25 1,0-1 15,24-48-15,0 0-16,0 0 15,1 0 1,-1 0-16,0-24 16,0 0-16,0 0 15,-24-1-15,25 25 16,-25-24-16,0 0 15,0 0 1,24 24-16,-24-24 16,0 0-1,0-1 1,24 25 15,-24-24 16,0 48 0,-24 1-31,24-1-16,0 0 15,-24 0-15,24 24 16,0-23-16,0-1 15,0 0-15,0 0 0,0 0 16,24 1 0,0-25-1,0 0-15,25 0 16,-25-25-16,0 1 16</inkml:trace>
@@ -3423,7 +4497,7 @@
             </emma:emma>
           </inkml:annotationXML>
           <inkml:trace contextRef="#ctx0" brushRef="#br0" timeOffset="9630.1701">6483-2516 0,'0'-24'62,"25"24"-62,-25-25 16,24 25-1,0 0 1,-24 25 31,24-1-47,-24 0 15,0 0-15,0 0 16,0 0-16,0 1 16,0-1-1,0 0-15,0 0 16,0 0 0,-24-24 30,24-24-30,0 0 0,0 0-16,0 0 15,24 24-15,-24-25 16,24 1-16,1 0 16,-1 24-1,-24-24 1,24 24-16,0-24 15,0 24-15,1 0 16</inkml:trace>
-          <inkml:trace contextRef="#ctx0" brushRef="#br0" timeOffset="10245.4665">6943-2444 0,'0'24'109,"0"1"-93,0-1-16,0 0 15,0 0-15,0 0 16,-24 1-16,24-1 16,-24 0-1,-1-24 32</inkml:trace>
+          <inkml:trace contextRef="#ctx0" brushRef="#br0" timeOffset="10245.4664">6943-2444 0,'0'24'109,"0"1"-93,0-1-16,0 0 15,0 0-15,0 0 16,-24 1-16,24-1 16,-24 0-1,-1-24 32</inkml:trace>
           <inkml:trace contextRef="#ctx0" brushRef="#br0" timeOffset="10724.6587">7016-2637 0,'0'-24'78,"24"-1"-47,0 25-15</inkml:trace>
           <inkml:trace contextRef="#ctx0" brushRef="#br0" timeOffset="11579.6809">7137-2420 0,'24'25'46,"-24"-1"-30,0 0-16,0 0 16,0 0-1,0 1-15,0-1 16,-24 0-16,24 0 16,0 0-1,24-24 63,-24-24-78,24 24 0,0-24 16,0 0 0,1 24-16,-1-24 15,0 24 1,0-25-16,0 25 15,-24-24-15,24 24 16,1 0 0,-1 0 15,-24 145 78,-24-120-109,24-1 16,-25 0 0</inkml:trace>
           <inkml:trace contextRef="#ctx0" brushRef="#br0" timeOffset="12868.6171">7766-2371 0,'-73'24'78,"49"0"-62,0-24-16,24 24 16,-25 1-16,1-1 15,24 0 1,0 0-1,0 0 1,24-24 0,1 0-1,-1 0-15,0 0 16,0 0-16,0 0 16,1-24-16,-1 24 15,-24-24-15,24 0 16,0 0-16,0-1 15,-24 1 1,0 0 0,0 48 31,-24-24-47,0 24 15,24 1-15,-24-1 16,24 0-16,-24 0 15,24 0 1,0 1 0,0-1-1,-25-24-15,25 24 16,0 0-16,-24 0 16,24 1-16,-24-25 15,24 24-15,-48 0 31,48 0-31,-25 0 0,1 0 16,0-24-16,0 25 16,0-25-16,24 24 15,-25-24-15,1 0 16,0 0 0,0 0-1,0 0 1,24-24-1,-25 24-15,25-25 16,0 1 0,0 0-1,0 0 1,25 24-16,-1-24 16,0 24-16,0-24 15,0 24-15,1-25 16,23 1-16,-24 24 15,25-24-15,-25 0 16,0 24-16,24-24 16,-23 24-16,-1 0 15,0 0-15,0 0 16,0 0-16,0 0 16,1-25-16,23 25 15,0-24-15,-23 24 16,-1-24-16,0 24 15,0 0-15</inkml:trace>
@@ -3606,7 +4680,7 @@
           </inkml:annotationXML>
           <inkml:trace contextRef="#ctx0" brushRef="#br0">1984-1110 0,'24'0'47,"-24"24"15,-24-24-46,24 24-16,0 1 16,-24-25-16,24 24 15,0 0-15,0 0 16,0 0 0,0 0 15,24-24 0,0 0-31,0 0 16,0 0-1,-24-24 1,25 24-16,-25-24 16,0 0-16,0 0 15,0 0 1,0-1-16,0 1 15,0 0-15,0 0 47,-25 24-31,1 0 15,0 24-15</inkml:trace>
           <inkml:trace contextRef="#ctx0" brushRef="#br0" timeOffset="681.9081">2298-1328 0,'0'24'93,"0"1"-93,0-1 16,0 0-16,0 0 0,0 0 16,-24 1-16,24-1 15,0 0-15,0 0 16,0 0-16,-24 1 15,24-1-15,0 0 16,0 0 0,0 0 15,0 0-15,0 1 15,24-25-16,0 0 1,0 0 0,-24-25-1,25 25-15</inkml:trace>
-          <inkml:trace contextRef="#ctx0" brushRef="#br0" timeOffset="1304.0892">2468-1328 0,'24'24'78,"-24"1"-62,0-1-16,0 0 15,0 0-15,-24 25 16,24-25-16,0 0 15,0 0-15,-25 0 16,25 1-16,0-1 16,0 0-16,0 0 15,0 0 17,25-24 30,-1 0-46,0 0-16,0 0 15</inkml:trace>
+          <inkml:trace contextRef="#ctx0" brushRef="#br0" timeOffset="1304.0891">2468-1328 0,'24'24'78,"-24"1"-62,0-1-16,0 0 15,0 0-15,-24 25 16,24-25-16,0 0 15,0 0-15,-25 0 16,25 1-16,0-1 16,0 0-16,0 0 15,0 0 17,25-24 30,-1 0-46,0 0-16,0 0 15</inkml:trace>
           <inkml:trace contextRef="#ctx0" brushRef="#br0" timeOffset="1741.3837">2637-1110 0,'0'24'47,"24"-24"-32,-24 24 1,24-24 0,-24 25-1,25-25 1,-1 0-16,0 0 16,0 0-1,0 0-15</inkml:trace>
           <inkml:trace contextRef="#ctx0" brushRef="#br0" timeOffset="2234.5994">2951-1183 0,'0'25'110,"-24"-25"-110,0 24 15,24 0-15,-24-24 16,0 24-16,24 0 16,-25 1-16,25-1 0,-24 0 15,0 0 1,24 0-16,0 0 0,-24 1 15,24-1 1,0 0 0,-24-24 15</inkml:trace>
           <inkml:trace contextRef="#ctx0" brushRef="#br0" timeOffset="3367.2643">3145-1449 0,'0'24'94,"24"-24"-94,25 121 63,-25-48-48,0-49 1,-24 0-16,0 1 15,0-1 1,0 0-16,0 0 16,0 0-1,0 1 1,0-1-16,0 0 16,0 0-1,0 0 16,-24-24-15,24 24-16,-24-24 16,-1 25-1,1-25 1,0 24 0</inkml:trace>
@@ -3717,13 +4791,13 @@
           </inkml:annotationXML>
           <inkml:trace contextRef="#ctx0" brushRef="#br1" timeOffset="-109189.3207">49 269 0,'-25'0'172,"1"0"-156,24 24 15,-24-24-31,24 24 15,-24-24 1,0 24 0,24 1-16,0-1 15,-25 0 1,25 0 0,0 0-1,-24 1-15,24-1 31,0 0-15,24-24 0,-24 24-1,25-24-15,-1 0 16,-24 24 156,0 0-110,0 1-46,0-1 0,24-24-16,0 24 15,0-24 1,1 0-1,-1 0 1,0 0 0,0 0-1,0 0 126,1 0-110,-1 0-15,-24 24-1,24-24-15,0 0 16,0 0 0,0 0 15,1 0-15,-1 0-1,0 0 1,-24-24-1,24 24 1,-24-24 31,24 24 47,-24 24-94,25-24 15,-1 0 1,0 0-16,0 0 16,0 0-1,-24 24 1,25-24-1,-1 0 1,-24-24 0,24 24-16,0 0 140,0 0-108,1 0-17,-1 0 1,0 0-1,0 0 1,0 0-16,0 0 16,1 0-1,-1 0 17,-24-24-17,0 0 1,24 24 46,0 0 32,-24 24-78,24-24-1,1 0 1,-1 0 0,0 0-1,0 0 1,0 0-1,1 0 1,-1 0 0,-24-24-1,24 24 1,0-25-16,-24 1 16,24 24-1,1 0 141,-1 0-140,0 0-16,0 24 16,0-24-1,0 0 1,1 0 0,-1 0-1,0 0 16,0-24-15,-24 0 0,0 0-1,0 0 1,0 0 0,0-1-16</inkml:trace>
           <inkml:trace contextRef="#ctx0" brushRef="#br1" timeOffset="-105287.8177">1839-167 0,'24'0'94,"0"0"-63,0 25-15,0-1 15,-24 0 0,25-24-31,-25 24 32,0 0-1,0 1 0,0-1 0,-25-24-15</inkml:trace>
-          <inkml:trace contextRef="#ctx0" brushRef="#br1" timeOffset="-93206.4177">-72 293 0,'24'0'63,"0"0"-1,-48 0 32,-25 24-63,25 0-15,0 1-16,0-1 16,0-24-16,-1 24 0,1 0 15,0 0-15,0 1 16,0-1-16,0 0 16,-1 0-16,25 0 15,-24 0-15,0 1 31,24-50 48,24 25-79,-24-24 15,24 0-15,1 0 16,-1 0-16,0 0 0,0-1 15,24 1-15,-23 0 16,-1 0-16,0 24 16,-24-24-16,24 24 15,-24-25 110</inkml:trace>
+          <inkml:trace contextRef="#ctx0" brushRef="#br1" timeOffset="-93206.4175">-72 293 0,'24'0'63,"0"0"-1,-48 0 32,-25 24-63,25 0-15,0 1-16,0-1 16,0-24-16,-1 24 0,1 0 15,0 0-15,0 1 16,0-1-16,0 0 16,-1 0-16,25 0 15,-24 0-15,0 1 31,24-50 48,24 25-79,-24-24 15,24 0-15,1 0 16,-1 0-16,0 0 0,0-1 15,24 1-15,-23 0 16,-1 0-16,0 24 16,-24-24-16,24 24 15,-24-25 110</inkml:trace>
           <inkml:trace contextRef="#ctx0" brushRef="#br1" timeOffset="-107604.4113">1379 148 0,'-24'0'15,"24"-24"95,0-1-79,0 1-15,0 0 15,0 0-31,24 24 16,-24-24-1,24 24 1,-24-24-1,24 24 17,-24-25-32,25 25 31,-1 0-15,-24 25 77,0-50 1,0 1-78,0 0-1,0 0 1,24 24 0,0-24-1,0-1 1,1 25-16,-25-24 15,24 24-15,0 0 16,0 0-16,-24-24 16,24 24-16,1 0 15,-1 0 32,0 0-31,0 0-1</inkml:trace>
           <inkml:trace contextRef="#ctx0" brushRef="#br1" timeOffset="-97637.7304">170 753 0,'-25'24'188,"25"0"-188,-24 0 15,24 0-15,-24 1 16,24-1-16,-24 0 16,24 0-16,-24-24 0,24 24 15,0 1 1,0-50 62,0 1-62,0 0-16,0 0 15,0 0-15,24-1 16,-24 1-16,24 0 16,-24 0-1,0 48 79,0 0-78,0 0-16,-24 1 15,24-1-15,0 24 16,-24-24-16,24 1 15,-25-1-15,25 0 16,0-48 78</inkml:trace>
-          <inkml:trace contextRef="#ctx0" brushRef="#br1" timeOffset="-95846.4488">1234 680 0,'48'-24'62,"-72"24"17,24 24-64,-24 0-15,0 0 16,0 1-16,-1-1 15,1 0-15,0 0 16,0 0-16,0 1 16,-1-1-1,25 0-15,-24 0 0,0-24 32,24-24 14,24 0-30,-24 0 0,24-1-16,1 1 15,23 0-15,-24 0 16,25 0-16,-25-1 16,24 1-16,-24 0 0,0 24 15,-48 0 48,24 24-48,-48 0-15,24 1 16,0 23-16,-25-24 16,25 25-16,0-1 15,0-24-15,-1 0 16,25 1-16,0-1 15,25-24 17</inkml:trace>
+          <inkml:trace contextRef="#ctx0" brushRef="#br1" timeOffset="-95846.4486">1234 680 0,'48'-24'62,"-72"24"17,24 24-64,-24 0-15,0 0 16,0 1-16,-1-1 15,1 0-15,0 0 16,0 0-16,0 1 16,-1-1-1,25 0-15,-24 0 0,0-24 32,24-24 14,24 0-30,-24 0 0,24-1-16,1 1 15,23 0-15,-24 0 16,25 0-16,-25-1 16,24 1-16,-24 0 0,0 24 15,-48 0 48,24 24-48,-48 0-15,24 1 16,0 23-16,-25-24 16,25 25-16,0-1 15,0-24-15,-1 0 16,25 1-16,0-1 15,25-24 17</inkml:trace>
           <inkml:trace contextRef="#ctx0" brushRef="#br1" timeOffset="-112794.0573">0 220 0,'0'-24'265,"24"24"-249,-24-24-16,25 0 31,-25 0-15,24 24-1,-24-25 17,24 25-32,0-24 31,0 24-16,1-24 1,-1 24 0,0 0 15,0 0 0,0 0-15,0 0 15,1 0 0,-1 24-15,0 0 15,-24 1-15,0-1-1,24-24 1,-24 24 0,0 0 15,24-48 78,-24 0-93,25 0 0,-25-1-1,24 25 1,-24-24-1,24 24-15,-24-24 16,24 24 0,0 0-1,-24-24-15,25 24 32,-1 0-32,0 0 31,0 0 0,0 0 0,-24 24-15,25-24 0,-25 24-1,24-24-15,-24 24 31,24-24-15,-24 25-16,0-1 31,24-24-15,0 0 109,-24-24-125,24 24 16,1-25-1,-1 1 1,0 24-1,-24-24 1,24 24-16,0 0 31,1 0 16,-1 0-16,-24 24-31,24-24 141,0 0-125,-24-24-1,24 24-15,1-24 16,-1 24 0,0-24-1,0 24 1,0 0-1,1 0 17,-1 0-17,0 0 17,0 0-17,0 24 16,-24 0-15,0 0 15,24-24-31</inkml:trace>
           <inkml:trace contextRef="#ctx0" brushRef="#br1" timeOffset="-96918.3411">266 728 0,'0'49'47,"0"-25"-32,0 24-15,0-23 16,0 23-16,0-24 15,0 0-15,0 25 16,0-25-16,24 0 16,-24 0-1,0-72 48,0 24-48,0-25-15,0 25 16,0-48-16,0 23 16,0 25-16,-24 0 15,24 0-15,0-1 16,0 50 31,0-1-32,0 24-15,0-24 16,0 1-16,0 23 0,0-24 16,0 0-1,0 1-15,24-25 16,1 0 0</inkml:trace>
-          <inkml:trace contextRef="#ctx0" brushRef="#br1" timeOffset="-101462.8426">1984 172 0,'0'24'78,"0"0"-47,0 1 1,-24-25 46,-1 0-63,1 0 17,0 0-17,24 24 126,0 0-63,-24-24-47,0 0-15,-1 0-1,1 0 1,0 0-16,0 0 16,0 0-1,0 0 1,24 24 156,0 0-157,24-24 1,-24 25 0,0-1 15,0 0 0,-24-24 0,24 24-31,-25-24 16,1 0 0,0 0-1,24 24 79,0 1-63,0-1 1,0 0-1,0 0 31,0 0-46,-24-24 0,24 24 77,0 1-46,-24-25-16,-1 0 1,1 24-17,0-24-15,0 0 16,0 0 0,-25 0-16,25 0 15,0 0 1,0-24-16</inkml:trace>
+          <inkml:trace contextRef="#ctx0" brushRef="#br1" timeOffset="-101462.8424">1984 172 0,'0'24'78,"0"0"-47,0 1 1,-24-25 46,-1 0-63,1 0 17,0 0-17,24 24 126,0 0-63,-24-24-47,0 0-15,-1 0-1,1 0 1,0 0-16,0 0 16,0 0-1,0 0 1,24 24 156,0 0-157,24-24 1,-24 25 0,0-1 15,0 0 0,-24-24 0,24 24-31,-25-24 16,1 0 0,0 0-1,24 24 79,0 1-63,0-1 1,0 0-1,0 0 31,0 0-46,-24-24 0,24 24 77,0 1-46,-24-25-16,-1 0 1,1 24-17,0-24-15,0 0 16,0 0 0,-25 0-16,25 0 15,0 0 1,0-24-16</inkml:trace>
           <inkml:trace contextRef="#ctx0" brushRef="#br1" timeOffset="-95097.3848">1379 632 0,'0'96'47,"0"-71"-31,0-1-16,0 0 15,0 0-15,0 0 16,0 1-16,0-1 16,0 0-16,0 0 15,0 0-15,0 1 16,24-25 15,-24-25 16,0 1-31,0-24-16,0 24 15,0-25-15,0 1 16,-24 24-16,24-1 16,0 1-16,0 0 15,0 48 32,0 0-31,0 25-1,0-25-15,0 121 32,0-72-1,0-49-31,0 0 15,24 0-15,0-24 16</inkml:trace>
           <inkml:trace contextRef="#ctx0" brushRef="#br1" timeOffset="-103967.57">1960-21 0,'0'24'63,"24"-24"-32,0 0 0,-24 24-31,24-24 0,0 0 16,1 0 0,-1 24-1,0-24 1,0 0-1,-24 24 1,24-24-16,1 0 31,-1 24 16,-24 1-16,-24-25 16,24 24-31,-25-24 0,1 0-1,0 0 1,0 0-1,0 0 1,-1 0 0,1 0 15,0 0 0,0 0 0</inkml:trace>
         </inkml:traceGroup>
@@ -3770,7 +4844,7 @@
               </emma:one-of>
             </emma:emma>
           </inkml:annotationXML>
-          <inkml:trace contextRef="#ctx0" brushRef="#br2" timeOffset="-39979.2912">-218 1285 0,'25'-24'62,"-25"48"16,0 0-62,0 0-1,0 0-15,0 1 16,0 23-16,0-24 16,0 25-16,0-1 15,0 0-15,0-24 16,0 25-16,0-25 16,0 0-16,0 0 15,0 1-15,0-1 16</inkml:trace>
+          <inkml:trace contextRef="#ctx0" brushRef="#br2" timeOffset="-39979.291">-218 1285 0,'25'-24'62,"-25"48"16,0 0-62,0 0-1,0 0-15,0 1 16,0 23-16,0-24 16,0 25-16,0-1 15,0 0-15,0-24 16,0 25-16,0-25 16,0 0-16,0 0 15,0 1-15,0-1 16</inkml:trace>
           <inkml:trace contextRef="#ctx0" brushRef="#br2" timeOffset="-38980.9303">-193 1212 0,'24'0'79,"0"0"-64,0 0-15,0 0 16,1 0-16,23 24 15,-24 1 1,25-25 0,-49 24-16,24 0 15,0-24-15,0 24 16,0-24-16,-24 24 16,25 1-16,-1-1 15,-24 0 1,0 0-16,0 0 0,0 1 15,0-1 1,0 0-16,0 0 0,0 0 16,0 0-1,-24 1 1,-1-25-16,25 24 16,-24 0-16,0 0 15,24 0 1,-24-24-16,0 0 15,-1 0 17,1 0-32,0 0 0,0 0 31,0 25-31,-1-25 16</inkml:trace>
           <inkml:trace contextRef="#ctx0" brushRef="#br2" timeOffset="-37775.1426">290 1575 0,'0'24'140,"0"0"-124,0 1-16,0-1 16,0 0-16,0 0 15,0 0 1,0 1 0,0-1-1,25-24 16,-1 0-15,0 0 15,-24-24-15,24 24-16,-24-25 16,0 1-1,24 24-15,-24-24 16,25 24-1,-25-24-15,0 0 16,0-1 62</inkml:trace>
           <inkml:trace contextRef="#ctx0" brushRef="#br2" timeOffset="-33754.9281">581 1623 0,'0'25'125,"0"-1"-109,-24 0-16,24 0 16,0 0-16,-25 1 15,25 23-15,-24-24 16,24 0-16,0 1 0,-24-1 15,24 0-15,0 0 16,-24 0-16,24 1 16,0-1-1,0-48 79,0-1-78,0 1-16,24 0 0,-24-24 15,24 23-15,-24 1 16,0-24-16,24 24 16,-24-1-16,0 1 15,0 0-15,25 0 16,-25 0-16,24-1 15,-24 1 17,24 24-17,0 0 32,0 0-31,1 24-1,-25 1 17,0-1-1,0 0-31,0 0 16,0 0 15,0 1-16,0-1 1,-25-24 0,1 0-1,0 0-15,0 0 16,0 0 0</inkml:trace>
@@ -4227,7 +5301,7 @@
             </emma:one-of>
           </emma:emma>
         </inkml:annotationXML>
-        <inkml:trace contextRef="#ctx0" brushRef="#br1" timeOffset="-95522.2162">945 2709 0,'24'0'47,"-24"24"-16,0 49 16,0-49-47,0 0 47,24-24-32,0 0 1,0-24-16,1 0 16,-1 0-1,-24 0 1</inkml:trace>
+        <inkml:trace contextRef="#ctx0" brushRef="#br1" timeOffset="-95522.216">945 2709 0,'24'0'47,"-24"24"-16,0 49 16,0-49-47,0 0 47,24-24-32,0 0 1,0-24-16,1 0 16,-1 0-1,-24 0 1</inkml:trace>
       </inkml:traceGroup>
       <inkml:traceGroup>
         <inkml:annotationXML>
@@ -4248,7 +5322,7 @@
           <inkml:trace contextRef="#ctx0" brushRef="#br1" timeOffset="-94867.3794">1187 2758 0,'145'24'16,"-145"24"15,0-24-16</inkml:trace>
           <inkml:trace contextRef="#ctx0" brushRef="#br1" timeOffset="-95168.5991">1187 2758 0,'-25'48'46,"25"-24"-46,25-24 32,-1 0-17,0 0 17,-24-48-1</inkml:trace>
           <inkml:trace contextRef="#ctx0" brushRef="#br1" timeOffset="-94700.7567">1380 2733 0</inkml:trace>
-          <inkml:trace contextRef="#ctx0" brushRef="#br1" timeOffset="-94181.0168">1380 2733 0,'97'73'15,"-121"-25"16,24-23-15,24-25 31,0 0-31,0 0-1,-24-25 1,24 1-16,-24 0 15,25 0-15,-1 0 16,-24-1-16,0 1 16,0 48 77,-24 1-77,24-1-16,-25 0 16,25 0-16,0 0 15,0 1 1,0-1 31</inkml:trace>
+          <inkml:trace contextRef="#ctx0" brushRef="#br1" timeOffset="-94181.0166">1380 2733 0,'97'73'15,"-121"-25"16,24-23-15,24-25 31,0 0-31,0 0-1,-24-25 1,24 1-16,-24 0 15,25 0-15,-1 0 16,-24-1-16,0 1 16,0 48 77,-24 1-77,24-1-16,-25 0 16,25 0-16,0 0 15,0 1 1,0-1 31</inkml:trace>
         </inkml:traceGroup>
         <inkml:traceGroup>
           <inkml:annotationXML>
@@ -4267,7 +5341,7 @@
           <inkml:trace contextRef="#ctx0" brushRef="#br1" timeOffset="-91642.3434">2590 3024 0,'48'24'62</inkml:trace>
           <inkml:trace contextRef="#ctx0" brushRef="#br1" timeOffset="-91341.1954">2759 3096 0,'24'0'47</inkml:trace>
           <inkml:trace contextRef="#ctx0" brushRef="#br1" timeOffset="-90751.0357">2977 2879 0,'24'0'47,"0"0"-47,-24 24 16,0 0-1,0 0 1,0 0-16,0 1 16,0-1-1,0 0-15,0 0 16,-24 0 0,24 0-16,0 1 15,-24-25 1,0 0-1</inkml:trace>
-          <inkml:trace contextRef="#ctx0" brushRef="#br1" timeOffset="-89790.5161">3170 3024 0,'0'24'16,"24"-24"15,1 0-16,-1 0 1,-24 24-16,0 0 31,24-24-15,-24 24 0,-24-24-1,0 25 1,-1-25-1,25 24-15,-24-24 16,24 24 15,0 0-15,24-24 15</inkml:trace>
+          <inkml:trace contextRef="#ctx0" brushRef="#br1" timeOffset="-89790.5159">3170 3024 0,'0'24'16,"24"-24"15,1 0-16,-1 0 1,-24 24-16,0 0 31,24-24-15,-24 24 0,-24-24-1,0 25 1,-1-25-1,25 24-15,-24-24 16,24 24 15,0 0-15,24-24 15</inkml:trace>
           <inkml:trace contextRef="#ctx0" brushRef="#br1" timeOffset="-90186.1868">3315 2927 0,'-72'0'47,"48"0"-16,24 24-15,0 0 30,0 1 1,24-25 0</inkml:trace>
         </inkml:traceGroup>
       </inkml:traceGroup>
@@ -4518,7 +5592,7 @@
           </inkml:annotationXML>
           <inkml:trace contextRef="#ctx0" brushRef="#br0" timeOffset="17863.2668">1235 3217 0,'0'-24'78,"24"-24"-15,-24 23-48,-24 25 32,0 0-31,48 25 140,0-25-140,-24 24-1,24-24-15,1 0 0,-25 24 16,24-24 0,-24 24 15,-24-24-16,24 24 1,24-24 47,0 0-63,0 0 15,0 0-15,1 0 16</inkml:trace>
           <inkml:trace contextRef="#ctx0" brushRef="#br0" timeOffset="18510.3479">1525 3145 0,'-24'48'62,"48"-48"-62,0 0 16,1 0-16,-1 0 16,0 0-16,24 0 15,-23-24-15,-1 24 16,0 0-1,0 0 1,0 0 0,-24 24-16,25-24 15,-25 24 1,0 0 0,-25-24-1,50 0 79,-1 0-78,73 25 62,-97-1-63,0 0 17,-25-24-17,1 0 1,0 0-16,0 0 15,0 0-15,-1 0 16</inkml:trace>
-          <inkml:trace contextRef="#ctx0" brushRef="#br0" timeOffset="18614.6395">1840 3266 0</inkml:trace>
+          <inkml:trace contextRef="#ctx0" brushRef="#br0" timeOffset="18614.6393">1840 3266 0</inkml:trace>
         </inkml:traceGroup>
       </inkml:traceGroup>
     </inkml:traceGroup>
@@ -4853,7 +5927,7 @@
           <inkml:trace contextRef="#ctx0" brushRef="#br0" timeOffset="-3930.4569">315-460 0,'-24'0'47</inkml:trace>
           <inkml:trace contextRef="#ctx0" brushRef="#br0" timeOffset="-4957.6686">170 145 0</inkml:trace>
           <inkml:trace contextRef="#ctx0" brushRef="#br0" timeOffset="-3531.3181">339-146 0</inkml:trace>
-          <inkml:trace contextRef="#ctx0" brushRef="#br0" timeOffset="-4313.9084">339-49 0</inkml:trace>
+          <inkml:trace contextRef="#ctx0" brushRef="#br0" timeOffset="-4313.9082">339-49 0</inkml:trace>
           <inkml:trace contextRef="#ctx0" brushRef="#br0" timeOffset="-2939.2859">460 193 0</inkml:trace>
           <inkml:trace contextRef="#ctx0" brushRef="#br0" timeOffset="-3269.4612">702 169 0</inkml:trace>
           <inkml:trace contextRef="#ctx0" brushRef="#br0" timeOffset="-2271.6813">992 120 0</inkml:trace>
@@ -4872,7 +5946,7 @@
           <inkml:trace contextRef="#ctx0" brushRef="#br0" timeOffset="-675.5824">1428-25 0</inkml:trace>
           <inkml:trace contextRef="#ctx0" brushRef="#br0" timeOffset="-1786.5781">1645 169 0</inkml:trace>
           <inkml:trace contextRef="#ctx0" brushRef="#br0" timeOffset="-892.7313">1984 48 0</inkml:trace>
-          <inkml:trace contextRef="#ctx0" brushRef="#br0" timeOffset="-1538.5331">2081 193 0</inkml:trace>
+          <inkml:trace contextRef="#ctx0" brushRef="#br0" timeOffset="-1538.5329">2081 193 0</inkml:trace>
           <inkml:trace contextRef="#ctx0" brushRef="#br0" timeOffset="-1176.8556">2540 96 0</inkml:trace>
           <inkml:trace contextRef="#ctx0" brushRef="#br0" timeOffset="613.2415">1452-73 0</inkml:trace>
           <inkml:trace contextRef="#ctx0" brushRef="#br0" timeOffset="844.0235">1863-146 0</inkml:trace>
@@ -5020,7 +6094,7 @@
               </emma:one-of>
             </emma:emma>
           </inkml:annotationXML>
-          <inkml:trace contextRef="#ctx0" brushRef="#br0" timeOffset="5332.7433">1379 1137 0,'0'-25'63,"0"1"-16,-24 24-16,0 0 0,24 24-15,-24-24-16,24 25 16,-25-25-1,25 24-15,-24-24 16,24 24-16,0 0 15,0 0 1,-24 0 0,24 1-1,24-25 1,0 0 0,1 0-1,-1 0-15,0-25 16,0 1-1,-24 0 1,24 0-16,-24 0 16,0 0-1,25 24 1,-25-25-16,-25 98 109,25-49-109,0 0 16,0 0-16,0 1 31,25-25 0</inkml:trace>
+          <inkml:trace contextRef="#ctx0" brushRef="#br0" timeOffset="5332.7432">1379 1137 0,'0'-25'63,"0"1"-16,-24 24-16,0 0 0,24 24-15,-24-24-16,24 25 16,-25-25-1,25 24-15,-24-24 16,24 24-16,0 0 15,0 0 1,-24 0 0,24 1-1,24-25 1,0 0 0,1 0-1,-1 0-15,0-25 16,0 1-1,-24 0 1,24 0-16,-24 0 16,0 0-1,25 24 1,-25-25-16,-25 98 109,25-49-109,0 0 16,0 0-16,0 1 31,25-25 0</inkml:trace>
           <inkml:trace contextRef="#ctx0" brushRef="#br0" timeOffset="5945.8075">1573 1185 0,'24'0'47,"0"0"-16,0 0 1,-24 24-17,0 0-15,0 0 31,0 1-31,0-1 16,0 0 0,0 0 15,0-48 16,0 0-32,0 0 1,24-1-16,1 1 16,-1 24-1,-24-24 1,24 24 0,-24-24-16</inkml:trace>
           <inkml:trace contextRef="#ctx0" brushRef="#br0" timeOffset="4252.2306">1065 1088 0,'-24'49'63,"24"-25"-48,0 0 1,0 0 0,-25 0-16,25 0 15,0 1 1,0-1-16,0 0 16,-24-24-16,24 24 15,0 0 1,0-48 46,0 0-46,0 0 0,0 0-16,0-25 0,24 25 15,-24 0 1,25 0-16,-25-25 0,24 25 15,-24 0-15,24 0 16,-24 0-16,24 24 16,-24-25-16,0 1 15,24 24-15,-24-24 16,24 24-16,-24-24 16,25 24-16,-25-24 15,24 24 1,0 0 15,0 0 0,-24 24-15,24 0 15,-24 0-15,0 0-1,0 1 1,0-1 0,-24-24-16,24 24 31,-24-24-31,0 0 16,0 0-1,-1 0-15,1 0 16,0 0-1</inkml:trace>
           <inkml:trace contextRef="#ctx0" brushRef="#br0" timeOffset="6630.7412">1984 1185 0,'-121'48'62,"121"-24"-62,-24-24 16,24 25-16,-24-25 16,24 24-16,-25 0 15,25 0 16,25-24-15,-1 0 0,0 0-16,0 0 15,0 0 1,1-24-16,-1 24 0,-24-24 16,24 0-1,0-1-15,-24 1 16,0 0-1,0 48 64,0 0-64,0 1 1,0-1-1,0 0-15,0 0 16</inkml:trace>
@@ -5065,7 +6139,7 @@
           <inkml:trace contextRef="#ctx0" brushRef="#br0" timeOffset="11325.2951">1041 1669 0,'24'-24'47,"-24"48"31,-24 0-62,24 0-16,-25 24 15,25-23-15,0 23 16,-24-24-16,24 0 0,0 1 16,0-1-16,0 0 15,0 0-15,0 0 16,0 1 0,0-1-1,24-24 16,49 0 16,-49 0-47,0 0 16,0 0 0</inkml:trace>
           <inkml:trace contextRef="#ctx0" brushRef="#br0" timeOffset="11745.6255">1379 1838 0,'0'97'63,"0"-73"-47,0 0-1,0 0-15</inkml:trace>
           <inkml:trace contextRef="#ctx0" brushRef="#br0" timeOffset="12059.997">1452 1669 0</inkml:trace>
-          <inkml:trace contextRef="#ctx0" brushRef="#br0" timeOffset="12854.868">1694 1838 0,'-73'0'63,"49"0"-48,0 0 1,24 24-16,-24-24 16,24 24-1,-25-24-15,25 25 16,0-1-1,25-24 1,-25 24 0,24-24-16,0 0 15,0 0 1,-24 24-16,24-24 16,-24 24-1,24-24 1,-24 25 15,25-25-31,-25 24 31,0 0 1,-73 0 61,49-24-77,0 0-16,0 0 0,-1 0 16,25-24 30</inkml:trace>
+          <inkml:trace contextRef="#ctx0" brushRef="#br0" timeOffset="12854.8678">1694 1838 0,'-73'0'63,"49"0"-48,0 0 1,24 24-16,-24-24 16,24 24-1,-25-24-15,25 25 16,0-1-1,25-24 1,-25 24 0,24-24-16,0 0 15,0 0 1,-24 24-16,24-24 16,-24 24-1,24-24 1,-24 25 15,25-25-31,-25 24 31,0 0 1,-73 0 61,49-24-77,0 0-16,0 0 0,-1 0 16,25-24 30</inkml:trace>
         </inkml:traceGroup>
         <inkml:traceGroup>
           <inkml:annotationXML>
@@ -5303,7 +6377,7 @@
           <inkml:trace contextRef="#ctx0" brushRef="#br0" timeOffset="10250.7271">798 3242 0,'24'24'94,"-24"0"-94,0 0 16,0 1-1,0-1-15,25 0 0,-25 24 16,0-23-16,24-1 16,-24 24-16,0-24 15,0 0-15,24 1 16,-24-1-16,0 0 15,0 0 1,24-24 15,0-72 16,1 47-47,-1 1 16,-24 0-16,24 0 15,-24 0-15,24 0 16,0-1 0,-24 50 62,25-25-78,-25 24 0,24 0 31,-24 0-31,24 0 16,-24 0-16,0 1 15,24-25-15,-24 24 16,0 0-16</inkml:trace>
           <inkml:trace contextRef="#ctx0" brushRef="#br0" timeOffset="11022.7266">1451 3339 0,'-24'24'47,"24"0"-31,-24 0-1,0 0 1,24 1-1,-24-25-15,24 24 16,0 0-16,0 0 16,0 0-1,24-24 32,0 0-31,-24-24-1,24 0-15,0 24 16,-24-24-16,25 0 16,-1-1-1,-24 1 1,0 0 15,0 48 63,0 0-78,0 25-1,0-25 1,0 0-16,0 0 15,24-24-15,0 0 32</inkml:trace>
           <inkml:trace contextRef="#ctx0" brushRef="#br0" timeOffset="11668.6058">1693 3339 0,'25'0'47,"-25"24"-16,0 0-31,0 0 16,0 0-1,0 1 1,24-25 15,0 0 0,0-25-15,-24 1-16,24 24 16,25-48 15,-49 72 63,0 0-79,0 0-15,0 1 16,0-1-1,0 0 1</inkml:trace>
-          <inkml:trace contextRef="#ctx0" brushRef="#br0" timeOffset="12543.4678">2056 3290 0,'0'24'47,"-48"49"0,48-25 15,24-48-46,0 0 0,0-24-16,1 0 15,-25 0-15,24 0 16,0 24-16,-24-25 15,0 1 1,0 48 109,0 1-109,0-1-16,0 0 15,0 0-15,0 0 16,0 1-16,0-1 16,0 24-16,0-24 15,0 0-15,0 1 16,0-1-1,0 0-15,0 0 16,0 0 0,-24 1-16,24-1 15,-24-24-15,24 24 16,-25 0 15,1-24-15,0-24-1,24 0 1,0 0 0,0-1-1,0 1-15</inkml:trace>
+          <inkml:trace contextRef="#ctx0" brushRef="#br0" timeOffset="12543.4676">2056 3290 0,'0'24'47,"-48"49"0,48-25 15,24-48-46,0 0 0,0-24-16,1 0 15,-25 0-15,24 0 16,0 24-16,-24-25 15,0 1 1,0 48 109,0 1-109,0-1-16,0 0 15,0 0-15,0 0 16,0 1-16,0-1 16,0 24-16,0-24 15,0 0-15,0 1 16,0-1-1,0 0-15,0 0 16,0 0 0,-24 1-16,24-1 15,-24-24-15,24 24 16,-25 0 15,1-24-15,0-24-1,24 0 1,0 0 0,0-1-1,0 1-15</inkml:trace>
         </inkml:traceGroup>
         <inkml:traceGroup>
           <inkml:annotationXML>
@@ -5416,7 +6490,7 @@
           <inkml:trace contextRef="#ctx0" brushRef="#br0" timeOffset="474.8654">871 1790 0,'72'-48'63,"-47"48"-32,-1 0 0,-24 24-15,24-24-1,-24 24-15,0 1 16,-24-25-16,0 24 16,48-48 46,0-1-46,0 25-1,0 0-15,1-24 16</inkml:trace>
           <inkml:trace contextRef="#ctx0" brushRef="#br0" timeOffset="870.9974">919 1984 0,'24'0'63,"1"0"-48,-1 0 1,0-24-1,49 24 32,-73 24-31,-25 0 0,25 0-16,-24-24 15,48 0 48,1-24-63,-1 0 15,-24 0 1</inkml:trace>
           <inkml:trace contextRef="#ctx0" brushRef="#br0" timeOffset="-2036.9364">653 1548 0,'0'25'63,"0"-1"-48,0 0-15,0 24 16,24 1-16,-24-1 0,0 1 16,0-1-1,25 0-15,-25 1 0,0-1 16,0 0-16,24-23 16,-24 23-16,0-24 15,0 0 1,0 1-1</inkml:trace>
-          <inkml:trace contextRef="#ctx0" brushRef="#br0" timeOffset="-598.9654">677 1524 0,'25'0'125,"-1"0"-125,24 0 16,-24 0-16,0 0 16,1 0-16,-1 0 15,24 0-15,1 0 16,-25 0-16,24-24 16,-24 24-16,1 0 15,-1 0-15,0-24 16,0 24-16,0 0 15,1 0 1,-1 0-16,0-24 16,0 24-1,-24 24 142,0 24-157,0 1 15,0-25-15,0 24 0,0-24 16,0 25-16,0-25 15,0 24-15,0-23 16,0 23-16,0-24 16,0 25-16,0-25 15,0 0-15,0 0 16,0 0 0,0 0 15,-24-24 125,0 25-140,0-25-1,-1 0 1,1 0-16,0 0 16,0 0-16,0 0 0,-25 24 15,-72 0 32,97-24-16,0 0-15,0 0 15,-1 24 0,25-48 48</inkml:trace>
+          <inkml:trace contextRef="#ctx0" brushRef="#br0" timeOffset="-598.9653">677 1524 0,'25'0'125,"-1"0"-125,24 0 16,-24 0-16,0 0 16,1 0-16,-1 0 15,24 0-15,1 0 16,-25 0-16,24-24 16,-24 24-16,1 0 15,-1 0-15,0-24 16,0 24-16,0 0 15,1 0 1,-1 0-16,0-24 16,0 24-1,-24 24 142,0 24-157,0 1 15,0-25-15,0 24 0,0-24 16,0 25-16,0-25 15,0 24-15,0-23 16,0 23-16,0-24 16,0 25-16,0-25 15,0 0-15,0 0 16,0 0 0,0 0 15,-24-24 125,0 25-140,0-25-1,-1 0 1,1 0-16,0 0 16,0 0-16,0 0 0,-25 24 15,-72 0 32,97-24-16,0 0-15,0 0 15,-1 24 0,25-48 48</inkml:trace>
         </inkml:traceGroup>
         <inkml:traceGroup>
           <inkml:annotationXML>
@@ -5435,10 +6509,10 @@
           <inkml:trace contextRef="#ctx0" brushRef="#br1" timeOffset="8821.0395">1064 412 0,'0'-25'62,"0"50"141,25-1-156,-25 0-16,24 0 1,-24 0-17,0 0 16,0 1-15,0-1 0,0 0 15,24 0-15,-24 0 15,0 1 0,0-1-15,0 0 15,0 0-15,0 0-1,-24-24 1,24 25-1,0-1 1,0 0 15,-24-24-15,24 24 0,0 0 15,0 1 0,0-1 16</inkml:trace>
           <inkml:trace contextRef="#ctx0" brushRef="#br1" timeOffset="10672.6274">1089 387 0,'0'25'140,"24"-25"-124,-24 24-16,24 0 16,-24 0-1,24-24 1,-24 24-1,24-24 1,-24 24-16,25-24 16,-25 25 15,24-25-31,0 24 31,24 0 32,-48 0-63,24-24 15,-24 24 1,25-24 0,-25 25-1,24-25 1,-24 24-1,24-24 17,-24 24-17,0 0 1,24-24 0,-24 24-1,0 1 32,0-1-31,0 0 15,0 0 0,0 0-15,0 1 15,0-1-15,0 0 15,-24-24-31,24 24 31,-24-24-15,24 24-1,-24-24 1,-1 0 15,25 24-31,-24-24 16,0 0 0,0 0-1,0-24 1,0 24-1,-1 0 1,25-24 0,-24 0 15,24 0-15,0 0-1,0-1 16,0 1-15,0 0 15</inkml:trace>
           <inkml:trace contextRef="#ctx0" brushRef="#br2" timeOffset="73992.6324">871-48 0,'0'-24'218,"0"0"-186,24 24-32,0 0 31,-24-25-31,24 25 31,-24-24-31,25 24 31,-25-24-15,24 24 0,0 0 15,-24-24-15,24 24-1,0 0 1,1-24-1,-1 24 17,0 0-17,0 0 1,-24-25 0,24 25-1,1 0-15,-1 0 16,0 0-1,0 0 17,0 0-17,0 0 1,1 0 0,-1 0-1,0 0 1,0 0-1,0 0 1,1 0 15,-1 0-15,0 0 46,-24-24 1</inkml:trace>
-          <inkml:trace contextRef="#ctx0" brushRef="#br2" timeOffset="76528.4406">847-266 0,'0'24'140,"0"1"-124,0-1 0,0 0-16,0 0 15,0 0 1,0 1-1,0-1 1,0 0 0,0 0-1,0 0 32,24-24 0,0 0 16,0 0-48,0 0 1,1 0-1,-1 0-15,121-72 63</inkml:trace>
+          <inkml:trace contextRef="#ctx0" brushRef="#br2" timeOffset="76528.4404">847-266 0,'0'24'140,"0"1"-124,0-1 0,0 0-16,0 0 15,0 0 1,0 1-1,0-1 1,0 0 0,0 0-1,0 0 32,24-24 0,0 0 16,0 0-48,0 0 1,1 0-1,-1 0-15,121-72 63</inkml:trace>
           <inkml:trace contextRef="#ctx0" brushRef="#br3" timeOffset="20198.5323">1645 944 0,'48'0'62,"-23"0"-15,-25 24 0,0 0 0,-25-24-47,1 0 16,0 0 15,24-24-31,0 0 31,0 0-15,24-1-16,0 25 47,1 25-1,-25-1-30,0 0 0,0 0 15,-25-24-15,1 0-1,24-24-15,0 0 16,0 0-1</inkml:trace>
           <inkml:trace contextRef="#ctx0" brushRef="#br3" timeOffset="19290.4052">1548 194 0,'24'0'62,"-24"24"16,0 0-46,0 0-17,0 1 1,0-1-16,0 0 16,0 0-1,0 0-15,0 1 16,25-1-16,-25 0 15,0 0-15,0 0 0,0 0 16,0 1-16,0-1 16,0 0-16,0 0 15,0 0 1,24-24 0,-24-24 15</inkml:trace>
-          <inkml:trace contextRef="#ctx0" brushRef="#br2" timeOffset="75140.7461">1379-387 0,'24'24'156,"0"-24"-140,0 0-1,1 25 1,-1-25 15,-24 24-31,24-24 16,0 24 0,0-24-1,-24 24 1,25-24-1,-1 0 17,-24 24-17,0 1 79,0-1 0,0 0-63,-24-24 0,-25 48 32,49-23-48,-24-25 32</inkml:trace>
+          <inkml:trace contextRef="#ctx0" brushRef="#br2" timeOffset="75140.7459">1379-387 0,'24'24'156,"0"-24"-140,0 0-1,1 25 1,-1-25 15,-24 24-31,24-24 16,0 24 0,0-24-1,-24 24 1,25-24-1,-1 0 17,-24 24-17,0 1 79,0-1 0,0 0-63,-24-24 0,-25 48 32,49-23-48,-24-25 32</inkml:trace>
         </inkml:traceGroup>
       </inkml:traceGroup>
     </inkml:traceGroup>
@@ -5475,7 +6549,7 @@
           <inkml:trace contextRef="#ctx0" brushRef="#br0" timeOffset="-3575.8715">1984 1282 0,'24'0'125,"0"25"-94,0-25-15,0 24-16,1-24 16,-25 24-16,24-24 15,0 0 1,0 0-16,0 0 0,1 0 15,-1 0-15,-24 24 16,24-24-16,0 0 16,0 0 31,-24 24 78,0 1-47,0-1-63,0 0 1,0 0-16,0 0 0,-24 0 16,24 1-1,-24-1-15,24 0 16,0 0-1,0 0-15,-24-24 16,24 25-16,0-1 16,0 0 15,-24 0 0,24 0 0,-25-24 110,1 0-110,0 0-15,0 0 0,0 0-1,-97 0 95,96 0-110,1 0 31,0 0-16,0 0 1,24-24 62,0 0-62</inkml:trace>
           <inkml:trace contextRef="#ctx0" brushRef="#br0" timeOffset="-3178.7823">2008 1476 0,'24'0'63,"0"0"-63,0-24 15,1 24-15,-1 0 16,0 0 0,-24 24-16,24-24 15</inkml:trace>
           <inkml:trace contextRef="#ctx0" brushRef="#br0" timeOffset="-2773.3859">2056 1548 0,'0'25'63,"-24"-25"-17,24 24-46,0 0 16,-24 0 0,24 0-16,24-24 47,24 0-1,-23 0-30,-1 0 0</inkml:trace>
-          <inkml:trace contextRef="#ctx0" brushRef="#br2" timeOffset="82753.2962">2129 944 0,'0'24'62,"0"0"-46,0 0-1,0 0 1,0 1 0,0-1-16,0 0 15,0 0 1,24 25 31,0-49-47,0 0 78,1 0-62,-25-25-1,24 25-15,0-24 16,0 24-1,-24-24-15,24 24 16,-24-24 0,24 24-16,-24-24 15</inkml:trace>
+          <inkml:trace contextRef="#ctx0" brushRef="#br2" timeOffset="82753.296">2129 944 0,'0'24'62,"0"0"-46,0 0-1,0 0 1,0 1 0,0-1-16,0 0 15,0 0 1,24 25 31,0-49-47,0 0 78,1 0-62,-25-25-1,24 25-15,0-24 16,0 24-1,-24-24-15,24 24 16,-24-24 0,24 24-16,-24-24 15</inkml:trace>
           <inkml:trace contextRef="#ctx0" brushRef="#br2" timeOffset="82069.9457">2129 412 0,'24'0'110,"-24"24"-110,24 0 15,-24 0 1,0 0 0,24 0-1,-24 1-15,0-1 16,25-24 0,-25 24-16,0 0 15,24 0 1,-24 1-1,0-1 1,0 0 0,0 0-1,24-24 1,-24 24-16,0 1 16,0-1-1,0 0 16,0 0-15,0 0 0,0 1-1,0-1 1,0 0 0,-24 0 15,24 0-16,-24 0 1,-1 1 0</inkml:trace>
         </inkml:traceGroup>
         <inkml:traceGroup>
@@ -5816,7 +6890,7 @@
           <inkml:trace contextRef="#ctx0" brushRef="#br0">4427-581 0,'25'0'93,"-1"0"-77,0 0 0,0 0-1,0 25-15,0-25 16,25 0-16,-25 0 15,24 0-15,1 0 16,-1 0-16,1 0 16,23 0-16,-48 0 0,25 0 15,-25 0-15,0 0 16,0 0-16,0 0 16,1 24-16,-1-24 15,0 0 1,0 0-1,0 0 79,1 0-63,-25 24 235,0 0-250,0 0-1,0 1-15,-25-1 16,25 0-16,0 0 16,-24 0-16,24 25 15,-24-25-15,24 0 16,-24 24-16,24-23 15,0 23-15,-24 0 0,24-23 16,0 23-16,-25 0 16,25-23-16,0-1 15,-24 24-15,24-24 16,0 0-16,0 1 16,-24-1-16,24 0 15,-24-24 345,0-24-329,0 24 0,-1 0-15,1 0-1,0 0 1,0 0-16,0 0 16,-1 0-16,1 0 15,0 0-15,24-24 16,-24 24-16,0 0 15,-1 0 1,1 0 0,0-25-16,0 25 15,-25 0-15,25 0 16,0 0-16,0 0 16,0 0-1,48 0 63</inkml:trace>
           <inkml:trace contextRef="#ctx0" brushRef="#br0" timeOffset="2502.6801">4597 0 0,'72'0'47,"-72"24"0,0 0-31,24-24 31,1 0-32,-1 0-15,0 0 0,0 0 16,0 0 0,1 0-16,-1 0 15,0-24 1,0 24-1,0 0-15,1 0 32</inkml:trace>
           <inkml:trace contextRef="#ctx0" brushRef="#br0" timeOffset="2009.9487">4524-97 0,'73'0'63,"-49"0"-47,0 0-1,-24 24 16,24-24 16,0 0-31,1 0 0,-1 0-16,0 0 15,0 0-15,0 0 16,1 0-1,-25-24 1,24 24 0</inkml:trace>
-          <inkml:trace contextRef="#ctx0" brushRef="#br0" timeOffset="1432.3539">4548-315 0,'0'25'47,"24"-50"-16,1 25-15,-25 25 31,24-25-32,-24 24-15,0 0 16,24-24 15,0 0-15,0 0-16,1 0 15,-1 0-15,0 0 16,0 0 0,-24-24 31</inkml:trace>
+          <inkml:trace contextRef="#ctx0" brushRef="#br0" timeOffset="1432.3537">4548-315 0,'0'25'47,"24"-50"-16,1 25-15,-25 25 31,24-25-32,-24 24-15,0 0 16,24-24 15,0 0-15,0 0-16,1 0 15,-1 0-15,0 0 16,0 0 0,-24-24 31</inkml:trace>
           <inkml:trace contextRef="#ctx0" brushRef="#br0" timeOffset="3321.5859">4427 218 0,'-24'0'63,"48"0"15,1 0-62,-1 0-1,24 0-15,-24 0 32,0 0-32,1 0 15,-1 0-15</inkml:trace>
           <inkml:trace contextRef="#ctx0" brushRef="#br0" timeOffset="-2820.2904">4355-581 0,'0'25'265,"0"-1"-249,0 0 15,0 0-31,0 0 31,0 1-31,0 23 0,0-24 16,0 24-16,-24 1 16,24 23-16,0-23 15,-25-1-15,25 1 16,0 23-16,0-23 16,-24-25-16,24 24 15,0 0-15,0-23 16,0-1-16,0 0 15,0 0 1</inkml:trace>
         </inkml:traceGroup>
@@ -6001,8 +7075,8 @@
           </inkml:annotationXML>
           <inkml:trace contextRef="#ctx0" brushRef="#br0" timeOffset="33017.1176">7088 2104 0,'0'-24'47</inkml:trace>
           <inkml:trace contextRef="#ctx0" brushRef="#br0" timeOffset="32739.4512">7088 2322 0,'0'24'63,"0"0"-63,0 0 15,0 1 1,0-1-16,0 0 15,0 0 1</inkml:trace>
-          <inkml:trace contextRef="#ctx0" brushRef="#br0" timeOffset="33511.6096">7451 2249 0,'-145'49'94,"121"-25"-94,24 0 16,-24 0-1,24 0-15,0 1 16,0-1-1,0 0-15,24-24 16,0 0 0,24 0-16,1 0 15,-25 0-15,24 0 16,-24 0-16,-24-24 16</inkml:trace>
-          <inkml:trace contextRef="#ctx0" brushRef="#br0" timeOffset="34058.5915">7572 1983 0,'24'0'47,"-24"24"-47,0 1 16,0-1-16,0 0 15,0 0-15,0 24 16,0-23-16,0-1 16,0 24-16,0-24 15,0 25-15,0-25 16,0 0-16,0 0 16,0 1-1,0-1-15,0 0 16</inkml:trace>
+          <inkml:trace contextRef="#ctx0" brushRef="#br0" timeOffset="33511.6095">7451 2249 0,'-145'49'94,"121"-25"-94,24 0 16,-24 0-1,24 0-15,0 1 16,0-1-1,0 0-15,24-24 16,0 0 0,24 0-16,1 0 15,-25 0-15,24 0 16,-24 0-16,-24-24 16</inkml:trace>
+          <inkml:trace contextRef="#ctx0" brushRef="#br0" timeOffset="34058.5913">7572 1983 0,'24'0'47,"-24"24"-47,0 1 16,0-1-16,0 0 15,0 0-15,0 24 16,0-23-16,0-1 16,0 24-16,0-24 15,0 25-15,0-25 16,0 0-16,0 0 16,0 1-1,0-1-15,0 0 16</inkml:trace>
           <inkml:trace contextRef="#ctx0" brushRef="#br0" timeOffset="34493.0082">7838 2056 0,'-24'0'46,"0"48"-30,24-24-16,-24 0 16,24 1-16,0-1 15,-25 0-15,25 0 16,0 0-16,0 1 16,0-1-16,0 0 15,0 0-15,0 0 16,0 1-1,25-25 17,-1 0-32,0 0 15,-24-25-15,24 25 16</inkml:trace>
           <inkml:trace contextRef="#ctx0" brushRef="#br0" timeOffset="34919.5703">7983 1959 0,'-48'484'156</inkml:trace>
           <inkml:trace contextRef="#ctx0" brushRef="#br0" timeOffset="35391.9448">8128 2298 0,'97'0'47,"-73"0"-32,-24-25 1,0 1 0,0 0-16,0 0 15,-24 24 1,0 0 0,0 0-1,0 0-15,-25 24 31,25 73 1,24-73-17,0 0-15,0 0 16,0 1-16,24-25 16</inkml:trace>
@@ -6165,7 +7239,7 @@
           <inkml:trace contextRef="#ctx0" brushRef="#br2" timeOffset="-80730.3649">-2564 0 0,'24'0'281,"1"0"-249,-1 0-17,0 0 1,0 0 0,0 0 15,1 0-31,-1 0 31,0 0-15,0 0-1,0 0 1,1 0 0,-1 0-1,0 0-15,0 0 31,0 0-15,1 0 0,-1 0-1,0 0 1,0 0-16,0 0 16,0 0-1,1 0 1,-1 0-1,0 0-15,0 0 16,0 0 0,1 0-1,-1 0 1,0 0-16,0 0 0,0 0 16,1 0-1,-1 0-15,0 0 16,0 0-1,0 0-15,1 0 32,-1 0-17</inkml:trace>
           <inkml:trace contextRef="#ctx0" brushRef="#br2" timeOffset="-75921.2288">-1644 0 0,'24'0'219,"0"0"-188,0 0-15,0 0 15,170-24 47,-170 24-62,0 0-16,0 0 16,-24-24-16,25 24 15,-1 0 1,0 0 0,0 0 15,0 0 0</inkml:trace>
           <inkml:trace contextRef="#ctx0" brushRef="#br2" timeOffset="-74700.2277">-1427 484 0,'49'0'62,"-25"0"-46,0 0-1,0-24 1,0 24 0,97-49 46,-96 49-46,-25-24-16,24 24 0,0 0 15,0 0-15,-24-24 16,24 24-16,0 0 63,-24-24-32,25 24-31,-1 0 15,-24-25 1,0 1 0</inkml:trace>
-          <inkml:trace contextRef="#ctx0" brushRef="#br2" timeOffset="-73951.4062">-1161 24 0,'0'24'109,"0"1"-93,0-1-16,0 0 16,0 0-16,0 0 0,0 0 15,0 25 1,0-25-16,0 0 0,0 0 15,0 1 1,0-1-16</inkml:trace>
+          <inkml:trace contextRef="#ctx0" brushRef="#br2" timeOffset="-73951.406">-1161 24 0,'0'24'109,"0"1"-93,0-1-16,0 0 16,0 0-16,0 0 0,0 0 15,0 25 1,0-25-16,0 0 0,0 0 15,0 1 1,0-1-16</inkml:trace>
           <inkml:trace contextRef="#ctx0" brushRef="#br2" timeOffset="-77549.856">-2612 605 0,'24'0'63,"0"0"93,0 0-94,1 0-30,-1 0-1,0 0-16,0 0 1,-24-24-16,24 24 16,1 0-1,-1 0-15,0 0 16,-24-25 0,24 25-16,0 0 15,1 0 1,-1 0-16,0 0 15,0-24 1,0 24 0,1 0-16,-1 0 15,0 0 1,0 0-16,0 0 16,0 0-1,1 0-15,-1 0 0,0 0 16,0 0-1,0-24-15,25 24 0,-25 0 16,24-24-16,-23 24 16,-1 0-16,0 0 15,0-24-15,0 24 16,1 0 15,-1 0-15,0 0-1,0-25 1,0 25-16,0 0 16,1 0-16,-1 0 15,0 0 1,0-24-16,0 24 78,1 0 172</inkml:trace>
         </inkml:traceGroup>
         <inkml:traceGroup>
@@ -6315,7 +7389,7 @@
           <inkml:trace contextRef="#ctx0" brushRef="#br0" timeOffset="3831.1267">5056-1089 0,'-24'0'62,"0"0"-30,24 25-17,-24-25-15,-25 48 31,49-24-31,0 0 16,-24-24-16,24 25 16,0-1-1,0 0 1,24-24 0,25 0-1,-25 0-15,24 0 16,-24-24-16,25 24 15,-25-24-15,-24-1 16,24 25-16,-24-24 0,0 0 31,0 0-31,0 0 0,0-1 16,-24 25 0,0 0-1,0 0 1,-1 0-1</inkml:trace>
           <inkml:trace contextRef="#ctx0" brushRef="#br0" timeOffset="-7462.0656">5226-242 0,'24'24'78,"0"-24"-47,0 0-31,0 0 0,1 0 16,23 0-16,-24 0 16,25 0-16,-25 0 15,0 0-15,0 0 16,0 0 0,0 0-1,1 0 1,-1 0-16,0 0 15,0 0-15,0 0 32,-24-24 108,25 24-124,-25-24-16,24 0 16,-24-1-16,24 1 0,-24-24 15,24 0-15,0 23 16,1-23-16,-1 24 15,0-25-15,0 25 16,0 0-16,-24 0 16,25 0-16,-25-1 15,24 1-15,-24 0 16,24 0-16,0 0 16,0-1-16,-24-23 15,24 24-15,1-24 0,-1 23 16,0 1-1,-24 0-15,24 0 0,-24 0 16,0-1 62</inkml:trace>
           <inkml:trace contextRef="#ctx0" brushRef="#br0" timeOffset="-9153.0175">3992-1331 0,'0'-24'63,"0"48"46,0 1-109,0-1 0,-24-24 16,24 24-16,0 0 16,0 0-16,0 1 15,0-1-15,0 24 16,-24-24-16,24 1 15,0 23-15,0 0 16,0 1-16,0-25 16,0 24-16,0 1 15,0-25-15,0 24 16,0-24-16,0 25 16,0-25-16,0 0 15,0 0-15,0 25 16,0-25-1,0 0-15,0 0 16,24 1-16,-24-1 16,24 0-1,-24 0-15,0 0 32,24-24-32,-24 24 31,24-24-16,0 0 1,-24 25 15,25-25 219,-1 0-203,0 0-31,0 0-1,0 0-15,1 24 16,-1-24-16,24 0 16,-24 0-16,1 0 15,-1 0-15,0 24 0</inkml:trace>
-          <inkml:trace contextRef="#ctx0" brushRef="#br0" timeOffset="-908.857">4887-1185 0,'0'-25'32,"-24"25"108,0 0-93,-1 0-31,1 0 15,0 0 16,0 0-16,24 25-15,-24-25-1,24 24 17,-25-24-32,25 24 15,-24 0 1,24 0-16,0 1 15,0-1 1,0 0 0,0 0-16,0 0 15,0 1 1,0-1-16,0 0 16,0 0-16,0 0 31,24-24-31,1 24 0,-1-24 15,0 25 1,-24-1 0,24-24-16,0 0 31,1 0-31,-1 0 16,0 0-1,0 0-15,0 0 16,25 0-16,-25-24 15,0 24-15,0-25 16,25 1-16,-25 0 16,-24 0-16,24 0 15,0 0-15,-24-1 16,0 1-16,0 0 16,0-24-16,0 23 0,0 1 15,0 0 1,0 0-1,-24 24-15,24-24 16,-24 24-16,0 0 16,24-25-1,-25 25-15,1 0 16,0 0 0,0 0-16,0 0 15,-25 0-15,25 0 16,0 25-16</inkml:trace>
+          <inkml:trace contextRef="#ctx0" brushRef="#br0" timeOffset="-908.8568">4887-1185 0,'0'-25'32,"-24"25"108,0 0-93,-1 0-31,1 0 15,0 0 16,0 0-16,24 25-15,-24-25-1,24 24 17,-25-24-32,25 24 15,-24 0 1,24 0-16,0 1 15,0-1 1,0 0 0,0 0-16,0 0 15,0 1 1,0-1-16,0 0 16,0 0-16,0 0 31,24-24-31,1 24 0,-1-24 15,0 25 1,-24-1 0,24-24-16,0 0 31,1 0-31,-1 0 16,0 0-1,0 0-15,0 0 16,25 0-16,-25-24 15,0 24-15,0-25 16,25 1-16,-25 0 16,-24 0-16,24 0 15,0 0-15,-24-1 16,0 1-16,0 0 16,0-24-16,0 23 0,0 1 15,0 0 1,0 0-1,-24 24-15,24-24 16,-24 24-16,0 0 16,24-25-1,-25 25-15,1 0 16,0 0 0,0 0-16,0 0 15,-25 0-15,25 0 16,0 25-16</inkml:trace>
         </inkml:traceGroup>
       </inkml:traceGroup>
     </inkml:traceGroup>
@@ -6471,7 +7545,7 @@
             </emma:emma>
           </inkml:annotationXML>
           <inkml:trace contextRef="#ctx0" brushRef="#br0">-2951-557 0,'0'-24'219,"0"0"-188,0 0 0,0 0 1,0-1-1,0 1 0,0 0 0,24 24-15,-24-24 0,0 0-1,24 24 1,-24-25-1,0 1 1,25 24 0,-1 0 31,0 0-16,0 0 0,0 0 0,1 0-15,-1 0 31,-24 24-16,24-24 0,-24 25-31,0-1 32,0 0-1,24-24-16,-24 24 1,0 0 15,0 1 1,24-25 108,-24-25-109,0 1-15,25 0 0,-25 0-1,24 0 1,-24-1 0,24 1 15,-24 0 0,24 24-31,-24-24 16,24 24-1,0 0 32,-24-24-47,25 24 31,-1 0 32,-24 24-32,0 0-15,0 0 15,0 0 0,0 1-15,0-1 0,0 0-1,0 0 16,0 0-15,0 1 0,-24-1-1,24 0 17,0 0-17,-25-24-15,25 24 31,0 1 1,-24-25-17,24 24-15,-24 0 32,0 0-1,0 0-16,24 1 17,-24-25-1,-1 0 0,25 24-31,-24 0 47</inkml:trace>
-          <inkml:trace contextRef="#ctx0" brushRef="#br0" timeOffset="1470.3836">-2927-629 0,'0'72'187,"0"-47"-171,0-1 15,24-24-15,-24 24-1,0 0 17,25 0-1,-25 1 0,24-25-15,-24 24-1,24-24 1,0 0 0,0 0-1,1 0 1,-25 24 15,24-24 0,0 0 1,0 0-17,0 0 32</inkml:trace>
+          <inkml:trace contextRef="#ctx0" brushRef="#br0" timeOffset="1470.3835">-2927-629 0,'0'72'187,"0"-47"-171,0-1 15,24-24-15,-24 24-1,0 0 17,25 0-1,-25 1 0,24-25-15,-24 24-1,24-24 1,0 0 0,0 0-1,1 0 1,-25 24 15,24-24 0,0 0 1,0 0-17,0 0 32</inkml:trace>
         </inkml:traceGroup>
         <inkml:traceGroup>
           <inkml:annotationXML>
@@ -6681,7 +7755,7 @@
           <inkml:trace contextRef="#ctx0" brushRef="#br0" timeOffset="-2129.2207">-121-895 0,'0'24'63,"0"0"-47,0 0-1,-24 25 1,24-25-16,-24 0 0,24 24 15,-24-23-15,24 23 16,-24-24-16,-1 25 16,25-25-16,0 0 15,0 0-15,0 0 16,0 1-16,0-1 16,0 0-1,25-24 1,-1 0-1,0 0 1,0 0 0,-24-24-16</inkml:trace>
           <inkml:trace contextRef="#ctx0" brushRef="#br0" timeOffset="-2645.9704">-435-678 0,'-24'0'78,"-1"25"-62,1-1-1,0 0-15,0 0 32,24 0-32,0 1 0,-24-25 15,24 24-15,0 0 32,24-24-17,0 0 1,0 0-1,0 0 1,1-24-16,-1 24 16,0-24-16,-24-1 15,24 1-15,-24 0 16,0 0-16,24 24 16,-48 0 77,24 24-93,0 0 16,-24 0 0,24 1-16,0-1 0,0 0 15,0 0-15,0 0 31,24-24-15</inkml:trace>
           <inkml:trace contextRef="#ctx0" brushRef="#br0" timeOffset="-629.6757">387-629 0,'73'0'47,"-49"-24"-31,-24 48 62,0 0-78,0 0 16,0 0-16,-24 1 15,24-1 1,0 0 0,24-48 77,24 0-77,-48-1-16,25 1 16,-1 0-16,-24 0 15,24 24 1,-24-24-16,24-1 62</inkml:trace>
-          <inkml:trace contextRef="#ctx0" brushRef="#br0" timeOffset="-1282.5947">97-750 0,'0'48'47,"-24"-24"-32,24 1 1,0-1-16,0 0 16,-24 0-16,24 0 15,0 1 1,0-1-16,0 0 0,24-24 31,0 0-15,0 0-1,0 0 1,25-48 15,-1-25 16</inkml:trace>
+          <inkml:trace contextRef="#ctx0" brushRef="#br0" timeOffset="-1282.5945">97-750 0,'0'48'47,"-24"-24"-32,24 1 1,0-1-16,0 0 16,-24 0-16,24 0 15,0 1 1,0-1-16,0 0 0,24-24 31,0 0-15,0 0-1,0 0 1,25-48 15,-1-25 16</inkml:trace>
         </inkml:traceGroup>
         <inkml:traceGroup>
           <inkml:annotationXML>
@@ -6726,7 +7800,7 @@
           <inkml:trace contextRef="#ctx0" brushRef="#br2" timeOffset="-88869.6321">315 387 0,'24'0'63,"0"0"-48,0 0-15,-24 24 31,0 0 1,0 0-32,25-48 78,-1 24-63,0 0 1</inkml:trace>
           <inkml:trace contextRef="#ctx0" brushRef="#br2" timeOffset="-89372.5981">363 266 0,'24'0'63,"1"-24"-48,-1 24-15,0 0 16,0 0-16,0 0 15,-24 24 32,0 0 16,24 0-48,1-24 1,-1 0-16,0 0 16,0 0-1</inkml:trace>
           <inkml:trace contextRef="#ctx0" brushRef="#br1" timeOffset="-78416.2444">363 701 0,'24'0'203,"-24"24"-187,25 1 0,-25-1-1,24 0-15,0 0 16,-24 0-1,24-24-15,-24 25 0,24-1 16,0 0 0,1 0-1,-1-24-15,-24 24 16,24 1 0,-24-1 15,24-24 0,-24 24 125,0 0-140,0 0 0,-24 1-1,24 23-15,0-24 16,-24 0-16,24 0 0,0 25 15,-24-25-15,-1 0 16,25 0 0,0 1-1,0-1 1,-24 0 0,24 0-1</inkml:trace>
-          <inkml:trace contextRef="#ctx0" brushRef="#br1" timeOffset="-76801.9621">363 725 0,'-97'194'172,"97"-170"-156,-24 0-16,24 25 0,-24-25 15,24 0-15,0 0 16,-24 1-1,24-1 1,0 0 0,-24-24 187,24 24-172,-25-24-31,1 0 0,0 24 16,0 0-16,-25-24 15,25 25-15,0-25 16,0 24-16,0 0 16,0-24-1,24 24 1,-25-24 15</inkml:trace>
+          <inkml:trace contextRef="#ctx0" brushRef="#br1" timeOffset="-76801.9619">363 725 0,'-97'194'172,"97"-170"-156,-24 0-16,24 25 0,-24-25 15,24 0-15,0 0 16,-24 1-1,24-1 1,0 0 0,-24-24 187,24 24-172,-25-24-31,1 0 0,0 24 16,0 0-16,-25-24 15,25 25-15,0-25 16,0 24-16,0 0 16,0-24-1,24 24 1,-25-24 15</inkml:trace>
         </inkml:traceGroup>
       </inkml:traceGroup>
     </inkml:traceGroup>
@@ -7130,7 +8204,7 @@
           <inkml:trace contextRef="#ctx0" brushRef="#br0" timeOffset="3870.1294">218 339 0,'72'-25'62,"-47"25"-46,-25 25-1,24-25 1,-24 24 0,24-24-16,0 0 15,0 0-15,1 0 16,-1 0-16,0 0 15,0 0-15,0 0 16,0 0 15,1 0-15</inkml:trace>
           <inkml:trace contextRef="#ctx0" brushRef="#br0" timeOffset="3412.6004">266 193 0,'24'0'94,"1"0"-79,-1 25 1,0-1-1,0-24 48,0 0-63,1 0 16,-1 0-16,0 0 15,0 0 1,-24-24-16,24 24 15,0 0 1,1 0 62,-1 0-62,-24 24-16,24-24 15,0 0-15</inkml:trace>
           <inkml:trace contextRef="#ctx0" brushRef="#br1" timeOffset="25146.3089">1718 580 0,'0'25'62,"-25"-25"-62,25-25 203,0 1-109,25 24-78,-25-24 15,24 24-15,0-24 15,0 24 16,0 0-16,-24 24 16,0 0 15,0 0-15,25-24 63,-25-24-110,24 24 15,0 0-15,-24-24 16,24 24-16,0 0 16,1 0-1,-1 0 32,0 0 0,-24 24 0,24-24-32,-24 24 1,0 1-16,0-1 31,0 0 1,-24-24-32,48 0 140,0 0-124,0 0 15,-24 24-15,25-24-1,-25 24 17,0 1-1,-25-25-16,1 0-15,24 24 16,-24-24-16,0 0 16,0 0-1,0 0-15,-1 0 16,50 0 109,-25 24-94,0 0 0,0 0 1,-25-24-17,25 25 1,-24-25-16,0 24 16,0-24-1,0 0 1,-1 0-1,25-24 17,0-1-17,0 1 1,-24 24 0,24 24 77,0 1-77,0-1 15,-24-24 0,0 0-15,0 0 0,-1 0-16,1-24 31,0-1-15,24 1-1,0 0-15,0 0 31,0 0-15,24 24 0,-24-25-1,24 25-15,-24 25 63,0-1-48,0 0 1,0 0 0,-24-24-1,0 0 1,0 0 15,24-24-15,-24 0-16,24 0 15,0-1 1,0 1 31,24 24 0,-24-24-47,24 24 0,0 0 31,0 0-15,-48 0 109,0-24-94,24 0-15,0-1-1,0 1-15,24 24 16,0 0-1,1 0 1,-1 0 15,0 24 16,0-24-31</inkml:trace>
-          <inkml:trace contextRef="#ctx0" brushRef="#br1" timeOffset="26180.6097">1766 701 0,'24'0'63,"0"0"-48,1 25 17,-25-1-1,-25-24-16,1 0-15,0 24 0,0-24 16,24-24 31,0 0-47,48-25 78,-24 49-78,-24 24 16,0 1-16,0-1 15,0 0 1,-24 0-16,0-24 16,0 0-16,24 24 15,-49-24-15,25 0 16,24-24 15,0 0-31,0 0 16,24 0-16,1-1 15,-25 1-15,24 0 16,0 0-16,-24 0 16,24 24-1,0 0 1,-24 24-16,0 0 15,25-24-15,-25 24 0,0 0 16,0 1-16,0-1 16,0 0-1,-25-24 1,1 0 0,24-24-1,-24 0 1,24-1-16,0 1 15,0 0 1,0 0-16,24 24 16,0 0-1,1 24 1,-1 0 0,-24 0-16,-24 25 78,-1-49-78</inkml:trace>
+          <inkml:trace contextRef="#ctx0" brushRef="#br1" timeOffset="26180.6095">1766 701 0,'24'0'63,"0"0"-48,1 25 17,-25-1-1,-25-24-16,1 0-15,0 24 0,0-24 16,24-24 31,0 0-47,48-25 78,-24 49-78,-24 24 16,0 1-16,0-1 15,0 0 1,-24 0-16,0-24 16,0 0-16,24 24 15,-49-24-15,25 0 16,24-24 15,0 0-31,0 0 16,24 0-16,1-1 15,-25 1-15,24 0 16,0 0-16,-24 0 16,24 24-1,0 0 1,-24 24-16,0 0 15,25-24-15,-25 24 0,0 0 16,0 1-16,0-1 16,0 0-1,-25-24 1,1 0 0,24-24-1,-24 0 1,24-1-16,0 1 15,0 0 1,0 0-16,24 24 16,0 0-1,1 24 1,-1 0 0,-24 0-16,-24 25 78,-1-49-78</inkml:trace>
           <inkml:trace contextRef="#ctx0" brushRef="#br1" timeOffset="26616.3389">1814 677 0,'73'0'62,"-73"24"-46,0 1-1,0-1-15,0 0 16,0 0-16,-24-24 16,24 24-1,0-48 16,0 0-15,0 0-16,0 0 16,24-1-16,-24 1 0,24 0 15,0 24 1,-24 24 31,0 0-47,0 1 15,0-1 1,0 0-16,0 0 31,-24-24-15,0 0 0,24-48-1</inkml:trace>
           <inkml:trace contextRef="#ctx0" brushRef="#br1" timeOffset="26833.6823">1814 677 0,'97'-72'0,"-24"47"47,-73 50-31,0-1-16,24-24 15,-24 24-15,0 0 16,0 0-1,-24-24 17,24-24-17</inkml:trace>
           <inkml:trace contextRef="#ctx0" brushRef="#br1" timeOffset="26967.7525">2032 605 0,'0'96'63,"0"-71"-63,0-1 15,0 0-15</inkml:trace>
@@ -7207,7 +8281,7 @@
           </inkml:annotationXML>
           <inkml:trace contextRef="#ctx0" brushRef="#br0">363 1621 0,'-24'0'94,"0"0"-78,-1 0-16,1 0 15,0 24 1,0 0 0,0 0-16,-1 0 15,25 1 1,0-1 0,0 0-1,0 0 1,25-24-1,-1 0 1,0 0 0,0 0-1,0 0-15,1-24 16,-1 24 0,-24-24-1,24 24 1,-24-24-1,24 24 1,-24-25 0,0 1-1,24 24-15,-24-24 16,0 48 93,0 0-93,0 1-16,-24-25 16,24 24-16,0 0 15,0 0 1,0 0-1,49-24 32</inkml:trace>
           <inkml:trace contextRef="#ctx0" brushRef="#br0" timeOffset="953.97">556 1596 0,'25'0'94,"-1"0"-94,0 0 15,0 0 1,0 0-16,1 0 0,-1 0 15</inkml:trace>
-          <inkml:trace contextRef="#ctx0" brushRef="#br0" timeOffset="623.3516">726 1282 0,'0'24'78,"0"0"-78,-24 1 16,24-1-16,-25 0 16,25 24-16,-24-24 15,24 1-15,0-1 16,-24 0-16,24 24 16,-24-23-16,24-1 15,0 0-15,-24 0 16,24 0-16,0 1 15,0-1-15,0 0 16,0 0 0,0 49 46,24-73-15,0 0-31,0-24-1</inkml:trace>
+          <inkml:trace contextRef="#ctx0" brushRef="#br0" timeOffset="623.3514">726 1282 0,'0'24'78,"0"0"-78,-24 1 16,24-1-16,-25 0 16,25 24-16,-24-24 15,24 1-15,0-1 16,-24 0-16,24 24 16,-24-23-16,24-1 15,0 0-15,-24 0 16,24 0-16,0 1 15,0-1-15,0 0 16,0 0 0,0 49 46,24-73-15,0 0-31,0-24-1</inkml:trace>
           <inkml:trace contextRef="#ctx0" brushRef="#br0" timeOffset="-2504.6053">-48 1234 0,'0'24'187,"0"0"-171,0 0-16,0 0 15,0 1-15,0-1 16,0 24-16,0-24 16,0 0-1,0 1-15,-24-1 16,24 0-16,0 0 0,0 0 15,0 1-15,0-1 16,0 0 0,0 0-16,0 0 15,0 1 1,0-1 0,0 0-1,0-48 63</inkml:trace>
           <inkml:trace contextRef="#ctx0" brushRef="#br0" timeOffset="-1047.7929">0 1209 0,'24'0'172,"0"0"-172,1 25 15,-1-1 16,0-24-15,-24 24-16,24-24 16,-24 24-1,24 0 1,-24 1 0,0-1-1,25 0 1,-25 0-1,0 24 17,0 49 30,0-73-46,0 1 15,-25-25-31,25 24 16,-24-24-16,24 24 31,0 0-31,-24 0 31,24 1-15,-24-25-1,0 24 1,-1 0 15,1-24-15,24 24 0,-24-24-1,0 0 1,24 24-16,-24-24 31,0 0 16</inkml:trace>
           <inkml:trace contextRef="#ctx0" brushRef="#br0" timeOffset="2093.9325">1185 1790 0,'49'24'78,"-25"-24"-62,0 0-16,0 0 15,1 0 1</inkml:trace>
@@ -7246,7 +8320,7 @@
             </emma:emma>
           </inkml:annotationXML>
           <inkml:trace contextRef="#ctx0" brushRef="#br0" timeOffset="5386.8736">169 2177 0,'0'24'94,"0"0"-79,-24 1-15,24-1 0,0 0 16,-24 0-1,24 0-15,-24 1 0,24-1 16,0 0-16,-24 0 16,24 0-16,0 0 15,0 1-15,0-1 16,0 0 15,24-24 16,-24 24-31,24-24-16,0 0 15,0-24 1</inkml:trace>
-          <inkml:trace contextRef="#ctx0" brushRef="#br0" timeOffset="5941.4797">387 2419 0,'-24'0'78,"24"24"-78,0 0 16,-24 0-16,24 1 16,0-1-1,0 0-15,0 0 16,24-24 15,0 0-15,0 0-16,1 0 15,-1 0-15,24-24 16,-48 0-16,24 24 16,0-24-16,-24-1 15,25 1 1,-25 0 0</inkml:trace>
+          <inkml:trace contextRef="#ctx0" brushRef="#br0" timeOffset="5941.4796">387 2419 0,'-24'0'78,"24"24"-78,0 0 16,-24 0-16,24 1 16,0-1-1,0 0-15,0 0 16,24-24 15,0 0-15,0 0-16,1 0 15,-1 0-15,24-24 16,-48 0-16,24 24 16,0-24-16,-24-1 15,25 1 1,-25 0 0</inkml:trace>
           <inkml:trace contextRef="#ctx0" brushRef="#br0" timeOffset="4545.3223">24 2225 0,'-24'0'78,"0"0"-62,0 0 0,0 0-1,-1 0 1,1 0 0,0 25-1,0-25-15,0 0 16,24 24-1,-25-24-15,25 24 16,-24-24-16,24 24 16,-24-24-16,24 24 15,-24 1 1,24-1 0,0 0-1,0 0-15,0 0 16,0 0-1,24 1-15,0-1 16,0-24 0,1 0-1,-1 0-15,0 0 16,0 0-16,0 0 16</inkml:trace>
           <inkml:trace contextRef="#ctx0" brushRef="#br0" timeOffset="7008.6862">677 2443 0,'0'48'47,"0"-23"-31,0-1-1,0 0 17,0 0-17,25-24 63,-1 0-62,-24-24-16,24 24 16,0-24-1,0 24 1,-24-24-1,25 24-15,-1 0 32,-24 24 108,0 0-124,24-24 62,0 0-78,0 0 16,1-24-1,-1 24-15,0-24 16,0 24 15,-24-25-31,0 50 94,24-1-78,-24 0-1,0 0-15,0 0 16,0 1-1,0-1 1</inkml:trace>
           <inkml:trace contextRef="#ctx0" brushRef="#br0" timeOffset="10334.4987">1210 2443 0,'24'0'47,"-24"24"31,-24-24-62,24 24-16,0 1 15,-25-1-15,25 0 16,-24 0-16,24 25 16,-24-25-16,0 0 15,24 0-15,0 25 16,-24-25-16,24 0 15,0 0-15,-25 0 0,25 1 16,0-1-16,0 0 31,0-48 47,0 0-62,0-25-16,25 25 16,-25-24-16,24-1 15,0 1-15,-24-1 0,24 25 16,-24 0-16,24 0 16,1 0-16,-25-1 15,0 1-15,24 24 16,-24-24-16,24 24 15,-24-24 1,24 24 31,-24 24-16,24-24-31,1 24 16,-1-24-1,-24 24-15,24-24 16,-24 25 0,0-1-1,0 0 1,0 0 0,-24 0-1,0 1 1,-1-25-1,25 24-15,-24-24 16,0 0 0,0 0-1,0 0 17,24-24-17,0-1 16</inkml:trace>
@@ -7571,12 +8645,12 @@
             </emma:emma>
           </inkml:annotationXML>
           <inkml:trace contextRef="#ctx0" brushRef="#br2" timeOffset="86750.1696">556 1983 0,'-24'0'47,"0"0"-32,24 24 1,0 1-1,-24-25-15,24 24 16,0 0 0,0 0-1,24-24 48,0 0-48,0 0-15,-24-24 16,25 0-16,-25 0 16,0-1-1,0 1 1,0 48 62,0 1-62,0-1-1,0 0-15,24 0 16,-24 0 0,24-24-16</inkml:trace>
-          <inkml:trace contextRef="#ctx0" brushRef="#br2" timeOffset="87310.9927">750 2007 0,'48'-24'125,"-48"48"-109,0 1-16,0-1 16,0 0-1,0 0 16,0-48 16,0 0-47,0 0 16,25 24 0,-25-25-16,24 25 15,-24-24-15,0 0 31,24 24-15</inkml:trace>
+          <inkml:trace contextRef="#ctx0" brushRef="#br2" timeOffset="87310.9925">750 2007 0,'48'-24'125,"-48"48"-109,0 1-16,0-1 16,0 0-1,0 0 16,0-48 16,0 0-47,0 0 16,25 24 0,-25-25-16,24 25 15,-24-24-15,0 0 31,24 24-15</inkml:trace>
           <inkml:trace contextRef="#ctx0" brushRef="#br2" timeOffset="87751.0947">1089 1935 0,'-121'97'94,"97"-73"-79,24 0-15,0 0 16,0 0 15,24-24-31,0 0 16,0 0-16,0 0 16,0 0-16,1 0 15</inkml:trace>
           <inkml:trace contextRef="#ctx0" brushRef="#br2" timeOffset="88472.8512">1161 1693 0,'24'24'47,"-24"0"-32,0 0-15,0 1 16,0-1-16,0 0 16,0 0-16,25 0 15,-25 1-15,0 23 16,0-24-16,0 0 15,0 1-15,0-1 32,24-24-1,-24-24-15,24-1-1,0 1 1,-24 0-16,24 24 15,1-24-15,-1 24 94,-24 24-78,0 0-1,0 0 1,0 1 0,0-1-1</inkml:trace>
           <inkml:trace contextRef="#ctx0" brushRef="#br2" timeOffset="88781.0919">1476 1911 0,'0'48'63,"0"-24"-63,0 0 16,0 1 15</inkml:trace>
-          <inkml:trace contextRef="#ctx0" brushRef="#br2" timeOffset="89020.546">1476 1911 0,'0'-121'0,"0"96"63,0 1-47</inkml:trace>
-          <inkml:trace contextRef="#ctx0" brushRef="#br2" timeOffset="89671.8465">1645 1935 0,'73'0'63,"-49"0"-48,-24-24-15,24 24 16,-24-25-1,24 1 1,-24 0 15,-24 24-15,0 0-16,0 0 16,-1 0-1,1 0 1,0 0-1,24 24 1,-24 0 0,24 1-16,0-1 15,0 0 1,0 0-16,24-24 16,-24 24-16,24 1 15,0-25-15,1 0 16,-1 0 15</inkml:trace>
+          <inkml:trace contextRef="#ctx0" brushRef="#br2" timeOffset="89020.5459">1476 1911 0,'0'-121'0,"0"96"63,0 1-47</inkml:trace>
+          <inkml:trace contextRef="#ctx0" brushRef="#br2" timeOffset="89671.8464">1645 1935 0,'73'0'63,"-49"0"-48,-24-24-15,24 24 16,-24-25-1,24 1 1,-24 0 15,-24 24-15,0 0-16,0 0 16,-1 0-1,1 0 1,0 0-1,24 24 1,-24 0 0,24 1-16,0-1 15,0 0 1,0 0-16,24-24 16,-24 24-16,24 1 15,0-25-15,1 0 16,-1 0 15</inkml:trace>
           <inkml:trace contextRef="#ctx0" brushRef="#br2" timeOffset="90515.0882">2056 1765 0,'-48'0'62,"48"25"-62,-24-25 16,24 24 0,0 0-1,0 0 1,0 0-1,24-24 1,0 0 0,0 0-1,0 0-15,1 25 32,-25-1-17,24 0 1,-24 0 31,0 0 0,0 1-32,-24-1 1,-1-24-1,1 0 1,0 0 0,0 0-1,0 0-15,0 0 0,-1 0 16,25-24 0</inkml:trace>
           <inkml:trace contextRef="#ctx0" brushRef="#br2" timeOffset="83267.6392">-750 1838 0,'0'24'78,"0"0"-78,0 1 16,24-1-16,-24 24 16,0-24-1,25 1-15,-25 23 0,0-24 16,24 0-16,-24 1 16,0-1-16,0 0 15,0 0 1</inkml:trace>
           <inkml:trace contextRef="#ctx0" brushRef="#br2" timeOffset="84106.6706">-605 2056 0,'25'0'63,"47"0"-32,25-24 16</inkml:trace>
@@ -7703,7 +8777,7 @@
           <inkml:trace contextRef="#ctx0" brushRef="#br0" timeOffset="42674.9249">146 201 0,'0'49'47,"0"-25"-47,0 0 16,0 0-1,0 1-15,-25-25 16,25 24-16,0 0 16,-24 0-1,24 0-15,0 0 16,0 1-1,-24-25-15,24 24 16,0 0 0</inkml:trace>
           <inkml:trace contextRef="#ctx0" brushRef="#br0" timeOffset="46868.9552">412 613 0,'-25'0'109</inkml:trace>
           <inkml:trace contextRef="#ctx0" brushRef="#br0" timeOffset="42203.8839">267 153 0,'-25'0'125,"1"0"-94,0 0-15,24 24-1,-24-24 1,0 0 0,24 24-1,-25-24-15,1 25 16,0-1-1,0 0 1,0 0 0,-1-24-16,25 24 15</inkml:trace>
-          <inkml:trace contextRef="#ctx0" brushRef="#br0" timeOffset="47844.1292">581 564 0,'48'49'47,"-23"-49"-31</inkml:trace>
+          <inkml:trace contextRef="#ctx0" brushRef="#br0" timeOffset="47844.129">581 564 0,'48'49'47,"-23"-49"-31</inkml:trace>
           <inkml:trace contextRef="#ctx0" brushRef="#br0" timeOffset="49193.8633">436 322 0,'0'73'62,"0"-49"-46,-24 0-1</inkml:trace>
           <inkml:trace contextRef="#ctx0" brushRef="#br0" timeOffset="47454.9115">436 298 0,'0'24'62,"-24"1"-46,24-1 0,0 0-16,0 0 15</inkml:trace>
           <inkml:trace contextRef="#ctx0" brushRef="#br0" timeOffset="48188.4662">750 395 0</inkml:trace>
@@ -7740,7 +8814,7 @@
           <inkml:trace contextRef="#ctx0" brushRef="#br0" timeOffset="26071.6958">1089 347 0,'0'24'63,"-24"0"-48,24 0 16,-24-24-31,24 24 16,0 0 0,-25-24-16,25 25 15,-24-1 1,24 0 0,-24-24-1,24 24-15,-24-24 16,24 24-1,-24 1 1,-1-1 0,1 0 15,24 0-15,-24-24-16,24 24 15,-24 1 1,-49 71 62,73-71-78,-24-25 0,24 24 16,-24-24-16,0 24 15,0-24 1,-1 24-16,1 0 31</inkml:trace>
           <inkml:trace contextRef="#ctx0" brushRef="#br0" timeOffset="35409.3833">1016 201 0,'25'121'62,"-1"-96"-46,-24-1-16,0 0 0,0 0 15,0 0-15,0 0 16,0 1 0,0-1-16,0 0 15,0 0 1,-24 0-16,24 1 15,0-1 1,0 0-16,0 0 16,0 0-1,0 1 1,-25-25-16,25 24 16,0 0-1,0 0 1,-24 0-1,24 1-15</inkml:trace>
           <inkml:trace contextRef="#ctx0" brushRef="#br0" timeOffset="27250.3781">944 177 0,'0'24'78,"24"-24"-62,-24 25-1,24-25 1,-24 24 0,0 0-1,24-24 1,-24 24 0,0 0 15,0 1-16,0-1 1,0 0 0,-24-24-1,24 24 1</inkml:trace>
-          <inkml:trace contextRef="#ctx0" brushRef="#br0" timeOffset="24923.8391">1041 564 0,'0'24'265,"0"1"-218,0-1 0,0 0-16,-25-24-15,25 24-1,-24-24 17,24 24-17,-24-24 17,24 25-32,0-1 46,-24-24-30,0 0 0,24 24-1,-25-24 1,1 24 0,24 0 15,-24-24-31,24 25 15,-24-25-15</inkml:trace>
+          <inkml:trace contextRef="#ctx0" brushRef="#br0" timeOffset="24923.8389">1041 564 0,'0'24'265,"0"1"-218,0-1 0,0 0-16,-25-24-15,25 24-1,-24-24 17,24 24-17,-24-24 17,24 25-32,0-1 46,-24-24-30,0 0 0,24 24-1,-25-24 1,1 24 0,24 0 15,-24-24-31,24 25 15,-24-25-15</inkml:trace>
           <inkml:trace contextRef="#ctx0" brushRef="#br0" timeOffset="36069.6876">1041 637 0,'-49'48'47,"25"-24"-31,0 1-1,0-25-15,-1 0 0,1 24 16,0 0-1,0-24 1,0 24-16,0-24 0,-1 0 16,1 0-1,24 24-15,-24-24 16,0 0 0,0 25-16,-1-25 15,1 24-15,0-24 16,0 24-1,0-24 1</inkml:trace>
           <inkml:trace contextRef="#ctx0" brushRef="#br0" timeOffset="34599.8398">847 298 0,'24'145'125,"-24"-121"-109,-24 1 0,0-1-1,0-24 1,24 24-16</inkml:trace>
           <inkml:trace contextRef="#ctx0" brushRef="#br0" timeOffset="32409.9908">436 177 0,'97'-24'63,"-97"0"-48,24 24-15,0 0 16,0 0 0,-24-24-16,24 24 15,1 0-15,-1 0 16,-24-25-16,24 25 16,0 0-1</inkml:trace>
@@ -7824,7 +8898,7 @@
           <inkml:trace contextRef="#ctx0" brushRef="#br2" timeOffset="88330.8589">1307 1532 0,'0'24'62,"24"-24"-62,0 0 16,0 0 0,0 0-16,1 0 0,-1 0 15,0 0-15</inkml:trace>
           <inkml:trace contextRef="#ctx0" brushRef="#br2" timeOffset="88009.9914">1403 1290 0,'0'24'78,"0"0"-78,0 1 16,0-1-16,0 24 16,0-24-16,0 25 15,0-25-15,-24 24 16,24-24-16,0 1 16,0-1-16,0 0 15,0 0 1,0 0-1,24-24-15,-24 25 16,25-25 15,-1 0 1,0 0-17,-24-25 1</inkml:trace>
           <inkml:trace contextRef="#ctx0" brushRef="#br2" timeOffset="89030.9748">1645 1411 0,'0'-24'47,"-24"24"-16</inkml:trace>
-          <inkml:trace contextRef="#ctx0" brushRef="#br2" timeOffset="88766.9038">1645 1532 0,'0'72'62,"0"-47"-62,0-1 0,0 0 16,0 0 0</inkml:trace>
+          <inkml:trace contextRef="#ctx0" brushRef="#br2" timeOffset="88766.9037">1645 1532 0,'0'72'62,"0"-47"-62,0-1 0,0 0 16,0 0 0</inkml:trace>
           <inkml:trace contextRef="#ctx0" brushRef="#br2" timeOffset="82579.0318">-193 1314 0,'-24'0'219,"0"0"-188,-1 0-31,1 0 16,0 0 0,0 0-1,0 24 1,-1-24 15,25 25-31,0-1 31,-24-24-15,24 24 0,0 0-1,0 0 1,24-24-16,-24 24 15,25-24 1,-25 25-16,24-25 16,-24 24-16,24-24 15,-24 24 1,24-24 15,-24 24-15,24-24 15,-24 24-31,0 1 31,0-1 32,0 0-48,-24 0 1,0-24 0,24 24-1,-24-24-15,0 0 16,-1 0 0,1 0-16,0-24 15,0 24-15,24-24 16,0 0-16,-24 24 15,24-24-15,0-1 16</inkml:trace>
           <inkml:trace contextRef="#ctx0" brushRef="#br2" timeOffset="83652.117">-48 1604 0,'-24'49'62,"24"-25"-62,0 0 16,-24 0 0,24 1-16,0-1 15,0 0-15,-25 0 16,25 0-16,0 1 16,-24-1-1,24-48 48,0-1-63,0-23 15,0 24-15,0 0 16,0-1-16,24 1 16,-24 0-16,0 0 15,0 0-15,25 24 16,-25-25-16,24 25 15,-24-24-15,24 0 16,0 0 0,0 24-1,-24-24-15,25 24 32,-1 0-1,-24 24-16,0 97 95,-24-121-95</inkml:trace>
           <inkml:trace contextRef="#ctx0" brushRef="#br2" timeOffset="84605.9959">194 1653 0,'24'0'94,"0"0"-79,1-24 1,-25-1 15,0 1 16,0 0-31,-25 24 31,1 0-16,0 0-15,0 0 15,0 0 0,24 24-15,0 0-1,-25 1 1,25-1-16,0 0 16,0 0-1,0 0-15,0 1 16,0-1-1,25 0 32,-1-24-47,0 0 16,0 0-16</inkml:trace>
@@ -8034,7 +9108,7 @@
           <inkml:trace contextRef="#ctx0" brushRef="#br1" timeOffset="70856.022">218-822 0,'-72'145'93,"72"-121"-77,0 0-16,0 0 16,0 0-16,0 1 0,0-1 15</inkml:trace>
           <inkml:trace contextRef="#ctx0" brushRef="#br1" timeOffset="67691.5566">436-943 0,'-73'-49'62,"49"25"-46,0 24-1,0 0 1,0 0-16,24 24 0,-25 0 16,1 1-1,24-1 1</inkml:trace>
           <inkml:trace contextRef="#ctx0" brushRef="#br0" timeOffset="-5475.5702">339-895 0,'-24'0'250,"0"0"-156,24 24-16,-24-24-47,24 24-15,0 1-16,0-1 31,0 0-31,0 0 16,0 0 0,0 0-1,0 1 1,24-1-1,0 0 1,-24 0 0,24-24-16,-24 24 15,24-24-15,0 0 32,1 25-32,-1-25 15,0 0 1,0 0-1,0 0 1,1-25-16,-1 1 16,-24 0 15,24 0-15,-24 0-16,0-1 15,0 1-15,0 0 16,0 0-16,0 0 15,-24 0 1,24-1-16,0 1 16,-24 24-16,-1-24 15,1 24 17,0 0-32,24-24 15,-24 24 1,0 0-1,-1 0 1,1 0 15,24 24-31,-24 0 16,0-24 0,24 24-1,24-48 48</inkml:trace>
-          <inkml:trace contextRef="#ctx0" brushRef="#br1" timeOffset="74471.0628">387-750 0,'0'-24'47,"0"48"31,0 0-63,-24-24 1,24-24 15</inkml:trace>
+          <inkml:trace contextRef="#ctx0" brushRef="#br1" timeOffset="74471.0627">387-750 0,'0'-24'47,"0"48"31,0 0-63,-24-24 1,24-24 15</inkml:trace>
           <inkml:trace contextRef="#ctx0" brushRef="#br1" timeOffset="76547.8277">387-605 0,'25'0'16</inkml:trace>
           <inkml:trace contextRef="#ctx0" brushRef="#br1" timeOffset="76446.0393">387-605 0</inkml:trace>
           <inkml:trace contextRef="#ctx0" brushRef="#br1" timeOffset="77089.0649">412-605 0,'0'-24'47,"0"0"109,24 24-124,0 0-1,-48 0 94,0 0-94,48 0 16,0 0-31</inkml:trace>
@@ -8065,9 +9139,9 @@
           <inkml:trace contextRef="#ctx0" brushRef="#br2" timeOffset="107092.9013">2782-968 0,'0'25'47,"25"-25"-32,-25 24-15,0 0 16,0 0-1,24 0-15,-24 1 16,0-1 0,24-24-16,-24 24 15,24-24 1,0 0 15,0-24-15,1 0-16,-25-1 15,24 1-15,0 0 16,-24 0-16,24 24 16,-24-24-1,0-1 17</inkml:trace>
           <inkml:trace contextRef="#ctx0" brushRef="#br2" timeOffset="107942.1214">3145-871 0,'24'0'62,"1"0"-46,-1 0 0,0 0-1,-24-24-15,24 24 16,-24-24 15,-48-25 47,48 25-78,-24 24 16,-1 0 15,1 0 0,24 24-31,-24-24 16,24 25 0,-24-1-1,24 0-15,0 0 16,0 0 0,0 1-16,0-1 15,0 0 1,24-24-1,0 24-15,0-24 16,1 0 0,-1 0-16,0 0 31</inkml:trace>
           <inkml:trace contextRef="#ctx0" brushRef="#br2" timeOffset="98620.0836">1210-1161 0,'0'24'234,"0"0"-218,0 0 0,0 1-16,0-1 15,0 0 1,0 0 0,0 0-16,0 1 15,0-1-15,0 0 16,0 0-16,0 0 15,0 1-15,0-1 16,0 0-16,0 0 0,0 0 31,0 0-31,0 1 16,0-50 46</inkml:trace>
-          <inkml:trace contextRef="#ctx0" brushRef="#br2" timeOffset="99842.9728">1234-1185 0,'24'0'125,"1"0"-110,-1 0 1,0 0-1,0 0 1,0 0 0,0 0-16,-24 24 15,25-24 1,-1 0 0,0 0 15,-24 24-31,24 0 31,-24 0 0,0 1 1,0-1-17,-24-24 1,24 24-16,-24 0 15,0 0 17,-1-24-17,1 0 1,-24 25 31,24-25-32,24 24-15,-24-24 16,-1 0 15</inkml:trace>
+          <inkml:trace contextRef="#ctx0" brushRef="#br2" timeOffset="99842.9727">1234-1185 0,'24'0'125,"1"0"-110,-1 0 1,0 0-1,0 0 1,0 0 0,0 0-16,-24 24 15,25-24 1,-1 0 0,0 0 15,-24 24-31,24 0 31,-24 0 0,0 1 1,0-1-17,-24-24 1,24 24-16,-24 0 15,0 0 17,-1-24-17,1 0 1,-24 25 31,24-25-32,24 24-15,-24-24 16,-1 0 15</inkml:trace>
           <inkml:trace contextRef="#ctx0" brushRef="#br2" timeOffset="100944.2456">1403-774 0,'25'0'93,"-25"-24"-77,24 24 0,-24-24-16,24 24 93,-24 24-61,24-24-17,-24 24-15,24 0 31,-24 0-15,0 0 0,0 1 15,0-1-15,0-48 62,0-1-63,0 1 1,0 0-16,0 0 16,0 0-1,0 0 1,0-1 15,25 25 16</inkml:trace>
-          <inkml:trace contextRef="#ctx0" brushRef="#br2" timeOffset="101650.4664">1718-871 0,'0'24'78,"0"1"-78,0-1 16,0 0-16,0 0 31,0 73 32</inkml:trace>
+          <inkml:trace contextRef="#ctx0" brushRef="#br2" timeOffset="101650.4662">1718-871 0,'0'24'78,"0"1"-78,0-1 16,0 0-16,0 0 31,0 73 32</inkml:trace>
           <inkml:trace contextRef="#ctx0" brushRef="#br2" timeOffset="102131.2782">1694-1016 0</inkml:trace>
         </inkml:traceGroup>
       </inkml:traceGroup>
@@ -8114,7 +9188,7 @@
           <inkml:trace contextRef="#ctx0" brushRef="#br3" timeOffset="33542.9352">605-387 0,'-24'0'172,"0"24"-125,0 0 31,24 1 47,0-1-78,0 0 0,0 0 0,0 0-16,0 0 16,0 1 0,0-1-1,0 0 17,0 0-32,0 0 16,0 1 0,0-1 0,0 0-32,24-24 17,-24 24-1,0 0 16,0 1-16,0-1 0,0 0-15,0 0 15,0 0 0,0 1-15,0-1 15,0 0 1,0 0-1,0 0-16,0 0 1,0 1 31,0-1-16,0 0-15,0 0 15,24-24-15,-24 24-1,0 1 17,0-1-1,24-24 0,-24 24-15,0 0 15,24 0 0,1 1 16,-1-25 0,0 0-16,0 0-15,0 0 15,1 0 0,-1 0 1,0-25 61,-24 1-46,0 0 0,0 0-31,24 0 31,-24-1-16,0 1 16,0 0-16,0 0 0,0 0 0,0-1 1,0 1-1,0 0-15,0 0 30,0 0-30,0 0 0,-24 24-1,24-25 1,0 1 15,0 0 0,-24 0-15,24 0 15,-24-1-15,24 1 31,0 0 0,-25 24-47,25-24 31,0 0-15,0-1 15,0 1 0,0 0 0,0 0 16,0 0-16,0-1 16,-24 25-47,24-24 47,0 0-16,-24 24-15,24-24 15,-24 24 16,24-24-16,0 0 16,-24 24-47,24-25 125,-25 25-109,1-24 46</inkml:trace>
           <inkml:trace contextRef="#ctx0" brushRef="#br3" timeOffset="45815.1569">654 314 0,'0'25'63,"0"-1"-63,0 0 15,0 0-15,24-24 16,-24 24-16,0 1 16,24-1-1</inkml:trace>
           <inkml:trace contextRef="#ctx0" brushRef="#br3" timeOffset="45020.3624">581-169 0,'0'96'62,"24"-71"-62,-24-1 16,0 0-1,0 0-15,24 0 0</inkml:trace>
-          <inkml:trace contextRef="#ctx0" brushRef="#br3" timeOffset="46679.2235">605-314 0,'73'120'47,"-49"-95"-47,0-25 15,-24 24-15</inkml:trace>
+          <inkml:trace contextRef="#ctx0" brushRef="#br3" timeOffset="46679.2233">605-314 0,'73'120'47,"-49"-95"-47,0-25 15,-24 24-15</inkml:trace>
           <inkml:trace contextRef="#ctx0" brushRef="#br3" timeOffset="44517.367">654-194 0,'0'25'156,"0"-1"-156,0 0 16,0 0 0,0 0-16,24 1 15,-24-1-15,0 0 16,24 0-16,-24 0 15,0 1-15</inkml:trace>
           <inkml:trace contextRef="#ctx0" brushRef="#br3" timeOffset="45453.6398">726 145 0,'0'97'47,"0"-73"-47,0 0 15,0 0 1</inkml:trace>
           <inkml:trace contextRef="#ctx0" brushRef="#br3" timeOffset="46166.9966">823 242 0,'24'97'31,"-24"-73"-31,0 24 16,24-24-1,-24 1-15,0-1 16,24 0-16</inkml:trace>
@@ -8645,7 +9719,7 @@
         <inkml:trace contextRef="#ctx0" brushRef="#br1" timeOffset="-44288.78">28 24 0,'-24'-24'16,"24"48"187,0 0-187,0 1-16,0-1 15,0 0-15,0 0 16,0 0 0,0 1-16,0-1 15,0 0-15,0 0 16,0 0-1,0 1-15,0-1 16,0 0 0,0 0-1,0 0 1,24 0 0,-24 1-16,0-1 15,0 0 1,0 0-1,24-24 1,-24 24 0</inkml:trace>
         <inkml:trace contextRef="#ctx0" brushRef="#br1" timeOffset="-41763.3001">52-73 0,'0'25'78,"24"-25"94,1 0-156,-1 0-1,0 0 1,0 0-16,0 0 16,1 0-1,-1 0-15,0 0 16,0 0-1,0 0-15,0-25 16,1 25-16,-1 0 16,0 0-16,0 0 15,0 0-15,1 0 16,289-96 109,-290 96-125,0 0 31,-24 24 188,0 0-203,0 0-16,0 0 15,0 1 1,0-1-16,0 0 15,0 0-15,0 0 16,0 1-16,0-1 16,0 24-16,0-24 15,0 1-15,0 23 32,0-24-32,0 0 15,0 1 1,0-1-1,0 0 1,0 0 0,0 0-16,0 0 31,0 1-31,0-1 16,-24-24 187,0 0-156,24 24-47,-24-24 15,0 0 16,0 0-31,-1 0 32,1 0-17,0 0 1,0 0 0,24 24-16,-24-24 15,-1 0 16,1 0-15,0 24 0,0-24-16,0 25 15,-1-25 1,1 0 15,0 0-15,0 0 15,0 0-15,24 24-16,-25-24 15,1 0 1,0 0 0,0 0-1,0 0 1,0 0 15,-1 0 0,25 24-15,-24-24 0,0 0-1,0 0 16,0 0 16,24 24-31</inkml:trace>
         <inkml:trace contextRef="#ctx0" brushRef="#br1" timeOffset="-40876.0678">149 121 0,'48'-73'62,"-23"73"-46,-25-24-1,24 24-15,0 0 32,0 0-17,0 0-15,0 0 16,1 0-1,-1 0 1,0 0 15,0 0-15,-24-24-16,24 24 16,1 0-1,-1-24 1</inkml:trace>
-        <inkml:trace contextRef="#ctx0" brushRef="#br1" timeOffset="-39761.593">294 363 0,'-24'97'0,"96"-97"47,-47 0-47,-1 0 16,0-25-1,0 25 1,25-24 15,-25 24-31,0 0 16,0 0-1</inkml:trace>
+        <inkml:trace contextRef="#ctx0" brushRef="#br1" timeOffset="-39761.5928">294 363 0,'-24'97'0,"96"-97"47,-47 0-47,-1 0 16,0-25-1,0 25 1,25-24 15,-25 24-31,0 0 16,0 0-1</inkml:trace>
         <inkml:trace contextRef="#ctx0" brushRef="#br1" timeOffset="-40433.4364">270 218 0,'0'24'47,"24"-24"15,0-24-62,0 24 0,-24-24 16,25 24-16,-1 0 16,0 0-1,0 0 32,-24-25-47,24 25 16,1 0-1,-25-24-15,24 24 16</inkml:trace>
         <inkml:trace contextRef="#ctx0" brushRef="#br1" timeOffset="-40059.4492">294 363 0,'0'-24'47,"24"0"-47,-24-1 16,24 25-16,1 0 15,-1 0 1,0 0-1,0 0 17,-24 25-1</inkml:trace>
       </inkml:traceGroup>
@@ -8721,7 +9795,7 @@
           <inkml:trace contextRef="#ctx0" brushRef="#br2" timeOffset="38713.4269">1600 968 0,'0'-25'78,"-24"25"172,24 25-234,-24-25 0,24 24-1,0 0 1,-24 0-1,24 0 1,0 1 0,0-1-1,0 0 1,0 0 0,0 0 15,24-24 0,0 0-15,0 0-1,1 0-15,-1 0 16,-24-24 15,24 24-15,-24-24-1,0 0 1,0 0 0,0-1-16,0 1 15,0 0 1,0 48 140,0 0-140,0 1-1,0-1 1,24 0 0,-24 0-1,24-24-15,-24 24 16,25-24 0</inkml:trace>
           <inkml:trace contextRef="#ctx0" brushRef="#br2" timeOffset="39881.7429">1866 968 0,'25'24'125,"-1"-24"-109,0 0 0,0 0-1,0 0-15,1 0 16,-1 0-1</inkml:trace>
           <inkml:trace contextRef="#ctx0" brushRef="#br2" timeOffset="39483.9006">1939 750 0,'0'24'47,"0"0"-16,0 1-31,0-1 0,0 0 16,0 0-16,0 0 16,0 0-16,0 1 15,0-1-15,0 0 16,0 0-16,0 0 16,0 1-16,0-1 15,0 0 1,24-24 31,0 0-16,-24 24-31,25-24 16,-1 0-1</inkml:trace>
-          <inkml:trace contextRef="#ctx0" brushRef="#br2" timeOffset="40340.1238">2181 1040 0,'0'24'47,"0"1"-47,24-1 16,-24 0-1,0 0 1,0 0 0</inkml:trace>
+          <inkml:trace contextRef="#ctx0" brushRef="#br2" timeOffset="40340.1236">2181 1040 0,'0'24'47,"0"1"-47,24-1 16,-24 0-1,0 0 1,0 0 0</inkml:trace>
           <inkml:trace contextRef="#ctx0" brushRef="#br2" timeOffset="40661.8874">2205 895 0</inkml:trace>
           <inkml:trace contextRef="#ctx0" brushRef="#br2" timeOffset="41314.4004">2423 1040 0,'0'24'78,"0"1"-78,0-1 16,24 0-1,-24 0-15,0 0 16,24-24 15,0 0 0,1-24 1,-25 0-17,24 0-15,-24 0 16,24 24-1,-24-25-15</inkml:trace>
           <inkml:trace contextRef="#ctx0" brushRef="#br2" timeOffset="41935.5372">2641 1064 0,'48'25'47,"-24"-25"-32,0 0 1,1-25-1,-1 25 1,0 0-16,-24-24 16,24 24-1,-24-24-15,0 0 32,-145 24 46,145 24-63,-24-24 1,24 24-16,0 0 16,0 1-1,0-1-15,0 0 16,0 0-1,0 0-15,0 1 16,24-25 0,-24 24-16,48-24 15,-23 0-15,-1 0 16,0-24 0</inkml:trace>
@@ -8763,10 +9837,10 @@
           <inkml:trace contextRef="#ctx0" brushRef="#br2" timeOffset="44974.1705">488 1742 0,'0'24'78,"-25"-24"-78,25 24 31,-24-24-15,24 24-16,0 1 31,0-1-16,24-24 32,1 0-31,23-97 78,-48 121 15,0 0-93,24-24-1,-24 25-15,24-25 16,-24 24 0,25-24-16,-1 0 15,0 0 1</inkml:trace>
           <inkml:trace contextRef="#ctx0" brushRef="#br2" timeOffset="45683.5167">850 1621 0,'-24'0'47,"0"24"-32,24 0 1,0 0 15,24-24 0,0 25-15,1-25 0,-1 0-16,0 0 31,-24 24 0,0 0 0,0 0 16,0 0-31,0 1 0,-24-25-16,0 24 15,-1-24 1,1-24-1,24-1 64</inkml:trace>
           <inkml:trace contextRef="#ctx0" brushRef="#br2" timeOffset="46421.5943">1117 1621 0,'-25'0'78,"1"24"-62,24 0 15,0 0 1,24 1-17,1-25 16,-25 24-15,24-24 0,0 48 109,-24-24-94,-24 1-15,0-25-1,-1 0 16,1 0 1,24-25-17</inkml:trace>
-          <inkml:trace contextRef="#ctx0" brushRef="#br2" timeOffset="47186.7934">1310 1718 0,'24'-25'47,"0"1"-16,1 0-15,-25 0 15,0 0 16,-25 24-32,1 0 17,0 0-1,0 0-16,24 24 17,-24-24-32,24 24 15,0 0 1,0 0-16,0 1 16,0-1-1,0 0 1,0 0-16,24 0 15,0 1 1,0-25-16,0 0 16,1 0-1</inkml:trace>
+          <inkml:trace contextRef="#ctx0" brushRef="#br2" timeOffset="47186.7932">1310 1718 0,'24'-25'47,"0"1"-16,1 0-15,-25 0 15,0 0 16,-25 24-32,1 0 17,0 0-1,0 0-16,24 24 17,-24-24-32,24 24 15,0 0 1,0 0-16,0 1 16,0-1-1,0 0 1,0 0-16,24 0 15,0 1 1,0-25-16,0 0 16,1 0-1</inkml:trace>
           <inkml:trace contextRef="#ctx0" brushRef="#br2" timeOffset="47974.6482">1600 1621 0,'-48'0'47,"24"0"-32,0 24 17,24 0-17,0 0 1,0 1-1,24-25 1,0 0-16,-24 24 16,24-24-16,0 0 15,25 48 95,-25-48-95,-24 24 32,-24-24-16,24 25-15,-24-25-16,-1 0 16,1 0-1,0 0-15,0 0 16</inkml:trace>
-          <inkml:trace contextRef="#ctx0" brushRef="#br2" timeOffset="43452.2357">52 1597 0,'-24'0'79,"-170"121"30,170-121-109,24 24 16,0 0-16,0 0 31,0 0-31,24 1 15,1-25-15,-1 24 16,0 0-16,0 0 16,0-24-16,25 24 15,-25-24 1,0 0-16</inkml:trace>
-          <inkml:trace contextRef="#ctx0" brushRef="#br2" timeOffset="44188.5296">246 1548 0,'0'24'63,"0"1"-48,0-1 1,0 0-16,0 0 16,0 0-16,0 1 15,0-1-15,0 0 16,0 0-16,0 0 0,0 1 31,0-1-31,24-24 16,0 0 31</inkml:trace>
+          <inkml:trace contextRef="#ctx0" brushRef="#br2" timeOffset="43452.2355">52 1597 0,'-24'0'79,"-170"121"30,170-121-109,24 24 16,0 0-16,0 0 31,0 0-31,24 1 15,1-25-15,-1 24 16,0 0-16,0 0 16,0-24-16,25 24 15,-25-24 1,0 0-16</inkml:trace>
+          <inkml:trace contextRef="#ctx0" brushRef="#br2" timeOffset="44188.5294">246 1548 0,'0'24'63,"0"1"-48,0-1 1,0 0-16,0 0 16,0 0-16,0 1 15,0-1-15,0 0 16,0 0-16,0 0 0,0 1 31,0-1-31,24-24 16,0 0 31</inkml:trace>
         </inkml:traceGroup>
         <inkml:traceGroup>
           <inkml:annotationXML>
@@ -8782,9 +9856,9 @@
             </emma:emma>
           </inkml:annotationXML>
           <inkml:trace contextRef="#ctx0" brushRef="#br2" timeOffset="50793.7172">2616 1669 0,'25'0'78,"-1"0"-62,0 0 0,0 0-16,0 0 15,1 0-15,-25-24 16</inkml:trace>
-          <inkml:trace contextRef="#ctx0" brushRef="#br2" timeOffset="50502.5273">2641 1379 0,'0'121'47,"0"-73"-47,0-24 0,0 25 16,0-25-16,0 0 15,0 0-15,0 1 16,0-1-16,0 0 15,0 0 1,24 0 31,-24 1-16,24-25-31,0 0 16</inkml:trace>
-          <inkml:trace contextRef="#ctx0" brushRef="#br2" timeOffset="51549.729">2810 1403 0,'0'24'47,"24"0"-31,-24 1-16,0-1 15,0 24-15,0-24 16,0 1 0,0-1-16,0 0 15,0 0-15,0 0 0,0 1 16,0-1-1,0 0-15,24-24 47,0 0-31,1 0 0,-25-24-16,24 0 15,0-1-15,0 1 16,0 24-16,-24-24 15,0 48 48,0 0-47,25 1-1,-25-1 1,0 0-1,0 0 17,0 0-17</inkml:trace>
-          <inkml:trace contextRef="#ctx0" brushRef="#br2" timeOffset="49361.2935">1987 1718 0,'0'-25'63,"0"50"-1,25-25-46,-25 24-16,24 0 31,0-24-15,0 24-1,0-24 1,1 0 15,-1 0 0,0 0 16,-24-24-47,24 24 16,0 0 15,1 24 47,95-169 79</inkml:trace>
+          <inkml:trace contextRef="#ctx0" brushRef="#br2" timeOffset="50502.5271">2641 1379 0,'0'121'47,"0"-73"-47,0-24 0,0 25 16,0-25-16,0 0 15,0 0-15,0 1 16,0-1-16,0 0 15,0 0 1,24 0 31,-24 1-16,24-25-31,0 0 16</inkml:trace>
+          <inkml:trace contextRef="#ctx0" brushRef="#br2" timeOffset="51549.7288">2810 1403 0,'0'24'47,"24"0"-31,-24 1-16,0-1 15,0 24-15,0-24 16,0 1 0,0-1-16,0 0 15,0 0-15,0 0 0,0 1 16,0-1-1,0 0-15,24-24 47,0 0-31,1 0 0,-25-24-16,24 0 15,0-1-15,0 1 16,0 24-16,-24-24 15,0 48 48,0 0-47,25 1-1,-25-1 1,0 0-1,0 0 17,0 0-17</inkml:trace>
+          <inkml:trace contextRef="#ctx0" brushRef="#br2" timeOffset="49361.2933">1987 1718 0,'0'-25'63,"0"50"-1,25-25-46,-25 24-16,24 0 31,0-24-15,0 24-1,0-24 1,1 0 15,-1 0 0,0 0 16,-24-24-47,24 24 16,0 0 15,1 24 47,95-169 79</inkml:trace>
           <inkml:trace contextRef="#ctx0" brushRef="#br2" timeOffset="49803.9487">2520 1693 0,'0'-24'47,"0"48"-16,0 1-16,24-1 1,-24 0 0</inkml:trace>
           <inkml:trace contextRef="#ctx0" brushRef="#br2" timeOffset="50036.7285">2544 1524 0</inkml:trace>
         </inkml:traceGroup>
@@ -8839,7 +9913,7 @@
           <inkml:trace contextRef="#ctx0" brushRef="#br2" timeOffset="57859.5142">1600 2347 0,'73'48'47,"0"-121"-31,-49 73 46,-24 25-46,24-25 0,-24 24-1,0 0 1,0 0 0,0 0-1</inkml:trace>
           <inkml:trace contextRef="#ctx0" brushRef="#br2" timeOffset="58585.9209">1963 2226 0,'0'24'62,"24"-24"-62,1 0 16,-1 0 0,0 0-16,0 0 15</inkml:trace>
           <inkml:trace contextRef="#ctx0" brushRef="#br2" timeOffset="58324.9012">2012 1959 0,'0'49'47,"0"-1"-31,0-24-16,0 25 15,0-1-15,0-24 0,0 25 16,0-1-16,0-24 16,0 1-16,0-1 15,0 0-15,0 0 16,24-24 31,0 0-32,0 0-15,0 0 16,-24-24-16,25 24 0</inkml:trace>
-          <inkml:trace contextRef="#ctx0" brushRef="#br2" timeOffset="53568.0995">222 2395 0,'0'72'63,"0"-47"-48</inkml:trace>
+          <inkml:trace contextRef="#ctx0" brushRef="#br2" timeOffset="53568.0993">222 2395 0,'0'72'63,"0"-47"-48</inkml:trace>
           <inkml:trace contextRef="#ctx0" brushRef="#br2" timeOffset="53809.19">222 2395 0,'24'-97'0,"-24"73"47</inkml:trace>
           <inkml:trace contextRef="#ctx0" brushRef="#br2" timeOffset="54685.8761">342 2347 0,'25'0'62,"-1"0"-46,0 24-1,0-24-15,0 0 16,25 0-16</inkml:trace>
           <inkml:trace contextRef="#ctx0" brushRef="#br2" timeOffset="54385.4591">512 2153 0,'-121'314'203,"121"-289"-187,24-1-16,-24 0 16,0 0-1,0 0 1</inkml:trace>
@@ -8993,7 +10067,7 @@
             </emma:emma>
           </inkml:annotationXML>
           <inkml:trace contextRef="#ctx0" brushRef="#br0">0 24 0,'25'-24'47,"-25"48"94,0 0-126,0 0-15,0 25 16,0-25-16,24 24 0,-24-23 16,0-1-16,0 0 15,0 0-15,0 0 16,0 1 0</inkml:trace>
-          <inkml:trace contextRef="#ctx0" brushRef="#br0" timeOffset="1244.8933">0 0 0,'25'0'47,"-1"0"-16,0 0 0,0 0-15,194-24 125,-218-1-141,24 25 15,0 0 1,-24 25 78,0-1-79,0 0-15,0 0 16,0 0-16,0 1 15,-24-1-15,24 24 16,0-24-16,0 1 16,0-1-16,0 0 15,0 0-15,0 0 16,0 1 0,0-1-1,-266 0 282</inkml:trace>
+          <inkml:trace contextRef="#ctx0" brushRef="#br0" timeOffset="1244.8931">0 0 0,'25'0'47,"-1"0"-16,0 0 0,0 0-15,194-24 125,-218-1-141,24 25 15,0 0 1,-24 25 78,0-1-79,0 0-15,0 0 16,0 0-16,0 1 15,-24-1-15,24 24 16,0-24-16,0 1 16,0-1-16,0 0 15,0 0-15,0 0 16,0 1 0,0-1-1,-266 0 282</inkml:trace>
           <inkml:trace contextRef="#ctx0" brushRef="#br0" timeOffset="2548.7171">218 387 0,'0'24'125,"-24"-24"-125,24 24 15,0 0 1,-24 1 0,24-1-1,0 0 1,-24-24-16,24 24 15,24-24 126,0 0-125,0 0-1,0 0 1,1 0 0,-1 0-1,0 0 1,0 0 15,0 0 0,-24-24 63,0 0-47,0 0-16,0-1 0,-24 25-31,0 0 16,24-24-16,-24 24 16,0 0-1,-1-24 1,1 0 62</inkml:trace>
           <inkml:trace contextRef="#ctx0" brushRef="#br0" timeOffset="14973.5049">146 145 0,'145'-24'109</inkml:trace>
           <inkml:trace contextRef="#ctx0" brushRef="#br0" timeOffset="15209.5655">146 145 0,'96'48'16</inkml:trace>
@@ -9020,7 +10094,7 @@
           <inkml:trace contextRef="#ctx0" brushRef="#br0" timeOffset="17648.2872">1645-145 0,'73'96'0,"-25"-96"47,-23 0-32,-25-24-15,24 24 16</inkml:trace>
           <inkml:trace contextRef="#ctx0" brushRef="#br0" timeOffset="11946.7954">1573-339 0,'0'24'125,"0"1"-125,0-1 15,0 0 1,0 0-16,0 0 16,0 1-16,0-1 15,0 0-15,24 0 16,-24 0 0,24 0-1,-24 1-15,0-1 16,0 0-1,0 0-15,24 0 16,-24 1 0,0-1-1,0 0-15,0 0 16,0 0 0,0 1-1,25-25 1,-25 24-16,24 0 31,-24 0-15,0 0 31</inkml:trace>
           <inkml:trace contextRef="#ctx0" brushRef="#br0" timeOffset="10640.652">1645 218 0,'-24'0'63,"121"0"46,-73 0-109,25 0 16,-25 0-16,0 0 15,0 0-15,0 0 16,0 0 0,-24-25-16,25 25 15</inkml:trace>
-          <inkml:trace contextRef="#ctx0" brushRef="#br0" timeOffset="17405.5392">1645-145 0,'49'0'47,"-25"0"-15,0 0-17</inkml:trace>
+          <inkml:trace contextRef="#ctx0" brushRef="#br0" timeOffset="17405.539">1645-145 0,'49'0'47,"-25"0"-15,0 0-17</inkml:trace>
           <inkml:trace contextRef="#ctx0" brushRef="#br0" timeOffset="7694.6534">1863-169 0,'0'24'78,"0"0"-62,0 0 0,0 0-16,0 0 0,24 1 15,-24-1-15,0 24 16,0-24-16,24 25 16,-24-25-16,0 24 15,0-23-15,0-1 16,0 0-16,25 0 15</inkml:trace>
           <inkml:trace contextRef="#ctx0" brushRef="#br0" timeOffset="17856.8677">1670 121 0,'48'0'63,"-24"0"-47</inkml:trace>
           <inkml:trace contextRef="#ctx0" brushRef="#br1" timeOffset="25611.6728">750 484 0,'25'0'203,"-1"-25"-187,0 25-1,0-24 1,0 24-1,0 0 17,-24-24-32,25 24 15,-1 0 1,-24-24-16,24 24 16,0 0-1,0-24 1,1 24-1,-1 0-15,0-24 16,0 24-16,0-25 16,1 25-1,-1 0 17,-24-24-17,24 24-15,0 0 16,0-24-1,1 24 1,-1 0 31,-24-24-31,24 24-1,0 0 32,-48 0 31</inkml:trace>
@@ -9062,8 +10136,8 @@
             </emma:emma>
           </inkml:annotationXML>
           <inkml:trace contextRef="#ctx0" brushRef="#br1" timeOffset="41451.8278">847 701 0,'0'25'171,"0"-1"-155,0 0-16,0 0 16,0 0-16,0 1 0,0-1 15,0 0-15,0 0 16,0 0-16,0 0 16,0 1-16,0-1 15,0 0 1,0 0-16,0 0 15</inkml:trace>
-          <inkml:trace contextRef="#ctx0" brushRef="#br1" timeOffset="42673.1291">847 677 0,'24'0'94,"0"0"-78,1-24-1,-1 24-15,0 0 16,0 0-16,0 0 16,1 0-1,-1 0-15,0 0 32,-24 24-17,24-24 1,-24 24-16,0 1 15,0-1 1,24-24-16,-24 24 16,0 0-1,0 0 1,-24 1 15,0-25-31,0 0 16,0 0-1,-1 0-15,1 24 16,0-24-16,0 0 16,0 0-1,48 0 142,0 0-126,-24 24-31,24-24 15,-24 24-15,24-24 16,-24 24-16,25 0 16,-1 1-1,-24-1 1,24-24-16,-24 24 16,24-24-1,-24 24-15,0 0 31</inkml:trace>
-          <inkml:trace contextRef="#ctx0" brushRef="#br1" timeOffset="43632.7717">1210 847 0,'0'24'63,"24"-24"-32,0 0 0,1 0 0,-1 0-31,0 0 32,-24-24-1,0-1-16,-24 1 17,0 24 30,-1 0-46,1 0-1,0 0 17,24 24-17,0 1 17,-24-25-17,24 24-15,0 0 16,0 0-1,0 0-15,0 0 0,0 1 16,24-1-16,0 0 16,-24 0-1,24-24 1,-24 24-16,25-24 16,-1 0-1</inkml:trace>
+          <inkml:trace contextRef="#ctx0" brushRef="#br1" timeOffset="42673.1289">847 677 0,'24'0'94,"0"0"-78,1-24-1,-1 24-15,0 0 16,0 0-16,0 0 16,1 0-1,-1 0-15,0 0 32,-24 24-17,24-24 1,-24 24-16,0 1 15,0-1 1,24-24-16,-24 24 16,0 0-1,0 0 1,-24 1 15,0-25-31,0 0 16,0 0-1,-1 0-15,1 24 16,0-24-16,0 0 16,0 0-1,48 0 142,0 0-126,-24 24-31,24-24 15,-24 24-15,24-24 16,-24 24-16,25 0 16,-1 1-1,-24-1 1,24-24-16,-24 24 16,24-24-1,-24 24-15,0 0 31</inkml:trace>
+          <inkml:trace contextRef="#ctx0" brushRef="#br1" timeOffset="43632.7715">1210 847 0,'0'24'63,"24"-24"-32,0 0 0,1 0 0,-1 0-31,0 0 32,-24-24-1,0-1-16,-24 1 17,0 24 30,-1 0-46,1 0-1,0 0 17,24 24-17,0 1 17,-24-25-17,24 24-15,0 0 16,0 0-1,0 0-15,0 0 0,0 1 16,24-1-16,0 0 16,-24 0-1,24-24 1,-24 24-16,25-24 16,-1 0-1</inkml:trace>
           <inkml:trace contextRef="#ctx0" brushRef="#br1" timeOffset="44854.3719">1476 798 0,'24'0'78,"0"0"-63,1 0 1,-1 0-16,0 0 16</inkml:trace>
           <inkml:trace contextRef="#ctx0" brushRef="#br1" timeOffset="44503.8581">1645 629 0,'0'-24'63,"-24"24"-47,0 0 15,24 24-16,-24-24-15,24 24 0,-24 0 16,24 25-16,0-25 16,0 0-16,0 0 15,0 0-15,0 25 16,0-25-16,0 0 16,0 0-16,0 0 15,0 1-15,0-1 16,0 0-16,0 0 15,0 0 1,24-24-16,-24 25 16,0-1-1,0 0 1,0 0-16</inkml:trace>
           <inkml:trace contextRef="#ctx0" brushRef="#br1" timeOffset="45438.6028">1718 871 0,'24'72'62,"-24"-48"-62,24-24 16,-24 25-16,25-1 31,-1-24 0,0 0 1,-24-24-32,24 24 15,-24-25-15,0 1 16,0 0-16,24 0 0,-24 0 31,-24 24 0</inkml:trace>
@@ -9107,7 +10181,7 @@
           <inkml:trace contextRef="#ctx0" brushRef="#br1" timeOffset="51408.8384">1186 1500 0,'24'0'62,"0"0"-30,0 0-17,1-25 17,-1 25-17,-24-24-15,-24 24 63,-1 0-63,1 0 47,0 0-16,0 0 0,0 24 0,24 1-15,-25-25 0,25 24-16,0 0 15,-24-24-15,24 24 16,0 0-1,0 1 1,0-1 0,0 0-16,0 0 15,24-24 1,-24 24-16,25-24 16,-1 25-1,0-25 1,0 0-16,25 0 0,-25-25 15,-24 1 1</inkml:trace>
           <inkml:trace contextRef="#ctx0" brushRef="#br1" timeOffset="52361.4076">1549 1451 0,'-73'73'62,"73"-49"-62,-24-24 16,24 24 0,0 0-16,0 1 15,0-1 1,0 0 0,24-24 15,0 0-16,0 0-15,1 0 16,-1-24-16,0 0 16,-24-1-16,24 1 15,-24 0-15,24 0 0,-24 0 16,0-1 0,0 1-1,0 48 110,-48 218-31,48-217-94,0-1 16,0 0-16,0 0 15,0 0 1,-24 1-16,24-1 15,0 0-15,0 0 16</inkml:trace>
           <inkml:trace contextRef="#ctx0" brushRef="#br1" timeOffset="52780.1098">1476 1742 0,'24'0'63,"0"0"-63,1 0 16,-1-25-1,0 25 1,0 0-16,0-24 15</inkml:trace>
-          <inkml:trace contextRef="#ctx0" brushRef="#br1" timeOffset="53495.069">1839 1403 0,'0'24'62,"0"0"-62,0 0 16,0 1 0,0-1-16,0 0 15,0 0-15,24 0 16,-24 1 15,24-25-31,0 0 16,1-25-1,-1 25 1,0-24-16,-24 0 0,24 0 16,-24 0-1,0-1 17</inkml:trace>
+          <inkml:trace contextRef="#ctx0" brushRef="#br1" timeOffset="53495.0689">1839 1403 0,'0'24'62,"0"0"-62,0 0 16,0 1 0,0-1-16,0 0 15,0 0-15,24 0 16,-24 1 15,24-25-31,0 0 16,1-25-1,-1 25 1,0-24-16,-24 0 0,24 0 16,-24 0-1,0-1 17</inkml:trace>
           <inkml:trace contextRef="#ctx0" brushRef="#br1" timeOffset="54439.2963">2129 1572 0,'-24'0'62,"48"0"-30,0 0-32,1-24 15,-1 0 1,0 0-16,0 24 16,-24-25-16,0 1 15,-24 24 32,0 0-47,0 0 31,-1 24 1,1-24-1,24 25-16,0-1 1,-24 0 0,24 0-1,0 0-15,0 1 16,0-1 0,0 0-1,0 0-15,24-24 16,-24 24-16,24-24 0,1 0 15,-1 0 1,0 0-16,0 0 16,-24-24-1</inkml:trace>
           <inkml:trace contextRef="#ctx0" brushRef="#br1" timeOffset="55308.6882">2516 1403 0,'-48'24'47,"24"-24"-32,24 24 1,-25-24 0,25 24-1,0 1 1,0-1-1,0 0 1,25-24-16,-1 0 16,0 0-1,0 24 1,0-24 0,1 0 15,-25 24-16,0 1 64,-170-1 77,170-48-125</inkml:trace>
         </inkml:traceGroup>
@@ -9268,7 +10342,7 @@
           <inkml:trace contextRef="#ctx0" brushRef="#br0" timeOffset="10903.7601">-659 290 0,'48'-24'62,"-24"24"-62,0 0 16,1 0 0,-1-24-16,0 24 15</inkml:trace>
           <inkml:trace contextRef="#ctx0" brushRef="#br0" timeOffset="11428.743">-611 363 0,'97'-25'63,"-73"1"-47,0 24-1,-24 24 48,0 1-48,0-1 1</inkml:trace>
           <inkml:trace contextRef="#ctx0" brushRef="#br0" timeOffset="11856.1485">-732 532 0,'-24'0'63,"48"0"-48,0 0 1,25 0 0,-25 0-16,0 0 15,0 0 1,-24 24 31,0 0-32,0 1 1</inkml:trace>
-          <inkml:trace contextRef="#ctx0" brushRef="#br0" timeOffset="-2017.6232">-538-992 0,'24'0'281,"0"0"-266,0 0 1,0 0 0,1 0-1,-1 0 1,0-24 0,0 24-16,0 0 15,1 0 1,-1 0-1,24 24 17,-24-24-17,0 24 1,1 0 0,-1-24-1,-24 25 1,0-1-1,24-24-15,-24 24 16,24 0 0,-24 0-1,0 1 1,24-25 0,-24 24-16,0 0 31,0 0-16,0 0 1,25 0 0,-25 1-1,0-1 17,0 0-17,0 0 1,0 0 15,0 1 0,0-1-15,0 0 0,0 0-1,-25 0 16,25 1-15,0-1 0,0 0-1,0 0 1,0 0 0,0 1-1,0-1 16,0 0-15,0 0 0,0 0-1,0 0 1,0 1 15,0-1 0,25-24-31,-1 24 32,-24 0 15</inkml:trace>
+          <inkml:trace contextRef="#ctx0" brushRef="#br0" timeOffset="-2017.623">-538-992 0,'24'0'281,"0"0"-266,0 0 1,0 0 0,1 0-1,-1 0 1,0-24 0,0 24-16,0 0 15,1 0 1,-1 0-1,24 24 17,-24-24-17,0 24 1,1 0 0,-1-24-1,-24 25 1,0-1-1,24-24-15,-24 24 16,24 0 0,-24 0-1,0 1 1,24-25 0,-24 24-16,0 0 31,0 0-16,0 0 1,25 0 0,-25 1-1,0-1 17,0 0-17,0 0 1,0 0 15,0 1 0,0-1-15,0 0 0,0 0-1,-25 0 16,25 1-15,0-1 0,0 0-1,0 0 1,0 0 0,0 1-1,0-1 16,0 0-15,0 0 0,0 0-1,0 0 1,0 1 15,0-1 0,25-24-31,-1 24 32,-24 0 15</inkml:trace>
           <inkml:trace contextRef="#ctx0" brushRef="#br0" timeOffset="-518.4798">-635-678 0,'24'-24'78,"0"0"-62,0 0 0,1 24-1,-25 24 32,0 0-31,24-24-16,0 24 15,0-24 1,0 0 0,1 0-16,23-24 15,-24 24-15,0-24 16,1 24-1,-1 0 79,0 0-78</inkml:trace>
           <inkml:trace contextRef="#ctx0" brushRef="#br0" timeOffset="359.6102">-563-411 0,'121'-25'31,"-96"25"16,-25 25-31,0-1-1,0 0 1,24-24 0,0 0-1,0 0 1,0-24-16,-24 0 0,25 24 15</inkml:trace>
         </inkml:traceGroup>
@@ -9427,7 +10501,7 @@
           <inkml:trace contextRef="#ctx0" brushRef="#br0">308 1500 0,'49'0'47,"-25"0"-16,0 0-15,0-25 0,0 25-1,-24-24-15,0 0 31,0 0 1,-24 24-1,0 0-15,0 0-1,0 0 16,24 24-15,-25-24 0,1 24-1,24 0-15,-24 1 16,24-1 0,0 0-1,0 0 1,0 0-1,0 1 1,24-25-16,0 0 16,49 24 31</inkml:trace>
           <inkml:trace contextRef="#ctx0" brushRef="#br0" timeOffset="792.2254">574 1451 0,'0'24'47,"0"1"-31,0-1-1,0 0 1,0 0 15,97-48 63,-73 0-94,-24 0 0,25 24 16,-25 24 93,0 0-93,24-24-1,-24 24-15,0 0 32,0 1-17,0-1 1</inkml:trace>
           <inkml:trace contextRef="#ctx0" brushRef="#br0" timeOffset="-4000.2418">-732 1282 0,'-24'0'156,"0"0"-140,0 0 0,-1 0-1,1 0 1,0 0 0,0 0-1,0 0-15,-1 0 16,1 0-1,0 0 1,24 24 0,-24-24-16,0 0 15,-1 0 1,25 24-16,-24-24 16,0 0 15,24 24-16,-24 1 1,24-1 0,-24 0-1,24 0 1,0 0 0,0 1-16,0-1 15,0 0 1,24-24-1,-24 24-15,24-24 16,-24 24 0,24-24-16,0 0 15,25 0 1,-25 0-16,0 0 16,0 0-1,-24 25-15,25-25 0,-1 0 16,0 0-1,-24-25 64</inkml:trace>
-          <inkml:trace contextRef="#ctx0" brushRef="#br0" timeOffset="-3078.2048">-732 1475 0,'-24'25'110,"0"-1"-95,24 0 1,-24 0-16,24 0 16,0 1-1,24-25 16,0 0-31,0 0 16,0 0 0,0 0-16,1 0 15,-1 0 1,-24-25-16,24 25 16,-24-24-1,0 0-15,24 24 16,-24-24-16,0 0 15,0-1-15,0 1 16,0 0 0,-24 0-1,0 24 1,0 0-16,-1 0 16,1 0-1,0 0-15,24 24 16,-24-24-16</inkml:trace>
+          <inkml:trace contextRef="#ctx0" brushRef="#br0" timeOffset="-3078.2046">-732 1475 0,'-24'25'110,"0"-1"-95,24 0 1,-24 0-16,24 0 16,0 1-1,24-25 16,0 0-31,0 0 16,0 0 0,0 0-16,1 0 15,-1 0 1,-24-25-16,24 25 16,-24-24-1,0 0-15,24 24 16,-24-24-16,0 0 15,0-1-15,0 1 16,0 0 0,-24 0-1,0 24 1,0 0-16,-1 0 16,1 0-1,0 0-15,24 24 16,-24-24-16</inkml:trace>
           <inkml:trace contextRef="#ctx0" brushRef="#br0" timeOffset="-1804.0333">-442 1451 0,'0'145'172,"0"-120"-172,25-25 31,-1 0 1,-24-25-1,24 25-31,-24-24 15,24 24-15,-24-24 16,24 0-16,-24 0 16,25 48 109,-25 0-110,0 0 1,24-24 46,0 0-46,-24-24-16,24 0 31,0 24-15,-24-24-16,24-1 16,-24 50 93,0-1-93,0 0-1,0 0-15,0 0 16</inkml:trace>
           <inkml:trace contextRef="#ctx0" brushRef="#br0" timeOffset="-737.0735">-55 1451 0,'0'24'78,"0"1"-78,0-1 16,0 0 0,0 0-1,0 0 1,25-24 0,-1 0 46,-24-24-46,24 0-1,-24 0 17,24 24-32,-24 24 140,0 0-124,24-24-1,25-24 48,-1-24 15,-48 72 31,0 0-93,0 0 0,0 0-1,24-24 17</inkml:trace>
         </inkml:traceGroup>
@@ -9471,7 +10545,7 @@
               </emma:one-of>
             </emma:emma>
           </inkml:annotationXML>
-          <inkml:trace contextRef="#ctx0" brushRef="#br0" timeOffset="1346.3673">913 1161 0,'0'24'47,"0"0"-32,0 1-15,0-1 0,0 0 16,0 24-16,0-24 15,-24 25-15,24-25 16,0 0-16,-24 25 16,24-25-16,0 0 15,0 0 1,0 0 0,24-24 15,0 0-16,0 0 1,25 0-16,-25 0 16,0-24-1</inkml:trace>
+          <inkml:trace contextRef="#ctx0" brushRef="#br0" timeOffset="1346.3672">913 1161 0,'0'24'47,"0"0"-32,0 1-15,0-1 0,0 0 16,0 24-16,0-24 15,-24 25-15,24-25 16,0 0-16,-24 25 16,24-25-16,0 0 15,0 0 1,0 0 0,24-24 15,0 0-16,0 0 1,25 0-16,-25 0 16,0-24-1</inkml:trace>
         </inkml:traceGroup>
         <inkml:traceGroup>
           <inkml:annotationXML>
@@ -9561,9 +10635,436 @@
           <inkml:channelProperty channel="T" name="resolution" value="1" units="1/dev"/>
         </inkml:channelProperties>
       </inkml:inkSource>
-      <inkml:timestamp xml:id="ts0" timeString="2017-12-28T06:50:42.133"/>
+      <inkml:timestamp xml:id="ts0" timeString="2018-01-01T16:38:56.922"/>
     </inkml:context>
     <inkml:brush xml:id="br0">
+      <inkml:brushProperty name="width" value="0.10583" units="cm"/>
+      <inkml:brushProperty name="height" value="0.10583" units="cm"/>
+      <inkml:brushProperty name="color" value="#C00000"/>
+      <inkml:brushProperty name="fitToCurve" value="1"/>
+    </inkml:brush>
+    <inkml:brush xml:id="br1">
+      <inkml:brushProperty name="width" value="0.07938" units="cm"/>
+      <inkml:brushProperty name="height" value="0.07938" units="cm"/>
+      <inkml:brushProperty name="color" value="#00B050"/>
+      <inkml:brushProperty name="fitToCurve" value="1"/>
+    </inkml:brush>
+  </inkml:definitions>
+  <inkml:traceGroup>
+    <inkml:annotationXML>
+      <emma:emma xmlns:emma="http://www.w3.org/2003/04/emma" version="1.0">
+        <emma:interpretation id="{D5971C56-88BE-42CA-B2BE-CE03D3EAC5DD}" emma:medium="tactile" emma:mode="ink">
+          <msink:context xmlns:msink="http://schemas.microsoft.com/ink/2010/main" type="writingRegion" rotatedBoundingBox="10744,3500 18610,3689 18527,7135 10661,6946"/>
+        </emma:interpretation>
+      </emma:emma>
+    </inkml:annotationXML>
+    <inkml:traceGroup>
+      <inkml:annotationXML>
+        <emma:emma xmlns:emma="http://www.w3.org/2003/04/emma" version="1.0">
+          <emma:interpretation id="{1B43CA78-A38B-4537-BEEC-0726DC979685}" emma:medium="tactile" emma:mode="ink">
+            <msink:context xmlns:msink="http://schemas.microsoft.com/ink/2010/main" type="paragraph" rotatedBoundingBox="10751,3394 18615,3740 18567,4818 10703,4473" alignmentLevel="1"/>
+          </emma:interpretation>
+        </emma:emma>
+      </inkml:annotationXML>
+      <inkml:traceGroup>
+        <inkml:annotationXML>
+          <emma:emma xmlns:emma="http://www.w3.org/2003/04/emma" version="1.0">
+            <emma:interpretation id="{459AFC72-3D71-4894-B2B9-A1391C7BC3B8}" emma:medium="tactile" emma:mode="ink">
+              <msink:context xmlns:msink="http://schemas.microsoft.com/ink/2010/main" type="inkBullet" rotatedBoundingBox="10743,3570 11515,3604 11512,3661 10741,3628"/>
+            </emma:interpretation>
+            <emma:one-of disjunction-type="recognition" id="oneOf0">
+              <emma:interpretation id="interp0" emma:lang="" emma:confidence="0">
+                <emma:literal>-</emma:literal>
+              </emma:interpretation>
+            </emma:one-of>
+          </emma:emma>
+        </inkml:annotationXML>
+      </inkml:traceGroup>
+      <inkml:traceGroup>
+        <inkml:annotationXML>
+          <emma:emma xmlns:emma="http://www.w3.org/2003/04/emma" version="1.0">
+            <emma:interpretation id="{BF72A795-D27B-436E-A86B-8AA0F3B7AFF7}" emma:medium="tactile" emma:mode="ink">
+              <msink:context xmlns:msink="http://schemas.microsoft.com/ink/2010/main" type="line" rotatedBoundingBox="12349,3465 18615,3740 18567,4818 12302,4543"/>
+            </emma:interpretation>
+          </emma:emma>
+        </inkml:annotationXML>
+        <inkml:traceGroup>
+          <inkml:annotationXML>
+            <emma:emma xmlns:emma="http://www.w3.org/2003/04/emma" version="1.0">
+              <emma:interpretation id="{AE88698D-D05A-4674-BDFC-A9764C752793}" emma:medium="tactile" emma:mode="ink">
+                <msink:context xmlns:msink="http://schemas.microsoft.com/ink/2010/main" type="inkWord" rotatedBoundingBox="12323,4076 12620,4089 12600,4556 12302,4543"/>
+              </emma:interpretation>
+            </emma:emma>
+          </inkml:annotationXML>
+          <inkml:trace contextRef="#ctx0" brushRef="#br0">1669 2663 0,'24'24'47,"0"-24"-31,0 0-1,1-24 1,-1 24 0,0 0-16,-24-24 15,24 24 1,-24-24 0,0-1 15,0 1-16,0 0 1,-24 24 0,24-24-16,-24 24 15,0 0 1,-1 0 15,1 0-15,0 0-1,0 0 1,24 24 0,-24-24-16,0 24 47,-25 97 15,49-97-62,-24 1 16,24-1-1,0 0-15,0 0 16,0 0 0,0 0-16,24 1 15,-24-1 1,24 0-1,-24 0-15,25-24 16,-25 24 0,24-24-16,0 0 15,0 0-15,24 0 16,-23 0-16,-1-24 16,0 24-16,0-24 0</inkml:trace>
+        </inkml:traceGroup>
+        <inkml:traceGroup>
+          <inkml:annotationXML>
+            <emma:emma xmlns:emma="http://www.w3.org/2003/04/emma" version="1.0">
+              <emma:interpretation id="{A64E2151-71EC-40FF-99F1-45A2F1F5A998}" emma:medium="tactile" emma:mode="ink">
+                <msink:context xmlns:msink="http://schemas.microsoft.com/ink/2010/main" type="inkWord" rotatedBoundingBox="13718,3599 15778,3689 15737,4610 13677,4520"/>
+              </emma:interpretation>
+              <emma:one-of disjunction-type="recognition" id="oneOf1">
+                <emma:interpretation id="interp1" emma:lang="" emma:confidence="1">
+                  <emma:literal/>
+                </emma:interpretation>
+              </emma:one-of>
+            </emma:emma>
+          </inkml:annotationXML>
+          <inkml:trace contextRef="#ctx0" brushRef="#br0" timeOffset="9121.4859">2975 2082 0,'24'0'156,"1"0"-156,-1 0 16,0 0-16,0 0 15,-24 25-15,24-25 16,1 0-16,-1 0 0,0 0 16,-24 24-16,24-24 15,0 0 1,25 121 31,-25-121-32,-24 24-15,0 0 16,0 0 0,0 0-16,0 1 15,0-1 1,0 0-1,-24-24-15,24 24 16,-25-24 0,25 24-16,-24-24 0,0 25 15,0-1 1,0-24 0,24 24-16,-24-24 15,-1 0 16,1 0-15,0 0 15,0 0-15,0 0 15,24 24 125,24-24-140,0 24 0,0 1-1,0-1 1,1 0 0,-1 0-1,0-24 1,-24 24-16,24-24 15,-24 25 1,24-25 0,-24 24-1,24-24-15,-24 24 16,25-24 0,-25 24-16,0 0 31,24-24-31,-24 24 31,0 1 0</inkml:trace>
+          <inkml:trace contextRef="#ctx0" brushRef="#br0" timeOffset="10748.7616">3604 2639 0,'24'0'94,"1"0"-63,47-24 47,-72-1-78,0 1 31,0 0 1,-24 0-1,0 24 0,0 0-15,24-24-1,-25 24 1,1 0 0,24 24-1,-24-24 1,0 0-1,24 24 1,-24-24 0,24 24-16,0 0 31,-25-24-31,25 25 16,-24-1-1,24 0 1,0 0-1,0 0 1,0 1 0,0-1-1,0 0-15,0 0 16,0 0 0,0 0-1,24 1 1,1-25-1,-1 24 1,0-24 0,0 0-16,0 0 15,1 0-15,-1 0 16,0 0 0,-24-24-1</inkml:trace>
+          <inkml:trace contextRef="#ctx0" brushRef="#br0" timeOffset="13162.9143">3943 2397 0,'24'0'156,"0"0"-140,0 0-16,1 0 15,-1 0 1,0 0-16,0 0 16,0 0-1</inkml:trace>
+          <inkml:trace contextRef="#ctx0" brushRef="#br0" timeOffset="12352.9625">4161 2131 0,'0'-24'63,"0"-1"15,-25 25-63,1 0 1,0 0 15,0 25-15,0-1 15,24 0-15,0 0-16,-25 0 15,25 1-15,0-1 16,0 0-16,0 0 16,0 0-16,0 0 15,0 1-15,0-1 16,0 0-16,0 0 16,0 25-16,0-25 15,0 0-15,0 0 16,0 0-16,0 1 15,0-1-15,0 0 16,0 0-16,0 0 16,0 1-1,0-1 1,25 0-16,-25 0 16,0 0-1,0 0 16,24-24 48</inkml:trace>
+          <inkml:trace contextRef="#ctx0" brushRef="#br0" timeOffset="14806.9225">4402 2566 0,'-24'0'109,"0"24"-93,0 1-1,0-25-15,24 24 16,-25-24-16,1 24 15,0-24 1,24 24-16,-24 0 16,24 1-1,0-1 1,0 0 15,0 0 16,24-24-31,0 0 15,0 0-31,1 0 31,-1 0-15,0 0-16,-24-24 15,24 24-15,0-24 16,1 0 15,-1 24-15,-24-25 0,0 1-1,24 24-15,-24-24 16,0 0-1,0 0 1,0-1 15,0 50 157,0-1-173,0 0 1,0 0-16,0 0 16,0 1-1,0-1 1,0 0 0,0 0-1,24-24 1,0 0-1,1 0-15,-1 0 16,0 0-16,0-24 0</inkml:trace>
+          <inkml:trace contextRef="#ctx0" brushRef="#br0" timeOffset="16132.6793">4959 2542 0,'24'-24'62,"-48"24"1,0 0-48,-1 0 16,1 0-15,0 0 15,0 0-15,24 24 0,-24-24-16,24 24 15,-25-24 1,25 24-1,-24-24-15,24 25 0,0-1 16,-24-24 0,24 24-16,0 0 15,0 0 1,0 1 0,24-25-1,-24 24 1,24-24-16,-24 24 15,25-24 1,-1 0 0,0 0-16,0 24 15,0-24-15,1 0 16,-1 0-16,0 0 16</inkml:trace>
+          <inkml:trace contextRef="#ctx0" brushRef="#br0" timeOffset="7306.6187">2951 2082 0,'0'25'94,"0"-1"-79,0 0 1,0 0 0,0 0-16,0 25 0,0-25 15,0 0-15,0 0 16,0 0-16,0 1 16,0 23-16,0-24 15,0 0-15,0 1 16,0-1-16,0 0 15,24 0-15,-24 0 16,0 1 0,0-1-16,0 0 15,0 0-15,0 0 16,0 1 0,0-1-1,0 0-15,0 0 16,0 0-16,0 0 15,0 1 17,0-1-1,0 0-15,0 0 15,0-48 0</inkml:trace>
+        </inkml:traceGroup>
+        <inkml:traceGroup>
+          <inkml:annotationXML>
+            <emma:emma xmlns:emma="http://www.w3.org/2003/04/emma" version="1.0">
+              <emma:interpretation id="{7CDCD7AA-B1C2-435A-911C-C8AED400DCC6}" emma:medium="tactile" emma:mode="ink">
+                <msink:context xmlns:msink="http://schemas.microsoft.com/ink/2010/main" type="inkWord" rotatedBoundingBox="16049,3627 17072,3672 17036,4492 16013,4447"/>
+              </emma:interpretation>
+              <emma:one-of disjunction-type="recognition" id="oneOf2">
+                <emma:interpretation id="interp2" emma:lang="" emma:confidence="1">
+                  <emma:literal/>
+                </emma:interpretation>
+              </emma:one-of>
+            </emma:emma>
+          </inkml:annotationXML>
+          <inkml:trace contextRef="#ctx0" brushRef="#br0" timeOffset="21960.7411">5297 2058 0,'0'24'109,"0"1"-109,0-1 16,0 0-16,0 0 15,0 0-15,0 1 16,0-1-16,0 0 16,0 0-16,0 0 15,0 0-15,0 1 16,0-1-16,0 0 15,0 0-15,0 0 16,0 1-16,0-1 16,0 0-1,0 0-15,0 0 16,0 1-16,0-1 16,0 0-1,0 0-15,0 0 16,0 1-1,0-1 1,0 0 0,0 0-1,0 0 1,0 0 0,25-24-1,-25 25 1,24-25-16,0 0 15,0 0 1,0 0 0,1 0-1</inkml:trace>
+          <inkml:trace contextRef="#ctx0" brushRef="#br0" timeOffset="22764.2389">5273 2324 0,'0'24'62,"0"1"-15,24-25-31,1 0-16,-1 0 15,0 0 1,0 0-16,0 0 16,1-25-1,-1 25 1</inkml:trace>
+          <inkml:trace contextRef="#ctx0" brushRef="#br0" timeOffset="24360.8977">5757 2494 0,'-24'0'94,"0"24"-47,0-24-47,24 24 15,-25 0-15,25 0 32,-24-24-32,24 25 15,0-1 1,0 0-16,0 0 15,0 49 32,24-73-31,-24 24 0,25-24-16,-1 0 15,0 24 16,0-24 1,0-24-17,0 24 1,-24-24-16,25 24 16,-25-24-16,24 24 31,-24-25-31,24 1 15,-24 0 1,0 0-16,0 0 16,0-1-1,0 1-15,0 0 16,-24 0 15,0 24-15,-1 0-1,25-24 1,-24 24 0,0 0-1,0 0 1,24 24 0</inkml:trace>
+          <inkml:trace contextRef="#ctx0" brushRef="#br0" timeOffset="25531.1248">6023 2639 0,'24'-24'62,"-24"-1"-62,25 1 31,-1 24-15,0 0 46,-24 24-46,24 1 0,-24-1-1,0 0 1,0 0 15,0 0-31,0 1 31,0-1-31,0-48 94,0-1-78,0 1-1,24 0-15,-24 0 16,25 0-16,-25-1 16,24 1-1,-24 0 1,24 24-16,-24-24 16,24 24-1,0 0 1</inkml:trace>
+        </inkml:traceGroup>
+        <inkml:traceGroup>
+          <inkml:annotationXML>
+            <emma:emma xmlns:emma="http://www.w3.org/2003/04/emma" version="1.0">
+              <emma:interpretation id="{D7DBE943-D902-471C-BA78-008FA8ACF1DC}" emma:medium="tactile" emma:mode="ink">
+                <msink:context xmlns:msink="http://schemas.microsoft.com/ink/2010/main" type="inkWord" rotatedBoundingBox="17324,3696 18614,3753 18573,4698 17283,4641"/>
+              </emma:interpretation>
+              <emma:one-of disjunction-type="recognition" id="oneOf3">
+                <emma:interpretation id="interp3" emma:lang="" emma:confidence="0">
+                  <emma:literal>5</emma:literal>
+                </emma:interpretation>
+                <emma:interpretation id="interp4" emma:lang="" emma:confidence="0">
+                  <emma:literal>s</emma:literal>
+                </emma:interpretation>
+                <emma:interpretation id="interp5" emma:lang="" emma:confidence="0">
+                  <emma:literal>S</emma:literal>
+                </emma:interpretation>
+                <emma:interpretation id="interp6" emma:lang="" emma:confidence="0">
+                  <emma:literal>4</emma:literal>
+                </emma:interpretation>
+                <emma:interpretation id="interp7" emma:lang="" emma:confidence="0">
+                  <emma:literal>§</emma:literal>
+                </emma:interpretation>
+              </emma:one-of>
+            </emma:emma>
+          </inkml:annotationXML>
+          <inkml:trace contextRef="#ctx0" brushRef="#br0" timeOffset="31514.5216">7837 2469 0,'-24'0'141,"0"0"-141,0 0 15,0 0 1,24 25-16,-24-25 15,-1 0-15,25 24 32,-24-24-17,24 24 32,0 0-31,0 0-1,24 1 1,-24-1 0,25-24-1,-1 0 1,0 24 0,0-24 15,-24 24-16,0 0 32,24-24-47,-24 25 16,0-1 15,0 0 0,0 0-15,-24-24 0,24 24-1,-24-24 1,0 0 0,0 0-16,-1 0 15,1 0 1,0 0-16,0 0 15,0 0-15,-25-96 79</inkml:trace>
+          <inkml:trace contextRef="#ctx0" brushRef="#br0" timeOffset="26415.2274">6555 2542 0,'25'-24'62,"-25"48"-15,0 0-47,0 0 16,0 1-16,-25-25 15,25 24-15,0 0 16,0 0-16,0 0 16,0 1-1,0-1 1,-24 0 0</inkml:trace>
+          <inkml:trace contextRef="#ctx0" brushRef="#br0" timeOffset="27083.3843">6604 2324 0,'24'-72'47,"-24"48"-31,24-1-1,-24 1 1,0 0 0,0 0-1</inkml:trace>
+          <inkml:trace contextRef="#ctx0" brushRef="#br0" timeOffset="28381.2341">6773 2518 0,'0'24'78,"0"0"-62,0 0 0,0 1-1,0-1-15,0 0 16,0 0-1,0 0-15,0 1 32,24-25-1,0 0 0,1-25-15,-25 1-16,24 24 15,-24-24-15,24 0 16,-24 0-16,24 24 16,-24-25-16,0 1 15,24 24 1,1 0 0,-25-24-1,24 24 16,-24 24 48,0 0-64,0 1-15,24-25 16,-24 24-16,0 0 15,0 0 1,0 0 0,0 1-16,0-1 15</inkml:trace>
+          <inkml:trace contextRef="#ctx0" brushRef="#br0" timeOffset="29834.0998">7305 2518 0,'-48'0'63,"48"24"-63,-24-24 15,24 24 1,-24 0-1,24 1-15,0-1 16,-25 0-16,25 0 16,0 0-1,25-24 17,-1 0-17,24 0-15,-24-24 16,0 0-16,1 24 15,-1-24-15,0 24 16,-24-24-16,0-1 31,0 1-15,-24 24 109,24 24-94,0 1-15,0-1-1,-24-24 1,24 97 15,0-73-31,0 0 16,-25 0-16,25 0 16,0 0-1,0 1 1,-24-1-1,24 0 1,-24 0-16,24 0 16,-24 1-1,0-1 1,24 0-16,-24-24 16,24 24-16,-25-24 15,1 0-15,0 24 16,0-24 15,24-24-15,0 0-1,0 0 1,0 0-16,0-1 16,24 25-16,-24-24 15,24 0-15,0 0 0,1 24 31,-25-24-31,24 24 0,0 0 16,0 0 0,0 0-16,0 0 15,1-25-15</inkml:trace>
+        </inkml:traceGroup>
+      </inkml:traceGroup>
+    </inkml:traceGroup>
+    <inkml:traceGroup>
+      <inkml:annotationXML>
+        <emma:emma xmlns:emma="http://www.w3.org/2003/04/emma" version="1.0">
+          <emma:interpretation id="{7D9075B3-C422-426E-8172-2B1C41D674FD}" emma:medium="tactile" emma:mode="ink">
+            <msink:context xmlns:msink="http://schemas.microsoft.com/ink/2010/main" type="paragraph" rotatedBoundingBox="12840,5307 18042,5264 18057,7058 12855,7100" alignmentLevel="2"/>
+          </emma:interpretation>
+        </emma:emma>
+      </inkml:annotationXML>
+      <inkml:traceGroup>
+        <inkml:annotationXML>
+          <emma:emma xmlns:emma="http://www.w3.org/2003/04/emma" version="1.0">
+            <emma:interpretation id="{74845B7F-94AA-4A11-A92B-A6BEE934D912}" emma:medium="tactile" emma:mode="ink">
+              <msink:context xmlns:msink="http://schemas.microsoft.com/ink/2010/main" type="inkBullet" rotatedBoundingBox="12844,5830 12917,5829 12918,5901 12845,5902"/>
+            </emma:interpretation>
+            <emma:one-of disjunction-type="recognition" id="oneOf4">
+              <emma:interpretation id="interp8" emma:lang="" emma:confidence="0">
+                <emma:literal>•</emma:literal>
+              </emma:interpretation>
+            </emma:one-of>
+          </emma:emma>
+        </inkml:annotationXML>
+        <inkml:trace contextRef="#ctx0" brushRef="#br1" timeOffset="58184.2064">2129 4308 0,'-25'0'234,"25"-24"-155,0 0-48,25 24 0,-1 0 0,-24 24-15,0 0 15,-24 0 16,-1-24-31,1-24-1,24 0 17,0 0 14</inkml:trace>
+      </inkml:traceGroup>
+      <inkml:traceGroup>
+        <inkml:annotationXML>
+          <emma:emma xmlns:emma="http://www.w3.org/2003/04/emma" version="1.0">
+            <emma:interpretation id="{AED20A85-E469-40FB-8BDD-BD0D75666F84}" emma:medium="tactile" emma:mode="ink">
+              <msink:context xmlns:msink="http://schemas.microsoft.com/ink/2010/main" type="line" rotatedBoundingBox="13058,5305 18042,5264 18048,5924 13063,5965"/>
+            </emma:interpretation>
+          </emma:emma>
+        </inkml:annotationXML>
+        <inkml:traceGroup>
+          <inkml:annotationXML>
+            <emma:emma xmlns:emma="http://www.w3.org/2003/04/emma" version="1.0">
+              <emma:interpretation id="{422DAB28-40E7-4A45-8145-9FD1EF46112D}" emma:medium="tactile" emma:mode="ink">
+                <msink:context xmlns:msink="http://schemas.microsoft.com/ink/2010/main" type="inkWord" rotatedBoundingBox="13062,5806 13352,5804 13353,5901 13063,5904"/>
+              </emma:interpretation>
+              <emma:one-of disjunction-type="recognition" id="oneOf5">
+                <emma:interpretation id="interp9" emma:lang="" emma:confidence="1">
+                  <emma:literal/>
+                </emma:interpretation>
+              </emma:one-of>
+            </emma:emma>
+          </inkml:annotationXML>
+          <inkml:trace contextRef="#ctx0" brushRef="#br1" timeOffset="59556.6353">2322 4332 0,'24'0'62,"0"0"16,-48 0 63,24-24-125,0 0-1,0 0 17,24 24 61,-24 24-93,0 0 78,-24-24-46,0 0-17,0 0 1,24-24 31,24 24-16,-24-24-31</inkml:trace>
+          <inkml:trace contextRef="#ctx0" brushRef="#br1" timeOffset="61132.2001">2588 4308 0,'-24'0'250,"0"-24"-234,24 0 30,0-1-14,24 25-17,0 0 17,-24 25 14,0-1-30,0 0 15,-24-24-15,0 0 15,24-24 16,24 24 0,0 0 0,-24 24-16,-24 0 0,0-24-31,0 0 16,-1 0 15</inkml:trace>
+        </inkml:traceGroup>
+        <inkml:traceGroup>
+          <inkml:annotationXML>
+            <emma:emma xmlns:emma="http://www.w3.org/2003/04/emma" version="1.0">
+              <emma:interpretation id="{389F08C9-04B6-4C30-981D-C72B0463DE6C}" emma:medium="tactile" emma:mode="ink">
+                <msink:context xmlns:msink="http://schemas.microsoft.com/ink/2010/main" type="inkWord" rotatedBoundingBox="13739,5299 15261,5287 15267,5947 13745,5959"/>
+              </emma:interpretation>
+              <emma:one-of disjunction-type="recognition" id="oneOf6">
+                <emma:interpretation id="interp10" emma:lang="" emma:confidence="1">
+                  <emma:literal/>
+                </emma:interpretation>
+              </emma:one-of>
+            </emma:emma>
+          </inkml:annotationXML>
+          <inkml:trace contextRef="#ctx0" brushRef="#br1" timeOffset="65459.7762">3556 3776 0,'0'24'125,"0"0"-125,0 0 15,0 0-15,0 1 16,0-1-16,0 0 16,0 24-16,0-23 15,0-1-15,0 0 16,0 0-16,0 25 15,0-25 1,0 0-16,0 0 16,0 0-16,0 1 15,-24-1 1,48-48 46,-24-1-46,24 25 0,-24-24-16,24 0 15,-24 0 1,24 24 0,-24-24-16,25-1 15,-25 1 1,24 24-1,0 0 32,0 24 0,-24 1-31,0-1-1,0 0 1,0 0 15,0 0-15,0 1 0,0-1-16,0 0 31</inkml:trace>
+          <inkml:trace contextRef="#ctx0" brushRef="#br1" timeOffset="66418.9441">3846 4090 0,'24'24'62,"25"-24"1,-25 0-48,0 0 1,0-24 0,0 0-1,-24 0 1,0 0 15,0-1 0,-24 25-15,0 0 15,0 0-15,0 0-1,-1 0 17,1 0-17,24 25 1,-24-25 0,24 24-1,0 0 1,0 0-1,0 0-15,0 1 0,0-1 16,0 0 0,0 0-16,0 0 15,0 1 1,0-1 0,24-24-16,-24 24 15,24-24 1,1 0-1,-1 0-15</inkml:trace>
+          <inkml:trace contextRef="#ctx0" brushRef="#br1" timeOffset="63870.2043">2975 3776 0,'24'0'156,"1"0"-156,-1 0 16,0 0-16,0 0 15,0 0-15,1 0 16,-1 0-16,0 0 16,0-24-16,0 24 15,0 0-15,1 0 16,-1 0 0,0-25-16,0 25 15,0 0-15,1 0 16,-1 0 15,0 0 0</inkml:trace>
+          <inkml:trace contextRef="#ctx0" brushRef="#br1" timeOffset="62945.4098">3217 3776 0,'0'24'125,"0"0"-125,0 0 15,0 0-15,0 1 16,0 23-16,0-24 16,0 0-16,0 25 15,0-25-15,-24 0 16,24 25-16,0-25 16,0 0-16,0 0 15,0 0-15,0 1 16,0-1-1,-24-24 17</inkml:trace>
+          <inkml:trace contextRef="#ctx0" brushRef="#br1" timeOffset="67116.0441">4185 4042 0,'-24'0'63,"48"0"-32,0 24-16,0 0-15,0-24 32,0 24-32,1-24 15,-1 25 1,0-25 0</inkml:trace>
+          <inkml:trace contextRef="#ctx0" brushRef="#br1" timeOffset="67612.3895">4499 3993 0,'-24'0'62,"24"25"-62,-24-25 16,0 24-16,-1 0 15,1 0-15,0 25 16,0-25-16,0 0 16,-1 24-16,1-23 15,24-1-15,-24 0 16,24 0-16,-24 0 15,0-24-15,24 24 16,0-48 47,24 24-63</inkml:trace>
+        </inkml:traceGroup>
+        <inkml:traceGroup>
+          <inkml:annotationXML>
+            <emma:emma xmlns:emma="http://www.w3.org/2003/04/emma" version="1.0">
+              <emma:interpretation id="{8E944055-2F84-462F-A734-E01B9BA8DF25}" emma:medium="tactile" emma:mode="ink">
+                <msink:context xmlns:msink="http://schemas.microsoft.com/ink/2010/main" type="inkWord" rotatedBoundingBox="15624,5549 16981,5538 16984,5870 15627,5881"/>
+              </emma:interpretation>
+              <emma:one-of disjunction-type="recognition" id="oneOf7">
+                <emma:interpretation id="interp11" emma:lang="" emma:confidence="1">
+                  <emma:literal/>
+                </emma:interpretation>
+              </emma:one-of>
+            </emma:emma>
+          </inkml:annotationXML>
+          <inkml:trace contextRef="#ctx0" brushRef="#br1" timeOffset="71526.3206">5539 4066 0,'0'24'78,"0"0"-62,0 1-1,0-1 1,0 0-1,0 0-15,0 0 16,0 1 0,0-1 15,25-24 0,-25-24 0,24 24-31,-24-25 16,24 25-16,0-24 0,-24 0 16,0 0-1,24 24-15,-24-24 16,25-1 0,-25 50 109,0-1-94,0 0-31,0 0 31,24-24 0,0 0 1,-24-24-17,24 24-15,-24-24 16,24 24-16,0-24 15,1-1 17,-25 74 77,0-25-93,0 0-1,0 0 1,0 1 0,24-25 15</inkml:trace>
+          <inkml:trace contextRef="#ctx0" brushRef="#br1" timeOffset="72291.1208">6047 4114 0,'25'0'47,"-1"0"-32,0 0 1,0 0 0,0 0-1,1 0 16,-1-24-15,-24 0 0,0 0-1,0 0 1,0-1 0,-24 1-1,-1 24 1,1 0-1,0 0-15,0 0 32,24 24-32,-24-24 0,24 25 15,-25-25-15,1 24 16,24 0 0,-24-24-16,24 24 15,-24 0 1,24 1-16,0-1 15,0 0 1,0 0 0,0 0-1,0 1 1,24-25 0,0 0-16,0 0 15,1 0-15,-1 0 16,0 0-16,0 0 0,0 0 15</inkml:trace>
+          <inkml:trace contextRef="#ctx0" brushRef="#br1" timeOffset="69246.5144">5104 4042 0,'-24'0'94,"0"0"-78,-1 0-1,1 0 1,0 0 0,0 0-1,24 24 1,-24-24-16,-1 24 15,1-24 1,24 24 0,-24 1-16,24-1 15,0 0 1,0 0 0,0 0-1,0 1 1,24-25-1,25 24 1,-25-24-16,0 0 16,0 0-16,0 0 15,1 0-15,-1 0 16,0-24 0</inkml:trace>
+          <inkml:trace contextRef="#ctx0" brushRef="#br1" timeOffset="70132.7314">5249 4090 0,'0'24'62,"0"1"-46,0-1-16,-24 0 16,24 0-1,0 0 1,0 1-16,0-1 15,24-24 1,-24 24 0,24-24-1,0 0 1,1 0 0,-1-24-16,0 0 15,0-1 1,0-23 15,1 48-31,-25-24 16,0 0-1,0-1 1,0 1-16,-25 0 16,1 24 15,0 0-16,0 0-15,0 0 16,-1 0 0,1 0-1,24 24-15,-24-24 16,24 24 0,-24-24-16</inkml:trace>
+        </inkml:traceGroup>
+        <inkml:traceGroup>
+          <inkml:annotationXML>
+            <emma:emma xmlns:emma="http://www.w3.org/2003/04/emma" version="1.0">
+              <emma:interpretation id="{A07D73F1-A9B7-42E5-87B6-C8B62A093D2B}" emma:medium="tactile" emma:mode="ink">
+                <msink:context xmlns:msink="http://schemas.microsoft.com/ink/2010/main" type="inkWord" rotatedBoundingBox="17567,5273 18043,5269 18047,5829 17572,5833"/>
+              </emma:interpretation>
+              <emma:one-of disjunction-type="recognition" id="oneOf8">
+                <emma:interpretation id="interp12" emma:lang="" emma:confidence="1">
+                  <emma:literal/>
+                </emma:interpretation>
+              </emma:one-of>
+            </emma:emma>
+          </inkml:annotationXML>
+          <inkml:trace contextRef="#ctx0" brushRef="#br1" timeOffset="73467.5277">6821 3993 0,'0'25'125,"0"-1"-109,0 0-16,0 0 15,0 0-15,0 1 16,0-1-16,0 0 15,0 0 1,0 0 0</inkml:trace>
+          <inkml:trace contextRef="#ctx0" brushRef="#br1" timeOffset="74091.4319">6846 3824 0,'24'0'47,"-24"-24"-31,0 0-1,0 0 1,24-1-16,-24 1 31</inkml:trace>
+          <inkml:trace contextRef="#ctx0" brushRef="#br1" timeOffset="75178.1193">7015 4042 0,'0'24'78,"0"0"-62,0 0 0,0 1-16,0-1 15,24 0 1,-24 0-16,0 0 15,24-24 48,1-24-47,-1 24-1,-24-24-15,24 0 16,0 0-1,0-25 1,1 49-16,-25-24 16,24 24-1,-24-24 1,24 24 15,0 24 16,-24 0-31,0 0-16,0 1 15,0-1-15,0 0 16,0 0 0,0 0-1,0 1 1</inkml:trace>
+        </inkml:traceGroup>
+      </inkml:traceGroup>
+      <inkml:traceGroup>
+        <inkml:annotationXML>
+          <emma:emma xmlns:emma="http://www.w3.org/2003/04/emma" version="1.0">
+            <emma:interpretation id="{48FB6D5F-CE63-4B69-A150-5A2A813B4D61}" emma:medium="tactile" emma:mode="ink">
+              <msink:context xmlns:msink="http://schemas.microsoft.com/ink/2010/main" type="line" rotatedBoundingBox="13633,6169 17588,6265 17567,7112 13613,7017"/>
+            </emma:interpretation>
+          </emma:emma>
+        </inkml:annotationXML>
+        <inkml:traceGroup>
+          <inkml:annotationXML>
+            <emma:emma xmlns:emma="http://www.w3.org/2003/04/emma" version="1.0">
+              <emma:interpretation id="{45D962D6-83F3-48AE-BDAC-985C9772AB0C}" emma:medium="tactile" emma:mode="ink">
+                <msink:context xmlns:msink="http://schemas.microsoft.com/ink/2010/main" type="inkWord" rotatedBoundingBox="13629,6355 13923,6362 13907,7021 13613,7014"/>
+              </emma:interpretation>
+              <emma:one-of disjunction-type="recognition" id="oneOf9">
+                <emma:interpretation id="interp13" emma:lang="" emma:confidence="1">
+                  <emma:literal/>
+                </emma:interpretation>
+              </emma:one-of>
+            </emma:emma>
+          </inkml:annotationXML>
+          <inkml:trace contextRef="#ctx0" brushRef="#br1" timeOffset="80329.0266">3096 4792 0,'24'0'15,"-48"24"189,0 0-189,0 0 1,0 0-16,24 1 15,-25-1-15,25 0 16,-24-24-16,24 24 16,0 0-16,-24 1 15,24-1 1,-24 0-16,24 0 16,0 0-16,0 1 15,-24-1-15,24 0 16,0 0-16,-25 0 15,25 1-15,0-1 16,0 0-16,0 0 0,0 0 31,0 0-31,0 1 0,0-1 32,25-24-17,-1 0-15,0 0 16,0 0-1,0 0 1,1 0-16,-1-24 16,0-1-16,0 1 15,0 24-15,1-24 16,-25 0-16,0 0 16,0 0-16,0-1 15,0 1-15,0 0 16,-25 24-1,1-24-15,0 24 16,0 0 0,0 0-16,-1 0 15,1 0 1,0 0 0,0 0-1,0 0 1,-1 0-1,25 24 17,-24-24-32</inkml:trace>
+        </inkml:traceGroup>
+        <inkml:traceGroup>
+          <inkml:annotationXML>
+            <emma:emma xmlns:emma="http://www.w3.org/2003/04/emma" version="1.0">
+              <emma:interpretation id="{1CC19ABD-7F18-44B8-A90C-8ED5E22CBA97}" emma:medium="tactile" emma:mode="ink">
+                <msink:context xmlns:msink="http://schemas.microsoft.com/ink/2010/main" type="inkWord" rotatedBoundingBox="14497,6352 17060,6414 17044,7099 14480,7038"/>
+              </emma:interpretation>
+              <emma:one-of disjunction-type="recognition" id="oneOf10">
+                <emma:interpretation id="interp14" emma:lang="" emma:confidence="1">
+                  <emma:literal/>
+                </emma:interpretation>
+              </emma:one-of>
+            </emma:emma>
+          </inkml:annotationXML>
+          <inkml:trace contextRef="#ctx0" brushRef="#br1" timeOffset="82378.9268">3725 5082 0,'0'24'94,"24"-24"-94,0 0 15,1 0-15,-1 0 16,0 0-16,0 0 16,0 0-1</inkml:trace>
+          <inkml:trace contextRef="#ctx0" brushRef="#br1" timeOffset="83345.8195">4112 4792 0,'0'24'63,"0"0"-48,0 0 1,0 0-16,0 25 16,0-25-16,0 24 15,0-23-15,0 23 16,0-24-16,-24 0 16,24 1-16,0 23 15,0-24-15,0 0 0,0 1 16,-24-25-16,24 24 15,0 0-15,0 0 32,0 0-17,0 0 17,24-24-1,-24 25-31,24-25 31,0 0-15,1 0-16,-1 0 15,0 0-15,0 0 0</inkml:trace>
+          <inkml:trace contextRef="#ctx0" brushRef="#br1" timeOffset="81799.8001">3967 4864 0,'0'-48'47,"0"24"-16,-24 24 1,0 0-17,-1 0 16,1 24-15,24 0-16,-24-24 16,24 24-16,-24 25 15,24-25-15,-24 0 16,24 0-16,0 0 16,-25 25-16,25-25 0,0 0 15,0 0-15,0 1 16,0 23-16,0-24 15,0 0-15,0 1 16,0-1-16,0 0 16,0 0-16,0 0 15,0 0-15,0 1 16,0-1-16,0 0 16,-24-24 62</inkml:trace>
+          <inkml:trace contextRef="#ctx0" brushRef="#br1" timeOffset="84447.2761">4499 5203 0,'-24'0'78,"0"0"-62,0 0 0,-1 24-1,1 0 1,0-24-16,24 25 16,-24-1-16,24 0 15,-24 0 1,24 0-1,0 0 1,24-24 15,0 0-15,0 0-16,0 0 16,1 0-16,-1 0 15,-24-24 1,24 0-1,0 0 1,-24 0 0,0 0-16,24-1 15,-24 1 1,0 0 15,25 24-31,-25 24 78,-25 0-62,25 1-16,0-1 16,0 0-1,0 0-15,0 0 16,0 0-1,25-24 17,-1 0-32</inkml:trace>
+          <inkml:trace contextRef="#ctx0" brushRef="#br1" timeOffset="91991.985">4741 5179 0,'0'24'156,"0"0"-140,0 0-1,0 1 1,0-1 0,0 0-16,24 0 15,-24 0-15,24 25 31,-24-25-15,25-24 0,-1 0 46,0 0-46,-24-24-16,24 24 15,-24-25-15,0 1 16,24 24-16,-24-24 16,0 0-1,25 0 1,-25 0-16,0-1 16,24 1-16,-24 0 15,24 0 1,0 24-1,-24-24-15</inkml:trace>
+          <inkml:trace contextRef="#ctx0" brushRef="#br1" timeOffset="93152.0464">5177 5130 0,'-25'25'140,"1"-1"-124,24 0 0,0 0-16,-24 0 0,24 1 15,0-1 1,0 0-16,0 0 16,0 0-16,0 0 15,24-24 32,0 0-31,1 0-1,-1 0 1,0 0 15,-24-24-15,24 24-16,-24-24 15,0 0-15,24 24 16,-24-24-16,0 0 16,24-1-1,-24 1-15,0 0 16,0 0 0,0 0-1,-24 24 1,0-25-1,0 25 1,0 0 15,24-24-31,-24 24 16,-1 24 15</inkml:trace>
+          <inkml:trace contextRef="#ctx0" brushRef="#br1" timeOffset="94220.1885">5443 5179 0,'0'24'94,"0"0"-78,0 0-1,0 1-15,-25-1 16,25 0-16,0 0 15,0 0 1,0 0 0,25-24-1,-25 25 1,24-25 0,0 0-1,0 0 1,-24-25-1,24 25 1,-24-24 0,25 24-16,-25-24 15,0 0 1,24 24-16,-24-24 16,0 0-16,0-1 15,0 1 1,0 0 15</inkml:trace>
+          <inkml:trace contextRef="#ctx0" brushRef="#br1" timeOffset="95526.8826">5660 5276 0,'25'0'63,"-25"-25"-63,24 25 15,-24-24 1,24 24 0,0 0 31,0 0-1,-24 24-14,0 1-17,0-1 1,0 0 0,0 0-1,0 0 1,0-48 109,24 0-125,-24 0 15,25 0 1,-25-1-16,24 25 16,0-24-16,-24 0 15,24 24 1,-24-24 0,24 24 15</inkml:trace>
+          <inkml:trace contextRef="#ctx0" brushRef="#br1" timeOffset="96629.329">6289 5130 0,'-24'0'47,"0"0"-16,0 0-15,0 0 0,-1 0-1,1 0-15,0 0 16,24 25 0,-24-25-1,24 24-15,0 24 31,0-24-15,0 1 15,24-25 1,0 24-32,0-24 31,1 0 16,-25 24-16,0 0 16,0 0 0,0 0-32,-25 1 1,1-25 0,0 24-1,0-24 1,0 0-1,-1 0 1,25-24-16,-24 24 16,0 0-1,24-25 32</inkml:trace>
+        </inkml:traceGroup>
+        <inkml:traceGroup>
+          <inkml:annotationXML>
+            <emma:emma xmlns:emma="http://www.w3.org/2003/04/emma" version="1.0">
+              <emma:interpretation id="{4D91563A-3F26-4DDD-8975-6BEC70AD9EE9}" emma:medium="tactile" emma:mode="ink">
+                <msink:context xmlns:msink="http://schemas.microsoft.com/ink/2010/main" type="inkWord" rotatedBoundingBox="17434,6261 17588,6265 17569,7066 17415,7062"/>
+              </emma:interpretation>
+              <emma:one-of disjunction-type="recognition" id="oneOf11">
+                <emma:interpretation id="interp15" emma:lang="" emma:confidence="0">
+                  <emma:literal>!</emma:literal>
+                </emma:interpretation>
+                <emma:interpretation id="interp16" emma:lang="" emma:confidence="0">
+                  <emma:literal>?</emma:literal>
+                </emma:interpretation>
+                <emma:interpretation id="interp17" emma:lang="" emma:confidence="0">
+                  <emma:literal>bi</emma:literal>
+                </emma:interpretation>
+                <emma:interpretation id="interp18" emma:lang="" emma:confidence="0">
+                  <emma:literal>Cd</emma:literal>
+                </emma:interpretation>
+                <emma:interpretation id="interp19" emma:lang="" emma:confidence="0">
+                  <emma:literal>CM</emma:literal>
+                </emma:interpretation>
+              </emma:one-of>
+            </emma:emma>
+          </inkml:annotationXML>
+          <inkml:trace contextRef="#ctx0" brushRef="#br1" timeOffset="99072.0165">6676 5396 0,'25'0'47,"-1"0"-15,-24 25 46,0-1-47,-24 0-15,-1-24-1,1 0 16,24-24 1,0 0 15,24 24-16,1 0-16,-25 24 17,0 0-17,0 0 17,-25-24-1,1 0-16,24-24 1,0 0 0,0 0-16</inkml:trace>
+          <inkml:trace contextRef="#ctx0" brushRef="#br1" timeOffset="98201.1616">6821 4719 0,'0'-24'63,"0"48"30,0 0-77,0 25-16,-24-25 16,24 0-16,-24 24 15,0 1-15,24-25 16,0 24-16,-24 1 16,24-25-16,0 0 15,0 0-15,0 1 0,0-1 16,0 0-1,0-48 32</inkml:trace>
+        </inkml:traceGroup>
+      </inkml:traceGroup>
+    </inkml:traceGroup>
+  </inkml:traceGroup>
+</inkml:ink>
+</file>
+
+<file path=ppt/ink/ink75.xml><?xml version="1.0" encoding="utf-8"?>
+<inkml:ink xmlns:inkml="http://www.w3.org/2003/InkML">
+  <inkml:definitions>
+    <inkml:context xml:id="ctx0">
+      <inkml:inkSource xml:id="inkSrc0">
+        <inkml:traceFormat>
+          <inkml:channel name="X" type="integer" min="-1920" max="3840" units="cm"/>
+          <inkml:channel name="Y" type="integer" max="1080" units="cm"/>
+          <inkml:channel name="T" type="integer" max="2.14748E9" units="dev"/>
+        </inkml:traceFormat>
+        <inkml:channelProperties>
+          <inkml:channelProperty channel="X" name="resolution" value="109.29791" units="1/cm"/>
+          <inkml:channelProperty channel="Y" name="resolution" value="36.48649" units="1/cm"/>
+          <inkml:channelProperty channel="T" name="resolution" value="1" units="1/dev"/>
+        </inkml:channelProperties>
+      </inkml:inkSource>
+      <inkml:timestamp xml:id="ts0" timeString="2018-01-01T16:41:00.647"/>
+    </inkml:context>
+    <inkml:brush xml:id="br0">
+      <inkml:brushProperty name="width" value="0.10583" units="cm"/>
+      <inkml:brushProperty name="height" value="0.10583" units="cm"/>
+      <inkml:brushProperty name="color" value="#C00000"/>
+      <inkml:brushProperty name="fitToCurve" value="1"/>
+    </inkml:brush>
+  </inkml:definitions>
+  <inkml:trace contextRef="#ctx0" brushRef="#br0">0 0 0,'0'24'171,"0"0"-155,0 0 0,0 1-1,0-1 1,0 0-16,0 0 16,0 0-1,0 0-15,0 1 16,0-1-1,0 0-15,0 0 16,0 0 0,0 1-1,0-1-15,0 0 16,0 0 0,0 0-1,0 1 1,0-1-1,0 0-15,0 0 16,0 0 0,0 1-1,0-1 1,0 0 15,0 0-15,0 0-1,0 0-15,0 1 16,0-1 15,0 0 1,0 0-17,0 0 1,0 1-1,0-1 17,0 0-1</inkml:trace>
+</inkml:ink>
+</file>
+
+<file path=ppt/ink/ink76.xml><?xml version="1.0" encoding="utf-8"?>
+<inkml:ink xmlns:inkml="http://www.w3.org/2003/InkML">
+  <inkml:definitions>
+    <inkml:context xml:id="ctx0">
+      <inkml:inkSource xml:id="inkSrc0">
+        <inkml:traceFormat>
+          <inkml:channel name="X" type="integer" min="-1920" max="3840" units="cm"/>
+          <inkml:channel name="Y" type="integer" max="1080" units="cm"/>
+          <inkml:channel name="T" type="integer" max="2.14748E9" units="dev"/>
+        </inkml:traceFormat>
+        <inkml:channelProperties>
+          <inkml:channelProperty channel="X" name="resolution" value="109.29791" units="1/cm"/>
+          <inkml:channelProperty channel="Y" name="resolution" value="36.48649" units="1/cm"/>
+          <inkml:channelProperty channel="T" name="resolution" value="1" units="1/dev"/>
+        </inkml:channelProperties>
+      </inkml:inkSource>
+      <inkml:timestamp xml:id="ts0" timeString="2018-01-01T16:41:02.394"/>
+    </inkml:context>
+    <inkml:brush xml:id="br0">
+      <inkml:brushProperty name="width" value="0.10583" units="cm"/>
+      <inkml:brushProperty name="height" value="0.10583" units="cm"/>
+      <inkml:brushProperty name="color" value="#C00000"/>
+      <inkml:brushProperty name="fitToCurve" value="1"/>
+    </inkml:brush>
+  </inkml:definitions>
+  <inkml:trace contextRef="#ctx0" brushRef="#br0">0 51 0,'24'0'141,"1"0"-126,-1 0-15,0 0 16,0 0 0,0 0-1,0 0 1,1 0-16,-1 0 15,0 0 1,0 0 0,0 0-1,1-24 1,-1 24-16,0 0 31,0 0-15,0 0-1,1 0 1,-1 0 0,0 0-16,0 0 15,0 0 1,1 0 15,-1 0 0,0 0-15,0 0 0,0 0-1,0 0 1,1 0-16,-25-25 16,24 25-16,0 0 31,0 0 0,0 0 0,1 0 1,-1 0-17</inkml:trace>
+</inkml:ink>
+</file>
+
+<file path=ppt/ink/ink77.xml><?xml version="1.0" encoding="utf-8"?>
+<inkml:ink xmlns:inkml="http://www.w3.org/2003/InkML">
+  <inkml:definitions>
+    <inkml:context xml:id="ctx0">
+      <inkml:inkSource xml:id="inkSrc0">
+        <inkml:traceFormat>
+          <inkml:channel name="X" type="integer" min="-1920" max="3840" units="cm"/>
+          <inkml:channel name="Y" type="integer" max="1080" units="cm"/>
+          <inkml:channel name="T" type="integer" max="2.14748E9" units="dev"/>
+        </inkml:traceFormat>
+        <inkml:channelProperties>
+          <inkml:channelProperty channel="X" name="resolution" value="109.29791" units="1/cm"/>
+          <inkml:channelProperty channel="Y" name="resolution" value="36.48649" units="1/cm"/>
+          <inkml:channelProperty channel="T" name="resolution" value="1" units="1/dev"/>
+        </inkml:channelProperties>
+      </inkml:inkSource>
+      <inkml:timestamp xml:id="ts0" timeString="2018-01-01T16:41:10.312"/>
+    </inkml:context>
+    <inkml:brush xml:id="br0">
+      <inkml:brushProperty name="width" value="0.10583" units="cm"/>
+      <inkml:brushProperty name="height" value="0.10583" units="cm"/>
+      <inkml:brushProperty name="color" value="#C00000"/>
+      <inkml:brushProperty name="fitToCurve" value="1"/>
+    </inkml:brush>
+  </inkml:definitions>
+  <inkml:trace contextRef="#ctx0" brushRef="#br0">0 0 0,'0'25'78,"0"-1"-63,0 0 1,0 0-16,0 0 16,0 1-16,0-1 15,0 0-15,0 0 16,0 0-16,0 0 0,0 1 16,0-1-16,0 0 15,0 0-15,0 0 16,0 1-16,0-1 15,0 0-15,0 0 16,0 0-16,0 1 16,0-1-1,0 0-15,0 0 16,0 0-16,0 1 16,0-1-1,0 0 1,0 0-16,0 0 15,0 0 1,0 1 0,0-1-16,0 0 31,0 0-31,0 0 31,0 1-15,0-1 15,0 0 0,0-48 94,0 0-109,24 24-16,-24-25 16,0 1-16,24 0 15,-24 0-15,0 0 16,24-1-16,-24 1 15,24 24-15,-24-24 16,25 0-16,-1 24 31,-24-24-31,24 24 0,0-24 32,0 24-17,0 0 16,-24-25-31,25 25 32,-1 0-17,0 0 17,-24 25-17,24-1 1,-24 0-1,0 0 1,24-24 0,-24 24-16,0 0 15,0 1 1,25-25 0,-25 24-16,0 0 15,0 0 1,0 0-1,0 1 1,0-1 0,0 0-1</inkml:trace>
+</inkml:ink>
+</file>
+
+<file path=ppt/ink/ink78.xml><?xml version="1.0" encoding="utf-8"?>
+<inkml:ink xmlns:inkml="http://www.w3.org/2003/InkML">
+  <inkml:definitions>
+    <inkml:context xml:id="ctx0">
+      <inkml:inkSource xml:id="inkSrc0">
+        <inkml:traceFormat>
+          <inkml:channel name="X" type="integer" min="-1920" max="3840" units="cm"/>
+          <inkml:channel name="Y" type="integer" max="1080" units="cm"/>
+          <inkml:channel name="T" type="integer" max="2.14748E9" units="dev"/>
+        </inkml:traceFormat>
+        <inkml:channelProperties>
+          <inkml:channelProperty channel="X" name="resolution" value="109.29791" units="1/cm"/>
+          <inkml:channelProperty channel="Y" name="resolution" value="36.48649" units="1/cm"/>
+          <inkml:channelProperty channel="T" name="resolution" value="1" units="1/dev"/>
+        </inkml:channelProperties>
+      </inkml:inkSource>
+      <inkml:timestamp xml:id="ts0" timeString="2018-01-01T16:42:54.744"/>
+    </inkml:context>
+    <inkml:brush xml:id="br0">
+      <inkml:brushProperty name="width" value="0.07938" units="cm"/>
+      <inkml:brushProperty name="height" value="0.07938" units="cm"/>
+      <inkml:brushProperty name="color" value="#00B050"/>
+      <inkml:brushProperty name="fitToCurve" value="1"/>
+    </inkml:brush>
+    <inkml:brush xml:id="br1">
       <inkml:brushProperty name="width" value="0.10583" units="cm"/>
       <inkml:brushProperty name="height" value="0.10583" units="cm"/>
       <inkml:brushProperty name="color" value="#C00000"/>
@@ -9573,32 +11074,32 @@
   <inkml:traceGroup>
     <inkml:annotationXML>
       <emma:emma xmlns:emma="http://www.w3.org/2003/04/emma" version="1.0">
-        <emma:interpretation id="{452D1920-97B4-4486-AA2F-B3887763C969}" emma:medium="tactile" emma:mode="ink">
-          <msink:context xmlns:msink="http://schemas.microsoft.com/ink/2010/main" type="writingRegion" rotatedBoundingBox="11191,4896 19887,5129 19583,16468 10887,16235"/>
+        <emma:interpretation id="{A7837C90-FC92-43B2-A846-7181CAAC9A9E}" emma:medium="tactile" emma:mode="ink">
+          <msink:context xmlns:msink="http://schemas.microsoft.com/ink/2010/main" type="writingRegion" rotatedBoundingBox="9790,1137 17023,1109 17032,3371 9798,3399"/>
         </emma:interpretation>
       </emma:emma>
     </inkml:annotationXML>
     <inkml:traceGroup>
       <inkml:annotationXML>
         <emma:emma xmlns:emma="http://www.w3.org/2003/04/emma" version="1.0">
-          <emma:interpretation id="{7059BC6F-023D-4758-ABFE-8993066892D4}" emma:medium="tactile" emma:mode="ink">
-            <msink:context xmlns:msink="http://schemas.microsoft.com/ink/2010/main" type="paragraph" rotatedBoundingBox="11207,4755 19838,5128 19761,6902 11131,6529" alignmentLevel="1"/>
+          <emma:interpretation id="{A9073014-AB8F-4111-B9BB-BF4201FA7534}" emma:medium="tactile" emma:mode="ink">
+            <msink:context xmlns:msink="http://schemas.microsoft.com/ink/2010/main" type="paragraph" rotatedBoundingBox="9896,1108 13607,1299 13572,1978 9861,1787" alignmentLevel="1"/>
           </emma:interpretation>
         </emma:emma>
       </inkml:annotationXML>
       <inkml:traceGroup>
         <inkml:annotationXML>
           <emma:emma xmlns:emma="http://www.w3.org/2003/04/emma" version="1.0">
-            <emma:interpretation id="{99D9F8C3-0CB2-4B7C-88D7-16EB1981A0A2}" emma:medium="tactile" emma:mode="ink">
-              <msink:context xmlns:msink="http://schemas.microsoft.com/ink/2010/main" type="line" rotatedBoundingBox="11207,4755 19838,5128 19761,6902 11131,6529"/>
+            <emma:interpretation id="{DC527CD6-484E-4C09-AB7C-5268DCE55C01}" emma:medium="tactile" emma:mode="ink">
+              <msink:context xmlns:msink="http://schemas.microsoft.com/ink/2010/main" type="line" rotatedBoundingBox="9896,1108 13607,1299 13572,1978 9861,1787"/>
             </emma:interpretation>
           </emma:emma>
         </inkml:annotationXML>
         <inkml:traceGroup>
           <inkml:annotationXML>
             <emma:emma xmlns:emma="http://www.w3.org/2003/04/emma" version="1.0">
-              <emma:interpretation id="{35858F9A-CD3C-4893-8361-7CC3FDA84D6E}" emma:medium="tactile" emma:mode="ink">
-                <msink:context xmlns:msink="http://schemas.microsoft.com/ink/2010/main" type="inkWord" rotatedBoundingBox="11176,5473 12905,5547 12864,6479 11136,6405"/>
+              <emma:interpretation id="{C36C02EF-8AE9-48D4-A4D2-F4DF8DE0EF0A}" emma:medium="tactile" emma:mode="ink">
+                <msink:context xmlns:msink="http://schemas.microsoft.com/ink/2010/main" type="inkWord" rotatedBoundingBox="9896,1122 10184,1137 10149,1801 9861,1787"/>
               </emma:interpretation>
               <emma:one-of disjunction-type="recognition" id="oneOf0">
                 <emma:interpretation id="interp0" emma:lang="" emma:confidence="1">
@@ -9607,16 +11108,15 @@
               </emma:one-of>
             </emma:emma>
           </inkml:annotationXML>
-          <inkml:trace contextRef="#ctx0" brushRef="#br0">127 27 0,'0'-24'63,"-24"24"77,24 24-108,0 0-17,-24 25-15,24-1 16,0 0-16,0-23 15,-24 23-15,24 0 16,0 1-16,0-1 16,0 0-16,-25-23 15,25 23-15,0 0 16,0-23-16,-24-1 0,24 0 16,0 0-16,0 25 15,0-25 1,0 0-1</inkml:trace>
-          <inkml:trace contextRef="#ctx0" brushRef="#br0" timeOffset="1223.9205">-284 3 0,'24'0'110,"0"0"-95,-24 24-15,25-24 16,-1 0-16,0 0 15,0 0-15,0 0 16,1 0-16,-1 0 16,0 0-16,0 0 15,0 0 1,0 0-16,1 0 16,-1 0-16,0 0 15,0 0-15,0 0 16,25 0-16,-25 0 15,0 0-15,0 0 16,1 0 0,-1 0-1,0 0 1,0 0 0,0 0-16,1 0 15,-1 0-15,0 0 16,0 0-1,0 0-15,0 0 32,1 0-17,-1 0 1,0 0 0</inkml:trace>
-          <inkml:trace contextRef="#ctx0" brushRef="#br0" timeOffset="2933.3859">659 27 0,'0'24'109,"0"25"-93,0-25-16,-24 24 15,24-24-15,0 25 16,-24-25-16,24 24 16,0-23-16,0 23 15,0-24-15,0 0 16,-24 25-16,24-25 0,0 0 15,0 24 1,0-23-16,0-1 0,-24 0 16,24 0-16,0 0 15,0 1 1,24-50 62,-24 1-62,24 24-16,-24-24 15,24 0-15,0 0 16,1-1-16,-1 1 16,0 0 15,0 24 0,0 0 0,1 0-15,-1 24 15,0 0-31,-24 1 31,24-25-31,-24 24 16,0 0 0,0 0-16,0 0 15,24 1 1,-24-1 0,0 0-1,0 0-15,0 0 16,0 1-1,0-1-15,0 0 16,0 0-16,0 0 16,0 0-1,0-48 48</inkml:trace>
-          <inkml:trace contextRef="#ctx0" brushRef="#br0" timeOffset="3766.3423">1119 583 0,'48'0'63,"-23"0"-63,-1 0 16,0 0-16,0 0 0,0 0 15,-24-24-15,25 24 16,-1 0-16,0-24 15,0 24 1,-24-24 0,24 24-16,-24-24 31,-24 24-31,0-25 16,0 25-1,0-24 1,-1 24-1,1 0-15,0 0 32,0 0-1,0 0-15,-1 0-1,25 24 1,-24 1-16,0-1 15,24 0 1,-24 0-16,24 0 16,0 1-1,0-1-15,0 24 0,0-24 16,0 1-16,0 23 16,0-24-16,24 0 15,0 1-15,0-1 16,1-24-16,23 24 15,-24-24-15,0 0 16,1 0-16,-1 0 16,0 0-16,0 0 15,0 0-15</inkml:trace>
-        </inkml:traceGroup>
-        <inkml:traceGroup>
-          <inkml:annotationXML>
-            <emma:emma xmlns:emma="http://www.w3.org/2003/04/emma" version="1.0">
-              <emma:interpretation id="{0AD02AF9-EF1F-43AA-AE4A-B2559610E412}" emma:medium="tactile" emma:mode="ink">
-                <msink:context xmlns:msink="http://schemas.microsoft.com/ink/2010/main" type="inkWord" rotatedBoundingBox="13998,5408 16863,5531 16809,6775 13944,6651"/>
+          <inkml:trace contextRef="#ctx0" brushRef="#br0">-1542-4110 0,'24'0'156,"0"0"-124,1 0-1,-1 0 0,0 0 0,0 0-15,-24 25 62,24-25-62,1 0 31,-1 0 0,0 0 46</inkml:trace>
+          <inkml:trace contextRef="#ctx0" brushRef="#br0" timeOffset="-80019.6964">-1566-4327 0,'0'24'204,"0"0"-204,0 0 0,0 1 15,0-1 1,0 0-16,0 0 0,0 24 15,0-23-15,0-1 16,0 0-16,0 0 16,0 0-1,0 1-15,0-1 16,0 0-16,0 0 16,0 0-1,0 1 1,0-1-1,0 0 1,24 0-16,-24 0 16,0 1-16,0-1 31</inkml:trace>
+          <inkml:trace contextRef="#ctx0" brushRef="#br0" timeOffset="3067.5465">-1542-4351 0,'24'0'203,"0"0"-172,1 0 0,-1 0 16,0 0-31,0 0 15,0 0 16,1 0-16,-1 0 16,0 0 31,0 0-15</inkml:trace>
+        </inkml:traceGroup>
+        <inkml:traceGroup>
+          <inkml:annotationXML>
+            <emma:emma xmlns:emma="http://www.w3.org/2003/04/emma" version="1.0">
+              <emma:interpretation id="{49B3AC3F-9D9B-47FF-9D02-D250F50545A1}" emma:medium="tactile" emma:mode="ink">
+                <msink:context xmlns:msink="http://schemas.microsoft.com/ink/2010/main" type="inkWord" rotatedBoundingBox="10426,1135 12377,1236 12344,1864 10393,1763"/>
               </emma:interpretation>
               <emma:one-of disjunction-type="recognition" id="oneOf1">
                 <emma:interpretation id="interp1" emma:lang="" emma:confidence="1">
@@ -9625,22 +11125,18 @@
               </emma:one-of>
             </emma:emma>
           </inkml:annotationXML>
-          <inkml:trace contextRef="#ctx0" brushRef="#br0" timeOffset="8782.3325">3514 414 0,'-48'-24'47,"72"24"0,24 0-16,-24 0-31,0 0 0,25 0 16,-1 0-16,25 0 15,-25 0-15,1 0 16,-1 0-16,-24 0 16</inkml:trace>
-          <inkml:trace contextRef="#ctx0" brushRef="#br0" timeOffset="4842.886">2570-46 0,'25'97'47,"-50"-48"-47,25-1 15,0 0-15,0 25 16,-24-25-16,24 1 16,0 23-16,0-23 15,0-1-15,0 0 16,-24 1-16,24-25 16,0 24-16,0-23 15,0-1-15,0 0 16,0 0-16,0 0 15,0 1 1,0-1 31,-24-24-31,24 24-1,0-48 16,0 0-15</inkml:trace>
-          <inkml:trace contextRef="#ctx0" brushRef="#br0" timeOffset="6111.8406">2595-46 0,'96'-24'47,"-71"24"-32,-1 0 1,0 0-16,0 24 16,0 1-1,1-1 1,-25 0-1,0 0-15,0 0 16,24 1-16,-24-1 16,0 0-16,0 0 15,0 0-15,0 1 16,0-1-16,0 0 16,-24 0-16,-1-24 15,25 24-15,-24 1 16,0-25-16,24 24 0,-24-24 15,0 0-15,-1 24 16,1-24 0,0 0-16,24 24 203,0 0-188,24-24-15,0 24 16,-24 1-16,49 23 16,-49-24-1,24 0-15,24 73 16,-23-73 0,-25 1-1,0-1-15,24 0 0,-24 0 16,0 0-16,24-24 15,-24 25 1</inkml:trace>
-          <inkml:trace contextRef="#ctx0" brushRef="#br0" timeOffset="7401.5952">3078 559 0,'49'24'47,"-25"-24"-32,0 0 1,-24-24-1,24 24-15,1-24 16,-1 24-16,0-24 16,0 0-16,0 24 15,-24-25 1,0 1 15,-24 24-15,0 0-1,24-24 1,-24 24 0,0 0-1,-1 0 1,1 0 0,0 0-1,24 24-15,-24-24 16,24 24-1,-24-24 1,24 25 0,-25-1-16,25 0 15,0 0 1,-24 0-16,24 25 16,0-25-1,0 0-15,24 0 16,1 1-16,-1-1 15,0 0-15,-24 0 0,24 0 16,0-24-16,-24 25 16,25-25-16,-25 24 15,24-24-15,0 0 16,0 0 0</inkml:trace>
-          <inkml:trace contextRef="#ctx0" brushRef="#br0" timeOffset="8285.6738">3877 148 0,'0'-121'47,"-24"121"-16,-25 0 0,25 0-31,0 24 16,0 0-16,-1 1 16,1-1-16,24 0 15,-24 24-15,0 1 16,0-1-16,24 1 15,0-1-15,0 0 0,0 1 16,0-1-16,0 0 16,0 1-16,0-1 15,0 1 1,0-1-16,0 0 0,0 1 16,0-1-16,0 0 15,0-23-15,0 23 16,0-24-16,0 0 15,0 1-15,0-1 16,0 0-16,0 0 16,0 0 15</inkml:trace>
-          <inkml:trace contextRef="#ctx0" brushRef="#br0" timeOffset="10124.0336">4119 511 0,'0'-49'63,"-25"49"-48,1 25-15,0-1 16,0-24-16,0 24 15,0 0-15,-1 0 0,25 1 16,-24-1 0,0 0-16,24 0 0,-24 0 15,24 1 1,0-1-16,0 0 16,0 0-1,24 0 1,0-24-1,0 0 1,1 0 0,-1-24-16,0 0 15,0 24-15,0-24 16,0 0-16,1-1 31,-25 1-31,24 24 0,-24-24 16,0 0-16,24 0 31,-24-1-15,24 25 15,-24 25 78,-24-1-77,24 0-32,0 24 0,0-23 15,0-1-15,0 0 16,0 24-16,24-23 15,0-25 1,1 0-16,-1 0 16,24 0-16,-48-25 15</inkml:trace>
-          <inkml:trace contextRef="#ctx0" brushRef="#br0" timeOffset="10761.2459">4651 535 0,'-24'0'63,"-1"0"-48,1 0-15,0 24 16,0 0-16,0-24 16,0 25-16,-1-1 15,25 0 1,-24-24-16,24 24 16,0 0-16,0 1 15,0-1 1,24 0-16,1 0 15,-1-24-15,0 0 16,0 24-16,0-24 16,0 0-16,1 0 0,-1 0 15</inkml:trace>
-          <inkml:trace contextRef="#ctx0" brushRef="#br0" timeOffset="11804.4336">4748 487 0,'72'-49'62,"-48"49"-62,25 0 16,-25 0-16,0 0 16,0 0-16,25 0 15</inkml:trace>
-          <inkml:trace contextRef="#ctx0" brushRef="#br0" timeOffset="11465.2168">4917 124 0,'24'-49'47,"-24"74"-1,0-1-30,-24 24-16,24 1 16,-24-1-16,24 0 15,0 1-15,0-1 16,0 0-16,0 1 16,0-1-16,-24-24 0,24 25 15,0-1-15,0-24 16,0 25-1,0-25-15,24 0 0,-24 0 16,0 1 0,24-25-16,0 0 62,0 0-46,1 0-1,-1-25-15</inkml:trace>
-          <inkml:trace contextRef="#ctx0" brushRef="#br0" timeOffset="12704.0831">5159 487 0,'-24'24'63,"-1"0"-48,25 0-15,-24 0 0,24 1 16,-24 23-16,24-24 15,0 25-15,0-25 16,0 0-16,0 24 31,24-23-15,0-25-16,1 0 0,-1 0 16,0 0-16,24-25 15,1 1-15,-25-24 0,0 24 16,0-1-1,1-23-15,-25 24 0,0 0 16,0-1-16,0 1 16,0 0-16,-49 0 15,25 24-15,0 0 16,0 0-16,-1 0 16,1 0-1,24 24 16</inkml:trace>
-        </inkml:traceGroup>
-        <inkml:traceGroup>
-          <inkml:annotationXML>
-            <emma:emma xmlns:emma="http://www.w3.org/2003/04/emma" version="1.0">
-              <emma:interpretation id="{E8D907FE-A007-4DAA-856D-FF127809EF1E}" emma:medium="tactile" emma:mode="ink">
-                <msink:context xmlns:msink="http://schemas.microsoft.com/ink/2010/main" type="inkWord" rotatedBoundingBox="17023,5780 19082,5869 19040,6835 16982,6746"/>
+          <inkml:trace contextRef="#ctx0" brushRef="#br0" timeOffset="-76900.2022">-1034-4351 0,'24'0'63,"-24"24"-16,0 0-47,0 0 15,0 0-15,0 1 0,0 23 16,0-24-1,0 0-15,0 25 0,0-25 16,0 0-16,0 0 16,0 0-16,0 1 15,0-1-15,0 0 16,0 0-16,0 0 16,0 1-1,0-1-15,0 0 16,0 0-1,0 0 17,24-24-1,1 0-15,-1 25-1,0-25 1,0 0 15,-24-25-31</inkml:trace>
+          <inkml:trace contextRef="#ctx0" brushRef="#br0" timeOffset="-75722.7159">-647-3989 0,'0'-24'47,"-24"48"0,0 1-31,0-1-1,-1 0 1,25 0-16,-24 0 16,24 1-1,0-1-15,0 0 16,0 0-16,0 0 16,0 1-1,24-25 16,1 0-15,-1 0 0,0-25-1,0 1-15,-24 0 16,24 0-16,-24 0 16,25-1-16,-25 1 15,0 0 1,0 0-1,0 0 17,0-1-1,0 50 94,0-1-125,0 0 16,0 0-1,0 0-15,0 1 16,0-1-16,0 0 15,24 0 1,-24 0-16,24-24 31,0 0-15,0 0-16,-24-24 16</inkml:trace>
+          <inkml:trace contextRef="#ctx0" brushRef="#br0" timeOffset="-74724.9521">-405-3989 0,'0'25'93,"0"-1"-93,0 0 16,24-24-16,-24 24 16,0 0-16,0 1 15,0-1-15,0 0 16,24 0-16,-24 0 15,25-24 1,-25 25-16,0-1 31,24-24-15,-24-24 46,24-1-62,-24 1 16,24 0-16,-24 0 16,0 0-1,24-1-15,-24 1 16,0 0-16,0 0 16,25 24-16,-25-24 15,0-1-15,0 1 31</inkml:trace>
+          <inkml:trace contextRef="#ctx0" brushRef="#br0" timeOffset="-73871.0924">-66-3916 0,'24'-24'47,"-24"48"15,-24-24-62,24 24 16,-24-24-16,24 24 15,0 1-15,-25-1 16,25 0 0,0 0-16,0 0 15,0 1 1,0-1-1,25-24 1,-25 24 0,24-24-16,0 0 0,0 0 15,0 0 17,0-24-17,-24 0 1,25-1-16,-25 1 15,24 0-15,-24 0 16,0-25-16,0 25 16,0 0-1,0 0-15,-97-25 125</inkml:trace>
+          <inkml:trace contextRef="#ctx0" brushRef="#br0" timeOffset="-73140.9414">248-3964 0,'0'-25'47,"0"98"15,-24-49-46,24 0-16,0 1 0,0-1 15,0 0-15,0 0 16,0 0 0,24-24-16,-24 25 15,24-25-15,1 0 16,-1 0-1,0 0 1,0-25-16,0 1 16,-24 0-16,25 0 15,-1 0 1,-24-1-16,0 1 16,24 0-16,-24 0 15,0 0-15</inkml:trace>
+          <inkml:trace contextRef="#ctx0" brushRef="#br0" timeOffset="-69616.5874">611-3868 0,'0'-24'94,"24"24"-63,0-24-15,1 24-1,-1 0 17,0 0 15,-24 24-47,0 0 31,0 1-16,0-1-15,0 0 16,0 0-16,0 0 16,0 1-16,0-1 15,0 0 1,0 0-16,24-24 62,-24-24-46,0 0-16,0-25 16,24 25-16,-24 0 15,0 0-15,25 24 16,-25-24-16,24-1 16,-24 1-1,24 0-15,0 24 16,-24-24-1,24 24 1</inkml:trace>
+        </inkml:traceGroup>
+        <inkml:traceGroup>
+          <inkml:annotationXML>
+            <emma:emma xmlns:emma="http://www.w3.org/2003/04/emma" version="1.0">
+              <emma:interpretation id="{E828304A-47D7-4625-9FEB-B74AFE9F3630}" emma:medium="tactile" emma:mode="ink">
+                <msink:context xmlns:msink="http://schemas.microsoft.com/ink/2010/main" type="inkWord" rotatedBoundingBox="12907,1290 13606,1326 13576,1911 12877,1875"/>
               </emma:interpretation>
               <emma:one-of disjunction-type="recognition" id="oneOf2">
                 <emma:interpretation id="interp2" emma:lang="" emma:confidence="1">
@@ -9649,762 +11145,968 @@
               </emma:one-of>
             </emma:emma>
           </inkml:annotationXML>
-          <inkml:trace contextRef="#ctx0" brushRef="#br0" timeOffset="15268.2967">6296 559 0,'24'49'46,"-24"-25"-30,0 0 0,0 0-16,0 0 0,0 1 15,0-1-15,0 0 16,24 0 0,0-24 30,1 0-30,-25-24-16,24 0 16,0 0-16,-24-1 15,0 1-15,24 24 0,-24-24 16,24 0 0,-24 0-1,25 24-15,-25-25 16,24 25 46,-24 25-62,0-1 32,0 0-32,0 0 15,0 0 1,0 1-16,0-1 15,0 0-15,0 0 16,0 0 0</inkml:trace>
-          <inkml:trace contextRef="#ctx0" brushRef="#br0" timeOffset="16257.9599">6949 559 0,'-73'24'46,"49"1"-30,0-1-16,0-24 16,24 24-16,-24 0 15,-1 0-15,25 1 16,-24-1-16,24 0 16,0 0-1,24-24 1,1 0-16,-1 0 15,24 0-15,1-24 16,-25 24-16,0-24 16,0 24-16,0-24 15,1 24-15,-1-25 16,-24 1-16,24 24 16,-24-24-16,24 0 15,-24 0 1,0-1-1,-24 50 64,24-1-79,-24 0 15,24 0-15,0 0 16,-24 1-16,24-1 15,0 0-15,-25 0 16,25 25-16,0-25 0,0 24 31,-24-24-31,24 0 0,0 1 16,-24-1-16,24 24 16,-24-24-16,24 1 15,-24-1-15,24 0 16,-25 0-16,1 0 15,24 1-15,-24-1 16,0 0-16,0 0 16,-1-24-1,1 0 1,0 0-16,0 0 16,0-24 15,24 0-31,0 0 15,-25-25-15,25 25 16,-24 24-16,24-24 16,0 0-1</inkml:trace>
-          <inkml:trace contextRef="#ctx0" brushRef="#br0" timeOffset="13491.671">5546 704 0,'72'-72'62,"-47"48"-46,-1 24 0,-24 24 30,0 0-46,0 0 16,0 0 0,0 1-16,0-1 15,0 0 1,0 0-16,0 0 31,24-48 32,-24 0-63,24 0 15,-24 0-15,24-1 16,-24 1 0,0 0-1,25 24-15,-25-24 16,24 24-1,-24-24-15,24 24 16,0 0 0</inkml:trace>
-          <inkml:trace contextRef="#ctx0" brushRef="#br0" timeOffset="14383.4516">6054 390 0,'0'-24'63,"0"0"-48,24 24 1,0-25 0,0 25-1</inkml:trace>
-          <inkml:trace contextRef="#ctx0" brushRef="#br0" timeOffset="13988.6385">6078 559 0,'0'73'63,"24"-49"-47,-24 0-16,0 0 0,0 1 15,0-1-15,0 0 16,0 0-1</inkml:trace>
-          <inkml:trace contextRef="#ctx0" brushRef="#br0" timeOffset="17323.9311">7505 535 0,'0'-24'62,"-24"24"-31,0 0-15,0 0 0,0 0-16,-1 0 15,1 24 1,24 0-16,-24 0 31,24 1-31,0-1 16,0 0-1,24-24 1,-24 24-16,97-24 31,-49 0-15,-23 0-16,-1 0 16,0 0-16,0 24 15,-24 1 16,0-1-15,0 0-16,0 0 16,0 0-1,0 1 1,-24-1 0,24 0-1,-24-24-15,0 24 16,-1-24-1,1 24 1,0-24-16,0 0 16,-25 0-16,25 0 15,0-24-15,-24 24 16,23 0-16,1 0 16,0-24-1,48 24 16</inkml:trace>
-        </inkml:traceGroup>
-        <inkml:traceGroup>
-          <inkml:annotationXML>
-            <emma:emma xmlns:emma="http://www.w3.org/2003/04/emma" version="1.0">
-              <emma:interpretation id="{511C8B52-29C3-4674-9234-F6582B542DEE}" emma:medium="tactile" emma:mode="ink">
-                <msink:context xmlns:msink="http://schemas.microsoft.com/ink/2010/main" type="inkWord" rotatedBoundingBox="19621,5118 19838,5128 19782,6417 19565,6407"/>
-              </emma:interpretation>
-              <emma:one-of disjunction-type="recognition" id="oneOf3">
-                <emma:interpretation id="interp3" emma:lang="" emma:confidence="1">
-                  <emma:literal/>
-                </emma:interpretation>
-              </emma:one-of>
-            </emma:emma>
-          </inkml:annotationXML>
-          <inkml:trace contextRef="#ctx0" brushRef="#br0" timeOffset="23714.7524">8376-312 0,'0'-24'15,"0"0"32,0 48 31,0 0-62,-24 25-16,24-1 15,-24 25-15,0-1 16,24 1-16,-25-25 16,25 25-16,-24-1 15,0-23-15,24-1 16,0 1-16,-24-25 16,24 0-16,0 0 15,24-24 32</inkml:trace>
-          <inkml:trace contextRef="#ctx0" brushRef="#br0" timeOffset="24357.9096">8134 874 0,'24'0'47,"1"0"-32,-25 24 95,0 0-95,-25-24 17,25-24-17,0 0-15,-24 0 16,24-1-1,-24 25-15</inkml:trace>
+          <inkml:trace contextRef="#ctx0" brushRef="#br0" timeOffset="-58456.766">2111-3940 0,'-24'0'234,"-1"0"-203,25-24-15,25 24 78,-1 0-63,-24 24 16,0 0-16,-24-24 0,-1 0 1,25-24 15,0 0-16,25 24-16,-1 0 17,-24 24-1,0 0 31,-24-24-46,-1 0 15,25-24-15,0 0 15,25 24-15,-1 0 15,0 0 16,-24 24-16,-24-24 47,0 0-62</inkml:trace>
+          <inkml:trace contextRef="#ctx0" brushRef="#br0" timeOffset="-53821.3989">2038-3650 0,'24'0'172,"-48"0"-47,0 0-109,24-24 31,24 0-16,0 24-16,1 0 17,-25 24-17,0 0 32,0 0-16,-25-24-15,1 0 0,0 0-1,24-24 17,0 0-1,24 24 0,0 0 0,1 0 1,-25 24-17,0 0 32,-25-24-31,1 0 15,24-24 0,0 0-31,0 0 16,24 24-1,1 0 17,-25 24-17</inkml:trace>
+          <inkml:trace contextRef="#ctx0" brushRef="#br0" timeOffset="20483.4109">1434-3940 0,'24'-24'125,"0"24"-109,0-25-1,0 1-15,0 0 16,1 0-16,-1 24 15,0-24-15,0 24 16,-24-25 0,24 25-16,-24-24 0,25 24 15,-25-24 1,24 24-16,-24-24 16,24 24-1,-24 24 141,-24 0-156,24 0 16,0 1-16,-24-1 16,24 0-16,0 0 15,0 0-15,-25 1 16,25-1-16,0 0 16,0 24-16,0-23 15,-24-1-15,24 0 16,0 0-16,0 0 15,0 1-15,0-1 16,0 0-16,0 0 16,0 0-1,-24-24 1,24 24-16</inkml:trace>
         </inkml:traceGroup>
       </inkml:traceGroup>
     </inkml:traceGroup>
     <inkml:traceGroup>
       <inkml:annotationXML>
         <emma:emma xmlns:emma="http://www.w3.org/2003/04/emma" version="1.0">
-          <emma:interpretation id="{4773C2B2-BF1A-46C4-BA91-0C26CE3F17FC}" emma:medium="tactile" emma:mode="ink">
-            <msink:context xmlns:msink="http://schemas.microsoft.com/ink/2010/main" type="paragraph" rotatedBoundingBox="11449,7009 19297,7220 19270,8238 11421,8027" alignmentLevel="1"/>
+          <emma:interpretation id="{A40C24B5-5C16-4976-9B20-3C392D0AD78C}" emma:medium="tactile" emma:mode="ink">
+            <msink:context xmlns:msink="http://schemas.microsoft.com/ink/2010/main" type="paragraph" rotatedBoundingBox="9795,2396 17028,2368 17032,3371 9798,3399" alignmentLevel="1"/>
           </emma:interpretation>
         </emma:emma>
       </inkml:annotationXML>
       <inkml:traceGroup>
         <inkml:annotationXML>
           <emma:emma xmlns:emma="http://www.w3.org/2003/04/emma" version="1.0">
-            <emma:interpretation id="{3E8EC9B6-85A4-4C03-80F0-3A280241EBE8}" emma:medium="tactile" emma:mode="ink">
-              <msink:context xmlns:msink="http://schemas.microsoft.com/ink/2010/main" type="inkBullet" rotatedBoundingBox="11442,7279 11540,7282 11536,7404 11438,7401"/>
-            </emma:interpretation>
-            <emma:one-of disjunction-type="recognition" id="oneOf4">
-              <emma:interpretation id="interp4" emma:lang="" emma:confidence="0">
-                <emma:literal>•</emma:literal>
-              </emma:interpretation>
-            </emma:one-of>
-          </emma:emma>
-        </inkml:annotationXML>
-        <inkml:trace contextRef="#ctx0" brushRef="#br0" timeOffset="58794.4027">79 1841 0,'-24'0'94,"24"25"94,0-1-173,0 0 32,-25-24-31,1 0-1,0 0 1,24-24-16,0 0 16,0-1-1,0 1 1,0 0-1,24 24 1,0 0 15,-24 24-15,25 0-16,-25 1 31,-25-25 32,1 0-48,0 0 1,24-25 0</inkml:trace>
-      </inkml:traceGroup>
-      <inkml:traceGroup>
-        <inkml:annotationXML>
-          <emma:emma xmlns:emma="http://www.w3.org/2003/04/emma" version="1.0">
-            <emma:interpretation id="{7204EBC4-F369-417F-929B-BF9B2DDDF8BF}" emma:medium="tactile" emma:mode="ink">
-              <msink:context xmlns:msink="http://schemas.microsoft.com/ink/2010/main" type="line" rotatedBoundingBox="11911,7022 19297,7220 19270,8238 11884,8039"/>
+            <emma:interpretation id="{11251F8D-CC0A-4346-AE31-3FCFE9F1E137}" emma:medium="tactile" emma:mode="ink">
+              <msink:context xmlns:msink="http://schemas.microsoft.com/ink/2010/main" type="line" rotatedBoundingBox="9795,2396 17028,2368 17032,3371 9798,3399"/>
             </emma:interpretation>
           </emma:emma>
         </inkml:annotationXML>
         <inkml:traceGroup>
           <inkml:annotationXML>
             <emma:emma xmlns:emma="http://www.w3.org/2003/04/emma" version="1.0">
-              <emma:interpretation id="{90AB775C-A427-4D3D-BC17-B652791B7ED7}" emma:medium="tactile" emma:mode="ink">
-                <msink:context xmlns:msink="http://schemas.microsoft.com/ink/2010/main" type="inkWord" rotatedBoundingBox="11908,7126 15515,7223 15490,8136 11884,8039"/>
-              </emma:interpretation>
-              <emma:one-of disjunction-type="recognition" id="oneOf5">
-                <emma:interpretation id="interp5" emma:lang="" emma:confidence="1">
+              <emma:interpretation id="{45F5278D-06A0-445E-9056-40E5E187C8B4}" emma:medium="tactile" emma:mode="ink">
+                <msink:context xmlns:msink="http://schemas.microsoft.com/ink/2010/main" type="inkWord" rotatedBoundingBox="9795,2468 13496,2453 13500,3384 9798,3399"/>
+              </emma:interpretation>
+              <emma:one-of disjunction-type="recognition" id="oneOf3">
+                <emma:interpretation id="interp3" emma:lang="" emma:confidence="1">
                   <emma:literal/>
                 </emma:interpretation>
               </emma:one-of>
             </emma:emma>
           </inkml:annotationXML>
-          <inkml:trace contextRef="#ctx0" brushRef="#br0" timeOffset="62356.8385">1167 1962 0,'0'24'78,"0"1"-63,0-1-15,0 0 16,25 0-16,-25 0 16,0 1-1,0-1-15,0 0 16,0 0 15,24-24-31,-24-24 63,24 24-63,-24-24 0,24 0 15,-24-1 16,24 1-31,-24 0 16,25 0 0,-25 0-16,24-1 31,-24 50 31,24-1-46,-24 0 0,0 0-1,0 0 1,0 1 0,24-25 46,0-25-46,-24 1-1,25 0 1,-25 0-16,24 24 16,-24-24-16,24 24 15,-24-25-15,24 25 78,-24 25-62,24-1 0,-24 0-1,0 0-15,0 25 31</inkml:trace>
-          <inkml:trace contextRef="#ctx0" brushRef="#br0" timeOffset="63307.843">1821 1938 0,'0'73'47,"0"-49"-32,-25 0-15,25 0 0,0 25 16,0-25-16,0 0 16,-24 24-16,24-23 15,0 23-15,-24-24 16,24 25-16,0-25 16,0 0-16,0 0 15,-24-24-15,24 24 16,0-48 46,0 0-62,0-24 16,0-1 0,0 25-16,0-24 0,24-1 15,-24 1-15,24 24 16,-24-25-16,0 25 15,24 0-15,-24 0 16,25-1-16,-25 1 16,24 24-16,-24-24 15,24 24-15,0 0 47,0 0-31,1 0-1,-1 24 1,0-24-16,-24 24 16,0 1-1,0-1 1,0 0 0,0 0 15,-24 0 0,0-24-15,-1 0-16,1 0 15,0 25-15,0-25 16,0 0 0</inkml:trace>
-          <inkml:trace contextRef="#ctx0" brushRef="#br0" timeOffset="60353.8478">805 1672 0,'0'-24'125,"-25"24"-125,1 0 15,0 0 1,0 0 0,0 24-1,-1-24-15,1 24 16,0-24-16,0 24 16,24 1-16,-24-25 15,-1 24-15,1 0 16,0-24-16,24 24 15,-24 0-15,24 1 16,-24-1-16,24 0 16,0 24-16,0-24 15,0 1-15,0-1 0,0 0 16,24-24-16,-24 24 16,48 0-16,-24-24 15,1 25 1,-1-25-16,0 0 31</inkml:trace>
-          <inkml:trace contextRef="#ctx0" brushRef="#br0" timeOffset="61118.22">901 1914 0,'0'24'62,"-24"-24"-62,24 24 16,0 0-16,-24-24 15,24 25-15,0-1 16,0 0-16,0 0 16,0 0-16,0 1 15,0-1-15,24-24 16,0 0-1,1 0-15,-1 0 16,0 0-16,0-24 16,24-1-16,-48 1 0,25 0 15,-25 0-15,0-25 16,0 25-16,0 0 16,-25 0-1,1 0-15,0 24 16,0 0-1,0 0 1,0 0 0,24 24-16</inkml:trace>
-          <inkml:trace contextRef="#ctx0" brushRef="#br0" timeOffset="64156.9658">2232 1986 0,'-24'0'63,"-1"25"15,1-1-78,24 0 16,0 0-16,0 0 15,0 1-15,0-1 16,0 0-16,0 0 16,0 0-1,24-24 1,1 0-1,-1 0 1,0 0-16,0-24 16,0 0-16,1 0 0,-1 0 15,0-1-15,-24 1 16,0 0-16,0 0 16,0 0-16,0-1 15,0 1-15,-24 24 16,0-24-16,-1 24 15,1 0 1,0 0 0,0 24-1,0 0 1</inkml:trace>
-          <inkml:trace contextRef="#ctx0" brushRef="#br0" timeOffset="65003.0586">2788 1890 0,'-97'24'47,"73"-24"-31,24 24-16,-24-24 15,24 24-15,-24 0 16,24 1 0,0-1-1,24-24 1,0 24 0,0-24-16,1 0 15,-1 0-15,0 0 16,0 24-1,0 0 32,1-24-31,-25 25 0,0-1-1,0 0 16,0 0 1,-25-24-1,1 0-31,0 0 16,0 0-16,0 0 15,-1 0-15,1 0 0,0 0 16,0 0-1,0 0-15,-1 0 16</inkml:trace>
-          <inkml:trace contextRef="#ctx0" brushRef="#br0" timeOffset="65481.1774">3030 1962 0,'0'49'47,"0"-25"-47,0 0 16,0 0-16,0 0 16,0 1-16,0-1 15,0 0-15,0 0 16,0 0-16,0 1 15</inkml:trace>
-          <inkml:trace contextRef="#ctx0" brushRef="#br0" timeOffset="65778.2376">3054 1793 0</inkml:trace>
-          <inkml:trace contextRef="#ctx0" brushRef="#br0" timeOffset="66616.5295">3296 1986 0,'24'0'63,"-24"25"-63,0-1 15,0 0-15,0 0 16,0 0 0,0 1-16,0-1 15,0 0 1,0 0-16,25 0 31,-1-48 0,0 0-15,-24 0 0,24 24-16,-24-24 15,24-1 1,-24 1 0,25 24-1,-25 24 63,24-24-62,-24 25-16,0-1 16,0 0-1,0 0 1,0 0-16,0 1 15,0-1 1</inkml:trace>
-          <inkml:trace contextRef="#ctx0" brushRef="#br0" timeOffset="67509.1263">3877 1986 0,'-97'73'63,"73"-49"-63,0 0 15,24 1 1,0-1-1,0 0-15,24-24 16,0 0-16,0 0 16,0 0-16,25 0 0,-25 0 15,24-24 1,-23 24-16,-1-24 0,0-1 16,0 1-16,-24 0 15,0 0 1,-24 24 46,0 0-30,24 24-17,-24 0-15,24 0 16,0 1-16,0-1 15,-25 0-15,25 24 0,0-23 16,-24-1-16,24 24 16,0-24-16,-24 1 15,24 23-15,0-24 16,0 0-16,0 0 16,-24 1-1,0-1 16,-1 0-15,1 0-16,24 0 0,-24-24 16,24 25-16,-24-25 15,0 0 1,-1 0 15,25-25-15,0 1-16,0-24 15,0 24-15,0-1 16,0 1-16,0 0 16</inkml:trace>
-        </inkml:traceGroup>
-        <inkml:traceGroup>
-          <inkml:annotationXML>
-            <emma:emma xmlns:emma="http://www.w3.org/2003/04/emma" version="1.0">
-              <emma:interpretation id="{1F626C7D-6D77-4DBB-B094-C88A12AC6256}" emma:medium="tactile" emma:mode="ink">
-                <msink:context xmlns:msink="http://schemas.microsoft.com/ink/2010/main" type="inkWord" rotatedBoundingBox="16120,7134 19297,7220 19279,7918 16101,7833"/>
-              </emma:interpretation>
-              <emma:one-of disjunction-type="recognition" id="oneOf6">
-                <emma:interpretation id="interp6" emma:lang="" emma:confidence="1">
+          <inkml:trace contextRef="#ctx0" brushRef="#br1" timeOffset="-39552.2608">-1203-3021 0,'24'0'16,"-48"0"171,0 0-171,-1 0 15,1 0-15,0 0-16,0 0 15,0 0 1,-1 0 0,1 0-1,24 24 1,-24-24-1,0 0 1,24 24-16,-24-24 16,-1 0-1,25 25-15,-24-25 16,0 24 0,0 0-1,24 0 16,-24-24-31,24 24 16,-24-24 0,24 25-1,-25-25 1,25 24 0,0 0-1,0 0 1,-24 0-1,24 1 1,0-1-16,0 0 16,0 0 15,0 0-15,0 0-1,24-24 1,-24 25-1,25-25-15,-25 24 16,24-24-16,0 24 16,0-24-1,0 0 1,0 24 0,1-24-1,-1 0-15,0 0 16,0 0-16,0 0 15,1 0-15,-1 0 16,0 0-16,0 0 16,0 0-1,1 0 1,-1 0 0,0 0-1,0-24 1</inkml:trace>
+          <inkml:trace contextRef="#ctx0" brushRef="#br1" timeOffset="-38275.3758">-913-2755 0,'0'-24'47,"-24"48"0,0-24-31,24 24-1,0 1-15,-25-25 16,25 24-16,0 0 16,-24-24-16,24 24 15,0 0-15,0 0 16,0 1-16,0-1 16,0 0-1,24-24 1,-24 24-16,25-24 15,-1 0 1,0 0 0,0 0 31,49-72-1,-49 72-46,-24-25 0,0 1 16,24 24 0,-24-24-16,0 0 15,0 0 17,0 0-17,0-1 1,0 1-16,0 0 15,-24 0 1,0 24 0,0-24 15,-1 24-15,1 0-1,0 24 1,24 0 15</inkml:trace>
+          <inkml:trace contextRef="#ctx0" brushRef="#br1" timeOffset="-36422.3701">-598-2779 0,'24'193'187,"-24"-168"-171,0-1-1,24-24 110,-24-24-109,24-1 15,0 1-15,-24 0-16,24 0 16,-24 0-1,25 24 1,-25-24-16,24-1 31,-24 1 16,24 73 47,0-25-63,-24 0-31,0 0 16,0 0-1,0 0 1,0 1-1,0-1 1,24-48 93,1-1-109,-1 1 16,-24 0 0,24 0-1,0 0 1,-24 0 0,24 24-1,1 0 48,-1 0-1,-24 24-31,0 0-15,0 0 0,0 0-16,0 0 15,0 1-15,0-1 16,0 0 0,0 0-1</inkml:trace>
+          <inkml:trace contextRef="#ctx0" brushRef="#br1" timeOffset="-34834.2003">30-2755 0,'0'24'78,"0"1"-78,0-1 0,0 24 15,0-24 1,0 0-16,-24 1 16,24-1-16,0 0 15,0 0-15,0 25 16,0-25-16,0 0 15,0 0-15,0 0 16,0 1-16,0-1 16,0 0-16,0 0 15,0 0 1,0-48 78,0-24-79,-24 24 1,24-1-16,0 1 16,0 0-16,0-24 15,0-73 16,0 96-15,24 1-16,-24 0 0,24 0 31,-24 0-31,25 0 16,-25-1 0,24 25-1,-24-24 16,24 24-31,0 0 32,0 0-1,1 0 0,-25 24-31,24 1 16,0-1-1,-24 0 1,24-24 0,-24 24-1,0 0 1,0 0 0,0 1 15,-24-1-16,0-24 1,24 24 0,-24-24-16,-1 24 15,1-24 1,24 24 0,-24-24-1,0 0 1,0 0-1,-1 0 17,1 0-17,0 0 17</inkml:trace>
+          <inkml:trace contextRef="#ctx0" brushRef="#br1" timeOffset="-33475.2126">442-2731 0,'-24'0'94,"24"25"-94,-25-25 15,25 24 1,-24 0-1,24 0-15,-24 0 16,24 0 0,0 1-16,0 71 62,0-71-62,24-25 16,0 0-1,1 0 17,-1 0-17,0 0 1,0 0-16,0-25 0,-24 1 16,24 0-16,1 0 15,-1 0 1,-24-1-1,0 1-15,0 0 16,0 0 0,0 0-16,0 0 15,0-1 1,-24 1 0,-1 24-1,1 0 1,0 0-1,0 0 1,0 24-16,24 1 31,-24-25-31</inkml:trace>
+          <inkml:trace contextRef="#ctx0" brushRef="#br1" timeOffset="-31901.615">950-2779 0,'0'-24'63,"-24"24"-16,-1 0-32,1 24 1,0 0 0,0 0-1,24 1 17,-24-25-17,24 24 1,0 0 15,24 0 0,48 0 16,-47-24-16,-25 24-15,24-24 31,-24 25-31,0-1 30,0 0-30,0 0 0,0 0 15,-24-24-15,-1 0-1,1 0 1,0 0-16,0 0 15,0 0 1,-1 0-16,1 0 16,0 0 15,0 0-15,24-24 15</inkml:trace>
+          <inkml:trace contextRef="#ctx0" brushRef="#br1" timeOffset="-31099.1972">1167-2731 0,'0'25'94,"0"-1"-94,0 0 15,0 0-15,0 0 16,0 0-16,0 1 15,0-1-15,0 0 16,0 0-16,0 0 16</inkml:trace>
+          <inkml:trace contextRef="#ctx0" brushRef="#br1" timeOffset="-30490.8813">1143-2924 0,'0'-49'62,"0"25"-46,0 0 0</inkml:trace>
+          <inkml:trace contextRef="#ctx0" brushRef="#br1" timeOffset="-29250.6635">1361-2755 0,'0'24'63,"24"1"-48,-24-1-15,0 0 16,0 0-16,0 0 16,0 0-16,0 1 15,0-1 1,0 0-16,24-24 109,-24-24-93,0 0-16,0-1 16,25 1-16,-25 0 0,24 0 15,0 0 1,-24 0-16,24 24 15,-24-25 1,24 25 47,-24 25-48,0-1 1,24-24-16,-24 24 15,0 0-15,0 0 32,0 121 93</inkml:trace>
+          <inkml:trace contextRef="#ctx0" brushRef="#br1" timeOffset="-27979.6154">1990-2731 0,'-97'25'47,"73"-1"-32,0 0 17,0-24-17,24 24-15,-25 0 16,25 0-1,0 1-15,0-1 32,0 0-1,25-24-15,-1 0-16,0 0 15,0-24-15,0 0 16,1-1-16,-1 1 15,0 0-15,0 0 16,-24 0-16,24 24 16,-24-24-16,-24 24 62,24 24 16,-24 0-78,24 0 0,0 0 16,0 0-16,0 1 16,0-1-16,0 0 15,0 0-15,0 0 16,0 1-16,0-1 0,0 0 15,-24-24 1,24 24-16,0 0 16,0 1-16,-24-1 15,-1 0 1,25 0-16,-24 0 16,0 1-16,24-1 15,-24-24-15,0 24 16,-1 0-16,1-24 15,0 24-15,0-24 16,0 0 0,24-24-1,-25 24-15,25-24 16,0 0-16,0 0 16,0-1-16,0 1 0,0 0 15,0 0-15,0 0 16,25 24-1,-1-25-15,0 25 16,0-24-16,25 24 16,-25 0-16,0-24 15,0 24-15,-24-24 16</inkml:trace>
+        </inkml:traceGroup>
+        <inkml:traceGroup>
+          <inkml:annotationXML>
+            <emma:emma xmlns:emma="http://www.w3.org/2003/04/emma" version="1.0">
+              <emma:interpretation id="{CB256B47-D32E-481D-A2FF-AD6B900DB7D8}" emma:medium="tactile" emma:mode="ink">
+                <msink:context xmlns:msink="http://schemas.microsoft.com/ink/2010/main" type="inkWord" rotatedBoundingBox="14221,2379 17028,2368 17031,3085 14224,3096"/>
+              </emma:interpretation>
+              <emma:one-of disjunction-type="recognition" id="oneOf4">
+                <emma:interpretation id="interp4" emma:lang="" emma:confidence="1">
                   <emma:literal/>
                 </emma:interpretation>
               </emma:one-of>
             </emma:emma>
           </inkml:annotationXML>
-          <inkml:trace contextRef="#ctx0" brushRef="#br0" timeOffset="69952.4829">5328 2107 0,'73'0'63,"-49"0"-63,0 0 15,0 0-15,1 0 0,-1 0 32,-24-24-1,-24 0-16,-1 0 1,1 24 0,0-24-1,0 24 1,0 0 0,24 24-1,-25-24-15,1 24 16,0 49 15,24-49-31,-24 0 0,24 0 16,0 0-16,0 1 15,0-1-15,24 0 16,-24 0-16,24-24 16,0 24-16,1-24 15,-1 0-15,0 0 16,24 0-16,-23-24 15</inkml:trace>
-          <inkml:trace contextRef="#ctx0" brushRef="#br0" timeOffset="70809.0744">5739 2107 0,'49'0'47,"-25"0"-31,24 0-16,-23 0 0,-1 0 16,24 0-16,-24 0 15</inkml:trace>
-          <inkml:trace contextRef="#ctx0" brushRef="#br0" timeOffset="70537.5204">5812 1769 0,'24'-24'47,"-24"48"-16,0 97-15,0-73-16,0 0 16,0 1-16,0-25 15,-24 24-15,24-23 16,0 23-16,0-24 16,0 25-16,0-25 15,0 0 1,24 0-16,0 0 31,1-24-15,-1 0-1,0 0 1,0 0-16,0 0 16,1-24-16</inkml:trace>
-          <inkml:trace contextRef="#ctx0" brushRef="#br0" timeOffset="69352.0189">4651 1986 0,'0'25'94,"0"-1"-78,0 0-1,24 0-15,-24 0 16,0 1 0,0-1-16,0 0 15,0 0-15,0 0 16,0 1-16,0-1 15,24-24 1,0 0 15,-24-24-15,25-1 0,-25 1-16,0 0 15,24 0-15,0 24 16,-24-24-16,24-1 31,-24 1-31,24 24 31,-24-24-31,25 24 32,-25 24-1,0 0-16,0 1-15,0-1 16,0 0 0,24-24-1,-24 24 1,24-24 31,0-24-32,0 0 1,1 0 0,-1 24-1,-24-25-15,24 25 78,0 0-31,-24 25-47,0-1 16,0 0 0,0 0-16,0 0 15,0 1-15,0-1 16,24-24-1,-24 24 1</inkml:trace>
-          <inkml:trace contextRef="#ctx0" brushRef="#br0" timeOffset="71609.6222">6126 1769 0,'25'48'63,"-25"-24"-63,0 1 15,0-1-15,0 0 16,0 0-16,0 24 16,0-23-16,0-1 15,0 24-15,0-24 16,0 1-16,0-1 16,0 0-16,0 0 15,0 0-15,24 1 31,0-25-15,0-25 0,0 25-1,-24-24-15,25 0 16,-1 0-16,0 24 16,-24-24-16,24-1 15,0 1 1,-24 48 31,0 1-32,0-1 1,0 0-16,0 0 16,0 0-1,0 1-15,0-1 16,0 0-16,0 0 15,25-24 17</inkml:trace>
-          <inkml:trace contextRef="#ctx0" brushRef="#br0" timeOffset="72112.7137">6562 2156 0,'0'24'78,"0"0"-63,0 0-15,0 1 0,0-1 16,0 0 0,24-24-1,0 0 1,0 0-1,1 0-15,-1 0 16,0-24-16,0 0 16,-24-1-16,24 1 15,-24 0-15,0 0 16,-24 24 0,0-24-16,0 24 15,0 0-15,-1 0 0,1 0 31</inkml:trace>
-          <inkml:trace contextRef="#ctx0" brushRef="#br0" timeOffset="73072.5405">7046 2107 0,'-24'0'47,"-1"0"-31,1 25 0,24-1-1,-24 0-15,0 0 16,24 0-16,-24 1 15,24-1-15,0 0 16,0 0-16,0 0 31,24-24-31,24 0 16,-24 0-16,25-24 16,-1 0-16,-24 0 15,0 0-15,1-1 16,-1 1-16,-24 0 15,24-24-15,-24 23 16,24-23-16,0 0 16,1-1-16,-25 1 15,24 0-15,0-1 16,0 25-16,-24 0 16,0 0-16,24 24 15,-24-25-15,0 50 94,0-1-78,-24 24-16,24-24 15,-24 25-15,24-25 16,-24 24-16,24 1 15,-24-1-15,24-24 16,-25 25-16,25-1 16,0-24-16,0 0 15,0 1-15,0-1 16,0 0-16,25-24 31,-1 0-15,0 0-16,-24-24 15</inkml:trace>
-          <inkml:trace contextRef="#ctx0" brushRef="#br0" timeOffset="73950.5093">7820 2059 0,'0'-24'63,"-24"24"-48,-1 0-15,1 0 16,0 0 0,0 0-16,0 24 15,-1 0 1,1 0 0,24 1-1,0-1-15,24-24 16,1 24-1,-1-24 1,0 0-16,-24 24 16,24-24-16,0 24 15,1 1 17,-25-1-1,24-24-16,-24 24 1,0 0 31,0 0-31,0 1-1,0-1 16,-24-24-31,24 24 0,-25-24 16,1 0 0,0 0-16,0 0 15,-25 0-15,25 0 16,0 0-16,-24 0 16,24 0-16,-1 0 15,25-24 1</inkml:trace>
+          <inkml:trace contextRef="#ctx0" brushRef="#br1" timeOffset="-24808.8508">3369-2561 0,'169'-73'125,"-169"49"-109,0 0-1,0 0-15,0-1 16,-24 25-16,0 0 16,0 0-1,-1 0-15,1 0 16,0 0-1,0 0 1,24 25 0,-24-25-1,24 24-15,-25 0 16,25 0 0,-24 0-16,24 0 15,0 1 1,0-1-16,0 0 15,0 0-15,24 0 16,1-24 0,-1 25-1,0-25-15,0 0 16,0 0 0,1 0-16</inkml:trace>
+          <inkml:trace contextRef="#ctx0" brushRef="#br1" timeOffset="-23337.7061">3659-2803 0,'24'0'109,"0"0"-93,1 0-16,-1 0 15,0 0-15,0 0 16,25 0-16</inkml:trace>
+          <inkml:trace contextRef="#ctx0" brushRef="#br1" timeOffset="-23853.8705">3780-3094 0,'0'49'63,"0"-25"-63,0 0 0,0 0 15,0 25-15,0-25 16,-24 24-16,24-23 16,0 23-16,0-24 15,0 25-15,0-25 16,0 0-16,0 0 15,0 0-15,0 0 16,0 1-16,0-1 16,0 0-1,0 0 1,24-24 0,-24 24-1,24-24 1,-24 25-1,24-25 1,1 0-16,-1-25 16,0 25-1,0 0-15,-24-24 16</inkml:trace>
+          <inkml:trace contextRef="#ctx0" brushRef="#br1" timeOffset="-25765.4289">2764-2392 0,'24'-48'47,"0"23"-32,-24 1 1,25 0-16,-25-24 15,0 23-15,24 1 16,-24-24-16,24 0 0,-24 23 16,24 1-1,-24 0-15,0 0 0,24 0 16,-24-1-16,0 1 16,0 0-16,0 0 15,25 0 1,-25-1-16,0 1 15,0 48 126,0 1-125,0-1-16,0 0 15,0 0-15,0 25 16,0-25-16,0 24 16,0-24-16,0 1 15,0 23-15,0-24 16,0 0-16,0 0 15,0 1-15,0-1 16,0 0-16,0 0 16,0 0-16,24-24 47,0 0-1,-24-24-30,0 0-16,24-24 16,-24 23-16,24-23 15,-24 0-15,24 24 16,-24-1-16,0-23 16,0 24-16,25 0 15,-25-1-15,0 1 16,0 0-1,24 0-15,-24 0 16,24 24 15,-24-25-15,0 50 93,0-1-77,0 0-32,0 0 15,0 0 1,0 1-16,0 23 15,0-24-15,0 0 16,0 1-16,0 23 16,0-24-16,0 0 15,0 0-15,0 1 16,0-1-16,0 0 16,0 0-16,0 0 0,0 1 15,24-25 32</inkml:trace>
+          <inkml:trace contextRef="#ctx0" brushRef="#br1" timeOffset="-22053.7564">4070-3045 0,'24'-24'46,"-24"48"-30,0 0 0,0 0-16,0 0 15,0 25-15,0-25 16,0 0-16,0 0 16,0 25-16,0-25 15,0 0-15,0 0 16,0 1-16,0-1 15,0 0-15,0 24 16,0-24-16,0 1 16,0-1-1,0 0-15,0 0 32,25-24-1,-1-24-16,-24 0-15,24 0 16,0-1-16,0 1 16,1 0-16,-25 0 15,24 24 1,-24-24 0,48 48 93,-48 0-109,0 0 16,0 0-1,24 1 1,-24-1-1,0 0 1,0 0 0,0 0-16,0 1 47</inkml:trace>
+          <inkml:trace contextRef="#ctx0" brushRef="#br1" timeOffset="-21169.9113">4554-2682 0,'0'24'109,"-24"-24"-109,24 24 16,-24 0-16,24 0 15,0 1 1,0-1-16,0 0 0,0 0 16,24 0 15,0-24-15,0 0-1,0 0 1,1-24-1,-1 24-15,-24-24 16,24 24-16,0-24 16,-24 0-1,0-1 1,24 1-16,-24 0 0,0 0 31,0 0-31,0 0 0,-121-1 156</inkml:trace>
+          <inkml:trace contextRef="#ctx0" brushRef="#br1" timeOffset="-19725.7493">5038-2682 0,'-48'0'62,"23"0"-62,1 0 16,24 24-16,-24-24 15,24 24-15,-24 0 16,0 0 0,24 1-1,0-1 1,0 0 0,24-24 15,-24 24-31,24-24 15,0 0-15,0 0 16,1 0 0,-1-24-1,0 0-15,-24 0 16,24-25-16,0 25 16,-24 0-16,24-24 15,-24 23-15,25-23 16,-25 0-16,0-1 15,24 1-15,-24 24 16,0-25-16,24 25 16,-24 0-16,0 0 15,0-1-15,0 1 32,0 48 155,-24 25-171,24-25-1,-24 0-15,24 0 0,0 1 16,-25 23-16,25-24 16,0 0-16,-24 25 15,24-25-15,0 0 16,0 25-16,0-25 15,-24 0-15,24 0 16,0 0-16,0 0 16,0 1-1,0-1-15,0 0 16,24 0 0,-24 0-1,24-24-15,49-24 47</inkml:trace>
+          <inkml:trace contextRef="#ctx0" brushRef="#br1" timeOffset="-18461.5943">5570-2827 0,'-72'0'62,"72"24"-62,-25-24 16,1 24 0,24 0-1,-24-24 1,24 24-16,-24 1 16,24-1-1,0 0 1,0 0-1,24 0 17,0-24-17,0 0-15,1 0 16,-1 0 0,-24 24-16,24-24 15,0 0 16,-24 25 1,0-1 15,0 0-16,0 0 0,-24-24-31,24 24 16,-24-24-16,24 25 15,-24-25 1,-1 0 0,1 0-1,0 0 1,0 0-1,0 0 1,24-25-16,-25 25 16,1 0 15,24-24-15</inkml:trace>
         </inkml:traceGroup>
       </inkml:traceGroup>
     </inkml:traceGroup>
+  </inkml:traceGroup>
+</inkml:ink>
+</file>
+
+<file path=ppt/ink/ink79.xml><?xml version="1.0" encoding="utf-8"?>
+<inkml:ink xmlns:inkml="http://www.w3.org/2003/InkML">
+  <inkml:definitions/>
+  <inkml:traceGroup>
+    <inkml:annotationXML>
+      <emma:emma xmlns:emma="http://www.w3.org/2003/04/emma" version="1.0">
+        <emma:interpretation id="{C49E301F-12AC-44B4-B179-123B4F85EE31}" emma:medium="tactile" emma:mode="ink">
+          <msink:context xmlns:msink="http://schemas.microsoft.com/ink/2010/main" type="writingRegion" rotatedBoundingBox="11243,14696 14136,14850 14054,16383 11161,16229"/>
+        </emma:interpretation>
+      </emma:emma>
+    </inkml:annotationXML>
+  </inkml:traceGroup>
+</inkml:ink>
+</file>
+
+<file path=ppt/ink/ink8.xml><?xml version="1.0" encoding="utf-8"?>
+<inkml:ink xmlns:inkml="http://www.w3.org/2003/InkML">
+  <inkml:definitions>
+    <inkml:context xml:id="ctx0">
+      <inkml:inkSource xml:id="inkSrc0">
+        <inkml:traceFormat>
+          <inkml:channel name="X" type="integer" min="-1920" max="3840" units="cm"/>
+          <inkml:channel name="Y" type="integer" max="1080" units="cm"/>
+          <inkml:channel name="T" type="integer" max="2.14748E9" units="dev"/>
+        </inkml:traceFormat>
+        <inkml:channelProperties>
+          <inkml:channelProperty channel="X" name="resolution" value="109.29791" units="1/cm"/>
+          <inkml:channelProperty channel="Y" name="resolution" value="36.48649" units="1/cm"/>
+          <inkml:channelProperty channel="T" name="resolution" value="1" units="1/dev"/>
+        </inkml:channelProperties>
+      </inkml:inkSource>
+      <inkml:timestamp xml:id="ts0" timeString="2017-12-27T16:49:06.220"/>
+    </inkml:context>
+    <inkml:brush xml:id="br0">
+      <inkml:brushProperty name="width" value="0.05292" units="cm"/>
+      <inkml:brushProperty name="height" value="0.05292" units="cm"/>
+      <inkml:brushProperty name="color" value="#833C0B"/>
+      <inkml:brushProperty name="fitToCurve" value="1"/>
+    </inkml:brush>
+    <inkml:brush xml:id="br1">
+      <inkml:brushProperty name="width" value="0.05292" units="cm"/>
+      <inkml:brushProperty name="height" value="0.05292" units="cm"/>
+      <inkml:brushProperty name="color" value="#7F7F7F"/>
+      <inkml:brushProperty name="fitToCurve" value="1"/>
+    </inkml:brush>
+  </inkml:definitions>
+  <inkml:traceGroup>
+    <inkml:annotationXML>
+      <emma:emma xmlns:emma="http://www.w3.org/2003/04/emma" version="1.0">
+        <emma:interpretation id="{6F9D1DDE-B8CB-431B-9538-FF5613DB0BFE}" emma:medium="tactile" emma:mode="ink">
+          <msink:context xmlns:msink="http://schemas.microsoft.com/ink/2010/main" type="writingRegion" rotatedBoundingBox="21705,6966 25936,7404 25850,8231 21619,7793"/>
+        </emma:interpretation>
+      </emma:emma>
+    </inkml:annotationXML>
     <inkml:traceGroup>
       <inkml:annotationXML>
         <emma:emma xmlns:emma="http://www.w3.org/2003/04/emma" version="1.0">
-          <emma:interpretation id="{0052BDB4-860D-48CB-BE19-D7F4DFF342AE}" emma:medium="tactile" emma:mode="ink">
-            <msink:context xmlns:msink="http://schemas.microsoft.com/ink/2010/main" type="paragraph" rotatedBoundingBox="11441,8038 17896,8534 17820,9515 11366,9020" alignmentLevel="1"/>
+          <emma:interpretation id="{504F1BEA-C7FA-46E2-8708-CB636D62FB01}" emma:medium="tactile" emma:mode="ink">
+            <msink:context xmlns:msink="http://schemas.microsoft.com/ink/2010/main" type="paragraph" rotatedBoundingBox="21705,6966 25936,7404 25850,8231 21619,7793" alignmentLevel="1"/>
           </emma:interpretation>
         </emma:emma>
       </inkml:annotationXML>
       <inkml:traceGroup>
         <inkml:annotationXML>
           <emma:emma xmlns:emma="http://www.w3.org/2003/04/emma" version="1.0">
-            <emma:interpretation id="{D10824DF-4B32-4F08-9E3E-04358905AAAD}" emma:medium="tactile" emma:mode="ink">
-              <msink:context xmlns:msink="http://schemas.microsoft.com/ink/2010/main" type="line" rotatedBoundingBox="11441,8038 17896,8534 17820,9515 11366,9020"/>
+            <emma:interpretation id="{F9FCDA43-4346-4FD2-A151-C7B10F8D8F1E}" emma:medium="tactile" emma:mode="ink">
+              <msink:context xmlns:msink="http://schemas.microsoft.com/ink/2010/main" type="line" rotatedBoundingBox="21705,6966 25936,7404 25850,8231 21619,7793"/>
             </emma:interpretation>
           </emma:emma>
         </inkml:annotationXML>
         <inkml:traceGroup>
           <inkml:annotationXML>
             <emma:emma xmlns:emma="http://www.w3.org/2003/04/emma" version="1.0">
-              <emma:interpretation id="{C5155407-F0B0-4FE5-853D-6EDDE3505BDD}" emma:medium="tactile" emma:mode="ink">
-                <msink:context xmlns:msink="http://schemas.microsoft.com/ink/2010/main" type="inkWord" rotatedBoundingBox="11429,8188 14199,8401 14135,9233 11366,9020"/>
-              </emma:interpretation>
-              <emma:one-of disjunction-type="recognition" id="oneOf7">
+              <emma:interpretation id="{14866BA3-3D62-494D-BCCF-211EA6D5C12C}" emma:medium="tactile" emma:mode="ink">
+                <msink:context xmlns:msink="http://schemas.microsoft.com/ink/2010/main" type="inkWord" rotatedBoundingBox="21679,7215 23367,7384 23331,7744 21643,7574"/>
+              </emma:interpretation>
+              <emma:one-of disjunction-type="recognition" id="oneOf0">
+                <emma:interpretation id="interp0" emma:lang="" emma:confidence="1">
+                  <emma:literal/>
+                </emma:interpretation>
+              </emma:one-of>
+            </emma:emma>
+          </inkml:annotationXML>
+          <inkml:trace contextRef="#ctx0" brushRef="#br0">16097-132 0,'-24'0'47,"0"0"-31,24 24-16,-24-24 15,24 24 1,-25 1-16,25-1 16,-24 0-1,24 0-15,0 0 16,-24 0-16,24 1 16,0-1-1,0 0 1,24-24-16,-24 24 15,24-24-15,1 0 16</inkml:trace>
+          <inkml:trace contextRef="#ctx0" brushRef="#br0" timeOffset="597.7311">16291-108 0,'0'24'63,"0"1"-32,0-1-31,-25-24 15,25 24-15,0 0 16,0 0-16,-24 0 16,24 1-1,0-1-15,0 0 16,0 0 0,24-24-1,1 0 1</inkml:trace>
+          <inkml:trace contextRef="#ctx0" brushRef="#br0" timeOffset="-3226.896">15783-180 0,'-25'0'266,"1"0"-219,0 0-16,0 0 16,24 24-32,-24-24 32,24 24-31,0 0 31,0 0 0,0 1-16,0-1 0,0 0 0,0 0 1,0 0 14,0 0 1,24-24-15,-24 25-17,0-1 16,24-24 1,-24 24-1,24-24-15,-24 24 15,24-24-16,1 0 64,-1 0 249,0 0-281,-24 24-16,24-24 0,0 0 0,1 0 1,-1 0-17,0 0 1,0 0-1,0 0-15,1 0 32,-1 0 15,0 0-32,0 0-15,0 0 16,0 0-1,1 0-15,-1 0 16,0 0 0,-24 25-1,24-25 1,0 0 0,1 0-16,-1 0 15,0 0-15,0 0 16,0 0-16,1 0 15,-1 0 17,0 0-32,0 0 15,0 0-15,1 0 16,-1 0 0,0 0-16,0 0 15,0 0 1,0 0-1,1 0 1,-1 0 0,0 0-1,0 0 1,0 0-16,1 0 16,-1 0-1,0 0-15,0 0 16,0 0-1,1 0-15,-1 0 16,0 0-16,0 0 16,0 0-1,1 0 17,-1 0-1,0 0-31,0 0 15,0 0 1,0 0 0,1 0 31,-1 0-32,0 0 1,0 0 15,0 0 47,1 0 0,-1 0-46</inkml:trace>
+          <inkml:trace contextRef="#ctx0" brushRef="#br0" timeOffset="-698.9572">15831-108 0,'-24'24'250,"24"1"-234,0-1 0,0 0-1,0 0 1,0 0 0,0 0-1,0 1 1,0-1-1,0 0 1,0 0 0</inkml:trace>
+          <inkml:trace contextRef="#ctx0" brushRef="#br0" timeOffset="1277.8286">16557-108 0,'-24'24'62,"24"1"-46,-25-1 0,25 0-16,-24 0 15,24 0 1,0 0-16,0 1 16,0-1-1,0 0 1,0 0 15,24-24-31,1 0 16,-1 0 15</inkml:trace>
+          <inkml:trace contextRef="#ctx0" brushRef="#br0" timeOffset="1864.873">16750-59 0,'24'0'47,"-24"24"-16,-24 0-15,0 0 0,24 0-16,0 25 31,0-1 0,0-24-31,24-24 16,0 0-1</inkml:trace>
+          <inkml:trace contextRef="#ctx0" brushRef="#br0" timeOffset="2442.4544">16968-11 0,'0'24'47,"-24"0"-32,24 0-15,-24 1 16,24-1-1,0 0-15,-25 0 16,25 0 0,0 1-1,25-25 1,-1 24 0,0-24-1</inkml:trace>
+          <inkml:trace contextRef="#ctx0" brushRef="#br0" timeOffset="3014.4098">17186-35 0,'-25'24'62,"25"0"-62,0 0 16,0 0 0,0 1-1,0-1-15,0 0 16,0 0-16,0 0 15,0 1-15,0-1 16,25-24 0</inkml:trace>
+        </inkml:traceGroup>
+        <inkml:traceGroup>
+          <inkml:annotationXML>
+            <emma:emma xmlns:emma="http://www.w3.org/2003/04/emma" version="1.0">
+              <emma:interpretation id="{7D8B6FB5-C13B-46A1-BF81-28D2295E26A4}" emma:medium="tactile" emma:mode="ink">
+                <msink:context xmlns:msink="http://schemas.microsoft.com/ink/2010/main" type="inkWord" rotatedBoundingBox="23445,7168 25934,7426 25850,8231 23361,7973"/>
+              </emma:interpretation>
+              <emma:one-of disjunction-type="recognition" id="oneOf1">
+                <emma:interpretation id="interp1" emma:lang="" emma:confidence="1">
+                  <emma:literal/>
+                </emma:interpretation>
+              </emma:one-of>
+            </emma:emma>
+          </inkml:annotationXML>
+          <inkml:trace contextRef="#ctx0" brushRef="#br1" timeOffset="-15016.468">17428-132 0,'24'0'360,"-24"24"-32,-24-24-281,24 24-32,0 1 16,0-1 1,0 0-17,0 0 1,0 0 15,-25-24-31,25 24 16,0 1 15,0-1 0,0 0-15,0 0 15,0 0 0,0 1 1,0-1-17,0 0 1,0 0 15,0 0-15,0 1 15,0-1-15,0 0-1,0 0 1,0 0 15,0 1-15,0-1 15,0 0 0,0 0 1,0 0-17,25-24 16,-25 24-15,24-24 0,0 0-1,0 0 17</inkml:trace>
+          <inkml:trace contextRef="#ctx0" brushRef="#br1" timeOffset="13565.1337">17452 473 0,'-24'0'172,"48"0"31,0 0-172,0 0 47,0 0-47,1 0 1,-1 0 46,-24 24-63,24-24-15,0 0 47,0 0-31,0 0 15,1 0 0,-1 0-15,0 24 0,0-24 15,0 0 0,1 0-15,-1 0-1,0 0 1,-24 24 46,24-24-46,0 0 0,1 0-1,-1 0-15,-24 24 32,24-24-17,0 0 1,0 0-1,1 0 1,-1 0 0,0 0-16,0 0 15,0 0 32,0 0-16,1 0-15,-1 0-16,0 0 31,0 0 1,0 25-1,1-25-31,-1 0 15,0 0 32,0 0-31,0 0 0,1 0-1,-1 0 1,0 0 15,0 0-15,0 0-1,-24 24 1,25-24-16,-1 0 31,0 0-15,0 0-1,0 0 1,0 0 15,1 0 1,-1 0-1,0 0-16,0 0 1,-24 24 15,24-24 1,1 0-1,-1 0-16,0 0 1,0 0 15,0 0 32,1 0-48,-1 0-15,0 0 32,0-24 30,0 24-46,1 0 15,-1 0 16,0-24-31,0 24 15,0 0 31,-24-25-46,24 25 15,1 0 16,-25-24-47,24 24 16,0 0 46,-24-24-46,24 24 15,-24-24-15,24 24-16,1 0 15,-25-24 17,24 24-1,-24-24-16,24 24 48,0-25-32,0 25 32,1 0-48,-25-24-15,24 24 16,0 0 78,-24-24-79,24 24-15,0 0 32,1 0 30,-25-24-46,24 24-1,0 0 17,-24-24-1,24 24 0,0 0 0,-24-25-15,24 25 0,-24-24-1,25 24 1,-25-24 15,24 24 0,-24-24-15,24 24-16,-24-24 16,24 24-16,-24-25 31,24 25 31,-24-24-30,25 24 30,-25-24-62,24 0 31,-24 0 32,0-1 31,24 25-48,-24-24 220,24 24-235,-24-24-15</inkml:trace>
+        </inkml:traceGroup>
+        <inkml:traceGroup>
+          <inkml:annotationXML>
+            <emma:emma xmlns:emma="http://www.w3.org/2003/04/emma" version="1.0">
+              <emma:interpretation id="{36EBA346-AAA2-4952-9D37-0C11CDD899C0}" emma:medium="tactile" emma:mode="ink">
+                <msink:context xmlns:msink="http://schemas.microsoft.com/ink/2010/main" type="inkWord" rotatedBoundingBox="23448,7859 23876,7903 23866,8002 23438,7957"/>
+              </emma:interpretation>
+              <emma:one-of disjunction-type="recognition" id="oneOf2">
+                <emma:interpretation id="interp2" emma:lang="" emma:confidence="0">
+                  <emma:literal>r</emma:literal>
+                </emma:interpretation>
+                <emma:interpretation id="interp3" emma:lang="" emma:confidence="0">
+                  <emma:literal>-</emma:literal>
+                </emma:interpretation>
+                <emma:interpretation id="interp4" emma:lang="" emma:confidence="0">
+                  <emma:literal>_</emma:literal>
+                </emma:interpretation>
+                <emma:interpretation id="interp5" emma:lang="" emma:confidence="0">
+                  <emma:literal>R</emma:literal>
+                </emma:interpretation>
+                <emma:interpretation id="interp6" emma:lang="" emma:confidence="0">
+                  <emma:literal>c</emma:literal>
+                </emma:interpretation>
+              </emma:one-of>
+            </emma:emma>
+          </inkml:annotationXML>
+          <inkml:trace contextRef="#ctx0" brushRef="#br1" timeOffset="15215.5913">17428 545 0,'0'-24'16,"48"24"109,-24-24-110,0 24 1,1 0 0,-1 0 15,0 0-16,-48 0 79,0 0-78,-1 0-1,1 0 1,24-24 15,-24 24 47,0 0-46,48 0 15,0 0-32,0 0-15,1 0 0,-1 0 16,0 0-16,0 0 15,0 0 1,0 0 15,1 0-15,-1 24 0,0-24-16,0 0 15,25 0-15,-25 0 16,0 0-16</inkml:trace>
+        </inkml:traceGroup>
+        <inkml:traceGroup>
+          <inkml:annotationXML>
+            <emma:emma xmlns:emma="http://www.w3.org/2003/04/emma" version="1.0">
+              <emma:interpretation id="{3819D089-D36D-4E99-BA8F-6E911CE9C97A}" emma:medium="tactile" emma:mode="ink">
+                <msink:context xmlns:msink="http://schemas.microsoft.com/ink/2010/main" type="inkWord" rotatedBoundingBox="23641,7166 25917,7403 25835,8201 23558,7965"/>
+              </emma:interpretation>
+              <emma:one-of disjunction-type="recognition" id="oneOf3">
                 <emma:interpretation id="interp7" emma:lang="" emma:confidence="1">
                   <emma:literal/>
                 </emma:interpretation>
               </emma:one-of>
             </emma:emma>
           </inkml:annotationXML>
-          <inkml:trace contextRef="#ctx0" brushRef="#br0" timeOffset="86750.7814">998 3099 0,'0'24'62,"0"1"-46,0-1-16,0 0 15,0 0-15,0 0 0,-24-24 16,24 25-16,0-1 16,0 0-1,0 0 1,24-24 0,0 0-1,0 0-15,49-97 47,-49 73-47,-24 0 0,0 0 16,0 0-1,0-1-15,0 1 0,-24 24 16,24-24-16,-24 24 16,0-24-1,-1 24-15,1 0 16,0 24-1,0 0 17,24 0-32</inkml:trace>
-          <inkml:trace contextRef="#ctx0" brushRef="#br0" timeOffset="87433.2891">1313 3123 0,'0'25'63,"0"-1"-47,0 0-16,0 0 15,0 0-15,0 1 16,0-1-1,24-24-15,-24 24 0,0 0 32,24-24-32,0 0 15,0 0 17,-24-24-32,25 24 15,-25-24-15,24 0 16,-24-1-16,0 1 15,24 0-15,-24 0 16,0 0-16,0-1 0,0 1 16,0 0-1,0 0 1</inkml:trace>
-          <inkml:trace contextRef="#ctx0" brushRef="#br0" timeOffset="86098.061">224 3341 0,'0'-97'109,"0"73"-93,24 0-16,0 0 0,-24-25 15,0 25 1,25 0-16,-25 0 0,24 0 15,-24-1-15,24 1 16,-24 0-16,24 24 16,-24-24-1,0 0 1,24 24 0,-24-24-1,25 24 1,-25-25-16,24 25 31,-24-24 16,24 24-31,-24 24 93,0 1-93,0-1-16,0 0 15,0 0-15,0 24 16,0-23-16,0-1 15,0 24-15,0-24 16,0 1-16,0-1 16,0 0-1,0 0 1,24 0 0,0-24 30,0 0-14,-24-24-32,25 0 15,-1-24-15,-24 23 16,24 1-16,-24-24 16,24 24-16,0-25 15,-24 25-15,0 0 16,25 0-16,-25 0 15,0-1-15,24 25 16,-24-24-16,24 0 16,-24 0-1,24 24-15,-24-24 0,0 48 78,0 0-62,0 0-16,0 25 16,0-1-16,0 0 15,0-24-15,0 25 16,0-1-16,0 1 16,0-25-16,0 0 15,0 0-15,0 0 16</inkml:trace>
-          <inkml:trace contextRef="#ctx0" brushRef="#br0" timeOffset="84132.6375">55 2882 0,'-25'0'203,"25"24"-187,0 0 0,-24-24-1,24 24-15,-24-24 78,24-24-62,0 0-16,0 0 16,0-1-1,0 1 17,24 24-17,0 0 1,-24 24 15,25 1-31,-25-1 16,0 0-1,0 0 1,-25-24 0,1 0-1,0 0 1,0-24-1,24 0-15,0 0 16,0-1 0</inkml:trace>
-          <inkml:trace contextRef="#ctx0" brushRef="#br0" timeOffset="88221.5112">1724 2954 0,'-24'0'62,"24"-24"-62</inkml:trace>
-          <inkml:trace contextRef="#ctx0" brushRef="#br0" timeOffset="87882.8092">1700 3148 0,'0'24'62,"0"0"-46,0 0-16,0 0 16,0 1-16,0-1 15,0 0 1,0 0-16,0 0 31,24-24 0,-24-24-31,24 24 16</inkml:trace>
-          <inkml:trace contextRef="#ctx0" brushRef="#br0" timeOffset="89044.3612">2014 3123 0,'0'25'47,"0"-1"-32,0 0-15,0 0 16,0 0-16,0 1 16,0-1-1,0 0-15,0 0 0,0 0 16,0-48 46,24 0-46,0 0-16,1 24 16,-1-24-16,0-1 15,0 1 1,-24 0-16,24 24 15,1 0 48,-1 0-32,-24 24-15,0 0-1,0 1-15,0-1 16,0 0 0,0 0-16,0 0 31</inkml:trace>
-          <inkml:trace contextRef="#ctx0" brushRef="#br0" timeOffset="89960.3859">2570 3099 0,'-72'73'47,"48"-49"-32,24 0-15,-24 0 16,24 1-16,0-1 16,0 0-1,24-24 1,0 0 0,0 0-16,0 0 15,25 0-15,-25-24 16,24 0-16,-24-1 15,-24 1-15,25 24 16,-25-24 0,0 0 15,-25 24-15,1 0 15,24 24-16,-24 0-15,24 0 16,0 1-16,0-1 16,0 0-16,0 0 15,-24 25-15,24-25 16,0 0-16,0 0 16,0 0-16,0 0 15,0 1 1,0-1-16,0 0 15,0 0 1,0 0 0,-24-24-1,24 25 1,-25-25 0,25 24-16,-24-24 15,24 24-15,-24-24 16,0 0-16,0 24 0,0-24 15,-1-24 1,1 24 0,24-24-16,0 0 15,0-1-15,0 1 32,0 0-17,49 0 1,-25 24-16,0-24 15,0-1-15</inkml:trace>
-        </inkml:traceGroup>
-        <inkml:traceGroup>
-          <inkml:annotationXML>
-            <emma:emma xmlns:emma="http://www.w3.org/2003/04/emma" version="1.0">
-              <emma:interpretation id="{5E928CB7-7BD2-4C60-89C7-8B4BB257AEAD}" emma:medium="tactile" emma:mode="ink">
-                <msink:context xmlns:msink="http://schemas.microsoft.com/ink/2010/main" type="inkWord" rotatedBoundingBox="14880,8302 17896,8534 17837,9298 14821,9066"/>
-              </emma:interpretation>
-              <emma:one-of disjunction-type="recognition" id="oneOf8">
-                <emma:interpretation id="interp8" emma:lang="" emma:confidence="1">
-                  <emma:literal/>
-                </emma:interpretation>
-              </emma:one-of>
-            </emma:emma>
-          </inkml:annotationXML>
-          <inkml:trace contextRef="#ctx0" brushRef="#br0" timeOffset="92141.9696">3804 3365 0,'121'-24'47,"-97"0"-32,-24 0 1,0 0 0,0-1-1,-24 25 1,0 0-1,0 0-15,0 0 16,-1 25 0,1-1-16,0 0 15,0 0 1,24 0 0,0 1-16,-24-25 15,24 24-15,0 0 0,0 0 16,0 0-1,24-24-15,0 24 16,0-24-16,49 0 31,-1-24 1</inkml:trace>
-          <inkml:trace contextRef="#ctx0" brushRef="#br0" timeOffset="92847.9785">4288 3269 0,'-97'72'46,"73"-72"-46,24 24 16,-24-24-16,24 25 16,0-1-16,-24-24 15,24 24-15,0 0 16,0 0 15,24-24-15,0 0-16,0 0 15,0 0-15,1 0 16,-1-24-16,0 0 16,0 0-16,-24 0 15,24-1-15,-24 1 16,0 0 0,0 48 62,0 0-63,0 1-15,-24-1 16,24 0-16,0 0 16,0 0-16,0 0 15,0 1-15,24-25 16,1 0-1,-1 0-15,0 0 16</inkml:trace>
-          <inkml:trace contextRef="#ctx0" brushRef="#br0" timeOffset="91470.0208">3393 3172 0,'0'24'63,"24"-24"-47,25 0-1,-25 0 1,0 0-16,0 0 15,0 0-15,0 0 16</inkml:trace>
-          <inkml:trace contextRef="#ctx0" brushRef="#br0" timeOffset="91138.8757">3659 2906 0,'24'-49'46,"-48"25"-14,0 24-1,0 0-15,-1 0-1,1 24-15,0 1 16,0-1-16,0 0 15,0 24-15,24-24 0,-25 25 16,25-1-16,-24-24 16,24 25-16,0-1 15,0-24-15,0 25 16,0-25-16,0 24 16,0-23-16,0-1 15,0 0-15,0 0 16,0 0-16,0 0 15,0 1-15,0-1 16,0 0 0,0-48-1</inkml:trace>
-          <inkml:trace contextRef="#ctx0" brushRef="#br0" timeOffset="93671.4018">4482 3269 0,'48'0'63,"49"24"-32,24-24 0,-121-24-31</inkml:trace>
-          <inkml:trace contextRef="#ctx0" brushRef="#br0" timeOffset="93380.6074">4602 2978 0,'-24'97'63,"24"-73"-63,0 25 0,-24-25 15,24 24-15,0-24 16,0 25-16,0-1 15,0-24-15,0 25 16,0-25-16,-24 0 16,24 0-16,0 0 15,0 1-15,0-1 16,0 0 0,24-24-1,0 0 16,0 0-15,1 0 0,-1 0-1,-24-24-15</inkml:trace>
-          <inkml:trace contextRef="#ctx0" brushRef="#br0" timeOffset="94572.6293">4917 3317 0,'0'24'125,"0"0"-125,0 1 16,0-1-16,0 0 16,0 24-16,0-24 15,0 1-15,0-1 16,24-24-1,0 0 1,25 0-16,-25-24 16,0-1-16,24 1 0,-23-24 15,-25 24 1,0 0-16,0-1 16,0 1 15,-25 24-31</inkml:trace>
-          <inkml:trace contextRef="#ctx0" brushRef="#br0" timeOffset="95262.7077">5256 3486 0,'96'-72'47,"-71"72"-47,-1-24 15,0 24 48,-24 24-48,0 0 1,0 0-16,0 0 16,0 0-1,0 1 1,0-50 62,24 1-62,-24 0-1,24 24 1,1-24-16,-25 0 15,24 0-15,0-1 16,0 1 0</inkml:trace>
-          <inkml:trace contextRef="#ctx0" brushRef="#br0" timeOffset="95841.0442">5764 3365 0,'72'0'47,"-48"0"-32,1 0-15,-1-24 16,0 24-16,-24-24 15,24 24-15,-24-24 47,-48 24-15,24 0-32,-1 0 0,1 0 15,0 24-15,0 0 16,-25-24-16,25 24 15,0 1-15,24-1 16,-24 0-16,0 0 16,24 0-1,0 0-15,0 1 16,0-1-16,24-24 16,24 24-16,-24-24 15,25 0-15,-1 0 16,-24 0-1,25 0-15,-49-24 0</inkml:trace>
-          <inkml:trace contextRef="#ctx0" brushRef="#br0" timeOffset="96618.7971">6368 3293 0,'-96'0'62,"96"24"-62,-25-24 16,25 24-16,-24-24 15,24 24-15,0 1 16,0-1 15,0 0-15,24-24 0,1 24-16,-1-24 15,0 0 1,0 0-1,-24 24 1,24-24-16,-24 24 31,25-24-31,-25 25 32,0-1-17,0 0 1,0 0-1,-25-24 1,25 24-16,-24-24 31,0 25-15,0-25-16,0 0 0,-1 0 16,1 0-1,0 0-15,0 0 0,0 0 16,-1-25-1,1 25 1</inkml:trace>
+          <inkml:trace contextRef="#ctx0" brushRef="#br1" timeOffset="-18053.5627">17549 521 0,'24'0'203,"0"0"-187,0 0-1,-24 24-15,24-24 16,0 0 0,1 0-1,-1 0 1,0 0 0,0 0-1,0 0-15,1 0 16,-1 0-1,0 0-15,0 0 16,0 0 0,1 24-16,-1-24 15,0 0 1,0 0 0,0 0-16,1 0 15,-1 25 1,0-25-1,0 0 1,0 0-16,0 24 16,1-24-16,-1 0 15,0 0 1,0 0-16,0 0 0,1 0 16,-1 0-1,0 0 1,0 0-1,0 0-15,1 0 16,-1 0-16,0 0 16,0 0-16,0 0 31,1 0-15,-1 0-16,0 0 15,0 0-15,0 0 16,0 0-16,1 0 15,-1 0 1,0 0 15,0 0-31,0 0 16,1 0-16,-1 0 16,0-24-16,0 24 15,0 0 16,1 0-15,-1 0 0,0 0-1,0 0-15,0 0 16,1 0 0,-25-25-1,24 25 1,0 0 15,0 0 0,-24-24-31,24 24 16,0-24 0,1 24-1,-1-24 1,0 24-1,0 0 1,-24-24-16,24 24 31,1 0-15,-25-24-16,24 24 16,0 0-1,0 0 1,-24-25-16,24 25 15,1 0 1,-25-24 0,24 24-16,0 0 15,-24-24 1,24 24-16,0 0 16,-24-24-16,25 24 15,-1 0 1,-24-24-1,24 24 1,0-25 0,0 25-1,0-24 17,1 24-17,-25-24-15,24 24 16,-24-24-1,24 24 1,0-24 0,0-1-1,1 1 17,-25 0-1,24 24-31,-24-24 47,24 0-16,-24-1 31,0 1-15,0 0 16,0 0 15,-24 24-31</inkml:trace>
         </inkml:traceGroup>
       </inkml:traceGroup>
     </inkml:traceGroup>
+  </inkml:traceGroup>
+</inkml:ink>
+</file>
+
+<file path=ppt/ink/ink80.xml><?xml version="1.0" encoding="utf-8"?>
+<inkml:ink xmlns:inkml="http://www.w3.org/2003/InkML">
+  <inkml:definitions>
+    <inkml:context xml:id="ctx0">
+      <inkml:inkSource xml:id="inkSrc0">
+        <inkml:traceFormat>
+          <inkml:channel name="X" type="integer" min="-1920" max="3840" units="cm"/>
+          <inkml:channel name="Y" type="integer" max="1080" units="cm"/>
+          <inkml:channel name="T" type="integer" max="2.14748E9" units="dev"/>
+        </inkml:traceFormat>
+        <inkml:channelProperties>
+          <inkml:channelProperty channel="X" name="resolution" value="109.29791" units="1/cm"/>
+          <inkml:channelProperty channel="Y" name="resolution" value="36.48649" units="1/cm"/>
+          <inkml:channelProperty channel="T" name="resolution" value="1" units="1/dev"/>
+        </inkml:channelProperties>
+      </inkml:inkSource>
+      <inkml:timestamp xml:id="ts0" timeString="2018-01-01T16:41:34.725"/>
+    </inkml:context>
+    <inkml:brush xml:id="br0">
+      <inkml:brushProperty name="width" value="0.07938" units="cm"/>
+      <inkml:brushProperty name="height" value="0.07938" units="cm"/>
+      <inkml:brushProperty name="color" value="#00B050"/>
+      <inkml:brushProperty name="fitToCurve" value="1"/>
+    </inkml:brush>
+    <inkml:brush xml:id="br1">
+      <inkml:brushProperty name="width" value="0.10583" units="cm"/>
+      <inkml:brushProperty name="height" value="0.10583" units="cm"/>
+      <inkml:brushProperty name="color" value="#C00000"/>
+      <inkml:brushProperty name="fitToCurve" value="1"/>
+    </inkml:brush>
+  </inkml:definitions>
+  <inkml:traceGroup>
+    <inkml:annotationXML>
+      <emma:emma xmlns:emma="http://www.w3.org/2003/04/emma" version="1.0">
+        <emma:interpretation id="{3090AE24-F3DD-49D8-8143-4CE7C65D25B7}" emma:medium="tactile" emma:mode="ink">
+          <msink:context xmlns:msink="http://schemas.microsoft.com/ink/2010/main" type="writingRegion" rotatedBoundingBox="9806,1118 16423,1307 16351,3823 9734,3634"/>
+        </emma:interpretation>
+      </emma:emma>
+    </inkml:annotationXML>
     <inkml:traceGroup>
       <inkml:annotationXML>
         <emma:emma xmlns:emma="http://www.w3.org/2003/04/emma" version="1.0">
-          <emma:interpretation id="{ED8B812A-C58A-4515-821C-A10B32588FC7}" emma:medium="tactile" emma:mode="ink">
-            <msink:context xmlns:msink="http://schemas.microsoft.com/ink/2010/main" type="paragraph" rotatedBoundingBox="11861,9224 17865,9554 17808,10595 11804,10265" alignmentLevel="1"/>
+          <emma:interpretation id="{74FC4E7A-D840-44DA-A2F4-5DE8FDC30FC5}" emma:medium="tactile" emma:mode="ink">
+            <msink:context xmlns:msink="http://schemas.microsoft.com/ink/2010/main" type="paragraph" rotatedBoundingBox="9897,1101 13608,1341 13563,2026 9853,1785" alignmentLevel="1"/>
           </emma:interpretation>
         </emma:emma>
       </inkml:annotationXML>
       <inkml:traceGroup>
         <inkml:annotationXML>
           <emma:emma xmlns:emma="http://www.w3.org/2003/04/emma" version="1.0">
-            <emma:interpretation id="{EBEB760C-568D-4F83-A4FD-21E5F56EF529}" emma:medium="tactile" emma:mode="ink">
-              <msink:context xmlns:msink="http://schemas.microsoft.com/ink/2010/main" type="line" rotatedBoundingBox="11861,9224 17865,9554 17808,10595 11804,10265"/>
+            <emma:interpretation id="{6D1250E8-774D-4ADA-815D-055FF80DE848}" emma:medium="tactile" emma:mode="ink">
+              <msink:context xmlns:msink="http://schemas.microsoft.com/ink/2010/main" type="line" rotatedBoundingBox="9897,1101 13608,1341 13563,2026 9853,1785"/>
             </emma:interpretation>
           </emma:emma>
         </inkml:annotationXML>
         <inkml:traceGroup>
           <inkml:annotationXML>
             <emma:emma xmlns:emma="http://www.w3.org/2003/04/emma" version="1.0">
-              <emma:interpretation id="{B40D22D8-3AA3-4E6E-B39F-38ACBE6055F6}" emma:medium="tactile" emma:mode="ink">
-                <msink:context xmlns:msink="http://schemas.microsoft.com/ink/2010/main" type="inkWord" rotatedBoundingBox="11859,9262 14480,9406 14439,10156 11818,10011"/>
-              </emma:interpretation>
-              <emma:one-of disjunction-type="recognition" id="oneOf9">
-                <emma:interpretation id="interp9" emma:lang="" emma:confidence="1">
+              <emma:interpretation id="{7181709D-504D-44DD-BAE6-EE5895DF1F10}" emma:medium="tactile" emma:mode="ink">
+                <msink:context xmlns:msink="http://schemas.microsoft.com/ink/2010/main" type="inkWord" rotatedBoundingBox="9897,1101 12379,1262 12335,1946 9853,1785"/>
+              </emma:interpretation>
+            </emma:emma>
+          </inkml:annotationXML>
+          <inkml:trace contextRef="#ctx0" brushRef="#br0">-1566-4327 0,'0'24'204,"0"0"-204,0 0 0,0 1 15,0-1 1,0 0-16,0 0 0,0 24 15,0-23-15,0-1 16,0 0-16,0 0 16,0 0-1,0 1-15,0-1 16,0 0-16,0 0 16,0 0-1,0 1 1,0-1-1,0 0 1,24 0-16,-24 0 16,0 1-16,0-1 31</inkml:trace>
+          <inkml:trace contextRef="#ctx0" brushRef="#br0" timeOffset="80019.6964">-1542-4110 0,'24'0'156,"0"0"-124,1 0-1,-1 0 0,0 0 0,0 0-15,-24 25 62,24-25-62,1 0 31,-1 0 0,0 0 46</inkml:trace>
+          <inkml:trace contextRef="#ctx0" brushRef="#br0" timeOffset="83087.243">-1542-4351 0,'24'0'203,"0"0"-172,1 0 0,-1 0 16,0 0-31,0 0 15,0 0 16,1 0-16,-1 0 16,0 0 31,0 0-15</inkml:trace>
+          <inkml:trace contextRef="#ctx0" brushRef="#br0" timeOffset="3119.4942">-1034-4351 0,'24'0'63,"-24"24"-16,0 0-47,0 0 15,0 0-15,0 1 0,0 23 16,0-24-1,0 0-15,0 25 0,0-25 16,0 0-16,0 0 16,0 0-16,0 1 15,0-1-15,0 0 16,0 0-16,0 0 16,0 1-1,0-1-15,0 0 16,0 0-1,0 0 17,24-24-1,1 0-15,-1 25-1,0-25 1,0 0 15,-24-25-31</inkml:trace>
+          <inkml:trace contextRef="#ctx0" brushRef="#br0" timeOffset="4296.9806">-647-3989 0,'0'-24'47,"-24"48"0,0 1-31,0-1-1,-1 0 1,25 0-16,-24 0 16,24 1-1,0-1-15,0 0 16,0 0-16,0 0 16,0 1-1,24-25 16,1 0-15,-1 0 0,0-25-1,0 1-15,-24 0 16,24 0-16,-24 0 16,25-1-16,-25 1 15,0 0 1,0 0-1,0 0 17,0-1-1,0 50 94,0-1-125,0 0 16,0 0-1,0 0-15,0 1 16,0-1-16,0 0 15,24 0 1,-24 0-16,24-24 31,0 0-15,0 0-16,-24-24 16</inkml:trace>
+          <inkml:trace contextRef="#ctx0" brushRef="#br0" timeOffset="5294.7443">-405-3989 0,'0'25'93,"0"-1"-93,0 0 16,24-24-16,-24 24 16,0 0-16,0 1 15,0-1-15,0 0 16,24 0-16,-24 0 15,25-24 1,-25 25-16,0-1 31,24-24-15,-24-24 46,24-1-62,-24 1 16,24 0-16,-24 0 16,0 0-1,24-1-15,-24 1 16,0 0-16,0 0 16,25 24-16,-25-24 15,0-1-15,0 1 31</inkml:trace>
+          <inkml:trace contextRef="#ctx0" brushRef="#br0" timeOffset="6148.6041">-66-3916 0,'24'-24'47,"-24"48"15,-24-24-62,24 24 16,-24-24-16,24 24 15,0 1-15,-25-1 16,25 0 0,0 0-16,0 0 15,0 1 1,0-1-1,25-24 1,-25 24 0,24-24-16,0 0 0,0 0 15,0 0 17,0-24-17,-24 0 1,25-1-16,-25 1 15,24 0-15,-24 0 16,0-25-16,0 25 16,0 0-1,0 0-15,-97-25 125</inkml:trace>
+          <inkml:trace contextRef="#ctx0" brushRef="#br0" timeOffset="6878.755">248-3964 0,'0'-25'47,"0"98"15,-24-49-46,24 0-16,0 1 0,0-1 15,0 0-15,0 0 16,0 0 0,24-24-16,-24 25 15,24-25-15,1 0 16,-1 0-1,0 0 1,0-25-16,0 1 16,-24 0-16,25 0 15,-1 0 1,-24-1-16,0 1 16,24 0-16,-24 0 15,0 0-15</inkml:trace>
+          <inkml:trace contextRef="#ctx0" brushRef="#br0" timeOffset="10403.1091">611-3868 0,'0'-24'94,"24"24"-63,0-24-15,1 24-1,-1 0 17,0 0 15,-24 24-47,0 0 31,0 1-16,0-1-15,0 0 16,0 0-16,0 0 16,0 1-16,0-1 15,0 0 1,0 0-16,24-24 62,-24-24-46,0 0-16,0-25 16,24 25-16,-24 0 15,0 0-15,25 24 16,-25-24-16,24-1 16,-24 1-1,24 0-15,0 24 16,-24-24-1,24 24 1</inkml:trace>
+        </inkml:traceGroup>
+        <inkml:traceGroup>
+          <inkml:annotationXML>
+            <emma:emma xmlns:emma="http://www.w3.org/2003/04/emma" version="1.0">
+              <emma:interpretation id="{3AF56A94-0CD4-406B-9F20-7DB9E288054F}" emma:medium="tactile" emma:mode="ink">
+                <msink:context xmlns:msink="http://schemas.microsoft.com/ink/2010/main" type="inkWord" rotatedBoundingBox="12823,1320 13119,1339 13085,1855 12789,1835"/>
+              </emma:interpretation>
+              <emma:one-of disjunction-type="recognition" id="oneOf0">
+                <emma:interpretation id="interp0" emma:lang="" emma:confidence="1">
                   <emma:literal/>
                 </emma:interpretation>
               </emma:one-of>
             </emma:emma>
           </inkml:annotationXML>
-          <inkml:trace contextRef="#ctx0" brushRef="#br0" timeOffset="111205.0216">877 4333 0,'24'0'63,"1"0"-63,-25-24 15,24 24-15,0 0 16,0-24-16,0-1 16,0 25-1,-24-24 48,0 0-63,-24 24 0,0 0 15,0 0 1,0 0 0,0 0-1,-1 0 17,25 24-1,-24 0-31,24 1 15,0-1 1,0 0-16,0 0 16,0 0-16,0 1 15,0-1-15,24 0 16,-24 0-16,25 0 16,-1-24-16,0 24 15,0-24-15,0 0 16,0 0-16</inkml:trace>
-          <inkml:trace contextRef="#ctx0" brushRef="#br0" timeOffset="112128.6184">1192 4260 0,'24'0'78,"0"0"-62,0 0-16,0 0 16,1 0-16,23 0 15</inkml:trace>
-          <inkml:trace contextRef="#ctx0" brushRef="#br0" timeOffset="111848.9638">1313 3825 0,'0'48'63,"0"1"-48,0-1-15,-25-24 16,25 49-16,0-25 16,0 1-16,0-1 0,0 0 15,0 1-15,0-25 16,0 24-16,0-23 15,0-1-15,0 0 16,0 0-16,0 0 16,0 0 46,25-24-62,-1 0 16,0 0 15</inkml:trace>
-          <inkml:trace contextRef="#ctx0" brushRef="#br0" timeOffset="110439.2804">393 3922 0,'0'-24'47,"0"48"78,0 0-125,0 0 16,0 24-16,0-23 0,0 23 15,0-24 1,0 25-16,0-25 0,0 0 15,0 24-15,0-23 16,0-1-16,0 0 16,0 0-16,0 0 15,0 1 1,0-1 0,0-48 46,25-1-31,-25 1-31,24 0 16,-24 0-16,24 24 16,-24-24-16,0-1 15,24 25 1,0-24-1,0 0 1,1 24 15,-1 0-15,0 0 0,0 24-1,0 0-15,-24 1 16,25-1-1,-25 0-15,0 0 16,0 0 0,0 1-1,0-1 1,0 0 0,-25-24-16,25 24 15,-24-24-15,0 24 16,0-24-16,0 0 15,-1 0-15,1 0 0,0 0 16,0 0-16,24-24 16,-24 0-16,0 0 15,-1 24 17</inkml:trace>
-          <inkml:trace contextRef="#ctx0" brushRef="#br0" timeOffset="113096.0257">1603 4285 0,'0'-25'47,"0"50"-47,0-1 31,0 0-31,0 0 16,0 0-16,0 1 0,0-1 15,24 0-15,-24 0 16,0 0 0,24 0-16,-24 1 15,0-1 1,24-24-1,1 0 17,-1-24-17,0-1-15,0 25 32,0 0 46,1 0-47,-1 0 16,0-24-16,-24 0-31,24 0 0,0 0 16,-24 0-1,0-1-15,0 1 16,0 0 0,0 0-16,0 0 31</inkml:trace>
-          <inkml:trace contextRef="#ctx0" brushRef="#br0" timeOffset="113849.8442">2087 4406 0,'24'0'63,"0"-25"-63,0 25 15,-24-24-15,24 24 0,1 0 16,-1-24 0,0 24-1,-24-24 1,24 24-16,-24-24 31,-24 24-31,0 0 16,24-25-1,-24 25-15,-1 0 32,1 0-17,24 25 1,-24-1-1,0 0-15,24 0 16,0 0-16,-24 1 16,24-1-16,0 0 15,0 0-15,0 0 16,0 0-16,0 1 16,0-1-16,0 0 15,24-24-15,0 0 16,0 24-16,0-24 15,1 0-15,-1 0 16,0-24-16</inkml:trace>
-          <inkml:trace contextRef="#ctx0" brushRef="#br0" timeOffset="114505.2672">2450 4381 0,'72'-24'47,"-48"24"-47,0-24 16,1 24-1,-25-24 17,0 0-1,-25-1 0,1 25-15,0 0-16,0 0 15,0 25 1,0-1 0,24 0-16,-25 0 15,25 0 1,0 1-16,-24 23 16,48 24 15,1-47-31,-1-1 15,0-24 1,0 0-16,0 0 16,0 0-16</inkml:trace>
-          <inkml:trace contextRef="#ctx0" brushRef="#br0" timeOffset="115179.8752">2740 4309 0,'24'24'47,"-24"0"-31,0 0-16,0 1 15,0-1 1,0 0-16,0 0 16,0 0-16,0 0 15,24-24 1,0 0 15,1-24-31,-25 0 16,24 24-16,0-24 15,-24 0-15,24 0 16,0 24-16,1 24 94,-25 0-79,0 0 1,0 0 0,0 0-16,0 1 15,0-1 1,0 0-16,24-24 16,-24 24-1</inkml:trace>
-        </inkml:traceGroup>
-        <inkml:traceGroup>
-          <inkml:annotationXML>
-            <emma:emma xmlns:emma="http://www.w3.org/2003/04/emma" version="1.0">
-              <emma:interpretation id="{CF1DF6B2-7841-496B-936C-654CE6030EDD}" emma:medium="tactile" emma:mode="ink">
-                <msink:context xmlns:msink="http://schemas.microsoft.com/ink/2010/main" type="inkWord" rotatedBoundingBox="15199,9407 17865,9554 17808,10595 15141,10448"/>
-              </emma:interpretation>
-              <emma:one-of disjunction-type="recognition" id="oneOf10">
-                <emma:interpretation id="interp10" emma:lang="" emma:confidence="1">
-                  <emma:literal/>
-                </emma:interpretation>
-              </emma:one-of>
-            </emma:emma>
-          </inkml:annotationXML>
-          <inkml:trace contextRef="#ctx0" brushRef="#br0" timeOffset="117348.0392">4240 4067 0,'24'-24'47,"-24"48"-47,0 0 16,-24 0-1,24 0-15,0 1 16,-25 23-16,25-24 16,0 0-16,0 25 15,0-25-15,0 0 16,0 0-16,0 25 15,0-25-15,0 0 16,0 0-16,0 0 16,0 1 15,25-25 31,-1 0-30,-24-25-32,24 25 15,0-24-15,0 24 16,1 0 15,-1 0 16,0 24 0,-24 1-31,0-1-1,0 0 1,0 0 31,-24-24-32,0 0-15,-1 0 16,1 0 0,0 0-16,0 0 15,0 0-15,-1 0 16</inkml:trace>
-          <inkml:trace contextRef="#ctx0" brushRef="#br0" timeOffset="118321.0874">4578 4647 0,'73'-72'63,"-49"48"-48,-24-1-15,24 25 16,-24-24-16,24 0 0,-24 0 15,25 0 1,-25 48 47,0 0-63,-25 0 0,25 0 15,0 1-15,-24-1 16,24 0-16,0 0 15,-24 25-15,24-25 16,0 0-16,0 0 16,0 0-1,0 1-15,0-1 16,0 0 0,0 0-16,-24 0 0,24 1 15,-24-1 1,24 0-16,-25 0 15,25 0 1,-24-24 31,24-24-16,-24 0-31,24 0 0,0 0 16,0-1-1,0 1-15,0 0 16,0 0-16,0 0 16,24-1 31,0 25-32,-24-24-15,25 24 16,-25-24-16,24 24 15</inkml:trace>
-          <inkml:trace contextRef="#ctx0" brushRef="#br0" timeOffset="116319.2118">3780 4381 0,'0'25'94,"-24"-25"-94,24 24 16,-24 0-16,24 0 15,-25 0 1,25 0-16,0 1 15,0-1-15,0 0 16,0 0-16,0 0 16,25-24-1,-1 25-15,0-25 16,0 0-16,25-25 0,-25 25 16,0-24-16,0 0 15,0 0-15,-24 0 16,0-1-1,0 1-15,0 0 16,0-24-16,0 24 16,0-1-16,0 1 15,-24 24 1,0 0 0,0 0-1,24 24 1</inkml:trace>
-          <inkml:trace contextRef="#ctx0" brushRef="#br0" timeOffset="118749.9018">4772 4309 0,'24'-49'47</inkml:trace>
-          <inkml:trace contextRef="#ctx0" brushRef="#br0" timeOffset="119747.7163">4990 4575 0,'24'0'62,"0"0"-46,0 0-16,0-24 16,0-1-1,1 25-15,-25-24 16,24 24-16,-24-24 31,0 0-15,-24 24-16,-1-24 31,1 24-31,0 0 16,0 0-1,0 0 16,0 24-15,24 0 0,-25-24-16,25 24 15,0 0-15,0 1 16,0-1-16,0 0 16,0 0-16,0 0 15,0 1-15,0-1 16,25-24-1,-1 0-15,0 0 0,0 0 16,0 0-16,0 0 16,1 0-16</inkml:trace>
-          <inkml:trace contextRef="#ctx0" brushRef="#br0" timeOffset="120497.0303">5570 4406 0,'-48'0'63,"24"0"-63,-1 24 15,1-24-15,0 24 16,0 0 0,0 0-16,-1-24 15,1 24-15,24 1 16,-24-1-16,24 0 31,24 49-15,25-49-16,-25-24 15,0 0-15,24 24 16,-23-24-16,-1 0 16</inkml:trace>
-          <inkml:trace contextRef="#ctx0" brushRef="#br0" timeOffset="121444.0839">5739 4454 0,'25'0'78,"217"0"-16</inkml:trace>
-          <inkml:trace contextRef="#ctx0" brushRef="#br0" timeOffset="121157.8786">5981 4043 0,'0'24'47,"-24"0"-31,0 24 0,24 1-16,0-25 15,-24 24-15,24 1 16,0-1-16,0 1 15,0-1-15,-24-24 16,24 24-16,0-23 16,0 23-16,0-24 15,0 0 1,0 1-16,0-1 31,24-24 16,0 0-31,0 0-1</inkml:trace>
-          <inkml:trace contextRef="#ctx0" brushRef="#br0" timeOffset="122349.033">6320 4381 0,'-73'0'47,"49"25"-47,0-1 15,24 0 1,-24 24 15,24 1 0,24-49-31,0 24 0,0-24 16,1 0 0,-25 24-16,24-24 15,0 0 17,-24 24-32,24-24 31,-24 24-16,24-24 1,-24 25 15,0-1 1,0 0-17,0 0 1,-24-24 15,0 24-15,0-24-16,0 0 15,-1 0-15,1 0 16,0 0 0,24-24-16,-24 24 15,24-24 1,0 0 15</inkml:trace>
+          <inkml:trace contextRef="#ctx0" brushRef="#br0" timeOffset="127621.3982">1361-4134 0,'24'-24'125,"0"24"-109,1 0-1,-1 0 1,0 0-16,0 0 15,0 24 1,0-24 0,1 24-1,-25 1 1,0-1 0,0 0-16,0 0 15,0 0-15,0 1 16,0-1-1,0 0-15,0 0 16,-25 0-16,25 1 16,-24-1-1,24 0-15,-24 0 16,0-24-16,0 24 16,24 1-16,-24-25 15,-1 0 1,25 24-16,-24-24 31,0 0 0,24 24-15,-24-24 0,48 24 62,0-24-63,0 0 1,1 0-16,-1 0 16,0 0-16,0 0 15,0 0-15,0 0 16,1 0 15,-1 0-15,0 0-1</inkml:trace>
+        </inkml:traceGroup>
+        <inkml:traceGroup>
+          <inkml:annotationXML>
+            <emma:emma xmlns:emma="http://www.w3.org/2003/04/emma" version="1.0">
+              <emma:interpretation id="{8A0C55A5-87F1-46BB-94B4-F0370126205E}" emma:medium="tactile" emma:mode="ink">
+                <msink:context xmlns:msink="http://schemas.microsoft.com/ink/2010/main" type="inkWord" rotatedBoundingBox="13493,1517 13596,1524 13574,1868 13470,1861"/>
+              </emma:interpretation>
+              <emma:one-of disjunction-type="recognition" id="oneOf1">
+                <emma:interpretation id="interp1" emma:lang="" emma:confidence="0">
+                  <emma:literal>2</emma:literal>
+                </emma:interpretation>
+                <emma:interpretation id="interp2" emma:lang="" emma:confidence="0">
+                  <emma:literal>Z</emma:literal>
+                </emma:interpretation>
+                <emma:interpretation id="interp3" emma:lang="" emma:confidence="0">
+                  <emma:literal>z</emma:literal>
+                </emma:interpretation>
+                <emma:interpretation id="interp4" emma:lang="" emma:confidence="0">
+                  <emma:literal>3</emma:literal>
+                </emma:interpretation>
+                <emma:interpretation id="interp5" emma:lang="" emma:confidence="0">
+                  <emma:literal>J</emma:literal>
+                </emma:interpretation>
+              </emma:one-of>
+            </emma:emma>
+          </inkml:annotationXML>
+          <inkml:trace contextRef="#ctx0" brushRef="#br0" timeOffset="21562.9305">2111-3940 0,'-24'0'234,"-1"0"-203,25-24-15,25 24 78,-1 0-63,-24 24 16,0 0-16,-24-24 0,-1 0 1,25-24 15,0 0-16,25 24-16,-1 0 17,-24 24-1,0 0 31,-24-24-46,-1 0 15,25-24-15,0 0 15,25 24-15,-1 0 15,0 0 16,-24 24-16,-24-24 47,0 0-62</inkml:trace>
+          <inkml:trace contextRef="#ctx0" brushRef="#br0" timeOffset="26198.2976">2038-3650 0,'24'0'172,"-48"0"-47,0 0-109,24-24 31,24 0-16,0 24-16,1 0 17,-25 24-17,0 0 32,0 0-16,-25-24-15,1 0 0,0 0-1,24-24 17,0 0-1,24 24 0,0 0 0,1 0 1,-25 24-17,0 0 32,-25-24-31,1 0 15,24-24 0,0 0-31,0 0 16,24 24-1,1 0 17,-25 24-17</inkml:trace>
         </inkml:traceGroup>
       </inkml:traceGroup>
     </inkml:traceGroup>
     <inkml:traceGroup>
       <inkml:annotationXML>
         <emma:emma xmlns:emma="http://www.w3.org/2003/04/emma" version="1.0">
-          <emma:interpretation id="{6BE5F765-CBD9-4505-8362-DE01C3B446FD}" emma:medium="tactile" emma:mode="ink">
-            <msink:context xmlns:msink="http://schemas.microsoft.com/ink/2010/main" type="paragraph" rotatedBoundingBox="11480,10327 18095,10571 18052,11736 11437,11491" alignmentLevel="1"/>
+          <emma:interpretation id="{ABA05547-6DBC-408A-8948-D204ED93D5BA}" emma:medium="tactile" emma:mode="ink">
+            <msink:context xmlns:msink="http://schemas.microsoft.com/ink/2010/main" type="paragraph" rotatedBoundingBox="9768,2449 16385,2638 16351,3823 9734,3634" alignmentLevel="1"/>
           </emma:interpretation>
         </emma:emma>
       </inkml:annotationXML>
       <inkml:traceGroup>
         <inkml:annotationXML>
           <emma:emma xmlns:emma="http://www.w3.org/2003/04/emma" version="1.0">
-            <emma:interpretation id="{F41B77A6-D3AC-4044-BF1A-13E3CDB34555}" emma:medium="tactile" emma:mode="ink">
-              <msink:context xmlns:msink="http://schemas.microsoft.com/ink/2010/main" type="inkBullet" rotatedBoundingBox="11468,10639 11566,10643 11562,10765 11464,10762"/>
-            </emma:interpretation>
-            <emma:one-of disjunction-type="recognition" id="oneOf11">
-              <emma:interpretation id="interp11" emma:lang="" emma:confidence="0">
-                <emma:literal>•</emma:literal>
-              </emma:interpretation>
-            </emma:one-of>
-          </emma:emma>
-        </inkml:annotationXML>
-        <inkml:trace contextRef="#ctx0" brushRef="#br0" timeOffset="137391.4252">79 5252 0,'24'0'15,"-48"0"157,24 24-156,-24-24-16,24-24 47,-25 24-47,25-24 15,0 0-15,0 0 32,25 24 14,-25-25-30,24 25-16,0 0 31,-24 25-15,0-1 0,0 0-1,-24 0 1,0-24-1,-1 0 1,1 0-16,24-24 47</inkml:trace>
-      </inkml:traceGroup>
-      <inkml:traceGroup>
-        <inkml:annotationXML>
-          <emma:emma xmlns:emma="http://www.w3.org/2003/04/emma" version="1.0">
-            <emma:interpretation id="{4631DE58-C211-491C-A844-E1A911CDF923}" emma:medium="tactile" emma:mode="ink">
-              <msink:context xmlns:msink="http://schemas.microsoft.com/ink/2010/main" type="line" rotatedBoundingBox="11917,10343 18095,10571 18052,11736 11874,11508"/>
+            <emma:interpretation id="{6CC29C2A-D67F-4AA1-B889-CCF2E1B34318}" emma:medium="tactile" emma:mode="ink">
+              <msink:context xmlns:msink="http://schemas.microsoft.com/ink/2010/main" type="line" rotatedBoundingBox="9768,2449 16385,2638 16351,3823 9734,3634"/>
             </emma:interpretation>
           </emma:emma>
         </inkml:annotationXML>
         <inkml:traceGroup>
           <inkml:annotationXML>
             <emma:emma xmlns:emma="http://www.w3.org/2003/04/emma" version="1.0">
-              <emma:interpretation id="{0AA952CB-9C18-4CB5-BA60-48D53111D661}" emma:medium="tactile" emma:mode="ink">
-                <msink:context xmlns:msink="http://schemas.microsoft.com/ink/2010/main" type="inkWord" rotatedBoundingBox="11910,10536 13685,10602 13653,11479 11878,11414"/>
-              </emma:interpretation>
-              <emma:one-of disjunction-type="recognition" id="oneOf12">
-                <emma:interpretation id="interp12" emma:lang="" emma:confidence="1">
+              <emma:interpretation id="{FCC668C0-A3A7-4B10-B652-B35C1BD44200}" emma:medium="tactile" emma:mode="ink">
+                <msink:context xmlns:msink="http://schemas.microsoft.com/ink/2010/main" type="inkWord" rotatedBoundingBox="9766,2509 12374,2584 12342,3709 9734,3634"/>
+              </emma:interpretation>
+              <emma:one-of disjunction-type="recognition" id="oneOf2">
+                <emma:interpretation id="interp6" emma:lang="" emma:confidence="1">
                   <emma:literal/>
                 </emma:interpretation>
               </emma:one-of>
             </emma:emma>
           </inkml:annotationXML>
-          <inkml:trace contextRef="#ctx0" brushRef="#br0" timeOffset="138981.2786">538 5107 0,'-24'0'141,"24"24"-141,-24 0 15,24 1-15,-24-1 0,24 0 16,0 0-16,-24 0 15,24 1-15,0 23 16,0-24-16,0 0 16,0 1-16,0-1 15,0 0-15,0 0 16,0 0-16,24-24 16,-24 24-1,24-24-15,0 0 16,0 0-16,1-24 15,-1 24 1,0-24-16,0 0 16,0 0-16,1 0 0,-1-1 15,-24 1-15,24-24 16,0 24-16,-24-1 16,0 1-16,0 0 15,0 0 1,0 0-16,0-1 15,0 1 1,0 0 0,-24 0-16,24 0 31,-24 24-31,0 0 16,-1 0 15,1 0-31,0 24 31</inkml:trace>
-          <inkml:trace contextRef="#ctx0" brushRef="#br0" timeOffset="139857.2347">877 5422 0,'24'0'62,"-24"-25"-62,0 1 16,25 24-1,-25-24 1,24 24 15,0 24 16,-24 0-31,0 25-16,0-25 15,0 0-15,0 0 16,0 0-16,0 1 16,0-1-1,0 0 1,0-48 31,0 0-32,0-25-15,0 25 16,0 0 0,0 0-16,24 0 15,0-1 16,0 25-15,-24-24-16</inkml:trace>
-          <inkml:trace contextRef="#ctx0" brushRef="#br0" timeOffset="140841.2724">1337 5373 0,'-24'0'63,"-1"24"-48,1 1 1,0-1-16,24 0 16,0 0-1,-24-24-15,24 24 0,24 0 32,0-24-17,0 0 1,1 0-1,-1 0-15,0 0 16,0-24 0,-24 0-16,0 0 15,0 0 1,0 0 0,0-1-16,0 50 93,0-1-77,0 0 0,0 0-16,0 0 15,0 25-15,0-25 16,0 0-16,0 0 15,0 0-15,0 1 16,0-1-16,0 0 0,0 0 16,0 0-16,0 1 15,0-1 1,0 0-16,-24-24 16,24 24-16,-24 0 15,0-24-15,-1 25 16,25-1-16,-48-24 15,24 0-15,0 0 16,-1 0 0,25-24-1,0-1 1,0-23-16,0 24 16,25-25-16,-25 25 15,24-24-15,-24 24 16,24-1-16</inkml:trace>
-          <inkml:trace contextRef="#ctx0" brushRef="#br0" timeOffset="141802.0561">1675 5325 0,'-24'24'141,"0"0"-141,24 0 16,-24 1-16,24-1 15,-24 0 1,24 0-16,0 0 15,0 0 1,96-48 62,-71 24-78,-25-24 0,24 0 16,-24 0-1,0 0 1,0-1 0,0 1-1,0 48 63,0 1-78,0-1 16,0 0-16,-24 0 0,24 0 16,0 25-1,0-25-15,0 0 16,24-24-16,-24 24 16,24-24-16,0 0 15,0-24-15</inkml:trace>
-          <inkml:trace contextRef="#ctx0" brushRef="#br0" timeOffset="142671.4291">1966 5397 0,'0'73'47,"24"-49"-32,-24 0-15,0 0 16,0 1 0,24-1-1,0-24 32,0-24-16,-24-1-31,0 1 0,25 24 16,-25-24-16,0 0 16,24 24-16,-24-24 62,24 24-62,0 0 31,0 0 1,1 24 30,-25 0-46,0 0-1,0 0 1,0 1 0,0-1 15</inkml:trace>
-        </inkml:traceGroup>
-        <inkml:traceGroup>
-          <inkml:annotationXML>
-            <emma:emma xmlns:emma="http://www.w3.org/2003/04/emma" version="1.0">
-              <emma:interpretation id="{9154C33F-E16E-4456-8E8C-205358F863C1}" emma:medium="tactile" emma:mode="ink">
-                <msink:context xmlns:msink="http://schemas.microsoft.com/ink/2010/main" type="inkWord" rotatedBoundingBox="13954,10665 15709,10729 15675,11648 13920,11583"/>
-              </emma:interpretation>
-              <emma:one-of disjunction-type="recognition" id="oneOf13">
-                <emma:interpretation id="interp13" emma:lang="" emma:confidence="1">
+          <inkml:trace contextRef="#ctx0" brushRef="#br1" timeOffset="144855.4201">-1711-2247 0,'0'-24'79,"0"0"-64,0 0 1,0-1-16,0 1 0,24 0 15,-24 0-15,0 0 16,24-1-16,-24 1 16,24 0-16,-24-24 15,25 23-15,-25 1 16,0 0-16,24 0 16,-24 0-16,0 0 15,0-1-15,24 1 16,-24 0-1,0 0-15,24 0 16,-24-1-16,0 1 16,0 0-1,24 0-15,-24 0 47,0-1-16,0 50 79,0-1-95,0 0-15,0 0 16,0 0-16,0 1 16,0 23-16,0-24 15,24 25-15,-24-25 16,0 0-16,0 24 16,0-24-16,25 25 15,-25-25-15,0 0 16,0 0-16,24 1 0,-24-1 15,0 0-15,0 0 16,24-24 0,-24 24-16,0 1 0,0-1 15,0 0 1,24-24 0,0 0 15,1-24-16,-25 0 1,24-1-16,-24 1 16,24-24-16,0 24 15,-24-25-15,0 25 16,24-24-16,-24 23 16,0-23-16,25 24 0,-25-24 15,0 23 1,24 1-16,-24 0 0,24 0 15,-24 0-15,24-1 16,-24 1-16,0 0 16,24 0-1,-24 48 313,0 0-312,0 0-16,0 1 16,0-1-16,0 0 15,0 0-15,0 0 16,0 1-16,0 23 16,0-24-16,0 0 15,0 0-15,0 1 16,0-1-16,0 0 15,0 0-15,0 0 16,25 1 0,-25-1-1,0 0 1,24-24-16,-24 24 16,0 0-1</inkml:trace>
+          <inkml:trace contextRef="#ctx0" brushRef="#br1" timeOffset="146060.5513">-792-2610 0,'0'-24'62,"0"48"1,-24-24-63,24 24 15,-24-24-15,24 25 16,-25-1-16,25 0 0,0 0 15,-24-24-15,24 24 16,0 1-16,0-1 16,0 0-1,0 0-15,0 0 16,24-24 0,-24 25-1,97-50 32,-73 25-47,1-24 0,-1 0 16,0 0-16,-24 0 15,24-1-15,-24 1 16,0 0-16,0 0 16,0 0-1,0-1-15,-24 1 16,24 0-16,-24 24 15,0-24-15,-1 24 16,1 0 0,0 0-16,0 24 15,0 0 1,24 0 0</inkml:trace>
+          <inkml:trace contextRef="#ctx0" brushRef="#br1" timeOffset="147089.1139">-478-2586 0,'0'25'93,"0"-1"-77,0 0-16,0 0 16,0 0-1,0 1-15,25-1 16,-25 0-16,72 24 94,-48-72-79,1 0-15,-25 0 16,24 0-16,-24-1 16,24 1-1,-24 0 1,0 0-16,24 0 15,-24-1 1,0 1-16,0 0 0,0 0 31</inkml:trace>
+          <inkml:trace contextRef="#ctx0" brushRef="#br1" timeOffset="147839.4804">-18-2561 0,'-24'24'140,"24"0"-124,0 0-1,0 0-15,0 1 16,-24-1-16,24 0 0,0 0 16,0 0-16,0 1 15,0-1 1</inkml:trace>
+          <inkml:trace contextRef="#ctx0" brushRef="#br1" timeOffset="148382.2285">-42-2731 0,'24'-72'47,"-24"48"-47,0-1 16,0 1 15,24 0-15</inkml:trace>
+          <inkml:trace contextRef="#ctx0" brushRef="#br1" timeOffset="149505.0322">200-2586 0,'0'25'94,"0"-1"-79,0 0-15,0 0 16,0 0 0,0 1-16,0-1 15,0 0 1,24-24 93,-24-24-93,24 24 0,-24-24-16,24-1 15,1 1 1,-1 0-1,-24 0 1,24 24-16,0 0 78,-24 24-62,24-24-1,-24 24-15,0 0 16,0 1 0,0-1-1,0 0 1,0 0-16,0 0 16,0 1-1,0-1 1</inkml:trace>
+          <inkml:trace contextRef="#ctx0" brushRef="#br1" timeOffset="153067.4739">829-2586 0,'-24'0'93,"-1"0"-61,1 0-32,0 0 31,24 25-31,-24-25 15,0 24-15,-1 0 16,25 0 0,-24-24-16,24 24 15,-24 1-15,24-1 16,0 0 0,0 0-16,0 0 15,0 1 1,24-1-1,0-24 1,1 0-16,-1 0 16,0 0-16,0 0 15,0 0-15,-24-24 16,25 24-16,-1-25 16,0 1-1,-24 0-15,24 0 16,0 0-1,-24-1-15,0 1 16,0 0 0,0 48 140,-24 0-140,24 1-1,-24-1 1,24 0-16,0 0 15,0 0-15,0 1 16,0-1 0,0 0-16,0 0 0,0 0 15,-24-24-15,24 25 16,0-1-16,0 0 16,0 0-16,0 0 15,0 0-15,-24 1 16,24-1-16,0 0 15,-25 0-15,25 0 16,-24 1-16,24-1 16,-24 0-16,24 0 15,-24 0-15,0 1 16,24-1 0,-25-24-1,1 0 16,0 0-31,0 0 16,0-24 0,24-1-1,-25 1 1,25 0 0,0 0-16,0 0 15,0-1 1,25 1-16,-1 0 0,0 0 15,24 0 1,-23-1-16,-1 1 0,0 0 16,0 24-16,0-24 15,-24 0-15,25 24 16,-1-24-16</inkml:trace>
+        </inkml:traceGroup>
+        <inkml:traceGroup>
+          <inkml:annotationXML>
+            <emma:emma xmlns:emma="http://www.w3.org/2003/04/emma" version="1.0">
+              <emma:interpretation id="{8A9D7303-B753-42D6-9CAD-AB5B666BE6FC}" emma:medium="tactile" emma:mode="ink">
+                <msink:context xmlns:msink="http://schemas.microsoft.com/ink/2010/main" type="inkWord" rotatedBoundingBox="13154,2546 16385,2638 16364,3382 13133,3289"/>
+              </emma:interpretation>
+              <emma:one-of disjunction-type="recognition" id="oneOf3">
+                <emma:interpretation id="interp7" emma:lang="" emma:confidence="1">
                   <emma:literal/>
                 </emma:interpretation>
               </emma:one-of>
             </emma:emma>
           </inkml:annotationXML>
-          <inkml:trace contextRef="#ctx0" brushRef="#br0" timeOffset="144012.6583">2764 5349 0,'48'-24'46,"-23"24"-30,-1 0-16,0 0 16,-24 24 15,0 0-15,0 0-16,0 1 15,0-1-15,-24 0 0,24 0 16,-24-24-16,-1 24 15,25 0-15,-24 1 16,0-25 0,24 24-16,-24 0 15,24 0 17,24 0-1,0-24-16,0 25-15,1-25 16,-1 0 0,0 0-16</inkml:trace>
-          <inkml:trace contextRef="#ctx0" brushRef="#br0" timeOffset="144306.865">2740 5470 0,'24'24'47,"0"0"-31,0-24 0,1 0-16,23 0 15</inkml:trace>
-          <inkml:trace contextRef="#ctx0" brushRef="#br0" timeOffset="143106.4143">2498 5373 0,'0'73'63,"0"-49"-47,0 0-16,0 0 15,0 0-15,0 1 16,0-1-16,0 0 31</inkml:trace>
-          <inkml:trace contextRef="#ctx0" brushRef="#br0" timeOffset="143338.679">2522 5204 0</inkml:trace>
-          <inkml:trace contextRef="#ctx0" brushRef="#br0" timeOffset="145642.1703">3175 5204 0,'24'0'47,"1"0"-32</inkml:trace>
-          <inkml:trace contextRef="#ctx0" brushRef="#br0" timeOffset="145257.4202">3248 5397 0,'-24'0'63,"24"25"-32,0-1-15,0 0-1,0 0-15,0 0 16,0 0-16,0 1 15,0-1-15,0 0 16,0 0-16,0 0 16</inkml:trace>
-          <inkml:trace contextRef="#ctx0" brushRef="#br0" timeOffset="146511.4073">3441 5470 0,'0'24'63,"0"0"-48,0 0 1,0 1-16,0-1 16,0 0-16,0 0 15,0 0 1,0 1-16,0-1 16,25-24-1,-1 0 1,0-24 15,0-25-31,0 25 0,-24 0 16,24 0-16,1-1 15,-25 1-15,24 24 16,-24-24-16,24 0 16,-24 0 15,24 24-31,0 24 47,-24 0-32,25 0 1,-25 0 15,0 73 0,0-73-15,0 1-16,24-25 31</inkml:trace>
-          <inkml:trace contextRef="#ctx0" brushRef="#br0" timeOffset="147350.6361">4119 5373 0,'-97'97'63,"73"-73"-63,0 0 16,24 0-1,0 1-15,0-1 16,24 0 15,0-24-31,0 0 16,24 0-16,-23 0 15,-1-24-15,0 0 16,0-1-16,0 1 16,1 0-1,-25 0 1,-25 24 15,1 0-15,24 24 15,-24 0-15,24 0-16,0 1 15,0-1-15,0 0 16,0 0-16,0 25 15,0-25-15,0 0 16,-24 24-16,24-23 16,0 23-16,-24-24 15,24 0-15,-25 25 16,25-25-16,-24 0 16,24 24-16,-24-23 0,0-1 15,0 0-15,0-24 16,-1 24-16,1-24 15,0 0 1,0 0-16,0 0 16,-1-24-16,1 0 15,24 0 1,0-1 0,0 1-16,24 0 15,1 0-15,-1 0 16,-24 0-16,24 24 15,0-25-15,0 25 0,1 0 16</inkml:trace>
-        </inkml:traceGroup>
-        <inkml:traceGroup>
-          <inkml:annotationXML>
-            <emma:emma xmlns:emma="http://www.w3.org/2003/04/emma" version="1.0">
-              <emma:interpretation id="{A436F3C4-E938-4180-A08B-D1C4231DE060}" emma:medium="tactile" emma:mode="ink">
-                <msink:context xmlns:msink="http://schemas.microsoft.com/ink/2010/main" type="inkWord" rotatedBoundingBox="16351,10506 18095,10571 18067,11344 16323,11280"/>
-              </emma:interpretation>
-              <emma:one-of disjunction-type="recognition" id="oneOf14">
-                <emma:interpretation id="interp14" emma:lang="" emma:confidence="1">
-                  <emma:literal/>
-                </emma:interpretation>
-              </emma:one-of>
-            </emma:emma>
-          </inkml:annotationXML>
-          <inkml:trace contextRef="#ctx0" brushRef="#br0" timeOffset="149838.731">5643 5518 0,'-218'145'109,"218"-120"-93,0-1 0,0 0 15,24-24-15,0 0-1,1 0-15,-1 0 16,0 0-1,0-24 1,0 0-16,-24-1 16,24 1-16,-24 0 0,25 0 15,-25 0 1,0 48 78,0 0-79,0 0-15,0 0 16,0 1-16,0-1 16,24-24-16,-24 24 0,24 0 31,0-24-16,0 0-15,1 0 0</inkml:trace>
-          <inkml:trace contextRef="#ctx0" brushRef="#br0" timeOffset="150717.3577">5909 5567 0,'24'0'63,"0"0"-48,0 0-15,1 0 16,-1-25-16,24 25 15,-24 0-15,0-24 16</inkml:trace>
-          <inkml:trace contextRef="#ctx0" brushRef="#br0" timeOffset="150434.599">6030 5155 0,'24'25'47,"-24"-1"-32,0 0-15,0 0 16,0 25-16,-24-1 16,24 0-16,-24 1 15,-1-1-15,25 0 16,-24 1-16,24-1 16,-24-24-16,24 1 15,0 23-15,0-24 16,0 0-1,0 1 1,24-25 0,-24 24-16,24-24 15,1 0 1,-1 0 0,24 0 15</inkml:trace>
-          <inkml:trace contextRef="#ctx0" brushRef="#br0" timeOffset="148940.2892">5038 5518 0,'0'-48'62,"-24"48"-15,0 24-31,-1 0-1,1 0-15,0 1 16,0-1-1,24 0-15,-24 0 0,24 0 16,0 1-16,0-1 16,0 0 15,24-24-15,24 0-1,-24 0 1,1 0-16,-1 0 15,0-24 1,-24 0-16,24-1 16,-24-23-16,24 24 15,0-25-15,1 1 16,-25 0-16,24 24 16,-24-1-16,24 1 15,-24 0-15,0 0 16,24 0-16,-24-1 15,0-23-15,24 24 16,-24 0-16,25-1 16,-25 1-16,24 0 15,-24 0-15,24 0 16,-24-1 0,0 50 77,-24-1-93,24 24 16,0-24-16,-24 1 16,24 23-16,-25 0 15,25-23-15,-24 23 16,24-24-16,0 25 15,0-25-15,0 24 16,0-24-16,0 25 16,0-25-16,0 0 0,0 0 15,0 0-15,24 1 16,-24-1-16,25 0 16</inkml:trace>
-          <inkml:trace contextRef="#ctx0" brushRef="#br0" timeOffset="151528.0596">6417 5518 0,'-24'24'46,"-1"1"-30,1-1 0,0 0-16,0 0 0,24 0 15,0 1-15,-24-25 16,24 24-16,0 0 16,0 0-1,24 0 1,0-24-1,24 0-15,-23 0 16,-1 0-16,0-24 16,0 0-1,-24 0-15,0 0 16,24-1 0,-24 1-16,25-24 0,-25 24 15,0-1-15,24 1 16,-24 0-1,-24 218 110,24-170-109,0 0-16,0 0 16,24-24-16,-24 24 15,24-24-15,0 0 16,0 0 0</inkml:trace>
+          <inkml:trace contextRef="#ctx0" brushRef="#br1" timeOffset="155503.2562">1772-2900 0,'-24'24'47,"48"-24"31,0 0-62,1 0-16,-1 0 0,0 0 15,0 0 1,0 0-16,1 0 0,-1 0 16,0 0-16,0 0 15,0 0-15,0 0 31</inkml:trace>
+          <inkml:trace contextRef="#ctx0" brushRef="#br1" timeOffset="156081.2923">1796-2537 0,'25'0'109,"-1"0"-109,0 0 16,0 0-1,0 0-15,1 0 16,-1 0-16,0 0 16,0 0-1</inkml:trace>
+          <inkml:trace contextRef="#ctx0" brushRef="#br1" timeOffset="154709.1427">1724-2876 0,'0'24'109,"0"1"-93,0-1-16,0 24 15,0-24-15,0 1 16,0 23-16,0-24 16,0 0-16,0 0 15,0 25-15,0-25 16,0 0-16,0 0 0,0 1 16,0-1-16,0 0 15,-24 0 1,24 0-1,0 1-15,0-1 16,0 0 0,-25 0-16,25 0 15,0 1 1,25-25 15,-25-25-15</inkml:trace>
+          <inkml:trace contextRef="#ctx0" brushRef="#br1" timeOffset="157311.1697">2183-2368 0,'25'0'94,"-1"-24"-94,0 24 16,24-24-16,-23 24 15,-1-24 1,0-1 0,-24 1-1,0 0 1,0 0-16,0 0 31,-24 24-31,0 0 16,-1 0-1,1 0 1,0 0 0,0 0-1,0 24 1,-1 0 0,1-24-1,24 24 1,-24-24-1,24 24-15,-24-24 0,24 25 16,-24-1 0,24 0-1,0 0-15,0 49 47,0-1 0,24-72-47,0 25 0,0-25 16,0 0-1,1 0-15,23 0 0,-24-25 16,25 25 0</inkml:trace>
+          <inkml:trace contextRef="#ctx0" brushRef="#br1" timeOffset="158639.4594">2716-2513 0,'0'-24'47,"-25"24"-15,1 0-17,24 24-15,-24-24 16,0 0-16,24 24 15,-24 0-15,-1-24 16,25 25-16,-24-25 16,24 24-16,-24-24 15,24 24-15,0 0 0,-24-24 16,24 24-16,0 1 16,0-1-1,0 0 1,0 0 15,24-24-31,0 0 16,0 0-1,1 0 1,144-193 93,-169 168-109,0 1 32,0 48 124,0 1-141,0-1 1,0 0-16,0 0 16,-24 0-16,24 1 15,0-1 1,0 0 0,0 0-1,24-24-15,0 0 16,-24 24-1,24-24-15,1 0 16,-1 0 0</inkml:trace>
+          <inkml:trace contextRef="#ctx0" brushRef="#br1" timeOffset="160327.2803">3030-2634 0,'73'0'110,"-25"0"-95,-24 0-15,0 0 0,1 0 16,-1 0-16,0 0 16</inkml:trace>
+          <inkml:trace contextRef="#ctx0" brushRef="#br1" timeOffset="159763.1493">3151-2900 0,'0'24'110,"0"0"-110,0 1 15,0 23-15,0-24 16,0 0-16,-24 1 16,24 23-16,0-24 15,0 0-15,0 25 0,0-25 16,0 0-16,0 0 16,0 0-16,0 1 15,0-1-15,0 0 16,0 0-16,0 0 15,0 1 1,0-1-16,0 0 16,0 0-16,0 0 15,0 1 1,24-25 0,-24 24-1,24-24 16,0 0-15,-24-24 0,25 24-16</inkml:trace>
+          <inkml:trace contextRef="#ctx0" brushRef="#br1" timeOffset="163625.2101">3393-2513 0,'-24'48'140,"24"-23"-124,0-1-16,0 0 0,0 0 15,0 0 1,0 1-16,0-1 16,24 0-1,-24 0 1,24-24 0,-24 24-16,24-24 31,-24 25-31,25-25 15,-1 0 17,0 0-17,0 0 1,0-25 0,0 25-16,-24-24 15,25 24 1,-25-24-16,0 0 15,24 0 1,-24-1-16,0 1 16,0 0-16,0 0 15,24 24-15,-24-24 16,0-1 0</inkml:trace>
+          <inkml:trace contextRef="#ctx0" brushRef="#br1" timeOffset="164735.4059">3853-2368 0,'96'-121'125,"-71"121"-94,-25 24-15,0 1-1,24-1 1,-24 0-16,0 0 16,0 0-1,0 1-15,0-1 16,0 0-1,0 0 1,0-48 62,0 0-62,0 0-1,0-1-15,0 1 16,0 0-16,24 0 0,0 0 16,-24-1-1,24 25-15,-24-24 16,49 0 0,-25 24 46</inkml:trace>
+          <inkml:trace contextRef="#ctx0" brushRef="#br1" timeOffset="165951.2345">4312-2392 0,'24'0'63,"1"0"-48,-1-24 1,0 24-16,0-24 16,0 24-1,1 0 1,-25-25-1,0 1 32,0 0-31,-25 24 15,1 0 0,0 0-15,0 0 0,0 0 15,24 24-31,-97 97 141,97-97-141,0 1 15,0-1 1,24-24-1,0 24-15,0 0 16,1-24 0,-1 24-16,0-24 15,0 0-15,0 0 16,1 0 0,-1 0-16,-24-24 15</inkml:trace>
+          <inkml:trace contextRef="#ctx0" brushRef="#br1" timeOffset="167257.3583">4917-2561 0,'-24'0'78,"0"0"-62,-1 0-1,1 0-15,24 24 0,-24-24 16,0 24-1,0-24-15,24 24 16,0 0 0,0 1 15,0-1-15,24-24-1,-24 24 1,24-24-16,0 0 15,0 0 1,1 0 0,-25 24-16,0 0 62,0 1-46,0-1 15,0 0-15,0 0-1,0 0 1,-25 1 0,1-25-1,24 24-15,-24-24 16,0 0-1,0 0-15,-1 0 16,1 0-16,0-24 16,0-1-16,0 25 15,24-24 1</inkml:trace>
         </inkml:traceGroup>
       </inkml:traceGroup>
     </inkml:traceGroup>
+  </inkml:traceGroup>
+</inkml:ink>
+</file>
+
+<file path=ppt/ink/ink81.xml><?xml version="1.0" encoding="utf-8"?>
+<inkml:ink xmlns:inkml="http://www.w3.org/2003/InkML">
+  <inkml:definitions/>
+  <inkml:traceGroup>
+    <inkml:annotationXML>
+      <emma:emma xmlns:emma="http://www.w3.org/2003/04/emma" version="1.0">
+        <emma:interpretation id="{086DDCE8-3D9A-4B7D-95C4-04755A616919}" emma:medium="tactile" emma:mode="ink">
+          <msink:context xmlns:msink="http://schemas.microsoft.com/ink/2010/main" type="writingRegion" rotatedBoundingBox="12220,10505 18072,10526 18066,12180 12214,12159"/>
+        </emma:interpretation>
+      </emma:emma>
+    </inkml:annotationXML>
+  </inkml:traceGroup>
+</inkml:ink>
+</file>
+
+<file path=ppt/ink/ink82.xml><?xml version="1.0" encoding="utf-8"?>
+<inkml:ink xmlns:inkml="http://www.w3.org/2003/InkML">
+  <inkml:definitions>
+    <inkml:context xml:id="ctx0">
+      <inkml:inkSource xml:id="inkSrc0">
+        <inkml:traceFormat>
+          <inkml:channel name="X" type="integer" min="-1920" max="3840" units="cm"/>
+          <inkml:channel name="Y" type="integer" max="1080" units="cm"/>
+          <inkml:channel name="T" type="integer" max="2.14748E9" units="dev"/>
+        </inkml:traceFormat>
+        <inkml:channelProperties>
+          <inkml:channelProperty channel="X" name="resolution" value="109.29791" units="1/cm"/>
+          <inkml:channelProperty channel="Y" name="resolution" value="36.48649" units="1/cm"/>
+          <inkml:channelProperty channel="T" name="resolution" value="1" units="1/dev"/>
+        </inkml:channelProperties>
+      </inkml:inkSource>
+      <inkml:timestamp xml:id="ts0" timeString="2018-01-01T16:41:34.725"/>
+    </inkml:context>
+    <inkml:brush xml:id="br0">
+      <inkml:brushProperty name="width" value="0.07938" units="cm"/>
+      <inkml:brushProperty name="height" value="0.07938" units="cm"/>
+      <inkml:brushProperty name="color" value="#00B050"/>
+      <inkml:brushProperty name="fitToCurve" value="1"/>
+    </inkml:brush>
+    <inkml:brush xml:id="br1">
+      <inkml:brushProperty name="width" value="0.10583" units="cm"/>
+      <inkml:brushProperty name="height" value="0.10583" units="cm"/>
+      <inkml:brushProperty name="color" value="#C00000"/>
+      <inkml:brushProperty name="fitToCurve" value="1"/>
+    </inkml:brush>
+  </inkml:definitions>
+  <inkml:traceGroup>
+    <inkml:annotationXML>
+      <emma:emma xmlns:emma="http://www.w3.org/2003/04/emma" version="1.0">
+        <emma:interpretation id="{CD972696-56CE-4A8D-987D-00B51C256DE9}" emma:medium="tactile" emma:mode="ink">
+          <msink:context xmlns:msink="http://schemas.microsoft.com/ink/2010/main" type="writingRegion" rotatedBoundingBox="9724,1076 16140,1241 16072,3889 9656,3724"/>
+        </emma:interpretation>
+      </emma:emma>
+    </inkml:annotationXML>
     <inkml:traceGroup>
       <inkml:annotationXML>
         <emma:emma xmlns:emma="http://www.w3.org/2003/04/emma" version="1.0">
-          <emma:interpretation id="{7A6EE1A6-B2BF-4B61-ACE8-142E67907FAD}" emma:medium="tactile" emma:mode="ink">
-            <msink:context xmlns:msink="http://schemas.microsoft.com/ink/2010/main" type="paragraph" rotatedBoundingBox="11351,11622 19703,11769 19685,12754 11334,12607" alignmentLevel="1"/>
+          <emma:interpretation id="{D61C2E2C-3FB1-4E68-84D2-0AF817EE33A9}" emma:medium="tactile" emma:mode="ink">
+            <msink:context xmlns:msink="http://schemas.microsoft.com/ink/2010/main" type="paragraph" rotatedBoundingBox="9902,997 13613,1192 13572,1982 9861,1787" alignmentLevel="1"/>
           </emma:interpretation>
         </emma:emma>
       </inkml:annotationXML>
       <inkml:traceGroup>
         <inkml:annotationXML>
           <emma:emma xmlns:emma="http://www.w3.org/2003/04/emma" version="1.0">
-            <emma:interpretation id="{75101E64-DB56-4C7D-A5EE-19FC829A8411}" emma:medium="tactile" emma:mode="ink">
-              <msink:context xmlns:msink="http://schemas.microsoft.com/ink/2010/main" type="line" rotatedBoundingBox="11351,11622 19703,11769 19685,12754 11334,12607"/>
+            <emma:interpretation id="{D8EF91EA-2E70-4D5C-8779-607AC3C67258}" emma:medium="tactile" emma:mode="ink">
+              <msink:context xmlns:msink="http://schemas.microsoft.com/ink/2010/main" type="line" rotatedBoundingBox="9902,997 13613,1192 13572,1982 9861,1787"/>
             </emma:interpretation>
           </emma:emma>
         </inkml:annotationXML>
         <inkml:traceGroup>
           <inkml:annotationXML>
             <emma:emma xmlns:emma="http://www.w3.org/2003/04/emma" version="1.0">
-              <emma:interpretation id="{AB593C1A-7505-4AAB-8A6D-4F9B040095A3}" emma:medium="tactile" emma:mode="ink">
-                <msink:context xmlns:msink="http://schemas.microsoft.com/ink/2010/main" type="inkWord" rotatedBoundingBox="11349,11745 13361,11781 13350,12442 11337,12407"/>
-              </emma:interpretation>
-              <emma:one-of disjunction-type="recognition" id="oneOf15">
-                <emma:interpretation id="interp15" emma:lang="" emma:confidence="1">
+              <emma:interpretation id="{6B2027FF-2F39-4AA5-B75A-FCE39E67F7AA}" emma:medium="tactile" emma:mode="ink">
+                <msink:context xmlns:msink="http://schemas.microsoft.com/ink/2010/main" type="inkWord" rotatedBoundingBox="9896,1121 10183,1137 10149,1802 9861,1787"/>
+              </emma:interpretation>
+              <emma:one-of disjunction-type="recognition" id="oneOf0">
+                <emma:interpretation id="interp0" emma:lang="" emma:confidence="1">
                   <emma:literal/>
                 </emma:interpretation>
               </emma:one-of>
             </emma:emma>
           </inkml:annotationXML>
-          <inkml:trace contextRef="#ctx0" brushRef="#br0" timeOffset="159657.5803">732 6558 0,'24'-24'47,"0"194"110</inkml:trace>
-          <inkml:trace contextRef="#ctx0" brushRef="#br0" timeOffset="159982.0763">756 6365 0</inkml:trace>
-          <inkml:trace contextRef="#ctx0" brushRef="#br0" timeOffset="161015.8047">950 6510 0,'24'0'46,"-24"24"-14,0 0-32,24-24 15,-24 25-15,0-1 16,0 0 0,0 0-16,0 0 15,0 1 1,0-1-1,24-24 1,0 0 15,-24-24-31,0-1 16,25 1 0,-25 0 15,24 0-16,-24 0 17,24 24 46,-24 24-78,0 0 31,0 0-31,0 0 16,24-24 31,0 0-1,1-24-30,-1 0-16,0 0 16,-24 48 77,0 0-93,24 0 16,-24 1 15</inkml:trace>
-          <inkml:trace contextRef="#ctx0" brushRef="#br0" timeOffset="159080.6621">538 6317 0,'0'-25'172,"-24"25"-156,0 0-1,0 0 17,0 0-17,0 0-15,-1 0 16,1 25-16,0-25 15,0 0-15,24 24 16,-24-24-16,24 24 16,-25-24-1,25 24-15,-24-24 16,24 24 0,0 1-1,0-1 1,24 0-1,1-24-15,-25 24 16,24-24-16,0 24 16,0-24-1,-24 24 1,24-24 0,1 25-1,-1-25 1,0 0-1,-24 24 1,0 0 15,24-24-15,-24 24 15,0 0 0,0 1 1,-24-25-32,0 0 15,24 24-15,-24-24 16,-1 0-16,1 0 16,0 0-1,0 0 1,0 0-1,-1 0-15,1-24 16,0 24 0,24-25-16,-24 25 15,24-24 1,-24 24 0,24 24 15,24-24-16</inkml:trace>
-          <inkml:trace contextRef="#ctx0" brushRef="#br0" timeOffset="152957.0119">-90 6462 0,'24'0'140,"-24"24"-140,24-24 16,-24 24 0,0 0 15,0 0-16,-24-24-15,0 0 16,-1 0 15,25-24-31,0 0 16,25 0 46</inkml:trace>
-          <inkml:trace contextRef="#ctx0" brushRef="#br0" timeOffset="161849.3825">1458 6583 0,'24'24'47,"-24"0"-47,-24-24 15,24 24-15,0 0 16,0 1-16,-24-1 15,24 0-15,0 0 16,0 0-16,0 1 16,-25-1-16,25 0 15,0 0-15,0 0 16,0 1 0,-24-25-16,24-25 46,0 1-30,0 0-16,0 0 16,0-25-16,0 25 15,24 0-15,-24-24 16,25 23-16,-1-23 16,0 24-16,48-49 109,-47 73-109,-1 0 16,0 0-1,-24 24 1,0 1 15,24-1-15,-24 0 15,-24 0-31,0 0 16,0-24-1,-1 0 1,1 25-16</inkml:trace>
-          <inkml:trace contextRef="#ctx0" brushRef="#br0" timeOffset="162404.6509">1845 6292 0,'24'25'46,"-24"-1"-30,0 24-16,0-24 16,0 1-16,0-1 15,0 0-15,0 24 16,0-24-16,0 25 16,0-25-16,-24 0 15,0 0-15,24 1 16,0-1-16,0 0 15,0 0 1,24-24 0,-24 24-16,24-24 15,0 0 1</inkml:trace>
-        </inkml:traceGroup>
-        <inkml:traceGroup>
-          <inkml:annotationXML>
-            <emma:emma xmlns:emma="http://www.w3.org/2003/04/emma" version="1.0">
-              <emma:interpretation id="{65026F38-90D2-4391-AA3C-8BF28223F600}" emma:medium="tactile" emma:mode="ink">
-                <msink:context xmlns:msink="http://schemas.microsoft.com/ink/2010/main" type="inkWord" rotatedBoundingBox="13578,11770 15512,11804 15496,12680 13563,12646"/>
-              </emma:interpretation>
-              <emma:one-of disjunction-type="recognition" id="oneOf16">
-                <emma:interpretation id="interp16" emma:lang="" emma:confidence="1">
+          <inkml:trace contextRef="#ctx0" brushRef="#br0">-1566-4327 0,'0'24'204,"0"0"-204,0 0 0,0 1 15,0-1 1,0 0-16,0 0 0,0 24 15,0-23-15,0-1 16,0 0-16,0 0 16,0 0-1,0 1-15,0-1 16,0 0-16,0 0 16,0 0-1,0 1 1,0-1-1,0 0 1,24 0-16,-24 0 16,0 1-16,0-1 31</inkml:trace>
+          <inkml:trace contextRef="#ctx0" brushRef="#br0" timeOffset="80019.6964">-1542-4110 0,'24'0'156,"0"0"-124,1 0-1,-1 0 0,0 0 0,0 0-15,-24 25 62,24-25-62,1 0 31,-1 0 0,0 0 46</inkml:trace>
+          <inkml:trace contextRef="#ctx0" brushRef="#br0" timeOffset="83087.243">-1542-4351 0,'24'0'203,"0"0"-172,1 0 0,-1 0 16,0 0-31,0 0 15,0 0 16,1 0-16,-1 0 16,0 0 31,0 0-15</inkml:trace>
+        </inkml:traceGroup>
+        <inkml:traceGroup>
+          <inkml:annotationXML>
+            <emma:emma xmlns:emma="http://www.w3.org/2003/04/emma" version="1.0">
+              <emma:interpretation id="{01A38368-DF30-4D31-B4FA-A38727393877}" emma:medium="tactile" emma:mode="ink">
+                <msink:context xmlns:msink="http://schemas.microsoft.com/ink/2010/main" type="inkWord" rotatedBoundingBox="10426,1135 12377,1238 12344,1865 10393,1762"/>
+              </emma:interpretation>
+              <emma:one-of disjunction-type="recognition" id="oneOf1">
+                <emma:interpretation id="interp1" emma:lang="" emma:confidence="1">
                   <emma:literal/>
                 </emma:interpretation>
               </emma:one-of>
             </emma:emma>
           </inkml:annotationXML>
-          <inkml:trace contextRef="#ctx0" brushRef="#br0" timeOffset="166835.4614">2353 6583 0,'24'0'47,"0"0"-16,0 24-31,1-24 16,-1 0-16,0 0 15,0 0-15,0 0 16</inkml:trace>
-          <inkml:trace contextRef="#ctx0" brushRef="#br0" timeOffset="166514.7153">2667 6341 0,'0'-49'47,"-24"49"-16,0 0-15,0 25-1,-1-1-15,1 0 16,24 0-1,-24 25-15,0-25 0,24 0 16,-24 24-16,24-24 16,0 25-16,0 48 31,0-1 0,0-71-31,0-1 16,0 0-16,0 0 15,0 0 1,0 1 0</inkml:trace>
-          <inkml:trace contextRef="#ctx0" brushRef="#br0" timeOffset="167234.3135">2716 6607 0,'48'48'47,"-24"-48"-47,0 24 16,1-24-1,-1 0-15,0 0 16</inkml:trace>
-          <inkml:trace contextRef="#ctx0" brushRef="#br0" timeOffset="167616.2951">2982 6534 0,'-24'49'46,"24"-25"-30,-25 0-16,25 0 16,-24 0-16,0 1 15,24 23-15,-24-24 16,0 0-16,24 25 16,-25-25-16,25 0 15,0 0-15,0 1 16,0-1-16,0 0 15,0 0 1</inkml:trace>
-          <inkml:trace contextRef="#ctx0" brushRef="#br0" timeOffset="165418.2737">2135 6583 0,'0'24'140,"0"0"-140,0 0 16,0 25 0,-24-25-16,24 0 15,0 0-15</inkml:trace>
-          <inkml:trace contextRef="#ctx0" brushRef="#br0" timeOffset="165764.5296">2159 6438 0,'24'0'62</inkml:trace>
-          <inkml:trace contextRef="#ctx0" brushRef="#br0" timeOffset="168134.1811">3224 6607 0,'24'-24'47,"-24"48"-16,0 0-15,-24 0-16,24 0 15,0 1-15,0-1 16,-25 0-16,25 0 15,0 0 1,0 1 0,-24-25-1</inkml:trace>
-          <inkml:trace contextRef="#ctx0" brushRef="#br0" timeOffset="168406.1979">3248 6438 0</inkml:trace>
-          <inkml:trace contextRef="#ctx0" brushRef="#br0" timeOffset="169077.3509">3417 6583 0,'0'72'47,"0"-48"-32,0 1-15,0-1 16,0 0 0,0 0-16,0 0 15,24-24 32,1 0-47,-1-24 16,0 0-1,0 0 1,0 24 15,-24-24-31,24 24 94,-24 24-94,0 0 31,0 0-15,0 0 0,0 1-16,25-25 46</inkml:trace>
-          <inkml:trace contextRef="#ctx0" brushRef="#br0" timeOffset="169916.3645">3925 6607 0,'-72'48'46,"47"-24"-30,171 49 93,-122-97-109,0 0 16,-24-1 0,24 25-16,-24-24 15,-24 24 17,0 0-17,0 0 1,-1 24-16,1 1 31,24-1-15,0 0-16,0 0 15,0 0 1,0 1-16,0-1 0,0 0 16,24 0-16,-24 0 15,0 1-15,0-1 16,0 0-16,0 0 15,0 0-15,0 0 16,0 1 0,-24-1-1,0-24 1,0 24-16,0-24 16,-1 24-16,1-24 15,0 0-15,0 24 16,0-24-16,-1 0 15,25-24 1,0 0 0,0-49-1,0 25 17,0 24-17</inkml:trace>
-        </inkml:traceGroup>
-        <inkml:traceGroup>
-          <inkml:annotationXML>
-            <emma:emma xmlns:emma="http://www.w3.org/2003/04/emma" version="1.0">
-              <emma:interpretation id="{31A7A55C-B560-4389-B6D9-F8A9B13F8117}" emma:medium="tactile" emma:mode="ink">
-                <msink:context xmlns:msink="http://schemas.microsoft.com/ink/2010/main" type="inkWord" rotatedBoundingBox="16096,11706 18514,11748 18503,12369 16085,12327"/>
-              </emma:interpretation>
-              <emma:one-of disjunction-type="recognition" id="oneOf17">
-                <emma:interpretation id="interp17" emma:lang="" emma:confidence="1">
+          <inkml:trace contextRef="#ctx0" brushRef="#br0" timeOffset="3119.4942">-1034-4351 0,'24'0'63,"-24"24"-16,0 0-47,0 0 15,0 0-15,0 1 0,0 23 16,0-24-1,0 0-15,0 25 0,0-25 16,0 0-16,0 0 16,0 0-16,0 1 15,0-1-15,0 0 16,0 0-16,0 0 16,0 1-1,0-1-15,0 0 16,0 0-1,0 0 17,24-24-1,1 0-15,-1 25-1,0-25 1,0 0 15,-24-25-31</inkml:trace>
+          <inkml:trace contextRef="#ctx0" brushRef="#br0" timeOffset="4296.9806">-647-3989 0,'0'-24'47,"-24"48"0,0 1-31,0-1-1,-1 0 1,25 0-16,-24 0 16,24 1-1,0-1-15,0 0 16,0 0-16,0 0 16,0 1-1,24-25 16,1 0-15,-1 0 0,0-25-1,0 1-15,-24 0 16,24 0-16,-24 0 16,25-1-16,-25 1 15,0 0 1,0 0-1,0 0 17,0-1-1,0 50 94,0-1-125,0 0 16,0 0-1,0 0-15,0 1 16,0-1-16,0 0 15,24 0 1,-24 0-16,24-24 31,0 0-15,0 0-16,-24-24 16</inkml:trace>
+          <inkml:trace contextRef="#ctx0" brushRef="#br0" timeOffset="5294.7443">-405-3989 0,'0'25'93,"0"-1"-93,0 0 16,24-24-16,-24 24 16,0 0-16,0 1 15,0-1-15,0 0 16,24 0-16,-24 0 15,25-24 1,-25 25-16,0-1 31,24-24-15,-24-24 46,24-1-62,-24 1 16,24 0-16,-24 0 16,0 0-1,24-1-15,-24 1 16,0 0-16,0 0 16,25 24-16,-25-24 15,0-1-15,0 1 31</inkml:trace>
+          <inkml:trace contextRef="#ctx0" brushRef="#br0" timeOffset="6148.6041">-66-3916 0,'24'-24'47,"-24"48"15,-24-24-62,24 24 16,-24-24-16,24 24 15,0 1-15,-25-1 16,25 0 0,0 0-16,0 0 15,0 1 1,0-1-1,25-24 1,-25 24 0,24-24-16,0 0 0,0 0 15,0 0 17,0-24-17,-24 0 1,25-1-16,-25 1 15,24 0-15,-24 0 16,0-25-16,0 25 16,0 0-1,0 0-15,-97-25 125</inkml:trace>
+          <inkml:trace contextRef="#ctx0" brushRef="#br0" timeOffset="6878.755">248-3964 0,'0'-25'47,"0"98"15,-24-49-46,24 0-16,0 1 0,0-1 15,0 0-15,0 0 16,0 0 0,24-24-16,-24 25 15,24-25-15,1 0 16,-1 0-1,0 0 1,0-25-16,0 1 16,-24 0-16,25 0 15,-1 0 1,-24-1-16,0 1 16,24 0-16,-24 0 15,0 0-15</inkml:trace>
+          <inkml:trace contextRef="#ctx0" brushRef="#br0" timeOffset="10403.1091">611-3868 0,'0'-24'94,"24"24"-63,0-24-15,1 24-1,-1 0 17,0 0 15,-24 24-47,0 0 31,0 1-16,0-1-15,0 0 16,0 0-16,0 0 16,0 1-16,0-1 15,0 0 1,0 0-16,24-24 62,-24-24-46,0 0-16,0-25 16,24 25-16,-24 0 15,0 0-15,25 24 16,-25-24-16,24-1 16,-24 1-1,24 0-15,0 24 16,-24-24-1,24 24 1</inkml:trace>
+        </inkml:traceGroup>
+        <inkml:traceGroup>
+          <inkml:annotationXML>
+            <emma:emma xmlns:emma="http://www.w3.org/2003/04/emma" version="1.0">
+              <emma:interpretation id="{4B85354B-6E94-49E1-A938-C5BF8257C132}" emma:medium="tactile" emma:mode="ink">
+                <msink:context xmlns:msink="http://schemas.microsoft.com/ink/2010/main" type="inkWord" rotatedBoundingBox="12809,1150 13170,1169 13132,1903 12770,1884"/>
+              </emma:interpretation>
+              <emma:one-of disjunction-type="recognition" id="oneOf2">
+                <emma:interpretation id="interp2" emma:lang="" emma:confidence="0">
+                  <emma:literal>3</emma:literal>
+                </emma:interpretation>
+                <emma:interpretation id="interp3" emma:lang="" emma:confidence="0">
+                  <emma:literal>}</emma:literal>
+                </emma:interpretation>
+                <emma:interpretation id="interp4" emma:lang="" emma:confidence="0">
+                  <emma:literal>2</emma:literal>
+                </emma:interpretation>
+                <emma:interpretation id="interp5" emma:lang="" emma:confidence="0">
+                  <emma:literal>]</emma:literal>
+                </emma:interpretation>
+                <emma:interpretation id="interp6" emma:lang="" emma:confidence="0">
+                  <emma:literal>{</emma:literal>
+                </emma:interpretation>
+              </emma:one-of>
+            </emma:emma>
+          </inkml:annotationXML>
+          <inkml:trace contextRef="#ctx0" brushRef="#br0" timeOffset="190067.2476">1458-4327 0,'24'0'109,"0"0"-93,0 0 0,0 0-16,1 24 0,-1 0 15,0-24 1,0 24-16,-24 1 0,24-25 15,1 24-15,-25 0 16,0 0 0,0 0-1,0 0-15,-25 1 16,1-1 0,0-24-16,0 24 15,0-24 1,-1 24-16,1-24 15,0 0 1,24 24 62,24-24-62,-24 25-16,24-25 15,-24 24-15,25-24 16,23 72 15,-48-47-15,24-1 0,-24 0-1,0 0 1,0 0-1,0 1 1,0-1-16,0 0 16,-24 0-1,24 0 17,-24-24-32,0 0 15,-1 24 1,1-24-16,0 0 15,0 0-15,0 0 16,0 0-16,-1 0 16,1 0-16,0 0 15,0 0 1,24-24-16,-24 0 16</inkml:trace>
+        </inkml:traceGroup>
+        <inkml:traceGroup>
+          <inkml:annotationXML>
+            <emma:emma xmlns:emma="http://www.w3.org/2003/04/emma" version="1.0">
+              <emma:interpretation id="{4FB328BE-911F-45AA-892C-E0A48A35FD6F}" emma:medium="tactile" emma:mode="ink">
+                <msink:context xmlns:msink="http://schemas.microsoft.com/ink/2010/main" type="inkWord" rotatedBoundingBox="13489,1518 13596,1524 13578,1867 13471,1861"/>
+              </emma:interpretation>
+              <emma:one-of disjunction-type="recognition" id="oneOf3">
+                <emma:interpretation id="interp7" emma:lang="" emma:confidence="1">
                   <emma:literal/>
                 </emma:interpretation>
               </emma:one-of>
             </emma:emma>
           </inkml:annotationXML>
-          <inkml:trace contextRef="#ctx0" brushRef="#br0" timeOffset="171027.6468">4772 6558 0,'24'0'62,"-48"0"-31,0 0-15,-97 218 93,145-194-93,0-24 0,-24 25-16,24-25 15,0 0 1</inkml:trace>
-          <inkml:trace contextRef="#ctx0" brushRef="#br0" timeOffset="171522.8388">5014 6631 0,'0'48'62,"-24"-23"-62,24-1 16,-25-24-16,25 24 15,0 0-15,0 0 0,0 1 32,73-25-1,-49 0-15,0-25-16,0 1 15,1 24-15,-1-24 16,-24 0-16,0 0 15,0-1-15,0 1 16,-24 24-16,24-24 16,-25 24-16,1 0 15</inkml:trace>
-          <inkml:trace contextRef="#ctx0" brushRef="#br0" timeOffset="172206.4669">5377 6655 0,'0'-24'63,"0"48"-48,0 25 1,0-25-16,0 0 16,0 0-16,0 0 31,0 1-31,24-25 31,0-25-15,0 1-1,0 24-15,1-24 16,-25 0-16,24 24 16,-24-24-1,0 48 63,0 0-46,0 0-32,0 0 15,0 1 1</inkml:trace>
-          <inkml:trace contextRef="#ctx0" brushRef="#br0" timeOffset="172954.4861">5885 6631 0,'-25'24'47,"1"0"-32,0-24 1,24 25-16,-24-1 0,0-24 16,24 24-16,-25 0 15,25 0 1,0 1 0,25-1 15,-1-24-16,0 0-15,0-24 16,0 24-16,1-25 16,-1 1-16,0-24 15,0 24-15,-24-1 16,24-23-16,-24 0 0,25-1 16,-25 25-1,0-24-15,24 24 0,-24-1 16,0 1-16,24-24 15,-24 24-15,24-1 16,-24 1-16,0 0 16,24 24-1,-24 24 48,0 0-63,-24 25 15,0-25-15,24 24 0,-24 1 16,24-1 0,-24 0-16,-1 146 47,25-146-16</inkml:trace>
-          <inkml:trace contextRef="#ctx0" brushRef="#br0" timeOffset="173330.6143">6272 6679 0,'24'0'63,"-24"25"-63,0-1 0,-24-24 15,24 24-15,0 0 16,0 0-16,0 1 16,0-1-1</inkml:trace>
-          <inkml:trace contextRef="#ctx0" brushRef="#br0" timeOffset="173534.1517">6344 6534 0,'0'-24'47</inkml:trace>
-          <inkml:trace contextRef="#ctx0" brushRef="#br0" timeOffset="174398.9034">6465 6607 0,'24'0'63,"1"0"-63,-1 0 15,0 0-15,0 0 16,0 0-16,0 0 16,1 0-1</inkml:trace>
-          <inkml:trace contextRef="#ctx0" brushRef="#br0" timeOffset="174095.4202">6586 6317 0,'-24'96'47,"24"-23"-32,0-49-15,0 0 16,0 25-16,0-1 16,0-24-16,0 0 15,0 25-15,0-25 16,0 0-16,-24-24 15,24 24-15,0 1 16,0-1 0,0 0-1,24-24 48,0 0-63,0 0 15</inkml:trace>
-          <inkml:trace contextRef="#ctx0" brushRef="#br0" timeOffset="175112.2499">6780 6631 0,'0'24'63,"0"0"-63,24 1 16,-24-1-16,0 0 15,0 0 1,0 0-16,0 1 15</inkml:trace>
-          <inkml:trace contextRef="#ctx0" brushRef="#br0" timeOffset="177803.9684">6925 6631 0,'-24'0'109,"24"24"-93,-25 0-1,1 1 1,24-1 0,-24 0-16,24 0 15,0 0-15,0 1 16,0-1-1,24 0 1,0-24-16,1 0 16,-1 0-16,0 0 15,0 0 1,-24-24-16,24 0 16,1-1-16,-25 1 0,24 0 15,-24 0-15,0 0 16,0-1-16,0 1 15,0 0 1,-24 24 0,-1 0-1,1-24 1</inkml:trace>
-          <inkml:trace contextRef="#ctx0" brushRef="#br0" timeOffset="175413.0483">6852 6413 0,'24'-24'47</inkml:trace>
-        </inkml:traceGroup>
-        <inkml:traceGroup>
-          <inkml:annotationXML>
-            <emma:emma xmlns:emma="http://www.w3.org/2003/04/emma" version="1.0">
-              <emma:interpretation id="{B7299C72-DF61-43C2-ADB7-C155209C55ED}" emma:medium="tactile" emma:mode="ink">
-                <msink:context xmlns:msink="http://schemas.microsoft.com/ink/2010/main" type="inkWord" rotatedBoundingBox="18729,11836 19701,11854 19690,12459 18718,12442"/>
-              </emma:interpretation>
-              <emma:one-of disjunction-type="recognition" id="oneOf18">
-                <emma:interpretation id="interp18" emma:lang="" emma:confidence="0">
-                  <emma:literal>nah</emma:literal>
-                </emma:interpretation>
-                <emma:interpretation id="interp19" emma:lang="" emma:confidence="0">
-                  <emma:literal>nat</emma:literal>
-                </emma:interpretation>
-                <emma:interpretation id="interp20" emma:lang="" emma:confidence="0">
-                  <emma:literal>nal</emma:literal>
-                </emma:interpretation>
-                <emma:interpretation id="interp21" emma:lang="" emma:confidence="0">
-                  <emma:literal>na!</emma:literal>
-                </emma:interpretation>
-                <emma:interpretation id="interp22" emma:lang="" emma:confidence="0">
-                  <emma:literal>mal</emma:literal>
-                </emma:interpretation>
-              </emma:one-of>
-            </emma:emma>
-          </inkml:annotationXML>
-          <inkml:trace contextRef="#ctx0" brushRef="#br0" timeOffset="178584.3295">7288 6631 0,'0'24'78,"0"0"-62,-25 1-16,25-1 15,0 0 1,0 0-16,0 0 16,97-72 93,-73 24-93,1 0-1,-1 24 1,-24-25-16,24 25 16,0 0-1,0 0 16,-24 25 1,0-1-17,0 0 1,0 0-16,0 0 16,0 1-1,0-1 16</inkml:trace>
-          <inkml:trace contextRef="#ctx0" brushRef="#br0" timeOffset="179162.5349">7868 6679 0,'-97'25'47,"73"-1"-31,0-24-16,24 24 15,0 0-15,-24-24 16,24 24 0,72 1 31,25-74-16,-97 25-16,0 0 1,24 24 0,-24-24-1,0 48 48,0 0-48,0 0-15,0 0 16,0 1 0,25-1-1,-25 0 1,24-24-16</inkml:trace>
-          <inkml:trace contextRef="#ctx0" brushRef="#br0" timeOffset="179612.1739">8183 6365 0,'0'73'47,"0"-25"-32,0-24-15,0 0 16,0 25-16,0-25 16,0 24-16,0 1 0,-25-1 15,25-24-15,0 25 16,-24-25-16,24 0 16,0 0-16,0 0 15,0 1-15,0-1 16,24-24-1,1 0 1,-1 0-16,0 0 16</inkml:trace>
+          <inkml:trace contextRef="#ctx0" brushRef="#br0" timeOffset="21562.9305">2111-3940 0,'-24'0'234,"-1"0"-203,25-24-15,25 24 78,-1 0-63,-24 24 16,0 0-16,-24-24 0,-1 0 1,25-24 15,0 0-16,25 24-16,-1 0 17,-24 24-1,0 0 31,-24-24-46,-1 0 15,25-24-15,0 0 15,25 24-15,-1 0 15,0 0 16,-24 24-16,-24-24 47,0 0-62</inkml:trace>
+          <inkml:trace contextRef="#ctx0" brushRef="#br0" timeOffset="26198.2976">2038-3650 0,'24'0'172,"-48"0"-47,0 0-109,24-24 31,24 0-16,0 24-16,1 0 17,-25 24-17,0 0 32,0 0-16,-25-24-15,1 0 0,0 0-1,24-24 17,0 0-1,24 24 0,0 0 0,1 0 1,-25 24-17,0 0 32,-25-24-31,1 0 15,24-24 0,0 0-31,0 0 16,24 24-1,1 0 17,-25 24-17</inkml:trace>
         </inkml:traceGroup>
       </inkml:traceGroup>
     </inkml:traceGroup>
     <inkml:traceGroup>
       <inkml:annotationXML>
         <emma:emma xmlns:emma="http://www.w3.org/2003/04/emma" version="1.0">
-          <emma:interpretation id="{3A809EF7-DD67-4611-9A63-1CD6622CA8C8}" emma:medium="tactile" emma:mode="ink">
-            <msink:context xmlns:msink="http://schemas.microsoft.com/ink/2010/main" type="paragraph" rotatedBoundingBox="11615,12824 15831,12923 15815,13598 11599,13498" alignmentLevel="1"/>
+          <emma:interpretation id="{05525299-1894-4B6E-86AF-D1023B079FD6}" emma:medium="tactile" emma:mode="ink">
+            <msink:context xmlns:msink="http://schemas.microsoft.com/ink/2010/main" type="paragraph" rotatedBoundingBox="9686,2556 16102,2721 16072,3889 9656,3724" alignmentLevel="1"/>
           </emma:interpretation>
         </emma:emma>
       </inkml:annotationXML>
       <inkml:traceGroup>
         <inkml:annotationXML>
           <emma:emma xmlns:emma="http://www.w3.org/2003/04/emma" version="1.0">
-            <emma:interpretation id="{D5607194-4273-4F6B-8E55-D403C258F51B}" emma:medium="tactile" emma:mode="ink">
-              <msink:context xmlns:msink="http://schemas.microsoft.com/ink/2010/main" type="line" rotatedBoundingBox="11615,12824 15831,12923 15815,13598 11599,13498"/>
+            <emma:interpretation id="{05190A7C-7857-4241-A6C7-1E3DB7C820F6}" emma:medium="tactile" emma:mode="ink">
+              <msink:context xmlns:msink="http://schemas.microsoft.com/ink/2010/main" type="line" rotatedBoundingBox="9686,2556 16102,2721 16072,3889 9656,3724"/>
             </emma:interpretation>
           </emma:emma>
         </inkml:annotationXML>
         <inkml:traceGroup>
           <inkml:annotationXML>
             <emma:emma xmlns:emma="http://www.w3.org/2003/04/emma" version="1.0">
-              <emma:interpretation id="{6F4270A7-2C93-469F-B4E4-BA3B306133EE}" emma:medium="tactile" emma:mode="ink">
-                <msink:context xmlns:msink="http://schemas.microsoft.com/ink/2010/main" type="inkWord" rotatedBoundingBox="11613,12887 13531,12933 13516,13544 11599,13498"/>
-              </emma:interpretation>
-              <emma:one-of disjunction-type="recognition" id="oneOf19">
-                <emma:interpretation id="interp23" emma:lang="" emma:confidence="1">
+              <emma:interpretation id="{A1A8D58A-D231-495B-9DE2-D69555157906}" emma:medium="tactile" emma:mode="ink">
+                <msink:context xmlns:msink="http://schemas.microsoft.com/ink/2010/main" type="inkWord" rotatedBoundingBox="9686,2557 11773,2611 11743,3777 9656,3724"/>
+              </emma:interpretation>
+              <emma:one-of disjunction-type="recognition" id="oneOf4">
+                <emma:interpretation id="interp8" emma:lang="" emma:confidence="1">
                   <emma:literal/>
                 </emma:interpretation>
               </emma:one-of>
             </emma:emma>
           </inkml:annotationXML>
-          <inkml:trace contextRef="#ctx0" brushRef="#br0" timeOffset="182017.2102">563 7816 0,'24'-24'62,"0"0"-62,24-24 16,122-73 15,-98 96 0</inkml:trace>
-          <inkml:trace contextRef="#ctx0" brushRef="#br0" timeOffset="181590.5884">684 7478 0,'169'314'140</inkml:trace>
-          <inkml:trace contextRef="#ctx0" brushRef="#br0" timeOffset="180997.7829">151 7671 0,'25'0'62,"-1"0"-46,0-24-16,0 24 0,0-24 16,1 24-16,-25-24 15,24-1-15,0 25 16,0-24-16,-24 0 15,24 0-15,-24 0 16,0 0 0,0-1-1,-24 25-15,24-24 16,-24 24-16,0 0 16,0 0-16,-1 0 15,1 24 1,0-24-1,0 25-15,0-1 16,24 0 0,-25 0-16,25 0 15,0 0-15,0 1 16,0-1-16,0 24 16,0-24-16,0 1 15,0-1-15,0 0 16,0 0-16,25 0 15,-1-24-15,0 25 16,0-25-16,25 0 0,23-25 16,-48 1-1</inkml:trace>
-          <inkml:trace contextRef="#ctx0" brushRef="#br0" timeOffset="183473.022">1240 7599 0,'0'24'47,"-24"0"-16,24 0-31,0 0 16,-97 315 109,97-363-94,0 0-15,0-25-16,0 25 15,0 0-15,0-24 16,24-1-16,-24 1 16,24 24-16,1-25 15,-25 1-15,24 24 16,-24-1-16,24 1 0,-24 0 15,24 0-15,0 24 16,1 0 15,-1 24 1,0 0-17,-24 0 1,24-24-16,-24 25 31,0-1-15,0 0-1,0 0 1,-24 0 0,0-24-16,0 25 0,-1-25 15,1 0 16</inkml:trace>
-          <inkml:trace contextRef="#ctx0" brushRef="#br0" timeOffset="184141.9687">1458 7695 0,'96'-72'47,"-96"48"-32,0 48 17,25 0-17,-25 0-15,0 0 16,0 1-16,0-1 16,24-24-1,-24 24-15,0 0 31,0 0-31,0 1 16,0-50 31,0 1-47,0-24 16,0 24-16,24-1 15,-24 1-15,24 0 16,0 0-16,-24 0 15,25 24 32</inkml:trace>
-          <inkml:trace contextRef="#ctx0" brushRef="#br0" timeOffset="184747.9511">1893 7647 0,'121'-24'32,"-121"0"-17,24 24-15,-48-73 110,0 73-110,0 0 15,0 0 1,-1 24-1,1-24-15,0 24 16,24 1-16,-24-1 16,24 0-16,0 0 15,-24 0-15,24 1 16,0-1-16,0 0 16,0 0-16,0 0 15,24 1 1,0-25-16,0 0 15,25 0 1,-25 0-16,24 0 0,-24 0 16,0 0-1,-24-25-15</inkml:trace>
-        </inkml:traceGroup>
-        <inkml:traceGroup>
-          <inkml:annotationXML>
-            <emma:emma xmlns:emma="http://www.w3.org/2003/04/emma" version="1.0">
-              <emma:interpretation id="{AFD147F6-9421-4055-8F6E-180357468C9F}" emma:medium="tactile" emma:mode="ink">
-                <msink:context xmlns:msink="http://schemas.microsoft.com/ink/2010/main" type="inkWord" rotatedBoundingBox="13792,12875 15831,12923 15820,13379 13782,13331"/>
-              </emma:interpretation>
-              <emma:one-of disjunction-type="recognition" id="oneOf20">
-                <emma:interpretation id="interp24" emma:lang="" emma:confidence="1">
+          <inkml:trace contextRef="#ctx0" brushRef="#br1" timeOffset="218315.5852">-1469-2876 0,'-25'0'47,"1"0"-47,0 0 31,0 0-15,0 0-1,24 24 1,-24-24-16,-1 25 15,1-1 1,24 0 0,-24-24-16,0 24 15,24 0-15,0 1 0,-24-25 16,24 24-16,0 0 16,-25 0-16,25 24 15,0-23-15,0-1 16,-24 0-16,24 0 15,0 0-15,0 1 16,0 23-16,0-24 16,0 0-16,0 1 15,24-1-15,1 0 16,-25 0-16,24 0 16,0 1-1,0-25-15,0 24 0,1-24 16,-1 0-1,0 0-15,0 0 16,24 0 0,-23-24-1,-1-1 1,0 25-16,0-24 16,-24 0-16,24 0 15,1 0-15,-25-1 16,24 1-16,-24 0 15,0 0 1,24 0-16,-24-1 16,0-23-16,0 24 0,0 0 15,0-25 1,0 25-16,0 0 0,0 0 16,0 0-16,-24-1 15,24 1 1,-24 24-16,24-24 15,-25 24-15,1-24 16,0 0 0,0 24-1,24-25-15,-24 25 16,24-24 0,-25 24-16,25-24 15,-24 24 1,24-24-1,-24 24 1,0 0 0,0 0-1,0 24 17</inkml:trace>
+          <inkml:trace contextRef="#ctx0" brushRef="#br1" timeOffset="219665.735">-1131-2416 0,'0'-24'62,"25"-1"-30,-1 25-17,-24-24-15,24 24 16,0 0 15,24 0 47,-23 49-31,-25-25-47,0 0 16,0 0-1,0 0 1,0 1-16,0-1 16,0 0-1,0 0 1,0-48 31,-25 0-32,25 0 1,0-1-16,-24 1 16,24 0-1,0 0 1,24 24-16,-24-24 15,25-1-15,-25 1 16,24 24-16,0-24 16,0 24-16,-24-24 15</inkml:trace>
+          <inkml:trace contextRef="#ctx0" brushRef="#br1" timeOffset="221118.9031">-598-2489 0,'-25'-24'62,"1"24"-46,24 24-16,-24-24 16,-73 194 77,97-170-77,0 0 0,24-24-1,1 0 1,-1 0 0,0-24-16,0 0 0,0 24 15,-24-24-15,25-1 16,-1 1-16,-24 0 15,24 24-15,-24-24 16,0 0 0,0-1-1,-24 25 126,24 25-125,0-1-1,-24 0 1,24 0-16,0 0 15,0 1 1,0-1-16,0 24 16,0 25-1,0 48 32,0-97-47,0 0 0,-25 0 16,25 0-16,0 1 15,-24-1-15,24 0 16,-24 0-16,24 0 16,-24 1-16,0-25 15,24 24-15,-25 0 16,1-24-16,0 24 16,0-24 15,0 0-16,24-24-15,-25 0 16,25 0-16,-24-1 16,24 1-16,0 0 0,0 0 31,0 0-31,24-25 16,1 25-16,-1 0 15,0-25-15,0 25 16,0 0-16,1 0 15,-1 0-15</inkml:trace>
+          <inkml:trace contextRef="#ctx0" brushRef="#br1" timeOffset="222373.0117">-260-2537 0,'-24'0'94,"24"24"-94,-24-24 16,-121 242 77,145-218-77,0 0 0,24-24-1,-24 25 1,24-25 0,0 0-16,0 0 15,1-25-15,-1 1 16,0 0-16,0 0 15,0 0-15,-24-1 16,25 1-16,-25 0 16,24 0-16,-24 0 15,0-1-15,0 1 16,0 0 0,0 0 46,0 48 16,0 0-47,0 0-31,0 1 16,0-1 0,-24 0-16,72 121 93,0-145-77</inkml:trace>
+          <inkml:trace contextRef="#ctx0" brushRef="#br1" timeOffset="223407.1216">30-2513 0,'-24'24'63,"24"0"-63,0 1 15,0-1-15,0 0 16,24 0 0,-24 0-16,0 1 15,0-1-15,0 0 16,0 0-1,25-24 1,-1-24 47,0 0-48,-24 0-15,24-1 16,0 1-16,1 0 15,-25 0-15,24 24 16,-24-24-16,24-1 16,0 1 15,0 24 47,1 242 63</inkml:trace>
+        </inkml:traceGroup>
+        <inkml:traceGroup>
+          <inkml:annotationXML>
+            <emma:emma xmlns:emma="http://www.w3.org/2003/04/emma" version="1.0">
+              <emma:interpretation id="{64977518-A302-4926-9353-7E981D136437}" emma:medium="tactile" emma:mode="ink">
+                <msink:context xmlns:msink="http://schemas.microsoft.com/ink/2010/main" type="inkWord" rotatedBoundingBox="11995,2615 13581,2656 13555,3685 11968,3645"/>
+              </emma:interpretation>
+              <emma:one-of disjunction-type="recognition" id="oneOf5">
+                <emma:interpretation id="interp9" emma:lang="" emma:confidence="1">
                   <emma:literal/>
                 </emma:interpretation>
               </emma:one-of>
             </emma:emma>
           </inkml:annotationXML>
-          <inkml:trace contextRef="#ctx0" brushRef="#br0" timeOffset="186293.8569">2788 7478 0,'-72'24'47,"47"0"-32,1 0-15,24 0 16,0 1 0,170 71 93,-170-71-109,0-1 62,0 0-46,0 0 15,-25-24-15,1 0 0,0 24-1,0-24 1,0 0-1,-1 0 1,1 0 0,24-24-1,0 0 1</inkml:trace>
-          <inkml:trace contextRef="#ctx0" brushRef="#br0" timeOffset="186726.8342">3030 7623 0,'0'24'47,"0"0"-47,-24 0 16,24 1-16,0-1 16,0 0-1,0 0-15,0 0 16,0 1-1</inkml:trace>
-          <inkml:trace contextRef="#ctx0" brushRef="#br0" timeOffset="187013.6933">3054 7429 0,'24'-24'47</inkml:trace>
-          <inkml:trace contextRef="#ctx0" brushRef="#br0" timeOffset="185544.197">2474 7502 0,'-73'0'46,"49"0"-30,0 24 0,0 0-16,24 0 15,0 1-15,0-1 16,0 0 0,0 0-1,0 0 1,24-24-16,0 0 15,0 0-15,0 0 16,1 0 0,-25 25-1,24-25-15,-24 24 47,24-24-16,-24 24 32,-24 0-47,0-24-1,-1 0 1,1 0-1,0 0 1,0 0-16,24-24 16,-24 24-16,24-24 15</inkml:trace>
-          <inkml:trace contextRef="#ctx0" brushRef="#br0" timeOffset="187620.4812">3248 7647 0,'0'73'62,"-24"-49"-62,24 0 0,0 0 16,0 0 0,0 1-16,0-1 15,193-169 79,-193 120-94,0-23 16,0 24-1,-24 24-15,0-24 0,0 24 16,-1 0-16,1 0 15,0 24-15,0 0 16</inkml:trace>
-          <inkml:trace contextRef="#ctx0" brushRef="#br0" timeOffset="188849.3704">3611 7599 0,'0'48'63,"0"-24"-48,0 0 1,0 1-1,0-1-15,0 0 16,0 0 0,0 0-16,24-24 47,0 0-32,0-24 1,-24 0-16,24 0 15,1 0-15,-25-1 16,24 1-16,0 0 16,-24 0 15,24 24-31,0 0 31,1 24 16,-25 0-31,0 0-16,0 1 15,24-1 1,-24 0 0,0 0-1,0 0 1</inkml:trace>
-          <inkml:trace contextRef="#ctx0" brushRef="#br0" timeOffset="189697.7291">4312 7550 0,'-48'0'62,"24"0"-62,-1 0 16,1 24 0,0-24-1,24 25-15,0-1 16,-24-24-16,24 24 16,0 0-1,0 0 1,24 1-1,0-1 17,0-24-17,1 0-15,-1 0 16,0 0-16,0 0 16,0 0-1,1 24 32,-25 24 0,0-23-31,0-1 15,-25-24-31,1 0 15,0 0 1,0 0-16,0 0 16,-1 0-1,1-24-15,0-1 16,0 25 0</inkml:trace>
+          <inkml:trace contextRef="#ctx0" brushRef="#br1" timeOffset="236311.6099">1917-2465 0,'-24'0'62,"0"25"-46,24-1 15,-24-24-31,24 24 16,-24 0-1,24 0 1,-25 1 0,25-1 15,25-24 0,-1 24-31,0-24 16,0 0-1,0 0 1,1 0-16,-1-24 16,0 0-16,0-1 0,24 1 15,-48 0-15,25 0 16,-1 24-16,-24-24 16,0-1-1,0 1 32,-24 24-31,24 24 31,-25 1-16,25-1-31,0 0 15,0 0-15,-24 0 16,24 1-16,0-1 16,0 0-16,0 0 15,0 0-15,0 1 16,-24-1-16,24 0 16,0 0-1,0 0-15,0 0 16,0 1-16,0-1 15,-24 0-15,24 0 16,-24 0-16,24 1 16,-24-1-1,24 0-15,-25 0 0,1-24 16,0 24-16,0 1 16,0-25-1,-1 0-15,1 0 16,0 0-1,0-25 1,24 1 0,0 0-1,0 0-15,0 0 16,24-1-16,0 1 0,0 0 16,25-24-16,-25 23 15,0-23-15,0 48 16,1-24-16,-1 24 31</inkml:trace>
+          <inkml:trace contextRef="#ctx0" brushRef="#br1" timeOffset="223926.2452">538-2489 0,'0'49'78,"0"-25"-63,0 0-15,0 0 16,0 0-16,0 1 16,0-1-1</inkml:trace>
+          <inkml:trace contextRef="#ctx0" brushRef="#br1" timeOffset="224496.5443">587-2731 0,'0'-48'47,"0"24"-16,0 0 0</inkml:trace>
+          <inkml:trace contextRef="#ctx0" brushRef="#br1" timeOffset="225815.75">780-2392 0,'25'0'62,"-1"0"-62,0 0 16,24 0-1,-23 0-15,-1 24 16,0-24-16,0 0 16,0 0-1</inkml:trace>
+          <inkml:trace contextRef="#ctx0" brushRef="#br1" timeOffset="225415.8289">853-2513 0,'0'-24'47,"24"24"-31,0 0 15,1 0-15,-1 0-1,-24 24 1,24-24 0,-24 24-16,0 0 15,0 1 1,0-1-16,-24-24 16,0 24-16,24 0 15,-25 0-15,1-24 16,0 25-16,0-25 15,24 24-15,-24-24 16,24 24 0,48 49 77,25-73-61,-49 0-32,0 0 15</inkml:trace>
+          <inkml:trace contextRef="#ctx0" brushRef="#br1" timeOffset="232536.0095">1288-2489 0,'0'24'156,"0"1"-140,0-1-16,0 0 15,0 0 1,0 0-16,0 1 15,0-1-15,0 0 16,-24-24-16,24 24 16,0 0-1,0 1 17</inkml:trace>
+          <inkml:trace contextRef="#ctx0" brushRef="#br1" timeOffset="233305.1927">1313-2706 0,'0'-25'94,"0"1"-79,0 0 1,24 0-16,-24 0 15,0-1-15</inkml:trace>
+          <inkml:trace contextRef="#ctx0" brushRef="#br1" timeOffset="235048.0584">1458-2465 0,'0'25'109,"0"-1"-78,0 0-31,0 0 16,0 0-16,0 1 31,0-1-31,0 0 16,0 0 15,24-24 0,0-24 48,-24 0-79,24 24 0,-24-24 15,24-1-15,-24 1 16,25 0-1,-25 0 1,48 24 93,-48 24-109,24 0 32,-24 0-17,0 1 1,0-1 0,0 0-1,0 0-15,0 0 16,0 1-1</inkml:trace>
+        </inkml:traceGroup>
+        <inkml:traceGroup>
+          <inkml:annotationXML>
+            <emma:emma xmlns:emma="http://www.w3.org/2003/04/emma" version="1.0">
+              <emma:interpretation id="{CCE62936-99DE-4DA6-93CF-9EB989766D9F}" emma:medium="tactile" emma:mode="ink">
+                <msink:context xmlns:msink="http://schemas.microsoft.com/ink/2010/main" type="inkWord" rotatedBoundingBox="14361,2779 16099,2824 16084,3430 14345,3385"/>
+              </emma:interpretation>
+              <emma:one-of disjunction-type="recognition" id="oneOf6">
+                <emma:interpretation id="interp10" emma:lang="" emma:confidence="1">
+                  <emma:literal/>
+                </emma:interpretation>
+              </emma:one-of>
+            </emma:emma>
+          </inkml:annotationXML>
+          <inkml:trace contextRef="#ctx0" brushRef="#br1" timeOffset="239749.7285">3417-2392 0,'0'-24'62,"-24"24"-30,24 24-32,-24-24 15,24 24-15,-24-24 0,-1 24 16,1 1-1,24-1-15,-24-24 16,24 24-16,73 49 125,-25-98-125,-24 1 16,0 24-1,1-24 1,-25 0 0,24 0-16,-24-1 15,0 1 1,0 0-1,0 0 17,0 48 30,0 0-31,-24-24-31,24 24 16,0 1-16,0-1 16,0 0-1,0 0-15,0 0 16,0 1-16,0-1 16,0 0-1,24 0 1,0-24-1,0 0-15,0 0 16,0 0 0</inkml:trace>
+          <inkml:trace contextRef="#ctx0" brushRef="#br1" timeOffset="241040.0114">3707-2465 0,'-24'0'62,"48"0"-46,-24 25-16,25-25 15,-1 0-15,0 0 16,24 0-16,-23 0 16,-1 0-16,24 0 15,-24 0-15,1 0 16</inkml:trace>
+          <inkml:trace contextRef="#ctx0" brushRef="#br1" timeOffset="240559.4432">3853-2658 0,'0'-24'47,"0"48"0,-73 411 46,73-410-93,0-1 16,0 0-16,0 0 16,0 0-1,24-24-15,0 24 31,1-24-31,-1 0 16,0 0 0,0 0-16,0 0 15,1 0-15,-1-24 16</inkml:trace>
+          <inkml:trace contextRef="#ctx0" brushRef="#br1" timeOffset="237530.4646">2909-2706 0,'0'24'94,"0"0"-79,0 0-15,0 0 0,0 0 16,0 25-16,0-25 15,0 24-15,0-23 16,0-1-16,0 24 16,0-24-16,0 25 15,0-25-15,0 0 16,0 0-16,0 1 16,0-1-16,0 0 15,0 0 1</inkml:trace>
+          <inkml:trace contextRef="#ctx0" brushRef="#br1" timeOffset="238579.6702">2909-2706 0,'24'0'46,"1"0"-30,-1 0 0,0 24-1,0 0 1,0-24-16,0 0 16,-24 24-16,25 0 15,-1-24-15,-24 24 16,24 1-16,-24-1 15,24 0 1,-24 0-16,0 0 16,0 97 46,-24-72-46,24-25-1,-24 0-15,0-24 16,24 24-16,-25 1 16,1-1-1,0-24 1,24 24 0,-24-24-16,0 24 15,0-24 1,-1 0-1,25 24 1,-24-24 0</inkml:trace>
+          <inkml:trace contextRef="#ctx0" brushRef="#br1" timeOffset="242307.9179">4361-2416 0,'0'-24'47,"-25"48"-31,1-24-1,24 24 1,-24 0 0,0 0-1,0 1-15,24-1 16,-25 0-1,25 0-15,-24 0 16,24 1-16,0-1 16,24 24 31,49-48-16,-49 0-31,0-24 15,1 24 1,-25-24-16,24 0 16,0 24-16,-24-25 15,0 1-15,0 0 16,24 24-16,-24-24 16,0 0-16,0-1 15,24 1 16,-24 0-15,0 48 140,0 0-140,0 1-16,-24-1 16,24 0-16,0 0 15,0 0-15,0 1 0,0-1 16,0 0-1,24 0 1,1-24-16,-1 0 16,24 0-1,-24 0-15,0-24 16,1 0-16</inkml:trace>
         </inkml:traceGroup>
       </inkml:traceGroup>
     </inkml:traceGroup>
+  </inkml:traceGroup>
+</inkml:ink>
+</file>
+
+<file path=ppt/ink/ink83.xml><?xml version="1.0" encoding="utf-8"?>
+<inkml:ink xmlns:inkml="http://www.w3.org/2003/InkML">
+  <inkml:definitions>
+    <inkml:context xml:id="ctx0">
+      <inkml:inkSource xml:id="inkSrc0">
+        <inkml:traceFormat>
+          <inkml:channel name="X" type="integer" min="-1920" max="3840" units="cm"/>
+          <inkml:channel name="Y" type="integer" max="1080" units="cm"/>
+          <inkml:channel name="T" type="integer" max="2.14748E9" units="dev"/>
+        </inkml:traceFormat>
+        <inkml:channelProperties>
+          <inkml:channelProperty channel="X" name="resolution" value="109.29791" units="1/cm"/>
+          <inkml:channelProperty channel="Y" name="resolution" value="36.48649" units="1/cm"/>
+          <inkml:channelProperty channel="T" name="resolution" value="1" units="1/dev"/>
+        </inkml:channelProperties>
+      </inkml:inkSource>
+      <inkml:timestamp xml:id="ts0" timeString="2018-01-01T16:41:34.725"/>
+    </inkml:context>
+    <inkml:brush xml:id="br0">
+      <inkml:brushProperty name="width" value="0.07938" units="cm"/>
+      <inkml:brushProperty name="height" value="0.07938" units="cm"/>
+      <inkml:brushProperty name="color" value="#00B050"/>
+      <inkml:brushProperty name="fitToCurve" value="1"/>
+    </inkml:brush>
+    <inkml:brush xml:id="br1">
+      <inkml:brushProperty name="width" value="0.10583" units="cm"/>
+      <inkml:brushProperty name="height" value="0.10583" units="cm"/>
+      <inkml:brushProperty name="color" value="#C00000"/>
+      <inkml:brushProperty name="fitToCurve" value="1"/>
+    </inkml:brush>
+  </inkml:definitions>
+  <inkml:traceGroup>
+    <inkml:annotationXML>
+      <emma:emma xmlns:emma="http://www.w3.org/2003/04/emma" version="1.0">
+        <emma:interpretation id="{BB307DA6-AC53-4936-9913-4BA7B1F87713}" emma:medium="tactile" emma:mode="ink">
+          <msink:context xmlns:msink="http://schemas.microsoft.com/ink/2010/main" type="writingRegion" rotatedBoundingBox="9631,1129 17918,1207 17886,4640 9599,4562"/>
+        </emma:interpretation>
+      </emma:emma>
+    </inkml:annotationXML>
     <inkml:traceGroup>
       <inkml:annotationXML>
         <emma:emma xmlns:emma="http://www.w3.org/2003/04/emma" version="1.0">
-          <emma:interpretation id="{641989D4-5454-45AB-B010-336379F161AF}" emma:medium="tactile" emma:mode="ink">
-            <msink:context xmlns:msink="http://schemas.microsoft.com/ink/2010/main" type="paragraph" rotatedBoundingBox="11183,13633 19142,13806 19104,15569 11144,15396" alignmentLevel="1"/>
+          <emma:interpretation id="{E53AD74C-8F14-4E07-A832-590738EAA93F}" emma:medium="tactile" emma:mode="ink">
+            <msink:context xmlns:msink="http://schemas.microsoft.com/ink/2010/main" type="paragraph" rotatedBoundingBox="9898,1085 13609,1295 13569,1997 9858,1786" alignmentLevel="1"/>
           </emma:interpretation>
         </emma:emma>
       </inkml:annotationXML>
       <inkml:traceGroup>
         <inkml:annotationXML>
           <emma:emma xmlns:emma="http://www.w3.org/2003/04/emma" version="1.0">
-            <emma:interpretation id="{8F6DB605-7248-44A0-8A3B-0362B920C816}" emma:medium="tactile" emma:mode="ink">
-              <msink:context xmlns:msink="http://schemas.microsoft.com/ink/2010/main" type="inkBullet" rotatedBoundingBox="11176,13955 11297,13958 11295,14031 11174,14028"/>
-            </emma:interpretation>
-            <emma:one-of disjunction-type="recognition" id="oneOf21">
-              <emma:interpretation id="interp25" emma:lang="" emma:confidence="0">
-                <emma:literal>•</emma:literal>
-              </emma:interpretation>
-            </emma:one-of>
-          </emma:emma>
-        </inkml:annotationXML>
-        <inkml:trace contextRef="#ctx0" brushRef="#br0" timeOffset="210048.4296">-163 8470 0,'0'24'157,"-24"0"-142,24 0 16,-24-24 16,-1 0-31,25-24 0,-24 24-16,24-24 15,0 0 1,24 24 62,-24 24-47,-24-24 47,0 0-62,24-24 0</inkml:trace>
-      </inkml:traceGroup>
-      <inkml:traceGroup>
-        <inkml:annotationXML>
-          <emma:emma xmlns:emma="http://www.w3.org/2003/04/emma" version="1.0">
-            <emma:interpretation id="{12A8C58D-39F3-4E8F-9942-98B22EBFE9E6}" emma:medium="tactile" emma:mode="ink">
-              <msink:context xmlns:msink="http://schemas.microsoft.com/ink/2010/main" type="line" rotatedBoundingBox="11666,13644 19142,13806 19120,14818 11644,14656"/>
+            <emma:interpretation id="{AB98E317-70BD-486B-B212-00E52DFE183C}" emma:medium="tactile" emma:mode="ink">
+              <msink:context xmlns:msink="http://schemas.microsoft.com/ink/2010/main" type="line" rotatedBoundingBox="9898,1085 13609,1295 13569,1997 9858,1786"/>
             </emma:interpretation>
           </emma:emma>
         </inkml:annotationXML>
         <inkml:traceGroup>
           <inkml:annotationXML>
             <emma:emma xmlns:emma="http://www.w3.org/2003/04/emma" version="1.0">
-              <emma:interpretation id="{F6B7A396-8302-45F8-A0A7-09D2EB69B9EA}" emma:medium="tactile" emma:mode="ink">
-                <msink:context xmlns:msink="http://schemas.microsoft.com/ink/2010/main" type="inkWord" rotatedBoundingBox="11663,13786 14167,13840 14148,14710 11644,14656"/>
-              </emma:interpretation>
-              <emma:one-of disjunction-type="recognition" id="oneOf22">
-                <emma:interpretation id="interp26" emma:lang="" emma:confidence="1">
+              <emma:interpretation id="{5CA75E5C-F72B-48D0-A14B-AE8661A0DD01}" emma:medium="tactile" emma:mode="ink">
+                <msink:context xmlns:msink="http://schemas.microsoft.com/ink/2010/main" type="inkWord" rotatedBoundingBox="9896,1120 10184,1137 10146,1802 9858,1786"/>
+              </emma:interpretation>
+              <emma:one-of disjunction-type="recognition" id="oneOf0">
+                <emma:interpretation id="interp0" emma:lang="" emma:confidence="1">
                   <emma:literal/>
                 </emma:interpretation>
               </emma:one-of>
             </emma:emma>
           </inkml:annotationXML>
-          <inkml:trace contextRef="#ctx0" brushRef="#br0" timeOffset="213490.5381">1046 8518 0,'-24'0'94,"0"0"-79,0 24 1,0 0 0,0-24-16,24 24 15,0 1-15,-25-25 16,25 24-16,0 0 15,-24 0-15,24 0 16,0 1 0,0-1-16,24-24 15,1 0 1,-1 0 0,0 0-16,0 0 15,0 0 1,-24-24 31,24-1-47,-24 1 15,0 0-15,25 0 0,-25 0 16,0-1 0,-25 171 109,25-122-125,0 0 15,0 0 1,0 0-16,25-24 15,-25 25-15,24-25 16,0 0-16,0 0 0</inkml:trace>
-          <inkml:trace contextRef="#ctx0" brushRef="#br0" timeOffset="212387.99">200 8445 0,'0'25'125,"0"-1"-125,0 0 16,0 0-1,0 0-15,0 0 16,0 1-16,0-1 16,0 0-16,0 0 15,0 0 1,0 1-1,24-25 48,0-25-47,0 1-1,-24 0 1,25 0-1,-25 0-15,24 24 16,-24-25-16,24 1 31,0 24 32,0 0-32,1 0-15,-1 24 15,-24 1-15,0-1-1,0 0-15,0 0 16,0 0-1,0 1-15,0-1 16,0 0 0,24-24-1,-24-24 17,24 0-17,0-1-15,-24 1 16,24 0-16,-24 0 15,25 0-15,-1-1 16,0 1 15,0 0-15,0 24 31,1 0-32,-1 0 1,-24 24 15,0 0-15,0 1 0,0-1-16,0 0 15,0 0-15,0 0 16,0 1-1,0-1-15,0 0 32</inkml:trace>
-          <inkml:trace contextRef="#ctx0" brushRef="#br0" timeOffset="223860.9208">1385 8324 0,'-24'25'140,"24"-1"-124,0 0 0,0 0-1,0 0 1,0 1-16,0-1 15,0 0 1,0 0-16,0 0 16,0 0-16,0 1 15,0-1-15,0 0 16,0 0-16,0 0 16,24 1-16,-24-1 0,0 0 15,0 0 1,0 0-1</inkml:trace>
-          <inkml:trace contextRef="#ctx0" brushRef="#br0" timeOffset="224936.1619">1627 8470 0,'24'-25'62,"-48"25"-15,0 0-31,0 0-1,-1 25 1,1-1 0,24 0-16,-24-24 15,24 24 48,-24-24-48,24 24 1,0 0 0,24 1 62,0-25-47,-24 24-31,24-24 16,-24 24-16,25-24 15,-25 24-15,24-24 16,-24 24-16,24 1 31,0 23 16,-24-24-47,0 0 16</inkml:trace>
-          <inkml:trace contextRef="#ctx0" brushRef="#br0" timeOffset="225926.4795">1917 8397 0</inkml:trace>
-          <inkml:trace contextRef="#ctx0" brushRef="#br0" timeOffset="225559.0244">1917 8566 0,'0'24'94,"0"1"-79,0-1-15,0 0 0,0 0 16,0 0 0,0 1-16,0-1 0,0 0 15,0 0 1</inkml:trace>
-          <inkml:trace contextRef="#ctx0" brushRef="#br0" timeOffset="226772.3321">2087 8566 0,'0'73'78,"0"48"-47,24-97-15,-24 0 0,24-24-1,0 0 16,-24-24-15,24 0-16,1 24 16,-25-24-16,24-1 15,-24 1-15,24 24 16,-24-24-16,0 0 31,24 24-15,0 0 15,1 0 16,-25 24-31,0 0-1,0 0-15,0 1 16,0-1-1,0 0 1,0 0-16,0 0 16</inkml:trace>
-          <inkml:trace contextRef="#ctx0" brushRef="#br0" timeOffset="227761.5141">2619 8590 0,'-49'49'63,"49"-25"-63,-24 0 15,24 0 1,0 1-16,0-1 16,0 0-1,0 0 1,24-24 0,1 0-1,-1 0-15,0 0 16,-24-24-16,24 0 15,0 24-15,-24-24 16,0-1-16,0 1 16,0 0-1,0 0 17,0 48 30,0 0-46,0 0-1,0 1 1,0-1 0,0 0-16,0 0 15,0 0-15,0 1 16,0-1-16,0 24 15,0-24 1,0 1-16,0-1 16,0 0-16,0 0 15,0 0-15,0 0 16,-24-24-16,24 25 16,-24-1-1,24 0-15,-24 0 16,0-24-1,-1 24 1,1-24 0,0 0-16,0-24 15,0 24 1,24-24-16,-24 0 16,24 0-1,0-1-15,24 1 31,-24 0-31,24 24 0,0-24 16,0 24 0,0-24-16,1 24 15,-1 0-15</inkml:trace>
-        </inkml:traceGroup>
-        <inkml:traceGroup>
-          <inkml:annotationXML>
-            <emma:emma xmlns:emma="http://www.w3.org/2003/04/emma" version="1.0">
-              <emma:interpretation id="{28BD9E7C-C464-4575-840D-17F2D231B6AC}" emma:medium="tactile" emma:mode="ink">
-                <msink:context xmlns:msink="http://schemas.microsoft.com/ink/2010/main" type="inkWord" rotatedBoundingBox="14763,13711 17176,13764 17160,14495 14747,14443"/>
-              </emma:interpretation>
-              <emma:one-of disjunction-type="recognition" id="oneOf23">
-                <emma:interpretation id="interp27" emma:lang="" emma:confidence="1">
+          <inkml:trace contextRef="#ctx0" brushRef="#br0">-1566-4327 0,'0'24'204,"0"0"-204,0 0 0,0 1 15,0-1 1,0 0-16,0 0 0,0 24 15,0-23-15,0-1 16,0 0-16,0 0 16,0 0-1,0 1-15,0-1 16,0 0-16,0 0 16,0 0-1,0 1 1,0-1-1,0 0 1,24 0-16,-24 0 16,0 1-16,0-1 31</inkml:trace>
+          <inkml:trace contextRef="#ctx0" brushRef="#br0" timeOffset="80019.6964">-1542-4110 0,'24'0'156,"0"0"-124,1 0-1,-1 0 0,0 0 0,0 0-15,-24 25 62,24-25-62,1 0 31,-1 0 0,0 0 46</inkml:trace>
+          <inkml:trace contextRef="#ctx0" brushRef="#br0" timeOffset="83087.243">-1542-4351 0,'24'0'203,"0"0"-172,1 0 0,-1 0 16,0 0-31,0 0 15,0 0 16,1 0-16,-1 0 16,0 0 31,0 0-15</inkml:trace>
+        </inkml:traceGroup>
+        <inkml:traceGroup>
+          <inkml:annotationXML>
+            <emma:emma xmlns:emma="http://www.w3.org/2003/04/emma" version="1.0">
+              <emma:interpretation id="{3E19E575-F542-41E8-A94D-91D6FE1F237C}" emma:medium="tactile" emma:mode="ink">
+                <msink:context xmlns:msink="http://schemas.microsoft.com/ink/2010/main" type="inkWord" rotatedBoundingBox="10426,1135 12378,1246 12342,1869 10390,1758"/>
+              </emma:interpretation>
+              <emma:one-of disjunction-type="recognition" id="oneOf1">
+                <emma:interpretation id="interp1" emma:lang="" emma:confidence="1">
                   <emma:literal/>
                 </emma:interpretation>
               </emma:one-of>
             </emma:emma>
           </inkml:annotationXML>
-          <inkml:trace contextRef="#ctx0" brushRef="#br0" timeOffset="230132.0135">3925 8736 0,'24'0'47,"1"-25"-31,-1 25 0,0-24-16,0 24 15,0-24-15,-24 0 31,0 0-15,-24 24 0,24-25-1,-169 98 95,169-49-95,-24 0-15,24 1 16,0-1-16,0 0 16,0 0-16,0 0 15,0 1-15,0-1 16,0 0-16,0 0 15,24-24-15,-24 24 16,48-24-16,-24 0 16,1 0-16,23 0 15,-48-24-15,24 24 0</inkml:trace>
-          <inkml:trace contextRef="#ctx0" brushRef="#br0" timeOffset="231348.1617">4240 8639 0,'-25'0'63,"50"24"-16,-1-24-32,0 0 1,0 24-16,25-24 15,-25 0-15</inkml:trace>
-          <inkml:trace contextRef="#ctx0" brushRef="#br0" timeOffset="230988.4282">4336 8349 0,'0'24'94,"0"24"-78,0-24-16,0 1 15,0-1-15,-24 24 16,24-24-16,0 25 16,0-1-16,0-24 15,-24 0-15,24 25 16,0-25-1,0 0-15,0 0 16,24-24-16,-24 25 0,0-1 31,24-24-31,1 0 32,-1 0-17,0 0-15,0 0 16</inkml:trace>
-          <inkml:trace contextRef="#ctx0" brushRef="#br0" timeOffset="229421.3144">3296 8566 0,'0'97'47,"0"-73"-47,24 0 15,-24 1 1,0-1 0,0 0-16,0 0 15,0 0 1,0 1 0,25-25-1,-1 0 16,-24-25-31,24 1 16,-24 0-16,0 0 0,24 0 16,-24-1-1,0 1 1,0 0-16,24 24 16,-24-24-1,25 24 48,-25 24-48,0 0-15,24 0 16,-24 1 0,0-1-1,0 0 1,24 0 15,0-24 0,0 0-15,-24-24 0,24 24-16,-24-24 15,25 24-15,-1-24 16,-24-1-16,24 25 15,-24-24 1,24 24 0,-24-24-1,0 48 32,0 0-31,0 1-1,0-1 1,0 0-16,0 0 16,24 0-16,-24 1 15,0-1 17,25-24-32</inkml:trace>
-          <inkml:trace contextRef="#ctx0" brushRef="#br0" timeOffset="232660.9944">4651 8397 0,'24'24'62,"-24"0"-46,0 1-1,0-1-15,0 0 0,0 0 16,0 0 0,0 25-16,0-25 0,0 0 15,0 24-15,0-23 16,0-1-16,0 0 16,0 0-16,24 0 15,0-24 16,1 0-15,-1 0 0,-24-24 15,0 0-15,24 0-1,0 0 1,0 24 31,1 0-16,-25 24-15,0 0-16,24 0 15,-24 0 1,0 1-16,0-1 0,0 0 15,0 0 1,0 0 0,0 1-1</inkml:trace>
-          <inkml:trace contextRef="#ctx0" brushRef="#br0" timeOffset="233199.1906">5038 8736 0,'0'48'47,"0"-24"-32,0 0-15,-24-24 0,24 25 16,0-1-16,0 0 16,24 0-1,0-24 1,0 0 0,25 0-16,-25-24 15,0 24-15,0-24 16,0 0-16,-24-1 15,0 1-15,0 0 16,-24 0 0,-121 24 77</inkml:trace>
-          <inkml:trace contextRef="#ctx0" brushRef="#br0" timeOffset="234121.1465">5498 8760 0,'-49'48'63,"25"-24"-63,24 1 15,-24-25 1,24 24-16,0 0 15,0 0 1,0 0-16,0 1 31,24-1 1,0-24-17,0 0-15,1 0 16,-25-24-1,24-1-15,-24 1 0,24-24 16,0-1-16,0 1 16,-24 0-16,24-25 15,-24 25-15,25-1 16,-25 1-16,0 24 16,0 0-16,24-25 15,-24 25-15,24 0 16,-24 0-16,0-1 15,24 25-15,-24-24 16,0 0 0,0 48 62,0 0-78,0 1 15,-24-1-15,24 24 16,-24 1-16,24-1 16,0 0-16,-24 1 15,24-1-15,0-24 16,-25 25-16,25-1 16,0-24-16,0 0 15,0 1-15,0-1 16,0 0-16,25 0 0,-1 0 31,0-24-15</inkml:trace>
-        </inkml:traceGroup>
-        <inkml:traceGroup>
-          <inkml:annotationXML>
-            <emma:emma xmlns:emma="http://www.w3.org/2003/04/emma" version="1.0">
-              <emma:interpretation id="{5EDBA480-FA88-4CFE-A6C7-DB76FD5ABA32}" emma:medium="tactile" emma:mode="ink">
-                <msink:context xmlns:msink="http://schemas.microsoft.com/ink/2010/main" type="inkWord" rotatedBoundingBox="17690,13936 19138,13968 19127,14496 17678,14465"/>
-              </emma:interpretation>
-              <emma:one-of disjunction-type="recognition" id="oneOf24">
-                <emma:interpretation id="interp28" emma:lang="" emma:confidence="1">
+          <inkml:trace contextRef="#ctx0" brushRef="#br0" timeOffset="3119.4942">-1034-4351 0,'24'0'63,"-24"24"-16,0 0-47,0 0 15,0 0-15,0 1 0,0 23 16,0-24-1,0 0-15,0 25 0,0-25 16,0 0-16,0 0 16,0 0-16,0 1 15,0-1-15,0 0 16,0 0-16,0 0 16,0 1-1,0-1-15,0 0 16,0 0-1,0 0 17,24-24-1,1 0-15,-1 25-1,0-25 1,0 0 15,-24-25-31</inkml:trace>
+          <inkml:trace contextRef="#ctx0" brushRef="#br0" timeOffset="4296.9806">-647-3989 0,'0'-24'47,"-24"48"0,0 1-31,0-1-1,-1 0 1,25 0-16,-24 0 16,24 1-1,0-1-15,0 0 16,0 0-16,0 0 16,0 1-1,24-25 16,1 0-15,-1 0 0,0-25-1,0 1-15,-24 0 16,24 0-16,-24 0 16,25-1-16,-25 1 15,0 0 1,0 0-1,0 0 17,0-1-1,0 50 94,0-1-125,0 0 16,0 0-1,0 0-15,0 1 16,0-1-16,0 0 15,24 0 1,-24 0-16,24-24 31,0 0-15,0 0-16,-24-24 16</inkml:trace>
+          <inkml:trace contextRef="#ctx0" brushRef="#br0" timeOffset="5294.7443">-405-3989 0,'0'25'93,"0"-1"-93,0 0 16,24-24-16,-24 24 16,0 0-16,0 1 15,0-1-15,0 0 16,24 0-16,-24 0 15,25-24 1,-25 25-16,0-1 31,24-24-15,-24-24 46,24-1-62,-24 1 16,24 0-16,-24 0 16,0 0-1,24-1-15,-24 1 16,0 0-16,0 0 16,25 24-16,-25-24 15,0-1-15,0 1 31</inkml:trace>
+          <inkml:trace contextRef="#ctx0" brushRef="#br0" timeOffset="6148.6041">-66-3916 0,'24'-24'47,"-24"48"15,-24-24-62,24 24 16,-24-24-16,24 24 15,0 1-15,-25-1 16,25 0 0,0 0-16,0 0 15,0 1 1,0-1-1,25-24 1,-25 24 0,24-24-16,0 0 0,0 0 15,0 0 17,0-24-17,-24 0 1,25-1-16,-25 1 15,24 0-15,-24 0 16,0-25-16,0 25 16,0 0-1,0 0-15,-97-25 125</inkml:trace>
+          <inkml:trace contextRef="#ctx0" brushRef="#br0" timeOffset="6878.755">248-3964 0,'0'-25'47,"0"98"15,-24-49-46,24 0-16,0 1 0,0-1 15,0 0-15,0 0 16,0 0 0,24-24-16,-24 25 15,24-25-15,1 0 16,-1 0-1,0 0 1,0-25-16,0 1 16,-24 0-16,25 0 15,-1 0 1,-24-1-16,0 1 16,24 0-16,-24 0 15,0 0-15</inkml:trace>
+          <inkml:trace contextRef="#ctx0" brushRef="#br0" timeOffset="10403.1091">611-3868 0,'0'-24'94,"24"24"-63,0-24-15,1 24-1,-1 0 17,0 0 15,-24 24-47,0 0 31,0 1-16,0-1-15,0 0 16,0 0-16,0 0 16,0 1-16,0-1 15,0 0 1,0 0-16,24-24 62,-24-24-46,0 0-16,0-25 16,24 25-16,-24 0 15,0 0-15,25 24 16,-25-24-16,24-1 16,-24 1-1,24 0-15,0 24 16,-24-24-1,24 24 1</inkml:trace>
+        </inkml:traceGroup>
+        <inkml:traceGroup>
+          <inkml:annotationXML>
+            <emma:emma xmlns:emma="http://www.w3.org/2003/04/emma" version="1.0">
+              <emma:interpretation id="{3C89BDFA-0E2B-46D9-A2B8-D6097F695C35}" emma:medium="tactile" emma:mode="ink">
+                <msink:context xmlns:msink="http://schemas.microsoft.com/ink/2010/main" type="inkWord" rotatedBoundingBox="12836,1252 13156,1270 13119,1918 12799,1900"/>
+              </emma:interpretation>
+              <emma:one-of disjunction-type="recognition" id="oneOf2">
+                <emma:interpretation id="interp2" emma:lang="" emma:confidence="1">
                   <emma:literal/>
                 </emma:interpretation>
               </emma:one-of>
             </emma:emma>
           </inkml:annotationXML>
-          <inkml:trace contextRef="#ctx0" brushRef="#br0" timeOffset="235163.346">6417 8615 0,'-24'-25'62,"-1"50"-62,1-1 16,0 0 0,0 0-1,0 0-15,24 1 16,-25-1-16,1 0 16,24 0-1,0 0-15,0 1 16,0-1-1,0 0-15,0 0 16,24-24 0,73 0 15,-48 0 0</inkml:trace>
-          <inkml:trace contextRef="#ctx0" brushRef="#br0" timeOffset="235973.536">6659 8736 0,'-25'0'110,"1"0"-95,24 24-15,-24-24 16,24 24-16,-24 0 16,24 0-1,-24 1-15,24-1 16,0 0 0,0 0 15,24-24-31,0 0 15,0 0-15,0 0 16,1-24 0,-1 0-16,0 0 15,0-1-15,-24 1 16,0 0-16,0 0 16,0 0-1,0 48 32,-24 0-31,24 0-1,0 0 1,0 1-16,0-1 16,0 0-16,24 0 15,-24 0-15,24-24 16,1 0-1,-1 0 1</inkml:trace>
-          <inkml:trace contextRef="#ctx0" brushRef="#br0" timeOffset="236485.0078">6997 8470 0,'0'48'47,"0"-24"-32,0 0-15,0 25 16,0-25-16,0 24 16,0-24-16,0 25 15,0-1-15,0-24 16,0 1-16,0 23 16,0-24-1,0 0-15,0 1 16,25-25-1,-1 0 1</inkml:trace>
-          <inkml:trace contextRef="#ctx0" brushRef="#br0" timeOffset="236941.9501">7215 8470 0,'0'96'62,"0"-72"-62,0 1 16,0 23-16,0-24 16,0 25-16,0-25 15,0 24-15,0-24 0,0 1 16,0-1-16,0 0 16</inkml:trace>
-          <inkml:trace contextRef="#ctx0" brushRef="#br0" timeOffset="237915.8857">7675 8663 0,'0'-24'47,"-25"24"-47,1 0 16,0 0-16,0 0 16,24 24-16,-24-24 0,0 0 15,24 24-15,-25-24 16,25 24-16,-24 1 15,24-1 1,0 0 0,0 0 15,24-24-15,1 0-16,-1 24 15,0-24 16,0 0-15,24 25 62,-48-1-78,0 0 31,0 0 1,0 0-17,0 1 1,-24-25 0,24 24-1,-24-24-15,0 0 16,0 0-16,0 0 15,-1 0-15,1 0 16,0 0-16,0 0 16,0 0-16,-1 0 15,1 0 1</inkml:trace>
-        </inkml:traceGroup>
-      </inkml:traceGroup>
-      <inkml:traceGroup>
-        <inkml:annotationXML>
-          <emma:emma xmlns:emma="http://www.w3.org/2003/04/emma" version="1.0">
-            <emma:interpretation id="{AC9B1FA6-3256-4CA0-A555-53ADD4079F8C}" emma:medium="tactile" emma:mode="ink">
-              <msink:context xmlns:msink="http://schemas.microsoft.com/ink/2010/main" type="line" rotatedBoundingBox="11550,14712 14136,14850 14101,15501 11515,15363"/>
-            </emma:interpretation>
-          </emma:emma>
-        </inkml:annotationXML>
-        <inkml:traceGroup>
-          <inkml:annotationXML>
-            <emma:emma xmlns:emma="http://www.w3.org/2003/04/emma" version="1.0">
-              <emma:interpretation id="{55A2712E-5DE4-41FC-B9E8-557B4C172159}" emma:medium="tactile" emma:mode="ink">
-                <msink:context xmlns:msink="http://schemas.microsoft.com/ink/2010/main" type="inkWord" rotatedBoundingBox="11546,14793 12597,14849 12576,15247 11524,15191"/>
-              </emma:interpretation>
-              <emma:one-of disjunction-type="recognition" id="oneOf25">
-                <emma:interpretation id="interp29" emma:lang="" emma:confidence="1">
+          <inkml:trace contextRef="#ctx0" brushRef="#br0" timeOffset="258382.1552">1482-4230 0,'-24'0'203,"24"24"-187,0 0 0,-24 0-1,24 0-15,-25 0 16,25 1 0,0-1-16,-24 0 15,24 0 1,0 0-1,0 1-15,-24-25 16,24 24-16,0 0 16,0 0-1,0 0 48,24-24-1,-24 25-62,24-25 16,1 0 15,-1 0-31,0 0 16,0 0-1,0 0 1,0 0 0,1 0-16,-1 0 15,0 0-15,0 0 16,0 0 0,-24-25 62</inkml:trace>
+          <inkml:trace contextRef="#ctx0" brushRef="#br0" timeOffset="259088.0749">1651-4061 0,'0'-24'47,"0"48"15,-24-24-62,24 24 16,-97 363 109,97-363-125,0 0 15,0 1 1</inkml:trace>
+        </inkml:traceGroup>
+        <inkml:traceGroup>
+          <inkml:annotationXML>
+            <emma:emma xmlns:emma="http://www.w3.org/2003/04/emma" version="1.0">
+              <emma:interpretation id="{149A8D09-8C4E-4A00-9270-99F1525E6BBA}" emma:medium="tactile" emma:mode="ink">
+                <msink:context xmlns:msink="http://schemas.microsoft.com/ink/2010/main" type="inkWord" rotatedBoundingBox="13490,1518 13596,1524 13576,1867 13471,1861"/>
+              </emma:interpretation>
+              <emma:one-of disjunction-type="recognition" id="oneOf3">
+                <emma:interpretation id="interp3" emma:lang="" emma:confidence="1">
                   <emma:literal/>
                 </emma:interpretation>
               </emma:one-of>
             </emma:emma>
           </inkml:annotationXML>
-          <inkml:trace contextRef="#ctx0" brushRef="#br0" timeOffset="240760.9164">466 9340 0,'-24'0'94</inkml:trace>
-          <inkml:trace contextRef="#ctx0" brushRef="#br0" timeOffset="239831.2297">297 9340 0,'-25'0'141,"1"0"-125,0 0-1,0 25 1,0-25-16,-1 24 0,1-24 15,24 24 1,-24-24-16,24 24 16,-24-24-1,24 24-15,0 1 16,24-1 15,0-24-31,-24 24 16,24-24-16,1 0 15,-1 0 1,-24 24-16,24-24 31,-24 24-15,24-24 0,0 24 15,1 1 16,-25 47 31,-25-72-78,1 0 15,0 0 1,0 0-16,0 0 16,-1 0-16,1 0 15,0 0-15,0 0 16,24-24 31</inkml:trace>
-          <inkml:trace contextRef="#ctx0" brushRef="#br0" timeOffset="240370.7792">490 9510 0,'0'48'47,"0"-24"-31,0 0-16,0 1 16,0-1-16,0 0 15,0 0 1,24-24-1,-24 24 1</inkml:trace>
-          <inkml:trace contextRef="#ctx0" brushRef="#br0" timeOffset="241845.2773">756 9510 0,'0'48'62,"0"-24"-46,0 0-16,0 1 16,24-25-16,-24 24 15,0 0-15,0 0 16,0 0 15,25-24-15,-1-24-1,0 0 1,-24 0-16,24 0 0,0 24 16,-24-25-1,25 25-15,-25 25 141,24-25-125,-24 24-1,24-24 48,0 0-32,0-24-31,0-1 16,1 25-1,-25-24 1,24 24-16,0 0 15,-24-24 1,0 48 31,0 0-47,0 1 16,0-1-1,0 0 1,0 0-1</inkml:trace>
-        </inkml:traceGroup>
-        <inkml:traceGroup>
-          <inkml:annotationXML>
-            <emma:emma xmlns:emma="http://www.w3.org/2003/04/emma" version="1.0">
-              <emma:interpretation id="{8B287573-4839-4885-8635-1A71E79B52CE}" emma:medium="tactile" emma:mode="ink">
-                <msink:context xmlns:msink="http://schemas.microsoft.com/ink/2010/main" type="inkWord" rotatedBoundingBox="12851,14782 14136,14850 14101,15501 12817,15432"/>
-              </emma:interpretation>
-              <emma:one-of disjunction-type="recognition" id="oneOf26">
-                <emma:interpretation id="interp30" emma:lang="" emma:confidence="1">
-                  <emma:literal/>
-                </emma:interpretation>
-              </emma:one-of>
-            </emma:emma>
-          </inkml:annotationXML>
-          <inkml:trace contextRef="#ctx0" brushRef="#br0" timeOffset="243880.0425">1796 9316 0,'49'218'109,"-49"-170"-109,0-24 16,0 1-16,0 23 16,0-24-16,0 0 15,0 1-15,0-1 16,0 0 15,0 0 0,24-24-31</inkml:trace>
-          <inkml:trace contextRef="#ctx0" brushRef="#br0" timeOffset="244546.233">2087 9631 0,'48'0'62,"-24"0"-46,0-25-16,1 1 16,-25 0 15,-25 24 0,1 0-31,0 0 31,0-24-15,0 24-16,-1 0 16,1 0-1,24 24 1,-24 0 0,24 0-1,0 1-15,0-1 16,0 0-16,0 0 15,0 0-15,0 1 16,24-1 0,0-24-1,-24 24-15,25-24 16,-1 0 0</inkml:trace>
-          <inkml:trace contextRef="#ctx0" brushRef="#br0" timeOffset="243165.1453">1385 9534 0,'0'24'78,"0"170"-31,-24-49-1,24-121-30,0 0 0,0-48 31,0 0-32,0 0-15,24-25 16,-24 1-16,0-1 15,24 25-15,-24-24 16,0 24-16,25-25 16,-25 25-16,0 0 15,0 0-15,24 24 16,-24-24 0,0-1-16,24 25 15,0 0 32,-24 25-31,24-25-1,-24 24 1,24-24-16,-24 24 16,25-24-1,-25 24-15,0 0 16,24-24-16,-24 24 31,0 1-15,-24-25-16,24 24 15,-25-24-15,1 24 16,0-24 0</inkml:trace>
-          <inkml:trace contextRef="#ctx0" brushRef="#br0" timeOffset="245257.2491">2353 9655 0,'72'-49'47,"-47"49"-16,-25 25-15,0-1-1,0 0 1,0 0-16,0 0 16,0 1-1,0-1 1,24-24 0,0-24 46,-24-1-46,169-168 124</inkml:trace>
+          <inkml:trace contextRef="#ctx0" brushRef="#br0" timeOffset="21562.9305">2111-3940 0,'-24'0'234,"-1"0"-203,25-24-15,25 24 78,-1 0-63,-24 24 16,0 0-16,-24-24 0,-1 0 1,25-24 15,0 0-16,25 24-16,-1 0 17,-24 24-1,0 0 31,-24-24-46,-1 0 15,25-24-15,0 0 15,25 24-15,-1 0 15,0 0 16,-24 24-16,-24-24 47,0 0-62</inkml:trace>
+          <inkml:trace contextRef="#ctx0" brushRef="#br0" timeOffset="26198.2976">2038-3650 0,'24'0'172,"-48"0"-47,0 0-109,24-24 31,24 0-16,0 24-16,1 0 17,-25 24-17,0 0 32,0 0-16,-25-24-15,1 0 0,0 0-1,24-24 17,0 0-1,24 24 0,0 0 0,1 0 1,-25 24-17,0 0 32,-25-24-31,1 0 15,24-24 0,0 0-31,0 0 16,24 24-1,1 0 17,-25 24-17</inkml:trace>
         </inkml:traceGroup>
       </inkml:traceGroup>
     </inkml:traceGroup>
     <inkml:traceGroup>
       <inkml:annotationXML>
         <emma:emma xmlns:emma="http://www.w3.org/2003/04/emma" version="1.0">
-          <emma:interpretation id="{B18C8443-7CF4-40B9-AB41-CDB7DB7316E3}" emma:medium="tactile" emma:mode="ink">
-            <msink:context xmlns:msink="http://schemas.microsoft.com/ink/2010/main" type="paragraph" rotatedBoundingBox="11180,15485 16844,15544 16836,16327 11172,16268" alignmentLevel="1"/>
+          <emma:interpretation id="{E92B5D5D-A4E6-4CFD-A854-207E55EC70D8}" emma:medium="tactile" emma:mode="ink">
+            <msink:context xmlns:msink="http://schemas.microsoft.com/ink/2010/main" type="paragraph" rotatedBoundingBox="9657,2467 17906,2545 17895,3648 9647,3570" alignmentLevel="1"/>
           </emma:interpretation>
         </emma:emma>
       </inkml:annotationXML>
       <inkml:traceGroup>
         <inkml:annotationXML>
           <emma:emma xmlns:emma="http://www.w3.org/2003/04/emma" version="1.0">
-            <emma:interpretation id="{98FA6E26-36E0-4099-A995-457007EB7C5C}" emma:medium="tactile" emma:mode="ink">
-              <msink:context xmlns:msink="http://schemas.microsoft.com/ink/2010/main" type="inkBullet" rotatedBoundingBox="11176,15916 11250,15917 11248,16038 11175,16037"/>
+            <emma:interpretation id="{5421D523-BCAF-4DD0-8DD0-9960C83067AE}" emma:medium="tactile" emma:mode="ink">
+              <msink:context xmlns:msink="http://schemas.microsoft.com/ink/2010/main" type="line" rotatedBoundingBox="9657,2467 17906,2545 17895,3648 9647,3570"/>
             </emma:interpretation>
-            <emma:one-of disjunction-type="recognition" id="oneOf27">
-              <emma:interpretation id="interp31" emma:lang="" emma:confidence="0">
-                <emma:literal>•</emma:literal>
-              </emma:interpretation>
-            </emma:one-of>
           </emma:emma>
         </inkml:annotationXML>
-        <inkml:trace contextRef="#ctx0" brushRef="#br0" timeOffset="257016.3383">-236 10477 0,'0'25'16,"0"-1"0,25-24 281,-25 24-266,-25-24-16,1 0 17,24-24-17,0 0-15,0-1 16,0 1-16,0 0 16,0 48 46,24-24-62,1 24 31,-25 1 16,-25-25-47,1 0 31,0 0-15,24-25 31</inkml:trace>
+        <inkml:traceGroup>
+          <inkml:annotationXML>
+            <emma:emma xmlns:emma="http://www.w3.org/2003/04/emma" version="1.0">
+              <emma:interpretation id="{3668325C-8D1D-4DA4-BC6D-A70FDD61A30B}" emma:medium="tactile" emma:mode="ink">
+                <msink:context xmlns:msink="http://schemas.microsoft.com/ink/2010/main" type="inkWord" rotatedBoundingBox="9657,2486 10795,2496 10788,3177 9650,3167"/>
+              </emma:interpretation>
+              <emma:one-of disjunction-type="recognition" id="oneOf4">
+                <emma:interpretation id="interp4" emma:lang="" emma:confidence="1">
+                  <emma:literal/>
+                </emma:interpretation>
+              </emma:one-of>
+            </emma:emma>
+          </inkml:annotationXML>
+          <inkml:trace contextRef="#ctx0" brushRef="#br1" timeOffset="275032.5163">-1300-2997 0,'-24'0'203,"0"0"-187,-1 0-1,1 0 1,0 0 0,0 0-1,0 0-15,-1 0 16,1 0-16,0 0 0,0 24 16,0-24-1,0 25-15,-1-1 31,1 0-15,0 0 0,0-24-16,24 24 15,-24-24-15,24 25 16,-25-1 0,25 0-16,0 0 31,0 0-16,0 1 1,25-25 0,-1 24-1,0-24-15,0 0 16,0 24-16,1-24 16,-1 0-16,-24 24 15,24-24-15,0 24 16,0-24-1,0 0 1,1 24 0,-1 1 31,-24-1-32,24 0 1,-24 0 15,0 0-15,0 1-1,0-1 1,-24-24-16,24 24 16,-24-24-16,24 24 15,-25-24-15,25 24 16,-24-24-16,24 25 15,-24-25 1,0 0-16,0 0 16,0 0-1,-1-25-15,1 25 16,-24-24-16,24 24 16,24-24-16,-25 24 15,1 0-15,24-24 16,-24 24-16,24-24 47,24 24-16</inkml:trace>
+          <inkml:trace contextRef="#ctx0" brushRef="#br1" timeOffset="276314.5134">-1252-2586 0,'0'-24'62,"0"48"1,0 1-47,0-1-16,0 0 15,0 0 1,0 0-16,0 1 15,0-1-15,0 0 16,0 0 15</inkml:trace>
+          <inkml:trace contextRef="#ctx0" brushRef="#br1" timeOffset="277038.803">-1227-2731 0,'0'-24'62,"0"0"-46,0 0 0,0 0-1,0-1-15,24 25 16,-24-24-16</inkml:trace>
+          <inkml:trace contextRef="#ctx0" brushRef="#br1" timeOffset="278542.9555">-1082-2561 0,'0'-25'63,"0"50"-32,0-1-15,0 0-1,0 0-15,0 0 16,0 1-16,0-1 16,0 0-1,0 0-15,0 0 16,24-24 15,0 0 16,0-24-16,-24 0-31,24 24 16,1-24-16,-25 0 16,24 24-16,-24-25 15,24 1-15,0 0 16,0 24-1,-24-24 1,0 48 31,25 0-16,-25 0-15,0 1-1,0-1 1,0 0 0,0 0 15,24-48 16,0 0-32,0 0 1,0-1 0,1 1-1,-1 0 1,-24 48 78,0 0-94,0 1 15,24-1 1,-24 0 0,0 0-16,0 0 15,0 1 1</inkml:trace>
+        </inkml:traceGroup>
+        <inkml:traceGroup>
+          <inkml:annotationXML>
+            <emma:emma xmlns:emma="http://www.w3.org/2003/04/emma" version="1.0">
+              <emma:interpretation id="{F9C190C7-737B-4AC2-9834-D278D18A719D}" emma:medium="tactile" emma:mode="ink">
+                <msink:context xmlns:msink="http://schemas.microsoft.com/ink/2010/main" type="inkWord" rotatedBoundingBox="11013,2480 13574,2504 13564,3607 11003,3583"/>
+              </emma:interpretation>
+              <emma:one-of disjunction-type="recognition" id="oneOf5">
+                <emma:interpretation id="interp5" emma:lang="" emma:confidence="1">
+                  <emma:literal/>
+                </emma:interpretation>
+              </emma:one-of>
+            </emma:emma>
+          </inkml:annotationXML>
+          <inkml:trace contextRef="#ctx0" brushRef="#br1" timeOffset="291748.1581">1893-2537 0,'-24'0'62,"24"24"-46,-24-24 0,24 24-16,-24 0 15,-1 1 1,25-1 0,-24 0-16,24 0 15,0 0 16,24-24-15,25 0 0,-25 0-16,0 0 15,0-24-15,25 24 16,-25-24 0,0 0-16,0 0 0,0-1 15,1 1-15,-25 0 16,0 0-16,0 0 15,24-1-15,-48 25 47,-1 0-31,1 73 31,0-49-47,24 0 0,0 1 15,0-1 1,0 0 0,0 0-16,0 0 15,0 1-15,0-1 16,0 0-16,0 0 16,0 25-1,0-25-15,-24 0 16,24 0-16,-24 0 15,24 0-15,-24 1 16,24 23-16,-25-24 0,1 0 16,0-24-16,0 25 15,24-1-15,-24-24 16,-1 24 0,1-24-1,0 0 1,0-24-1,24 0-15,-24 24 16,24-25-16,0 1 16,0 0-16,0 0 15,0 0 1,24-1-16,0 1 16,0 0-16,0 24 15,1-24 1,-1 24-16,0-24 0,0 24 15,0-24-15</inkml:trace>
+          <inkml:trace contextRef="#ctx0" brushRef="#br1" timeOffset="279718.6049">-429-2610 0,'24'121'79,"-24"-97"-64,0 25-15,0-25 16,0 0-16,0 25 15,0-25-15,-24 0 16,24 24-16,0-23 16,0-1-16,0 24 15,0-24-15,-24 0 16,24 1 0,0-74 46,0 25-62,0-24 16,0-1-16,0 1 15,0 0-15,24-1 16,-24 1-16,0 24 0,24-25 16,-24 25-1,0 0-15,24 0 16,-24-1-16,0 1 15,24 0 1,1 24 0,-1 0 31,0 0-16,-24 24-31,24-24 15,-24 24-15,0 1 16,24-1 0,-24 0-16,0 0 31,0 0 0,0 1 0,0-1-15,-24-24-16,0 0 16,0 0-1,0 0 1,-1 0 15</inkml:trace>
+          <inkml:trace contextRef="#ctx0" brushRef="#br1" timeOffset="282206.7825">-18-2997 0,'0'24'125,"0"1"-125,0-1 15,0 0-15,0 0 16,0 0-16,-24 25 16,24-25-16,0 0 15,0 0-15,0 1 0,0-1 16,0 0-16,0 0 15,0 0-15,0 25 16,0-25 0,0 0-16,0 0 15,0 0 1,0 1-16,0-1 16,0 0-1,0 0 1,0 0-1,0 1 1,24-25 31,0 0-31,0 0-16</inkml:trace>
+          <inkml:trace contextRef="#ctx0" brushRef="#br1" timeOffset="283468.0344">224-2803 0,'0'-49'63,"24"49"-47,-24-24-16</inkml:trace>
+          <inkml:trace contextRef="#ctx0" brushRef="#br1" timeOffset="282875.0888">224-2610 0,'0'170'109,"0"-146"-109,0 0 16,0 0-1,0 0-15,0 1 31</inkml:trace>
+          <inkml:trace contextRef="#ctx0" brushRef="#br1" timeOffset="285118.8936">393-2682 0,'25'0'109,"-1"0"-93,0 0-16,0 0 16,0 0-1,0 24-15,1-24 16,-1 0-16,0 0 15,0 0-15</inkml:trace>
+          <inkml:trace contextRef="#ctx0" brushRef="#br1" timeOffset="284599.6176">732-2948 0,'-73'-49'93,"49"49"-77,0 24-16,0-24 16,0 25-16,-1-1 15,25 0-15,-24 0 16,0 0-16,24 1 15,-24-1-15,24 24 16,0-24-16,0 1 16,0 23-16,0-24 15,0 24-15,0-23 0,0-1 16,0 24-16,0-24 16,0 1-16,0-1 15,0 0-15,0 0 16,0 0-16,0 1 15,0-1-15,0 0 16,0 0-16,0 0 16,0 1-1,0-1 1,0-48 46</inkml:trace>
+          <inkml:trace contextRef="#ctx0" brushRef="#br1" timeOffset="287329.6867">780-2561 0,'25'0'63,"-25"24"-16,0 0-32,24-24 1,-24 24-16,24 0 15,0-24 17,-24 25-32,24-25 15,1 0 1,-1 0 0</inkml:trace>
+          <inkml:trace contextRef="#ctx0" brushRef="#br1" timeOffset="287959.4211">1046-2586 0,'0'25'94,"-24"-25"-78,0 24-16,24 0 15,-24 0-15,24 0 16,-194 291 156</inkml:trace>
+          <inkml:trace contextRef="#ctx0" brushRef="#br1" timeOffset="289429.5597">1216-2731 0,'0'-72'110,"0"48"-95,0-1 1</inkml:trace>
+          <inkml:trace contextRef="#ctx0" brushRef="#br1" timeOffset="288825.0609">1216-2537 0,'0'-24'63,"0"48"-32,0 0-15,0 0-16,0 0 15,0 1-15,0 23 16,-24-24-16,24 0 16,0 1-1</inkml:trace>
+          <inkml:trace contextRef="#ctx0" brushRef="#br1" timeOffset="290599.9294">1385-2561 0,'0'24'62,"0"0"-62,0 0 16,0 0-1,0 1-15,24-1 16,-24 0 0,0 0-1,0 0 1,25-24 31,-1-24-32,-24 0 1,24 0-16,-24 0 16,24 24-16,-24-25 15,24 1-15,-24 0 16,24 24 31,-24-24-16,25 24 0,-25 24 16,24 0-31,-24 0-1,0 1 1,0-1 0,0 0-16,0 0 15,0 0 1,0 1 0</inkml:trace>
+        </inkml:traceGroup>
+        <inkml:traceGroup>
+          <inkml:annotationXML>
+            <emma:emma xmlns:emma="http://www.w3.org/2003/04/emma" version="1.0">
+              <emma:interpretation id="{938D1C74-92ED-46E3-AE1C-50DB17D552A3}" emma:medium="tactile" emma:mode="ink">
+                <msink:context xmlns:msink="http://schemas.microsoft.com/ink/2010/main" type="inkWord" rotatedBoundingBox="14155,2550 16188,2569 16181,3259 14149,3240"/>
+              </emma:interpretation>
+              <emma:one-of disjunction-type="recognition" id="oneOf6">
+                <emma:interpretation id="interp6" emma:lang="" emma:confidence="1">
+                  <emma:literal/>
+                </emma:interpretation>
+              </emma:one-of>
+            </emma:emma>
+          </inkml:annotationXML>
+          <inkml:trace contextRef="#ctx0" brushRef="#br1" timeOffset="296556.1497">2958-2610 0,'-25'0'141,"1"0"-110,0 0-15,0 0 15,0 0 0,24 24-31,-25-24 16,25 25-1,-24-25-15,24 24 16,-24-24 0,24 24-16,-24-24 15,24 24 1,-24-24-16,24 24 15,0 1 1,-25-1-16,25 0 16,0 0-1,0 0-15,0 1 16,0-1 0,0 0-1,25-24-15,-25 24 16,24-24-16,0 0 15,0 0 1,0 0-16,1 0 16,-1 0-16,0 0 15</inkml:trace>
+          <inkml:trace contextRef="#ctx0" brushRef="#br1" timeOffset="294207.8557">3224-2561 0,'-25'0'94,"1"0"-78,24 24-16,-24 0 15,0 0 1,24 0-16,-24 1 16,24-1-16,-25 0 15,25 0-15,0 0 16,0 1-16,0-1 15,25 0 1,-1-24 0,0 0-16,0 0 15,0 0-15,1-24 16,-1 0-16,0-1 16,0 1-16,0 0 15,-24-24-15,0 23 16,0 1-16,0 0 15,0-24-15,0 23 16,-24 25 0,0 0-16,0 0 15,0 0-15,-1 0 16,1 25 0</inkml:trace>
+          <inkml:trace contextRef="#ctx0" brushRef="#br1" timeOffset="298342.2251">3466-2537 0,'0'24'140,"0"0"-124,0 0-16,0 1 16,0-1-1,0 48 17,0-47 14,24-50 33,-24 1-64,0 0-15,24 0 16,-24 0-16,0-1 15,24 25-15,-24-24 16,24 24-16,-24-24 16,24 24 15,1 0 0,-1 0-15,0 0 15,0 0-15,0 24 15,-24 0-15,0 1-1,0-1 1,0 0-1,0 0 1,0 0 0,0 1-16,0-1 15,0 0 17</inkml:trace>
+          <inkml:trace contextRef="#ctx0" brushRef="#br1" timeOffset="299519.1239">4022-2513 0,'-24'0'63,"0"24"-48,-1 0 1,-23 122 140,72-146-140,0-25-16,1 25 15,-1-24-15,0 0 16,0 0 0,-24 0-16,0-1 0,24 1 15,0-24-15,-24 24 16,0-1-16,25-23 16,-25 24-16,0 0 15,0 0-15,0-1 16,0 1-16,0 0 15,0 0 1,0 0-16,0-1 16,24 1-16,-24 0 15,0 0 1,0 48 93,0 0-93,0 49 15,-49 96 0,49-145-15,0 25-16,0-25 16,0 0-16,-24 0 15,24 25-15,0-25 0,0 0 16,0 0-16,0 0 16,0 1 15,24-25-16,1 0 1,-1 0-16,0 0 16</inkml:trace>
+          <inkml:trace contextRef="#ctx0" brushRef="#br1" timeOffset="300486.5982">4361-2706 0,'0'-49'47,"0"25"-31,24 24-1,-24-24-15,0 0 31</inkml:trace>
+          <inkml:trace contextRef="#ctx0" brushRef="#br1" timeOffset="300066.9081">4385-2489 0,'0'24'78,"0"1"-63,0-1-15,0 0 0,0 0 16,0 0 0,0 1-16</inkml:trace>
+          <inkml:trace contextRef="#ctx0" brushRef="#br1" timeOffset="301699.8015">4530-2634 0,'24'0'63,"0"0"-63,0 24 15,1-24-15,-1 0 32,0 0-32,0 0 0</inkml:trace>
+          <inkml:trace contextRef="#ctx0" brushRef="#br1" timeOffset="301304.316">4627-2876 0,'0'24'78,"0"1"-62,0-1-16,0 24 16,0-24-16,0 1 15,0 23-15,-25-24 16,25 24-16,0-23 0,0-1 15,0 0 1,-24 0-16,24 0 0,0 1 16,0-1-16,0 0 31,0 0-15,24-24-1,-24 24 1,25-24-1,-1 0-15,0 0 32,0 0-17,0 0 1</inkml:trace>
+        </inkml:traceGroup>
+        <inkml:traceGroup>
+          <inkml:annotationXML>
+            <emma:emma xmlns:emma="http://www.w3.org/2003/04/emma" version="1.0">
+              <emma:interpretation id="{1385505D-9562-4479-BB91-3644D4DCDF0F}" emma:medium="tactile" emma:mode="ink">
+                <msink:context xmlns:msink="http://schemas.microsoft.com/ink/2010/main" type="inkWord" rotatedBoundingBox="16382,2573 17905,2588 17899,3205 16376,3191"/>
+              </emma:interpretation>
+              <emma:one-of disjunction-type="recognition" id="oneOf7">
+                <emma:interpretation id="interp7" emma:lang="" emma:confidence="0">
+                  <emma:literal>l</emma:literal>
+                </emma:interpretation>
+                <emma:interpretation id="interp8" emma:lang="" emma:confidence="0">
+                  <emma:literal>I</emma:literal>
+                </emma:interpretation>
+                <emma:interpretation id="interp9" emma:lang="" emma:confidence="0">
+                  <emma:literal>|</emma:literal>
+                </emma:interpretation>
+                <emma:interpretation id="interp10" emma:lang="" emma:confidence="0">
+                  <emma:literal>(</emma:literal>
+                </emma:interpretation>
+                <emma:interpretation id="interp11" emma:lang="" emma:confidence="0">
+                  <emma:literal>L</emma:literal>
+                </emma:interpretation>
+              </emma:one-of>
+            </emma:emma>
+          </inkml:annotationXML>
+          <inkml:trace contextRef="#ctx0" brushRef="#br1" timeOffset="306849.1893">6417-2876 0,'0'-24'47,"0"48"-47,0 0 15,0 25 1,-24-25-16,24 0 16,0 0-16,-25 25 15,25-25-15,0 24 16,0-24-16,0 1 16,-24 23-16,24-24 15,0 0-15,0 1 16,0-1-16,0 0 15,24-24 1,-24 24 0,25-24-1,-1 0 32,0-24-16</inkml:trace>
+          <inkml:trace contextRef="#ctx0" brushRef="#br1" timeOffset="302384.7057">4941-2561 0,'0'24'109,"0"0"-109,0 0 16,-24 97 15,24-72 0</inkml:trace>
+          <inkml:trace contextRef="#ctx0" brushRef="#br1" timeOffset="302878.4727">4965-2755 0,'0'-24'78,"0"0"-62,0 0-16,25 24 15,-25-25-15</inkml:trace>
+          <inkml:trace contextRef="#ctx0" brushRef="#br1" timeOffset="303710.7622">5135-2561 0,'0'48'78,"-25"-24"-78,25 0 0,0 1 16,0-1-16,-24 0 15,24 0-15,0 0 16,0 1-1,0-1-15,24-24 16,1 0 0,-1 0-1,0 0-15,0 0 16,0 0-16,1-24 0,-25-1 16,24 1-16,-24 0 15,24 0-15,-24 0 16,0-1-16,0-23 15,0 24-15,-24 0 16,24-1-16,-24 25 16,-1 0-16,1 0 15,0 0 1,0 25 0,0-25-16,24 24 0,-25 0 15</inkml:trace>
+          <inkml:trace contextRef="#ctx0" brushRef="#br1" timeOffset="305137.119">5473-2561 0,'0'24'109,"0"0"-109,0 0 16,0 0-16,0 1 16,0-1-1,0 0-15,0 0 16,0 0-1,25-24-15,-25 25 16,169-219 203,-169 218-219,0 0 31,24-24-31,-24 25 16,0-1-1,24-24 1,-24 24-16,0 0 16,0 0-1,0 1 1,0-1-1,-24-24 1</inkml:trace>
+          <inkml:trace contextRef="#ctx0" brushRef="#br1" timeOffset="305946.9197">6006-2513 0,'-49'48'62,"25"-48"-62,0 25 16,0-1 15,24 0-15,-25-24-16,25 24 15,0 0-15,0 1 31,25-25-15,-1 0 0,0 0-16,0 0 15,0 0-15,1-25 16,-1 1 0,0 0-16,-24 0 15,24 0-15,0-1 16,-24 1-16,0 0 15,0 48 79,0 0-94,-24-24 0,24 25 16,0-1-16,0 0 15,0 0 1,0 0 0,24-24-1,0 0 1,1 0 0,-1 0-16</inkml:trace>
+        </inkml:traceGroup>
       </inkml:traceGroup>
+    </inkml:traceGroup>
+    <inkml:traceGroup>
+      <inkml:annotationXML>
+        <emma:emma xmlns:emma="http://www.w3.org/2003/04/emma" version="1.0">
+          <emma:interpretation id="{E4CA6F49-1F9E-4F77-960B-2C22EB8BD839}" emma:medium="tactile" emma:mode="ink">
+            <msink:context xmlns:msink="http://schemas.microsoft.com/ink/2010/main" type="paragraph" rotatedBoundingBox="9604,3720 13474,3726 13473,4576 9603,4570" alignmentLevel="1"/>
+          </emma:interpretation>
+        </emma:emma>
+      </inkml:annotationXML>
       <inkml:traceGroup>
         <inkml:annotationXML>
           <emma:emma xmlns:emma="http://www.w3.org/2003/04/emma" version="1.0">
-            <emma:interpretation id="{991445EC-2E5F-42F9-8959-10A050DFA283}" emma:medium="tactile" emma:mode="ink">
-              <msink:context xmlns:msink="http://schemas.microsoft.com/ink/2010/main" type="line" rotatedBoundingBox="11544,15489 16844,15544 16836,16327 11536,16272"/>
+            <emma:interpretation id="{A1F970AD-405F-447C-947A-DA8392C2DF30}" emma:medium="tactile" emma:mode="ink">
+              <msink:context xmlns:msink="http://schemas.microsoft.com/ink/2010/main" type="line" rotatedBoundingBox="9604,3720 13474,3726 13473,4576 9603,4570"/>
             </emma:interpretation>
           </emma:emma>
         </inkml:annotationXML>
         <inkml:traceGroup>
           <inkml:annotationXML>
             <emma:emma xmlns:emma="http://www.w3.org/2003/04/emma" version="1.0">
-              <emma:interpretation id="{9AFD26BD-1B75-48C2-9437-1DF5995A9A19}" emma:medium="tactile" emma:mode="ink">
-                <msink:context xmlns:msink="http://schemas.microsoft.com/ink/2010/main" type="inkWord" rotatedBoundingBox="11543,15575 14036,15600 14029,16280 11536,16254"/>
-              </emma:interpretation>
-              <emma:one-of disjunction-type="recognition" id="oneOf28">
-                <emma:interpretation id="interp32" emma:lang="" emma:confidence="1">
+              <emma:interpretation id="{C76D3EEC-3A00-475E-8314-B75C6D7CE3E7}" emma:medium="tactile" emma:mode="ink">
+                <msink:context xmlns:msink="http://schemas.microsoft.com/ink/2010/main" type="inkWord" rotatedBoundingBox="9608,3910 12151,3968 12136,4606 9593,4549"/>
+              </emma:interpretation>
+              <emma:one-of disjunction-type="recognition" id="oneOf8">
+                <emma:interpretation id="interp12" emma:lang="" emma:confidence="1">
                   <emma:literal/>
                 </emma:interpretation>
               </emma:one-of>
             </emma:emma>
           </inkml:annotationXML>
-          <inkml:trace contextRef="#ctx0" brushRef="#br0" timeOffset="259543.3834">635 10574 0,'121'-145'203,"-145"145"-203,0 0 16,0 0-1,-1 0 1,25 24 0,-24-24-1,24 24-15,-24-24 16,24 25-16,0-1 16,-24 0-1,24 24-15,0-24 16,0 1-16,0-1 15,0 0-15,0 0 16,0 0-16,24-24 16,0 0-16,0 0 15,25 0-15,-1 0 16,-24 0-16,25-24 16</inkml:trace>
-          <inkml:trace contextRef="#ctx0" brushRef="#br0" timeOffset="260302.655">950 10477 0,'24'0'63,"-24"25"-63,24-1 16,-24 0-1,0 0 1,0 0-1,24-24-15,-24 24 16,0 1 0,24-25-1,1 0 1,-25-25 0,24 1-1,-24 0 1,24 0-1,-24 0 1,24 24 0,-24 24 77,0 0-77,24 0-16,-24 0 16,0 1-1,0-1-15,0 0 16,0 0 0</inkml:trace>
-          <inkml:trace contextRef="#ctx0" brushRef="#br0" timeOffset="258712.4164">369 10114 0,'0'-24'63,"-24"24"-16,0 0-32,0 0 1,24 24 0,-25 1-16,1-1 15,0 0-15,24 0 16,-24 25-16,0-1 0,-1-24 15,1 25-15,24-25 16,-24 24-16,24-24 16,0 25-16,-24-25 15,24 0-15,0 0 16,0 0-16,0 1 16,0-1-16,24 0 15,0 0 1,0 0-1,1-24-15,-1 25 16,0-25-16,0 0 16,0 0-1,1 0 17,-1-25-17,-24 1 1,24 24-16,-24-24 15,0 0-15,0 0 16,0-1-16,0 1 16,0 0-1,0 0-15,0 0 16,-24 24-16,0 0 16,24-24 15,24 24 63,0 0-94,0 0 15,-24 24-15,24-24 16,1 0-16,-1 0 15</inkml:trace>
-          <inkml:trace contextRef="#ctx0" brushRef="#br0" timeOffset="260886.2274">1337 10550 0,'72'-24'62,"-47"24"-62,-1 0 32,-24-24-32,24 24 15,-24-25 1,-169 74 125,169-25-141,0 0 15,0 0-15,0 25 16,0-25-16,0 0 15,24-24-15,-24 24 16,0 0 0,24-24-16,0 0 15</inkml:trace>
-          <inkml:trace contextRef="#ctx0" brushRef="#br0" timeOffset="261516.0201">1603 10574 0,'97'0'94,"-73"24"-78,0-24-1,-24 24 1,24 1 0,-24-1 15,0 0-31,0 0 15,0-48 48,0 0-47,0 0-16,0-1 15,0 1-15,24 0 16,-24 0-16,25 0 15,-1 24 17,0 0-1</inkml:trace>
-          <inkml:trace contextRef="#ctx0" brushRef="#br0" timeOffset="262298.0846">2135 10502 0,'-24'0'78,"24"24"-78,-24 0 15,-1-24-15,25 24 16,-24 0-16,24 0 16,0 1-16,-24-1 0,24 0 15,24 0 1,0-24-1,1 0 1,-1 0 0,0 0-1,0 0-15,0-24 16,1 0 0,-25 0-16,24-1 15,-24 1 1,0 0-1,0 0 1,24 24 47,97 193 77</inkml:trace>
-          <inkml:trace contextRef="#ctx0" brushRef="#br0" timeOffset="262783.8245">2546 10114 0,'24'0'62,"-24"49"-46,0-1-16,0-24 15,0 49-15,0-25 16,-24 1-16,24-25 16,0 97-1,0-97 1,0 73-1,0-73 1,0 0 0,24-24 15</inkml:trace>
-        </inkml:traceGroup>
-        <inkml:traceGroup>
-          <inkml:annotationXML>
-            <emma:emma xmlns:emma="http://www.w3.org/2003/04/emma" version="1.0">
-              <emma:interpretation id="{08E9B967-A0D1-4019-B97D-9BAB63D9ABCA}" emma:medium="tactile" emma:mode="ink">
-                <msink:context xmlns:msink="http://schemas.microsoft.com/ink/2010/main" type="inkWord" rotatedBoundingBox="14251,15517 15586,15531 15578,16314 14243,16300"/>
-              </emma:interpretation>
-              <emma:one-of disjunction-type="recognition" id="oneOf29">
-                <emma:interpretation id="interp33" emma:lang="" emma:confidence="1">
-                  <emma:literal/>
-                </emma:interpretation>
-              </emma:one-of>
-            </emma:emma>
-          </inkml:annotationXML>
-          <inkml:trace contextRef="#ctx0" brushRef="#br0" timeOffset="264283.3823">3030 10405 0,'121'0'47,"-97"24"-32,-24 0 1,0 0 15,0 1-31,-24-1 16,0 0-1,0 0-15,24 0 16,-25-24-16,25 24 16,-24 1-1,24-1 1,0 0 0,97 97 77,-73-121-77,0 0 0,-24-24-16</inkml:trace>
-          <inkml:trace contextRef="#ctx0" brushRef="#br0" timeOffset="264568.1007">3030 10598 0,'48'-24'47,"-23"24"-31,-1 0-16,0 0 15,0 0-15,0 0 0,1 0 16</inkml:trace>
-          <inkml:trace contextRef="#ctx0" brushRef="#br0" timeOffset="263458.8183">2788 10332 0</inkml:trace>
-          <inkml:trace contextRef="#ctx0" brushRef="#br0" timeOffset="263122.482">2788 10526 0,'24'96'62,"-24"-71"-62,0-1 16,0 0-16,0 0 15,0 0-15,0 1 32</inkml:trace>
-          <inkml:trace contextRef="#ctx0" brushRef="#br0" timeOffset="265731.7337">3490 10453 0,'-24'0'63,"24"24"-63,-49 1 15,49-1 1,-24 0-1,24 0-15,-24-24 16,24 24-16,-24 0 16,24 1-16,0-1 15,0 0-15,0 0 16,24-24 0,0 0-16,0 0 15,0 0 1,1 0-16,-1 0 15,0-24 1,0 0 0,-24 0-16,0-1 15,0 1-15,0 0 16,24 24-16,-24-24 16,0 0 30,0 48 33,0 0-64,0 0 1,0 0-16,0 1 15,0-1-15,0 0 16,24-24-16,-24 24 16,0 0-16,0 1 15,25-25-15,-1 24 16,0-24 0,0 0-16,25-24 31</inkml:trace>
-          <inkml:trace contextRef="#ctx0" brushRef="#br0" timeOffset="266713.9141">3853 10526 0,'0'-24'47,"24"24"-16,24 0-15,1 0-1,-25 0 1,24 0-16,-24 0 0,25 0 15</inkml:trace>
-          <inkml:trace contextRef="#ctx0" brushRef="#br0" timeOffset="266353.18">3998 10042 0,'0'24'46,"0"0"-30,0 0-16,0 25 16,0-1-16,0 1 15,-24-1-15,24 25 16,0-25-16,0-24 16,0 25-16,0 96 31,0-49 16,0-71-32,0-1 1,24-24 0,0 0-1,0 0 1,0 0-1,0 0-15,1 0 16</inkml:trace>
-        </inkml:traceGroup>
-        <inkml:traceGroup>
-          <inkml:annotationXML>
-            <emma:emma xmlns:emma="http://www.w3.org/2003/04/emma" version="1.0">
-              <emma:interpretation id="{37940DE0-5555-4341-A985-5FBF4FA6F06B}" emma:medium="tactile" emma:mode="ink">
-                <msink:context xmlns:msink="http://schemas.microsoft.com/ink/2010/main" type="inkWord" rotatedBoundingBox="15847,15795 16307,15800 16302,16235 15842,16230"/>
-              </emma:interpretation>
-              <emma:one-of disjunction-type="recognition" id="oneOf30">
-                <emma:interpretation id="interp34" emma:lang="" emma:confidence="1">
-                  <emma:literal/>
-                </emma:interpretation>
-              </emma:one-of>
-            </emma:emma>
-          </inkml:annotationXML>
-          <inkml:trace contextRef="#ctx0" brushRef="#br0" timeOffset="267319.0122">4385 10502 0,'24'48'47,"0"145"78</inkml:trace>
-          <inkml:trace contextRef="#ctx0" brushRef="#br0" timeOffset="267643.6377">4409 10332 0,'0'-24'46,"24"24"1</inkml:trace>
-          <inkml:trace contextRef="#ctx0" brushRef="#br0" timeOffset="268402.4735">4675 10526 0,'-24'72'62,"24"-48"-62,0 1 16,0-1-1,0 0-15,24 0 16,73-24 46,-25-72-15,-72 47-47,0 1 0,0 0 16,0 0 0,-24 0-16,0 0 15,0 24 1,0 0-1,-1 0 1,25 24-16,-24 0 16</inkml:trace>
-        </inkml:traceGroup>
-        <inkml:traceGroup>
-          <inkml:annotationXML>
-            <emma:emma xmlns:emma="http://www.w3.org/2003/04/emma" version="1.0">
-              <emma:interpretation id="{A61F1CCB-45A2-4462-AAA6-A5124D941402}" emma:medium="tactile" emma:mode="ink">
-                <msink:context xmlns:msink="http://schemas.microsoft.com/ink/2010/main" type="inkWord" rotatedBoundingBox="16522,15990 16839,15993 16837,16256 16519,16252"/>
-              </emma:interpretation>
-              <emma:one-of disjunction-type="recognition" id="oneOf31">
-                <emma:interpretation id="interp35" emma:lang="" emma:confidence="0">
-                  <emma:literal>n</emma:literal>
-                </emma:interpretation>
-                <emma:interpretation id="interp36" emma:lang="" emma:confidence="0">
-                  <emma:literal>N</emma:literal>
-                </emma:interpretation>
-                <emma:interpretation id="interp37" emma:lang="" emma:confidence="0">
-                  <emma:literal>"</emma:literal>
-                </emma:interpretation>
-                <emma:interpretation id="interp38" emma:lang="" emma:confidence="0">
-                  <emma:literal>„</emma:literal>
-                </emma:interpretation>
-                <emma:interpretation id="interp39" emma:lang="" emma:confidence="0">
-                  <emma:literal>h</emma:literal>
-                </emma:interpretation>
-              </emma:one-of>
-            </emma:emma>
-          </inkml:annotationXML>
-          <inkml:trace contextRef="#ctx0" brushRef="#br0" timeOffset="269293.8263">5062 10502 0,'0'24'62,"0"0"-46,0 0-16,0 0 15,0 0 1,0 1-16,0-1 16,0 0-1,24-24 1,0 0 15,1 0-15,-25-24-1,24 0-15,0-1 16,0 1-16,0 0 16,1 0-16,-1 0 15,0 24 63,0 0-62,-24 24-16,24-24 16,-24 24-16,25 170 140</inkml:trace>
+          <inkml:trace contextRef="#ctx0" brushRef="#br1" timeOffset="311757.8706">-1397-1158 0,'24'-24'109,"1"-1"-109,23 1 16,-24 0-16,0 0 16,25 0-16,-25-1 15,0 1-15,0 24 16,-24-24-16,25 0 15,-1 24 1,-24-24-16</inkml:trace>
+          <inkml:trace contextRef="#ctx0" brushRef="#br1" timeOffset="311197.328">-1324-1521 0,'0'48'62,"0"-24"-62,24-24 16,-24 25-16,24 23 15,-24-24-15,24 0 16,1 1-16,-1-1 16,-24 0-16,24-24 15,0 24-15,0 0 16,1-24 0,-25 25-16,24-25 15</inkml:trace>
+          <inkml:trace contextRef="#ctx0" brushRef="#br1" timeOffset="310445.8716">-1760-1328 0,'25'0'125,"-1"-24"-110,0 24-15,0-24 16,0 0-16,1 0 16,-1-1-16,0 1 15,-24 0-15,24 0 16,-24 0-16,0-1 31,-24 25-15,0 0-1,0 0 1,-1 0 0,1 0-1,0 0 1,0 0 0,0 0-1,-1 25 1,1-25-1,24 24-15,-24 0 16,0 0 15,24 0-31,0 1 16,-24-1-16,24 0 16,0 0-1,0 0-15,0 1 16,0-1-16,0 0 15,0 0-15,24 0 16,0 1-16,-24-1 16,24-24-16,0 24 15,1-24-15,23 0 16,0 0-16,1-24 16,-1 0-16,-24 24 15,-24-25-15</inkml:trace>
+          <inkml:trace contextRef="#ctx0" brushRef="#br1" timeOffset="314909.2079">-865-1473 0,'0'-24'62,"0"48"-31,0 0-31,0 25 16,0-25-16,0 0 16,0 0-16,0 25 15,0-25-15,0 24 16,0-23-16,0 23 16,0-24-16,0 0 15,0 0-15,0 1 16,0-1-16,0 0 15,0 0-15,0 0 16,0 1 0</inkml:trace>
+          <inkml:trace contextRef="#ctx0" brushRef="#br1" timeOffset="315863.4791">-840-1521 0,'193'72'203,"-193"-47"-187,0-1-1,0 0 1,0 0 0,0 0-1,-24-24-15,0 25 16,24-1 0,-24-24-16,24 24 15,-25-24-15,1 0 47,0 0-31,0 0-1,0 0 1,-1 0 0</inkml:trace>
+          <inkml:trace contextRef="#ctx0" brushRef="#br1" timeOffset="316973.3357">-550-1328 0,'48'-48'63,"-48"24"-48,24 24 1,1 0 31,-1 0-16,-24 24 32,0 0-48,0 0-15,0 1 16,0-1-1,0 0-15,0 0 16,0 0 0,0 1-1,0-1 1,0-48 31,0-1-47,0 1 15,0-24-15,97-97 125</inkml:trace>
+          <inkml:trace contextRef="#ctx0" brushRef="#br1" timeOffset="318058.5569">-139-1352 0,'24'0'110,"1"0"-95,-1 0-15,-24-24 0,24 24 16,0-24 0,0 0-1,-24-1 1,0 1 15,-24 0-15,0 24-1,0 0 1,0 0-16,-1 0 31,1 24-15,0 0 0,0 1-1,24-1 16,-24-24-31,24 24 16,-25 0 0,25 0-16,0 1 15,0-1 1,0 0-16,0 0 16,0 0-1,0 1-15,0-1 16,25-24-1,-25 24-15,24-24 16,0 0 0,0 0-16,0 0 15,1 0-15,23 0 16,-24-24-16,0 24 16</inkml:trace>
+          <inkml:trace contextRef="#ctx0" brushRef="#br1" timeOffset="319383.9374">418-1521 0,'-97'24'62,"73"-24"-62,24 24 32,-25-24-32,1 24 31,0 1 0,24-1-15,-24-24-16,24 24 15,0 0 17,0 25-1,24-49-15,0 0-1,0 0 1,1 0-1,-1 0 1,0 0 0,-24 24 46,0 0-31,0 0 1,0 0-17,0 1 17,-24-25-17,0 0 1,24 24-16,-25-24 15,1 0 1,0 0 0,0 0-16,0 0 15,-1 0-15,1 0 16,0 0 0,0 0-1,24-24-15</inkml:trace>
+          <inkml:trace contextRef="#ctx0" brushRef="#br1" timeOffset="320668.0237">684-1497 0,'-25'0'125,"1"0"-109,0 0 0,0 0-16,24 24 15,-24-24-15,-1 24 16,1 1-1,24-1 1,-24 0 0,24 0-1,0 0 1,24-24 0,0 25 15,1-25-16,-1 24 1,0-24 0,0 0-1,-24 24 1,24-24 15,-24 24 63,25-24-94,-25 24 31,-25-24 32,25 25-63,-24-25 15,0 0-15,0 0 16,0 0-16,-1 0 16,1 0-1,0 0 1,0 0 15,0 0 0</inkml:trace>
+        </inkml:traceGroup>
+        <inkml:traceGroup>
+          <inkml:annotationXML>
+            <emma:emma xmlns:emma="http://www.w3.org/2003/04/emma" version="1.0">
+              <emma:interpretation id="{51151A61-448E-4C2B-8DDD-2DEA2F66B75D}" emma:medium="tactile" emma:mode="ink">
+                <msink:context xmlns:msink="http://schemas.microsoft.com/ink/2010/main" type="inkWord" rotatedBoundingBox="12346,3724 13474,3726 13473,4354 12345,4352"/>
+              </emma:interpretation>
+              <emma:one-of disjunction-type="recognition" id="oneOf9">
+                <emma:interpretation id="interp13" emma:lang="" emma:confidence="0">
+                  <emma:literal>5</emma:literal>
+                </emma:interpretation>
+                <emma:interpretation id="interp14" emma:lang="" emma:confidence="0">
+                  <emma:literal>S</emma:literal>
+                </emma:interpretation>
+                <emma:interpretation id="interp15" emma:lang="" emma:confidence="0">
+                  <emma:literal>s</emma:literal>
+                </emma:interpretation>
+                <emma:interpretation id="interp16" emma:lang="" emma:confidence="0">
+                  <emma:literal>§</emma:literal>
+                </emma:interpretation>
+                <emma:interpretation id="interp17" emma:lang="" emma:confidence="0">
+                  <emma:literal>4</emma:literal>
+                </emma:interpretation>
+              </emma:one-of>
+            </emma:emma>
+          </inkml:annotationXML>
+          <inkml:trace contextRef="#ctx0" brushRef="#br1" timeOffset="326403.9435">2014-1497 0,'-24'0'140,"0"0"-124,0 0 0,-1 0-1,1 24 1,0-24 0,24 24-1,-24-24-15,24 146 141,24-146-141,0 0 0,0 0 15,1 0 1,-1 0 0,-24 24-1,24-24 17,-24 24-17,0 0 16,0 0-15,0 1 0,0-1 15,-24-24 16,0 0-32,-1 0 1,1 0-16,0 0 16,0 0-16,0 24 15,-1-24-15,1 0 16,0 0 15,24-24-31,-24 0 16,0-1 31</inkml:trace>
+          <inkml:trace contextRef="#ctx0" brushRef="#br1" timeOffset="321703.0399">901-1424 0,'0'24'141,"0"0"-126,0 0-15,0 0 16,0 1-16,0-1 15,0 0 1,0 0-16,0 0 16,0 1-1</inkml:trace>
+          <inkml:trace contextRef="#ctx0" brushRef="#br1" timeOffset="322288.0081">901-1618 0,'25'-24'47,"-25"0"-16,0 0-16,0-1 1,0 1 0,24 24-1,-24-24-15</inkml:trace>
+          <inkml:trace contextRef="#ctx0" brushRef="#br1" timeOffset="323413.9526">1167-1424 0,'-24'0'110,"0"24"-95,24 0 1,-24 0 0,24 0-1,0 1-15,-24-1 16,24 0-16,0 0 16,0 0-1,0 1 1,24-25-1,0 0 1,-24 24 0,24-24-1,0 0 1,1-24-16,-1-1 16,0 25-1,-24-24-15,24 24 0,-24-24 16,24 0-16,-24 0 15,0-1 1,0 1 0,0 0-1,0 0-15,0 0 16,-24-1 0,0 1-1,0 24 1,0 0 15,-25 73 16</inkml:trace>
+          <inkml:trace contextRef="#ctx0" brushRef="#br1" timeOffset="324461.7857">1434-1497 0,'24'48'63,"-24"-23"-48,0-1 1,0 0-16,0 0 15,0 0 1,0 1-16,0-1 16,0 0 15,0-48 63,24 24-94,-24-24 0,0-1 15,24 1-15,0 0 16,-24 0-16,24 0 16,-24-1-16,25 25 15,-1-24-15,0 48 110,-24 1-110,0-1 15,0 0-15,0 145 141</inkml:trace>
         </inkml:traceGroup>
       </inkml:traceGroup>
     </inkml:traceGroup>
@@ -10412,7 +12114,489 @@
 </inkml:ink>
 </file>
 
-<file path=ppt/ink/ink75.xml><?xml version="1.0" encoding="utf-8"?>
+<file path=ppt/ink/ink84.xml><?xml version="1.0" encoding="utf-8"?>
+<inkml:ink xmlns:inkml="http://www.w3.org/2003/InkML">
+  <inkml:definitions>
+    <inkml:context xml:id="ctx0">
+      <inkml:inkSource xml:id="inkSrc0">
+        <inkml:traceFormat>
+          <inkml:channel name="X" type="integer" min="-1920" max="3840" units="cm"/>
+          <inkml:channel name="Y" type="integer" max="1080" units="cm"/>
+          <inkml:channel name="T" type="integer" max="2.14748E9" units="dev"/>
+        </inkml:traceFormat>
+        <inkml:channelProperties>
+          <inkml:channelProperty channel="X" name="resolution" value="109.29791" units="1/cm"/>
+          <inkml:channelProperty channel="Y" name="resolution" value="36.48649" units="1/cm"/>
+          <inkml:channelProperty channel="T" name="resolution" value="1" units="1/dev"/>
+        </inkml:channelProperties>
+      </inkml:inkSource>
+      <inkml:timestamp xml:id="ts0" timeString="2018-01-01T16:41:37.844"/>
+    </inkml:context>
+    <inkml:brush xml:id="br0">
+      <inkml:brushProperty name="width" value="0.07938" units="cm"/>
+      <inkml:brushProperty name="height" value="0.07938" units="cm"/>
+      <inkml:brushProperty name="color" value="#00B050"/>
+      <inkml:brushProperty name="fitToCurve" value="1"/>
+    </inkml:brush>
+    <inkml:brush xml:id="br1">
+      <inkml:brushProperty name="width" value="0.10583" units="cm"/>
+      <inkml:brushProperty name="height" value="0.10583" units="cm"/>
+      <inkml:brushProperty name="color" value="#C00000"/>
+      <inkml:brushProperty name="fitToCurve" value="1"/>
+    </inkml:brush>
+  </inkml:definitions>
+  <inkml:traceGroup>
+    <inkml:annotationXML>
+      <emma:emma xmlns:emma="http://www.w3.org/2003/04/emma" version="1.0">
+        <emma:interpretation id="{25FA2B65-6223-47F1-B37B-65515546AA3E}" emma:medium="tactile" emma:mode="ink">
+          <msink:context xmlns:msink="http://schemas.microsoft.com/ink/2010/main" type="writingRegion" rotatedBoundingBox="9640,1127 16977,1213 16938,4494 9601,4408"/>
+        </emma:interpretation>
+      </emma:emma>
+    </inkml:annotationXML>
+    <inkml:traceGroup>
+      <inkml:annotationXML>
+        <emma:emma xmlns:emma="http://www.w3.org/2003/04/emma" version="1.0">
+          <emma:interpretation id="{A06BE88A-9B2E-48F2-9F06-387EBD37ABFD}" emma:medium="tactile" emma:mode="ink">
+            <msink:context xmlns:msink="http://schemas.microsoft.com/ink/2010/main" type="paragraph" rotatedBoundingBox="9897,1102 13608,1334 13565,2017 9854,1786" alignmentLevel="1"/>
+          </emma:interpretation>
+        </emma:emma>
+      </inkml:annotationXML>
+      <inkml:traceGroup>
+        <inkml:annotationXML>
+          <emma:emma xmlns:emma="http://www.w3.org/2003/04/emma" version="1.0">
+            <emma:interpretation id="{F28546F1-146F-4DB8-9994-C09D75C3DEA3}" emma:medium="tactile" emma:mode="ink">
+              <msink:context xmlns:msink="http://schemas.microsoft.com/ink/2010/main" type="line" rotatedBoundingBox="9897,1102 13608,1334 13565,2017 9854,1786"/>
+            </emma:interpretation>
+          </emma:emma>
+        </inkml:annotationXML>
+        <inkml:traceGroup>
+          <inkml:annotationXML>
+            <emma:emma xmlns:emma="http://www.w3.org/2003/04/emma" version="1.0">
+              <emma:interpretation id="{5AFF01DF-1D21-4FCC-8736-55A865A1E669}" emma:medium="tactile" emma:mode="ink">
+                <msink:context xmlns:msink="http://schemas.microsoft.com/ink/2010/main" type="inkWord" rotatedBoundingBox="9897,1102 12379,1257 12336,1941 9854,1786"/>
+              </emma:interpretation>
+              <emma:one-of disjunction-type="recognition" id="oneOf0">
+                <emma:interpretation id="interp0" emma:lang="" emma:confidence="1">
+                  <emma:literal/>
+                </emma:interpretation>
+              </emma:one-of>
+            </emma:emma>
+          </inkml:annotationXML>
+          <inkml:trace contextRef="#ctx0" brushRef="#br0">-1034-4351 0,'24'0'63,"-24"24"-16,0 0-47,0 0 15,0 0-15,0 1 0,0 23 16,0-24-1,0 0-15,0 25 0,0-25 16,0 0-16,0 0 16,0 0-16,0 1 15,0-1-15,0 0 16,0 0-16,0 0 16,0 1-1,0-1-15,0 0 16,0 0-1,0 0 17,24-24-1,1 0-15,-1 25-1,0-25 1,0 0 15,-24-25-31</inkml:trace>
+          <inkml:trace contextRef="#ctx0" brushRef="#br0" timeOffset="1177.4864">-647-3989 0,'0'-24'47,"-24"48"0,0 1-31,0-1-1,-1 0 1,25 0-16,-24 0 16,24 1-1,0-1-15,0 0 16,0 0-16,0 0 16,0 1-1,24-25 16,1 0-15,-1 0 0,0-25-1,0 1-15,-24 0 16,24 0-16,-24 0 16,25-1-16,-25 1 15,0 0 1,0 0-1,0 0 17,0-1-1,0 50 94,0-1-125,0 0 16,0 0-1,0 0-15,0 1 16,0-1-16,0 0 15,24 0 1,-24 0-16,24-24 31,0 0-15,0 0-16,-24-24 16</inkml:trace>
+          <inkml:trace contextRef="#ctx0" brushRef="#br0" timeOffset="2175.2502">-405-3989 0,'0'25'93,"0"-1"-93,0 0 16,24-24-16,-24 24 16,0 0-16,0 1 15,0-1-15,0 0 16,24 0-16,-24 0 15,25-24 1,-25 25-16,0-1 31,24-24-15,-24-24 46,24-1-62,-24 1 16,24 0-16,-24 0 16,0 0-1,24-1-15,-24 1 16,0 0-16,0 0 16,25 24-16,-25-24 15,0-1-15,0 1 31</inkml:trace>
+          <inkml:trace contextRef="#ctx0" brushRef="#br0" timeOffset="3029.1099">-66-3916 0,'24'-24'47,"-24"48"15,-24-24-62,24 24 16,-24-24-16,24 24 15,0 1-15,-25-1 16,25 0 0,0 0-16,0 0 15,0 1 1,0-1-1,25-24 1,-25 24 0,24-24-16,0 0 0,0 0 15,0 0 17,0-24-17,-24 0 1,25-1-16,-25 1 15,24 0-15,-24 0 16,0-25-16,0 25 16,0 0-1,0 0-15,-97-25 125</inkml:trace>
+          <inkml:trace contextRef="#ctx0" brushRef="#br0" timeOffset="3759.2607">248-3964 0,'0'-25'47,"0"98"15,-24-49-46,24 0-16,0 1 0,0-1 15,0 0-15,0 0 16,0 0 0,24-24-16,-24 25 15,24-25-15,1 0 16,-1 0-1,0 0 1,0-25-16,0 1 16,-24 0-16,25 0 15,-1 0 1,-24-1-16,0 1 16,24 0-16,-24 0 15,0 0-15</inkml:trace>
+          <inkml:trace contextRef="#ctx0" brushRef="#br0" timeOffset="7283.6149">611-3868 0,'0'-24'94,"24"24"-63,0-24-15,1 24-1,-1 0 17,0 0 15,-24 24-47,0 0 31,0 1-16,0-1-15,0 0 16,0 0-16,0 0 16,0 1-16,0-1 15,0 0 1,0 0-16,24-24 62,-24-24-46,0 0-16,0-25 16,24 25-16,-24 0 15,0 0-15,25 24 16,-25-24-16,24-1 16,-24 1-1,24 0-15,0 24 16,-24-24-1,24 24 1</inkml:trace>
+          <inkml:trace contextRef="#ctx0" brushRef="#br0" timeOffset="-3119.4942">-1566-4327 0,'0'24'204,"0"0"-204,0 0 0,0 1 15,0-1 1,0 0-16,0 0 0,0 24 15,0-23-15,0-1 16,0 0-16,0 0 16,0 0-1,0 1-15,0-1 16,0 0-16,0 0 16,0 0-1,0 1 1,0-1-1,0 0 1,24 0-16,-24 0 16,0 1-16,0-1 31</inkml:trace>
+          <inkml:trace contextRef="#ctx0" brushRef="#br0" timeOffset="79967.7488">-1542-4351 0,'24'0'203,"0"0"-172,1 0 0,-1 0 16,0 0-31,0 0 15,0 0 16,1 0-16,-1 0 16,0 0 31,0 0-15</inkml:trace>
+          <inkml:trace contextRef="#ctx0" brushRef="#br0" timeOffset="76900.2022">-1542-4110 0,'24'0'156,"0"0"-124,1 0-1,-1 0 0,0 0 0,0 0-15,-24 25 62,24-25-62,1 0 31,-1 0 0,0 0 46</inkml:trace>
+        </inkml:traceGroup>
+        <inkml:traceGroup>
+          <inkml:annotationXML>
+            <emma:emma xmlns:emma="http://www.w3.org/2003/04/emma" version="1.0">
+              <emma:interpretation id="{E3029796-1076-4527-973B-078DC755098C}" emma:medium="tactile" emma:mode="ink">
+                <msink:context xmlns:msink="http://schemas.microsoft.com/ink/2010/main" type="inkWord" rotatedBoundingBox="12876,1309 13607,1354 13569,1951 12839,1906"/>
+              </emma:interpretation>
+              <emma:one-of disjunction-type="recognition" id="oneOf1">
+                <emma:interpretation id="interp1" emma:lang="" emma:confidence="0">
+                  <emma:literal>b</emma:literal>
+                </emma:interpretation>
+                <emma:interpretation id="interp2" emma:lang="" emma:confidence="0">
+                  <emma:literal>B</emma:literal>
+                </emma:interpretation>
+                <emma:interpretation id="interp3" emma:lang="" emma:confidence="0">
+                  <emma:literal>s</emma:literal>
+                </emma:interpretation>
+                <emma:interpretation id="interp4" emma:lang="" emma:confidence="0">
+                  <emma:literal>3</emma:literal>
+                </emma:interpretation>
+                <emma:interpretation id="interp5" emma:lang="" emma:confidence="0">
+                  <emma:literal>S</emma:literal>
+                </emma:interpretation>
+              </emma:one-of>
+            </emma:emma>
+          </inkml:annotationXML>
+          <inkml:trace contextRef="#ctx0" brushRef="#br0" timeOffset="339369.2427">1530-4134 0,'0'-24'125,"24"24"-110,1 0 1,-1 0-16,0 0 16,0 0-16,0 0 15,1 0-15,-1 0 16,0 0-16</inkml:trace>
+          <inkml:trace contextRef="#ctx0" brushRef="#br0" timeOffset="341979.5866">1530-4110 0,'0'25'187,"0"-1"-171,0 0-1,-24 0-15,24 0 16,0 1 0,0-1-16,-24-24 15,24 24-15,0 0 16,0 0 15,24-24 94,0 0-109,0 0-1,1 0 17,-1 0-17,-24 25 1,24-25-1,-24 24-15,24 0 32,-24 0-1,0 0-15,0 1-1,0-1 1,0 0-1,0 0 1,0 0 0,-24 0-1,0 1 1,0-25 15,-1 0-15,1 0-1,0 0-15,0 0 16,0 0-16,0-25 16,-1 25-16,25-24 15,-24 24 1,24-24 15,0 0 0</inkml:trace>
+          <inkml:trace contextRef="#ctx0" brushRef="#br0" timeOffset="23078.8034">2038-3650 0,'24'0'172,"-48"0"-47,0 0-109,24-24 31,24 0-16,0 24-16,1 0 17,-25 24-17,0 0 32,0 0-16,-25-24-15,1 0 0,0 0-1,24-24 17,0 0-1,24 24 0,0 0 0,1 0 1,-25 24-17,0 0 32,-25-24-31,1 0 15,24-24 0,0 0-31,0 0 16,24 24-1,1 0 17,-25 24-17</inkml:trace>
+          <inkml:trace contextRef="#ctx0" brushRef="#br0" timeOffset="18443.4363">2111-3940 0,'-24'0'234,"-1"0"-203,25-24-15,25 24 78,-1 0-63,-24 24 16,0 0-16,-24-24 0,-1 0 1,25-24 15,0 0-16,25 24-16,-1 0 17,-24 24-1,0 0 31,-24-24-46,-1 0 15,25-24-15,0 0 15,25 24-15,-1 0 15,0 0 16,-24 24-16,-24-24 47,0 0-62</inkml:trace>
+        </inkml:traceGroup>
+      </inkml:traceGroup>
+    </inkml:traceGroup>
+    <inkml:traceGroup>
+      <inkml:annotationXML>
+        <emma:emma xmlns:emma="http://www.w3.org/2003/04/emma" version="1.0">
+          <emma:interpretation id="{E8C6286C-1D8D-4F7B-867A-E5EC27E4FCCC}" emma:medium="tactile" emma:mode="ink">
+            <msink:context xmlns:msink="http://schemas.microsoft.com/ink/2010/main" type="paragraph" rotatedBoundingBox="9829,2461 16961,2545 16949,3591 9816,3507" alignmentLevel="1"/>
+          </emma:interpretation>
+        </emma:emma>
+      </inkml:annotationXML>
+      <inkml:traceGroup>
+        <inkml:annotationXML>
+          <emma:emma xmlns:emma="http://www.w3.org/2003/04/emma" version="1.0">
+            <emma:interpretation id="{423BB3C9-01A5-4E55-9C55-F063F4030973}" emma:medium="tactile" emma:mode="ink">
+              <msink:context xmlns:msink="http://schemas.microsoft.com/ink/2010/main" type="line" rotatedBoundingBox="9829,2461 16961,2545 16949,3591 9816,3507"/>
+            </emma:interpretation>
+          </emma:emma>
+        </inkml:annotationXML>
+        <inkml:traceGroup>
+          <inkml:annotationXML>
+            <emma:emma xmlns:emma="http://www.w3.org/2003/04/emma" version="1.0">
+              <emma:interpretation id="{7ABB5A08-4C8A-4119-851C-C5C1052108C5}" emma:medium="tactile" emma:mode="ink">
+                <msink:context xmlns:msink="http://schemas.microsoft.com/ink/2010/main" type="inkWord" rotatedBoundingBox="9828,2485 12148,2512 12136,3534 9816,3507"/>
+              </emma:interpretation>
+              <emma:one-of disjunction-type="recognition" id="oneOf2">
+                <emma:interpretation id="interp6" emma:lang="" emma:confidence="1">
+                  <emma:literal/>
+                </emma:interpretation>
+              </emma:one-of>
+            </emma:emma>
+          </inkml:annotationXML>
+          <inkml:trace contextRef="#ctx0" brushRef="#br1" timeOffset="358378.1923">-1639-2344 0,'25'0'141,"-25"-24"-141,0 0 15,24 0 1,-24 0-16,0-1 16,24-23-16,-24 24 15,24-25-15,0 25 16,-24 0-16,0-24 15,24 24-15,-24-1 16,25 1-16,-25 0 16,0 0-16,0 0 15,24-1-15,-24 1 16,0 0-16,0 0 0,24 0 16,-24-1-1,0 50 110,0-1-125,0 0 16,0 0-16,0 0 15,0 25-15,0-25 0,0 24 16,0 1-16,0-25 16,0 24-16,0 1 15,0-25-15,0 0 16,0 24-16,0-23 16,0-1-1,0 0 1,24-24-16,-24-24 62,24 0-46,1-1-16,-25-23 0,24 0 16,0-1-16,-24 25 15,24-24-15,-24 24 16,0-1-16,24-23 15,-24 24-15,0 0 16,25-1-16,-25 1 16,24-24-16,-24 24 15,24-1 1,-24 1 0,0 48 109,24 1-110,-24 23-15,0-24 16,0 0-16,0 25 15,0-1-15,0 1 16,0-25-16,0 24 16,0-24-16,0 25 15,0-25-15,0 0 16,0 0-16,24 0 0,-24 1 16,0-1-1,25-24 16</inkml:trace>
+          <inkml:trace contextRef="#ctx0" brushRef="#br1" timeOffset="359916.2925">-865-2658 0,'-24'24'125,"24"0"-109,-24-24-16,0 24 15,0 1 1,24-1-16,0 0 16,-25-24-16,25 24 15,-24 0-15,24 1 31,0 23 1,0-24-32,24-24 47,1 0-32,-1 0 1,0 0-1,0-24-15,0 0 16,1 0 0,-1 24-16,-24-25 15,24 1 1,-24 0 0,0 0-1,0 0-15,24 24 16,-24-25-16,0 1 15,0 48 142,-24 1-142,24-1 1,0 0-16,0 0 0,0 0 16,0 1-1,0-1-15,0 0 0,0 0 16,0 0-1,24-24-15,0 0 16,1 0 0,-1 0-16,0-24 15,0 24-15</inkml:trace>
+          <inkml:trace contextRef="#ctx0" brushRef="#br1" timeOffset="361159.5305">-478-2924 0,'0'24'125,"0"49"-109,0-49-16,0 24 16,0 1-16,0-25 15,0 24-15,0-24 16,0 25-16,0-25 16,0 0-16,0 0 15,0 0-15,0 1 16,0-1-1,0 0 1,0 0 15</inkml:trace>
+          <inkml:trace contextRef="#ctx0" brushRef="#br1" timeOffset="364316.956">-236-2852 0,'0'25'125,"-24"-25"-109,24 24-16,-24-24 15,24 24-15,-24-24 16,-49 121 78,49-121-79,24 24-15,0 0 125,0 0-109,0 1 0,24-1-1,-24 0-15,24 0 16,-24 0 0,25-24-16,-25 25 15,24-1-15,-24 0 16,24-24-1,-24 24-15,24-24 16,-24 24 0</inkml:trace>
+          <inkml:trace contextRef="#ctx0" brushRef="#br1" timeOffset="364961.8677">-90-2610 0,'0'24'78,"0"1"-78,0-1 15,0 0-15,0 24 32,0-23-32,0-1 15,0 0-15,0 0 16</inkml:trace>
+          <inkml:trace contextRef="#ctx0" brushRef="#br1" timeOffset="365532.7158">-90-2803 0,'0'-97'140</inkml:trace>
+          <inkml:trace contextRef="#ctx0" brushRef="#br1" timeOffset="366558.4203">79-2610 0,'0'24'63,"0"1"-63,0-1 15,0 0 1,24 0-16,-24 0 16,0 1-16,0-1 31,0 0-31,0 0 16,24-24-1,0-24 32,-24 0-31,25 0-16,-1-1 15,-24 1-15,24 0 16,0 24-16,-24-24 16,24 24-16,-24-24 15,25-1 16,-1 25 32,-24 25-47,0-1-1,0 0-15,0 0 16,0 0-1,0 1 1,0-1 0,0 0-1</inkml:trace>
+          <inkml:trace contextRef="#ctx0" brushRef="#br1" timeOffset="367639.675">563-2610 0,'-25'24'47,"1"1"-32,24-1 1,-48 97 93,72-121-109,0 0 16,0 0 0,-24-24-16,25 24 15,-1-25-15,0 1 16,0 0-16,0 24 16,-24-24-16,25 0 15,-50 24 126,25 24-110,0 0-31,-24-24 16,24 24-16,0 0 15,0 1-15,-24-1 0,24 0 16,0 0 0,0 0-16,0 1 15,-24-1 1,24 0-16,0 0 15,0 0-15,-24 25 32,-73 120 15,97-145-32,-24-24-15,0 24 16,-1-24-16,1 0 15,0 0 1,0-24-16,24 0 16,-24 0-16,24 0 15,0-1-15,0 1 16,24 0-16,-24 0 16,24 0-16,0-25 15,0 49-15,-24-24 16,25 0-16,-1 24 15,0 0 1,0 0-16,0 0 16</inkml:trace>
+        </inkml:traceGroup>
+        <inkml:traceGroup>
+          <inkml:annotationXML>
+            <emma:emma xmlns:emma="http://www.w3.org/2003/04/emma" version="1.0">
+              <emma:interpretation id="{8ABD0B29-B3F9-4B20-8BFF-4FB33C0D391D}" emma:medium="tactile" emma:mode="ink">
+                <msink:context xmlns:msink="http://schemas.microsoft.com/ink/2010/main" type="inkWord" rotatedBoundingBox="12704,2495 16961,2545 16953,3244 12695,3194"/>
+              </emma:interpretation>
+              <emma:one-of disjunction-type="recognition" id="oneOf3">
+                <emma:interpretation id="interp7" emma:lang="" emma:confidence="1">
+                  <emma:literal/>
+                </emma:interpretation>
+              </emma:one-of>
+            </emma:emma>
+          </inkml:annotationXML>
+          <inkml:trace contextRef="#ctx0" brushRef="#br1" timeOffset="372072.0635">1821-2537 0,'24'0'47,"0"0"-31,0 0-1,0 0 1,1 0 0,-1 0-16,0 0 15,-24-24 1,-73-73 109,49 97-125,0 0 15,0 24 1,0 0 0,-1 0-16,25 1 15,-24-1 1,24 0-16,0 0 16,0 0-1,0 1-15,0-1 16,0 0-16,0 0 15,24 0 1,1-24 0,-1 25-1,0-25-15,0 0 16,0 0-16,1 0 16</inkml:trace>
+          <inkml:trace contextRef="#ctx0" brushRef="#br1" timeOffset="371268.816">1240-2610 0,'0'-24'15,"0"48"157,0 0-172,0 1 0,0 23 16,0-24-16,0 0 15,0 1-15,0-1 16,0 0-16,0 0 16,0 0-16,24 1 31,0-25 47,-24-25-62,25 1-16,-25 0 0,24 0 15,-24-25 1,24 49-16,0-24 0,-24 0 16,24 0-16,1 24 93,-1 24-61,-24 0-17,0 0-15,0 1 16,0-1-1,0 0 1,0 0 0,24-48 31,0 0-32,-24 0 1,24-1-16,0 1 15,-24 0-15,25 24 16,-25-24-16,24 24 16,-24-24 31,0 48 31,24 0-63,-24 0 1,0 0-16,0 1 16,0-1-1,0 0-15,0 0 16,0 0-16,24-24 47</inkml:trace>
+          <inkml:trace contextRef="#ctx0" brushRef="#br1" timeOffset="373320.3151">2062-2610 0,'0'24'62,"170"-24"16</inkml:trace>
+          <inkml:trace contextRef="#ctx0" brushRef="#br1" timeOffset="372890.1182">2232-2900 0,'0'24'47,"0"0"-32,0 1-15,-24-1 16,24 24-16,0-24 16,-25 25-16,25-1 15,0-24-15,0 25 0,-24-25 16,24 24-1,0-24-15,0 1 0,0-1 16,0 0-16,0 0 31,24 0 16,1-24-31,-1 0-16,0-24 15,0 24-15,25-24 16,-25 24-16</inkml:trace>
+          <inkml:trace contextRef="#ctx0" brushRef="#br1" timeOffset="374830.6816">2570-2876 0,'-24'24'78,"24"1"-63,0-1 1,0 0-16,0 0 0,0 25 16,0-25-16,0 0 15,0 0-15,0 0 16,0 25-16,0-25 15,0 0-15,0 0 16,0 0 0,0 1-16,0-1 15,0 0 1,0-48 62,24 24-62,-24-24-16,25-1 15,-1 1-15,-24 0 16,24 24-16,-24-24 16,24 0-16,0 24 46,-24 24 17,25 0-47,-25 0-1,0 0-15,0 1 16,0 96 93</inkml:trace>
+          <inkml:trace contextRef="#ctx0" brushRef="#br1" timeOffset="375545.9761">2885-2513 0,'0'24'62,"-24"25"-15,24 47-16,0-71 1,24-25-17,0 0-15,0 0 16,1-25-16,-1 1 0,0 24 15,0-24-15,-24 0 16,0 0 0,0-1-1,0 1-15,0 0 16,0 0-16,-24 0 16,0 24-1,0 0 1,-1 0-1,1 0 1,24 24 0,-24-24-16,24 24 0</inkml:trace>
+          <inkml:trace contextRef="#ctx0" brushRef="#br1" timeOffset="376745.4297">3224-2537 0,'0'24'47,"-25"-24"-31,25 24-1,-24-24-15,24 24 16,-24 1-1,24-1 1,0 0 0,0 0-1,24-24 32,0 0-47,1 0 16,23-24-16,-24 0 0,0 0 15,1-1-15,-1 1 16,-24 0 0,24 0-16,-24 0 15,0-25-15,0 25 16,24-24-16,-24-1 16,0 1-16,0 0 15,24 23-15,-24 1 16,0 0-16,0-24 109,0 72 47,0 0-156,0 0 16,0 0 0,-24 25-16,24-25 15,0 0-15,0 0 16,0 1-16,-24-1 16,24 0-16,0 0 15,0 24-15,0-23 16,0-1-16,0 0 15,0 0 1,0 0-16,0 1 16,0-1-16,0 0 0,0 0 31,0 0-31,24-24 16,-24 25-16,24-25 15,1 0 1,-1 0-16,48-25 31</inkml:trace>
+          <inkml:trace contextRef="#ctx0" brushRef="#br1" timeOffset="377614.3666">3756-2586 0,'24'0'79,"0"0"-64,0 0 1,1 0-16,-1 0 0,0 0 15</inkml:trace>
+          <inkml:trace contextRef="#ctx0" brushRef="#br1" timeOffset="379082.983">4264-2561 0,'0'-25'63,"-24"25"-16,-1 0-16,1 0-15,0 0-1,0 0 1,24 25-1,-24-25-15,-1 24 16,1 0 0,0 0-1,0 0 1,24 1 0,-24-25-16,24 24 15,0 0 1,0 0-16,0 0 31,24-24-31,0 25 16,0-25-16,25 0 15,-25 0-15,24 0 16,-24 0-16,1 0 16,-1 0-16,0 0 15</inkml:trace>
+          <inkml:trace contextRef="#ctx0" brushRef="#br1" timeOffset="383840.0994">4530-2586 0,'-48'25'140,"23"-25"-140,25 24 0,-24-24 16,24 24-1,-24-24-15,24 24 16,-24 0 0,0 1-1,24-1 1,0 0 0,0 0-1,0 0 1,0 1-1,0-1 1,24-24 15,0 0-31,0 0 16,0 0 0,1-24-16,-1 24 15,0-25-15,0 1 16,0 0-1,-24 0 1,0 0 0,0-1-1,0 1 17,0 0-32,0 0 15,0 48 110,0 0-109,0 0-1,0 1-15,0-1 0,0 0 16,0 0 0,0 0-16,0 1 15,24-25 1,1 0 0,-1 0-16,0 0 15,0-25 1</inkml:trace>
+          <inkml:trace contextRef="#ctx0" brushRef="#br1" timeOffset="384775.4437">4844-2948 0,'0'24'63,"0"24"-63,0-24 15,0 1-15,0-1 16,0 0-16,0 24 15,0-23-15,0 23 0,0-24 16,0 24 0,0-23-16,0-1 0,0 0 15,0 0-15,0 0 16,0 1-16,0-1 16,0 0-1,0 0-15,0 0 31,0 1-15,25-1 15,-1-24-15,0 0 0,0 0 30</inkml:trace>
+          <inkml:trace contextRef="#ctx0" brushRef="#br1" timeOffset="385549.6227">5062-2924 0,'0'-24'47,"0"48"0,0 0-47,0 0 15,0 0-15,0 25 16,0-25-16,0 24 16,0-23-16,0-1 15,-24 24-15,24-24 16,0 0-16,0 1 15,0-1-15,0 0 16,0 0-16,0 0 16,0 1-1,0-1-15,0 0 16,0 0 0,0 0-16,0 1 31,24-25 0,0 0-15,0 0-16,1 0 15</inkml:trace>
+          <inkml:trace contextRef="#ctx0" brushRef="#br1" timeOffset="386816.1708">5498-2634 0,'-73'0'109,"49"0"-93,0 0 0,-1 0-1,25 24-15,-24-24 16,24 24-1,-24 1 1,0-1 0,24 0-16,0 0 15,0 0 1,0 1 31,24-25-47,0 0 15,0 0 17,-24 24-32,25-24 15,-1 0 1,0 0 15,-24 24-31,24-24 16,-24 24 15,24-24-15,-24 24 31,0 25 15,0-25-62,0 0 16,-24-24-1,0 0 17,0 0-32,0 0 15,-1 0-15,1 0 16,0 0-16,-24 0 15,23 0-15,1 0 0,0 0 32,24-24-17</inkml:trace>
+        </inkml:traceGroup>
+      </inkml:traceGroup>
+    </inkml:traceGroup>
+    <inkml:traceGroup>
+      <inkml:annotationXML>
+        <emma:emma xmlns:emma="http://www.w3.org/2003/04/emma" version="1.0">
+          <emma:interpretation id="{BFAC7B3F-8219-4FF2-877C-39F7520BF968}" emma:medium="tactile" emma:mode="ink">
+            <msink:context xmlns:msink="http://schemas.microsoft.com/ink/2010/main" type="paragraph" rotatedBoundingBox="9602,3653 12264,3647 12266,4423 9604,4429" alignmentLevel="1"/>
+          </emma:interpretation>
+        </emma:emma>
+      </inkml:annotationXML>
+      <inkml:traceGroup>
+        <inkml:annotationXML>
+          <emma:emma xmlns:emma="http://www.w3.org/2003/04/emma" version="1.0">
+            <emma:interpretation id="{72A4C86E-8E33-4FAF-AF8C-25DB9B74A155}" emma:medium="tactile" emma:mode="ink">
+              <msink:context xmlns:msink="http://schemas.microsoft.com/ink/2010/main" type="line" rotatedBoundingBox="9602,3653 12264,3647 12266,4423 9604,4429"/>
+            </emma:interpretation>
+          </emma:emma>
+        </inkml:annotationXML>
+        <inkml:traceGroup>
+          <inkml:annotationXML>
+            <emma:emma xmlns:emma="http://www.w3.org/2003/04/emma" version="1.0">
+              <emma:interpretation id="{84028817-4AD9-4480-B56F-EBD7C5ABCCC3}" emma:medium="tactile" emma:mode="ink">
+                <msink:context xmlns:msink="http://schemas.microsoft.com/ink/2010/main" type="inkWord" rotatedBoundingBox="9603,3846 9965,3845 9966,4256 9604,4257"/>
+              </emma:interpretation>
+              <emma:one-of disjunction-type="recognition" id="oneOf4">
+                <emma:interpretation id="interp8" emma:lang="" emma:confidence="0">
+                  <emma:literal>S</emma:literal>
+                </emma:interpretation>
+                <emma:interpretation id="interp9" emma:lang="" emma:confidence="0">
+                  <emma:literal>s</emma:literal>
+                </emma:interpretation>
+                <emma:interpretation id="interp10" emma:lang="" emma:confidence="0">
+                  <emma:literal>5</emma:literal>
+                </emma:interpretation>
+                <emma:interpretation id="interp11" emma:lang="" emma:confidence="0">
+                  <emma:literal>4</emma:literal>
+                </emma:interpretation>
+                <emma:interpretation id="interp12" emma:lang="" emma:confidence="0">
+                  <emma:literal>§</emma:literal>
+                </emma:interpretation>
+              </emma:one-of>
+            </emma:emma>
+          </inkml:annotationXML>
+          <inkml:trace contextRef="#ctx0" brushRef="#br1" timeOffset="421969.7863">-1494-1642 0,'-24'0'94,"0"0"-63,0 0-15,0 0 0,0 0 15,-1 0-15,25 24-1,-24-24-15,0 24 31,0 0 1,24 1-17,-24-25 1,24 24-16,0 0 31,0 0-15,0 0 15,24-24-15,0 0-1,0 25 1,0-25 0,1 0-1,-1 0-15,-24 24 16,24-24-1,-24 24 1,24 0 15,-24 0 16,0 1-31,0-1-1,0 0 1,-24-24-16,24 24 31,-24-24-31,0 0 32,-1 0-17,1 0-15,0 0 16,0 0-16,0 0 0,-1 0 15,1 0 1,0 0 0,0 0-1,0 0 1,24-24 31</inkml:trace>
+        </inkml:traceGroup>
+        <inkml:traceGroup>
+          <inkml:annotationXML>
+            <emma:emma xmlns:emma="http://www.w3.org/2003/04/emma" version="1.0">
+              <emma:interpretation id="{78B42351-71B0-49E2-A9C3-37D5B1DEBF47}" emma:medium="tactile" emma:mode="ink">
+                <msink:context xmlns:msink="http://schemas.microsoft.com/ink/2010/main" type="inkWord" rotatedBoundingBox="10255,3652 12264,3647 12266,4423 10257,4427"/>
+              </emma:interpretation>
+              <emma:one-of disjunction-type="recognition" id="oneOf5">
+                <emma:interpretation id="interp13" emma:lang="" emma:confidence="1">
+                  <emma:literal/>
+                </emma:interpretation>
+              </emma:one-of>
+            </emma:emma>
+          </inkml:annotationXML>
+          <inkml:trace contextRef="#ctx0" brushRef="#br1" timeOffset="395561.5487">-986-1497 0,'25'0'47,"-25"24"63,0 0-95,0 1 1,0-1-16,0 0 15,0 0 1,0 0-16,24 1 16,-24-1-1,24-24 63,0 0-15,0-24-47,-24-1-1,25 25-15,-25-24 16,0 0-16,24 24 0,-24-24 15,0 0 1,0-1 0,0 1-1,24 24-15,0 24 110,-24 1-95,0-1 1,0 0 0,0 0-1,0 0 1,0 1-1,0-1 1,24-24 0,1-24 62,-25-1-78,24 1 15,-24 0-15,24 0 16,-24 0-16,24-1 16,-24 1-1,24 24 1,1 0 62,-25 24-47,24-24-15,-24 25-16,0-1 31,0 0-15,0 0-1,0 0-15,0 1 16,0-1 31</inkml:trace>
+          <inkml:trace contextRef="#ctx0" brushRef="#br1" timeOffset="391595.4144">-1179-1739 0,'-24'-24'47,"24"0"-31,24 0 15,-24-1-15,24 25-1</inkml:trace>
+          <inkml:trace contextRef="#ctx0" brushRef="#br1" timeOffset="390964.6425">-1179-1570 0,'-24'97'110,"24"-73"-110,0 1 0,0-1 15,0 0 1,0 0-16,0 0 0,0 1 16,0-1-1</inkml:trace>
+          <inkml:trace contextRef="#ctx0" brushRef="#br1" timeOffset="396889.7923">-357-1521 0,'0'290'172,"0"-266"-172,0 1 15,0-1-15,0 0 16,0 0-16,0 0 16,0 0 15,0-48 47,-24 0-62,24 0-16,0 0 15,0 0-15,0-25 16,0 25-16,0-24 16,0 23-16,0-23 15,0 24-15,0 0 16,0-1-16,24 1 0,-24 0 15,0 0 1,25 0 0,-25-1-1,24 25 48,0 0-48,0 0 17,-24 25-17,24-25-15,-24 24 16,0 0 0,25-24-1,-25 24 1,0 0-16,0 1 15,0-1 1,0 0 0,0 0-1,-25-24-15,25 24 16,-24-24-16,0 0 16,0 0-1</inkml:trace>
+          <inkml:trace contextRef="#ctx0" brushRef="#br1" timeOffset="397757.0133">-42-1836 0,'0'25'46,"0"-1"-46,0 0 16,0 0-16,0 0 16,0 436 140,0-436-125,24-24 0,0 0-31,0 0 16,1-24-16</inkml:trace>
+          <inkml:trace contextRef="#ctx0" brushRef="#br1" timeOffset="398807.5728">200-1400 0,'24'0'78,"0"-24"-62,0 24-1,1-25-15,-25 1 32,24 24-32,-24-24 15,0 0 17,-24 24-32,24-24 15,-25 24 1,1 0-1,24-25 1,-24 25-16,0 0 47,0 0-31,-1 25-1,25-1 1,-24-24-1,24 24-15,-24 0 16,24 0 0,-24 1-1,24-1-15,0 0 16,0 0 0,0 0-1,0 1 1,24-25-16,-24 24 15,24-24-15,0 24 16,1 0-16,-1-24 16,0 0-1,0 0-15,0 0 16,1 0-16</inkml:trace>
+          <inkml:trace contextRef="#ctx0" brushRef="#br1" timeOffset="399784.7837">466-1376 0,'0'-24'47,"24"0"-32,-24-1 1,24 25-16,-24-24 15,24 24 1,1 0 62,-1 24-62,-24 1 15,24-1-31,-24 0 0,0 49 47,0-49 0,0-48 15,24 24-62,-24-25 0,24-23 16,-24 24 0,25 0-16,-25-1 0,24 1 15,-24 0 1,24 24-16,-24-24 0,24 24 15,0 0 1,1-24 0</inkml:trace>
+        </inkml:traceGroup>
+      </inkml:traceGroup>
+    </inkml:traceGroup>
+  </inkml:traceGroup>
+</inkml:ink>
+</file>
+
+<file path=ppt/ink/ink85.xml><?xml version="1.0" encoding="utf-8"?>
+<inkml:ink xmlns:inkml="http://www.w3.org/2003/InkML">
+  <inkml:definitions/>
+  <inkml:traceGroup>
+    <inkml:annotationXML>
+      <emma:emma xmlns:emma="http://www.w3.org/2003/04/emma" version="1.0">
+        <emma:interpretation id="{4D8E1AA0-EF7C-4E34-B142-0E017570EF28}" emma:medium="tactile" emma:mode="ink">
+          <msink:context xmlns:msink="http://schemas.microsoft.com/ink/2010/main" type="writingRegion" rotatedBoundingBox="14776,7495 11747,10984 11282,10580 14311,7092"/>
+        </emma:interpretation>
+      </emma:emma>
+    </inkml:annotationXML>
+  </inkml:traceGroup>
+</inkml:ink>
+</file>
+
+<file path=ppt/ink/ink86.xml><?xml version="1.0" encoding="utf-8"?>
+<inkml:ink xmlns:inkml="http://www.w3.org/2003/InkML">
+  <inkml:definitions/>
+  <inkml:traceGroup>
+    <inkml:annotationXML>
+      <emma:emma xmlns:emma="http://www.w3.org/2003/04/emma" version="1.0">
+        <emma:interpretation id="{15D9E584-DE6D-497E-BF8F-94FAA50E953F}" emma:medium="tactile" emma:mode="ink">
+          <msink:context xmlns:msink="http://schemas.microsoft.com/ink/2010/main" type="writingRegion" rotatedBoundingBox="13982,10692 16221,9671 16343,9939 14104,10960"/>
+        </emma:interpretation>
+      </emma:emma>
+    </inkml:annotationXML>
+  </inkml:traceGroup>
+</inkml:ink>
+</file>
+
+<file path=ppt/ink/ink87.xml><?xml version="1.0" encoding="utf-8"?>
+<inkml:ink xmlns:inkml="http://www.w3.org/2003/InkML">
+  <inkml:definitions>
+    <inkml:context xml:id="ctx0">
+      <inkml:inkSource xml:id="inkSrc0">
+        <inkml:traceFormat>
+          <inkml:channel name="X" type="integer" min="-1920" max="3840" units="cm"/>
+          <inkml:channel name="Y" type="integer" max="1080" units="cm"/>
+          <inkml:channel name="T" type="integer" max="2.14748E9" units="dev"/>
+        </inkml:traceFormat>
+        <inkml:channelProperties>
+          <inkml:channelProperty channel="X" name="resolution" value="109.29791" units="1/cm"/>
+          <inkml:channelProperty channel="Y" name="resolution" value="36.48649" units="1/cm"/>
+          <inkml:channelProperty channel="T" name="resolution" value="1" units="1/dev"/>
+        </inkml:channelProperties>
+      </inkml:inkSource>
+      <inkml:timestamp xml:id="ts0" timeString="2018-01-01T16:41:34.725"/>
+    </inkml:context>
+    <inkml:brush xml:id="br0">
+      <inkml:brushProperty name="width" value="0.07938" units="cm"/>
+      <inkml:brushProperty name="height" value="0.07938" units="cm"/>
+      <inkml:brushProperty name="color" value="#00B050"/>
+      <inkml:brushProperty name="fitToCurve" value="1"/>
+    </inkml:brush>
+    <inkml:brush xml:id="br1">
+      <inkml:brushProperty name="width" value="0.10583" units="cm"/>
+      <inkml:brushProperty name="height" value="0.10583" units="cm"/>
+      <inkml:brushProperty name="color" value="#C00000"/>
+      <inkml:brushProperty name="fitToCurve" value="1"/>
+    </inkml:brush>
+  </inkml:definitions>
+  <inkml:traceGroup>
+    <inkml:annotationXML>
+      <emma:emma xmlns:emma="http://www.w3.org/2003/04/emma" version="1.0">
+        <emma:interpretation id="{7B220956-7E8F-4895-A685-4D9465572788}" emma:medium="tactile" emma:mode="ink">
+          <msink:context xmlns:msink="http://schemas.microsoft.com/ink/2010/main" type="writingRegion" rotatedBoundingBox="9741,1075 14854,1284 14774,3228 9662,3018"/>
+        </emma:interpretation>
+      </emma:emma>
+    </inkml:annotationXML>
+    <inkml:traceGroup>
+      <inkml:annotationXML>
+        <emma:emma xmlns:emma="http://www.w3.org/2003/04/emma" version="1.0">
+          <emma:interpretation id="{6E309F56-14D5-4ED3-9E33-09D64A014674}" emma:medium="tactile" emma:mode="ink">
+            <msink:context xmlns:msink="http://schemas.microsoft.com/ink/2010/main" type="paragraph" rotatedBoundingBox="9901,1027 13612,1243 13568,2002 9857,1786" alignmentLevel="1"/>
+          </emma:interpretation>
+        </emma:emma>
+      </inkml:annotationXML>
+      <inkml:traceGroup>
+        <inkml:annotationXML>
+          <emma:emma xmlns:emma="http://www.w3.org/2003/04/emma" version="1.0">
+            <emma:interpretation id="{F1B123B0-A9AB-4EF6-A4F3-2C40D72FB883}" emma:medium="tactile" emma:mode="ink">
+              <msink:context xmlns:msink="http://schemas.microsoft.com/ink/2010/main" type="line" rotatedBoundingBox="9901,1027 13612,1243 13568,2002 9857,1786"/>
+            </emma:interpretation>
+          </emma:emma>
+        </inkml:annotationXML>
+        <inkml:traceGroup>
+          <inkml:annotationXML>
+            <emma:emma xmlns:emma="http://www.w3.org/2003/04/emma" version="1.0">
+              <emma:interpretation id="{4B68FA15-55EC-414D-A50A-1AD3C2BAF212}" emma:medium="tactile" emma:mode="ink">
+                <msink:context xmlns:msink="http://schemas.microsoft.com/ink/2010/main" type="inkWord" rotatedBoundingBox="9896,1120 10183,1137 10145,1803 9857,1786"/>
+              </emma:interpretation>
+              <emma:one-of disjunction-type="recognition" id="oneOf0">
+                <emma:interpretation id="interp0" emma:lang="" emma:confidence="1">
+                  <emma:literal/>
+                </emma:interpretation>
+              </emma:one-of>
+            </emma:emma>
+          </inkml:annotationXML>
+          <inkml:trace contextRef="#ctx0" brushRef="#br0">-1566-4327 0,'0'24'204,"0"0"-204,0 0 0,0 1 15,0-1 1,0 0-16,0 0 0,0 24 15,0-23-15,0-1 16,0 0-16,0 0 16,0 0-1,0 1-15,0-1 16,0 0-16,0 0 16,0 0-1,0 1 1,0-1-1,0 0 1,24 0-16,-24 0 16,0 1-16,0-1 31</inkml:trace>
+          <inkml:trace contextRef="#ctx0" brushRef="#br0" timeOffset="80019.6964">-1542-4110 0,'24'0'156,"0"0"-124,1 0-1,-1 0 0,0 0 0,0 0-15,-24 25 62,24-25-62,1 0 31,-1 0 0,0 0 46</inkml:trace>
+          <inkml:trace contextRef="#ctx0" brushRef="#br0" timeOffset="83087.243">-1542-4351 0,'24'0'203,"0"0"-172,1 0 0,-1 0 16,0 0-31,0 0 15,0 0 16,1 0-16,-1 0 16,0 0 31,0 0-15</inkml:trace>
+        </inkml:traceGroup>
+        <inkml:traceGroup>
+          <inkml:annotationXML>
+            <emma:emma xmlns:emma="http://www.w3.org/2003/04/emma" version="1.0">
+              <emma:interpretation id="{D3F62F61-0E2A-4E5B-A64A-8EDBF4E4B88C}" emma:medium="tactile" emma:mode="ink">
+                <msink:context xmlns:msink="http://schemas.microsoft.com/ink/2010/main" type="inkWord" rotatedBoundingBox="10426,1135 12378,1249 12342,1871 10389,1758"/>
+              </emma:interpretation>
+              <emma:one-of disjunction-type="recognition" id="oneOf1">
+                <emma:interpretation id="interp1" emma:lang="" emma:confidence="1">
+                  <emma:literal/>
+                </emma:interpretation>
+              </emma:one-of>
+            </emma:emma>
+          </inkml:annotationXML>
+          <inkml:trace contextRef="#ctx0" brushRef="#br0" timeOffset="3119.4942">-1034-4351 0,'24'0'63,"-24"24"-16,0 0-47,0 0 15,0 0-15,0 1 0,0 23 16,0-24-1,0 0-15,0 25 0,0-25 16,0 0-16,0 0 16,0 0-16,0 1 15,0-1-15,0 0 16,0 0-16,0 0 16,0 1-1,0-1-15,0 0 16,0 0-1,0 0 17,24-24-1,1 0-15,-1 25-1,0-25 1,0 0 15,-24-25-31</inkml:trace>
+          <inkml:trace contextRef="#ctx0" brushRef="#br0" timeOffset="4296.9806">-647-3989 0,'0'-24'47,"-24"48"0,0 1-31,0-1-1,-1 0 1,25 0-16,-24 0 16,24 1-1,0-1-15,0 0 16,0 0-16,0 0 16,0 1-1,24-25 16,1 0-15,-1 0 0,0-25-1,0 1-15,-24 0 16,24 0-16,-24 0 16,25-1-16,-25 1 15,0 0 1,0 0-1,0 0 17,0-1-1,0 50 94,0-1-125,0 0 16,0 0-1,0 0-15,0 1 16,0-1-16,0 0 15,24 0 1,-24 0-16,24-24 31,0 0-15,0 0-16,-24-24 16</inkml:trace>
+          <inkml:trace contextRef="#ctx0" brushRef="#br0" timeOffset="5294.7443">-405-3989 0,'0'25'93,"0"-1"-93,0 0 16,24-24-16,-24 24 16,0 0-16,0 1 15,0-1-15,0 0 16,24 0-16,-24 0 15,25-24 1,-25 25-16,0-1 31,24-24-15,-24-24 46,24-1-62,-24 1 16,24 0-16,-24 0 16,0 0-1,24-1-15,-24 1 16,0 0-16,0 0 16,25 24-16,-25-24 15,0-1-15,0 1 31</inkml:trace>
+          <inkml:trace contextRef="#ctx0" brushRef="#br0" timeOffset="6148.6041">-66-3916 0,'24'-24'47,"-24"48"15,-24-24-62,24 24 16,-24-24-16,24 24 15,0 1-15,-25-1 16,25 0 0,0 0-16,0 0 15,0 1 1,0-1-1,25-24 1,-25 24 0,24-24-16,0 0 0,0 0 15,0 0 17,0-24-17,-24 0 1,25-1-16,-25 1 15,24 0-15,-24 0 16,0-25-16,0 25 16,0 0-1,0 0-15,-97-25 125</inkml:trace>
+          <inkml:trace contextRef="#ctx0" brushRef="#br0" timeOffset="6878.755">248-3964 0,'0'-25'47,"0"98"15,-24-49-46,24 0-16,0 1 0,0-1 15,0 0-15,0 0 16,0 0 0,24-24-16,-24 25 15,24-25-15,1 0 16,-1 0-1,0 0 1,0-25-16,0 1 16,-24 0-16,25 0 15,-1 0 1,-24-1-16,0 1 16,24 0-16,-24 0 15,0 0-15</inkml:trace>
+          <inkml:trace contextRef="#ctx0" brushRef="#br0" timeOffset="10403.1091">611-3868 0,'0'-24'94,"24"24"-63,0-24-15,1 24-1,-1 0 17,0 0 15,-24 24-47,0 0 31,0 1-16,0-1-15,0 0 16,0 0-16,0 0 16,0 1-16,0-1 15,0 0 1,0 0-16,24-24 62,-24-24-46,0 0-16,0-25 16,24 25-16,-24 0 15,0 0-15,25 24 16,-25-24-16,24-1 16,-24 1-1,24 0-15,0 24 16,-24-24-1,24 24 1</inkml:trace>
+        </inkml:traceGroup>
+        <inkml:traceGroup>
+          <inkml:annotationXML>
+            <emma:emma xmlns:emma="http://www.w3.org/2003/04/emma" version="1.0">
+              <emma:interpretation id="{AA24CE39-997E-4CCB-BB1A-B3DD7EEE648C}" emma:medium="tactile" emma:mode="ink">
+                <msink:context xmlns:msink="http://schemas.microsoft.com/ink/2010/main" type="inkWord" rotatedBoundingBox="12891,1201 13165,1217 13126,1895 12852,1879"/>
+              </emma:interpretation>
+              <emma:one-of disjunction-type="recognition" id="oneOf2">
+                <emma:interpretation id="interp2" emma:lang="" emma:confidence="0">
+                  <emma:literal>6</emma:literal>
+                </emma:interpretation>
+                <emma:interpretation id="interp3" emma:lang="" emma:confidence="0">
+                  <emma:literal>b</emma:literal>
+                </emma:interpretation>
+                <emma:interpretation id="interp4" emma:lang="" emma:confidence="0">
+                  <emma:literal>7</emma:literal>
+                </emma:interpretation>
+                <emma:interpretation id="interp5" emma:lang="" emma:confidence="0">
+                  <emma:literal>B</emma:literal>
+                </emma:interpretation>
+                <emma:interpretation id="interp6" emma:lang="" emma:confidence="0">
+                  <emma:literal>8</emma:literal>
+                </emma:interpretation>
+              </emma:one-of>
+            </emma:emma>
+          </inkml:annotationXML>
+          <inkml:trace contextRef="#ctx0" brushRef="#br0" timeOffset="438360.4888">1554-4230 0,'0'-25'62,"0"1"-62,0 48 219,0 1-203,-24-1-1,24 0 1,0 0 0,-24-24-16,24 24 15,0 0-15,-24 1 16,24-1 0,0 0-1,-24 0-15,24 0 16,0 1-16,-24-1 15,24 0 1,0 0 0,0 0-1,0 1-15,0-1 16,0 0-16,0 0 16,0 0-1,0 1-15,0-1 31,0 0-15,24-24-16,-24 24 16,24-24-1,-24 24-15,24 0 16,0-24 0,0 0-1,1 0 1,-1-24-1,0 0 1,0 0 0,-24 0-1,0 0-15,24-1 16,-24 1-16,0 0 16,0 0-1,0 0-15,0-1 16,-24 1-1,0 0 1,0 24 0,0-24-1,-1 24 1,1 0 15,0 0-15,0 0-1,24 24-15,-24-24 32,0 24-1,-1-24-15,50 0 30</inkml:trace>
+        </inkml:traceGroup>
+        <inkml:traceGroup>
+          <inkml:annotationXML>
+            <emma:emma xmlns:emma="http://www.w3.org/2003/04/emma" version="1.0">
+              <emma:interpretation id="{4A8F6F0B-0E76-4402-8873-D3DDC7344551}" emma:medium="tactile" emma:mode="ink">
+                <msink:context xmlns:msink="http://schemas.microsoft.com/ink/2010/main" type="inkWord" rotatedBoundingBox="13491,1517 13596,1524 13576,1867 13471,1861"/>
+              </emma:interpretation>
+              <emma:one-of disjunction-type="recognition" id="oneOf3">
+                <emma:interpretation id="interp7" emma:lang="" emma:confidence="1">
+                  <emma:literal/>
+                </emma:interpretation>
+              </emma:one-of>
+            </emma:emma>
+          </inkml:annotationXML>
+          <inkml:trace contextRef="#ctx0" brushRef="#br0" timeOffset="21562.9305">2111-3940 0,'-24'0'234,"-1"0"-203,25-24-15,25 24 78,-1 0-63,-24 24 16,0 0-16,-24-24 0,-1 0 1,25-24 15,0 0-16,25 24-16,-1 0 17,-24 24-1,0 0 31,-24-24-46,-1 0 15,25-24-15,0 0 15,25 24-15,-1 0 15,0 0 16,-24 24-16,-24-24 47,0 0-62</inkml:trace>
+          <inkml:trace contextRef="#ctx0" brushRef="#br0" timeOffset="26198.2976">2038-3650 0,'24'0'172,"-48"0"-47,0 0-109,24-24 31,24 0-16,0 24-16,1 0 17,-25 24-17,0 0 32,0 0-16,-25-24-15,1 0 0,0 0-1,24-24 17,0 0-1,24 24 0,0 0 0,1 0 1,-25 24-17,0 0 32,-25-24-31,1 0 15,24-24 0,0 0-31,0 0 16,24 24-1,1 0 17,-25 24-17</inkml:trace>
+        </inkml:traceGroup>
+      </inkml:traceGroup>
+    </inkml:traceGroup>
+    <inkml:traceGroup>
+      <inkml:annotationXML>
+        <emma:emma xmlns:emma="http://www.w3.org/2003/04/emma" version="1.0">
+          <emma:interpretation id="{2FB97A60-F3D1-4218-9F22-464CEF3B19C6}" emma:medium="tactile" emma:mode="ink">
+            <msink:context xmlns:msink="http://schemas.microsoft.com/ink/2010/main" type="paragraph" rotatedBoundingBox="9694,2230 14806,2440 14774,3228 9662,3018" alignmentLevel="1"/>
+          </emma:interpretation>
+        </emma:emma>
+      </inkml:annotationXML>
+      <inkml:traceGroup>
+        <inkml:annotationXML>
+          <emma:emma xmlns:emma="http://www.w3.org/2003/04/emma" version="1.0">
+            <emma:interpretation id="{4AAC3917-CB7D-44A0-835C-3CC3457C60D6}" emma:medium="tactile" emma:mode="ink">
+              <msink:context xmlns:msink="http://schemas.microsoft.com/ink/2010/main" type="line" rotatedBoundingBox="9694,2230 14806,2440 14774,3228 9662,3018"/>
+            </emma:interpretation>
+          </emma:emma>
+        </inkml:annotationXML>
+        <inkml:traceGroup>
+          <inkml:annotationXML>
+            <emma:emma xmlns:emma="http://www.w3.org/2003/04/emma" version="1.0">
+              <emma:interpretation id="{1955A004-E881-454B-9C9E-4D6734472397}" emma:medium="tactile" emma:mode="ink">
+                <msink:context xmlns:msink="http://schemas.microsoft.com/ink/2010/main" type="inkWord" rotatedBoundingBox="9694,2230 13769,2397 13737,3185 9662,3018"/>
+              </emma:interpretation>
+              <emma:one-of disjunction-type="recognition" id="oneOf4">
+                <emma:interpretation id="interp8" emma:lang="" emma:confidence="1">
+                  <emma:literal/>
+                </emma:interpretation>
+              </emma:one-of>
+            </emma:emma>
+          </inkml:annotationXML>
+          <inkml:trace contextRef="#ctx0" brushRef="#br1" timeOffset="451325.1656">-1324-3239 0,'-24'0'47,"-1"0"15,1 0-46,0 0-1,0 0 1,0 0 0,-1 0-1,25 25-15,-24-25 16,0 0-16,24 24 16,-24-24-16,24 24 15,-24-24-15,0 24 16,24 0-16,-25-24 15,1 24-15,24 1 16,-24-25-16,24 24 0,-24 0 16,24 0-16,-24-24 15,24 24-15,0 1 16,-25-1-16,25 0 16,0 0-16,0 0 15,-24 25-15,24-25 16,0 0-16,0 0 15,0 25-15,0-25 16,0 0-16,24 0 16,-24 0-16,25 1 15,-1-1-15,-24 0 16,24 0-16,0-24 0,0 24 16,1-24-16,-1 0 15,0 0-15,0 0 16,0 0-16,0 0 15,1 0-15,-1 0 16,0 0-16,-24-24 16,24 24-16,-24-24 15,24 24-15,-24-24 16,25 0-16,-25-1 16,0 1-1,0 0 1,-25 0-16,25 0 15,-24 24-15,0-24 16,0-1-16,0 25 16,24-24-16,-25 24 0,1 0 15,24-24-15,-24 24 16,0 0 0,0 0 15,0 0 63,48 0-16,0 0-63,0 0 1,0 0-16,25 0 16,-25 0-16,0 0 15,0 0-15,0 0 16,1 0-1,-1 0-15,0 0 16,0 0 0,0 0 15,1 0-15,-1-24-16</inkml:trace>
+          <inkml:trace contextRef="#ctx0" brushRef="#br1" timeOffset="452945.0518">-986-2706 0,'0'24'78,"49"-24"-15,-25-24-63,0 24 15,-24-25 1,24 25-16,-24-24 31,0 0 0,0 0 1,-24 0-1,0 24-15,0 0-1,0 0 16,-1 0-15,25 24 0,-24-24-1,0 24 1,24 0 0,-24-24-1,24 24 1,-24-24-16,24 25 15,0-1 1,-24-24 0,24 24-16,0 0 15,0 0-15,0 0 32,0 1-32,0-1 15,0 0-15,0 0 16,0 0-1,24-24 17,0 0-32,0 0 15,0 0-15,0 0 16,1 0-16,-1 0 0,0 0 16</inkml:trace>
+          <inkml:trace contextRef="#ctx0" brushRef="#br1" timeOffset="456112.0104">-695-2755 0,'0'24'110,"0"1"-95,0-1 1,0 0-16,0 0 16,0 0-16,0 0 0,0 1 15,0-1-15,0 0 16,0 0-1,0 0 1,24-24 47,-24-24-17,0 0-46,24 0 16,-24 0 0,24-1-16,-24 1 15,25 0 1,-25 0-16,24 24 16,-24-24-16,0 0 15,24 24 48,0 24-32,-24 0 0,0 0-31,0 0 16,24 0-16,-24 1 15,0-1 1,0 0 0,0 0-1,0 0-15,0 1 32,0-1-17</inkml:trace>
+          <inkml:trace contextRef="#ctx0" brushRef="#br1" timeOffset="457152.7566">-308-2658 0,'72'0'125,"-47"0"-125,-25-24 15,0 0 1,0-1 15,0 1-15,-25 24-1,1 0 17,0 0-1,0 0 0,0 0-15,24 24 15,-25-24-31,25 25 16,-24-1-1,24 0 1,-24 0-1,24 0 1,0 0 0,0 1-16,0-1 15,0 0 1,24 0 0,49 49 62,-25-73-47</inkml:trace>
+          <inkml:trace contextRef="#ctx0" brushRef="#br1" timeOffset="458046.3251">-115-2586 0,'73'-96'62,"-73"72"-46,24 24-1,0 0 32,-24 24 0,24 0-16,-24 0-15,0 0-16,0 0 16,0 1-1,0-1 1,0 0-16,0 0 16,0 0 15,0-48 16,0 0-32,0 0-15,0 0 16,25-1-16,-25 1 16,0 0-16,24 0 15,-24 0-15,24 0 16,0 24-1,-24-25-15,24 25 32,1 0-32,-1 0 0,-24-24 15,24 24-15,0 0 16</inkml:trace>
+          <inkml:trace contextRef="#ctx0" brushRef="#br1" timeOffset="459245.7619">466-2706 0,'-97'48'141,"73"-48"-126,24 24-15,-24 0 0,0 0 16,24 1 0,0-1-16,-25-24 15,25 24-15,0 0 16,0 0 0,0 1-1,0-1 16,25-24-15,-1 0 0,0-24-16,0-1 15,0 1-15,1 24 16,-1-24-16,0 0 0,0 0 16,-24-1-1,24 1-15,-24 0 16,0 0-1,0 0 1,0 0 0,0-1-1,0 50 79,0 23-94,0-24 16,0 0-16,0 0 15,0 1-15,0-1 16,0 0 0,0 0-16,24 0 31,1-24-31,-1 0 15,0-24-15,0 0 16</inkml:trace>
+          <inkml:trace contextRef="#ctx0" brushRef="#br1" timeOffset="462087.564">780-3021 0,'0'24'78,"0"0"-62,0 1 0,-24-1-16,24 0 15,0 0-15,0 0 16,0 1-16,0-1 16,0 0-16,0 0 15,0 0-15,0 1 16,0-1-1,0 0-15,0 0 16,0 0 0,0 0-16,0 1 15,0-1 1,0 0-16,0 0 16,0 0-1,0 1 1,0-1 15,24-24-15,1 0-1,-1 0-15,0 0 16,0 0 0</inkml:trace>
+          <inkml:trace contextRef="#ctx0" brushRef="#br1" timeOffset="464436.4262">1046-2852 0,'0'25'63,"0"-50"-63,25 1 15,-25 0 1,0 0-16,0 0 16,0-1-1,0 1-15,24 24 0,-24-24 16</inkml:trace>
+          <inkml:trace contextRef="#ctx0" brushRef="#br1" timeOffset="463731.8547">1046-2658 0,'0'193'266,"0"-168"-251,0-1-15,0 0 16</inkml:trace>
+          <inkml:trace contextRef="#ctx0" brushRef="#br1" timeOffset="465935.7946">1240-2586 0,'24'0'62,"0"0"-46,1 0-16,-1 0 16,0 0-1,0 0-15,0 0 16,1 0-16</inkml:trace>
+          <inkml:trace contextRef="#ctx0" brushRef="#br1" timeOffset="465493.1626">1313-2682 0,'0'-49'78,"96"49"-31,-71 25-16,-25-1-15,0 0-1,0 0 1,-25 0-1,25 0-15,-24 1 16,0-1-16,0 0 16,24 0-16,-24-24 0,24 24 15,-25-24-15,25 25 32,0-1 14,0 0-14,25 0-17,-1-24 1,0 0 0,0 0-1,0 0 1,1 0-1</inkml:trace>
+          <inkml:trace contextRef="#ctx0" brushRef="#br1" timeOffset="467451.8337">1724-2634 0,'0'-24'63,"-24"24"15,-1 0-63,1 24 1,0 0 0,0 0-1,24 1-15,0-1 16,-24 0-1,24 0-15,0 0 16,0 1 0,0-1-1,0 0-15,0 0 32,24-24-17,0 0 1,0 0-1,0 0 1,1 0-16,-25-24 16,24 0-16,0 0 15,-24-1 1,0 1 0,24 0-16,-24 0 15,0 0 1,0-1-1,0 1 1,24 0 0,-24 48 140,0 0-140,0 1-16,-24-25 15,24 24-15,0 0 16,0 0-16,0 0 15,0 1-15,0-1 16,0 0-16,24-24 16,1 24-1,-1-24-15,0 0 16,24 0 0,-23 0-16,-25-24 15,24 24-15</inkml:trace>
+          <inkml:trace contextRef="#ctx0" brushRef="#br1" timeOffset="471571.4213">2062-2827 0,'218'24'203</inkml:trace>
+          <inkml:trace contextRef="#ctx0" brushRef="#br1" timeOffset="470727.8457">2159-3094 0,'0'25'62,"0"-1"-62,0 0 16,0 0-16,0 0 15,0 1 1,0-1-16,0 24 0,0-24 16,0 1-16,0-1 15,0 0-15,0 0 16,0 25 0,0-25-16,0 0 0,0 0 15,0 0 1,0 0-16,0 1 15,0-1 1,0 0 0,0 0-16,0 0 15,0 1 17,0-1-17,0 0 1,0 0-1,24-24 32,1 0-31,-1 0-16,0 0 16,0 0-1</inkml:trace>
+        </inkml:traceGroup>
+        <inkml:traceGroup>
+          <inkml:annotationXML>
+            <emma:emma xmlns:emma="http://www.w3.org/2003/04/emma" version="1.0">
+              <emma:interpretation id="{0CA19778-AAD1-406F-93A7-B01E9E581DAC}" emma:medium="tactile" emma:mode="ink">
+                <msink:context xmlns:msink="http://schemas.microsoft.com/ink/2010/main" type="inkWord" rotatedBoundingBox="13973,2417 14806,2451 14777,3153 13945,3119"/>
+              </emma:interpretation>
+              <emma:one-of disjunction-type="recognition" id="oneOf5">
+                <emma:interpretation id="interp9" emma:lang="" emma:confidence="1">
+                  <emma:literal/>
+                </emma:interpretation>
+              </emma:one-of>
+            </emma:emma>
+          </inkml:annotationXML>
+          <inkml:trace contextRef="#ctx0" brushRef="#br1" timeOffset="476698.8443">2812-2658 0,'-24'24'94,"24"0"-79,-24 0 1,24 1 0,-24-25-16,24 24 15,0 0 1,0 0 0,0 0-1,0 1-15,24-1 31,0-24-15,0 0 0,1 0-1,71-194 142,-96 170-157,0 0 15,-24 24-15,24-24 16,-24 24-16,0 0 15,0 0 17,-1 0-17,1 0 17,24 24-32</inkml:trace>
+          <inkml:trace contextRef="#ctx0" brushRef="#br1" timeOffset="474598.4492">2498-2682 0,'24'0'63,"-24"24"-16,0 0-32,0 0 1,0 0-16,0 1 15,-24-1 1,24 0-16,0 0 16,0 0-1,0 1 17,0-1-1,0 0 0,0 0 16</inkml:trace>
+          <inkml:trace contextRef="#ctx0" brushRef="#br1" timeOffset="475310.2073">2522-2924 0,'0'-24'62,"0"-1"-62,24 1 16,-24 0-16,0 0 15,0 0 1</inkml:trace>
+          <inkml:trace contextRef="#ctx0" brushRef="#br1" timeOffset="478005.1252">3078-2658 0,'0'24'62,"0"0"-46,0 0 0,0 1-16,0-1 15,0 0 1,0 0-16,0 0 16,0 1 15,25-50 94,-25 1-110,24 24 1,-24-24-16,24 0 16,0 0-1,0-1-15,-24 1 32,25 24-32,-25-24 31,24 24 0,0 24 16,-24 0-31,0 1-1,0-1 1,24-24-16,-24 24 15,0 0 1,0 0-16,0 1 31,0-1-31,24 0 94</inkml:trace>
+        </inkml:traceGroup>
+      </inkml:traceGroup>
+    </inkml:traceGroup>
+  </inkml:traceGroup>
+</inkml:ink>
+</file>
+
+<file path=ppt/ink/ink88.xml><?xml version="1.0" encoding="utf-8"?>
 <inkml:ink xmlns:inkml="http://www.w3.org/2003/InkML">
   <inkml:definitions>
     <inkml:context xml:id="ctx0">
@@ -10446,12 +12630,12 @@
       </emma:emma>
     </inkml:annotationXML>
     <inkml:trace contextRef="#ctx0" brushRef="#br0">30 25 0,'0'-25'32,"0"50"155,0-1-187,0 0 16,0 0-1,0 0 1,0 1 0,0-1-16,0 0 15,0 0 1,0 0-16,0 1 16,0-1-1,0 0 1,0 0-16,0 0 15,0 0-15,0 25 0,0-25 16,0 0-16,0 0 16,0 1-16,0-1 15,0 0-15,0 0 16,0 0-16,0 1 16,0-1-16,0 0 15,0 24-15,0-23 16,0 23-16,0-24 15,0 24-15,0 1 16,0-25-16,0 24 16,0-23-16,0-1 15,0 24-15,0-24 0,0 25 16,0-1-16,0-24 16,0 25-16,0-1 15,0 0-15,0-23 16,0 23-16,0 0 15,0-23-15,0-1 16,0 24-16,0-24 16,0 1-16,0 23 15,0-24-15,0 0 16,-24 1-16,24-1 16,0 24-16,0-24 15,0 0-15,0 1 16,0-1-16,0 0 15,0 0 1,0 0-16,0 1 0,0-1 16,0 0-1,0 0-15,0 0 16,0 1 0,24-1-1,-24 0-15,0 0 16,0 0-1,0 1 1,0-1-16,0 0 16,0-48 31</inkml:trace>
-    <inkml:trace contextRef="#ctx0" brushRef="#br0" timeOffset="13278.9672">103-48 0,'-24'0'157,"-1"0"-126,50 0 266,-1 0-266,0 0-15,0 0-1,0 0-15,1 0 16,-1 0-16,0 0 15,0 0 1,0 24 0,0-24-1,1 0 1,-1 0 0,0 0-1,0 24-15,0-24 0,1 0 16,-1 25-1,24-25-15,-24 24 16,25-24 0,-25 24-16,0-24 15,0 24-15,25-24 16,-25 0-16,0 24 16,0-24-16,0 25 15,1-25-15,-1 24 16,0 0-1,0 0-15,0 0 16,-24 1-16,25-25 16,-25 24-16,24 0 15,-24 0 1,24 0-16,-24 0 16,0 1-1,24-25-15,-24 24 16,0 0-1,0 0 1,0 0-16,0 1 16,0-1-1,0 0 1,0 0 0,0 0-1,0 1-15,0-1 16,-24-24-1,24 24-15,0 0 16,0 0 0,0 1 15,0-1-15,-24-24-16,24 24 15,0 0 1,-24-24-16,24 24 15,-25 0 1,25 1 0,-24-25-16,24 24 15,-24-24-15,24 24 16,-24-24 0,24 24-1,-24-24-15,-1 24 16,1 1-1,0-25 1,0 24 15,0-24-15,0 0 0,-1 0-1,1 24-15,0-24 16,0 0-1,0 0 1,-1 0 0,1 0-1,0 0 1,0 0 15,0 0-15,-1 0-1,1 0-15,0 0 16,0 0 0,0 0-1,-1 0 17,1 0-17,0 0 1,0 0-1,0 0 1,0 0 15,-1 0-31,1 0 16,0 0 31,0 0 0,0 0-16,-1 0 0,50 0 110,-1 24-110,0 0-15,0 1-1,0-1 1,-24 0 0,25-24-1,-1 24-15,0 0 16,-24 1-16,24-1 15,0 0 1,-24 0-16,24 0 16,1 0-1,-25 1-15,24-1 16,0 0 0,-24 0-16,24 0 15,-24 1-15,0-1 16,24 0-16,1 0 15,-1 0 1,-24 1-16,24-25 0,0 24 16,-24 0-16,24-24 15,-24 24-15,25 0 16,-25 1-16,0-1 16,24 0-16,-24 0 15,24 0-15,0 0 16,-24 1-1,24-1-15,1 0 16,-25 0 0,24 0-16,0 1 15,-24-1-15,24-24 16,-24 24-16,24-24 16,-24 24-1,24 0 1,1 1-1,-1-25 17,-24 24-1,24-24 0,-24 24-15</inkml:trace>
+    <inkml:trace contextRef="#ctx0" brushRef="#br0" timeOffset="13278.967">103-48 0,'-24'0'157,"-1"0"-126,50 0 266,-1 0-266,0 0-15,0 0-1,0 0-15,1 0 16,-1 0-16,0 0 15,0 0 1,0 24 0,0-24-1,1 0 1,-1 0 0,0 0-1,0 24-15,0-24 0,1 0 16,-1 25-1,24-25-15,-24 24 16,25-24 0,-25 24-16,0-24 15,0 24-15,25-24 16,-25 0-16,0 24 16,0-24-16,0 25 15,1-25-15,-1 24 16,0 0-1,0 0-15,0 0 16,-24 1-16,25-25 16,-25 24-16,24 0 15,-24 0 1,24 0-16,-24 0 16,0 1-1,24-25-15,-24 24 16,0 0-1,0 0 1,0 0-16,0 1 16,0-1-1,0 0 1,0 0 0,0 0-1,0 1-15,0-1 16,-24-24-1,24 24-15,0 0 16,0 0 0,0 1 15,0-1-15,-24-24-16,24 24 15,0 0 1,-24-24-16,24 24 15,-25 0 1,25 1 0,-24-25-16,24 24 15,-24-24-15,24 24 16,-24-24 0,24 24-1,-24-24-15,-1 24 16,1 1-1,0-25 1,0 24 15,0-24-15,0 0 0,-1 0-1,1 24-15,0-24 16,0 0-1,0 0 1,-1 0 0,1 0-1,0 0 1,0 0 15,0 0-15,-1 0-1,1 0-15,0 0 16,0 0 0,0 0-1,-1 0 17,1 0-17,0 0 1,0 0-1,0 0 1,0 0 15,-1 0-31,1 0 16,0 0 31,0 0 0,0 0-16,-1 0 0,50 0 110,-1 24-110,0 0-15,0 1-1,0-1 1,-24 0 0,25-24-1,-1 24-15,0 0 16,-24 1-16,24-1 15,0 0 1,-24 0-16,24 0 16,1 0-1,-25 1-15,24-1 16,0 0 0,-24 0-16,24 0 15,-24 1-15,0-1 16,24 0-16,1 0 15,-1 0 1,-24 1-16,24-25 0,0 24 16,-24 0-16,24-24 15,-24 24-15,25 0 16,-25 1-16,0-1 16,24 0-16,-24 0 15,24 0-15,0 0 16,-24 1-1,24-1-15,1 0 16,-25 0 0,24 0-16,0 1 15,-24-1-15,24-24 16,-24 24-16,24-24 16,-24 24-1,24 0 1,1 1-1,-1-25 17,-24 24-1,24-24 0,-24 24-15</inkml:trace>
   </inkml:traceGroup>
 </inkml:ink>
 </file>
 
-<file path=ppt/ink/ink76.xml><?xml version="1.0" encoding="utf-8"?>
+<file path=ppt/ink/ink89.xml><?xml version="1.0" encoding="utf-8"?>
 <inkml:ink xmlns:inkml="http://www.w3.org/2003/InkML">
   <inkml:definitions>
     <inkml:context xml:id="ctx0">
@@ -10599,7 +12783,7 @@
             </emma:emma>
           </inkml:annotationXML>
           <inkml:trace contextRef="#ctx0" brushRef="#br1" timeOffset="-22799.034">3782-121 0,'24'0'125,"0"0"-125,1 0 15,-1 0-15,0 0 16,24 0-16,-23 0 16,23 0-16,-24 0 15,25 0-15,-25 0 16,0 0-16</inkml:trace>
-          <inkml:trace contextRef="#ctx0" brushRef="#br1" timeOffset="-23437.1575">3951-532 0,'0'-25'63,"0"50"-1,0-1-62,0 0 16,0 24-16,-24-23 15,24 23-15,0 0 16,-24 1-16,24 23 16,-24 98-1,24-98 1,0-23-16,-24 23 0,24-23 16,0-1-16,0 25 15,0-25-15,0 0 16,0-24-16,0 25 15,0-1-15,0-24 16,0 25-16,24-25 16,-24 0-16,0 0 15,24 1-15,-24-1 16,24 0 0,0 0-1,1 0 1,-25 1-1,24-25-15,0 24 16,0-24 15,0 0-15,1 0-16,-1-24 16,24-1-16,-24 1 15,-24 0 1</inkml:trace>
+          <inkml:trace contextRef="#ctx0" brushRef="#br1" timeOffset="-23437.1574">3951-532 0,'0'-25'63,"0"50"-1,0-1-62,0 0 16,0 24-16,-24-23 15,24 23-15,0 0 16,-24 1-16,24 23 16,-24 98-1,24-98 1,0-23-16,-24 23 0,24-23 16,0-1-16,0 25 15,0-25-15,0 0 16,0-24-16,0 25 15,0-1-15,0-24 16,0 25-16,24-25 16,-24 0-16,0 0 15,24 1-15,-24-1 16,24 0 0,0 0-1,1 0 1,-25 1-1,24-25-15,0 24 16,0-24 15,0 0-15,1 0-16,-1-24 16,24-1-16,-24 1 15,-24 0 1</inkml:trace>
           <inkml:trace contextRef="#ctx0" brushRef="#br1" timeOffset="-24832.0402">3274 121 0,'-24'0'46,"0"0"-30,0 0 15,-1 0-15,1 24 0,0-24-16,0 0 15,24 24 1,-24-24-1,24 24-15,-25 1 16,1-25 0,24 24-16,-24-24 15,24 24-15,-24 0 16,24 0 0,-24 1-1,24-1-15,0 0 16,-25 0-16,25 0 15,0 0-15,0 1 16,0-1-16,0 0 16,0 0-16,0 0 15,0 1 1,25-1-16,-1-24 16,-24 24-16,24 0 15,0-24-15,0 24 16,1-24-16,-1 25 15,-24-1-15,24-24 16,0 0-16,0 24 16,1-24-1,-1 0-15,24 0 16,-24 0-16,25-24 0,-25 24 16</inkml:trace>
         </inkml:traceGroup>
         <inkml:traceGroup>
@@ -10618,7 +12802,7 @@
           <inkml:trace contextRef="#ctx0" brushRef="#br1" timeOffset="-19201.9418">6080-24 0,'24'0'47,"1"-25"-31,-25 1-16,24 0 15,0 0-15,0 0 16,0 24-16</inkml:trace>
           <inkml:trace contextRef="#ctx0" brushRef="#br1" timeOffset="-19710.0582">6129 266 0,'24'0'63,"-24"24"-32,0 0-15,0 25-16,0-1 15,0-24-15,0 25 16,0-1-16,0 0 15,0 1-15,0-25 16,0 0-16,0 0 16,0 1-16,24-25 31</inkml:trace>
           <inkml:trace contextRef="#ctx0" brushRef="#br1" timeOffset="-21434.5924">4677 242 0,'-24'121'46,"24"-97"-30,0 0-16,0 0 16,0 0-16,0 1 15,0-1-15,0 0 16,24 0-16,-24 0 16,24 1-1,1-1 1,-1-24 15,0 0-15,0 0-16,0 0 15,0 0-15,1-24 16,-1-1 15,-24 1-15,0 0-16,24 0 15,-24-25 1,0 25 0,0 0-16,0 0 15,0 0-15,0 0 16,0-1 0,0 1-1,0 0-15,-24 24 16,0-24-16,-1 0 31,1 24-15,24-25-16,-24 25 15,0 0 17,0 0-17,0 0 32,-1 0-16,1 25-31,24-1 0,0 0 16,0 0 0,0 0-1</inkml:trace>
-          <inkml:trace contextRef="#ctx0" brushRef="#br1" timeOffset="-20406.8102">5306 459 0,'48'-72'47,"-48"48"-32,25 24-15,-25-24 16,24 24 0,-24-25-16,24 25 15,0 0 1,0 0 15,1 0 0,-25 25-31,0-1 16,0 0-16,24 0 0,-24 0 16,0 0-16,0 1 15,0-1-15,0 24 16,0-24-16,0 1 15,0-1-15,0 0 16,0 0 0,0 0-1,0-48 32,0 0-47,0-24 16,24 23-1,-24 1-15,24 0 0,-24-24 16,24 23 0,-24 1-16,25 0 0,-1 0 15,0 0 1,0 24 31,0 0-16</inkml:trace>
+          <inkml:trace contextRef="#ctx0" brushRef="#br1" timeOffset="-20406.8101">5306 459 0,'48'-72'47,"-48"48"-32,25 24-15,-25-24 16,24 24 0,-24-25-16,24 25 15,0 0 1,0 0 15,1 0 0,-25 25-31,0-1 16,0 0-16,24 0 0,-24 0 16,0 0-16,0 1 15,0-1-15,0 24 16,0-24-16,0 1 15,0-1-15,0 0 16,0 0 0,0 0-1,0-48 32,0 0-47,0-24 16,24 23-1,-24 1-15,24 0 0,-24-24 16,24 23 0,-24 1-16,25 0 0,-1 0 15,0 0 1,0 24 31,0 0-16</inkml:trace>
         </inkml:traceGroup>
         <inkml:traceGroup>
           <inkml:annotationXML>
@@ -10719,8 +12903,8 @@
               </emma:one-of>
             </emma:emma>
           </inkml:annotationXML>
-          <inkml:trace contextRef="#ctx0" brushRef="#br2" timeOffset="34451.9234">2645 2056 0,'24'-24'63,"1"48"-48,-25 0 1,0 0-1,0 1 1,24-1-16,-24 0 16,0 0-16,0 0 15,24 1 1,-24-1-16,0 0 16,0 0-16,24-24 15,-24 24-15,24 1 16,0-25-1,-24 24-15,25-24 0,-1 0 16,-24-24 0,24 24-16,0-25 0,-24 1 15,24 24 1,-24 24 93,25-24-93,-1 0 0,0 0-1,0-24 1,0 0-1,-24 0-15,25 0 16,-25-1 0,0 1-16,0 0 15,0 0 1,0 0-16,0-1 16,0 1 15</inkml:trace>
-          <inkml:trace contextRef="#ctx0" brushRef="#br2" timeOffset="35517.2677">3298 1790 0,'0'24'109,"0"0"-93,0 1-16,0-1 16,0 0-16,0 24 15,0-24-15,0 1 0,0 23 16,0-24-16,0 25 15,0-25-15,0 24 16,0-24-16,0 1 16,0-1-16,0 0 15,0 0-15,0 0 16,24-24 46,1-24-46,-1 0-16,0 0 0,0 0 16,-24-1-16,24 1 15,-24 0 17,25 24-32,-1 0 62,0 24-31,-24 0-31,0 1 16,24-25 0,-24 24-1,0 0-15,0 0 16,0 0-1,0 1 17</inkml:trace>
+          <inkml:trace contextRef="#ctx0" brushRef="#br2" timeOffset="34451.9232">2645 2056 0,'24'-24'63,"1"48"-48,-25 0 1,0 0-1,0 1 1,24-1-16,-24 0 16,0 0-16,0 0 15,24 1 1,-24-1-16,0 0 16,0 0-16,24-24 15,-24 24-15,24 1 16,0-25-1,-24 24-15,25-24 0,-1 0 16,-24-24 0,24 24-16,0-25 0,-24 1 15,24 24 1,-24 24 93,25-24-93,-1 0 0,0 0-1,0-24 1,0 0-1,-24 0-15,25 0 16,-25-1 0,0 1-16,0 0 15,0 0 1,0 0-16,0-1 16,0 1 15</inkml:trace>
+          <inkml:trace contextRef="#ctx0" brushRef="#br2" timeOffset="35517.2675">3298 1790 0,'0'24'109,"0"0"-93,0 1-16,0-1 16,0 0-16,0 24 15,0-24-15,0 1 0,0 23 16,0-24-16,0 25 15,0-25-15,0 24 16,0-24-16,0 1 16,0-1-16,0 0 15,0 0-15,0 0 16,24-24 46,1-24-46,-1 0-16,0 0 0,0 0 16,-24-1-16,24 1 15,-24 0 17,25 24-32,-1 0 62,0 24-31,-24 0-31,0 1 16,24-25 0,-24 24-1,0 0-15,0 0 16,0 0-1,0 1 17</inkml:trace>
           <inkml:trace contextRef="#ctx0" brushRef="#br2" timeOffset="36289.452">3758 2153 0,'97'0'63,"-73"0"-48,-24-24 17,24 24-17,-24-25 1,0 1-1,0 0 17,-24 24-17,0 0-15,-1 0 32,25-24-32,-24 24 15,0 0 1,0 24 15,0-24-31,24 24 16,-24-24-16,24 24 15,0 1-15,-25-25 16,25 24-16,0 0 16,0 0-16,0 0 15,-24 1-15,24-1 16,0 0-16,0 0 0,0 0 15,0 1-15,24-1 32,25 0-17,-25-24 1,24 0-16,-48-24 16</inkml:trace>
           <inkml:trace contextRef="#ctx0" brushRef="#br2" timeOffset="37100.1225">4121 2225 0,'48'-48'63,"-24"48"-16,1 24-16,-25 0-16,0 1 1,0-1-16,0 0 16,0 0-16,0 0 15,0 1 1,0-1 0,0-48 30,24-1-30,-24 1-16,24 0 16,-24 0-16,24 0 15,-24-1-15,0 1 16,0 0-16,24 24 16,-24-24-1</inkml:trace>
           <inkml:trace contextRef="#ctx0" brushRef="#br2" timeOffset="37902.5652">4556 2225 0,'73'0'62,"-49"-24"-46,0 24-1,-24-24 1,24 24-16,-24-24 31,0 0 1,0-1-1,-24 25-16,24-24 1,-24 24 0,0 0-1,0 0 1,-1 0 15,1 0-15,24 24-1,-24-24-15,-24 73 47,48-49-31,0 0-16,0 1 0,0-1 16,0 0-16,-25 0 15,25 0-15,0 1 16,0-1-16,0 0 15,25-24-15,-25 24 0,24 0 16,0-24 0,0 0-16,0 0 0,1 0 15,23 0-15,-48-24 16</inkml:trace>
@@ -10740,7 +12924,7 @@
           </inkml:annotationXML>
           <inkml:trace contextRef="#ctx0" brushRef="#br2" timeOffset="40362.316">5742 1863 0,'0'120'47,"0"-95"-31,0-1 0,0 0-16,0 0 0,0 25 15,0-25-15,0 0 16,0 24-16,0-23 15,0-1-15,0 24 16,0-24-16,0 1 16,0-1-16,0 0 15,0 0-15,0 0 16,24-48 31,0 24-47,0-24 15,0 0-15,0 0 16,-24-1-16,25 25 16,-25-24-16,24 24 0,-24-24 31,24 24-15,24 48 77,-48-23-93,0-1 16,0 0 0,0 0-16,0 0 15,0 0-15,25-24 63</inkml:trace>
           <inkml:trace contextRef="#ctx0" brushRef="#br2" timeOffset="41036.4109">6250 2250 0,'72'0'62,"-48"0"-46,0 0 15,1-25-15,-25 1-1,0 0 17,0 0-1,-25 24-31,1 0 16,0 0-1,0 0 1,0 0-1,0 0-15,24 24 0,-25-24 16,25 24 0,-24-24-16,24 24 15,0 1-15,-24-1 16,24 0 0,0 0-16,0 0 15,0 1-15,0-1 16,0 0-16,0 0 15,0 0-15,0 0 16,24-24-16,0 0 16,1 0-1,-1 0-15,0 0 16,24 0-16,-24-24 16</inkml:trace>
-          <inkml:trace contextRef="#ctx0" brushRef="#br2" timeOffset="39410.065">5306 2153 0,'0'-24'62,"24"24"-46,0 0-16,1 0 16,-1 0-16,0 0 15,0 0-15,0 0 16,1 0-16</inkml:trace>
+          <inkml:trace contextRef="#ctx0" brushRef="#br2" timeOffset="39410.0649">5306 2153 0,'0'-24'62,"24"24"-46,0 0-16,1 0 16,-1 0-16,0 0 15,0 0-15,0 0 16,1 0-16</inkml:trace>
           <inkml:trace contextRef="#ctx0" brushRef="#br2" timeOffset="39049.4517">5451 1838 0,'0'25'62,"0"-1"-62,0 24 16,-24 0-16,24-23 15,0 23-15,-24 0 16,24 1-16,0-1 16,-24-24-16,24 25 15,0-25-15,0 24 16,0-23-16,0-1 16,0 0-16,0 0 15,24 0 16,0-24-15,0 0 0,0 0-1,1-24 17</inkml:trace>
         </inkml:traceGroup>
         <inkml:traceGroup>
@@ -10774,7 +12958,7 @@
               </emma:one-of>
             </emma:emma>
           </inkml:annotationXML>
-          <inkml:trace contextRef="#ctx0" brushRef="#br2" timeOffset="44841.2174">8693 1983 0</inkml:trace>
+          <inkml:trace contextRef="#ctx0" brushRef="#br2" timeOffset="44841.2172">8693 1983 0</inkml:trace>
           <inkml:trace contextRef="#ctx0" brushRef="#br2" timeOffset="45836.986">9104 2129 0,'0'-25'47,"-24"25"-16,0 0-16,-1 0-15,1 0 0,0 25 16,0-25-16,24 24 16,-24-24-16,24 24 15,-25-24-15,25 24 16,0 0-16,-24-24 16,24 25-16,0-1 31,24-24-16,1 0-15,-25 24 16,24-24-16,0 0 16,24 0-16,-23 0 15,-1 0 1,-24 24 0,24-24-1,-24 24 1,0 1-1,0-1 1,0 0 0,0 0-1,0 0 1,0 0 0,0 1 15,-24-25-31,0 0 15,-1 0 1,1 0 0,0 0-16,0 0 0,0 0 15,-1 0-15,1 0 16</inkml:trace>
           <inkml:trace contextRef="#ctx0" brushRef="#br2" timeOffset="44494.0483">8669 2225 0,'0'25'62,"0"-1"-46,0 0-16,0 0 16,0 0-16,0 1 15,0-1-15,0 0 16,0 0-1</inkml:trace>
         </inkml:traceGroup>
@@ -10811,7 +12995,220 @@
 </inkml:ink>
 </file>
 
-<file path=ppt/ink/ink77.xml><?xml version="1.0" encoding="utf-8"?>
+<file path=ppt/ink/ink9.xml><?xml version="1.0" encoding="utf-8"?>
+<inkml:ink xmlns:inkml="http://www.w3.org/2003/InkML">
+  <inkml:definitions>
+    <inkml:context xml:id="ctx0">
+      <inkml:inkSource xml:id="inkSrc0">
+        <inkml:traceFormat>
+          <inkml:channel name="X" type="integer" min="-1920" max="3840" units="cm"/>
+          <inkml:channel name="Y" type="integer" max="1080" units="cm"/>
+          <inkml:channel name="T" type="integer" max="2.14748E9" units="dev"/>
+        </inkml:traceFormat>
+        <inkml:channelProperties>
+          <inkml:channelProperty channel="X" name="resolution" value="109.29791" units="1/cm"/>
+          <inkml:channelProperty channel="Y" name="resolution" value="36.48649" units="1/cm"/>
+          <inkml:channelProperty channel="T" name="resolution" value="1" units="1/dev"/>
+        </inkml:channelProperties>
+      </inkml:inkSource>
+      <inkml:timestamp xml:id="ts0" timeString="2017-12-27T16:54:06.186"/>
+    </inkml:context>
+    <inkml:brush xml:id="br0">
+      <inkml:brushProperty name="width" value="0.10583" units="cm"/>
+      <inkml:brushProperty name="height" value="0.10583" units="cm"/>
+      <inkml:brushProperty name="color" value="#C00000"/>
+      <inkml:brushProperty name="fitToCurve" value="1"/>
+    </inkml:brush>
+    <inkml:brush xml:id="br1">
+      <inkml:brushProperty name="width" value="0.07938" units="cm"/>
+      <inkml:brushProperty name="height" value="0.07938" units="cm"/>
+      <inkml:brushProperty name="color" value="#00B050"/>
+      <inkml:brushProperty name="fitToCurve" value="1"/>
+    </inkml:brush>
+  </inkml:definitions>
+  <inkml:traceGroup>
+    <inkml:annotationXML>
+      <emma:emma xmlns:emma="http://www.w3.org/2003/04/emma" version="1.0">
+        <emma:interpretation id="{46659E30-4255-4BEE-90A1-217CB620A8FF}" emma:medium="tactile" emma:mode="ink">
+          <msink:context xmlns:msink="http://schemas.microsoft.com/ink/2010/main" type="writingRegion" rotatedBoundingBox="10927,6237 20383,6453 20332,8654 10876,8438"/>
+        </emma:interpretation>
+      </emma:emma>
+    </inkml:annotationXML>
+    <inkml:traceGroup>
+      <inkml:annotationXML>
+        <emma:emma xmlns:emma="http://www.w3.org/2003/04/emma" version="1.0">
+          <emma:interpretation id="{2AFB70FB-560F-4869-A83B-755B9F301FBB}" emma:medium="tactile" emma:mode="ink">
+            <msink:context xmlns:msink="http://schemas.microsoft.com/ink/2010/main" type="paragraph" rotatedBoundingBox="10927,6237 20383,6453 20355,7638 10900,7422" alignmentLevel="1"/>
+          </emma:interpretation>
+        </emma:emma>
+      </inkml:annotationXML>
+      <inkml:traceGroup>
+        <inkml:annotationXML>
+          <emma:emma xmlns:emma="http://www.w3.org/2003/04/emma" version="1.0">
+            <emma:interpretation id="{B4C151C0-5877-46F2-8C26-D0CFBA32D9EA}" emma:medium="tactile" emma:mode="ink">
+              <msink:context xmlns:msink="http://schemas.microsoft.com/ink/2010/main" type="line" rotatedBoundingBox="10927,6237 20383,6453 20355,7638 10900,7422"/>
+            </emma:interpretation>
+          </emma:emma>
+        </inkml:annotationXML>
+        <inkml:traceGroup>
+          <inkml:annotationXML>
+            <emma:emma xmlns:emma="http://www.w3.org/2003/04/emma" version="1.0">
+              <emma:interpretation id="{E07BBCF3-9982-469C-8642-BFF10049E7EA}" emma:medium="tactile" emma:mode="ink">
+                <msink:context xmlns:msink="http://schemas.microsoft.com/ink/2010/main" type="inkWord" rotatedBoundingBox="10926,6277 13725,6341 13700,7448 10901,7384"/>
+              </emma:interpretation>
+              <emma:one-of disjunction-type="recognition" id="oneOf0">
+                <emma:interpretation id="interp0" emma:lang="" emma:confidence="1">
+                  <emma:literal/>
+                </emma:interpretation>
+              </emma:one-of>
+            </emma:emma>
+          </inkml:annotationXML>
+          <inkml:trace contextRef="#ctx0" brushRef="#br0">731 486 0,'0'24'94,"0"0"-94,0 1 0,0-1 16,0 24-16,0-24 15,0 0-15,0 1 16,0 23-16,0-24 16,24-24-1,-24 24-15</inkml:trace>
+          <inkml:trace contextRef="#ctx0" brushRef="#br0" timeOffset="-796.6391">537 26 0,'0'-24'140,"-24"24"-124,0 0 0,0 0-1,-1 0 1,1 0 0,0 0-16,0 0 15,0 0 1,-1 0-16,1 0 15,0 24-15,0-24 16,0 25-16,-1-1 16,1-24-1,0 24-15,24 0 16,-24 0-16,0 0 16,-1 1-1,25-1-15,0 0 16,0 0-1,0 0-15,0 1 16,25-1 0,-1-24-16,0 24 0,-24 0 15,24 0-15,0-24 16,1 25-16,-1-25 16,24 24-16,-24-24 15,1 0-15,-1 0 16,-24 24-16,24-24 15,0 0-15,-24 24 16,24-24-16,-24 24 16,0 1-1,0-1-15,25 0 16,-25 0 0,0 0-16,0 0 15,0 1-15,0-1 16,0 0-1,-25 0-15,25 0 16,-24 1 0,0-1-1,0-24-15,24 24 16,-49-24-16,25 0 16,0 0-16,-24 0 15,-1 0-15,25-24 16,-24 24-16,23-24 0,1 24 15,0-25 1,0 25-16,24-24 0,0 0 16,0 0-1,0 0 1</inkml:trace>
+          <inkml:trace contextRef="#ctx0" brushRef="#br0" timeOffset="472.2542">682 292 0,'0'-48'47,"0"24"-31,0 0-1</inkml:trace>
+          <inkml:trace contextRef="#ctx0" brushRef="#br0" timeOffset="2008.2752">973 486 0,'24'24'63,"-24"0"-63,0 1 16,0-1-1,0 0-15,0 0 16,0 24-16,0-23 15,24-1-15,-24 0 16,0 0-16,0 0 16,0 1-1,24-25 32,-24-25-47,0 1 16,24 0-16,-24 0 15,24 0 1,-24-1-16,25 1 16,-1 0-16,-24 0 15,24 24 1,-24-24 0,24 24-16,0 0 46,1 0-14,-1 24-1,-24 0-15,0 0-16,0 0 15,0 1-15,0-1 16,24 0-1,-24 0 1,24-24 31,0 0-16,-24-24-31,25 0 0,-1 0 16,0-1-1,-24 1-15,24 0 16,-24 0-16,24 24 16,1-24-16,-25 0 15,24 24-15,-24-25 16,24 25 15,-24 25 16,0-1-31,0 0-16,24 0 15,-24 0-15,0 0 16,0 1-16,0-1 16,24 0-1,-24 0-15,24-24 31</inkml:trace>
+          <inkml:trace contextRef="#ctx0" brushRef="#br0" timeOffset="3096.4856">1819 486 0,'24'24'63,"-24"25"-48,0-25-15,0 24 16,0 0-16,0 1 16,0-1-16,0 1 0,0 23 15,-24-23-15,24-25 16,0 24-16,-24-24 16,24 25-16,0-25 15,0 0 1,0-48 15,0-24-15,0-1-16,0 1 15,0-1-15,0 1 16,24 0-16,-24-1 0,0 25 16,24-24-1,-24 23-15,0-23 0,0 24 16,0 0-16,25 0 15,-25-1-15,0 1 16,24 24 15,0 0 1,0 0-17,0 24 1,-24 1-1,25-25 1,-25 24-16,24-24 0,0 24 31,-24 0-15,0 0 0,0 0-16,0 1 15,-24-25-15,24 24 16,0 0-16,-24-24 15,-1 24-15,1-24 16,0 0 0,0 0-1,0 0 1,-1 0 0</inkml:trace>
+          <inkml:trace contextRef="#ctx0" brushRef="#br0" timeOffset="3816.7738">2182 99 0,'0'24'78,"0"0"-62,24 0-16,-24 49 0,0-25 15,0 1 1,0 23-16,0-23 0,0 23 16,0-23-1,0-1-15,0 0 0,0 1 16,0-25-16,0 0 16,0 0-16,0 1 15,0-1 1,0 0-16,24-24 15,-24 24-15,25-24 16,-25 24 0,24-24-16,0 0 15,0-24-15,0 0 16</inkml:trace>
+          <inkml:trace contextRef="#ctx0" brushRef="#br0" timeOffset="4452.5527">2545 534 0,'48'0'47,"-24"0"-31,1 0-1,-1 0-15,0 0 16,0 0-16,0 0 16,1-24-1,-1 24-15,-24-24 16,24 24-16,-24-24 16,0 0-16,0-1 15,-24 1 1,-25 24-16,25 0 15,0 0-15,0 0 16,-25 0-16,25 24 16,0 1-16,0-25 15,0 24-15,0 0 16,-1 0-16,25 0 16,-24 1-16,24 23 15,0-24-15,0 24 16,0-23-16,0 23 0,0-24 15,24 0-15,1-24 16,-1 25-16,0-25 16,0 0-16,24 0 15,-23 0-15,23 0 16,-24-25-16</inkml:trace>
+        </inkml:traceGroup>
+        <inkml:traceGroup>
+          <inkml:annotationXML>
+            <emma:emma xmlns:emma="http://www.w3.org/2003/04/emma" version="1.0">
+              <emma:interpretation id="{5ECB1D4F-01AD-4F1B-9069-B1605A654231}" emma:medium="tactile" emma:mode="ink">
+                <msink:context xmlns:msink="http://schemas.microsoft.com/ink/2010/main" type="inkWord" rotatedBoundingBox="14836,6327 18515,6411 18494,7337 14815,7253"/>
+              </emma:interpretation>
+              <emma:one-of disjunction-type="recognition" id="oneOf1">
+                <emma:interpretation id="interp1" emma:lang="" emma:confidence="1">
+                  <emma:literal/>
+                </emma:interpretation>
+              </emma:one-of>
+            </emma:emma>
+          </inkml:annotationXML>
+          <inkml:trace contextRef="#ctx0" brushRef="#br0" timeOffset="6660.0355">3972 51 0,'0'72'63,"0"-48"-63,0 25 15,0-1-15,0 0 16,0 1-16,0-1 16,0 25-16,0-1 15,0 1-15,0-25 16,-24 25-16,24-25 15,0 1-15,0-1 16,0-24-16,0 0 16,0 1-16,0-50 47,0 1-32,0 0-15,0 0 16,0-25-16,-24 25 15,24 0-15,0 0 16,0 0-16,0-1 16,0 1-16,0-24 15,0 24-15,0 0 16,0-1-16,0-23 16,0 24-16,0 0 15,0-1-15,0 1 16,0 0-16,24 0 0,-24 0 15,0-1-15,0 1 16,0 0 0,0 0-1,0 0-15,0-1 16,24 25-16,-24-24 16,0 0-16,24 0 31,1 24-16,-25-24-15,24 24 16,0 0 0,0 0-1,0 24-15,0-24 16,1 24-16,-25 0 16,24-24-16,0 24 15,0 1 1,0-1-1,-24 0 1,25-24-16,-25 24 16,0 0-1,0 1 1,0-1 0,0 0-16,0 0 15,0 0 1,-25 1-16,1-25 15,0 24-15,0 0 0,0-24 16,-1 0 0,1 0-16,0 0 15,0 0 32,0 0-16,48 0 79,0 24-95,0 0 1,0-24-16,-24 25 16,25-1-16,-1 0 15,0 0-15,-24 0 16,24 0-16,-24 1 16,24-1-16,-24 0 15,25 24-15,-25-23 16,0-1-16,24 0 0,-24 0 15</inkml:trace>
+          <inkml:trace contextRef="#ctx0" brushRef="#br0" timeOffset="7491.5098">4553 631 0,'0'24'47,"24"0"-16,0-24-15,0 0-1,0 0-15,1-24 0,-1 24 16,0-24 0,-24 0-16,24 24 0,-24-24 15,0 0 1,0-1-16,0 1 15,-24 24 1,0 0-16,0 0 16,-1 0-1,1 0-15,0 0 16,0 24-16,0 1 16,0-1-1,24 0 1,-25 0-16,25 0 0,0 0 15,0 1 1,0-1-16,0 24 0,0-24 16,25 1-16,-1-1 15,0 0-15,0 0 16,0 0 0,0-24-16,1 0 15,23 0-15,-48-24 16,24 24-16</inkml:trace>
+          <inkml:trace contextRef="#ctx0" brushRef="#br0" timeOffset="8714.5708">4916 486 0,'24'0'62,"0"0"-62,0 0 16,0 0-16,1 0 16,-1 0-16,24 0 15,-24 0-15,0 0 0,25 0 16,-25 0 0</inkml:trace>
+          <inkml:trace contextRef="#ctx0" brushRef="#br0" timeOffset="8345.2678">5230 147 0,'0'-24'47,"-24"24"-31,0 0 15,-1 0-16,1 24-15,0 0 16,0 25-16,0-25 0,0 0 16,24 25-16,0-1 15,-25 0-15,25 1 16,0-1-16,0 1 16,0 23-16,0-24 15,0 1-15,0-25 16,25 24-16,-25-23 15,0-1-15,24 24 16,-24-24-16,24 1 16,-24-1-16,24-24 15,-24 24-15</inkml:trace>
+          <inkml:trace contextRef="#ctx0" brushRef="#br0" timeOffset="9988.89">5593 486 0,'-24'0'46,"0"24"-30,-1 0 0,1 1-1,24-1-15,-24 0 0,24 0 16,-24 0-16,24 0 16,-24 1-16,24-1 15,0 0-15,-25 0 16,25 0-16,0 1 15,0-1 17,25-24-32,-1 0 31,0 0-31,0 0 16,0-24-1,1 24-15,-1-25 16,-24 1-16,0 0 15,24 24-15,-24-24 0,0 0 16,24-1-16,-24 1 16,0 0-1,0 0 17,0 48 93,0 0-110,0 0 1,0 1-16,0-1 15,0 0-15,0 0 16,0 0-16,0 1 16,24-1-16,-24 0 15,24 0 1,1-24 0,-1 0-16,0 0 15,0 0-15,0-24 0,1 24 16</inkml:trace>
+          <inkml:trace contextRef="#ctx0" brushRef="#br0" timeOffset="10611.0815">6198 559 0,'-49'0'62,"25"24"-46,0-24-16,0 24 15,0 0-15,24 0 16,-25-24-16,1 24 16,24 1-16,-24-1 15,24 0-15,-24 0 16,24 0-16,0 1 15,0-1 1,0 0-16,24-24 16,-24 24-16,24-24 0,0 0 15,1 24-15,23-24 16,-24 0-16,0 0 16,25 0-16,-25-24 15,-24 0 1</inkml:trace>
+          <inkml:trace contextRef="#ctx0" brushRef="#br0" timeOffset="11580.1301">6343 462 0,'24'0'62,"0"0"-46,25 0-16,-1 0 16,-24 0-16,0 0 15,25 0-15,-25 0 16</inkml:trace>
+          <inkml:trace contextRef="#ctx0" brushRef="#br0" timeOffset="11241.4175">6464 123 0,'48'-24'47,"-48"48"-16,0 0-31,0 25 15,0-25-15,0 24 16,0-24-16,0 25 16,-24-1-16,24 1 15,0-1-15,-24-24 16,24 25-16,0-1 16,0-24-16,0 24 15,0-23-15,0-1 16,0 24-16,24-24 15,-24 1-15,24-1 16,0-24 15,1 0-15,-1 0-16,0 0 16,0 0-16,-24-24 15,24 24-15</inkml:trace>
+          <inkml:trace contextRef="#ctx0" brushRef="#br0" timeOffset="12213.446">6923 534 0,'-48'121'47,"24"-97"-31,24 1-16,-24-1 16,24 0-16,0 0 15,0 0-15,0 1 16,0-1-16,0 0 15,24-24-15,0 24 16,0-24 0,0 0-16,1 0 0,-1-24 15,0 0 1,24 0-16,-23-25 0,-25 25 16,24-24-16,-24-1 15,0 25-15,0-24 16,0 24-1,-24-25 1,-1 49-16,1 0 0,0 0 16,0 0-1,0 0 1,-1 0-16,25 24 16</inkml:trace>
+          <inkml:trace contextRef="#ctx0" brushRef="#br0" timeOffset="13251.6872">7310 704 0,'25'-25'63,"-25"1"-63,24 24 16,-24-24-1,24 24 1,0 0 15,0 0 32,-24 24-48,0 0 1,0 1-16,0-1 15,25-24-15,-25 24 0,0 0 16,0 0-16,0 1 16,0-1-1,0-73 48,0 25-48,0 0-15,0 0 16,0 0-16,24 24 16,-24-25-16,24 1 15,0 0-15,-24 0 0,24 0 16,1 0-16,-1 24 16</inkml:trace>
+        </inkml:traceGroup>
+        <inkml:traceGroup>
+          <inkml:annotationXML>
+            <emma:emma xmlns:emma="http://www.w3.org/2003/04/emma" version="1.0">
+              <emma:interpretation id="{E554D7D5-E076-4F89-8D1B-1DE999543DEA}" emma:medium="tactile" emma:mode="ink">
+                <msink:context xmlns:msink="http://schemas.microsoft.com/ink/2010/main" type="inkWord" rotatedBoundingBox="18814,6578 20379,6614 20355,7638 18791,7602"/>
+              </emma:interpretation>
+              <emma:one-of disjunction-type="recognition" id="oneOf2">
+                <emma:interpretation id="interp2" emma:lang="" emma:confidence="1">
+                  <emma:literal/>
+                </emma:interpretation>
+              </emma:one-of>
+            </emma:emma>
+          </inkml:annotationXML>
+          <inkml:trace contextRef="#ctx0" brushRef="#br0" timeOffset="14902.25">8205 510 0,'25'49'47,"-25"-25"-31,0 0-16,0 0 15,0 0-15,0 0 0,0 1 16,0-1 0,0 0-16,0 0 31,24-24-15,0 0-1,-24-24 1,24 0-16,0 24 15,1-24-15,-25-1 16,24 1-16,0 24 16,-24-24-16,24 24 15,-24-24-15,24 24 47,1 0 0,-25 24-16,0 0-31,24 0 16,-24 1 0,0-1-1,0 0-15,0 0 16,0 0 15</inkml:trace>
+          <inkml:trace contextRef="#ctx0" brushRef="#br0" timeOffset="15792.1594">8786 510 0,'-73'49'47,"49"-25"-47,0 0 16,24 0-16,-24-24 15,24 24-15,0 0 16,0 1-1,0-1 1,24-24 0,0 0-1,0 0-15,1 0 16,23 0-16,-24-24 16,0-1-16,1 1 15,-1 0-15,0 0 16,0 0-16,-24 0 15,0-1 1,0 1 0,-24 48 31,0 1-47,24-1 15,-24 0-15,24 0 16,0 0-16,0 0 15,0 1-15,0-1 16,0 0-16,0 24 16,0-23-16,0-1 15,0 0-15,0 0 16,0 0-16,0 1 16,0-1-16,0 0 15,0 0-15,0 0 16,0 25-1,0-25-15,0 0 0,-25 0 16,1 25-16,24-25 16,-24 0-16,0 0 15,0-24-15,-1 24 16,1-24-16,24 25 16,-24-25-16,0 0 15,0-25 1,24 1-16,0 0 15,-24 0-15,24-25 16,0 25-16,0 0 16,-25 0-16</inkml:trace>
+          <inkml:trace contextRef="#ctx0" brushRef="#br0" timeOffset="13752.8654">7915 583 0,'0'24'78,"0"0"-62,0 0-16,0 0 0,0 25 15,0-25-15,0 24 16,0-23-16,0-1 16,0 0-16,0-48 46</inkml:trace>
+          <inkml:trace contextRef="#ctx0" brushRef="#br0" timeOffset="14114.1661">7915 341 0,'24'-24'47,"-24"-1"-31</inkml:trace>
+          <inkml:trace contextRef="#ctx0" brushRef="#br0" timeOffset="17225.5419">9415 413 0,'24'0'62,"-48"0"-31,0 0-15,0 0 0,-1 0-16,1 25 0,0-25 15,0 24-15,0-24 16,-1 24-16,1 0 15,24 0 17,0 1-17,0-1 1,24 0 0,1 0-1,-1 0 1,0-24-1,0 24 1,0-24-16,1 0 16,-1 0-1,0 0-15,-24 25 32,24-25-17,-24 24 1,24-24-1,-24 24-15,0 0 32,0 0-17,0 1 1,-24-1 0,0 0-1,0-24 1,0 24-16,-1-24 0,1 0 15,-24 0-15,24 0 16,-1-24-16,-23 0 16,24 0-1,24-1 32</inkml:trace>
+        </inkml:traceGroup>
+      </inkml:traceGroup>
+    </inkml:traceGroup>
+    <inkml:traceGroup>
+      <inkml:annotationXML>
+        <emma:emma xmlns:emma="http://www.w3.org/2003/04/emma" version="1.0">
+          <emma:interpretation id="{4D534EC1-AB55-4877-B65C-DD5677E4F8C3}" emma:medium="tactile" emma:mode="ink">
+            <msink:context xmlns:msink="http://schemas.microsoft.com/ink/2010/main" type="paragraph" rotatedBoundingBox="12603,7714 17732,7716 17731,8491 12602,8489" alignmentLevel="2"/>
+          </emma:interpretation>
+        </emma:emma>
+      </inkml:annotationXML>
+      <inkml:traceGroup>
+        <inkml:annotationXML>
+          <emma:emma xmlns:emma="http://www.w3.org/2003/04/emma" version="1.0">
+            <emma:interpretation id="{CC11BA51-387A-42D5-9D4C-35393CDC9C78}" emma:medium="tactile" emma:mode="ink">
+              <msink:context xmlns:msink="http://schemas.microsoft.com/ink/2010/main" type="line" rotatedBoundingBox="12603,7714 17732,7716 17731,8491 12602,8489"/>
+            </emma:interpretation>
+          </emma:emma>
+        </inkml:annotationXML>
+        <inkml:traceGroup>
+          <inkml:annotationXML>
+            <emma:emma xmlns:emma="http://www.w3.org/2003/04/emma" version="1.0">
+              <emma:interpretation id="{713FB8FA-35B2-44C6-8393-C54D9A71F34B}" emma:medium="tactile" emma:mode="ink">
+                <msink:context xmlns:msink="http://schemas.microsoft.com/ink/2010/main" type="inkWord" rotatedBoundingBox="12603,7788 13910,7789 13909,8490 12602,8489"/>
+              </emma:interpretation>
+              <emma:one-of disjunction-type="recognition" id="oneOf3">
+                <emma:interpretation id="interp3" emma:lang="" emma:confidence="1">
+                  <emma:literal/>
+                </emma:interpretation>
+              </emma:one-of>
+            </emma:emma>
+          </inkml:annotationXML>
+          <inkml:trace contextRef="#ctx0" brushRef="#br1" timeOffset="32496.3275">2303 1599 0,'0'-73'47,"-24"73"31,24-24-78,-24 24 31,-1 0 32,1 24-32,24 0-15,0 1-16,-24-1 15,24 0-15,0 0 0,0 0 16,0 25-16,0-25 16,0 24-16,0 1 15,0-25-15,0 24 16,0-24-16,0 1 15,0 23-15,0-24 16,0 0-16,24 1 16,-24-1-16,0 0 15,24 0-15,-24 0 16,0 0 0</inkml:trace>
+          <inkml:trace contextRef="#ctx0" brushRef="#br1" timeOffset="32855.6225">2109 1841 0,'0'-25'46,"25"25"-30,-1 0 0,0 0 15,0 0-15,0 0-16,1 0 15</inkml:trace>
+          <inkml:trace contextRef="#ctx0" brushRef="#br1" timeOffset="31069.0639">1940 1550 0,'-24'0'172,"0"25"-140,0-25-32,-1 24 31,1 0-16,0-24 1,24 24-16,0 0 16,-24-24-1,24 24-15,-24-24 16,24 25-16,-25-25 16,25 24-16,0 0 15,-24-24 1,24 24-16,0 0 15,0 1 1,0-1-16,0 0 16,0 0-1,0 0-15,0 1 16,0-1-16,0 0 16,24 0-16,1 0 15,-1-24 1,-24 25-16,24-25 15,-24 24-15,24-24 16,0 0-16,1 0 16,-1 0 15</inkml:trace>
+          <inkml:trace contextRef="#ctx0" brushRef="#br1" timeOffset="33529.4006">2472 1889 0,'0'24'62,"0"0"-62,0 1 16,0-1-16,0 0 16,0 0-16,0 0 15,0 1 1,0-1 0,25-24-1,-1 0 1,0-24-16,-24-1 15,24 1-15,0 0 16,-24 0 0,0 0-16,0-1 0,0 1 15,0 0-15,-24 0 16,0 24 0,24-24-16,-24 24 15,0 0 1,-1 0-1,25 24 1</inkml:trace>
+          <inkml:trace contextRef="#ctx0" brushRef="#br1" timeOffset="34243.1789">2763 1913 0,'24'-24'46,"-24"0"1,24 24-31,-24 24 15,24 0-15,-24 0-16,0 1 15,0-1 1,24 0-16,-24 0 16,0-48 62,0 0-63,0 0-15,0-1 16,25 25-16,-25-24 16,24 0-16,0 0 15,0 24 1,-24-24 0,24 24-16,1 0 15</inkml:trace>
+        </inkml:traceGroup>
+        <inkml:traceGroup>
+          <inkml:annotationXML>
+            <emma:emma xmlns:emma="http://www.w3.org/2003/04/emma" version="1.0">
+              <emma:interpretation id="{7796E1EB-318C-4335-9243-E6D70A8C6877}" emma:medium="tactile" emma:mode="ink">
+                <msink:context xmlns:msink="http://schemas.microsoft.com/ink/2010/main" type="inkWord" rotatedBoundingBox="14684,7788 16933,7789 16932,8370 14683,8369"/>
+              </emma:interpretation>
+              <emma:one-of disjunction-type="recognition" id="oneOf4">
+                <emma:interpretation id="interp4" emma:lang="" emma:confidence="1">
+                  <emma:literal/>
+                </emma:interpretation>
+              </emma:one-of>
+            </emma:emma>
+          </inkml:annotationXML>
+          <inkml:trace contextRef="#ctx0" brushRef="#br1" timeOffset="37343.3143">4190 1816 0,'-24'-24'63,"48"24"15,0 0-62,0 0-1,0 0-15,1 0 16,23 0-16,-24 0 16,-24-24-1</inkml:trace>
+          <inkml:trace contextRef="#ctx0" brushRef="#br1" timeOffset="36959.5205">4262 1550 0,'0'25'94,"0"23"-94,0-24 16,0 24-16,0 1 15,0-25-15,0 24 16,0 1-16,0-25 16,0 0-16,0 25 15,0-25 1,0 0-16,25 0 16,-25 0-1,24-24-15,0 25 16,0-25 15,0 0 16,-24-25-31</inkml:trace>
+          <inkml:trace contextRef="#ctx0" brushRef="#br1" timeOffset="36204.076">4045 1550 0,'24'0'62,"-48"0"-15,0 0-31,-1 0-1,1 25 1,0-25-16,0 0 16,0 24-16,-1 0 15,1 0 1,0 0 0,24 0-1,0 1 1,0-1-16,0 0 15,0 0 1,24 0 0,-24 1-1,24-25-15,1 24 16,-1-24 0,0 0-16,0 0 15,0 0-15,1 0 16,-1 0-16,0 0 15,-24 24-15,24-24 32,-24 24-17,0 0 48,0 1-48,0-1-15,-24 0 16,0 0 0,0 0-16,-1 1 15,1-25 1,0 0 0,0 0-16,0 0 15,-1 0-15,1-25 16,0 1-16,0 24 15,24-24-15,-24 24 16</inkml:trace>
+          <inkml:trace contextRef="#ctx0" brushRef="#br1" timeOffset="38212.5653">4674 1865 0,'-25'0'94,"1"24"-94,0-24 16,24 24-16,-24 0 15,24 1-15,-24-1 16,24 0-1,0 0-15,0 0 16,24-24 15,0 0-31,0 0 16,0 0-16,1 0 16,-1-24-16,0 24 15,0-24-15,0 0 16,-24 0-16,25-1 0,-25 1 31,0 0-31,0 0 16,0 48 46,-25-24-62,25 24 16,0 0-16,0 1 15,0-1-15,0 0 16,0 0 0,25 25-1,-1-49 1,0 0 0</inkml:trace>
+          <inkml:trace contextRef="#ctx0" brushRef="#br1" timeOffset="38849.1245">4916 1937 0,'24'0'62,"-24"-24"-62,24 24 16,-24-24-1,24 24-15,0-24 16,1 24 31,-25 24-32,0 0 1,0 0-16,0 1 16,0 23 15,0-24-31,0-48 62,0 0-46,0 0 0,24 24-16,-24-25 15,24 25-15,-24-24 16,24 0 0,-24 0-16</inkml:trace>
+          <inkml:trace contextRef="#ctx0" brushRef="#br1" timeOffset="39726.9966">5157 1792 0,'25'0'62,"-1"0"-46,0 0 0,0 0-16,0 0 15</inkml:trace>
+          <inkml:trace contextRef="#ctx0" brushRef="#br1" timeOffset="39428.4949">5254 1502 0,'24'24'47,"-24"0"-32,0 1-15,0 23 0,0-24 16,0 0-16,0 25 15,0-1-15,0-24 16,0 25-16,0-25 0,0 0 16,0 24-1,0-23-15,0-1 16,0 0 0,25-24 15,-1 0-16,0 0 1,0-24 0</inkml:trace>
+          <inkml:trace contextRef="#ctx0" brushRef="#br1" timeOffset="40343.2368">5545 1865 0,'24'24'47,"0"-24"-32,0-24-15,0 24 16,0-24-16,-24-1 15,25 25 1,-50-24 15,-23 24-15,24 0-16,0 24 16,0-24-16,-1 25 0,25-1 15,-24 0-15,24 0 16,0 0-1,0 1 1,0-1-16,0 0 16,24 0-1,1-24 1,-1 0-16,0 0 16</inkml:trace>
+          <inkml:trace contextRef="#ctx0" brushRef="#br1" timeOffset="40905.6176">5811 1865 0,'48'-49'47,"-24"49"-16,0 25 1,-24-1-17,0 0-15,25 0 16,-25 0 0,0 1-1,0-1 1,0-48 31,0-1-32,24 1 1,-24 0-16,24 0 16,0 0-16,-24-1 15,24 25-15,-24-24 16,-24 24 15</inkml:trace>
+        </inkml:traceGroup>
+        <inkml:traceGroup>
+          <inkml:annotationXML>
+            <emma:emma xmlns:emma="http://www.w3.org/2003/04/emma" version="1.0">
+              <emma:interpretation id="{19F63859-3B69-4862-AD95-22DF367B80C5}" emma:medium="tactile" emma:mode="ink">
+                <msink:context xmlns:msink="http://schemas.microsoft.com/ink/2010/main" type="inkWord" rotatedBoundingBox="16891,7938 17639,7698 17833,8306 17085,8545"/>
+              </emma:interpretation>
+              <emma:one-of disjunction-type="recognition" id="oneOf5">
+                <emma:interpretation id="interp5" emma:lang="" emma:confidence="0">
+                  <emma:literal>s)</emma:literal>
+                </emma:interpretation>
+                <emma:interpretation id="interp6" emma:lang="" emma:confidence="0">
+                  <emma:literal>S )</emma:literal>
+                </emma:interpretation>
+                <emma:interpretation id="interp7" emma:lang="" emma:confidence="0">
+                  <emma:literal>s )</emma:literal>
+                </emma:interpretation>
+                <emma:interpretation id="interp8" emma:lang="" emma:confidence="0">
+                  <emma:literal>5 )</emma:literal>
+                </emma:interpretation>
+                <emma:interpretation id="interp9" emma:lang="" emma:confidence="0">
+                  <emma:literal>4 )</emma:literal>
+                </emma:interpretation>
+              </emma:one-of>
+            </emma:emma>
+          </inkml:annotationXML>
+          <inkml:trace contextRef="#ctx0" brushRef="#br1" timeOffset="41796.7962">6319 1744 0,'0'-24'47,"-25"24"0,1 0-32,24 24-15,-24-24 16,0 0-16,24 24 0,-24-24 16,24 24-1,-25 0-15,25 1 31,0-1-31,25 0 32,-1-24-17,0 0-15,0 0 16,0 24-16,1-24 16,-25 24 15,24-24-16,-24 25 32,0-1 16,0 0-48,-24-24 1,24 24-16,-49 0 31,25-24-15,0 0 0,0 0-16,-1-24 15,1 24 1,24-24-16,-24 24 0,0 0 15</inkml:trace>
+          <inkml:trace contextRef="#ctx0" brushRef="#br1" timeOffset="42599.0911">6681 1429 0,'25'49'47,"-1"-49"-32,-24 24-15,24 0 16,-24 0-16,24 1 16,-24-1-16,24 0 15,-24 0-15,0 24 16,25-23-16,-25-1 16,0 24-16,0-24 0,0 1 15,0 23 1,0-24-16,0 0 0,-25 1 15,1 23-15,24-24 16,-24-24-16,24 24 16,-24-24-16,24 25 15,-24-25 1,24-25 15</inkml:trace>
+        </inkml:traceGroup>
+      </inkml:traceGroup>
+    </inkml:traceGroup>
+  </inkml:traceGroup>
+</inkml:ink>
+</file>
+
+<file path=ppt/ink/ink90.xml><?xml version="1.0" encoding="utf-8"?>
 <inkml:ink xmlns:inkml="http://www.w3.org/2003/InkML">
   <inkml:definitions>
     <inkml:context xml:id="ctx0">
@@ -10851,7 +13248,7 @@
 </inkml:ink>
 </file>
 
-<file path=ppt/ink/ink78.xml><?xml version="1.0" encoding="utf-8"?>
+<file path=ppt/ink/ink91.xml><?xml version="1.0" encoding="utf-8"?>
 <inkml:ink xmlns:inkml="http://www.w3.org/2003/InkML">
   <inkml:definitions>
     <inkml:context xml:id="ctx0">
@@ -10892,7 +13289,7 @@
 </inkml:ink>
 </file>
 
-<file path=ppt/ink/ink79.xml><?xml version="1.0" encoding="utf-8"?>
+<file path=ppt/ink/ink92.xml><?xml version="1.0" encoding="utf-8"?>
 <inkml:ink xmlns:inkml="http://www.w3.org/2003/InkML">
   <inkml:definitions>
     <inkml:context xml:id="ctx0">
@@ -10933,148 +13330,7 @@
 </inkml:ink>
 </file>
 
-<file path=ppt/ink/ink8.xml><?xml version="1.0" encoding="utf-8"?>
-<inkml:ink xmlns:inkml="http://www.w3.org/2003/InkML">
-  <inkml:definitions>
-    <inkml:context xml:id="ctx0">
-      <inkml:inkSource xml:id="inkSrc0">
-        <inkml:traceFormat>
-          <inkml:channel name="X" type="integer" min="-1920" max="3840" units="cm"/>
-          <inkml:channel name="Y" type="integer" max="1080" units="cm"/>
-          <inkml:channel name="T" type="integer" max="2.14748E9" units="dev"/>
-        </inkml:traceFormat>
-        <inkml:channelProperties>
-          <inkml:channelProperty channel="X" name="resolution" value="109.29791" units="1/cm"/>
-          <inkml:channelProperty channel="Y" name="resolution" value="36.48649" units="1/cm"/>
-          <inkml:channelProperty channel="T" name="resolution" value="1" units="1/dev"/>
-        </inkml:channelProperties>
-      </inkml:inkSource>
-      <inkml:timestamp xml:id="ts0" timeString="2017-12-27T16:49:06.220"/>
-    </inkml:context>
-    <inkml:brush xml:id="br0">
-      <inkml:brushProperty name="width" value="0.05292" units="cm"/>
-      <inkml:brushProperty name="height" value="0.05292" units="cm"/>
-      <inkml:brushProperty name="color" value="#833C0B"/>
-      <inkml:brushProperty name="fitToCurve" value="1"/>
-    </inkml:brush>
-    <inkml:brush xml:id="br1">
-      <inkml:brushProperty name="width" value="0.05292" units="cm"/>
-      <inkml:brushProperty name="height" value="0.05292" units="cm"/>
-      <inkml:brushProperty name="color" value="#7F7F7F"/>
-      <inkml:brushProperty name="fitToCurve" value="1"/>
-    </inkml:brush>
-  </inkml:definitions>
-  <inkml:traceGroup>
-    <inkml:annotationXML>
-      <emma:emma xmlns:emma="http://www.w3.org/2003/04/emma" version="1.0">
-        <emma:interpretation id="{6F9D1DDE-B8CB-431B-9538-FF5613DB0BFE}" emma:medium="tactile" emma:mode="ink">
-          <msink:context xmlns:msink="http://schemas.microsoft.com/ink/2010/main" type="writingRegion" rotatedBoundingBox="21705,6966 25936,7404 25850,8231 21619,7793"/>
-        </emma:interpretation>
-      </emma:emma>
-    </inkml:annotationXML>
-    <inkml:traceGroup>
-      <inkml:annotationXML>
-        <emma:emma xmlns:emma="http://www.w3.org/2003/04/emma" version="1.0">
-          <emma:interpretation id="{504F1BEA-C7FA-46E2-8708-CB636D62FB01}" emma:medium="tactile" emma:mode="ink">
-            <msink:context xmlns:msink="http://schemas.microsoft.com/ink/2010/main" type="paragraph" rotatedBoundingBox="21705,6966 25936,7404 25850,8231 21619,7793" alignmentLevel="1"/>
-          </emma:interpretation>
-        </emma:emma>
-      </inkml:annotationXML>
-      <inkml:traceGroup>
-        <inkml:annotationXML>
-          <emma:emma xmlns:emma="http://www.w3.org/2003/04/emma" version="1.0">
-            <emma:interpretation id="{F9FCDA43-4346-4FD2-A151-C7B10F8D8F1E}" emma:medium="tactile" emma:mode="ink">
-              <msink:context xmlns:msink="http://schemas.microsoft.com/ink/2010/main" type="line" rotatedBoundingBox="21705,6966 25936,7404 25850,8231 21619,7793"/>
-            </emma:interpretation>
-          </emma:emma>
-        </inkml:annotationXML>
-        <inkml:traceGroup>
-          <inkml:annotationXML>
-            <emma:emma xmlns:emma="http://www.w3.org/2003/04/emma" version="1.0">
-              <emma:interpretation id="{14866BA3-3D62-494D-BCCF-211EA6D5C12C}" emma:medium="tactile" emma:mode="ink">
-                <msink:context xmlns:msink="http://schemas.microsoft.com/ink/2010/main" type="inkWord" rotatedBoundingBox="21679,7215 23367,7384 23331,7744 21643,7574"/>
-              </emma:interpretation>
-              <emma:one-of disjunction-type="recognition" id="oneOf0">
-                <emma:interpretation id="interp0" emma:lang="" emma:confidence="1">
-                  <emma:literal/>
-                </emma:interpretation>
-              </emma:one-of>
-            </emma:emma>
-          </inkml:annotationXML>
-          <inkml:trace contextRef="#ctx0" brushRef="#br0">16097-132 0,'-24'0'47,"0"0"-31,24 24-16,-24-24 15,24 24 1,-25 1-16,25-1 16,-24 0-1,24 0-15,0 0 16,-24 0-16,24 1 16,0-1-1,0 0 1,24-24-16,-24 24 15,24-24-15,1 0 16</inkml:trace>
-          <inkml:trace contextRef="#ctx0" brushRef="#br0" timeOffset="597.7311">16291-108 0,'0'24'63,"0"1"-32,0-1-31,-25-24 15,25 24-15,0 0 16,0 0-16,-24 0 16,24 1-1,0-1-15,0 0 16,0 0 0,24-24-1,1 0 1</inkml:trace>
-          <inkml:trace contextRef="#ctx0" brushRef="#br0" timeOffset="-3226.896">15783-180 0,'-25'0'266,"1"0"-219,0 0-16,0 0 16,24 24-32,-24-24 32,24 24-31,0 0 31,0 0 0,0 1-16,0-1 0,0 0 0,0 0 1,0 0 14,0 0 1,24-24-15,-24 25-17,0-1 16,24-24 1,-24 24-1,24-24-15,-24 24 15,24-24-16,1 0 64,-1 0 249,0 0-281,-24 24-16,24-24 0,0 0 0,1 0 1,-1 0-17,0 0 1,0 0-1,0 0-15,1 0 32,-1 0 15,0 0-32,0 0-15,0 0 16,0 0-1,1 0-15,-1 0 16,0 0 0,-24 25-1,24-25 1,0 0 0,1 0-16,-1 0 15,0 0-15,0 0 16,0 0-16,1 0 15,-1 0 17,0 0-32,0 0 15,0 0-15,1 0 16,-1 0 0,0 0-16,0 0 15,0 0 1,0 0-1,1 0 1,-1 0 0,0 0-1,0 0 1,0 0-16,1 0 16,-1 0-1,0 0-15,0 0 16,0 0-1,1 0-15,-1 0 16,0 0-16,0 0 16,0 0-1,1 0 17,-1 0-1,0 0-31,0 0 15,0 0 1,0 0 0,1 0 31,-1 0-32,0 0 1,0 0 15,0 0 47,1 0 0,-1 0-46</inkml:trace>
-          <inkml:trace contextRef="#ctx0" brushRef="#br0" timeOffset="-698.9574">15831-108 0,'-24'24'250,"24"1"-234,0-1 0,0 0-1,0 0 1,0 0 0,0 0-1,0 1 1,0-1-1,0 0 1,0 0 0</inkml:trace>
-          <inkml:trace contextRef="#ctx0" brushRef="#br0" timeOffset="1277.8286">16557-108 0,'-24'24'62,"24"1"-46,-25-1 0,25 0-16,-24 0 15,24 0 1,0 0-16,0 1 16,0-1-1,0 0 1,0 0 15,24-24-31,1 0 16,-1 0 15</inkml:trace>
-          <inkml:trace contextRef="#ctx0" brushRef="#br0" timeOffset="1864.8731">16750-59 0,'24'0'47,"-24"24"-16,-24 0-15,0 0 0,24 0-16,0 25 31,0-1 0,0-24-31,24-24 16,0 0-1</inkml:trace>
-          <inkml:trace contextRef="#ctx0" brushRef="#br0" timeOffset="2442.4544">16968-11 0,'0'24'47,"-24"0"-32,24 0-15,-24 1 16,24-1-1,0 0-15,-25 0 16,25 0 0,0 1-1,25-25 1,-1 24 0,0-24-1</inkml:trace>
-          <inkml:trace contextRef="#ctx0" brushRef="#br0" timeOffset="3014.4098">17186-35 0,'-25'24'62,"25"0"-62,0 0 16,0 0 0,0 1-1,0-1-15,0 0 16,0 0-16,0 0 15,0 1-15,0-1 16,25-24 0</inkml:trace>
-        </inkml:traceGroup>
-        <inkml:traceGroup>
-          <inkml:annotationXML>
-            <emma:emma xmlns:emma="http://www.w3.org/2003/04/emma" version="1.0">
-              <emma:interpretation id="{7D8B6FB5-C13B-46A1-BF81-28D2295E26A4}" emma:medium="tactile" emma:mode="ink">
-                <msink:context xmlns:msink="http://schemas.microsoft.com/ink/2010/main" type="inkWord" rotatedBoundingBox="23445,7168 25934,7426 25850,8231 23361,7973"/>
-              </emma:interpretation>
-              <emma:one-of disjunction-type="recognition" id="oneOf1">
-                <emma:interpretation id="interp1" emma:lang="" emma:confidence="1">
-                  <emma:literal/>
-                </emma:interpretation>
-              </emma:one-of>
-            </emma:emma>
-          </inkml:annotationXML>
-          <inkml:trace contextRef="#ctx0" brushRef="#br1" timeOffset="-15016.468">17428-132 0,'24'0'360,"-24"24"-32,-24-24-281,24 24-32,0 1 16,0-1 1,0 0-17,0 0 1,0 0 15,-25-24-31,25 24 16,0 1 15,0-1 0,0 0-15,0 0 15,0 0 0,0 1 1,0-1-17,0 0 1,0 0 15,0 0-15,0 1 15,0-1-15,0 0-1,0 0 1,0 0 15,0 1-15,0-1 15,0 0 0,0 0 1,0 0-17,25-24 16,-25 24-15,24-24 0,0 0-1,0 0 17</inkml:trace>
-          <inkml:trace contextRef="#ctx0" brushRef="#br1" timeOffset="13565.1337">17452 473 0,'-24'0'172,"48"0"31,0 0-172,0 0 47,0 0-47,1 0 1,-1 0 46,-24 24-63,24-24-15,0 0 47,0 0-31,0 0 15,1 0 0,-1 0-15,0 24 0,0-24 15,0 0 0,1 0-15,-1 0-1,0 0 1,-24 24 46,24-24-46,0 0 0,1 0-1,-1 0-15,-24 24 32,24-24-17,0 0 1,0 0-1,1 0 1,-1 0 0,0 0-16,0 0 15,0 0 32,0 0-16,1 0-15,-1 0-16,0 0 31,0 0 1,0 25-1,1-25-31,-1 0 15,0 0 32,0 0-31,0 0 0,1 0-1,-1 0 1,0 0 15,0 0-15,0 0-1,-24 24 1,25-24-16,-1 0 31,0 0-15,0 0-1,0 0 1,0 0 15,1 0 1,-1 0-1,0 0-16,0 0 1,-24 24 15,24-24 1,1 0-1,-1 0-16,0 0 1,0 0 15,0 0 32,1 0-48,-1 0-15,0 0 32,0-24 30,0 24-46,1 0 15,-1 0 16,0-24-31,0 24 15,0 0 31,-24-25-46,24 25 15,1 0 16,-25-24-47,24 24 16,0 0 46,-24-24-46,24 24 15,-24-24-15,24 24-16,1 0 15,-25-24 17,24 24-1,-24-24-16,24 24 48,0-25-32,0 25 32,1 0-48,-25-24-15,24 24 16,0 0 78,-24-24-79,24 24-15,0 0 32,1 0 30,-25-24-46,24 24-1,0 0 17,-24-24-1,24 24 0,0 0 0,-24-25-15,24 25 0,-24-24-1,25 24 1,-25-24 15,24 24 0,-24-24-15,24 24-16,-24-24 16,24 24-16,-24-25 31,24 25 31,-24-24-30,25 24 30,-25-24-62,24 0 31,-24 0 32,0-1 31,24 25-48,-24-24 220,24 24-235,-24-24-15</inkml:trace>
-        </inkml:traceGroup>
-        <inkml:traceGroup>
-          <inkml:annotationXML>
-            <emma:emma xmlns:emma="http://www.w3.org/2003/04/emma" version="1.0">
-              <emma:interpretation id="{36EBA346-AAA2-4952-9D37-0C11CDD899C0}" emma:medium="tactile" emma:mode="ink">
-                <msink:context xmlns:msink="http://schemas.microsoft.com/ink/2010/main" type="inkWord" rotatedBoundingBox="23448,7859 23876,7903 23866,8002 23438,7957"/>
-              </emma:interpretation>
-              <emma:one-of disjunction-type="recognition" id="oneOf2">
-                <emma:interpretation id="interp2" emma:lang="" emma:confidence="0">
-                  <emma:literal>r</emma:literal>
-                </emma:interpretation>
-                <emma:interpretation id="interp3" emma:lang="" emma:confidence="0">
-                  <emma:literal>-</emma:literal>
-                </emma:interpretation>
-                <emma:interpretation id="interp4" emma:lang="" emma:confidence="0">
-                  <emma:literal>_</emma:literal>
-                </emma:interpretation>
-                <emma:interpretation id="interp5" emma:lang="" emma:confidence="0">
-                  <emma:literal>R</emma:literal>
-                </emma:interpretation>
-                <emma:interpretation id="interp6" emma:lang="" emma:confidence="0">
-                  <emma:literal>c</emma:literal>
-                </emma:interpretation>
-              </emma:one-of>
-            </emma:emma>
-          </inkml:annotationXML>
-          <inkml:trace contextRef="#ctx0" brushRef="#br1" timeOffset="15215.5913">17428 545 0,'0'-24'16,"48"24"109,-24-24-110,0 24 1,1 0 0,-1 0 15,0 0-16,-48 0 79,0 0-78,-1 0-1,1 0 1,24-24 15,-24 24 47,0 0-46,48 0 15,0 0-32,0 0-15,1 0 0,-1 0 16,0 0-16,0 0 15,0 0 1,0 0 15,1 0-15,-1 24 0,0-24-16,0 0 15,25 0-15,-25 0 16,0 0-16</inkml:trace>
-        </inkml:traceGroup>
-        <inkml:traceGroup>
-          <inkml:annotationXML>
-            <emma:emma xmlns:emma="http://www.w3.org/2003/04/emma" version="1.0">
-              <emma:interpretation id="{3819D089-D36D-4E99-BA8F-6E911CE9C97A}" emma:medium="tactile" emma:mode="ink">
-                <msink:context xmlns:msink="http://schemas.microsoft.com/ink/2010/main" type="inkWord" rotatedBoundingBox="23641,7166 25917,7403 25835,8201 23558,7965"/>
-              </emma:interpretation>
-              <emma:one-of disjunction-type="recognition" id="oneOf3">
-                <emma:interpretation id="interp7" emma:lang="" emma:confidence="1">
-                  <emma:literal/>
-                </emma:interpretation>
-              </emma:one-of>
-            </emma:emma>
-          </inkml:annotationXML>
-          <inkml:trace contextRef="#ctx0" brushRef="#br1" timeOffset="-18053.5627">17549 521 0,'24'0'203,"0"0"-187,0 0-1,-24 24-15,24-24 16,0 0 0,1 0-1,-1 0 1,0 0 0,0 0-1,0 0-15,1 0 16,-1 0-1,0 0-15,0 0 16,0 0 0,1 24-16,-1-24 15,0 0 1,0 0 0,0 0-16,1 0 15,-1 25 1,0-25-1,0 0 1,0 0-16,0 24 16,1-24-16,-1 0 15,0 0 1,0 0-16,0 0 0,1 0 16,-1 0-1,0 0 1,0 0-1,0 0-15,1 0 16,-1 0-16,0 0 16,0 0-16,0 0 31,1 0-15,-1 0-16,0 0 15,0 0-15,0 0 16,0 0-16,1 0 15,-1 0 1,0 0 15,0 0-31,0 0 16,1 0-16,-1 0 16,0-24-16,0 24 15,0 0 16,1 0-15,-1 0 0,0 0-1,0 0-15,0 0 16,1 0 0,-25-25-1,24 25 1,0 0 15,0 0 0,-24-24-31,24 24 16,0-24 0,1 24-1,-1-24 1,0 24-1,0 0 1,-24-24-16,24 24 31,1 0-15,-25-24-16,24 24 16,0 0-1,0 0 1,-24-25-16,24 25 15,1 0 1,-25-24 0,24 24-16,0 0 15,-24-24 1,24 24-16,0 0 16,-24-24-16,25 24 15,-1 0 1,-24-24-1,24 24 1,0-25 0,0 25-1,0-24 17,1 24-17,-25-24-15,24 24 16,-24-24-1,24 24 1,0-24 0,0-1-1,1 1 17,-25 0-1,24 24-31,-24-24 47,24 0-16,-24-1 31,0 1-15,0 0 16,0 0 15,-24 24-31</inkml:trace>
-        </inkml:traceGroup>
-      </inkml:traceGroup>
-    </inkml:traceGroup>
-  </inkml:traceGroup>
-</inkml:ink>
-</file>
-
-<file path=ppt/ink/ink80.xml><?xml version="1.0" encoding="utf-8"?>
+<file path=ppt/ink/ink93.xml><?xml version="1.0" encoding="utf-8"?>
 <inkml:ink xmlns:inkml="http://www.w3.org/2003/InkML">
   <inkml:definitions/>
   <inkml:traceGroup>
@@ -11089,7 +13345,7 @@
 </inkml:ink>
 </file>
 
-<file path=ppt/ink/ink81.xml><?xml version="1.0" encoding="utf-8"?>
+<file path=ppt/ink/ink94.xml><?xml version="1.0" encoding="utf-8"?>
 <inkml:ink xmlns:inkml="http://www.w3.org/2003/InkML">
   <inkml:definitions>
     <inkml:context xml:id="ctx0">
@@ -11152,16 +13408,16 @@
             </emma:emma>
           </inkml:annotationXML>
           <inkml:trace contextRef="#ctx0" brushRef="#br0">339 460 0,'0'24'94,"0"0"-94,0 0 16,0 1-16,0-1 15,0 0-15,24 0 0,-24 0 16,0 1-16,24-25 15,0 24 1,1-24-16,-1 0 16,0 0-16,0-24 15,0 24-15,25-25 16,-25 1 0,0 0-16,-24 0 15,0 0-15,0-1 16,0 1-1,0 0 1,0 0 0</inkml:trace>
-          <inkml:trace contextRef="#ctx0" brushRef="#br0" timeOffset="1042.5831">750 436 0,'24'0'78,"0"0"-78,1 0 16,-1 0-16,0-24 15,0 24-15,0 0 16,1 0-16</inkml:trace>
+          <inkml:trace contextRef="#ctx0" brushRef="#br0" timeOffset="1042.5829">750 436 0,'24'0'78,"0"0"-78,1 0 16,-1 0-16,0-24 15,0 24-15,0 0 16,1 0-16</inkml:trace>
           <inkml:trace contextRef="#ctx0" brushRef="#br0" timeOffset="727.9063">895 121 0,'0'24'62,"0"1"-46,0-1-16,0 24 15,-24-24-15,24 1 16,0-1-16,0 24 16,0-24-16,0 25 0,0-25 15,0 24 1,0-24-16,0 1 0,0-1 15,0 0-15,0 0 16,0 0 0,0 1 15,0-1 0,24-24-15,0 0-1,1 0-15,-1-24 16,0 24 0</inkml:trace>
           <inkml:trace contextRef="#ctx0" brushRef="#br0" timeOffset="-2091.296">-72 49 0,'0'24'93,"0"0"-77,24 0-16,-24 25 16,0-25-16,0 24 15,0-24-15,0 25 0,0-1 16,0-24-16,24 25 16,-24-1-16,0-24 15,0 25-15,0-25 16,0 0-16,0 0 15,24 0-15,-24 1 16,0-1 0,0-48 62</inkml:trace>
           <inkml:trace contextRef="#ctx0" brushRef="#br0" timeOffset="-1160.7031">0 24 0,'24'0'63,"1"-24"-48,-1 24 1,0 0 0,0 0-16,0 0 15,0 0-15,1 0 16,-1 0 0,0 0-16,-24 24 15,24-24-15,-24 25 16,24-1-1,-24 0 1,0 0-16,0 0 16,0 1-1,0-1-15,-24 0 16,24 0 0,-24 0-16,0 1 31,0-25-16,-1 0 1,1 24 0,0-24-1,0 0 1,24 24-16,-24-24 16,0 0 15</inkml:trace>
-          <inkml:trace contextRef="#ctx0" brushRef="#br0" timeOffset="2114.7664">1065 387 0,'120'-24'46,"-95"24"-46,-1 0 16,0 0 0,0 0-1,0-24-15</inkml:trace>
+          <inkml:trace contextRef="#ctx0" brushRef="#br0" timeOffset="2114.7662">1065 387 0,'120'-24'46,"-95"24"-46,-1 0 16,0 0 0,0 0-1,0-24-15</inkml:trace>
           <inkml:trace contextRef="#ctx0" brushRef="#br0" timeOffset="1755.0052">1161 121 0,'49'0'62,"-49"24"-46,0 1-1,0-1-15,0 0 16,0 0-16,0 0 16,0 25-16,0-25 15,0 24-15,-25-23 16,25-1-16,0 24 15,0-24-15,0 0 16,0 1-16,0-1 16,0 0-1,0 0 1,0 0 15,25-24-31,-1 0 31,-24 25-31,24-25 16,0 0 0,0 0 15</inkml:trace>
           <inkml:trace contextRef="#ctx0" brushRef="#br0" timeOffset="3082.4125">1597 266 0,'48'-24'47,"-48"0"-47</inkml:trace>
           <inkml:trace contextRef="#ctx0" brushRef="#br0" timeOffset="2738.5332">1573 460 0,'24'0'47,"-24"24"-47,24 0 16,-24 0-1,0 1-15,0-1 16,0 0-16,0 0 15,0 0-15,0 1 16,0-1 0</inkml:trace>
           <inkml:trace contextRef="#ctx0" brushRef="#br0" timeOffset="3938.6387">1814 412 0,'0'24'62,"0"0"-62,0 0 16,0 0 0,0 0-16,25 1 15,-25-1-15,0 0 16,0 0-16,0 0 15,24-24 48,-24-24-47,24 24-1,-24-24-15,24 24 16,-24-24-16,24 0 15,-24-1 1,25 25 0,-25-24-16,24 0 15,0 24 17,-24 24 14,0 0-30,24 1 0,-24-1-1,0 0-15,0 0 16,0 0 0,0 1-1,0-1-15,0 0 16</inkml:trace>
-          <inkml:trace contextRef="#ctx0" brushRef="#br0" timeOffset="4876.2487">2371 412 0,'-49'24'47,"25"0"-31,0 0-16,0 0 15,0 0-15,-1 1 16,25-1-16,0 0 0,0 0 15,0 0 1,25-24 0,-1 0-16,24 0 15,-24 0-15,25 0 16,23-24 15,-47 24-31,-25-24 0,24 0 16,-24 0-1,0-1-15,24 1 16,-24 0 0,-24 24 46,24 24-62,-24-24 16,24 24-16,0 1 15,0-1-15,0 0 16,0 0-16,-25 25 16,25-25-16,0 0 15,0 0-15,0 0 16,0 1-16,0-1 16,0 0-16,0 0 15,0 0-15,-24 1 0,24 23 31,-24-48-31,0 24 0,24 0 16,-24 0-16,-1 1 16,1-25-16,24 24 15,-24-24-15,0 24 16,0-24-16,-1 0 16,1 0 15,24-24-31,-24 0 15,24-1-15,0 1 16,0 0-16,0 0 0,0 0 16</inkml:trace>
+          <inkml:trace contextRef="#ctx0" brushRef="#br0" timeOffset="4876.2486">2371 412 0,'-49'24'47,"25"0"-31,0 0-16,0 0 15,0 0-15,-1 1 16,25-1-16,0 0 0,0 0 15,0 0 1,25-24 0,-1 0-16,24 0 15,-24 0-15,25 0 16,23-24 15,-47 24-31,-25-24 0,24 0 16,-24 0-1,0-1-15,24 1 16,-24 0 0,-24 24 46,24 24-62,-24-24 16,24 24-16,0 1 15,0-1-15,0 0 16,0 0-16,-25 25 16,25-25-16,0 0 15,0 0-15,0 0 16,0 1-16,0-1 16,0 0-16,0 0 15,0 0-15,-24 1 0,24 23 31,-24-48-31,0 24 0,24 0 16,-24 0-16,-1 1 16,1-25-16,24 24 15,-24-24-15,0 24 16,0-24-16,-1 0 16,1 0 15,24-24-31,-24 0 15,24-1-15,0 1 16,0 0-16,0 0 0,0 0 16</inkml:trace>
         </inkml:traceGroup>
         <inkml:traceGroup>
           <inkml:annotationXML>
@@ -11258,7 +13514,7 @@
           <inkml:trace contextRef="#ctx0" brushRef="#br0" timeOffset="11520.3005">1427 1428 0,'0'-25'62,"25"25"-46,-1 0 0,0 0-1,0 0-15,0 0 16,1 0 0,-1 0-16</inkml:trace>
           <inkml:trace contextRef="#ctx0" brushRef="#br0" timeOffset="11106.2506">1452 1186 0,'24'0'47,"-24"24"-31,0 0-1,0 24-15,0-23 16,0 23-16,0 0 15,0 1-15,0-1 16,0 0-16,0-23 16,0 23-16,0-24 15,0 25-15,0-25 16,0 0-16,24-24 62,49-24 1</inkml:trace>
           <inkml:trace contextRef="#ctx0" brushRef="#br0" timeOffset="12165.7735">1790 1452 0,'-24'96'63,"24"-71"-48,0-1-15,0 0 0,0 0 32,0 0-32,0 1 15,24-25 17,0 0-17,1 0-15,-1-25 16,0 1-16,0 0 15,0 24-15,-24-24 16,0 0 0,0-1-1,-24 1 1,24 0-16,-24 0 16,0 0-16</inkml:trace>
-          <inkml:trace contextRef="#ctx0" brushRef="#br0" timeOffset="13140.0176">2153 1500 0,'-24'97'62,"0"-97"-62,24 24 0,0 0 16,0 0 15,48-24 16,-24 0-31,0 0-1,1-24-15,-1 0 16,0 0-1,0 0-15,0-1 16,-48 25 47,0 0-32,0 0-16,24 25 1,-24-1-16,24 0 16,0 0-16,-25 0 15,25 1-15,0-1 16,0 0-16,0 0 16,0 0-16,0 1 15,0-1-15,0 0 16,0 0-16,0 0 15,0 1 1,0-1-16,0 0 16,-24 0-1,24 0-15,-24 0 16,24 1-16,-24-25 16,24 24-1,-24-24 1,0 0-1,-1 0 1,1-24 0,0-1-1,24-47 1,0 48 0,0 0-16</inkml:trace>
+          <inkml:trace contextRef="#ctx0" brushRef="#br0" timeOffset="13140.0175">2153 1500 0,'-24'97'62,"0"-97"-62,24 24 0,0 0 16,0 0 15,48-24 16,-24 0-31,0 0-1,1-24-15,-1 0 16,0 0-1,0 0-15,0-1 16,-48 25 47,0 0-32,0 0-16,24 25 1,-24-1-16,24 0 16,0 0-16,-25 0 15,25 1-15,0-1 16,0 0-16,0 0 16,0 0-16,0 1 15,0-1-15,0 0 16,0 0-16,0 0 15,0 1 1,0-1-16,0 0 16,-24 0-1,24 0-15,-24 0 16,24 1-16,-24-25 16,24 24-1,-24-24 1,0 0-1,-1 0 1,1-24 0,0-1-1,24-47 1,0 48 0,0 0-16</inkml:trace>
           <inkml:trace contextRef="#ctx0" brushRef="#br0" timeOffset="13814.918">2443 1645 0,'121'-24'47,"-96"0"-31,-1 24-16,-24-24 15,24 24-15,-24-25 16,24 25 0,-24-24-16,-24 24 31,0 0-31,0 0 16,-1 0-16,1 0 15,0 0 1,24 24-16,-24-24 15,0 25-15,24-1 16,0 0-16,-25 0 16,25 0-16,0 1 15,0-1-15,0 0 16,0 0-16,25-24 16,-25 24-16,24-24 15,0 0-15,24 0 16,-23 0-16,-1 0 15,0 0-15</inkml:trace>
           <inkml:trace contextRef="#ctx0" brushRef="#br0" timeOffset="14690.8834">2806 1573 0,'97'0'47,"-73"0"-32,0 0-15,1 0 16,-1 0-16,0 0 15</inkml:trace>
           <inkml:trace contextRef="#ctx0" brushRef="#br0" timeOffset="14415.1969">2879 1210 0,'24'24'47,"-24"0"-31,0 0-16,0 25 15,0-25-15,0 24 0,0 1 16,0-1 0,0-24-16,0 25 0,0-25 15,0 0 1,0 24-16,0-23 0,0-1 16,0 0-16,0 0 15,0 0 1,0 1 31,24-25-47,0 24 47,1-24-32,-1-24-15,-24-1 16</inkml:trace>
@@ -11272,7 +13528,7 @@
 </inkml:ink>
 </file>
 
-<file path=ppt/ink/ink82.xml><?xml version="1.0" encoding="utf-8"?>
+<file path=ppt/ink/ink95.xml><?xml version="1.0" encoding="utf-8"?>
 <inkml:ink xmlns:inkml="http://www.w3.org/2003/InkML">
   <inkml:definitions>
     <inkml:context xml:id="ctx0">
@@ -11353,8 +13609,8 @@
             </emma:emma>
           </inkml:annotationXML>
           <inkml:trace contextRef="#ctx0" brushRef="#br0" timeOffset="3255.5967">729-774 0,'0'24'94,"0"24"-78,0-24-1,0 1-15,24-1 0,0 0 31,0-24-31,1 0 16,-1 0 0,0 0-1,0-24 1,-24 0 0,24-1-16,-24 1 15,0 0-15,0 0 16,0 0-16</inkml:trace>
-          <inkml:trace contextRef="#ctx0" brushRef="#br0" timeOffset="4244.7003">1213-847 0,'-49'0'47,"25"0"-16,24 24-15,-24 0 15,24 1 0,0-1-15,24-24 0,0 0-1,0 24 1,1-24 15,-1 24 32,0 0-32,-24 1 0,0-1 0,0 0 1,-24-24-17,0 0 1,-1 24-16,1-24 16,0 0-16,0 0 15,24-24 32</inkml:trace>
-          <inkml:trace contextRef="#ctx0" brushRef="#br0" timeOffset="5976.5757">1648-871 0,'0'24'47,"-24"-24"-47,24 24 16,0 0-16,-24 1 15,24-1 1,0 0 0,-25 0-1,25 0 1,0 1-1,0-1 17,25-24-17,-1 0-15,0 0 16,0-24 0,-24-1-16,24 1 15,1-24-15,-1-1 16,-24 1-16,24 24 15,-24-24-15,0 23 16,0 1-16,0 0 16,0 0-16,0 0 15,0-1 1,0 1-16,0 0 16,0 0-16,0 0 15,0-1-15,0 1 16,-24 24 62,24 24-62,0 1-1,0-1-15,0 0 16,0 24-16,0-23 15,-24 23-15,24-24 16,0 25-16,0-25 16,0 24-16,0-24 15,0 25-15,0-25 0,0 0 16,0 0 0,0 0-16,0 1 0,24-1 15,-24 0 1,48-24-1,-48-24 1</inkml:trace>
+          <inkml:trace contextRef="#ctx0" brushRef="#br0" timeOffset="4244.7002">1213-847 0,'-49'0'47,"25"0"-16,24 24-15,-24 0 15,24 1 0,0-1-15,24-24 0,0 0-1,0 24 1,1-24 15,-1 24 32,0 0-32,-24 1 0,0-1 0,0 0 1,-24-24-17,0 0 1,-1 24-16,1-24 16,0 0-16,0 0 15,24-24 32</inkml:trace>
+          <inkml:trace contextRef="#ctx0" brushRef="#br0" timeOffset="5976.5756">1648-871 0,'0'24'47,"-24"-24"-47,24 24 16,0 0-16,-24 1 15,24-1 1,0 0 0,-25 0-1,25 0 1,0 1-1,0-1 17,25-24-17,-1 0-15,0 0 16,0-24 0,-24-1-16,24 1 15,1-24-15,-1-1 16,-24 1-16,24 24 15,-24-24-15,0 23 16,0 1-16,0 0 16,0 0-16,0 0 15,0-1 1,0 1-16,0 0 16,0 0-16,0 0 15,0-1-15,0 1 16,-24 24 62,24 24-62,0 1-1,0-1-15,0 0 16,0 24-16,0-23 15,-24 23-15,24-24 16,0 25-16,0-25 16,0 24-16,0-24 15,0 25-15,0-25 0,0 0 16,0 0 0,0 0-16,0 1 0,24-1 15,-24 0 1,48-24-1,-48-24 1</inkml:trace>
           <inkml:trace contextRef="#ctx0" brushRef="#br0" timeOffset="5000.031">1382-774 0,'24'0'47,"0"0"-31,-24-25-16,25 25 15,-1-24 1,-24 0 15,-24 0 0,-1 24-15,1 0 0,0 0-1,0 0 1,24 24 15,-24-24-15,24 24-16,0 0 15,0 1-15,0-1 16,0 0-16,0 0 16,0 0-1,0 1-15,24-1 16,48-24 31,-47 0-47</inkml:trace>
         </inkml:traceGroup>
         <inkml:traceGroup>
@@ -11392,7 +13648,7 @@
 </inkml:ink>
 </file>
 
-<file path=ppt/ink/ink83.xml><?xml version="1.0" encoding="utf-8"?>
+<file path=ppt/ink/ink96.xml><?xml version="1.0" encoding="utf-8"?>
 <inkml:ink xmlns:inkml="http://www.w3.org/2003/InkML">
   <inkml:definitions>
     <inkml:context xml:id="ctx0">
@@ -11435,7 +13691,7 @@
 </inkml:ink>
 </file>
 
-<file path=ppt/ink/ink84.xml><?xml version="1.0" encoding="utf-8"?>
+<file path=ppt/ink/ink97.xml><?xml version="1.0" encoding="utf-8"?>
 <inkml:ink xmlns:inkml="http://www.w3.org/2003/InkML">
   <inkml:definitions>
     <inkml:context xml:id="ctx0">
@@ -11499,16 +13755,16 @@
           <inkml:trace contextRef="#ctx0" brushRef="#br0" timeOffset="793.7857">2471 72 0,'0'25'47,"24"-25"-31,0 0-1,0 24 1,0-24-16,0 0 16,1 0-16,-1 24 15</inkml:trace>
           <inkml:trace contextRef="#ctx0" brushRef="#br0" timeOffset="2795.9781">2471 774 0,'72'0'46,"-48"0"-30,0 24 0,1-24-1</inkml:trace>
           <inkml:trace contextRef="#ctx0" brushRef="#br0" timeOffset="1087.5567">2543 217 0,'24'25'47,"0"-1"-31,1-24 0,-1 0-16,0 0 15</inkml:trace>
-          <inkml:trace contextRef="#ctx0" brushRef="#br0" timeOffset="1365.3241">2543 217 0,'24'73'15,"97"-49"17,-121 0-32,24-24 15,1 25 1</inkml:trace>
+          <inkml:trace contextRef="#ctx0" brushRef="#br0" timeOffset="1365.3239">2543 217 0,'24'73'15,"97"-49"17,-121 0-32,24-24 15,1 25 1</inkml:trace>
           <inkml:trace contextRef="#ctx0" brushRef="#br0" timeOffset="2519.1345">2567 605 0,'-48'96'16,"72"-96"31,0 24-32,0-24 1,1 0-1,-1 0-15,0 0 16</inkml:trace>
           <inkml:trace contextRef="#ctx0" brushRef="#br0" timeOffset="1941.5652">2616 411 0,'-25'97'0,"25"-73"63,25 0-16,-1-24-47,0 0 31,0 0-31,0 0 16</inkml:trace>
-          <inkml:trace contextRef="#ctx0" brushRef="#br0" timeOffset="1625.5649">2616 411 0,'0'24'47,"24"-24"-32,0 24 16</inkml:trace>
+          <inkml:trace contextRef="#ctx0" brushRef="#br0" timeOffset="1625.5647">2616 411 0,'0'24'47,"24"-24"-32,0 24 16</inkml:trace>
           <inkml:trace contextRef="#ctx0" brushRef="#br0" timeOffset="2226.6727">2567 605 0,'49'0'47,"-25"0"-31,0 0 0,0 0 15</inkml:trace>
           <inkml:trace contextRef="#ctx0" brushRef="#br0" timeOffset="3134.0871">2471 774 0,'-73'121'0,"73"-97"63,24-24-63,0 0 15,1 0 1,-1 0-16,0 0 15,0 0-15,0 0 16</inkml:trace>
           <inkml:trace contextRef="#ctx0" brushRef="#br0" timeOffset="3410.6576">2374 943 0,'48'24'62,"-24"-24"-46,1 0-16,-1 0 16</inkml:trace>
           <inkml:trace contextRef="#ctx0" brushRef="#br0" timeOffset="3757.3827">2229 1113 0,'24'0'63,"0"0"-63,0 0 15,0 24-15,1-24 16,-1 0-16,0 0 15,0 0 1</inkml:trace>
-          <inkml:trace contextRef="#ctx0" brushRef="#br0" timeOffset="4041.6284">2204 1161 0,'25'24'62,"-1"-24"-46,0 0-16,0 0 16,0 0-1</inkml:trace>
-          <inkml:trace contextRef="#ctx0" brushRef="#br0" timeOffset="4371.4673">2204 1161 0,'-96'48'16,"96"-24"47,24-24-63,0 0 0,0 0 15,0 0-15,25 0 16,-25 0-16,0 0 15,0 0-15,-24-24 16</inkml:trace>
+          <inkml:trace contextRef="#ctx0" brushRef="#br0" timeOffset="4041.6283">2204 1161 0,'25'24'62,"-1"-24"-46,0 0-16,0 0 16,0 0-1</inkml:trace>
+          <inkml:trace contextRef="#ctx0" brushRef="#br0" timeOffset="4371.4672">2204 1161 0,'-96'48'16,"96"-24"47,24-24-63,0 0 0,0 0 15,0 0-15,25 0 16,-25 0-16,0 0 15,0 0-15,-24-24 16</inkml:trace>
         </inkml:traceGroup>
       </inkml:traceGroup>
     </inkml:traceGroup>
@@ -11516,7 +13772,7 @@
 </inkml:ink>
 </file>
 
-<file path=ppt/ink/ink85.xml><?xml version="1.0" encoding="utf-8"?>
+<file path=ppt/ink/ink98.xml><?xml version="1.0" encoding="utf-8"?>
 <inkml:ink xmlns:inkml="http://www.w3.org/2003/InkML">
   <inkml:definitions>
     <inkml:context xml:id="ctx0">
@@ -11619,11 +13875,11 @@
           <inkml:trace contextRef="#ctx0" brushRef="#br3" timeOffset="11310.5625">1817 363 0,'0'24'406,"25"-24"-375,-25 24-15,24-24 0,-24 24 30,0 0-14,0 1 46,0-50 219,-24 25-250,-1 0-16,25-24-16,0 0 17,0 0 46,-24 24-63,24-24 17,0-1 30,0 50 48,0-1-79,0 0 0,-24 0-15,24 0 15,0 1 78,-24-25-77,24 24 30,24-24 110,0 0-141,0 0 0,-24-24-31</inkml:trace>
           <inkml:trace contextRef="#ctx0" brushRef="#br3" timeOffset="11865.9415">1842 459 0,'-49'0'62,"49"25"-46,-24-25-1,0 0 126,0 24-125,48-24 77,0 0-77,-24-24 0,24 24-16,0 0 31</inkml:trace>
           <inkml:trace contextRef="#ctx0" brushRef="#br0" timeOffset="-8631.1741">51 145 0,'25'0'219,"-1"0"-188,0 0-15,0 24 31,0-24-16,1 0 0,-1 0 0,-24 24-31,24-24 16,0 0 15,0 0-15,-24 24-1,25-24-15,-1 0 32,0 0-17,0 0 1,-24 25-16,24-25 16,1 0 15,-25 24-16,24-24-15,0 0 16,0 0 0,0 0-1,-24 24 1,24-24-16,1 0 31,-1 0-15,0 24-1,0-24 1,0 0 0,1 0-16,-1 0 15,0 0 1,0 0 0,0 0-1,-24 24 1,25-24-16,-1 0 15,0 0 1,0 0-16,0 0 16,1 0-16,-1 25 15,0-25 1,0 0-16,0 0 31,0 0-15,1 0-1,-1 0-15,0 0 16,0 0 0,0 0-16,1 0 15,-1 0 1,0 0 15,0 24-31,0-24 16,1 0-1,-1 0-15,0 0 0,0 0 16,0 0 0,1 0-16,-1 0 15,0 0 1,0 0 15,0 24-15,0-24-1,1 0-15,-1 0 16,0 0 0,-24 24-1,24-24-15,0 0 32,1 0-1,-1 0 0,-24 24-15,24-24-1,0 0 32,0 0 109,-24 25-140</inkml:trace>
-          <inkml:trace contextRef="#ctx0" brushRef="#br0" timeOffset="-5700.9718">27 24 0,'-24'0'156,"24"-24"-140,0 48 187,24 0-187,-24 0-1,24-24-15,1 25 16,-25-1 0,24 0-1,-24 0 1,0 0 0,0 0 15,24-24-16,-24 25 1,24-25 0,0 0-1</inkml:trace>
+          <inkml:trace contextRef="#ctx0" brushRef="#br0" timeOffset="-5700.9716">27 24 0,'-24'0'156,"24"-24"-140,0 48 187,24 0-187,-24 0-1,24-24-15,1 25 16,-25-1 0,24 0-1,-24 0 1,0 0 0,0 0 15,24-24-16,-24 25 1,24-25 0,0 0-1</inkml:trace>
           <inkml:trace contextRef="#ctx0" brushRef="#br0" timeOffset="-4133.1639">76-49 0,'24'25'204,"0"-25"-189,0 0 1,0 0 31,1 0-32,-1 0 1,0 0 0,-24 24-1,24-24 63,0 0-78,1 0 16,-25 24 0,24-24 46,0 0-31,0 24 1,0-24-1,1 0 16,-25 24 62,0 1-62,0-1-31,24 0-1,-24 0 1,0 0-1,24-24 1,-24 24 0,0 1-16,24-25 31,-24 24-31</inkml:trace>
           <inkml:trace contextRef="#ctx0" brushRef="#br0" timeOffset="-3359.0986">148 0 0,'0'24'78,"24"0"-62,-24 0-1,25-24 1,-25 25-16,0-1 0,24-24 16,-24 24-16,24 0 15,-24 0 1,24-24-1</inkml:trace>
           <inkml:trace contextRef="#ctx0" brushRef="#br0" timeOffset="-2932.9644">293 24 0,'25'48'63,"-25"-23"-63,0-1 15,24-24-15,-24 24 16,0 0 0,0 0-1,24-24 1</inkml:trace>
-          <inkml:trace contextRef="#ctx0" brushRef="#br0" timeOffset="-515.4624">100 217 0,'24'0'47,"-48"0"78,24 25-94,-24-25-31,-1 0 47,25 24-32,-24-24 1,0 0 15,24 24-15,-24-24 31,24 24 47,24-24 249,0 0-311,-24 24-17,24-24 16,1 0-15,-1 0 0,0 0-1,0 0 32,-24 25-31,24-25-1,1 0 32,-25 24-15,24-24-32,0 0 15,0 0 1,0 0 78,1 0 93,-1 0-140,0 0-31,-24-24-16,24 24 15,0 0 1,-24-25-16,25 25 47,-25-24-32,24 24-15,0 0 16,-24-24 0,24 24-1,-24-24 48</inkml:trace>
+          <inkml:trace contextRef="#ctx0" brushRef="#br0" timeOffset="-515.4622">100 217 0,'24'0'47,"-48"0"78,24 25-94,-24-25-31,-1 0 47,25 24-32,-24-24 1,0 0 15,24 24-15,-24-24 31,24 24 47,24-24 249,0 0-311,-24 24-17,24-24 16,1 0-15,-1 0 0,0 0-1,0 0 32,-24 25-31,24-25-1,1 0 32,-25 24-15,24-24-32,0 0 15,0 0 1,0 0 78,1 0 93,-1 0-140,0 0-31,-24-24-16,24 24 15,0 0 1,-24-25-16,25 25 47,-25-24-32,24 24-15,0 0 16,-24-24 0,24 24-1,-24-24 48</inkml:trace>
         </inkml:traceGroup>
       </inkml:traceGroup>
     </inkml:traceGroup>
@@ -11656,7 +13912,7 @@
               </emma:one-of>
             </emma:emma>
           </inkml:annotationXML>
-          <inkml:trace contextRef="#ctx0" brushRef="#br4" timeOffset="33540.6797">2059 1282 0,'0'-24'63,"0"48"93,24-24-140,1 24-1,-25 0 1,24-24-16,-24 24 16,24-24-1,-24 25-15,24-25 0,-24 24 31,24-24-31,-24 24 0,25 0 16,-1-24-16,-24 24 16,0 1-16,24-25 15,-24 24-15,24-24 16,-24 24-16,24-24 16,-24 24-16,25 0 15,-25 1 1,24-1-1,-24 0 1,24-24-16,-24 24 0,24-24 16,-24 24-1,24-24 32,-48-24 16,0 0-48,0 24 1,24-24-16,-24 0 16,-1-1-1,25 1-15,-24 24 0,24-24 16,-24 0-16,0 24 15,24-24 1,0-1 0,-24 25-1,-1-24 1,25 0 0,-24 24-1,24-24 1,-24 24-1,24-24 17,0-1-17,-24 25-15,24-24 16,-24 24 15,24 24 110,0 1-141,24-25 0,-24 24 15,0 0-15,24 0 16,-24 0-16,24 1 16,-24-1-16,24 0 15,1 0 1,-25 0-16,0 1 16,24-25-16,-24 24 15,0 0 1,24-24-16,-24 24 15,0 0 1,24-24 15,-24 24-15,0-48 62,0 0-62,0 0-16,-24 0 15,24 0-15,-24-25 16,24 25-16,-24-24 16,24 23-16,0 1 15,-25 0-15,25 0 16,0 0-1,-24 24 1,24 24 109,0 0-109,24-24-16,-24 24 15,0 0-15,25 1 16,-25-1 0,24-24-16,-24 24 15,24-24-15,-24 24 16,24 0-1,-24 1 1,24-25-16,-24 24 16,0 0-1,0 0 1,25 0 0,-25 0 15,24-24 16,-24-24 31,-24 24-78,24-24 15,-25 24-15,25-24 16,0 0-16,-24 24 0,24-24 16,0-1-1,0 50 95,24-1-95,-24 0 1,25-24 0,-25 24-1,24-24 1,-24 24-16,24-24 15,-24 24 17,24-24 30,-24-24 16,-24 24-62,24-24-16,-24 0 16,0 0-1,24 0-15,0-1 16,0 1-16,-25 0 15,25 0-15,0 0 16,-24 24 0,24-25-1,-24 25 1,0 0 0,24-24-1,0 0 48</inkml:trace>
+          <inkml:trace contextRef="#ctx0" brushRef="#br4" timeOffset="33540.6795">2059 1282 0,'0'-24'63,"0"48"93,24-24-140,1 24-1,-25 0 1,24-24-16,-24 24 16,24-24-1,-24 25-15,24-25 0,-24 24 31,24-24-31,-24 24 0,25 0 16,-1-24-16,-24 24 16,0 1-16,24-25 15,-24 24-15,24-24 16,-24 24-16,24-24 16,-24 24-16,25 0 15,-25 1 1,24-1-1,-24 0 1,24-24-16,-24 24 0,24-24 16,-24 24-1,24-24 32,-48-24 16,0 0-48,0 24 1,24-24-16,-24 0 16,-1-1-1,25 1-15,-24 24 0,24-24 16,-24 0-16,0 24 15,24-24 1,0-1 0,-24 25-1,-1-24 1,25 0 0,-24 24-1,24-24 1,-24 24-1,24-24 17,0-1-17,-24 25-15,24-24 16,-24 24 15,24 24 110,0 1-141,24-25 0,-24 24 15,0 0-15,24 0 16,-24 0-16,24 1 16,-24-1-16,24 0 15,1 0 1,-25 0-16,0 1 16,24-25-16,-24 24 15,0 0 1,24-24-16,-24 24 15,0 0 1,24-24 15,-24 24-15,0-48 62,0 0-62,0 0-16,-24 0 15,24 0-15,-24-25 16,24 25-16,-24-24 16,24 23-16,0 1 15,-25 0-15,25 0 16,0 0-1,-24 24 1,24 24 109,0 0-109,24-24-16,-24 24 15,0 0-15,25 1 16,-25-1 0,24-24-16,-24 24 15,24-24-15,-24 24 16,24 0-1,-24 1 1,24-25-16,-24 24 16,0 0-1,0 0 1,25 0 0,-25 0 15,24-24 16,-24-24 31,-24 24-78,24-24 15,-25 24-15,25-24 16,0 0-16,-24 24 0,24-24 16,0-1-1,0 50 95,24-1-95,-24 0 1,25-24 0,-25 24-1,24-24 1,-24 24-16,24-24 15,-24 24 17,24-24 30,-24-24 16,-24 24-62,24-24-16,-24 0 16,0 0-1,24 0-15,0-1 16,0 1-16,-25 0 15,25 0-15,0 0 16,-24 24 0,24-25-1,-24 25 1,0 0 0,24-24-1,0 0 48</inkml:trace>
           <inkml:trace contextRef="#ctx0" brushRef="#br4" timeOffset="29940.3071">1600 1233 0,'-25'0'281,"1"0"-265,0 25-1,0-25 1,24 24-16,-24 0 16,0 0-1,-1 0-15,1 1 16,24-1-16,-24-24 15,24 24-15,-24 0 16,24 0-16,-24 1 0,-1-1 16,25 0-1,-24-24-15,24 24 16,-24 0 0,48-48 77,0 0-93,1 0 16,-1-25-16,0 25 16,0 0-16,0 24 15,1-24-15,-1 0 16,-24-1-16,24 25 0,-24-24 15,0 0 17,0 48 77,-24-24-109,0 24 16,-1 1-16,1 23 0,-24-24 15,24 0-15,-1 1 16,1-1-16,24 0 16,-24 0-16,24 0 15,-24-24 1,48-24 46,-24 0-62,24 0 16,0 0-16,1-1 16,-1-23-16,0 24 15,24 0-15,-23-1 0,-1 1 16,0 0-1,-24 0 1,24 24-16,-24-24 16,24-1-1,-24 1 17,24 24-32,-24-24 15,0 0 173,25 24-188,-50 0 93,25 24-93,-24-24 16,24 24-16,-24-24 16,24 24-16,-24-24 15,24 25-15,-24-25 16,24 24-16,-24-24 16,-1 0-16,25 24 15,-24-24-15,24 24 16,-24 0-1,0 1-15,0-1 32,-1 0-32,25 0 0,-24-24 15,0 24-15,24 1 16,-24-1-16,0-24 16,24 24-16,-25 0 15,1-24 1,24 24-16,24-48 78,-24 0-78,25 0 16,23 0-16,-24-1 15,25-23-15,-25 24 0,24 0 16,-48-1-1,24 25-15,-24-24 16,25 24 15,-1-24-15,-24 0 0,24 24-1,-48 0 32,0 24-31,-1 0-1,1-24-15,24 24 16</inkml:trace>
         </inkml:traceGroup>
       </inkml:traceGroup>
@@ -11691,13 +13947,13 @@
             </emma:emma>
           </inkml:annotationXML>
           <inkml:trace contextRef="#ctx0" brushRef="#br5" timeOffset="75342.108">197 1983 0,'-25'0'63,"1"0"-32,24 25-31,-24-25 16,24 24-16,-24 0 15,24 0 1,-24 0 0,24 1-1,0-1-15,0 0 16,24 0-1,0-24 1,-24 24 0,24-24-16,0 0 31,1 0-31,-1 0 16,0-24-1</inkml:trace>
-          <inkml:trace contextRef="#ctx0" brushRef="#br5" timeOffset="74660.9498">-45 1838 0,'24'0'47,"-24"-24"-32</inkml:trace>
+          <inkml:trace contextRef="#ctx0" brushRef="#br5" timeOffset="74660.9497">-45 1838 0,'24'0'47,"-24"-24"-32</inkml:trace>
           <inkml:trace contextRef="#ctx0" brushRef="#br5" timeOffset="73820.7587">-287 1741 0,'0'25'63,"0"-1"-63,0 0 16,0 0-1,0 0-15,0 1 16,0-1-16,0 0 15,0 24-15,0-23 16,0-1-16,0 0 16,0 0-16,0 0 15,0 1-15,0-1 16,0-48 62,0-1-78,0 1 16,0 0-16,0-24 15,0-1-15,24 1 16,-24 24-16,0-1 16,0-23-16,0 24 15,0 0-15,24-1 16,-24 1-1,0 0 1,0 0 0,24 24-1,1 0 17,-1 0-17,0 0 1,0 24 15,-24 0-15,0 0-1,0 1 1,0-1-16,0 0 16,0 0-1,-24 0 1,0-24-1,0 0 1,-1 0 0</inkml:trace>
           <inkml:trace contextRef="#ctx0" brushRef="#br5" timeOffset="74352.6411">-45 2008 0,'0'24'63,"0"0"-48,0 0 1,0 0 0,0 25 31</inkml:trace>
-          <inkml:trace contextRef="#ctx0" brushRef="#br5" timeOffset="76054.9827">342 1935 0,'0'-24'47,"0"48"156,0 0-203,0 0 16,0 1-16,0-1 0,0 0 16,0 0-16,0 0 15,0 1-15,0-1 16,0 24-16,0-24 15,0 0 1,0 1-16,24-25 16</inkml:trace>
+          <inkml:trace contextRef="#ctx0" brushRef="#br5" timeOffset="76054.9825">342 1935 0,'0'-24'47,"0"48"156,0 0-203,0 0 16,0 1-16,0-1 0,0 0 16,0 0-16,0 0 15,0 1-15,0-1 16,0 24-16,0-24 15,0 0 1,0 1-16,24-25 16</inkml:trace>
           <inkml:trace contextRef="#ctx0" brushRef="#br5" timeOffset="76611.1731">535 1911 0,'-24'24'62,"0"-24"-62,24 24 16,-24-24-16,24 24 0,-24-24 15,24 25-15,-25-25 32,25 24-32,0 0 47,0 0-32,0 0 1,0 1-1,25-1 1,-25 0 0,24-24-16,0 0 15,0 0 1,0 0 0,0 0-1</inkml:trace>
           <inkml:trace contextRef="#ctx0" brushRef="#br5" timeOffset="77045.1158">705 2080 0,'0'24'47,"0"1"-31,0-1-1,0 0 1,0 0-16,0 0 15</inkml:trace>
-          <inkml:trace contextRef="#ctx0" brushRef="#br5" timeOffset="77329.914">705 1911 0</inkml:trace>
+          <inkml:trace contextRef="#ctx0" brushRef="#br5" timeOffset="77329.9138">705 1911 0</inkml:trace>
           <inkml:trace contextRef="#ctx0" brushRef="#br5" timeOffset="78019.611">705 1911 0,'145'97'15,"-145"-25"32,0-48-31,0 1-1,0-1-15,0 0 16,0 0 0,24-24 15,0 0 0,0-24-31,25-49 31,-25 73 1,-24 25 61,0-1-77,0 0 0,0 0-1,0 0 1,24-24-1</inkml:trace>
           <inkml:trace contextRef="#ctx0" brushRef="#br5" timeOffset="78882.9281">1237 2032 0,'-49'48'62,"49"-24"-62,0 1 0,-24-1 16,24 0-16,0 0 16,0 0-1,0 0 1,24-24-1,1 0 1,23 0-16,-24-24 0,0 0 16,25 0-16,-25 0 15,0 0-15,-24-1 16,24 25-16,-24-24 16,0 0-1,-24 24 16,0 0 1,24 24-32,-24 0 15,24 1 1,0-1 0,0 0-16,0 0 15,0 0-15,0 0 16,0 1-16,0-1 0,0 0 15,0 0-15,0 0 16,0 1-16,0-1 16,0 0-1,0 0 1,-24-24-16,24 24 16,0 1-16,-25-25 15,25 24-15,-24-24 16,0 24-16,0 0 15,0-24-15,-1 0 32,1-24-1,24 0-15,0 0-16,0-1 15,0 1 1,0 0-16</inkml:trace>
         </inkml:traceGroup>
@@ -11766,7 +14022,7 @@
 </inkml:ink>
 </file>
 
-<file path=ppt/ink/ink86.xml><?xml version="1.0" encoding="utf-8"?>
+<file path=ppt/ink/ink99.xml><?xml version="1.0" encoding="utf-8"?>
 <inkml:ink xmlns:inkml="http://www.w3.org/2003/InkML">
   <inkml:definitions>
     <inkml:context xml:id="ctx0">
@@ -11833,1287 +14089,6 @@
         </inkml:traceGroup>
       </inkml:traceGroup>
     </inkml:traceGroup>
-  </inkml:traceGroup>
-</inkml:ink>
-</file>
-
-<file path=ppt/ink/ink87.xml><?xml version="1.0" encoding="utf-8"?>
-<inkml:ink xmlns:inkml="http://www.w3.org/2003/InkML">
-  <inkml:definitions>
-    <inkml:context xml:id="ctx0">
-      <inkml:inkSource xml:id="inkSrc0">
-        <inkml:traceFormat>
-          <inkml:channel name="X" type="integer" min="-1920" max="3840" units="cm"/>
-          <inkml:channel name="Y" type="integer" max="1080" units="cm"/>
-          <inkml:channel name="T" type="integer" max="2.14748E9" units="dev"/>
-        </inkml:traceFormat>
-        <inkml:channelProperties>
-          <inkml:channelProperty channel="X" name="resolution" value="109.29791" units="1/cm"/>
-          <inkml:channelProperty channel="Y" name="resolution" value="36.48649" units="1/cm"/>
-          <inkml:channelProperty channel="T" name="resolution" value="1" units="1/dev"/>
-        </inkml:channelProperties>
-      </inkml:inkSource>
-      <inkml:timestamp xml:id="ts0" timeString="2017-12-28T07:12:05.014"/>
-    </inkml:context>
-    <inkml:brush xml:id="br0">
-      <inkml:brushProperty name="width" value="0.07938" units="cm"/>
-      <inkml:brushProperty name="height" value="0.07938" units="cm"/>
-      <inkml:brushProperty name="color" value="#00B050"/>
-      <inkml:brushProperty name="fitToCurve" value="1"/>
-    </inkml:brush>
-    <inkml:brush xml:id="br1">
-      <inkml:brushProperty name="width" value="0.07938" units="cm"/>
-      <inkml:brushProperty name="height" value="0.07938" units="cm"/>
-      <inkml:brushProperty name="color" value="#FF0000"/>
-      <inkml:brushProperty name="fitToCurve" value="1"/>
-    </inkml:brush>
-  </inkml:definitions>
-  <inkml:traceGroup>
-    <inkml:annotationXML>
-      <emma:emma xmlns:emma="http://www.w3.org/2003/04/emma" version="1.0">
-        <emma:interpretation id="{1DF167AF-3185-4062-A02B-A337591C6F51}" emma:medium="tactile" emma:mode="ink">
-          <msink:context xmlns:msink="http://schemas.microsoft.com/ink/2010/main" type="writingRegion" rotatedBoundingBox="2787,8604 5842,8781 5790,9682 2735,9505"/>
-        </emma:interpretation>
-      </emma:emma>
-    </inkml:annotationXML>
-    <inkml:traceGroup>
-      <inkml:annotationXML>
-        <emma:emma xmlns:emma="http://www.w3.org/2003/04/emma" version="1.0">
-          <emma:interpretation id="{72A99161-24CD-446D-8A41-DCF4382E3437}" emma:medium="tactile" emma:mode="ink">
-            <msink:context xmlns:msink="http://schemas.microsoft.com/ink/2010/main" type="paragraph" rotatedBoundingBox="2787,8604 5842,8781 5790,9682 2735,9505" alignmentLevel="1"/>
-          </emma:interpretation>
-        </emma:emma>
-      </inkml:annotationXML>
-      <inkml:traceGroup>
-        <inkml:annotationXML>
-          <emma:emma xmlns:emma="http://www.w3.org/2003/04/emma" version="1.0">
-            <emma:interpretation id="{9C61036D-3ABC-473C-8743-D283C559A774}" emma:medium="tactile" emma:mode="ink">
-              <msink:context xmlns:msink="http://schemas.microsoft.com/ink/2010/main" type="line" rotatedBoundingBox="2787,8604 5842,8781 5790,9682 2735,9505"/>
-            </emma:interpretation>
-          </emma:emma>
-        </inkml:annotationXML>
-        <inkml:traceGroup>
-          <inkml:annotationXML>
-            <emma:emma xmlns:emma="http://www.w3.org/2003/04/emma" version="1.0">
-              <emma:interpretation id="{A7E7D6A8-EB8B-4397-97FA-D2309ABD53D3}" emma:medium="tactile" emma:mode="ink">
-                <msink:context xmlns:msink="http://schemas.microsoft.com/ink/2010/main" type="inkWord" rotatedBoundingBox="2770,8904 3445,8943 3420,9375 2745,9336"/>
-              </emma:interpretation>
-              <emma:one-of disjunction-type="recognition" id="oneOf0">
-                <emma:interpretation id="interp0" emma:lang="" emma:confidence="1">
-                  <emma:literal/>
-                </emma:interpretation>
-              </emma:one-of>
-            </emma:emma>
-          </inkml:annotationXML>
-          <inkml:trace contextRef="#ctx0" brushRef="#br0">-1137 1572 0,'24'0'94,"0"24"-79,-24 0 1,24 1 0,1-1-1,-25 0-15,24-24 16,-24 24-16,24-24 16,-24 24-1,24-24 16,0 0 63,1 0-78,-25-24-1,24 24-15,0-24 16,-24 0 0,24 24-16,0-24 15,0-1-15,-24 1 16,25 0-16,-25 0 16,24 24-16,-24-24 15,24-1 1</inkml:trace>
-          <inkml:trace contextRef="#ctx0" brushRef="#br0" timeOffset="-945.8765">-1403 1548 0,'0'-24'156,"0"-1"-140,24 1 0,0 0-1,-24 0 1,24 24 0,-24-24-16,24 24 15,-24-25-15,25 25 16,-25-24-1,24 24-15,0-24 32,0 24-17,-24-24-15,24 24 16,1 0 0,-1 0 30,0 0-30,0 0 0,0 0 15,1 0-15,-1 0 15,-24 24-16,24 0 1,-24 0 0,0 1-1,24-25 1,-24 24-16,0 0 16,0 0 15,0 0-16,0 1 17,0-1-17,0 0 1,0 0 0,0 0 15,0 1 0</inkml:trace>
-        </inkml:traceGroup>
-        <inkml:traceGroup>
-          <inkml:annotationXML>
-            <emma:emma xmlns:emma="http://www.w3.org/2003/04/emma" version="1.0">
-              <emma:interpretation id="{180710D7-57D5-442B-B72A-AF4E557CE061}" emma:medium="tactile" emma:mode="ink">
-                <msink:context xmlns:msink="http://schemas.microsoft.com/ink/2010/main" type="inkWord" rotatedBoundingBox="3799,8902 5523,9002 5489,9575 3765,9475"/>
-              </emma:interpretation>
-              <emma:one-of disjunction-type="recognition" id="oneOf1">
-                <emma:interpretation id="interp1" emma:lang="" emma:confidence="1">
-                  <emma:literal/>
-                </emma:interpretation>
-              </emma:one-of>
-            </emma:emma>
-          </inkml:annotationXML>
-          <inkml:trace contextRef="#ctx0" brushRef="#br1" timeOffset="8654.0793">72 1354 0,'-24'24'47,"0"-24"-16,0 25 32,0-25-48,48 0 95,0 0-110,0 0 15,0 0-15,1 0 16,-1 0 0,0 0-16,24 0 15,-24 0-15,1 0 16,-1 0-16,0 0 16,0 0-1,0 0 1,1 0-1,-1 0-15,0-25 0,0 25 16,0 0-16,-24-24 16,25 24-1</inkml:trace>
-          <inkml:trace contextRef="#ctx0" brushRef="#br1" timeOffset="7827.7218">193 1403 0,'24'-25'62,"-24"50"-15,0-1-47,0 0 16,0 0-16,0 0 0,0 25 15,0-25 1,0 0-16,0 25 0,0-25 15,0 0-15,0 0 16,0 0-16,0 1 16,-24-1-16,24 0 15,0 0 1,0-48 46</inkml:trace>
-          <inkml:trace contextRef="#ctx0" brushRef="#br1" timeOffset="7101.462">-24 1330 0,'0'-24'62,"-25"24"32,1 0-78,0 0-1,0 0 1,0 0 0,-1 0-1,1 0 1,24 24-16,-24-24 16,0 24-1,0-24 1,24 24-16,-25 1 15,25-1 17,0 0-32,0 0 31,0 0-15,25-24-1,-25 25-15,24-25 16,-24 24-16,24-24 15,-24 24 1,24-24-16,-24 24 16,24-24-1,-24 24 1,25-24 0,-1 25 15,-24-1-16,0 0 32,0 0-31,0 0 0,0 1-1,0-1 1,0 0-1,0 0 1,0 0 15,-24-24-31,-1 0 32,1 0-32,0 0 15,0 0 1,0 0-1,-1 0 1,25-24-16,-24 24 16,24-24-1,-24 0-15,24 0 16,-24 24 0,24-25-16,0 1 31,-24 24-16</inkml:trace>
-          <inkml:trace contextRef="#ctx0" brushRef="#br1" timeOffset="9627.261">580 1475 0,'-24'0'78,"0"24"-63,24 1 1,-24-1 0,24 0-16,-24 0 15,-1 0-15,25 25 16,-24-25-16,24 0 15,0 0-15,0 1 0,0-1 16,0 0 0,0 0-16,24-24 15,1 0-15,23 0 16,0 0-16,-23-24 16,23 0-16,0 0 15,-24-1-15,1 1 16,-1 0-16,0 0 15,-24 0-15,24 24 16,-24-25-16,0 1 16,0 0-16,0-24 15,0 23-15,0 1 16,-24 0-16,0 0 16,0 0-16,-1 24 15,1 0-15,0 0 16,-48 48 15,47-48-31,25 24 16</inkml:trace>
-          <inkml:trace contextRef="#ctx0" brushRef="#br1" timeOffset="10775.574">1064 1451 0,'0'24'63,"0"0"-48,0 1-15,0-1 16,-24 24-16,24-24 16,0 1-16,0 23 15,0-24-15,-24 25 16,24-25-16,0 0 15,-24 24-15,24-24 16,0 1 0,0-1-1,0-48 32,0-1-47,0 1 0,0 0 16,0-24-16,0-1 15,0 1-15,24 0 16,-24 23-16,24-23 16,-24 24-16,24-25 15,-24 25-15,24 0 16,-24 0-16,25 24 16,-1-24-16,-24-1 15,24 25 1,0 0-1,0 0 1,0 0 0,1 0-1,-1 0 1,0 25 0,0-1-1,-24 0 1,24-24-16,-24 24 15,0 0 1,0 1 0,-24-1-1,24 0-15,-24-24 16,0 24 0,0-24-16,-1 24 15,1-24 1,0 0-16,0 0 15,0 0 1,0-24 0,-1 24-1</inkml:trace>
-        </inkml:traceGroup>
-        <inkml:traceGroup>
-          <inkml:annotationXML>
-            <emma:emma xmlns:emma="http://www.w3.org/2003/04/emma" version="1.0">
-              <emma:interpretation id="{0023C37F-0918-4840-BC1D-C5C369C49FC3}" emma:medium="tactile" emma:mode="ink">
-                <msink:context xmlns:msink="http://schemas.microsoft.com/ink/2010/main" type="inkWord" rotatedBoundingBox="5686,9574 5762,9579 5756,9680 5680,9675"/>
-              </emma:interpretation>
-              <emma:one-of disjunction-type="recognition" id="oneOf2">
-                <emma:interpretation id="interp2" emma:lang="" emma:confidence="0">
-                  <emma:literal>d</emma:literal>
-                </emma:interpretation>
-                <emma:interpretation id="interp3" emma:lang="" emma:confidence="0">
-                  <emma:literal>s</emma:literal>
-                </emma:interpretation>
-                <emma:interpretation id="interp4" emma:lang="" emma:confidence="0">
-                  <emma:literal>.</emma:literal>
-                </emma:interpretation>
-                <emma:interpretation id="interp5" emma:lang="" emma:confidence="0">
-                  <emma:literal>P</emma:literal>
-                </emma:interpretation>
-                <emma:interpretation id="interp6" emma:lang="" emma:confidence="0">
-                  <emma:literal>D</emma:literal>
-                </emma:interpretation>
-              </emma:one-of>
-            </emma:emma>
-          </inkml:annotationXML>
-          <inkml:trace contextRef="#ctx0" brushRef="#br1" timeOffset="12412.2527">1596 1959 0,'0'24'47,"0"0"15,0 1-46,0-1 15,-24-24-31,0 0 16,0 0 0,24-24-1,0-1 1,0 1-1,24 0 17,0 24-32,0 0 15,-24 24 32,0 0-16,0 1-15,-24-25 15,0 0-15</inkml:trace>
-        </inkml:traceGroup>
-        <inkml:traceGroup>
-          <inkml:annotationXML>
-            <emma:emma xmlns:emma="http://www.w3.org/2003/04/emma" version="1.0">
-              <emma:interpretation id="{11DFA915-2CB1-4D8A-BFF7-CFEDF012E821}" emma:medium="tactile" emma:mode="ink">
-                <msink:context xmlns:msink="http://schemas.microsoft.com/ink/2010/main" type="inkWord" rotatedBoundingBox="5783,8778 5842,8781 5808,9364 5750,9360"/>
-              </emma:interpretation>
-              <emma:one-of disjunction-type="recognition" id="oneOf3">
-                <emma:interpretation id="interp7" emma:lang="" emma:confidence="1">
-                  <emma:literal/>
-                </emma:interpretation>
-              </emma:one-of>
-            </emma:emma>
-          </inkml:annotationXML>
-          <inkml:trace contextRef="#ctx0" brushRef="#br1" timeOffset="11644.6055">1645 1185 0,'24'-24'62,"-24"48"1,0 0-63,0 0 15,0 25-15,0-1 16,0 0-16,-24 1 16,24-1-16,-24 1 15,24-1-15,-25 0 16,25 1-16,0-25 15,0 0-15,0 0 0,0-48 63</inkml:trace>
-        </inkml:traceGroup>
-      </inkml:traceGroup>
-    </inkml:traceGroup>
-  </inkml:traceGroup>
-</inkml:ink>
-</file>
-
-<file path=ppt/ink/ink88.xml><?xml version="1.0" encoding="utf-8"?>
-<inkml:ink xmlns:inkml="http://www.w3.org/2003/InkML">
-  <inkml:definitions>
-    <inkml:context xml:id="ctx0">
-      <inkml:inkSource xml:id="inkSrc0">
-        <inkml:traceFormat>
-          <inkml:channel name="X" type="integer" min="-1920" max="3840" units="cm"/>
-          <inkml:channel name="Y" type="integer" max="1080" units="cm"/>
-          <inkml:channel name="T" type="integer" max="2.14748E9" units="dev"/>
-        </inkml:traceFormat>
-        <inkml:channelProperties>
-          <inkml:channelProperty channel="X" name="resolution" value="109.29791" units="1/cm"/>
-          <inkml:channelProperty channel="Y" name="resolution" value="36.48649" units="1/cm"/>
-          <inkml:channelProperty channel="T" name="resolution" value="1" units="1/dev"/>
-        </inkml:channelProperties>
-      </inkml:inkSource>
-      <inkml:timestamp xml:id="ts0" timeString="2017-12-28T07:14:38.359"/>
-    </inkml:context>
-    <inkml:brush xml:id="br0">
-      <inkml:brushProperty name="width" value="0.07938" units="cm"/>
-      <inkml:brushProperty name="height" value="0.07938" units="cm"/>
-      <inkml:brushProperty name="color" value="#0070C0"/>
-      <inkml:brushProperty name="fitToCurve" value="1"/>
-    </inkml:brush>
-    <inkml:brush xml:id="br1">
-      <inkml:brushProperty name="width" value="0.07938" units="cm"/>
-      <inkml:brushProperty name="height" value="0.07938" units="cm"/>
-      <inkml:brushProperty name="color" value="#FF0000"/>
-      <inkml:brushProperty name="fitToCurve" value="1"/>
-    </inkml:brush>
-    <inkml:brush xml:id="br2">
-      <inkml:brushProperty name="width" value="0.07938" units="cm"/>
-      <inkml:brushProperty name="height" value="0.07938" units="cm"/>
-      <inkml:brushProperty name="color" value="#00B050"/>
-      <inkml:brushProperty name="fitToCurve" value="1"/>
-    </inkml:brush>
-  </inkml:definitions>
-  <inkml:traceGroup>
-    <inkml:annotationXML>
-      <emma:emma xmlns:emma="http://www.w3.org/2003/04/emma" version="1.0">
-        <emma:interpretation id="{8B5BF865-F262-4EE2-A81F-36C311DABCF4}" emma:medium="tactile" emma:mode="ink">
-          <msink:context xmlns:msink="http://schemas.microsoft.com/ink/2010/main" type="writingRegion" rotatedBoundingBox="8127,10912 10928,10819 11009,13253 8208,13346"/>
-        </emma:interpretation>
-      </emma:emma>
-    </inkml:annotationXML>
-    <inkml:traceGroup>
-      <inkml:annotationXML>
-        <emma:emma xmlns:emma="http://www.w3.org/2003/04/emma" version="1.0">
-          <emma:interpretation id="{053DCF75-A9C3-4659-8D7D-257B65EE2518}" emma:medium="tactile" emma:mode="ink">
-            <msink:context xmlns:msink="http://schemas.microsoft.com/ink/2010/main" type="paragraph" rotatedBoundingBox="8271,10907 10437,10835 10460,11521 8294,11593" alignmentLevel="1"/>
-          </emma:interpretation>
-        </emma:emma>
-      </inkml:annotationXML>
-      <inkml:traceGroup>
-        <inkml:annotationXML>
-          <emma:emma xmlns:emma="http://www.w3.org/2003/04/emma" version="1.0">
-            <emma:interpretation id="{4B659B2B-04B0-4DB9-A1EA-34C8293C3903}" emma:medium="tactile" emma:mode="ink">
-              <msink:context xmlns:msink="http://schemas.microsoft.com/ink/2010/main" type="line" rotatedBoundingBox="8271,10907 10437,10835 10460,11521 8294,11593"/>
-            </emma:interpretation>
-          </emma:emma>
-        </inkml:annotationXML>
-        <inkml:traceGroup>
-          <inkml:annotationXML>
-            <emma:emma xmlns:emma="http://www.w3.org/2003/04/emma" version="1.0">
-              <emma:interpretation id="{26D2F94D-0F6A-4FF2-BCAF-C28FD9784E40}" emma:medium="tactile" emma:mode="ink">
-                <msink:context xmlns:msink="http://schemas.microsoft.com/ink/2010/main" type="inkWord" rotatedBoundingBox="8271,10912 9404,10874 9427,11555 8294,11593"/>
-              </emma:interpretation>
-              <emma:one-of disjunction-type="recognition" id="oneOf0">
-                <emma:interpretation id="interp0" emma:lang="" emma:confidence="1">
-                  <emma:literal/>
-                </emma:interpretation>
-              </emma:one-of>
-            </emma:emma>
-          </inkml:annotationXML>
-          <inkml:trace contextRef="#ctx0" brushRef="#br0">48-618 0,'0'-24'0,"0"48"218,0 0-202,0 0-16,0 0 16,25 1-1,-25-1-15,0 0 16,24 0-16,-24 0 16,0 1-16,0-1 15,24 0-15,-24 0 0,0 0 16,24 1-1,-24-1-15,0 0 0,0 0 16,0 0-16,0 1 16,24-1-1,-24 0-15,0 0 16,0 0 0,0-48 46</inkml:trace>
-          <inkml:trace contextRef="#ctx0" brushRef="#br0" timeOffset="2087.7216">48-618 0,'-24'0'47,"48"-24"47,1 24-79,-1 0 1,-24-24-16,24 24 15,0 0-15,0 0 32,0 0-32,1 0 15,-1 0 1,0 0 0,0 0-1,0 0 1,1 24-1,-1-24 17,-24 24-17,24-24-15,0 24 32,-24 0-1,24 25 16,-24-25-16,0 0-15,-24-24-1,0 24 1,0-24-16,24 24 15,-24-24-15,-1 0 16,1 25 0,0-25-1,0 0 17,0 24 14,-1-24 1,25 24-31,-24-24 0,24 24-1,24-24 79,1-24-78,-1 24-1,0 0 1,0-24-1,0 24-15,1 0 16,-1 0 15,0 0-15,0 0 0,0 0-1,1 24 1,-1-24-1,-24 24 1,24-24 0,-24 24-16,24 1 15,-24-1 17,0 0-17,0 0 1,24-24-16,-24 24 15,0 1 17,0-1-17,-24 0 1,0 0 0,24 0-1,-24-24-15,24 24 16,-24-24-1,-1 0 1,1 0 0,0 0-16,0 0 0,0 0 15,-1 0 1,1 0 0,24 25-16,-24-25 15,0 0 32,24 24-31,-24-24-1</inkml:trace>
-          <inkml:trace contextRef="#ctx0" brushRef="#br0" timeOffset="3750.9356">726-497 0,'-25'24'156,"25"0"-140,-24-24-16,24 24 16,-24 1-1,24-1-15,0 0 16,0 0-1,0 0-15,0 1 16,0-1 0,0 0-16,0 0 15,0 0 1,0 1 15,24-25 0,0 0-15,-24-25 0,25 25-1,-25-24 17,0 0-32,24 24 15,-24-24 1,0 0-16,0-1 15,0 1 1,0 0 0,0 0-1,0 0 1,0-1 0,0 1 30,0 0-14,0 48 140,0 0-172,0 1 31,0-1-31,0 0 15,0 0-15,24 0 16,-24 1 0,24-1-1,-24 0 1,24-24-16,1 0 31,-1 0-15</inkml:trace>
-          <inkml:trace contextRef="#ctx0" brushRef="#br0" timeOffset="4666.7561">1161-521 0,'0'-25'62,"-24"25"-15,0 0-31,0 0-1,-1 25 1,1-1 0,24 0-1,-24-24 1,24 24-1,0 0 1,-24-24-16,24 25 0,0-1 16,0 0-16,0 0 15,0 0 1,0 1-16,0-1 16,0 0-1,0 0 1,24 0-1,0-24 1,0 0-16,1 0 16,-1 0-1</inkml:trace>
-        </inkml:traceGroup>
-        <inkml:traceGroup>
-          <inkml:annotationXML>
-            <emma:emma xmlns:emma="http://www.w3.org/2003/04/emma" version="1.0">
-              <emma:interpretation id="{3200E2C4-20F5-4383-A9F6-9604DE5EFE67}" emma:medium="tactile" emma:mode="ink">
-                <msink:context xmlns:msink="http://schemas.microsoft.com/ink/2010/main" type="inkWord" rotatedBoundingBox="9652,10861 10437,10835 10455,11375 9670,11402"/>
-              </emma:interpretation>
-              <emma:one-of disjunction-type="recognition" id="oneOf1">
-                <emma:interpretation id="interp1" emma:lang="" emma:confidence="0">
-                  <emma:literal>--</emma:literal>
-                </emma:interpretation>
-                <emma:interpretation id="interp2" emma:lang="" emma:confidence="0">
-                  <emma:literal>4-</emma:literal>
-                </emma:interpretation>
-                <emma:interpretation id="interp3" emma:lang="" emma:confidence="0">
-                  <emma:literal>S-</emma:literal>
-                </emma:interpretation>
-                <emma:interpretation id="interp4" emma:lang="" emma:confidence="0">
-                  <emma:literal>E-</emma:literal>
-                </emma:interpretation>
-                <emma:interpretation id="interp5" emma:lang="" emma:confidence="0">
-                  <emma:literal>G-</emma:literal>
-                </emma:interpretation>
-              </emma:one-of>
-            </emma:emma>
-          </inkml:annotationXML>
-          <inkml:trace contextRef="#ctx0" brushRef="#br0" timeOffset="6474.5698">1742-666 0,'-25'0'93,"1"24"-77,0 0-16,0-24 16,0 24-1,0-24-15,-1 24 16,1 0-16,0-24 16,0 25-1,24-1 1,-24-24-1,24 24 17,0 0 108,24 0-124,0 1 0,0-25-1,-24 24-15,24 0 16,1-24-16,-25 24 15,24-24-15,-24 24 0,24-24 16,-24 25-16,24-25 16,-24 24-16,0 0 31,24-24-31,-24 24 31,0 0-15</inkml:trace>
-          <inkml:trace contextRef="#ctx0" brushRef="#br0" timeOffset="7044.2065">1935-449 0,'-24'0'46,"24"24"17,24-24-47,0 25-1,1-1-15,23-24 16,-24 0-16,0 0 15,1 0 1,23 0-16,-24 0 0,0 0 16</inkml:trace>
-          <inkml:trace contextRef="#ctx0" brushRef="#br0" timeOffset="5610.3963">1427-715 0,'0'24'78,"0"1"-62,0-1-16,0 0 15,0 0-15,0 24 16,0-23-16,0 23 0,0-24 15,0 25-15,0-25 16,0 24-16,0-24 16,0 1-16,0-1 15,0 0 1,0 0 0,0 0 15</inkml:trace>
-        </inkml:traceGroup>
-      </inkml:traceGroup>
-    </inkml:traceGroup>
-    <inkml:traceGroup>
-      <inkml:annotationXML>
-        <emma:emma xmlns:emma="http://www.w3.org/2003/04/emma" version="1.0">
-          <emma:interpretation id="{8A9AEDF2-0915-4C1F-892D-C766897B299F}" emma:medium="tactile" emma:mode="ink">
-            <msink:context xmlns:msink="http://schemas.microsoft.com/ink/2010/main" type="paragraph" rotatedBoundingBox="8178,11580 10959,11590 10953,13337 8171,13327" alignmentLevel="1"/>
-          </emma:interpretation>
-        </emma:emma>
-      </inkml:annotationXML>
-      <inkml:traceGroup>
-        <inkml:annotationXML>
-          <emma:emma xmlns:emma="http://www.w3.org/2003/04/emma" version="1.0">
-            <emma:interpretation id="{AB9D2611-2194-4B97-BF90-A38233264D92}" emma:medium="tactile" emma:mode="ink">
-              <msink:context xmlns:msink="http://schemas.microsoft.com/ink/2010/main" type="inkBullet" rotatedBoundingBox="8250,11580 10959,11590 10957,12119 8248,12109"/>
-            </emma:interpretation>
-            <emma:one-of disjunction-type="recognition" id="oneOf2">
-              <emma:interpretation id="interp6" emma:lang="" emma:confidence="0">
-                <emma:literal>→</emma:literal>
-              </emma:interpretation>
-            </emma:one-of>
-          </emma:emma>
-        </inkml:annotationXML>
-        <inkml:trace contextRef="#ctx0" brushRef="#br1" timeOffset="-27336.1172">0 374 0,'24'0'219,"0"-24"-188,1 24-16,-25-25 1,24 25 15,-24-24-15,24 24 15,0 0-15,-24-24-1,24 24 1,-24-24 0,24 24-16,1 0 31,-25-24-15,24 24-16,0 0 31,-24-25-31,24 25 15,0-24 17,1 24-17,-25-24 1,24 24 0,0 0-1,0-24 16,0 24-15,1 0-16,-25-24 16,24 24-16,0 0 15,-24-25 1,24 25 0,0 0-1,1-24 1,-1 24-16,0 0 31,0 0-15,0 0 15,-24-24-31,24 24 16,1 0-1,-1 0 1,0 0 15,0-24-15,0 24 15,1 0-15,-1 0-1,0 0 1,0 0 15,0 0-15,1 0-1,-1 0 17,0 0-17,0 0 1,0 0-1,1 0 1,-1 0-16,0 0 16,0 0-1,0 0 17,0 0-32,1 0 15,-1 0 1,0 0-16,0 0 15,0 0 1,1 0 0,-1 0-16,0 0 15,0 0 1,25 0 0,-25 0-1,0 0-15,24 0 0,-23 0 16,-1 0-16,0 0 15,0 0-15,0 0 16,0 24 0,1-24-1,-1 0 1,0 0 0,-24 24-16,24-24 15,0 0-15,1 0 16,-25 24-16,24-24 15,0 0 1,0 0-16,-24 25 16,24-25-16,1 0 15,-1 0-15,0 24 16,0-24 0,0 0-16,1 0 15,-1 24-15,0-24 16,0 0-1,-24 24 1,24-24-16,0 24 31,1-24-31,-1 0 16,-24 25-16,24-25 16,0 0-16,0 24 0,1-24 31,-25 24-31,24-24 15,-24 24 1,24-24 0,0 24-1,0 1 17,1-1-17,-1 0 16,0-24-15,-24 24 0,24-24-16,-24 24 15,24-24 48,-48 0-1,0 0-46</inkml:trace>
-        <inkml:trace contextRef="#ctx0" brushRef="#br1" timeOffset="-25189.6132">2201 446 0,'-24'-24'63,"121"72"93,-73-48-140,0 0-16,0 0 15,-24 25 1,25-25-16,-1 0 15,-24 24 17,24-24-32,0 0 15,0 0 1,1 0 0,-1 24-16,0-24 15,0 0 16,0 0 1,1 0-1,-1 0 16,0 0 47,0-24 77,-24 0-171,24 24 32,-24-25-32,0 1 31,0 0 0,0 0-15,0 0 15,0 0-31,0-1 31,0 1 1,0 0-1,0 0-16,0 0 1,0-1 15,0 1 1,0 0-1,0 0 47,-24 24 31,24-24-77</inkml:trace>
-      </inkml:traceGroup>
-      <inkml:traceGroup>
-        <inkml:annotationXML>
-          <emma:emma xmlns:emma="http://www.w3.org/2003/04/emma" version="1.0">
-            <emma:interpretation id="{6DB0FC51-039A-4626-98E3-A8DEBFFCFB65}" emma:medium="tactile" emma:mode="ink">
-              <msink:context xmlns:msink="http://schemas.microsoft.com/ink/2010/main" type="line" rotatedBoundingBox="8176,12138 10887,12149 10885,12463 8175,12452"/>
-            </emma:interpretation>
-          </emma:emma>
-        </inkml:annotationXML>
-        <inkml:traceGroup>
-          <inkml:annotationXML>
-            <emma:emma xmlns:emma="http://www.w3.org/2003/04/emma" version="1.0">
-              <emma:interpretation id="{664CB112-5593-4A14-A93E-330B2A4AC21A}" emma:medium="tactile" emma:mode="ink">
-                <msink:context xmlns:msink="http://schemas.microsoft.com/ink/2010/main" type="inkWord" rotatedBoundingBox="8176,12138 10887,12149 10885,12463 8175,12452"/>
-              </emma:interpretation>
-              <emma:one-of disjunction-type="recognition" id="oneOf3">
-                <emma:interpretation id="interp7" emma:lang="" emma:confidence="1">
-                  <emma:literal/>
-                </emma:interpretation>
-              </emma:one-of>
-            </emma:emma>
-          </inkml:annotationXML>
-          <inkml:trace contextRef="#ctx0" brushRef="#br2" timeOffset="-18019.7152">2637 688 0,'0'24'312,"0"1"-265,0-1-16,0 0 16,0 0 0,0 0 0,-24-24-31,-1 25 15,1-25 0,24 24 0,-24-24 1,0 0-1,0 0 0,-1 0 16,1 0-31,0 0 30,0 0-14,0 0-1,-1 0-15,1 0 46,0 0-31,0 0-15,0-24 15,-1 24-15,1 0 15,0-25 0,0 25-15,24-24 0,-24 24-1,0 0 16,24-24-31,-25 24 16,1 0 15,24-24-15,-24 24 15,24-24-15,-24 24-1,24-25 1,-24 25 15,24-24-15,-25 24 31,25-24-47,-24 24 47,24-24-47,0 0 93,-24 24-93,24 24 157,0 0-142,-24 0 1,24 0 0,0 1-1,0-1 1,0 0-1,0 0 1,24 0 0,-24 1 15,0-1 0</inkml:trace>
-          <inkml:trace contextRef="#ctx0" brushRef="#br2" timeOffset="-17375.5424">1959 616 0,'25'0'203,"-1"0"-187,0 0-1,0 0 1,0 0-16,1 0 16</inkml:trace>
-          <inkml:trace contextRef="#ctx0" brushRef="#br2" timeOffset="-15343.5128">1814 640 0,'0'24'79,"-24"-24"-64,0 24 1,0-24-16,24 24 15,-25-24 1,25 25-16,-24-25 16,0 0 15,24 24-15,-24-24-16,0 24 31,0-24-16,-1 24 1,1-24 0,0 24-1,0-24 1,0 25 0,-1-25-1,1 0 16,24 24-15,-24-24 0,0 0 15,0 0-15,-1 0 15,1 0-16,0 0 1,0 0 15,24-24-31,-24 24 16,-1 0 15,25-25-15,-24 25-1,24-24 17,-24 24-17,0 0-15,24-24 16,-24 24 0,0 0-1,24-24-15,-25 0 31,1-1 1,24 1 15,-24 0-1,24 0-14,0 0-1,-24-1-15,24 1 30,-24 48 220,-1 1-250,25-1-16,0 0 15,-24 0-15,24 0 16,0 1 0,0-1 15,0 0 16</inkml:trace>
-          <inkml:trace contextRef="#ctx0" brushRef="#br2" timeOffset="-14847.3888">1016 567 0,'24'0'109,"0"0"-78,1 0-31,-25 24 0,24-24 16,0 0-16,0 0 15,0 0-15,0 0 16,1 0-16</inkml:trace>
-          <inkml:trace contextRef="#ctx0" brushRef="#br2" timeOffset="-12949.133">822 616 0,'0'24'78,"0"0"-31,-24-24-32,24 24 1,-24-24-16,0 24 16,0-24-1,-1 25-15,1-25 16,0 24-16,0-24 0,0 24 16,0-24-16,-1 0 15,1 24-15,0-24 47,0 0-16,0 0-15,-1 0-16,1 0 16,-48 0 15,47 0 0,1 0 47,0 0-47,0 0 1,24-24-17,-24 24-15,-1 0 16,1 0 15,24-24 0,-24 24 1,24-24-1,-24 24 0,24-25-15,0 1-1,0 0 17,-24 24 15,24-24-16,0 0 0,0-1-15,-24 25-1,24-24 32,-25 24-16,1 0 204,24 24-204,-24-24-31,24 25 16,-24-1-1,0 0-15,24 0 16,-25-24-16,25 24 16,0 1-1,0-1 1,0 0-1,25-24 48</inkml:trace>
-          <inkml:trace contextRef="#ctx0" brushRef="#br2" timeOffset="-12288.2496">73 591 0,'0'-24'62,"24"48"63,0-24-109,0 0 0,0 0-1,0 0-15,1 0 16,-1 0-1,-24-24 1,24 24 15</inkml:trace>
-        </inkml:traceGroup>
-      </inkml:traceGroup>
-      <inkml:traceGroup>
-        <inkml:annotationXML>
-          <emma:emma xmlns:emma="http://www.w3.org/2003/04/emma" version="1.0">
-            <emma:interpretation id="{2B35FE1F-9996-4719-8A21-7233F2FE60D7}" emma:medium="tactile" emma:mode="ink">
-              <msink:context xmlns:msink="http://schemas.microsoft.com/ink/2010/main" type="line" rotatedBoundingBox="8499,12733 10350,12639 10381,13250 8530,13344"/>
-            </emma:interpretation>
-          </emma:emma>
-        </inkml:annotationXML>
-        <inkml:traceGroup>
-          <inkml:annotationXML>
-            <emma:emma xmlns:emma="http://www.w3.org/2003/04/emma" version="1.0">
-              <emma:interpretation id="{DA78B963-216C-496B-A15B-AD72196F8DA8}" emma:medium="tactile" emma:mode="ink">
-                <msink:context xmlns:msink="http://schemas.microsoft.com/ink/2010/main" type="inkWord" rotatedBoundingBox="8499,12733 9767,12669 9798,13279 8530,13344"/>
-              </emma:interpretation>
-              <emma:one-of disjunction-type="recognition" id="oneOf4">
-                <emma:interpretation id="interp8" emma:lang="" emma:confidence="1">
-                  <emma:literal/>
-                </emma:interpretation>
-              </emma:one-of>
-            </emma:emma>
-          </inkml:annotationXML>
-          <inkml:trace contextRef="#ctx0" brushRef="#br0" timeOffset="8618.4254">411 1172 0,'24'-24'62,"-24"48"-31,0 0-15,0 0 0,0 25-16,0-25 15,0 0-15,0 25 16,0-25-16,0 24 15,0-24-15,0 25 16,-24-25-16,24 0 16,0 0-16,0 0 15,0 1-15,0-1 16,0 0 0,0 0-16,0 0 15,0 1 1,24-25 46,1 0-30,-1 0-17,-24-25-15,24 25 16,0-24-16</inkml:trace>
-          <inkml:trace contextRef="#ctx0" brushRef="#br0" timeOffset="9107.1235">266 1462 0,'24'-24'63,"0"24"-48,1 0-15,23 0 16,-24-24-16,49 24 47,-49 0-47</inkml:trace>
-          <inkml:trace contextRef="#ctx0" brushRef="#br0" timeOffset="9946.4603">629 1462 0,'48'-24'47,"-24"24"-31,49 48 62,-73-23-62,0-1-16,24 0 15,-24 0 1,0 0-16,0 1 16,0-1-1,0 0 1,0 0-1,0-48 48,0 0-63,0 0 16,0-25-16,24 25 15,-24 0-15,0 0 16,25-1-16,-25 1 15,0 0-15,24 24 47,0 0-31</inkml:trace>
-          <inkml:trace contextRef="#ctx0" brushRef="#br0" timeOffset="10912.8432">1089 1438 0,'-25'0'47,"25"24"-32,-24 0-15,0 1 16,0-1 0,24 0-16,0 0 15,-24-24-15,24 24 16,0 1-16,0-1 16,0 0 15,24-24-16,0 0 1,0 0-16,0 0 16,1 0-16,-25-24 15,24 0-15,0-1 16,-24 1-16,0 0 16,24 0-16,-24-25 31,0 25-16,0 0 17,-24 24 30,24 24 1,0 0-48,0 1-15,0-1 16,0 0-16,0 0 16,0 0-1,0 1 1,24-1-16,-24 0 31,24-24-31,0 0 16,1-24-16,-1 24 15,-24-24-15</inkml:trace>
-          <inkml:trace contextRef="#ctx0" brushRef="#br0" timeOffset="11573.553">1524 1390 0,'0'-24'47,"-24"48"-16,0-24-16,24 24-15,-25-24 16,1 24-16,0 0 16,24 0-1,-24-24-15,24 25 16,-24-1-16,24 0 16,-25 0-1,25 0-15,0 1 16,0-1-16,0 0 15,25-24 1,-1 24 0,0-24-16,0 0 15,0 0-15,1 0 16,-1 0-16,0 0 16,0 0-16,-24-24 15</inkml:trace>
-        </inkml:traceGroup>
-        <inkml:traceGroup>
-          <inkml:annotationXML>
-            <emma:emma xmlns:emma="http://www.w3.org/2003/04/emma" version="1.0">
-              <emma:interpretation id="{669DB9C3-6EFC-4320-9044-84E0B576E623}" emma:medium="tactile" emma:mode="ink">
-                <msink:context xmlns:msink="http://schemas.microsoft.com/ink/2010/main" type="inkWord" rotatedBoundingBox="10002,12748 10355,12730 10378,13183 10025,13200"/>
-              </emma:interpretation>
-              <emma:one-of disjunction-type="recognition" id="oneOf5">
-                <emma:interpretation id="interp9" emma:lang="" emma:confidence="0">
-                  <emma:literal>K</emma:literal>
-                </emma:interpretation>
-                <emma:interpretation id="interp10" emma:lang="" emma:confidence="0">
-                  <emma:literal>k</emma:literal>
-                </emma:interpretation>
-                <emma:interpretation id="interp11" emma:lang="" emma:confidence="0">
-                  <emma:literal>R</emma:literal>
-                </emma:interpretation>
-                <emma:interpretation id="interp12" emma:lang="" emma:confidence="0">
-                  <emma:literal>r</emma:literal>
-                </emma:interpretation>
-                <emma:interpretation id="interp13" emma:lang="" emma:confidence="0">
-                  <emma:literal>"</emma:literal>
-                </emma:interpretation>
-              </emma:one-of>
-            </emma:emma>
-          </inkml:annotationXML>
-          <inkml:trace contextRef="#ctx0" brushRef="#br0" timeOffset="12257.8858">1766 1172 0,'0'24'78,"0"0"-62,0 1-16,0-1 16,0 24-16,0-24 15,0 25-15,0-25 16,24 24-16,-24-24 16,0 1-16,0-1 15,0 0-15,24-24 0,-24 24 16</inkml:trace>
-          <inkml:trace contextRef="#ctx0" brushRef="#br0" timeOffset="13012.8297">2008 1196 0,'-49'49'109,"25"-25"-109,0 0 16,0-24-1,24 24-15,-24-24 16,-1 24 0,25 1 93,25-25-93,-25 24-1,24-24 1,-24 24-16,24 0 15,0-24-15,0 24 16,1-24-16,-25 24 16,24 1-16,0-25 15,0 24-15,-24 0 16,24-24-16,-24 24 16,25-24-16,-25 24 15,24-24 1</inkml:trace>
-        </inkml:traceGroup>
-      </inkml:traceGroup>
-    </inkml:traceGroup>
-  </inkml:traceGroup>
-</inkml:ink>
-</file>
-
-<file path=ppt/ink/ink89.xml><?xml version="1.0" encoding="utf-8"?>
-<inkml:ink xmlns:inkml="http://www.w3.org/2003/InkML">
-  <inkml:definitions>
-    <inkml:context xml:id="ctx0">
-      <inkml:inkSource xml:id="inkSrc0">
-        <inkml:traceFormat>
-          <inkml:channel name="X" type="integer" min="-1920" max="3840" units="cm"/>
-          <inkml:channel name="Y" type="integer" max="1080" units="cm"/>
-          <inkml:channel name="T" type="integer" max="2.14748E9" units="dev"/>
-        </inkml:traceFormat>
-        <inkml:channelProperties>
-          <inkml:channelProperty channel="X" name="resolution" value="109.29791" units="1/cm"/>
-          <inkml:channelProperty channel="Y" name="resolution" value="36.48649" units="1/cm"/>
-          <inkml:channelProperty channel="T" name="resolution" value="1" units="1/dev"/>
-        </inkml:channelProperties>
-      </inkml:inkSource>
-      <inkml:timestamp xml:id="ts0" timeString="2017-12-28T07:15:23.274"/>
-    </inkml:context>
-    <inkml:brush xml:id="br0">
-      <inkml:brushProperty name="width" value="0.05292" units="cm"/>
-      <inkml:brushProperty name="height" value="0.05292" units="cm"/>
-      <inkml:brushProperty name="color" value="#7B7B7B"/>
-      <inkml:brushProperty name="fitToCurve" value="1"/>
-    </inkml:brush>
-  </inkml:definitions>
-  <inkml:traceGroup>
-    <inkml:annotationXML>
-      <emma:emma xmlns:emma="http://www.w3.org/2003/04/emma" version="1.0">
-        <emma:interpretation id="{CD1C33AA-0A27-42B2-BFFD-1A5A2BCE6C6C}" emma:medium="tactile" emma:mode="ink">
-          <msink:context xmlns:msink="http://schemas.microsoft.com/ink/2010/main" type="inkDrawing" rotatedBoundingBox="8458,4600 10487,4121 10795,5425 8766,5904" semanticType="enclosure" shapeName="Other">
-            <msink:sourceLink direction="with" ref="{20B73E8C-A54B-4E76-A33F-5E8829661CF5}"/>
-            <msink:sourceLink direction="with" ref="{35102D6D-6281-42FE-8985-CD74E48B6498}"/>
-          </msink:context>
-        </emma:interpretation>
-      </emma:emma>
-    </inkml:annotationXML>
-    <inkml:trace contextRef="#ctx0" brushRef="#br0">27 73 0,'25'0'313,"-1"0"-298,0 0 1,0 0-1,0 0 1,1 0 0,-1 0-1,0 0 1,0 0 0,0 0-1,0 0 16,1 0-31,-1 0 16,0 0 0,0 0-1,0 0 1,1 0 0,-1 0-1,0 0 1,0 0-1,0 0 1,1 0-16,-1 0 0,0 0 31,0 0-31,25 0 32,-25 0-32,0 0 15,0 0 1,0 0-1,0 0-15,1 0 16,-1 0 0,0 0-1,0 0 1,0 0 15,1 0-31,-1-24 16,0 24-16,0 0 15,0 0 1,1 0 0,-1 0-1,0 0 1,0 0 0,0 0-16,1 0 15,-1 0 1,0 0 15,0 0-15,0 0-1,0 0-15,1 0 16,-1 0 0,0 0-16,0 0 15,0 0 1,1 0 15,-1 0 16,0 0-31,0-24-16,0 24 15,1 0 1,-1 0 15,0 0-15,0 0 15,0 0-15,1 0-16,-1 0 15,0 0 1,0 0 15,0 0-15,0 0-1,1 0 1,-25-24-16,24 24 16,0 0-1,0 0 1,-24 24 265,0 0-250,0 0-15,0 1 15,0-1-15,0 0 15,0 0-15,0 0 15,0 1-15,0-1-1,0 0 1,0 0-1,0 0 17,0 1-17,0-1 1,0 0 0,0 0-1,0 0 1,0 0-1,0 1 17,0-1-17,0 0 1,0 0 0,0 0-1,0 1 16,0-1-15,0 0 0,0 0-1,0 0 1,0 1 0,0-1 15,0 0-16,0 0 32,0 0-31,0 1 15,0-1 0,0 0 1,24-24-17,-24 24 1,0 0 93,0 0 63,0 1-31,25-25-63,-50 0 109,1 0-140,0 0-31,0 0 0,0 0-1,-1 0 16,1 0-15,0 0 31,0 0-16,0 24-31,0-24 31,-1 0-31,1 0 32,0 0-1,0 0 0,0 0-15,24 24-1,-25-24 1,1 0-16,0 0 31,0 0-15,0 0 0,-1 0 15,1 0-31,24 24 15,-24-24 1,0 0-16,0 0 16,-1 0 15,1 0-15,0 0-1,0 0-15,0 0 16,0 0-16,-1 0 15,1 24-15,0-24 16,0 0 0,0 0 15,-1 0 0,1 0-15,0 0-1,24 25 1,-24-25-16,0 0 16,-1 0-1,1 0 1,0 0 15,0 0-15,0 0 15,-1 24-15,1-24-1,0 0 1,0 0 15,0 0-31,0 0 31,-1 0-31,1 24 32,0-24-17,0 0 17,0 0-17,-1 0 16,1 0-15,0 0 0,0 0 15,0 0-15,-1 0-1,1 0 1,24 24-1,-24-24 1,0 0 15,0 0 1,-1 0-1,1 0 0,0 0 0,0 0 1,0 0-1,0 0 0,-1 0 0,1 0 1,0 0-17,0 0 32,0 0 62,24-24 1,0 0-79,0 0 0,0-1-15,-25 1 0,25 0-1,0 0 16,0 0 1,0-1-1,0 1-15,0 0-1,0 0 1,-24 24-16,24-24 15,0 0 17,0-1-17,0 1 17,0 0 30</inkml:trace>
-  </inkml:traceGroup>
-</inkml:ink>
-</file>
-
-<file path=ppt/ink/ink9.xml><?xml version="1.0" encoding="utf-8"?>
-<inkml:ink xmlns:inkml="http://www.w3.org/2003/InkML">
-  <inkml:definitions>
-    <inkml:context xml:id="ctx0">
-      <inkml:inkSource xml:id="inkSrc0">
-        <inkml:traceFormat>
-          <inkml:channel name="X" type="integer" min="-1920" max="3840" units="cm"/>
-          <inkml:channel name="Y" type="integer" max="1080" units="cm"/>
-          <inkml:channel name="T" type="integer" max="2.14748E9" units="dev"/>
-        </inkml:traceFormat>
-        <inkml:channelProperties>
-          <inkml:channelProperty channel="X" name="resolution" value="109.29791" units="1/cm"/>
-          <inkml:channelProperty channel="Y" name="resolution" value="36.48649" units="1/cm"/>
-          <inkml:channelProperty channel="T" name="resolution" value="1" units="1/dev"/>
-        </inkml:channelProperties>
-      </inkml:inkSource>
-      <inkml:timestamp xml:id="ts0" timeString="2017-12-27T16:54:06.186"/>
-    </inkml:context>
-    <inkml:brush xml:id="br0">
-      <inkml:brushProperty name="width" value="0.10583" units="cm"/>
-      <inkml:brushProperty name="height" value="0.10583" units="cm"/>
-      <inkml:brushProperty name="color" value="#C00000"/>
-      <inkml:brushProperty name="fitToCurve" value="1"/>
-    </inkml:brush>
-    <inkml:brush xml:id="br1">
-      <inkml:brushProperty name="width" value="0.07938" units="cm"/>
-      <inkml:brushProperty name="height" value="0.07938" units="cm"/>
-      <inkml:brushProperty name="color" value="#00B050"/>
-      <inkml:brushProperty name="fitToCurve" value="1"/>
-    </inkml:brush>
-  </inkml:definitions>
-  <inkml:traceGroup>
-    <inkml:annotationXML>
-      <emma:emma xmlns:emma="http://www.w3.org/2003/04/emma" version="1.0">
-        <emma:interpretation id="{46659E30-4255-4BEE-90A1-217CB620A8FF}" emma:medium="tactile" emma:mode="ink">
-          <msink:context xmlns:msink="http://schemas.microsoft.com/ink/2010/main" type="writingRegion" rotatedBoundingBox="10927,6237 20383,6453 20332,8654 10876,8438"/>
-        </emma:interpretation>
-      </emma:emma>
-    </inkml:annotationXML>
-    <inkml:traceGroup>
-      <inkml:annotationXML>
-        <emma:emma xmlns:emma="http://www.w3.org/2003/04/emma" version="1.0">
-          <emma:interpretation id="{2AFB70FB-560F-4869-A83B-755B9F301FBB}" emma:medium="tactile" emma:mode="ink">
-            <msink:context xmlns:msink="http://schemas.microsoft.com/ink/2010/main" type="paragraph" rotatedBoundingBox="10927,6237 20383,6453 20355,7638 10900,7422" alignmentLevel="1"/>
-          </emma:interpretation>
-        </emma:emma>
-      </inkml:annotationXML>
-      <inkml:traceGroup>
-        <inkml:annotationXML>
-          <emma:emma xmlns:emma="http://www.w3.org/2003/04/emma" version="1.0">
-            <emma:interpretation id="{B4C151C0-5877-46F2-8C26-D0CFBA32D9EA}" emma:medium="tactile" emma:mode="ink">
-              <msink:context xmlns:msink="http://schemas.microsoft.com/ink/2010/main" type="line" rotatedBoundingBox="10927,6237 20383,6453 20355,7638 10900,7422"/>
-            </emma:interpretation>
-          </emma:emma>
-        </inkml:annotationXML>
-        <inkml:traceGroup>
-          <inkml:annotationXML>
-            <emma:emma xmlns:emma="http://www.w3.org/2003/04/emma" version="1.0">
-              <emma:interpretation id="{E07BBCF3-9982-469C-8642-BFF10049E7EA}" emma:medium="tactile" emma:mode="ink">
-                <msink:context xmlns:msink="http://schemas.microsoft.com/ink/2010/main" type="inkWord" rotatedBoundingBox="10926,6277 13725,6341 13700,7448 10901,7384"/>
-              </emma:interpretation>
-              <emma:one-of disjunction-type="recognition" id="oneOf0">
-                <emma:interpretation id="interp0" emma:lang="" emma:confidence="1">
-                  <emma:literal/>
-                </emma:interpretation>
-              </emma:one-of>
-            </emma:emma>
-          </inkml:annotationXML>
-          <inkml:trace contextRef="#ctx0" brushRef="#br0">731 486 0,'0'24'94,"0"0"-94,0 1 0,0-1 16,0 24-16,0-24 15,0 0-15,0 1 16,0 23-16,0-24 16,24-24-1,-24 24-15</inkml:trace>
-          <inkml:trace contextRef="#ctx0" brushRef="#br0" timeOffset="-796.6391">537 26 0,'0'-24'140,"-24"24"-124,0 0 0,0 0-1,-1 0 1,1 0 0,0 0-16,0 0 15,0 0 1,-1 0-16,1 0 15,0 24-15,0-24 16,0 25-16,-1-1 16,1-24-1,0 24-15,24 0 16,-24 0-16,0 0 16,-1 1-1,25-1-15,0 0 16,0 0-1,0 0-15,0 1 16,25-1 0,-1-24-16,0 24 0,-24 0 15,24 0-15,0-24 16,1 25-16,-1-25 16,24 24-16,-24-24 15,1 0-15,-1 0 16,-24 24-16,24-24 15,0 0-15,-24 24 16,24-24-16,-24 24 16,0 1-1,0-1-15,25 0 16,-25 0 0,0 0-16,0 0 15,0 1-15,0-1 16,0 0-1,-25 0-15,25 0 16,-24 1 0,0-1-1,0-24-15,24 24 16,-49-24-16,25 0 16,0 0-16,-24 0 15,-1 0-15,25-24 16,-24 24-16,23-24 0,1 24 15,0-25 1,0 25-16,24-24 0,0 0 16,0 0-1,0 0 1</inkml:trace>
-          <inkml:trace contextRef="#ctx0" brushRef="#br0" timeOffset="472.2542">682 292 0,'0'-48'47,"0"24"-31,0 0-1</inkml:trace>
-          <inkml:trace contextRef="#ctx0" brushRef="#br0" timeOffset="2008.2752">973 486 0,'24'24'63,"-24"0"-63,0 1 16,0-1-1,0 0-15,0 0 16,0 24-16,0-23 15,24-1-15,-24 0 16,0 0-16,0 0 16,0 1-1,24-25 32,-24-25-47,0 1 16,24 0-16,-24 0 15,24 0 1,-24-1-16,25 1 16,-1 0-16,-24 0 15,24 24 1,-24-24 0,24 24-16,0 0 46,1 0-14,-1 24-1,-24 0-15,0 0-16,0 0 15,0 1-15,0-1 16,24 0-1,-24 0 1,24-24 31,0 0-16,-24-24-31,25 0 0,-1 0 16,0-1-1,-24 1-15,24 0 16,-24 0-16,24 24 16,1-24-16,-25 0 15,24 24-15,-24-25 16,24 25 15,-24 25 16,0-1-31,0 0-16,24 0 15,-24 0-15,0 0 16,0 1-16,0-1 16,24 0-1,-24 0-15,24-24 31</inkml:trace>
-          <inkml:trace contextRef="#ctx0" brushRef="#br0" timeOffset="3096.4856">1819 486 0,'24'24'63,"-24"25"-48,0-25-15,0 24 16,0 0-16,0 1 16,0-1-16,0 1 0,0 23 15,-24-23-15,24-25 16,0 24-16,-24-24 16,24 25-16,0-25 15,0 0 1,0-48 15,0-24-15,0-1-16,0 1 15,0-1-15,0 1 16,24 0-16,-24-1 0,0 25 16,24-24-1,-24 23-15,0-23 0,0 24 16,0 0-16,25 0 15,-25-1-15,0 1 16,24 24 15,0 0 1,0 0-17,0 24 1,-24 1-1,25-25 1,-25 24-16,24-24 0,0 24 31,-24 0-15,0 0 0,0 0-16,0 1 15,-24-25-15,24 24 16,0 0-16,-24-24 15,-1 24-15,1-24 16,0 0 0,0 0-1,0 0 1,-1 0 0</inkml:trace>
-          <inkml:trace contextRef="#ctx0" brushRef="#br0" timeOffset="3816.7738">2182 99 0,'0'24'78,"0"0"-62,24 0-16,-24 49 0,0-25 15,0 1 1,0 23-16,0-23 0,0 23 16,0-23-1,0-1-15,0 0 0,0 1 16,0-25-16,0 0 16,0 0-16,0 1 15,0-1 1,0 0-16,24-24 15,-24 24-15,25-24 16,-25 24 0,24-24-16,0 0 15,0-24-15,0 0 16</inkml:trace>
-          <inkml:trace contextRef="#ctx0" brushRef="#br0" timeOffset="4452.5527">2545 534 0,'48'0'47,"-24"0"-31,1 0-1,-1 0-15,0 0 16,0 0-16,0 0 16,1-24-1,-1 24-15,-24-24 16,24 24-16,-24-24 16,0 0-16,0-1 15,-24 1 1,-25 24-16,25 0 15,0 0-15,0 0 16,-25 0-16,25 24 16,0 1-16,0-25 15,0 24-15,0 0 16,-1 0-16,25 0 16,-24 1-16,24 23 15,0-24-15,0 24 16,0-23-16,0 23 0,0-24 15,24 0-15,1-24 16,-1 25-16,0-25 16,0 0-16,24 0 15,-23 0-15,23 0 16,-24-25-16</inkml:trace>
-        </inkml:traceGroup>
-        <inkml:traceGroup>
-          <inkml:annotationXML>
-            <emma:emma xmlns:emma="http://www.w3.org/2003/04/emma" version="1.0">
-              <emma:interpretation id="{5ECB1D4F-01AD-4F1B-9069-B1605A654231}" emma:medium="tactile" emma:mode="ink">
-                <msink:context xmlns:msink="http://schemas.microsoft.com/ink/2010/main" type="inkWord" rotatedBoundingBox="14836,6327 18515,6411 18494,7337 14815,7253"/>
-              </emma:interpretation>
-              <emma:one-of disjunction-type="recognition" id="oneOf1">
-                <emma:interpretation id="interp1" emma:lang="" emma:confidence="1">
-                  <emma:literal/>
-                </emma:interpretation>
-              </emma:one-of>
-            </emma:emma>
-          </inkml:annotationXML>
-          <inkml:trace contextRef="#ctx0" brushRef="#br0" timeOffset="6660.0355">3972 51 0,'0'72'63,"0"-48"-63,0 25 15,0-1-15,0 0 16,0 1-16,0-1 16,0 25-16,0-1 15,0 1-15,0-25 16,-24 25-16,24-25 15,0 1-15,0-1 16,0-24-16,0 0 16,0 1-16,0-50 47,0 1-32,0 0-15,0 0 16,0-25-16,-24 25 15,24 0-15,0 0 16,0 0-16,0-1 16,0 1-16,0-24 15,0 24-15,0 0 16,0-1-16,0-23 16,0 24-16,0 0 15,0-1-15,0 1 16,0 0-16,24 0 0,-24 0 15,0-1-15,0 1 16,0 0 0,0 0-1,0 0-15,0-1 16,24 25-16,-24-24 16,0 0-16,24 0 31,1 24-16,-25-24-15,24 24 16,0 0 0,0 0-1,0 24-15,0-24 16,1 24-16,-25 0 16,24-24-16,0 24 15,0 1 1,0-1-1,-24 0 1,25-24-16,-25 24 16,0 0-1,0 1 1,0-1 0,0 0-16,0 0 15,0 0 1,-25 1-16,1-25 15,0 24-15,0 0 0,0-24 16,-1 0 0,1 0-16,0 0 15,0 0 32,0 0-16,48 0 79,0 24-95,0 0 1,0-24-16,-24 25 16,25-1-16,-1 0 15,0 0-15,-24 0 16,24 0-16,-24 1 16,24-1-16,-24 0 15,25 24-15,-25-23 16,0-1-16,24 0 0,-24 0 15</inkml:trace>
-          <inkml:trace contextRef="#ctx0" brushRef="#br0" timeOffset="7491.5098">4553 631 0,'0'24'47,"24"0"-16,0-24-15,0 0-1,0 0-15,1-24 0,-1 24 16,0-24 0,-24 0-16,24 24 0,-24-24 15,0 0 1,0-1-16,0 1 15,-24 24 1,0 0-16,0 0 16,-1 0-1,1 0-15,0 0 16,0 24-16,0 1 16,0-1-1,24 0 1,-25 0-16,25 0 0,0 0 15,0 1 1,0-1-16,0 24 0,0-24 16,25 1-16,-1-1 15,0 0-15,0 0 16,0 0 0,0-24-16,1 0 15,23 0-15,-48-24 16,24 24-16</inkml:trace>
-          <inkml:trace contextRef="#ctx0" brushRef="#br0" timeOffset="8714.5708">4916 486 0,'24'0'62,"0"0"-62,0 0 16,0 0-16,1 0 16,-1 0-16,24 0 15,-24 0-15,0 0 0,25 0 16,-25 0 0</inkml:trace>
-          <inkml:trace contextRef="#ctx0" brushRef="#br0" timeOffset="8345.2678">5230 147 0,'0'-24'47,"-24"24"-31,0 0 15,-1 0-16,1 24-15,0 0 16,0 25-16,0-25 0,0 0 16,24 25-16,0-1 15,-25 0-15,25 1 16,0-1-16,0 1 16,0 23-16,0-24 15,0 1-15,0-25 16,25 24-16,-25-23 15,0-1-15,24 24 16,-24-24-16,24 1 16,-24-1-16,24-24 15,-24 24-15</inkml:trace>
-          <inkml:trace contextRef="#ctx0" brushRef="#br0" timeOffset="9988.89">5593 486 0,'-24'0'46,"0"24"-30,-1 0 0,1 1-1,24-1-15,-24 0 0,24 0 16,-24 0-16,24 0 16,-24 1-16,24-1 15,0 0-15,-25 0 16,25 0-16,0 1 15,0-1 17,25-24-32,-1 0 31,0 0-31,0 0 16,0-24-1,1 24-15,-1-25 16,-24 1-16,0 0 15,24 24-15,-24-24 0,0 0 16,24-1-16,-24 1 16,0 0-1,0 0 17,0 48 93,0 0-110,0 0 1,0 1-16,0-1 15,0 0-15,0 0 16,0 0-16,0 1 16,24-1-16,-24 0 15,24 0 1,1-24 0,-1 0-16,0 0 15,0 0-15,0-24 0,1 24 16</inkml:trace>
-          <inkml:trace contextRef="#ctx0" brushRef="#br0" timeOffset="10611.0815">6198 559 0,'-49'0'62,"25"24"-46,0-24-16,0 24 15,0 0-15,24 0 16,-25-24-16,1 24 16,24 1-16,-24-1 15,24 0-15,-24 0 16,24 0-16,0 1 15,0-1 1,0 0-16,24-24 16,-24 24-16,24-24 0,0 0 15,1 24-15,23-24 16,-24 0-16,0 0 16,25 0-16,-25-24 15,-24 0 1</inkml:trace>
-          <inkml:trace contextRef="#ctx0" brushRef="#br0" timeOffset="11580.1301">6343 462 0,'24'0'62,"0"0"-46,25 0-16,-1 0 16,-24 0-16,0 0 15,25 0-15,-25 0 16</inkml:trace>
-          <inkml:trace contextRef="#ctx0" brushRef="#br0" timeOffset="11241.4175">6464 123 0,'48'-24'47,"-48"48"-16,0 0-31,0 25 15,0-25-15,0 24 16,0-24-16,0 25 16,-24-1-16,24 1 15,0-1-15,-24-24 16,24 25-16,0-1 16,0-24-16,0 24 15,0-23-15,0-1 16,0 24-16,24-24 15,-24 1-15,24-1 16,0-24 15,1 0-15,-1 0-16,0 0 16,0 0-16,-24-24 15,24 24-15</inkml:trace>
-          <inkml:trace contextRef="#ctx0" brushRef="#br0" timeOffset="12213.446">6923 534 0,'-48'121'47,"24"-97"-31,24 1-16,-24-1 16,24 0-16,0 0 15,0 0-15,0 1 16,0-1-16,0 0 15,24-24-15,0 24 16,0-24 0,0 0-16,1 0 0,-1-24 15,0 0 1,24 0-16,-23-25 0,-25 25 16,24-24-16,-24-1 15,0 25-15,0-24 16,0 24-1,-24-25 1,-1 49-16,1 0 0,0 0 16,0 0-1,0 0 1,-1 0-16,25 24 16</inkml:trace>
-          <inkml:trace contextRef="#ctx0" brushRef="#br0" timeOffset="13251.6872">7310 704 0,'25'-25'63,"-25"1"-63,24 24 16,-24-24-1,24 24 1,0 0 15,0 0 32,-24 24-48,0 0 1,0 1-16,0-1 15,25-24-15,-25 24 0,0 0 16,0 0-16,0 1 16,0-1-1,0-73 48,0 25-48,0 0-15,0 0 16,0 0-16,24 24 16,-24-25-16,24 1 15,0 0-15,-24 0 0,24 0 16,1 0-16,-1 24 16</inkml:trace>
-        </inkml:traceGroup>
-        <inkml:traceGroup>
-          <inkml:annotationXML>
-            <emma:emma xmlns:emma="http://www.w3.org/2003/04/emma" version="1.0">
-              <emma:interpretation id="{E554D7D5-E076-4F89-8D1B-1DE999543DEA}" emma:medium="tactile" emma:mode="ink">
-                <msink:context xmlns:msink="http://schemas.microsoft.com/ink/2010/main" type="inkWord" rotatedBoundingBox="18814,6578 20379,6614 20355,7638 18791,7602"/>
-              </emma:interpretation>
-              <emma:one-of disjunction-type="recognition" id="oneOf2">
-                <emma:interpretation id="interp2" emma:lang="" emma:confidence="1">
-                  <emma:literal/>
-                </emma:interpretation>
-              </emma:one-of>
-            </emma:emma>
-          </inkml:annotationXML>
-          <inkml:trace contextRef="#ctx0" brushRef="#br0" timeOffset="14902.25">8205 510 0,'25'49'47,"-25"-25"-31,0 0-16,0 0 15,0 0-15,0 0 0,0 1 16,0-1 0,0 0-16,0 0 31,24-24-15,0 0-1,-24-24 1,24 0-16,0 24 15,1-24-15,-25-1 16,24 1-16,0 24 16,-24-24-16,24 24 15,-24-24-15,24 24 47,1 0 0,-25 24-16,0 0-31,24 0 16,-24 1 0,0-1-1,0 0-15,0 0 16,0 0 15</inkml:trace>
-          <inkml:trace contextRef="#ctx0" brushRef="#br0" timeOffset="15792.1594">8786 510 0,'-73'49'47,"49"-25"-47,0 0 16,24 0-16,-24-24 15,24 24-15,0 0 16,0 1-1,0-1 1,24-24 0,0 0-1,0 0-15,1 0 16,23 0-16,-24-24 16,0-1-16,1 1 15,-1 0-15,0 0 16,0 0-16,-24 0 15,0-1 1,0 1 0,-24 48 31,0 1-47,24-1 15,-24 0-15,24 0 16,0 0-16,0 0 15,0 1-15,0-1 16,0 0-16,0 24 16,0-23-16,0-1 15,0 0-15,0 0 16,0 0-16,0 1 16,0-1-16,0 0 15,0 0-15,0 0 16,0 25-1,0-25-15,0 0 0,-25 0 16,1 25-16,24-25 16,-24 0-16,0 0 15,0-24-15,-1 24 16,1-24-16,24 25 16,-24-25-16,0 0 15,0-25 1,24 1-16,0 0 15,-24 0-15,24-25 16,0 25-16,0 0 16,-25 0-16</inkml:trace>
-          <inkml:trace contextRef="#ctx0" brushRef="#br0" timeOffset="13752.8656">7915 583 0,'0'24'78,"0"0"-62,0 0-16,0 0 0,0 25 15,0-25-15,0 24 16,0-23-16,0-1 16,0 0-16,0-48 46</inkml:trace>
-          <inkml:trace contextRef="#ctx0" brushRef="#br0" timeOffset="14114.1661">7915 341 0,'24'-24'47,"-24"-1"-31</inkml:trace>
-          <inkml:trace contextRef="#ctx0" brushRef="#br0" timeOffset="17225.5419">9415 413 0,'24'0'62,"-48"0"-31,0 0-15,0 0 0,-1 0-16,1 25 0,0-25 15,0 24-15,0-24 16,-1 24-16,1 0 15,24 0 17,0 1-17,0-1 1,24 0 0,1 0-1,-1 0 1,0-24-1,0 24 1,0-24-16,1 0 16,-1 0-1,0 0-15,-24 25 32,24-25-17,-24 24 1,24-24-1,-24 24-15,0 0 32,0 0-17,0 1 1,-24-1 0,0 0-1,0-24 1,0 24-16,-1-24 0,1 0 15,-24 0-15,24 0 16,-1-24-16,-23 0 16,24 0-1,24-1 32</inkml:trace>
-        </inkml:traceGroup>
-      </inkml:traceGroup>
-    </inkml:traceGroup>
-    <inkml:traceGroup>
-      <inkml:annotationXML>
-        <emma:emma xmlns:emma="http://www.w3.org/2003/04/emma" version="1.0">
-          <emma:interpretation id="{4D534EC1-AB55-4877-B65C-DD5677E4F8C3}" emma:medium="tactile" emma:mode="ink">
-            <msink:context xmlns:msink="http://schemas.microsoft.com/ink/2010/main" type="paragraph" rotatedBoundingBox="12603,7714 17732,7716 17731,8491 12602,8489" alignmentLevel="2"/>
-          </emma:interpretation>
-        </emma:emma>
-      </inkml:annotationXML>
-      <inkml:traceGroup>
-        <inkml:annotationXML>
-          <emma:emma xmlns:emma="http://www.w3.org/2003/04/emma" version="1.0">
-            <emma:interpretation id="{CC11BA51-387A-42D5-9D4C-35393CDC9C78}" emma:medium="tactile" emma:mode="ink">
-              <msink:context xmlns:msink="http://schemas.microsoft.com/ink/2010/main" type="line" rotatedBoundingBox="12603,7714 17732,7716 17731,8491 12602,8489"/>
-            </emma:interpretation>
-          </emma:emma>
-        </inkml:annotationXML>
-        <inkml:traceGroup>
-          <inkml:annotationXML>
-            <emma:emma xmlns:emma="http://www.w3.org/2003/04/emma" version="1.0">
-              <emma:interpretation id="{713FB8FA-35B2-44C6-8393-C54D9A71F34B}" emma:medium="tactile" emma:mode="ink">
-                <msink:context xmlns:msink="http://schemas.microsoft.com/ink/2010/main" type="inkWord" rotatedBoundingBox="12603,7788 13910,7789 13909,8490 12602,8489"/>
-              </emma:interpretation>
-              <emma:one-of disjunction-type="recognition" id="oneOf3">
-                <emma:interpretation id="interp3" emma:lang="" emma:confidence="1">
-                  <emma:literal/>
-                </emma:interpretation>
-              </emma:one-of>
-            </emma:emma>
-          </inkml:annotationXML>
-          <inkml:trace contextRef="#ctx0" brushRef="#br1" timeOffset="32496.3275">2303 1599 0,'0'-73'47,"-24"73"31,24-24-78,-24 24 31,-1 0 32,1 24-32,24 0-15,0 1-16,-24-1 15,24 0-15,0 0 0,0 0 16,0 25-16,0-25 16,0 24-16,0 1 15,0-25-15,0 24 16,0-24-16,0 1 15,0 23-15,0-24 16,0 0-16,24 1 16,-24-1-16,0 0 15,24 0-15,-24 0 16,0 0 0</inkml:trace>
-          <inkml:trace contextRef="#ctx0" brushRef="#br1" timeOffset="32855.6225">2109 1841 0,'0'-25'46,"25"25"-30,-1 0 0,0 0 15,0 0-15,0 0-16,1 0 15</inkml:trace>
-          <inkml:trace contextRef="#ctx0" brushRef="#br1" timeOffset="31069.0639">1940 1550 0,'-24'0'172,"0"25"-140,0-25-32,-1 24 31,1 0-16,0-24 1,24 24-16,0 0 16,-24-24-1,24 24-15,-24-24 16,24 25-16,-25-25 16,25 24-16,0 0 15,-24-24 1,24 24-16,0 0 15,0 1 1,0-1-16,0 0 16,0 0-1,0 0-15,0 1 16,0-1-16,0 0 16,24 0-16,1 0 15,-1-24 1,-24 25-16,24-25 15,-24 24-15,24-24 16,0 0-16,1 0 16,-1 0 15</inkml:trace>
-          <inkml:trace contextRef="#ctx0" brushRef="#br1" timeOffset="33529.4006">2472 1889 0,'0'24'62,"0"0"-62,0 1 16,0-1-16,0 0 16,0 0-16,0 0 15,0 1 1,0-1 0,25-24-1,-1 0 1,0-24-16,-24-1 15,24 1-15,0 0 16,-24 0 0,0 0-16,0-1 0,0 1 15,0 0-15,-24 0 16,0 24 0,24-24-16,-24 24 15,0 0 1,-1 0-1,25 24 1</inkml:trace>
-          <inkml:trace contextRef="#ctx0" brushRef="#br1" timeOffset="34243.1789">2763 1913 0,'24'-24'46,"-24"0"1,24 24-31,-24 24 15,24 0-15,-24 0-16,0 1 15,0-1 1,24 0-16,-24 0 16,0-48 62,0 0-63,0 0-15,0-1 16,25 25-16,-25-24 16,24 0-16,0 0 15,0 24 1,-24-24 0,24 24-16,1 0 15</inkml:trace>
-        </inkml:traceGroup>
-        <inkml:traceGroup>
-          <inkml:annotationXML>
-            <emma:emma xmlns:emma="http://www.w3.org/2003/04/emma" version="1.0">
-              <emma:interpretation id="{7796E1EB-318C-4335-9243-E6D70A8C6877}" emma:medium="tactile" emma:mode="ink">
-                <msink:context xmlns:msink="http://schemas.microsoft.com/ink/2010/main" type="inkWord" rotatedBoundingBox="14684,7788 16933,7789 16932,8370 14683,8369"/>
-              </emma:interpretation>
-              <emma:one-of disjunction-type="recognition" id="oneOf4">
-                <emma:interpretation id="interp4" emma:lang="" emma:confidence="1">
-                  <emma:literal/>
-                </emma:interpretation>
-              </emma:one-of>
-            </emma:emma>
-          </inkml:annotationXML>
-          <inkml:trace contextRef="#ctx0" brushRef="#br1" timeOffset="37343.3143">4190 1816 0,'-24'-24'63,"48"24"15,0 0-62,0 0-1,0 0-15,1 0 16,23 0-16,-24 0 16,-24-24-1</inkml:trace>
-          <inkml:trace contextRef="#ctx0" brushRef="#br1" timeOffset="36959.5206">4262 1550 0,'0'25'94,"0"23"-94,0-24 16,0 24-16,0 1 15,0-25-15,0 24 16,0 1-16,0-25 16,0 0-16,0 25 15,0-25 1,0 0-16,25 0 16,-25 0-1,24-24-15,0 25 16,0-25 15,0 0 16,-24-25-31</inkml:trace>
-          <inkml:trace contextRef="#ctx0" brushRef="#br1" timeOffset="36204.076">4045 1550 0,'24'0'62,"-48"0"-15,0 0-31,-1 0-1,1 25 1,0-25-16,0 0 16,0 24-16,-1 0 15,1 0 1,0 0 0,24 0-1,0 1 1,0-1-16,0 0 15,0 0 1,24 0 0,-24 1-1,24-25-15,1 24 16,-1-24 0,0 0-16,0 0 15,0 0-15,1 0 16,-1 0-16,0 0 15,-24 24-15,24-24 32,-24 24-17,0 0 48,0 1-48,0-1-15,-24 0 16,0 0 0,0 0-16,-1 1 15,1-25 1,0 0 0,0 0-16,0 0 15,-1 0-15,1-25 16,0 1-16,0 24 15,24-24-15,-24 24 16</inkml:trace>
-          <inkml:trace contextRef="#ctx0" brushRef="#br1" timeOffset="38212.5655">4674 1865 0,'-25'0'94,"1"24"-94,0-24 16,24 24-16,-24 0 15,24 1-15,-24-1 16,24 0-1,0 0-15,0 0 16,24-24 15,0 0-31,0 0 16,0 0-16,1 0 16,-1-24-16,0 24 15,0-24-15,0 0 16,-24 0-16,25-1 0,-25 1 31,0 0-31,0 0 16,0 48 46,-25-24-62,25 24 16,0 0-16,0 1 15,0-1-15,0 0 16,0 0 0,25 25-1,-1-49 1,0 0 0</inkml:trace>
-          <inkml:trace contextRef="#ctx0" brushRef="#br1" timeOffset="38849.1245">4916 1937 0,'24'0'62,"-24"-24"-62,24 24 16,-24-24-1,24 24-15,0-24 16,1 24 31,-25 24-32,0 0 1,0 0-16,0 1 16,0 23 15,0-24-31,0-48 62,0 0-46,0 0 0,24 24-16,-24-25 15,24 25-15,-24-24 16,24 0 0,-24 0-16</inkml:trace>
-          <inkml:trace contextRef="#ctx0" brushRef="#br1" timeOffset="39726.9966">5157 1792 0,'25'0'62,"-1"0"-46,0 0 0,0 0-16,0 0 15</inkml:trace>
-          <inkml:trace contextRef="#ctx0" brushRef="#br1" timeOffset="39428.495">5254 1502 0,'24'24'47,"-24"0"-32,0 1-15,0 23 0,0-24 16,0 0-16,0 25 15,0-1-15,0-24 16,0 25-16,0-25 0,0 0 16,0 24-1,0-23-15,0-1 16,0 0 0,25-24 15,-1 0-16,0 0 1,0-24 0</inkml:trace>
-          <inkml:trace contextRef="#ctx0" brushRef="#br1" timeOffset="40343.2369">5545 1865 0,'24'24'47,"0"-24"-32,0-24-15,0 24 16,0-24-16,-24-1 15,25 25 1,-50-24 15,-23 24-15,24 0-16,0 24 16,0-24-16,-1 25 0,25-1 15,-24 0-15,24 0 16,0 0-1,0 1 1,0-1-16,0 0 16,24 0-1,1-24 1,-1 0-16,0 0 16</inkml:trace>
-          <inkml:trace contextRef="#ctx0" brushRef="#br1" timeOffset="40905.6176">5811 1865 0,'48'-49'47,"-24"49"-16,0 25 1,-24-1-17,0 0-15,25 0 16,-25 0 0,0 1-1,0-1 1,0-48 31,0-1-32,24 1 1,-24 0-16,24 0 16,0 0-16,-24-1 15,24 25-15,-24-24 16,-24 24 15</inkml:trace>
-        </inkml:traceGroup>
-        <inkml:traceGroup>
-          <inkml:annotationXML>
-            <emma:emma xmlns:emma="http://www.w3.org/2003/04/emma" version="1.0">
-              <emma:interpretation id="{19F63859-3B69-4862-AD95-22DF367B80C5}" emma:medium="tactile" emma:mode="ink">
-                <msink:context xmlns:msink="http://schemas.microsoft.com/ink/2010/main" type="inkWord" rotatedBoundingBox="16891,7938 17639,7698 17833,8306 17085,8545"/>
-              </emma:interpretation>
-              <emma:one-of disjunction-type="recognition" id="oneOf5">
-                <emma:interpretation id="interp5" emma:lang="" emma:confidence="0">
-                  <emma:literal>s)</emma:literal>
-                </emma:interpretation>
-                <emma:interpretation id="interp6" emma:lang="" emma:confidence="0">
-                  <emma:literal>S )</emma:literal>
-                </emma:interpretation>
-                <emma:interpretation id="interp7" emma:lang="" emma:confidence="0">
-                  <emma:literal>s )</emma:literal>
-                </emma:interpretation>
-                <emma:interpretation id="interp8" emma:lang="" emma:confidence="0">
-                  <emma:literal>5 )</emma:literal>
-                </emma:interpretation>
-                <emma:interpretation id="interp9" emma:lang="" emma:confidence="0">
-                  <emma:literal>4 )</emma:literal>
-                </emma:interpretation>
-              </emma:one-of>
-            </emma:emma>
-          </inkml:annotationXML>
-          <inkml:trace contextRef="#ctx0" brushRef="#br1" timeOffset="41796.7962">6319 1744 0,'0'-24'47,"-25"24"0,1 0-32,24 24-15,-24-24 16,0 0-16,24 24 0,-24-24 16,24 24-1,-25 0-15,25 1 31,0-1-31,25 0 32,-1-24-17,0 0-15,0 0 16,0 24-16,1-24 16,-25 24 15,24-24-16,-24 25 32,0-1 16,0 0-48,-24-24 1,24 24-16,-49 0 31,25-24-15,0 0 0,0 0-16,-1-24 15,1 24 1,24-24-16,-24 24 0,0 0 15</inkml:trace>
-          <inkml:trace contextRef="#ctx0" brushRef="#br1" timeOffset="42599.0913">6681 1429 0,'25'49'47,"-1"-49"-32,-24 24-15,24 0 16,-24 0-16,24 1 16,-24-1-16,24 0 15,-24 0-15,0 24 16,25-23-16,-25-1 16,0 24-16,0-24 0,0 1 15,0 23 1,0-24-16,0 0 0,-25 1 15,1 23-15,24-24 16,-24-24-16,24 24 16,-24-24-16,24 25 15,-24-25 1,24-25 15</inkml:trace>
-        </inkml:traceGroup>
-      </inkml:traceGroup>
-    </inkml:traceGroup>
-  </inkml:traceGroup>
-</inkml:ink>
-</file>
-
-<file path=ppt/ink/ink90.xml><?xml version="1.0" encoding="utf-8"?>
-<inkml:ink xmlns:inkml="http://www.w3.org/2003/InkML">
-  <inkml:definitions/>
-  <inkml:traceGroup>
-    <inkml:annotationXML>
-      <emma:emma xmlns:emma="http://www.w3.org/2003/04/emma" version="1.0">
-        <emma:interpretation id="{D7512D96-1EC5-4707-BC30-9A3491256C30}" emma:medium="tactile" emma:mode="ink">
-          <msink:context xmlns:msink="http://schemas.microsoft.com/ink/2010/main" type="writingRegion" rotatedBoundingBox="10163,2103 15627,2143 15621,2952 10157,2912"/>
-        </emma:interpretation>
-      </emma:emma>
-    </inkml:annotationXML>
-  </inkml:traceGroup>
-</inkml:ink>
-</file>
-
-<file path=ppt/ink/ink91.xml><?xml version="1.0" encoding="utf-8"?>
-<inkml:ink xmlns:inkml="http://www.w3.org/2003/InkML">
-  <inkml:definitions>
-    <inkml:context xml:id="ctx0">
-      <inkml:inkSource xml:id="inkSrc0">
-        <inkml:traceFormat>
-          <inkml:channel name="X" type="integer" min="-1920" max="3840" units="cm"/>
-          <inkml:channel name="Y" type="integer" max="1080" units="cm"/>
-          <inkml:channel name="T" type="integer" max="2.14748E9" units="dev"/>
-        </inkml:traceFormat>
-        <inkml:channelProperties>
-          <inkml:channelProperty channel="X" name="resolution" value="109.29791" units="1/cm"/>
-          <inkml:channelProperty channel="Y" name="resolution" value="36.48649" units="1/cm"/>
-          <inkml:channelProperty channel="T" name="resolution" value="1" units="1/dev"/>
-        </inkml:channelProperties>
-      </inkml:inkSource>
-      <inkml:timestamp xml:id="ts0" timeString="2017-12-28T07:06:02.360"/>
-    </inkml:context>
-    <inkml:brush xml:id="br0">
-      <inkml:brushProperty name="width" value="0.07938" units="cm"/>
-      <inkml:brushProperty name="height" value="0.07938" units="cm"/>
-      <inkml:brushProperty name="color" value="#0070C0"/>
-      <inkml:brushProperty name="fitToCurve" value="1"/>
-    </inkml:brush>
-    <inkml:brush xml:id="br1">
-      <inkml:brushProperty name="width" value="0.05292" units="cm"/>
-      <inkml:brushProperty name="height" value="0.05292" units="cm"/>
-      <inkml:brushProperty name="color" value="#C55A11"/>
-      <inkml:brushProperty name="fitToCurve" value="1"/>
-    </inkml:brush>
-    <inkml:brush xml:id="br2">
-      <inkml:brushProperty name="width" value="0.05292" units="cm"/>
-      <inkml:brushProperty name="height" value="0.05292" units="cm"/>
-      <inkml:brushProperty name="color" value="#70AD47"/>
-      <inkml:brushProperty name="fitToCurve" value="1"/>
-    </inkml:brush>
-    <inkml:brush xml:id="br3">
-      <inkml:brushProperty name="width" value="0.05292" units="cm"/>
-      <inkml:brushProperty name="height" value="0.05292" units="cm"/>
-      <inkml:brushProperty name="color" value="#0070C0"/>
-      <inkml:brushProperty name="fitToCurve" value="1"/>
-    </inkml:brush>
-    <inkml:brush xml:id="br4">
-      <inkml:brushProperty name="width" value="0.07938" units="cm"/>
-      <inkml:brushProperty name="height" value="0.07938" units="cm"/>
-      <inkml:brushProperty name="color" value="#C00000"/>
-      <inkml:brushProperty name="fitToCurve" value="1"/>
-    </inkml:brush>
-    <inkml:brush xml:id="br5">
-      <inkml:brushProperty name="width" value="0.05292" units="cm"/>
-      <inkml:brushProperty name="height" value="0.05292" units="cm"/>
-      <inkml:brushProperty name="color" value="#7B7B7B"/>
-      <inkml:brushProperty name="fitToCurve" value="1"/>
-    </inkml:brush>
-  </inkml:definitions>
-  <inkml:traceGroup>
-    <inkml:annotationXML>
-      <emma:emma xmlns:emma="http://www.w3.org/2003/04/emma" version="1.0">
-        <emma:interpretation id="{202EA63A-B4EF-4252-BDF2-B16E442E2ECC}" emma:medium="tactile" emma:mode="ink">
-          <msink:context xmlns:msink="http://schemas.microsoft.com/ink/2010/main" type="writingRegion" rotatedBoundingBox="8012,2087 15627,2143 15595,6562 7980,6506"/>
-        </emma:interpretation>
-      </emma:emma>
-    </inkml:annotationXML>
-    <inkml:traceGroup>
-      <inkml:annotationXML>
-        <emma:emma xmlns:emma="http://www.w3.org/2003/04/emma" version="1.0">
-          <emma:interpretation id="{C8832E3D-2D53-462D-B137-5957A5D28C1A}" emma:medium="tactile" emma:mode="ink">
-            <msink:context xmlns:msink="http://schemas.microsoft.com/ink/2010/main" type="paragraph" rotatedBoundingBox="10163,2103 15627,2143 15621,2952 10157,2912" alignmentLevel="2"/>
-          </emma:interpretation>
-        </emma:emma>
-      </inkml:annotationXML>
-      <inkml:traceGroup>
-        <inkml:annotationXML>
-          <emma:emma xmlns:emma="http://www.w3.org/2003/04/emma" version="1.0">
-            <emma:interpretation id="{71059A15-5FBA-4563-A1B1-B7B98ECF4883}" emma:medium="tactile" emma:mode="ink">
-              <msink:context xmlns:msink="http://schemas.microsoft.com/ink/2010/main" type="line" rotatedBoundingBox="10163,2103 15627,2143 15621,2952 10157,2912"/>
-            </emma:interpretation>
-          </emma:emma>
-        </inkml:annotationXML>
-        <inkml:traceGroup>
-          <inkml:annotationXML>
-            <emma:emma xmlns:emma="http://www.w3.org/2003/04/emma" version="1.0">
-              <emma:interpretation id="{6D5BF988-AEBF-433F-B837-2175629963C4}" emma:medium="tactile" emma:mode="ink">
-                <msink:context xmlns:msink="http://schemas.microsoft.com/ink/2010/main" type="inkWord" rotatedBoundingBox="10163,2103 13017,2124 13012,2808 10158,2787"/>
-              </emma:interpretation>
-            </emma:emma>
-          </inkml:annotationXML>
-          <inkml:trace contextRef="#ctx0" brushRef="#br0">52 24 0,'25'-24'47,"-25"48"15,0 1-62,0 23 16,0 0-16,0 1 16,-25-1-16,25 25 0,-24-25 15,24 0 1,-24 1-16,24-25 0,0 24 15,0-23 1,0-1 0,0 0 46,24-24-15,0 0-31,1 0-16,-1 0 15,0 0-15,0 0 16,0 0 0,1 0-16,-1 0 15,0 0-15,0 0 16,0 0-1,-24-24-15</inkml:trace>
-          <inkml:trace contextRef="#ctx0" brushRef="#br0" timeOffset="899.9063">488 411 0,'24'0'78,"0"-24"-47,0 24-15,1 0 0,-1 0-1,-24-24-15,0 0 47,0 0-31,0-1-16,0 1 15,-24 0 1,-1 24 0,1 0-1,0 0 1,24 24 0,-24-24-16,24 24 15,-24-24-15,24 25 16,-25-1-1,25 0 1,0 0-16,0 0 16,0 1-16,-24-1 15,24 0-15,0 0 16,0 0-16,0 1 16,0-1-16,24 0 15,1 0 1,-1-24-1,0 0 1,0 0 0</inkml:trace>
-          <inkml:trace contextRef="#ctx0" brushRef="#br0" timeOffset="1830.3059">826 363 0,'-24'0'125,"24"24"-125,0 0 15,-24-24-15,0 25 16,0-1-16,24 0 16,-24 0-16,24 0 0,0 1 15,-25-25-15,25 24 16,0 0-1,25-24 1,-1 0 0,0 0-1,0-24-15,0 24 16,0-24-16,1-1 16,-25 1-16,0 0 0,24 0 15,-24 0 1,0 48 109,0 0-110,0 0 1,0 0-16,0 1 16,0-1-16,0 0 15,0 0 1,24-24 0,0 0-1</inkml:trace>
-          <inkml:trace contextRef="#ctx0" brushRef="#br0" timeOffset="2572.8407">1044 484 0,'49'-24'47,"-25"24"-1,-24 24 33,0 0-79,0 0 15,0 1-15,0-1 16,0 0-1,0 0-15,0-48 79,24 0-64,-24 0 16,0-1-15,0 1 0,24 24-16,-24-24 0,0 0 0,24 24 15,-24-24-15,25 24 16,-25-25 0</inkml:trace>
-          <inkml:trace contextRef="#ctx0" brushRef="#br0" timeOffset="3330.6445">1407 411 0,'0'25'79,"0"-1"-79,0 0 15,0 0-15,0 0 16,0 1-1,0-1-15,0 0 16,0 0 0,0-48 46,24 0-62,-24 0 16,24-1-16,1 1 0,-1 0 15,-24 0 1,24 24 0,-24-24-1,24 24 1,0 0 31,-24 24-47,0 0 15,25 0 1,-25 0 0,0 1-16,0-1 15,0 0 1,0 0 0</inkml:trace>
-          <inkml:trace contextRef="#ctx0" brushRef="#br0" timeOffset="4080.0958">1939 387 0,'-24'24'78,"0"1"-63,0-25-15,24 24 0,-25-24 16,25 24 0,-24-24-16,24 24 0,0 0 15,-24-24-15,24 25 16,0-1-16,0 0 31,24-24-15,0 0-1,1 0 1,-25-24-16,24 24 16,-24-24-16,24-1 15,-24 1-15,24 0 16,-24 0-16,24 24 15,-24-24-15,0-1 16,0 74 93,0 23-77,0-47-32,0-1 0,0 0 15,0 0 1,25 0 0</inkml:trace>
-          <inkml:trace contextRef="#ctx0" brushRef="#br0" timeOffset="4920.9429">2230 73 0,'24'0'47,"-24"24"-16,0 0-31,-24 25 16,24-25-16,-25 24 16,25-24-16,0 25 0,-24-25 15,24 24-15,0 1 16,0-25-1,0 0-15,0 0 16,0 0 0,24-24 15,1-24-15,-1 0-16,0 24 15,0-24-15,0 24 16,-24-24-16,24 24 31,-24 24 32,0 0-32,25-24-31,-25 24 15,0 0 1,0 1 0,-25-25-1,25 24 1,-24-24-16,0 0 0,-24 24 16,24-24-1,-1 0 1,25-24-1,0 0 1,0-1-16,0 1 16</inkml:trace>
-          <inkml:trace contextRef="#ctx0" brushRef="#br0" timeOffset="5483.242">2520 97 0,'0'24'47,"0"0"-32,0 25-15,0-25 0,0 24 16,0-24-1,0 25-15,0-25 0,0 24 16,0-23-16,0 23 16,0-24-16,0 25 15,0-25-15,0 0 16,0 0-16,0 0 16,-24 1-1,24-1 1</inkml:trace>
-          <inkml:trace contextRef="#ctx0" brushRef="#br0" timeOffset="6052.0902">2665 460 0,'121'24'62,"-97"-24"-62,0-24 16,0 24 0,-24-24-16,0-1 31,0 1 0,-24 24-15,0-24-1,0 24-15,0 0 16,0 0 0,24 24-1,-25-24-15,25 24 16,-24 1 0,24-1-16,-24 24 0,24-24 15,0 1-15,0-1 16,0 48-1,24-47 1,0-1 0,1-24-16,-1 0 15,0 0-15,0-24 16,0 24-16,-24-25 0</inkml:trace>
-        </inkml:traceGroup>
-        <inkml:traceGroup>
-          <inkml:annotationXML>
-            <emma:emma xmlns:emma="http://www.w3.org/2003/04/emma" version="1.0">
-              <emma:interpretation id="{C2FCC0FF-441D-4507-8F04-6D03D33E2A6C}" emma:medium="tactile" emma:mode="ink">
-                <msink:context xmlns:msink="http://schemas.microsoft.com/ink/2010/main" type="inkWord" rotatedBoundingBox="13792,2211 15627,2225 15621,2952 13787,2939"/>
-              </emma:interpretation>
-              <emma:one-of disjunction-type="recognition" id="oneOf0">
-                <emma:interpretation id="interp0" emma:lang="" emma:confidence="1">
-                  <emma:literal/>
-                </emma:interpretation>
-              </emma:one-of>
-            </emma:emma>
-          </inkml:annotationXML>
-          <inkml:trace contextRef="#ctx0" brushRef="#br0" timeOffset="7980.1916">3947 242 0,'0'-24'62,"-24"24"-15,0-24-31,-1 24-16,1 0 46,-48 24-30,48 0 0,24 0-1,-25-24-15,25 24 16,-24-24-16,24 25 16,0-1-16,0 0 0,0 0 15,0 0 1,0 1-16,0-1 15,24-24 1,-24 24-16,25-24 16,-1 24-16,0-24 15,-24 24 1,24-24-16,0 25 31,-24-1 0,0 0 1,0 0-1,0 0-31,-24-24 16,24 25-1,-24-25-15,0 0 16,0 0-1,-1 0 1,1 0-16,0 0 16,0-25-1,24 1 1,-24 24 0</inkml:trace>
-          <inkml:trace contextRef="#ctx0" brushRef="#br0" timeOffset="8573.9986">4092 290 0,'0'25'109,"0"-1"-109,0 0 16,0 0-16,0 0 15,0 1-15,0 23 16,0-24-16,0 0 15,0 1-15,0 23 16,0-24-16,0 0 16,0 1-16,0-1 15</inkml:trace>
-          <inkml:trace contextRef="#ctx0" brushRef="#br0" timeOffset="9112.8899">4334 315 0,'-24'24'47,"0"0"-31,0 0-16,-1-24 15,1 24-15,0 1 16,24-1 62,0 0-47,0 0-15,24-24 0,-24 24-16,0 1 15,24-25-15,-24 24 16,0 0-16,25 0 16,-25 0-1</inkml:trace>
-          <inkml:trace contextRef="#ctx0" brushRef="#br0" timeOffset="10177.3184">4721 266 0,'0'24'47,"0"1"-31,0 23-1,0-24-15,-24 25 0,24-25 16,0 24-16,-24-24 16,24 25-16,0-25 15,0 0-15,0 0 16,0 1-1,0-1 17,24-24-17</inkml:trace>
-          <inkml:trace contextRef="#ctx0" brushRef="#br0" timeOffset="10717.8931">4987 218 0,'0'24'47,"0"0"-47,-24 0 16,24 25-1,-24-25-15,0 24 0,24 1 16,-25-25-16,25 24 15,0-23-15,-24 23 16,24-24-16,0 0 16,0 1-16,0-1 15,24-24 1,1 0 15</inkml:trace>
-          <inkml:trace contextRef="#ctx0" brushRef="#br0" timeOffset="11992.6617">5253 774 0,'25'0'62,"-1"0"-46,-24 24 46,0 1-46,-24-25-1,-1 24 1,25-48 15,0-1-15,0 1 15</inkml:trace>
-          <inkml:trace contextRef="#ctx0" brushRef="#br0" timeOffset="11427.1426">5471 121 0,'0'24'47,"-24"1"-47,24 23 15,-24-24-15,24 0 16,-25 25-16,25-25 15,-24 24-15,24-24 0,-24 1 16,24-1-16,0 0 16,-24 0-16,24 0 15,-24-24 1</inkml:trace>
-        </inkml:traceGroup>
-        <inkml:traceGroup>
-          <inkml:annotationXML>
-            <emma:emma xmlns:emma="http://www.w3.org/2003/04/emma" version="1.0">
-              <emma:interpretation id="{02DCE745-F8AE-4157-93BC-8F80651E1966}" emma:medium="tactile" emma:mode="ink">
-                <msink:context xmlns:msink="http://schemas.microsoft.com/ink/2010/main" type="inkWord" rotatedBoundingBox="14662,2345 14709,2346 14706,2806 14658,2805"/>
-              </emma:interpretation>
-            </emma:emma>
-          </inkml:annotationXML>
-          <inkml:trace contextRef="#ctx0" brushRef="#br0" timeOffset="19094.7521">4528 460 0,'24'0'47,"-24"24"93,-24-24-140,24 24 16,0 0 0,0 1 15,0-1-15,0 0-1,0 0 1,0 0-1,-25-24 1,25 25-16,0-1 31</inkml:trace>
-          <inkml:trace contextRef="#ctx0" brushRef="#br0" timeOffset="20095.8979">4528 242 0,'24'0'62,"-24"24"1,0 0 187</inkml:trace>
-        </inkml:traceGroup>
-      </inkml:traceGroup>
-    </inkml:traceGroup>
-    <inkml:traceGroup>
-      <inkml:annotationXML>
-        <emma:emma xmlns:emma="http://www.w3.org/2003/04/emma" version="1.0">
-          <emma:interpretation id="{666DEA7A-778F-47BB-970C-044E71E4692C}" emma:medium="tactile" emma:mode="ink">
-            <msink:context xmlns:msink="http://schemas.microsoft.com/ink/2010/main" type="paragraph" rotatedBoundingBox="8695,4069 10622,3969 10651,4512 8723,4613" alignmentLevel="1"/>
-          </emma:interpretation>
-        </emma:emma>
-      </inkml:annotationXML>
-      <inkml:traceGroup>
-        <inkml:annotationXML>
-          <emma:emma xmlns:emma="http://www.w3.org/2003/04/emma" version="1.0">
-            <emma:interpretation id="{E1ADD104-F70F-4BDC-926D-E0D527CA0BEE}" emma:medium="tactile" emma:mode="ink">
-              <msink:context xmlns:msink="http://schemas.microsoft.com/ink/2010/main" type="line" rotatedBoundingBox="8695,4069 10622,3969 10651,4512 8723,4613"/>
-            </emma:interpretation>
-          </emma:emma>
-        </inkml:annotationXML>
-        <inkml:traceGroup>
-          <inkml:annotationXML>
-            <emma:emma xmlns:emma="http://www.w3.org/2003/04/emma" version="1.0">
-              <emma:interpretation id="{025F5A49-C909-4CB9-85FF-C06483446285}" emma:medium="tactile" emma:mode="ink">
-                <msink:context xmlns:msink="http://schemas.microsoft.com/ink/2010/main" type="inkWord" rotatedBoundingBox="8695,4069 10622,3969 10651,4512 8723,4613"/>
-              </emma:interpretation>
-              <emma:one-of disjunction-type="recognition" id="oneOf1">
-                <emma:interpretation id="interp1" emma:lang="" emma:confidence="1">
-                  <emma:literal/>
-                </emma:interpretation>
-              </emma:one-of>
-            </emma:emma>
-          </inkml:annotationXML>
-          <inkml:trace contextRef="#ctx0" brushRef="#br1" timeOffset="573510.6641">-1375 2008 0,'73'73'63,"-73"-49"-63,24-24 15,-24 24-15,24-24 16</inkml:trace>
-          <inkml:trace contextRef="#ctx0" brushRef="#br1" timeOffset="573107.6513">-1423 2226 0,'-24'0'63,"48"0"30,0 0-77,0 24-16,0-24 16,1 24-16,-1-24 0,-24 24 15,24-24-15,0 0 16</inkml:trace>
-          <inkml:trace contextRef="#ctx0" brushRef="#br1" timeOffset="573952.8761">-1181 1960 0,'24'0'46,"0"24"-30,-24 0 0,0 0-16,0 0 15,0 1 1,0-1-16,0 0 16,0 0-1</inkml:trace>
-          <inkml:trace contextRef="#ctx0" brushRef="#br1" timeOffset="575133.426">-698 2105 0,'-48'97'47,"24"-73"-31,0 0-1,24 0 1</inkml:trace>
-          <inkml:trace contextRef="#ctx0" brushRef="#br1" timeOffset="574749.8351">-818 2008 0,'0'48'47,"-25"-48"-32,25 25-15,0-1 16,-24-24 0,24 24-16,0 0 15,0 0 1,-24-24-1</inkml:trace>
-          <inkml:trace contextRef="#ctx0" brushRef="#br1" timeOffset="574367.7063">-939 1960 0,'0'24'47,"0"0"-32,0 0 1,-25 0 0,25 1-1,0-1 1</inkml:trace>
-          <inkml:trace contextRef="#ctx0" brushRef="#br2" timeOffset="602476.2182">-480 2419 0,'-24'0'63,"24"-24"218,0 0-250,0 0 0,0-1 1,0 1-17,24 24-15,-24-24 31,0 0 1,0 0-1,24 24-15,-24-24-1,0-1 32,25 25-47,-25-24 31,24 0-15,-24 0 31,24 24-32,-24-24 1,24 24 0,-24-25-1,24 25 1,-24-24 0,25 24-16,-1-24 31,0 0-16,0 24 17,0 0 15,-24-24-47,24 24 15,1 0 1,-25-25 15,24 25-31,0 0 31,0 0 1,0 0-17,1 0 16,-25 25-31,24-25 32,-24 24-17,24-24 1,0 24 0,0 0 15,-24 0-31,25 1 15,-1-1 1,-24 0 0,24-24-1,-24 24 1,24 0 0,0 1 15,-24-1-16,25 0 1,-1-24 15,-24 24-15,24-24-16,-24 24 16,24-24-1,-24 24-15,0 1 31,0-1-15,24-24 0,-24 24-1,0 0 17</inkml:trace>
-          <inkml:trace contextRef="#ctx0" brushRef="#br2" timeOffset="617011.2099">52 1984 0,'25'0'266,"-1"0"-235,0 0-15,0 0 0,0 24-16,1-24 15,-25 24 1,24-24-16,0 24 15,0 1 1,0-1 0,0-24-16,-24 24 15,25 0-15,-1-24 16,0 24-16,0 1 16,0-25-16,-24 24 15,25 0-15,-1 0 16,-24 0-1,0 0 1</inkml:trace>
-          <inkml:trace contextRef="#ctx0" brushRef="#br2" timeOffset="618398.5558">-20 1960 0,'48'-49'47,"-24"25"-31,1 24-1,-1 0 17,0 0-17,0 0-15,0 0 16,1 0-16,-1 0 15,0 0-15,0 24 16,0-24-16,0 0 16</inkml:trace>
-          <inkml:trace contextRef="#ctx0" brushRef="#br2" timeOffset="617639.9623">173 2081 0,'73'72'62,"-49"-48"-62,-24 1 16,24-25-16,-24 24 16,24-24-16,-24 24 15,25-24-15,-25 24 16,24 0-1,-24 0-15,24-24 16</inkml:trace>
-          <inkml:trace contextRef="#ctx0" brushRef="#br2" timeOffset="619859.3751">-456 2129 0,'-24'0'172,"0"0"-156,0 0 15,24 24-31,-24-24 31,24 24-15,-25-24 15,25 25-31,0-1 16,-24-24 0,24 24-16,0 0 31</inkml:trace>
-          <inkml:trace contextRef="#ctx0" brushRef="#br2" timeOffset="621077.0407">-214 1960 0,'-96'0'47,"71"0"-47,1 0 16,0 0-1,0 0 1,24-25-16,-24 25 16,-1 0-16,1 0 15,0 0 1,0 0 15,-25 25 0,25 47 16,0-48-31,24 1 0</inkml:trace>
-          <inkml:trace contextRef="#ctx0" brushRef="#br2" timeOffset="620475.9997">-310 2008 0,'-25'0'125,"1"0"-109,0 0-16,0 0 0,24 24 16,-24-24-16,-1 0 15,25 24 1,-24-24-1,0 0 1,24 25 0,-24-25-1,0 24 1,-1-24 0,25 24-1</inkml:trace>
-          <inkml:trace contextRef="#ctx0" brushRef="#br2" timeOffset="621638.7027">-335 2129 0,'-48'24'47,"24"-24"-31,24 24-16,-24-24 0,24 25 15,-25-1 1,1 0 0,24 0-16,-24-24 31,24 24-16</inkml:trace>
-          <inkml:trace contextRef="#ctx0" brushRef="#br2" timeOffset="622177.0348">-504 2226 0,'-24'48'47,"24"-24"-32,-24 0 1,24 1-16,0-1 15,-25-24-15,25 24 16,0 0 0,0 0 15,-24-24-31</inkml:trace>
-          <inkml:trace contextRef="#ctx0" brushRef="#br3" timeOffset="644774.3797">-1181 2395 0,'0'24'62,"-25"-24"235,25-24 125,25 24-391,-1 0 63,-48 0 15,-1 0-62,50 0 141,-50 0 15,50 0-94,-1 0-78,-48 0 94,-1 0-109,50 0 140,-50 0-31,25-24-62,25 24-1,-1 0-46,-48 0 78,-1 0-32</inkml:trace>
-          <inkml:trace contextRef="#ctx0" brushRef="#br3" timeOffset="646875.5769">-915 2419 0,'0'-24'235,"-24"24"-126,-1 0-93,1 0 15,48 0 78,1 0-62,-1 0 16,-48 0 46,-1 0-93,50 0 140,-50 0-78</inkml:trace>
-          <inkml:trace contextRef="#ctx0" brushRef="#br1" timeOffset="657045.3604">-286 2347 0,'24'0'266,"0"0"-235,0 0-15,0 0-1,-48 0 110,0 0-93,0 0-1,0 0 0,48 0 110,0 0-126,0 0-15,-48 0 141,0 0-125,0 0 15</inkml:trace>
-          <inkml:trace contextRef="#ctx0" brushRef="#br1" timeOffset="659137.8025">-20 2347 0,'24'0'141,"0"0"-94,-48 0 46,0 0-77,48 0 125,0 0-126,-24-25 1,24 25 0,-24-24 15,-24 24 16,0 24-32,48-24 126,-24 25-32,24-25 48,-48 0-48,0 0-78,48 0 47,0 0-46</inkml:trace>
-          <inkml:trace contextRef="#ctx0" brushRef="#br1" timeOffset="660750.0003">-262 2347 0,'24'0'234,"-24"24"-203,-24-24 16,48 0 16,0 0-48,0 0 16,-48 0 94,0 0-93,24-24-1,24 24 47,-48 0 16</inkml:trace>
-          <inkml:trace contextRef="#ctx0" brushRef="#br1" timeOffset="571998.0819">-1423 2443 0,'0'-24'500,"24"24"-500,-24-24 31,0 0 0,0 0 0,24-1 1,-24 1-1,0 0 0,24 24-15,-24-24-1,0 0 17,25 24-1,-25-24-31,0-1 31,24 25-15,-24-24 15,24 24-15,-24-24 15,24 24-15,-24-24 15,24 24-16,-24-24 32,24 24-47,1 0 32,-25-25 46,24 25-63,0 0 48,0 0-32,0 0 16,1 0-16,-25 25 16,24-25-47,0 0 47,-24 24-16,24-24-31,0 0 31,-24 24-15,25-24 0,-25 24 15,24-24-15,0 24 15,0-24 16,-24 25-32,24-25 17,-24 24-17,25-24 1,-25 24-1,24 0 1,0-24 15,-24 24-15,24-24 0,-24 24-1,24-24 1,-24 25-1,24-1 17,-24 0-1</inkml:trace>
-        </inkml:traceGroup>
-      </inkml:traceGroup>
-    </inkml:traceGroup>
-    <inkml:traceGroup>
-      <inkml:annotationXML>
-        <emma:emma xmlns:emma="http://www.w3.org/2003/04/emma" version="1.0">
-          <emma:interpretation id="{E926D206-4FB9-4A13-AFA9-42A79B06455E}" emma:medium="tactile" emma:mode="ink">
-            <msink:context xmlns:msink="http://schemas.microsoft.com/ink/2010/main" type="paragraph" rotatedBoundingBox="8965,4914 10359,4958 10343,5454 8949,5410" alignmentLevel="1"/>
-          </emma:interpretation>
-        </emma:emma>
-      </inkml:annotationXML>
-      <inkml:traceGroup>
-        <inkml:annotationXML>
-          <emma:emma xmlns:emma="http://www.w3.org/2003/04/emma" version="1.0">
-            <emma:interpretation id="{20B73E8C-A54B-4E76-A33F-5E8829661CF5}" emma:medium="tactile" emma:mode="ink">
-              <msink:context xmlns:msink="http://schemas.microsoft.com/ink/2010/main" type="line" rotatedBoundingBox="8965,4914 10359,4958 10343,5454 8949,5410">
-                <msink:destinationLink direction="with" ref="{CD1C33AA-0A27-42B2-BFFD-1A5A2BCE6C6C}"/>
-              </msink:context>
-            </emma:interpretation>
-          </emma:emma>
-        </inkml:annotationXML>
-        <inkml:traceGroup>
-          <inkml:annotationXML>
-            <emma:emma xmlns:emma="http://www.w3.org/2003/04/emma" version="1.0">
-              <emma:interpretation id="{6A0F327D-B8EC-4E66-A6F3-4FA3092E2093}" emma:medium="tactile" emma:mode="ink">
-                <msink:context xmlns:msink="http://schemas.microsoft.com/ink/2010/main" type="inkWord" rotatedBoundingBox="8965,4914 10359,4958 10343,5454 8949,5410">
-                  <msink:destinationLink direction="with" ref="{E033F29F-D00F-44F5-83D9-9A9C8C5D8C12}"/>
-                  <msink:destinationLink direction="with" ref="{9D8B43C9-BF29-47CB-A8E0-9AF4B2F9A698}"/>
-                </msink:context>
-              </emma:interpretation>
-            </emma:emma>
-          </inkml:annotationXML>
-          <inkml:trace contextRef="#ctx0" brushRef="#br4" timeOffset="685753.0815">-1181 2879 0,'0'24'266,"0"0"-266,0 0 15,0 1 1,0-1 0,0 0-1,0 0-15,0 0 16,0 1 0,0-1-16,0 0 15,0 0 1,0 0-1,0 1 1,0-1 0,0 0-1,0 0 63,-25-24-62</inkml:trace>
-          <inkml:trace contextRef="#ctx0" brushRef="#br4" timeOffset="686872.4429">-1157 2855 0,'0'-25'47,"24"25"-16,0 0 16,0 0-32,1 0 1,-1 0-16,0 0 31,0 25-15,0-25 15,-24 24-15,0 0 15,25 0-15,-25 0 15,0 1 0,0-1 0,-25-24 1,25 24-32,-24-24 31,0 0 0,24 24-15,-48-24 31,23 0-16</inkml:trace>
-          <inkml:trace contextRef="#ctx0" brushRef="#br4" timeOffset="690949.8055">-891 3097 0,'24'0'125,"-24"-25"-110,-24 25 157,24 25-156,-24-25-1,24 24 17,-24-24-17,24 24 1,-25-24-16,25 24 16,0 0-1,0 1 1,0-1-1,0 0-15,0 0 16,0 0 15,25-24-15,-1 0 0,0 0 15,-24-24-31,24 24 15,-24-24 1,0 0 0,0 0-1,0-1 1,0 1 0,0 0-1,24 24 16,-24-24-15,0 48 156,0 0-156,25-24-16,-25 24 15,0 1-15,0-1 16,24 0 15,0-24-15,0 0-1,0 0 1,0 0 0</inkml:trace>
-          <inkml:trace contextRef="#ctx0" brushRef="#br4" timeOffset="692114.3424">-601 2855 0,'0'-25'63,"24"25"15</inkml:trace>
-          <inkml:trace contextRef="#ctx0" brushRef="#br4" timeOffset="691655.5989">-601 3048 0,'0'24'110,"0"1"-95,0-1 1,0 0 0,0 0-1,0 0 1</inkml:trace>
-          <inkml:trace contextRef="#ctx0" brushRef="#br4" timeOffset="693170.4323">-407 3121 0,'0'-24'47,"24"24"-15,-24-25-32,24 25 31,0 0 31,1 0-30,-1 0-1,-24 25 0,24-1-15,-24 73 31,0-73-47,0 0 0,0 0 15,0 0 16,0-48 1,0 0-17,0 0-15,0-25 16,0 25-16,0-24 0,24 24 16,-24-1-1,24 25-15,-24-24 0,24 24 47,1 0-31</inkml:trace>
-          <inkml:trace contextRef="#ctx0" brushRef="#br4" timeOffset="693919.8079">-20 3048 0,'24'0'94,"0"0"-94,25-24 15,-25 24-15,0 0 16,0 0-16,0 0 16,1 0-1,-25-24 1</inkml:trace>
-        </inkml:traceGroup>
-      </inkml:traceGroup>
-    </inkml:traceGroup>
-    <inkml:traceGroup>
-      <inkml:annotationXML>
-        <emma:emma xmlns:emma="http://www.w3.org/2003/04/emma" version="1.0">
-          <emma:interpretation id="{318CE1EE-B858-429E-B361-8D5001293574}" emma:medium="tactile" emma:mode="ink">
-            <msink:context xmlns:msink="http://schemas.microsoft.com/ink/2010/main" type="paragraph" rotatedBoundingBox="9027,4699 8359,6621 7866,6449 8534,4528" alignmentLevel="1"/>
-          </emma:interpretation>
-        </emma:emma>
-      </inkml:annotationXML>
-      <inkml:traceGroup>
-        <inkml:annotationXML>
-          <emma:emma xmlns:emma="http://www.w3.org/2003/04/emma" version="1.0">
-            <emma:interpretation id="{43E1C9A9-F078-40A7-A75B-6B563A639263}" emma:medium="tactile" emma:mode="ink">
-              <msink:context xmlns:msink="http://schemas.microsoft.com/ink/2010/main" type="line" rotatedBoundingBox="9027,4699 8359,6621 7866,6449 8534,4528"/>
-            </emma:interpretation>
-          </emma:emma>
-        </inkml:annotationXML>
-        <inkml:traceGroup>
-          <inkml:annotationXML>
-            <emma:emma xmlns:emma="http://www.w3.org/2003/04/emma" version="1.0">
-              <emma:interpretation id="{BA800FF0-287E-4261-9E4C-5F62EA314332}" emma:medium="tactile" emma:mode="ink">
-                <msink:context xmlns:msink="http://schemas.microsoft.com/ink/2010/main" type="inkWord" rotatedBoundingBox="8474,6291 8403,6494 8217,6430 8288,6226">
-                  <msink:destinationLink direction="with" ref="{BD22C97F-DC02-4B6F-AD9C-73F8FFE0441D}"/>
-                  <msink:destinationLink direction="from" ref="{362D8207-6955-4B94-9360-CB1CEC8EBBBA}"/>
-                  <msink:destinationLink direction="to" ref="{362D8207-6955-4B94-9360-CB1CEC8EBBBA}"/>
-                  <msink:destinationLink direction="with" ref="{9D8B43C9-BF29-47CB-A8E0-9AF4B2F9A698}"/>
-                </msink:context>
-              </emma:interpretation>
-              <emma:one-of disjunction-type="recognition" id="oneOf2">
-                <emma:interpretation id="interp2" emma:lang="" emma:confidence="0">
-                  <emma:literal>z</emma:literal>
-                </emma:interpretation>
-                <emma:interpretation id="interp3" emma:lang="" emma:confidence="0">
-                  <emma:literal>Z</emma:literal>
-                </emma:interpretation>
-                <emma:interpretation id="interp4" emma:lang="" emma:confidence="0">
-                  <emma:literal>2</emma:literal>
-                </emma:interpretation>
-                <emma:interpretation id="interp5" emma:lang="" emma:confidence="0">
-                  <emma:literal>3</emma:literal>
-                </emma:interpretation>
-                <emma:interpretation id="interp6" emma:lang="" emma:confidence="0">
-                  <emma:literal>a</emma:literal>
-                </emma:interpretation>
-              </emma:one-of>
-            </emma:emma>
-          </inkml:annotationXML>
-          <inkml:trace contextRef="#ctx0" brushRef="#br4" timeOffset="729171.5566">-1931 4306 0,'24'-24'109,"0"24"-78,-24-24-31,24 24 16,1 0 15,-25 24 47,24 0-62,-24 0 0,0 0 15,24-24-15,-24 25-16,24-50 125,-24 1-110,0 0-15,24 0 0,-24 0 16,24 24-1,-24-24-15,0-1 0,25 25 16,-25-24 0</inkml:trace>
-        </inkml:traceGroup>
-        <inkml:traceGroup>
-          <inkml:annotationXML>
-            <emma:emma xmlns:emma="http://www.w3.org/2003/04/emma" version="1.0">
-              <emma:interpretation id="{5B4DF6FF-0292-4083-B592-F5B0B1590285}" emma:medium="tactile" emma:mode="ink">
-                <msink:context xmlns:msink="http://schemas.microsoft.com/ink/2010/main" type="inkWord" rotatedBoundingBox="8167,6184 8052,6514 7868,6450 7982,6120"/>
-              </emma:interpretation>
-              <emma:one-of disjunction-type="recognition" id="oneOf3">
-                <emma:interpretation id="interp7" emma:lang="" emma:confidence="1">
-                  <emma:literal/>
-                </emma:interpretation>
-              </emma:one-of>
-            </emma:emma>
-          </inkml:annotationXML>
-          <inkml:trace contextRef="#ctx0" brushRef="#br4" timeOffset="727355.8199">-2173 4040 0,'0'-24'62,"0"48"141,0 0-187,0 0 0,0 1-16,24-25 15,-24 24-15,0 0 16,0 0-16,0 0 0,0 1 15,0-1-15,0 0 16,0 0-16,0 0 16,0 0-16,0 1 15,24-25-15,-24 24 16,24-24 31</inkml:trace>
-        </inkml:traceGroup>
-        <inkml:traceGroup>
-          <inkml:annotationXML>
-            <emma:emma xmlns:emma="http://www.w3.org/2003/04/emma" version="1.0">
-              <emma:interpretation id="{958E5B9A-3374-4102-B476-08D72625E9E8}" emma:medium="tactile" emma:mode="ink">
-                <msink:context xmlns:msink="http://schemas.microsoft.com/ink/2010/main" type="inkWord" rotatedBoundingBox="8329,6074 8230,6358 7934,6255 8033,5971"/>
-              </emma:interpretation>
-              <emma:one-of disjunction-type="recognition" id="oneOf4">
-                <emma:interpretation id="interp8" emma:lang="" emma:confidence="0">
-                  <emma:literal>J</emma:literal>
-                </emma:interpretation>
-                <emma:interpretation id="interp9" emma:lang="" emma:confidence="0">
-                  <emma:literal>,</emma:literal>
-                </emma:interpretation>
-                <emma:interpretation id="interp10" emma:lang="" emma:confidence="0">
-                  <emma:literal>W</emma:literal>
-                </emma:interpretation>
-                <emma:interpretation id="interp11" emma:lang="" emma:confidence="0">
-                  <emma:literal>j</emma:literal>
-                </emma:interpretation>
-                <emma:interpretation id="interp12" emma:lang="" emma:confidence="0">
-                  <emma:literal>v</emma:literal>
-                </emma:interpretation>
-              </emma:one-of>
-            </emma:emma>
-          </inkml:annotationXML>
-          <inkml:trace contextRef="#ctx0" brushRef="#br4" timeOffset="728233.7771">-2149 3943 0,'48'0'78,"-23"0"-62,-1 0-16,0 0 16,0 0-16,0 0 15,1 0-15,-1 0 16,0 0 0,-24 24-16,24-24 15,-24 25 1,24-25-1,-24 24-15,0 0 32,0 0-17,-24-24 1,24 24-16,-24-24 16,24 25-16,-24-25 15,0 24-15,-1-24 16,1 0-1,0 24 1,0-24-16,0 0 16,-1 24-16,1-24 15</inkml:trace>
-        </inkml:traceGroup>
-        <inkml:traceGroup>
-          <inkml:annotationXML>
-            <emma:emma xmlns:emma="http://www.w3.org/2003/04/emma" version="1.0">
-              <emma:interpretation id="{35102D6D-6281-42FE-8985-CD74E48B6498}" emma:medium="tactile" emma:mode="ink">
-                <msink:context xmlns:msink="http://schemas.microsoft.com/ink/2010/main" type="inkWord" rotatedBoundingBox="8936,4668 8684,5394 8386,5290 8638,4564">
-                  <msink:destinationLink direction="with" ref="{CD1C33AA-0A27-42B2-BFFD-1A5A2BCE6C6C}"/>
-                </msink:context>
-              </emma:interpretation>
-              <emma:one-of disjunction-type="recognition" id="oneOf5">
-                <emma:interpretation id="interp13" emma:lang="" emma:confidence="1">
-                  <emma:literal/>
-                </emma:interpretation>
-              </emma:one-of>
-            </emma:emma>
-          </inkml:annotationXML>
-          <inkml:trace contextRef="#ctx0" brushRef="#br5" timeOffset="554584.151">-1520 2468 0,'24'0'15,"-24"24"142,0 0-126,0 0-15,0 0-1,0 1 1,0-1-1,0 0 17,0 0-32,0 0 15,0 1 1,0-1 0,0 0-1,0 0-15,0 0 16,0 0-1,0 1 1,0-1 0,0 0-16,0 0 15,0 0 1,0 1 0,0-1-16,0 0 15,0 0-15,0 0 31,0 1-31,0-1 16,0 0 0,24-24-16,-24 24 15,0 0-15,0 1 16,0-1 0,0 0-1,0 0 16</inkml:trace>
-        </inkml:traceGroup>
-      </inkml:traceGroup>
-    </inkml:traceGroup>
-  </inkml:traceGroup>
-</inkml:ink>
-</file>
-
-<file path=ppt/ink/ink92.xml><?xml version="1.0" encoding="utf-8"?>
-<inkml:ink xmlns:inkml="http://www.w3.org/2003/InkML">
-  <inkml:definitions>
-    <inkml:context xml:id="ctx0">
-      <inkml:inkSource xml:id="inkSrc0">
-        <inkml:traceFormat>
-          <inkml:channel name="X" type="integer" min="-1920" max="3840" units="cm"/>
-          <inkml:channel name="Y" type="integer" max="1080" units="cm"/>
-          <inkml:channel name="T" type="integer" max="2.14748E9" units="dev"/>
-        </inkml:traceFormat>
-        <inkml:channelProperties>
-          <inkml:channelProperty channel="X" name="resolution" value="109.29791" units="1/cm"/>
-          <inkml:channelProperty channel="Y" name="resolution" value="36.48649" units="1/cm"/>
-          <inkml:channelProperty channel="T" name="resolution" value="1" units="1/dev"/>
-        </inkml:channelProperties>
-      </inkml:inkSource>
-      <inkml:timestamp xml:id="ts0" timeString="2017-12-28T07:18:12.282"/>
-    </inkml:context>
-    <inkml:brush xml:id="br0">
-      <inkml:brushProperty name="width" value="0.07938" units="cm"/>
-      <inkml:brushProperty name="height" value="0.07938" units="cm"/>
-      <inkml:brushProperty name="color" value="#C00000"/>
-      <inkml:brushProperty name="fitToCurve" value="1"/>
-    </inkml:brush>
-  </inkml:definitions>
-  <inkml:traceGroup>
-    <inkml:annotationXML>
-      <emma:emma xmlns:emma="http://www.w3.org/2003/04/emma" version="1.0">
-        <emma:interpretation id="{BD22C97F-DC02-4B6F-AD9C-73F8FFE0441D}" emma:medium="tactile" emma:mode="ink">
-          <msink:context xmlns:msink="http://schemas.microsoft.com/ink/2010/main" type="inkDrawing" rotatedBoundingBox="8627,6506 8655,6256 8820,6274 8792,6524" semanticType="callout" shapeName="Other">
-            <msink:sourceLink direction="with" ref="{BA800FF0-287E-4261-9E4C-5F62EA314332}"/>
-          </msink:context>
-        </emma:interpretation>
-      </emma:emma>
-    </inkml:annotationXML>
-    <inkml:trace contextRef="#ctx0" brushRef="#br0">48 50 0,'0'25'94,"-24"-1"-79,24 0-15,0 0 16,-24 0 0,24 0-16,0 1 15,0-1 1,24-24 0,0 0-1,1 0 1,-1 0-16,0 0 15,-24-24-15,24-1 16,-24 1-16,24 0 16,-24 0-1,0 0-15,0 0 16,0-25 0,-72 25 30,48 24-46,-1 0 16,25 24 0,-24-24-16,24 24 15</inkml:trace>
-  </inkml:traceGroup>
-</inkml:ink>
-</file>
-
-<file path=ppt/ink/ink93.xml><?xml version="1.0" encoding="utf-8"?>
-<inkml:ink xmlns:inkml="http://www.w3.org/2003/InkML">
-  <inkml:definitions>
-    <inkml:context xml:id="ctx0">
-      <inkml:inkSource xml:id="inkSrc0">
-        <inkml:traceFormat>
-          <inkml:channel name="X" type="integer" min="-1920" max="3840" units="cm"/>
-          <inkml:channel name="Y" type="integer" max="1080" units="cm"/>
-          <inkml:channel name="T" type="integer" max="2.14748E9" units="dev"/>
-        </inkml:traceFormat>
-        <inkml:channelProperties>
-          <inkml:channelProperty channel="X" name="resolution" value="109.29791" units="1/cm"/>
-          <inkml:channelProperty channel="Y" name="resolution" value="36.48649" units="1/cm"/>
-          <inkml:channelProperty channel="T" name="resolution" value="1" units="1/dev"/>
-        </inkml:channelProperties>
-      </inkml:inkSource>
-      <inkml:timestamp xml:id="ts0" timeString="2017-12-28T07:18:13.329"/>
-    </inkml:context>
-    <inkml:brush xml:id="br0">
-      <inkml:brushProperty name="width" value="0.07938" units="cm"/>
-      <inkml:brushProperty name="height" value="0.07938" units="cm"/>
-      <inkml:brushProperty name="color" value="#C00000"/>
-      <inkml:brushProperty name="fitToCurve" value="1"/>
-    </inkml:brush>
-  </inkml:definitions>
-  <inkml:traceGroup>
-    <inkml:annotationXML>
-      <emma:emma xmlns:emma="http://www.w3.org/2003/04/emma" version="1.0">
-        <emma:interpretation id="{362D8207-6955-4B94-9360-CB1CEC8EBBBA}" emma:medium="tactile" emma:mode="ink">
-          <msink:context xmlns:msink="http://schemas.microsoft.com/ink/2010/main" type="inkDrawing" rotatedBoundingBox="8866,6739 8943,6252 9125,6281 9048,6768" semanticType="callout" shapeName="Other">
-            <msink:sourceLink direction="from" ref="{BA800FF0-287E-4261-9E4C-5F62EA314332}"/>
-            <msink:sourceLink direction="to" ref="{BA800FF0-287E-4261-9E4C-5F62EA314332}"/>
-          </msink:context>
-        </emma:interpretation>
-      </emma:emma>
-    </inkml:annotationXML>
-    <inkml:trace contextRef="#ctx0" brushRef="#br0">127 9 0,'0'-24'47,"-24"48"-32,0 0 17,-1 1-32,25-1 15,-24-24 1,24 24-1,0 0 1,24-24 15,1 0-15,-1 0 0,0 0-1,0-24 1,-24 0-16,24 24 15,-24-24-15,0-1 16,0 1 31,0 48 15,0 1-46,0-1 0,0 0-16,0 0 15,0 0-15,0 0 16,0 1-16,0-1 16,0 0-1,0 0-15,0 0 16,0 1-1,0-1 1,-24 0 0,24 0-16,-24 0 31,24 1-31,-24-25 31,0 24-31,-1-24 31,1 0-15,0-24 0,24-1-1,0 1-15,0 0 16,0 0 0,0 0-1</inkml:trace>
-  </inkml:traceGroup>
-</inkml:ink>
-</file>
-
-<file path=ppt/ink/ink94.xml><?xml version="1.0" encoding="utf-8"?>
-<inkml:ink xmlns:inkml="http://www.w3.org/2003/InkML">
-  <inkml:definitions>
-    <inkml:context xml:id="ctx0">
-      <inkml:inkSource xml:id="inkSrc0">
-        <inkml:traceFormat>
-          <inkml:channel name="X" type="integer" min="-1920" max="3840" units="cm"/>
-          <inkml:channel name="Y" type="integer" max="1080" units="cm"/>
-          <inkml:channel name="T" type="integer" max="2.14748E9" units="dev"/>
-        </inkml:traceFormat>
-        <inkml:channelProperties>
-          <inkml:channelProperty channel="X" name="resolution" value="109.29791" units="1/cm"/>
-          <inkml:channelProperty channel="Y" name="resolution" value="36.48649" units="1/cm"/>
-          <inkml:channelProperty channel="T" name="resolution" value="1" units="1/dev"/>
-        </inkml:channelProperties>
-      </inkml:inkSource>
-      <inkml:timestamp xml:id="ts0" timeString="2017-12-28T07:18:14.194"/>
-    </inkml:context>
-    <inkml:brush xml:id="br0">
-      <inkml:brushProperty name="width" value="0.07938" units="cm"/>
-      <inkml:brushProperty name="height" value="0.07938" units="cm"/>
-      <inkml:brushProperty name="color" value="#C00000"/>
-      <inkml:brushProperty name="fitToCurve" value="1"/>
-    </inkml:brush>
-  </inkml:definitions>
-  <inkml:traceGroup>
-    <inkml:annotationXML>
-      <emma:emma xmlns:emma="http://www.w3.org/2003/04/emma" version="1.0">
-        <emma:interpretation id="{9D8B43C9-BF29-47CB-A8E0-9AF4B2F9A698}" emma:medium="tactile" emma:mode="ink">
-          <msink:context xmlns:msink="http://schemas.microsoft.com/ink/2010/main" type="inkDrawing" rotatedBoundingBox="9337,6263 9350,6452 9178,6464 9165,6275" semanticType="callout" shapeName="Other">
-            <msink:sourceLink direction="with" ref="{BA800FF0-287E-4261-9E4C-5F62EA314332}"/>
-            <msink:sourceLink direction="with" ref="{6A0F327D-B8EC-4E66-A6F3-4FA3092E2093}"/>
-          </msink:context>
-        </emma:interpretation>
-      </emma:emma>
-    </inkml:annotationXML>
-    <inkml:trace contextRef="#ctx0" brushRef="#br0">0 48 0,'24'-24'63,"1"24"-63,-1 0 46,0 24-14,-24 1-1,24-25-31,-24 24 0,0 0 31,0 0-15,0 0-1,-24 0 1,24-48 47,0 0-48,0 0 1,0 0-16,24 0 0,-24-1 15,24 1 1,-24 0 0,25 24 46</inkml:trace>
-  </inkml:traceGroup>
-</inkml:ink>
-</file>
-
-<file path=ppt/ink/ink95.xml><?xml version="1.0" encoding="utf-8"?>
-<inkml:ink xmlns:inkml="http://www.w3.org/2003/InkML">
-  <inkml:definitions>
-    <inkml:context xml:id="ctx0">
-      <inkml:inkSource xml:id="inkSrc0">
-        <inkml:traceFormat>
-          <inkml:channel name="X" type="integer" min="-1920" max="3840" units="cm"/>
-          <inkml:channel name="Y" type="integer" max="1080" units="cm"/>
-          <inkml:channel name="T" type="integer" max="2.14748E9" units="dev"/>
-        </inkml:traceFormat>
-        <inkml:channelProperties>
-          <inkml:channelProperty channel="X" name="resolution" value="109.29791" units="1/cm"/>
-          <inkml:channelProperty channel="Y" name="resolution" value="36.48649" units="1/cm"/>
-          <inkml:channelProperty channel="T" name="resolution" value="1" units="1/dev"/>
-        </inkml:channelProperties>
-      </inkml:inkSource>
-      <inkml:timestamp xml:id="ts0" timeString="2017-12-28T07:18:15.235"/>
-    </inkml:context>
-    <inkml:brush xml:id="br0">
-      <inkml:brushProperty name="width" value="0.07938" units="cm"/>
-      <inkml:brushProperty name="height" value="0.07938" units="cm"/>
-      <inkml:brushProperty name="color" value="#C00000"/>
-      <inkml:brushProperty name="fitToCurve" value="1"/>
-    </inkml:brush>
-  </inkml:definitions>
-  <inkml:traceGroup>
-    <inkml:annotationXML>
-      <emma:emma xmlns:emma="http://www.w3.org/2003/04/emma" version="1.0">
-        <emma:interpretation id="{E033F29F-D00F-44F5-83D9-9A9C8C5D8C12}" emma:medium="tactile" emma:mode="ink">
-          <msink:context xmlns:msink="http://schemas.microsoft.com/ink/2010/main" type="inkDrawing" rotatedBoundingBox="9388,6308 9643,6241 9700,6458 9444,6524" semanticType="callout" shapeName="Other">
-            <msink:sourceLink direction="with" ref="{6A0F327D-B8EC-4E66-A6F3-4FA3092E2093}"/>
-          </msink:context>
-        </emma:interpretation>
-      </emma:emma>
-    </inkml:annotationXML>
-    <inkml:trace contextRef="#ctx0" brushRef="#br0">121 0 0,'-24'24'110,"0"0"-95,0 1 1,24-1-16,-25-24 15,25 24-15,0 0 16,-24-24-16,24 24 16,0 0-1,0 1 17,24-25-1,1 0-31,-1 0 15,0 0 1,-24-25 0,24 25-16,-24-24 15,0 0-15,24 0 16,-24 0-16,0 0 16,0-1-1,0 1 16,0 48 110,0 1-125,0-1-16,0 0 15,25 0 1,-25 0 0,0 0-1,24-24-15,0 0 16,0 0-1,0 0 1</inkml:trace>
-  </inkml:traceGroup>
-</inkml:ink>
-</file>
-
-<file path=ppt/ink/ink96.xml><?xml version="1.0" encoding="utf-8"?>
-<inkml:ink xmlns:inkml="http://www.w3.org/2003/InkML">
-  <inkml:definitions>
-    <inkml:context xml:id="ctx0">
-      <inkml:inkSource xml:id="inkSrc0">
-        <inkml:traceFormat>
-          <inkml:channel name="X" type="integer" min="-1920" max="3840" units="cm"/>
-          <inkml:channel name="Y" type="integer" max="1080" units="cm"/>
-          <inkml:channel name="T" type="integer" max="2.14748E9" units="dev"/>
-        </inkml:traceFormat>
-        <inkml:channelProperties>
-          <inkml:channelProperty channel="X" name="resolution" value="109.29791" units="1/cm"/>
-          <inkml:channelProperty channel="Y" name="resolution" value="36.48649" units="1/cm"/>
-          <inkml:channelProperty channel="T" name="resolution" value="1" units="1/dev"/>
-        </inkml:channelProperties>
-      </inkml:inkSource>
-      <inkml:timestamp xml:id="ts0" timeString="2017-12-28T07:18:16.458"/>
-    </inkml:context>
-    <inkml:brush xml:id="br0">
-      <inkml:brushProperty name="width" value="0.07938" units="cm"/>
-      <inkml:brushProperty name="height" value="0.07938" units="cm"/>
-      <inkml:brushProperty name="color" value="#C00000"/>
-      <inkml:brushProperty name="fitToCurve" value="1"/>
-    </inkml:brush>
-  </inkml:definitions>
-  <inkml:traceGroup>
-    <inkml:annotationXML>
-      <emma:emma xmlns:emma="http://www.w3.org/2003/04/emma" version="1.0">
-        <emma:interpretation id="{B5B3D633-527E-40F9-BD02-B47ABE0951B3}" emma:medium="tactile" emma:mode="ink">
-          <msink:context xmlns:msink="http://schemas.microsoft.com/ink/2010/main" type="inkDrawing"/>
-        </emma:interpretation>
-      </emma:emma>
-    </inkml:annotationXML>
-    <inkml:trace contextRef="#ctx0" brushRef="#br0">1 0 0,'0'48'63,"0"-24"-47,0 1-1,0-1 1,24 0-1,0-24 95,-24-24-95,25 0 1,-1 24 15,-24-25-31,24 1 47,-24 48 47,0 1-78,0-1-1,0 0 1,0 0-1,24-24 32,0 0 0,-24-24-47,24 0 0,1 0 16,-25-1-1,24 25 1,-24-24-16,24 24 16,-24-24-1,0 48 63,24-24-78,-24 24 16,0 1 0,0-1-16,0 0 15,0 0 1,0 0 0</inkml:trace>
-  </inkml:traceGroup>
-</inkml:ink>
-</file>
-
-<file path=ppt/ink/ink97.xml><?xml version="1.0" encoding="utf-8"?>
-<inkml:ink xmlns:inkml="http://www.w3.org/2003/InkML">
-  <inkml:definitions>
-    <inkml:context xml:id="ctx0">
-      <inkml:inkSource xml:id="inkSrc0">
-        <inkml:traceFormat>
-          <inkml:channel name="X" type="integer" min="-1920" max="3840" units="cm"/>
-          <inkml:channel name="Y" type="integer" max="1080" units="cm"/>
-          <inkml:channel name="T" type="integer" max="2.14748E9" units="dev"/>
-        </inkml:traceFormat>
-        <inkml:channelProperties>
-          <inkml:channelProperty channel="X" name="resolution" value="109.29791" units="1/cm"/>
-          <inkml:channelProperty channel="Y" name="resolution" value="36.48649" units="1/cm"/>
-          <inkml:channelProperty channel="T" name="resolution" value="1" units="1/dev"/>
-        </inkml:channelProperties>
-      </inkml:inkSource>
-      <inkml:timestamp xml:id="ts0" timeString="2017-12-28T07:18:17.568"/>
-    </inkml:context>
-    <inkml:brush xml:id="br0">
-      <inkml:brushProperty name="width" value="0.07938" units="cm"/>
-      <inkml:brushProperty name="height" value="0.07938" units="cm"/>
-      <inkml:brushProperty name="color" value="#C00000"/>
-      <inkml:brushProperty name="fitToCurve" value="1"/>
-    </inkml:brush>
-  </inkml:definitions>
-  <inkml:traceGroup>
-    <inkml:annotationXML>
-      <emma:emma xmlns:emma="http://www.w3.org/2003/04/emma" version="1.0">
-        <emma:interpretation id="{D40F2C63-AEFA-4A24-86F5-60852CD2D3C1}" emma:medium="tactile" emma:mode="ink">
-          <msink:context xmlns:msink="http://schemas.microsoft.com/ink/2010/main" type="inkDrawing"/>
-        </emma:interpretation>
-      </emma:emma>
-    </inkml:annotationXML>
-    <inkml:trace contextRef="#ctx0" brushRef="#br0">0 0 0,'24'0'62,"1"24"-15,-25 0-31,0 0-1,0 1 1,0-1-16,0 0 31,24-24 47,-24-24-62,24 0 0,-24-1-16,24 25 0,-24-24 15,24 24 1,-24-24-16,25 24 109,-25 24-93,0 0-1,0 1 1,24-25 15,0 0 1,0-25-17,0 1 1,0 0-1,1 24 17,-25 24 61,0 0-77,24 1 0,-24-1-16,0 0 15,0 0 1,0 0 0</inkml:trace>
-  </inkml:traceGroup>
-</inkml:ink>
-</file>
-
-<file path=ppt/ink/ink98.xml><?xml version="1.0" encoding="utf-8"?>
-<inkml:ink xmlns:inkml="http://www.w3.org/2003/InkML">
-  <inkml:definitions>
-    <inkml:context xml:id="ctx0">
-      <inkml:inkSource xml:id="inkSrc0">
-        <inkml:traceFormat>
-          <inkml:channel name="X" type="integer" min="-1920" max="3840" units="cm"/>
-          <inkml:channel name="Y" type="integer" max="1080" units="cm"/>
-          <inkml:channel name="T" type="integer" max="2.14748E9" units="dev"/>
-        </inkml:traceFormat>
-        <inkml:channelProperties>
-          <inkml:channelProperty channel="X" name="resolution" value="109.29791" units="1/cm"/>
-          <inkml:channelProperty channel="Y" name="resolution" value="36.48649" units="1/cm"/>
-          <inkml:channelProperty channel="T" name="resolution" value="1" units="1/dev"/>
-        </inkml:channelProperties>
-      </inkml:inkSource>
-      <inkml:timestamp xml:id="ts0" timeString="2017-12-28T07:18:18.058"/>
-    </inkml:context>
-    <inkml:brush xml:id="br0">
-      <inkml:brushProperty name="width" value="0.07938" units="cm"/>
-      <inkml:brushProperty name="height" value="0.07938" units="cm"/>
-      <inkml:brushProperty name="color" value="#C00000"/>
-      <inkml:brushProperty name="fitToCurve" value="1"/>
-    </inkml:brush>
-  </inkml:definitions>
-  <inkml:traceGroup>
-    <inkml:annotationXML>
-      <emma:emma xmlns:emma="http://www.w3.org/2003/04/emma" version="1.0">
-        <emma:interpretation id="{71FEC1FE-69E6-4E64-90D5-2C0E3679F792}" emma:medium="tactile" emma:mode="ink">
-          <msink:context xmlns:msink="http://schemas.microsoft.com/ink/2010/main" type="inkDrawing"/>
-        </emma:interpretation>
-      </emma:emma>
-    </inkml:annotationXML>
-    <inkml:trace contextRef="#ctx0" brushRef="#br0">0 0 0,'24'0'47,"-24"24"-32,0 0 1,0 0-1,0 1-15,0-1 16,0 0 0,0 0-1</inkml:trace>
-  </inkml:traceGroup>
-</inkml:ink>
-</file>
-
-<file path=ppt/ink/ink99.xml><?xml version="1.0" encoding="utf-8"?>
-<inkml:ink xmlns:inkml="http://www.w3.org/2003/InkML">
-  <inkml:definitions>
-    <inkml:context xml:id="ctx0">
-      <inkml:inkSource xml:id="inkSrc0">
-        <inkml:traceFormat>
-          <inkml:channel name="X" type="integer" min="-1920" max="3840" units="cm"/>
-          <inkml:channel name="Y" type="integer" max="1080" units="cm"/>
-          <inkml:channel name="T" type="integer" max="2.14748E9" units="dev"/>
-        </inkml:traceFormat>
-        <inkml:channelProperties>
-          <inkml:channelProperty channel="X" name="resolution" value="109.29791" units="1/cm"/>
-          <inkml:channelProperty channel="Y" name="resolution" value="36.48649" units="1/cm"/>
-          <inkml:channelProperty channel="T" name="resolution" value="1" units="1/dev"/>
-        </inkml:channelProperties>
-      </inkml:inkSource>
-      <inkml:timestamp xml:id="ts0" timeString="2017-12-28T07:18:18.431"/>
-    </inkml:context>
-    <inkml:brush xml:id="br0">
-      <inkml:brushProperty name="width" value="0.07938" units="cm"/>
-      <inkml:brushProperty name="height" value="0.07938" units="cm"/>
-      <inkml:brushProperty name="color" value="#C00000"/>
-      <inkml:brushProperty name="fitToCurve" value="1"/>
-    </inkml:brush>
-  </inkml:definitions>
-  <inkml:traceGroup>
-    <inkml:annotationXML>
-      <emma:emma xmlns:emma="http://www.w3.org/2003/04/emma" version="1.0">
-        <emma:interpretation id="{47AC40F8-FBAA-4467-86ED-F3D8496BE8E6}" emma:medium="tactile" emma:mode="ink">
-          <msink:context xmlns:msink="http://schemas.microsoft.com/ink/2010/main" type="inkDrawing"/>
-        </emma:interpretation>
-      </emma:emma>
-    </inkml:annotationXML>
-    <inkml:trace contextRef="#ctx0" brushRef="#br0">0 24 0,'24'-24'47</inkml:trace>
   </inkml:traceGroup>
 </inkml:ink>
 </file>
@@ -13249,7 +14224,7 @@
           <a:p>
             <a:fld id="{311397B5-8C69-41E8-80AB-B2B64B3912C3}" type="datetimeFigureOut">
               <a:rPr lang="de-DE" smtClean="0"/>
-              <a:t>28.12.2017</a:t>
+              <a:t>01.01.2018</a:t>
             </a:fld>
             <a:endParaRPr lang="de-DE"/>
           </a:p>
@@ -13419,7 +14394,7 @@
           <a:p>
             <a:fld id="{311397B5-8C69-41E8-80AB-B2B64B3912C3}" type="datetimeFigureOut">
               <a:rPr lang="de-DE" smtClean="0"/>
-              <a:t>28.12.2017</a:t>
+              <a:t>01.01.2018</a:t>
             </a:fld>
             <a:endParaRPr lang="de-DE"/>
           </a:p>
@@ -13599,7 +14574,7 @@
           <a:p>
             <a:fld id="{311397B5-8C69-41E8-80AB-B2B64B3912C3}" type="datetimeFigureOut">
               <a:rPr lang="de-DE" smtClean="0"/>
-              <a:t>28.12.2017</a:t>
+              <a:t>01.01.2018</a:t>
             </a:fld>
             <a:endParaRPr lang="de-DE"/>
           </a:p>
@@ -13769,7 +14744,7 @@
           <a:p>
             <a:fld id="{311397B5-8C69-41E8-80AB-B2B64B3912C3}" type="datetimeFigureOut">
               <a:rPr lang="de-DE" smtClean="0"/>
-              <a:t>28.12.2017</a:t>
+              <a:t>01.01.2018</a:t>
             </a:fld>
             <a:endParaRPr lang="de-DE"/>
           </a:p>
@@ -14015,7 +14990,7 @@
           <a:p>
             <a:fld id="{311397B5-8C69-41E8-80AB-B2B64B3912C3}" type="datetimeFigureOut">
               <a:rPr lang="de-DE" smtClean="0"/>
-              <a:t>28.12.2017</a:t>
+              <a:t>01.01.2018</a:t>
             </a:fld>
             <a:endParaRPr lang="de-DE"/>
           </a:p>
@@ -14247,7 +15222,7 @@
           <a:p>
             <a:fld id="{311397B5-8C69-41E8-80AB-B2B64B3912C3}" type="datetimeFigureOut">
               <a:rPr lang="de-DE" smtClean="0"/>
-              <a:t>28.12.2017</a:t>
+              <a:t>01.01.2018</a:t>
             </a:fld>
             <a:endParaRPr lang="de-DE"/>
           </a:p>
@@ -14614,7 +15589,7 @@
           <a:p>
             <a:fld id="{311397B5-8C69-41E8-80AB-B2B64B3912C3}" type="datetimeFigureOut">
               <a:rPr lang="de-DE" smtClean="0"/>
-              <a:t>28.12.2017</a:t>
+              <a:t>01.01.2018</a:t>
             </a:fld>
             <a:endParaRPr lang="de-DE"/>
           </a:p>
@@ -14732,7 +15707,7 @@
           <a:p>
             <a:fld id="{311397B5-8C69-41E8-80AB-B2B64B3912C3}" type="datetimeFigureOut">
               <a:rPr lang="de-DE" smtClean="0"/>
-              <a:t>28.12.2017</a:t>
+              <a:t>01.01.2018</a:t>
             </a:fld>
             <a:endParaRPr lang="de-DE"/>
           </a:p>
@@ -14827,7 +15802,7 @@
           <a:p>
             <a:fld id="{311397B5-8C69-41E8-80AB-B2B64B3912C3}" type="datetimeFigureOut">
               <a:rPr lang="de-DE" smtClean="0"/>
-              <a:t>28.12.2017</a:t>
+              <a:t>01.01.2018</a:t>
             </a:fld>
             <a:endParaRPr lang="de-DE"/>
           </a:p>
@@ -15104,7 +16079,7 @@
           <a:p>
             <a:fld id="{311397B5-8C69-41E8-80AB-B2B64B3912C3}" type="datetimeFigureOut">
               <a:rPr lang="de-DE" smtClean="0"/>
-              <a:t>28.12.2017</a:t>
+              <a:t>01.01.2018</a:t>
             </a:fld>
             <a:endParaRPr lang="de-DE"/>
           </a:p>
@@ -15357,7 +16332,7 @@
           <a:p>
             <a:fld id="{311397B5-8C69-41E8-80AB-B2B64B3912C3}" type="datetimeFigureOut">
               <a:rPr lang="de-DE" smtClean="0"/>
-              <a:t>28.12.2017</a:t>
+              <a:t>01.01.2018</a:t>
             </a:fld>
             <a:endParaRPr lang="de-DE"/>
           </a:p>
@@ -15570,7 +16545,7 @@
           <a:p>
             <a:fld id="{311397B5-8C69-41E8-80AB-B2B64B3912C3}" type="datetimeFigureOut">
               <a:rPr lang="de-DE" smtClean="0"/>
-              <a:t>28.12.2017</a:t>
+              <a:t>01.01.2018</a:t>
             </a:fld>
             <a:endParaRPr lang="de-DE"/>
           </a:p>
@@ -16291,6 +17266,1491 @@
     <p:extLst>
       <p:ext uri="{BB962C8B-B14F-4D97-AF65-F5344CB8AC3E}">
         <p14:creationId xmlns:p14="http://schemas.microsoft.com/office/powerpoint/2010/main" val="2000814820"/>
+      </p:ext>
+    </p:extLst>
+  </p:cSld>
+  <p:clrMapOvr>
+    <a:masterClrMapping/>
+  </p:clrMapOvr>
+</p:sld>
+</file>
+
+<file path=ppt/slides/slide10.xml><?xml version="1.0" encoding="utf-8"?>
+<p:sld xmlns:a="http://schemas.openxmlformats.org/drawingml/2006/main" xmlns:r="http://schemas.openxmlformats.org/officeDocument/2006/relationships" xmlns:p="http://schemas.openxmlformats.org/presentationml/2006/main">
+  <p:cSld>
+    <p:spTree>
+      <p:nvGrpSpPr>
+        <p:cNvPr id="1" name=""/>
+        <p:cNvGrpSpPr/>
+        <p:nvPr/>
+      </p:nvGrpSpPr>
+      <p:grpSpPr>
+        <a:xfrm>
+          <a:off x="0" y="0"/>
+          <a:ext cx="0" cy="0"/>
+          <a:chOff x="0" y="0"/>
+          <a:chExt cx="0" cy="0"/>
+        </a:xfrm>
+      </p:grpSpPr>
+      <mc:AlternateContent xmlns:mc="http://schemas.openxmlformats.org/markup-compatibility/2006" xmlns:p14="http://schemas.microsoft.com/office/powerpoint/2010/main">
+        <mc:Choice Requires="p14">
+          <p:contentPart p14:bwMode="auto" r:id="rId2">
+            <p14:nvContentPartPr>
+              <p14:cNvPr id="9" name="Freihand 8"/>
+              <p14:cNvContentPartPr/>
+              <p14:nvPr/>
+            </p14:nvContentPartPr>
+            <p14:xfrm>
+              <a:off x="3457440" y="409457"/>
+              <a:ext cx="2647800" cy="1184400"/>
+            </p14:xfrm>
+          </p:contentPart>
+        </mc:Choice>
+        <mc:Fallback xmlns="">
+          <p:pic>
+            <p:nvPicPr>
+              <p:cNvPr id="9" name="Freihand 8"/>
+              <p:cNvPicPr/>
+              <p:nvPr/>
+            </p:nvPicPr>
+            <p:blipFill>
+              <a:blip r:embed="rId3"/>
+              <a:stretch>
+                <a:fillRect/>
+              </a:stretch>
+            </p:blipFill>
+            <p:spPr>
+              <a:xfrm>
+                <a:off x="3438360" y="395057"/>
+                <a:ext cx="2685960" cy="1217880"/>
+              </a:xfrm>
+              <a:prstGeom prst="rect">
+                <a:avLst/>
+              </a:prstGeom>
+            </p:spPr>
+          </p:pic>
+        </mc:Fallback>
+      </mc:AlternateContent>
+      <mc:AlternateContent xmlns:mc="http://schemas.openxmlformats.org/markup-compatibility/2006" xmlns:p14="http://schemas.microsoft.com/office/powerpoint/2010/main">
+        <mc:Choice Requires="p14">
+          <p:contentPart p14:bwMode="auto" r:id="rId4">
+            <p14:nvContentPartPr>
+              <p14:cNvPr id="47" name="Freihand 46"/>
+              <p14:cNvContentPartPr/>
+              <p14:nvPr/>
+            </p14:nvContentPartPr>
+            <p14:xfrm>
+              <a:off x="0" y="0"/>
+              <a:ext cx="0" cy="0"/>
+            </p14:xfrm>
+          </p:contentPart>
+        </mc:Choice>
+        <mc:Fallback xmlns="">
+          <p:pic>
+            <p:nvPicPr>
+              <p:cNvPr id="47" name="Freihand 46"/>
+              <p:cNvPicPr/>
+              <p:nvPr/>
+            </p:nvPicPr>
+            <p:blipFill>
+              <a:blip/>
+              <a:stretch>
+                <a:fillRect/>
+              </a:stretch>
+            </p:blipFill>
+            <p:spPr>
+              <a:xfrm>
+                <a:off x="0" y="0"/>
+                <a:ext cx="0" cy="0"/>
+              </a:xfrm>
+              <a:prstGeom prst="rect">
+                <a:avLst/>
+              </a:prstGeom>
+            </p:spPr>
+          </p:pic>
+        </mc:Fallback>
+      </mc:AlternateContent>
+      <mc:AlternateContent xmlns:mc="http://schemas.openxmlformats.org/markup-compatibility/2006" xmlns:p14="http://schemas.microsoft.com/office/powerpoint/2010/main">
+        <mc:Choice Requires="p14">
+          <p:contentPart p14:bwMode="auto" r:id="rId5">
+            <p14:nvContentPartPr>
+              <p14:cNvPr id="48" name="Freihand 47"/>
+              <p14:cNvContentPartPr/>
+              <p14:nvPr/>
+            </p14:nvContentPartPr>
+            <p14:xfrm>
+              <a:off x="0" y="0"/>
+              <a:ext cx="0" cy="0"/>
+            </p14:xfrm>
+          </p:contentPart>
+        </mc:Choice>
+        <mc:Fallback xmlns="">
+          <p:pic>
+            <p:nvPicPr>
+              <p:cNvPr id="48" name="Freihand 47"/>
+              <p:cNvPicPr/>
+              <p:nvPr/>
+            </p:nvPicPr>
+            <p:blipFill>
+              <a:blip/>
+              <a:stretch>
+                <a:fillRect/>
+              </a:stretch>
+            </p:blipFill>
+            <p:spPr>
+              <a:xfrm>
+                <a:off x="0" y="0"/>
+                <a:ext cx="0" cy="0"/>
+              </a:xfrm>
+              <a:prstGeom prst="rect">
+                <a:avLst/>
+              </a:prstGeom>
+            </p:spPr>
+          </p:pic>
+        </mc:Fallback>
+      </mc:AlternateContent>
+    </p:spTree>
+    <p:extLst>
+      <p:ext uri="{BB962C8B-B14F-4D97-AF65-F5344CB8AC3E}">
+        <p14:creationId xmlns:p14="http://schemas.microsoft.com/office/powerpoint/2010/main" val="4063938893"/>
+      </p:ext>
+    </p:extLst>
+  </p:cSld>
+  <p:clrMapOvr>
+    <a:masterClrMapping/>
+  </p:clrMapOvr>
+</p:sld>
+</file>
+
+<file path=ppt/slides/slide11.xml><?xml version="1.0" encoding="utf-8"?>
+<p:sld xmlns:a="http://schemas.openxmlformats.org/drawingml/2006/main" xmlns:r="http://schemas.openxmlformats.org/officeDocument/2006/relationships" xmlns:p="http://schemas.openxmlformats.org/presentationml/2006/main">
+  <p:cSld>
+    <p:spTree>
+      <p:nvGrpSpPr>
+        <p:cNvPr id="1" name=""/>
+        <p:cNvGrpSpPr/>
+        <p:nvPr/>
+      </p:nvGrpSpPr>
+      <p:grpSpPr>
+        <a:xfrm>
+          <a:off x="0" y="0"/>
+          <a:ext cx="0" cy="0"/>
+          <a:chOff x="0" y="0"/>
+          <a:chExt cx="0" cy="0"/>
+        </a:xfrm>
+      </p:grpSpPr>
+      <mc:AlternateContent xmlns:mc="http://schemas.openxmlformats.org/markup-compatibility/2006" xmlns:p14="http://schemas.microsoft.com/office/powerpoint/2010/main">
+        <mc:Choice Requires="p14">
+          <p:contentPart p14:bwMode="auto" r:id="rId2">
+            <p14:nvContentPartPr>
+              <p14:cNvPr id="10" name="Freihand 9"/>
+              <p14:cNvContentPartPr/>
+              <p14:nvPr/>
+            </p14:nvContentPartPr>
+            <p14:xfrm>
+              <a:off x="3482640" y="409457"/>
+              <a:ext cx="1838520" cy="714600"/>
+            </p14:xfrm>
+          </p:contentPart>
+        </mc:Choice>
+        <mc:Fallback xmlns="">
+          <p:pic>
+            <p:nvPicPr>
+              <p:cNvPr id="10" name="Freihand 9"/>
+              <p:cNvPicPr/>
+              <p:nvPr/>
+            </p:nvPicPr>
+            <p:blipFill>
+              <a:blip r:embed="rId3"/>
+              <a:stretch>
+                <a:fillRect/>
+              </a:stretch>
+            </p:blipFill>
+            <p:spPr>
+              <a:xfrm>
+                <a:off x="3463560" y="395057"/>
+                <a:ext cx="1876680" cy="748080"/>
+              </a:xfrm>
+              <a:prstGeom prst="rect">
+                <a:avLst/>
+              </a:prstGeom>
+            </p:spPr>
+          </p:pic>
+        </mc:Fallback>
+      </mc:AlternateContent>
+    </p:spTree>
+    <p:extLst>
+      <p:ext uri="{BB962C8B-B14F-4D97-AF65-F5344CB8AC3E}">
+        <p14:creationId xmlns:p14="http://schemas.microsoft.com/office/powerpoint/2010/main" val="3269591578"/>
+      </p:ext>
+    </p:extLst>
+  </p:cSld>
+  <p:clrMapOvr>
+    <a:masterClrMapping/>
+  </p:clrMapOvr>
+</p:sld>
+</file>
+
+<file path=ppt/slides/slide12.xml><?xml version="1.0" encoding="utf-8"?>
+<p:sld xmlns:a="http://schemas.openxmlformats.org/drawingml/2006/main" xmlns:r="http://schemas.openxmlformats.org/officeDocument/2006/relationships" xmlns:p="http://schemas.openxmlformats.org/presentationml/2006/main">
+  <p:cSld>
+    <p:spTree>
+      <p:nvGrpSpPr>
+        <p:cNvPr id="1" name=""/>
+        <p:cNvGrpSpPr/>
+        <p:nvPr/>
+      </p:nvGrpSpPr>
+      <p:grpSpPr>
+        <a:xfrm>
+          <a:off x="0" y="0"/>
+          <a:ext cx="0" cy="0"/>
+          <a:chOff x="0" y="0"/>
+          <a:chExt cx="0" cy="0"/>
+        </a:xfrm>
+      </p:grpSpPr>
+      <mc:AlternateContent xmlns:mc="http://schemas.openxmlformats.org/markup-compatibility/2006" xmlns:p14="http://schemas.microsoft.com/office/powerpoint/2010/main">
+        <mc:Choice Requires="p14">
+          <p:contentPart p14:bwMode="auto" r:id="rId2">
+            <p14:nvContentPartPr>
+              <p14:cNvPr id="5" name="Freihand 4"/>
+              <p14:cNvContentPartPr/>
+              <p14:nvPr/>
+            </p14:nvContentPartPr>
+            <p14:xfrm>
+              <a:off x="3472560" y="1985537"/>
+              <a:ext cx="378720" cy="853920"/>
+            </p14:xfrm>
+          </p:contentPart>
+        </mc:Choice>
+        <mc:Fallback xmlns="">
+          <p:pic>
+            <p:nvPicPr>
+              <p:cNvPr id="5" name="Freihand 4"/>
+              <p:cNvPicPr/>
+              <p:nvPr/>
+            </p:nvPicPr>
+            <p:blipFill>
+              <a:blip r:embed="rId3"/>
+              <a:stretch>
+                <a:fillRect/>
+              </a:stretch>
+            </p:blipFill>
+            <p:spPr>
+              <a:xfrm>
+                <a:off x="3444120" y="1957097"/>
+                <a:ext cx="435600" cy="910800"/>
+              </a:xfrm>
+              <a:prstGeom prst="rect">
+                <a:avLst/>
+              </a:prstGeom>
+            </p:spPr>
+          </p:pic>
+        </mc:Fallback>
+      </mc:AlternateContent>
+      <mc:AlternateContent xmlns:mc="http://schemas.openxmlformats.org/markup-compatibility/2006" xmlns:p14="http://schemas.microsoft.com/office/powerpoint/2010/main">
+        <mc:Choice Requires="p14">
+          <p:contentPart p14:bwMode="auto" r:id="rId4">
+            <p14:nvContentPartPr>
+              <p14:cNvPr id="17" name="Freihand 16"/>
+              <p14:cNvContentPartPr/>
+              <p14:nvPr/>
+            </p14:nvContentPartPr>
+            <p14:xfrm>
+              <a:off x="4037760" y="1828577"/>
+              <a:ext cx="3418200" cy="1665000"/>
+            </p14:xfrm>
+          </p:contentPart>
+        </mc:Choice>
+        <mc:Fallback xmlns="">
+          <p:pic>
+            <p:nvPicPr>
+              <p:cNvPr id="17" name="Freihand 16"/>
+              <p:cNvPicPr/>
+              <p:nvPr/>
+            </p:nvPicPr>
+            <p:blipFill>
+              <a:blip r:embed="rId5"/>
+              <a:stretch>
+                <a:fillRect/>
+              </a:stretch>
+            </p:blipFill>
+            <p:spPr>
+              <a:xfrm>
+                <a:off x="4009320" y="1809497"/>
+                <a:ext cx="3465720" cy="1703160"/>
+              </a:xfrm>
+              <a:prstGeom prst="rect">
+                <a:avLst/>
+              </a:prstGeom>
+            </p:spPr>
+          </p:pic>
+        </mc:Fallback>
+      </mc:AlternateContent>
+      <mc:AlternateContent xmlns:mc="http://schemas.openxmlformats.org/markup-compatibility/2006" xmlns:p14="http://schemas.microsoft.com/office/powerpoint/2010/main">
+        <mc:Choice Requires="p14">
+          <p:contentPart p14:bwMode="auto" r:id="rId6">
+            <p14:nvContentPartPr>
+              <p14:cNvPr id="41" name="Freihand 40"/>
+              <p14:cNvContentPartPr/>
+              <p14:nvPr/>
+            </p14:nvContentPartPr>
+            <p14:xfrm>
+              <a:off x="4328280" y="1854857"/>
+              <a:ext cx="200520" cy="24480"/>
+            </p14:xfrm>
+          </p:contentPart>
+        </mc:Choice>
+        <mc:Fallback xmlns="">
+          <p:pic>
+            <p:nvPicPr>
+              <p:cNvPr id="41" name="Freihand 40"/>
+              <p:cNvPicPr/>
+              <p:nvPr/>
+            </p:nvPicPr>
+            <p:blipFill>
+              <a:blip r:embed="rId7"/>
+              <a:stretch>
+                <a:fillRect/>
+              </a:stretch>
+            </p:blipFill>
+            <p:spPr>
+              <a:xfrm>
+                <a:off x="4309200" y="1835777"/>
+                <a:ext cx="238680" cy="62640"/>
+              </a:xfrm>
+              <a:prstGeom prst="rect">
+                <a:avLst/>
+              </a:prstGeom>
+            </p:spPr>
+          </p:pic>
+        </mc:Fallback>
+      </mc:AlternateContent>
+      <mc:AlternateContent xmlns:mc="http://schemas.openxmlformats.org/markup-compatibility/2006" xmlns:p14="http://schemas.microsoft.com/office/powerpoint/2010/main">
+        <mc:Choice Requires="p14">
+          <p:contentPart p14:bwMode="auto" r:id="rId8">
+            <p14:nvContentPartPr>
+              <p14:cNvPr id="42" name="Freihand 41"/>
+              <p14:cNvContentPartPr/>
+              <p14:nvPr/>
+            </p14:nvContentPartPr>
+            <p14:xfrm>
+              <a:off x="4275360" y="1602497"/>
+              <a:ext cx="45000" cy="453240"/>
+            </p14:xfrm>
+          </p:contentPart>
+        </mc:Choice>
+        <mc:Fallback xmlns="">
+          <p:pic>
+            <p:nvPicPr>
+              <p:cNvPr id="42" name="Freihand 41"/>
+              <p:cNvPicPr/>
+              <p:nvPr/>
+            </p:nvPicPr>
+            <p:blipFill>
+              <a:blip r:embed="rId9"/>
+              <a:stretch>
+                <a:fillRect/>
+              </a:stretch>
+            </p:blipFill>
+            <p:spPr>
+              <a:xfrm>
+                <a:off x="4256280" y="1583417"/>
+                <a:ext cx="83160" cy="491400"/>
+              </a:xfrm>
+              <a:prstGeom prst="rect">
+                <a:avLst/>
+              </a:prstGeom>
+            </p:spPr>
+          </p:pic>
+        </mc:Fallback>
+      </mc:AlternateContent>
+      <mc:AlternateContent xmlns:mc="http://schemas.openxmlformats.org/markup-compatibility/2006" xmlns:p14="http://schemas.microsoft.com/office/powerpoint/2010/main">
+        <mc:Choice Requires="p14">
+          <p:contentPart p14:bwMode="auto" r:id="rId10">
+            <p14:nvContentPartPr>
+              <p14:cNvPr id="43" name="Freihand 42"/>
+              <p14:cNvContentPartPr/>
+              <p14:nvPr/>
+            </p14:nvContentPartPr>
+            <p14:xfrm>
+              <a:off x="4491720" y="1593497"/>
+              <a:ext cx="37080" cy="464760"/>
+            </p14:xfrm>
+          </p:contentPart>
+        </mc:Choice>
+        <mc:Fallback xmlns="">
+          <p:pic>
+            <p:nvPicPr>
+              <p:cNvPr id="43" name="Freihand 42"/>
+              <p:cNvPicPr/>
+              <p:nvPr/>
+            </p:nvPicPr>
+            <p:blipFill>
+              <a:blip r:embed="rId11"/>
+              <a:stretch>
+                <a:fillRect/>
+              </a:stretch>
+            </p:blipFill>
+            <p:spPr>
+              <a:xfrm>
+                <a:off x="4472640" y="1574417"/>
+                <a:ext cx="75240" cy="502920"/>
+              </a:xfrm>
+              <a:prstGeom prst="rect">
+                <a:avLst/>
+              </a:prstGeom>
+            </p:spPr>
+          </p:pic>
+        </mc:Fallback>
+      </mc:AlternateContent>
+    </p:spTree>
+    <p:extLst>
+      <p:ext uri="{BB962C8B-B14F-4D97-AF65-F5344CB8AC3E}">
+        <p14:creationId xmlns:p14="http://schemas.microsoft.com/office/powerpoint/2010/main" val="1878245104"/>
+      </p:ext>
+    </p:extLst>
+  </p:cSld>
+  <p:clrMapOvr>
+    <a:masterClrMapping/>
+  </p:clrMapOvr>
+</p:sld>
+</file>
+
+<file path=ppt/slides/slide13.xml><?xml version="1.0" encoding="utf-8"?>
+<p:sld xmlns:a="http://schemas.openxmlformats.org/drawingml/2006/main" xmlns:r="http://schemas.openxmlformats.org/officeDocument/2006/relationships" xmlns:p="http://schemas.openxmlformats.org/presentationml/2006/main">
+  <p:cSld>
+    <p:spTree>
+      <p:nvGrpSpPr>
+        <p:cNvPr id="1" name=""/>
+        <p:cNvGrpSpPr/>
+        <p:nvPr/>
+      </p:nvGrpSpPr>
+      <p:grpSpPr>
+        <a:xfrm>
+          <a:off x="0" y="0"/>
+          <a:ext cx="0" cy="0"/>
+          <a:chOff x="0" y="0"/>
+          <a:chExt cx="0" cy="0"/>
+        </a:xfrm>
+      </p:grpSpPr>
+      <mc:AlternateContent xmlns:mc="http://schemas.openxmlformats.org/markup-compatibility/2006" xmlns:p14="http://schemas.microsoft.com/office/powerpoint/2010/main">
+        <mc:Choice Requires="p14">
+          <p:contentPart p14:bwMode="auto" r:id="rId2">
+            <p14:nvContentPartPr>
+              <p14:cNvPr id="7" name="Freihand 6"/>
+              <p14:cNvContentPartPr/>
+              <p14:nvPr/>
+            </p14:nvContentPartPr>
+            <p14:xfrm>
+              <a:off x="4054320" y="2488817"/>
+              <a:ext cx="0" cy="0"/>
+            </p14:xfrm>
+          </p:contentPart>
+        </mc:Choice>
+        <mc:Fallback xmlns="">
+          <p:pic>
+            <p:nvPicPr>
+              <p:cNvPr id="7" name="Freihand 6"/>
+              <p:cNvPicPr/>
+              <p:nvPr/>
+            </p:nvPicPr>
+            <p:blipFill>
+              <a:blip/>
+              <a:stretch>
+                <a:fillRect/>
+              </a:stretch>
+            </p:blipFill>
+            <p:spPr>
+              <a:xfrm>
+                <a:off x="0" y="0"/>
+                <a:ext cx="0" cy="0"/>
+              </a:xfrm>
+              <a:prstGeom prst="rect">
+                <a:avLst/>
+              </a:prstGeom>
+            </p:spPr>
+          </p:pic>
+        </mc:Fallback>
+      </mc:AlternateContent>
+      <mc:AlternateContent xmlns:mc="http://schemas.openxmlformats.org/markup-compatibility/2006" xmlns:p14="http://schemas.microsoft.com/office/powerpoint/2010/main">
+        <mc:Choice Requires="p14">
+          <p:contentPart p14:bwMode="auto" r:id="rId3">
+            <p14:nvContentPartPr>
+              <p14:cNvPr id="35" name="Freihand 34"/>
+              <p14:cNvContentPartPr/>
+              <p14:nvPr/>
+            </p14:nvContentPartPr>
+            <p14:xfrm>
+              <a:off x="4352760" y="1723637"/>
+              <a:ext cx="1586160" cy="760680"/>
+            </p14:xfrm>
+          </p:contentPart>
+        </mc:Choice>
+        <mc:Fallback xmlns="">
+          <p:pic>
+            <p:nvPicPr>
+              <p:cNvPr id="35" name="Freihand 34"/>
+              <p:cNvPicPr/>
+              <p:nvPr/>
+            </p:nvPicPr>
+            <p:blipFill>
+              <a:blip r:embed="rId4"/>
+              <a:stretch>
+                <a:fillRect/>
+              </a:stretch>
+            </p:blipFill>
+            <p:spPr>
+              <a:xfrm>
+                <a:off x="4333680" y="1704557"/>
+                <a:ext cx="1624320" cy="798840"/>
+              </a:xfrm>
+              <a:prstGeom prst="rect">
+                <a:avLst/>
+              </a:prstGeom>
+            </p:spPr>
+          </p:pic>
+        </mc:Fallback>
+      </mc:AlternateContent>
+      <mc:AlternateContent xmlns:mc="http://schemas.openxmlformats.org/markup-compatibility/2006" xmlns:p14="http://schemas.microsoft.com/office/powerpoint/2010/main">
+        <mc:Choice Requires="p14">
+          <p:contentPart p14:bwMode="auto" r:id="rId5">
+            <p14:nvContentPartPr>
+              <p14:cNvPr id="140" name="Freihand 139"/>
+              <p14:cNvContentPartPr/>
+              <p14:nvPr/>
+            </p14:nvContentPartPr>
+            <p14:xfrm>
+              <a:off x="6627188" y="687891"/>
+              <a:ext cx="1187640" cy="280440"/>
+            </p14:xfrm>
+          </p:contentPart>
+        </mc:Choice>
+        <mc:Fallback xmlns="">
+          <p:pic>
+            <p:nvPicPr>
+              <p:cNvPr id="140" name="Freihand 139"/>
+              <p:cNvPicPr/>
+              <p:nvPr/>
+            </p:nvPicPr>
+            <p:blipFill>
+              <a:blip r:embed="rId6"/>
+              <a:stretch>
+                <a:fillRect/>
+              </a:stretch>
+            </p:blipFill>
+            <p:spPr>
+              <a:xfrm>
+                <a:off x="6612788" y="673491"/>
+                <a:ext cx="1216440" cy="309240"/>
+              </a:xfrm>
+              <a:prstGeom prst="rect">
+                <a:avLst/>
+              </a:prstGeom>
+            </p:spPr>
+          </p:pic>
+        </mc:Fallback>
+      </mc:AlternateContent>
+      <mc:AlternateContent xmlns:mc="http://schemas.openxmlformats.org/markup-compatibility/2006" xmlns:p14="http://schemas.microsoft.com/office/powerpoint/2010/main">
+        <mc:Choice Requires="p14">
+          <p:contentPart p14:bwMode="auto" r:id="rId7">
+            <p14:nvContentPartPr>
+              <p14:cNvPr id="141" name="Freihand 140"/>
+              <p14:cNvContentPartPr/>
+              <p14:nvPr/>
+            </p14:nvContentPartPr>
+            <p14:xfrm>
+              <a:off x="7218668" y="1001451"/>
+              <a:ext cx="570240" cy="593640"/>
+            </p14:xfrm>
+          </p:contentPart>
+        </mc:Choice>
+        <mc:Fallback xmlns="">
+          <p:pic>
+            <p:nvPicPr>
+              <p:cNvPr id="141" name="Freihand 140"/>
+              <p:cNvPicPr/>
+              <p:nvPr/>
+            </p:nvPicPr>
+            <p:blipFill>
+              <a:blip r:embed="rId8"/>
+              <a:stretch>
+                <a:fillRect/>
+              </a:stretch>
+            </p:blipFill>
+            <p:spPr>
+              <a:xfrm>
+                <a:off x="7209308" y="992091"/>
+                <a:ext cx="588960" cy="612360"/>
+              </a:xfrm>
+              <a:prstGeom prst="rect">
+                <a:avLst/>
+              </a:prstGeom>
+            </p:spPr>
+          </p:pic>
+        </mc:Fallback>
+      </mc:AlternateContent>
+      <mc:AlternateContent xmlns:mc="http://schemas.openxmlformats.org/markup-compatibility/2006" xmlns:p14="http://schemas.microsoft.com/office/powerpoint/2010/main">
+        <mc:Choice Requires="p14">
+          <p:contentPart p14:bwMode="auto" r:id="rId9">
+            <p14:nvContentPartPr>
+              <p14:cNvPr id="167" name="Freihand 166"/>
+              <p14:cNvContentPartPr/>
+              <p14:nvPr/>
+            </p14:nvContentPartPr>
+            <p14:xfrm>
+              <a:off x="7567508" y="1053651"/>
+              <a:ext cx="227160" cy="516240"/>
+            </p14:xfrm>
+          </p:contentPart>
+        </mc:Choice>
+        <mc:Fallback xmlns="">
+          <p:pic>
+            <p:nvPicPr>
+              <p:cNvPr id="167" name="Freihand 166"/>
+              <p:cNvPicPr/>
+              <p:nvPr/>
+            </p:nvPicPr>
+            <p:blipFill>
+              <a:blip r:embed="rId10"/>
+              <a:stretch>
+                <a:fillRect/>
+              </a:stretch>
+            </p:blipFill>
+            <p:spPr>
+              <a:xfrm>
+                <a:off x="7558148" y="1044291"/>
+                <a:ext cx="245880" cy="534960"/>
+              </a:xfrm>
+              <a:prstGeom prst="rect">
+                <a:avLst/>
+              </a:prstGeom>
+            </p:spPr>
+          </p:pic>
+        </mc:Fallback>
+      </mc:AlternateContent>
+      <mc:AlternateContent xmlns:mc="http://schemas.openxmlformats.org/markup-compatibility/2006" xmlns:p14="http://schemas.microsoft.com/office/powerpoint/2010/main">
+        <mc:Choice Requires="p14">
+          <p:contentPart p14:bwMode="auto" r:id="rId11">
+            <p14:nvContentPartPr>
+              <p14:cNvPr id="168" name="Freihand 167"/>
+              <p14:cNvContentPartPr/>
+              <p14:nvPr/>
+            </p14:nvContentPartPr>
+            <p14:xfrm>
+              <a:off x="6705668" y="1105851"/>
+              <a:ext cx="1315440" cy="952200"/>
+            </p14:xfrm>
+          </p:contentPart>
+        </mc:Choice>
+        <mc:Fallback xmlns="">
+          <p:pic>
+            <p:nvPicPr>
+              <p:cNvPr id="168" name="Freihand 167"/>
+              <p:cNvPicPr/>
+              <p:nvPr/>
+            </p:nvPicPr>
+            <p:blipFill>
+              <a:blip r:embed="rId12"/>
+              <a:stretch>
+                <a:fillRect/>
+              </a:stretch>
+            </p:blipFill>
+            <p:spPr>
+              <a:xfrm>
+                <a:off x="6691268" y="1096491"/>
+                <a:ext cx="1344240" cy="975960"/>
+              </a:xfrm>
+              <a:prstGeom prst="rect">
+                <a:avLst/>
+              </a:prstGeom>
+            </p:spPr>
+          </p:pic>
+        </mc:Fallback>
+      </mc:AlternateContent>
+      <mc:AlternateContent xmlns:mc="http://schemas.openxmlformats.org/markup-compatibility/2006" xmlns:p14="http://schemas.microsoft.com/office/powerpoint/2010/main">
+        <mc:Choice Requires="p14">
+          <p:contentPart p14:bwMode="auto" r:id="rId13">
+            <p14:nvContentPartPr>
+              <p14:cNvPr id="208" name="Freihand 207"/>
+              <p14:cNvContentPartPr/>
+              <p14:nvPr/>
+            </p14:nvContentPartPr>
+            <p14:xfrm>
+              <a:off x="5027511" y="3013337"/>
+              <a:ext cx="210240" cy="409680"/>
+            </p14:xfrm>
+          </p:contentPart>
+        </mc:Choice>
+        <mc:Fallback xmlns="">
+          <p:pic>
+            <p:nvPicPr>
+              <p:cNvPr id="208" name="Freihand 207"/>
+              <p:cNvPicPr/>
+              <p:nvPr/>
+            </p:nvPicPr>
+            <p:blipFill>
+              <a:blip r:embed="rId14"/>
+              <a:stretch>
+                <a:fillRect/>
+              </a:stretch>
+            </p:blipFill>
+            <p:spPr>
+              <a:xfrm>
+                <a:off x="5013111" y="2998937"/>
+                <a:ext cx="239040" cy="438480"/>
+              </a:xfrm>
+              <a:prstGeom prst="rect">
+                <a:avLst/>
+              </a:prstGeom>
+            </p:spPr>
+          </p:pic>
+        </mc:Fallback>
+      </mc:AlternateContent>
+      <mc:AlternateContent xmlns:mc="http://schemas.openxmlformats.org/markup-compatibility/2006" xmlns:p14="http://schemas.microsoft.com/office/powerpoint/2010/main">
+        <mc:Choice Requires="p14">
+          <p:contentPart p14:bwMode="auto" r:id="rId15">
+            <p14:nvContentPartPr>
+              <p14:cNvPr id="211" name="Freihand 210"/>
+              <p14:cNvContentPartPr/>
+              <p14:nvPr/>
+            </p14:nvContentPartPr>
+            <p14:xfrm>
+              <a:off x="4522431" y="3431297"/>
+              <a:ext cx="1106280" cy="323640"/>
+            </p14:xfrm>
+          </p:contentPart>
+        </mc:Choice>
+        <mc:Fallback xmlns="">
+          <p:pic>
+            <p:nvPicPr>
+              <p:cNvPr id="211" name="Freihand 210"/>
+              <p:cNvPicPr/>
+              <p:nvPr/>
+            </p:nvPicPr>
+            <p:blipFill>
+              <a:blip r:embed="rId16"/>
+              <a:stretch>
+                <a:fillRect/>
+              </a:stretch>
+            </p:blipFill>
+            <p:spPr>
+              <a:xfrm>
+                <a:off x="4508031" y="3416897"/>
+                <a:ext cx="1135080" cy="352440"/>
+              </a:xfrm>
+              <a:prstGeom prst="rect">
+                <a:avLst/>
+              </a:prstGeom>
+            </p:spPr>
+          </p:pic>
+        </mc:Fallback>
+      </mc:AlternateContent>
+      <mc:AlternateContent xmlns:mc="http://schemas.openxmlformats.org/markup-compatibility/2006" xmlns:p14="http://schemas.microsoft.com/office/powerpoint/2010/main">
+        <mc:Choice Requires="p14">
+          <p:contentPart p14:bwMode="auto" r:id="rId17">
+            <p14:nvContentPartPr>
+              <p14:cNvPr id="224" name="Freihand 223"/>
+              <p14:cNvContentPartPr/>
+              <p14:nvPr/>
+            </p14:nvContentPartPr>
+            <p14:xfrm>
+              <a:off x="6498308" y="3532680"/>
+              <a:ext cx="1005480" cy="888840"/>
+            </p14:xfrm>
+          </p:contentPart>
+        </mc:Choice>
+        <mc:Fallback xmlns="">
+          <p:pic>
+            <p:nvPicPr>
+              <p:cNvPr id="224" name="Freihand 223"/>
+              <p:cNvPicPr/>
+              <p:nvPr/>
+            </p:nvPicPr>
+            <p:blipFill>
+              <a:blip r:embed="rId18"/>
+              <a:stretch>
+                <a:fillRect/>
+              </a:stretch>
+            </p:blipFill>
+            <p:spPr>
+              <a:xfrm>
+                <a:off x="6483908" y="3518280"/>
+                <a:ext cx="1034280" cy="917640"/>
+              </a:xfrm>
+              <a:prstGeom prst="rect">
+                <a:avLst/>
+              </a:prstGeom>
+            </p:spPr>
+          </p:pic>
+        </mc:Fallback>
+      </mc:AlternateContent>
+      <mc:AlternateContent xmlns:mc="http://schemas.openxmlformats.org/markup-compatibility/2006" xmlns:p14="http://schemas.microsoft.com/office/powerpoint/2010/main">
+        <mc:Choice Requires="p14">
+          <p:contentPart p14:bwMode="auto" r:id="rId19">
+            <p14:nvContentPartPr>
+              <p14:cNvPr id="247" name="Freihand 246"/>
+              <p14:cNvContentPartPr/>
+              <p14:nvPr/>
+            </p14:nvContentPartPr>
+            <p14:xfrm>
+              <a:off x="2694600" y="1888697"/>
+              <a:ext cx="711000" cy="430560"/>
+            </p14:xfrm>
+          </p:contentPart>
+        </mc:Choice>
+        <mc:Fallback xmlns="">
+          <p:pic>
+            <p:nvPicPr>
+              <p:cNvPr id="247" name="Freihand 246"/>
+              <p:cNvPicPr/>
+              <p:nvPr/>
+            </p:nvPicPr>
+            <p:blipFill>
+              <a:blip r:embed="rId20"/>
+              <a:stretch>
+                <a:fillRect/>
+              </a:stretch>
+            </p:blipFill>
+            <p:spPr>
+              <a:xfrm>
+                <a:off x="2685240" y="1879337"/>
+                <a:ext cx="729720" cy="449280"/>
+              </a:xfrm>
+              <a:prstGeom prst="rect">
+                <a:avLst/>
+              </a:prstGeom>
+            </p:spPr>
+          </p:pic>
+        </mc:Fallback>
+      </mc:AlternateContent>
+      <mc:AlternateContent xmlns:mc="http://schemas.openxmlformats.org/markup-compatibility/2006" xmlns:p14="http://schemas.microsoft.com/office/powerpoint/2010/main">
+        <mc:Choice Requires="p14">
+          <p:contentPart p14:bwMode="auto" r:id="rId21">
+            <p14:nvContentPartPr>
+              <p14:cNvPr id="287" name="Freihand 286"/>
+              <p14:cNvContentPartPr/>
+              <p14:nvPr/>
+            </p14:nvContentPartPr>
+            <p14:xfrm>
+              <a:off x="2896200" y="2298377"/>
+              <a:ext cx="313560" cy="87480"/>
+            </p14:xfrm>
+          </p:contentPart>
+        </mc:Choice>
+        <mc:Fallback xmlns="">
+          <p:pic>
+            <p:nvPicPr>
+              <p:cNvPr id="287" name="Freihand 286"/>
+              <p:cNvPicPr/>
+              <p:nvPr/>
+            </p:nvPicPr>
+            <p:blipFill>
+              <a:blip r:embed="rId22"/>
+              <a:stretch>
+                <a:fillRect/>
+              </a:stretch>
+            </p:blipFill>
+            <p:spPr>
+              <a:xfrm>
+                <a:off x="2886840" y="2289017"/>
+                <a:ext cx="332280" cy="106200"/>
+              </a:xfrm>
+              <a:prstGeom prst="rect">
+                <a:avLst/>
+              </a:prstGeom>
+            </p:spPr>
+          </p:pic>
+        </mc:Fallback>
+      </mc:AlternateContent>
+      <mc:AlternateContent xmlns:mc="http://schemas.openxmlformats.org/markup-compatibility/2006" xmlns:p14="http://schemas.microsoft.com/office/powerpoint/2010/main">
+        <mc:Choice Requires="p14">
+          <p:contentPart p14:bwMode="auto" r:id="rId23">
+            <p14:nvContentPartPr>
+              <p14:cNvPr id="299" name="Freihand 298"/>
+              <p14:cNvContentPartPr/>
+              <p14:nvPr/>
+            </p14:nvContentPartPr>
+            <p14:xfrm>
+              <a:off x="2451960" y="1035497"/>
+              <a:ext cx="2752200" cy="1585440"/>
+            </p14:xfrm>
+          </p:contentPart>
+        </mc:Choice>
+        <mc:Fallback xmlns="">
+          <p:pic>
+            <p:nvPicPr>
+              <p:cNvPr id="299" name="Freihand 298"/>
+              <p:cNvPicPr/>
+              <p:nvPr/>
+            </p:nvPicPr>
+            <p:blipFill>
+              <a:blip r:embed="rId24"/>
+              <a:stretch>
+                <a:fillRect/>
+              </a:stretch>
+            </p:blipFill>
+            <p:spPr>
+              <a:xfrm>
+                <a:off x="2437560" y="1021097"/>
+                <a:ext cx="2781000" cy="1614240"/>
+              </a:xfrm>
+              <a:prstGeom prst="rect">
+                <a:avLst/>
+              </a:prstGeom>
+            </p:spPr>
+          </p:pic>
+        </mc:Fallback>
+      </mc:AlternateContent>
+      <mc:AlternateContent xmlns:mc="http://schemas.openxmlformats.org/markup-compatibility/2006" xmlns:p14="http://schemas.microsoft.com/office/powerpoint/2010/main">
+        <mc:Choice Requires="p14">
+          <p:contentPart p14:bwMode="auto" r:id="rId25">
+            <p14:nvContentPartPr>
+              <p14:cNvPr id="304" name="Freihand 303"/>
+              <p14:cNvContentPartPr/>
+              <p14:nvPr/>
+            </p14:nvContentPartPr>
+            <p14:xfrm>
+              <a:off x="2687040" y="2532737"/>
+              <a:ext cx="62640" cy="88560"/>
+            </p14:xfrm>
+          </p:contentPart>
+        </mc:Choice>
+        <mc:Fallback xmlns="">
+          <p:pic>
+            <p:nvPicPr>
+              <p:cNvPr id="304" name="Freihand 303"/>
+              <p:cNvPicPr/>
+              <p:nvPr/>
+            </p:nvPicPr>
+            <p:blipFill>
+              <a:blip r:embed="rId26"/>
+              <a:stretch>
+                <a:fillRect/>
+              </a:stretch>
+            </p:blipFill>
+            <p:spPr>
+              <a:xfrm>
+                <a:off x="2672640" y="2518337"/>
+                <a:ext cx="91440" cy="117360"/>
+              </a:xfrm>
+              <a:prstGeom prst="rect">
+                <a:avLst/>
+              </a:prstGeom>
+            </p:spPr>
+          </p:pic>
+        </mc:Fallback>
+      </mc:AlternateContent>
+      <mc:AlternateContent xmlns:mc="http://schemas.openxmlformats.org/markup-compatibility/2006" xmlns:p14="http://schemas.microsoft.com/office/powerpoint/2010/main">
+        <mc:Choice Requires="p14">
+          <p:contentPart p14:bwMode="auto" r:id="rId27">
+            <p14:nvContentPartPr>
+              <p14:cNvPr id="305" name="Freihand 304"/>
+              <p14:cNvContentPartPr/>
+              <p14:nvPr/>
+            </p14:nvContentPartPr>
+            <p14:xfrm>
+              <a:off x="2780640" y="2538857"/>
+              <a:ext cx="64080" cy="170280"/>
+            </p14:xfrm>
+          </p:contentPart>
+        </mc:Choice>
+        <mc:Fallback xmlns="">
+          <p:pic>
+            <p:nvPicPr>
+              <p:cNvPr id="305" name="Freihand 304"/>
+              <p:cNvPicPr/>
+              <p:nvPr/>
+            </p:nvPicPr>
+            <p:blipFill>
+              <a:blip r:embed="rId28"/>
+              <a:stretch>
+                <a:fillRect/>
+              </a:stretch>
+            </p:blipFill>
+            <p:spPr>
+              <a:xfrm>
+                <a:off x="2766240" y="2524457"/>
+                <a:ext cx="92880" cy="199080"/>
+              </a:xfrm>
+              <a:prstGeom prst="rect">
+                <a:avLst/>
+              </a:prstGeom>
+            </p:spPr>
+          </p:pic>
+        </mc:Fallback>
+      </mc:AlternateContent>
+      <mc:AlternateContent xmlns:mc="http://schemas.openxmlformats.org/markup-compatibility/2006" xmlns:p14="http://schemas.microsoft.com/office/powerpoint/2010/main">
+        <mc:Choice Requires="p14">
+          <p:contentPart p14:bwMode="auto" r:id="rId29">
+            <p14:nvContentPartPr>
+              <p14:cNvPr id="306" name="Freihand 305"/>
+              <p14:cNvContentPartPr/>
+              <p14:nvPr/>
+            </p14:nvContentPartPr>
+            <p14:xfrm>
+              <a:off x="2878560" y="2533457"/>
+              <a:ext cx="61560" cy="69840"/>
+            </p14:xfrm>
+          </p:contentPart>
+        </mc:Choice>
+        <mc:Fallback xmlns="">
+          <p:pic>
+            <p:nvPicPr>
+              <p:cNvPr id="306" name="Freihand 305"/>
+              <p:cNvPicPr/>
+              <p:nvPr/>
+            </p:nvPicPr>
+            <p:blipFill>
+              <a:blip r:embed="rId30"/>
+              <a:stretch>
+                <a:fillRect/>
+              </a:stretch>
+            </p:blipFill>
+            <p:spPr>
+              <a:xfrm>
+                <a:off x="2864160" y="2519057"/>
+                <a:ext cx="90360" cy="98640"/>
+              </a:xfrm>
+              <a:prstGeom prst="rect">
+                <a:avLst/>
+              </a:prstGeom>
+            </p:spPr>
+          </p:pic>
+        </mc:Fallback>
+      </mc:AlternateContent>
+      <mc:AlternateContent xmlns:mc="http://schemas.openxmlformats.org/markup-compatibility/2006" xmlns:p14="http://schemas.microsoft.com/office/powerpoint/2010/main">
+        <mc:Choice Requires="p14">
+          <p:contentPart p14:bwMode="auto" r:id="rId31">
+            <p14:nvContentPartPr>
+              <p14:cNvPr id="307" name="Freihand 306"/>
+              <p14:cNvContentPartPr/>
+              <p14:nvPr/>
+            </p14:nvContentPartPr>
+            <p14:xfrm>
+              <a:off x="2974320" y="2533457"/>
+              <a:ext cx="96120" cy="78840"/>
+            </p14:xfrm>
+          </p:contentPart>
+        </mc:Choice>
+        <mc:Fallback xmlns="">
+          <p:pic>
+            <p:nvPicPr>
+              <p:cNvPr id="307" name="Freihand 306"/>
+              <p:cNvPicPr/>
+              <p:nvPr/>
+            </p:nvPicPr>
+            <p:blipFill>
+              <a:blip r:embed="rId32"/>
+              <a:stretch>
+                <a:fillRect/>
+              </a:stretch>
+            </p:blipFill>
+            <p:spPr>
+              <a:xfrm>
+                <a:off x="2959920" y="2519057"/>
+                <a:ext cx="124920" cy="107640"/>
+              </a:xfrm>
+              <a:prstGeom prst="rect">
+                <a:avLst/>
+              </a:prstGeom>
+            </p:spPr>
+          </p:pic>
+        </mc:Fallback>
+      </mc:AlternateContent>
+      <mc:AlternateContent xmlns:mc="http://schemas.openxmlformats.org/markup-compatibility/2006" xmlns:p14="http://schemas.microsoft.com/office/powerpoint/2010/main">
+        <mc:Choice Requires="p14">
+          <p:contentPart p14:bwMode="auto" r:id="rId33">
+            <p14:nvContentPartPr>
+              <p14:cNvPr id="308" name="Freihand 307"/>
+              <p14:cNvContentPartPr/>
+              <p14:nvPr/>
+            </p14:nvContentPartPr>
+            <p14:xfrm>
+              <a:off x="3096000" y="2524817"/>
+              <a:ext cx="107640" cy="69840"/>
+            </p14:xfrm>
+          </p:contentPart>
+        </mc:Choice>
+        <mc:Fallback xmlns="">
+          <p:pic>
+            <p:nvPicPr>
+              <p:cNvPr id="308" name="Freihand 307"/>
+              <p:cNvPicPr/>
+              <p:nvPr/>
+            </p:nvPicPr>
+            <p:blipFill>
+              <a:blip r:embed="rId34"/>
+              <a:stretch>
+                <a:fillRect/>
+              </a:stretch>
+            </p:blipFill>
+            <p:spPr>
+              <a:xfrm>
+                <a:off x="3081600" y="2510417"/>
+                <a:ext cx="136440" cy="98640"/>
+              </a:xfrm>
+              <a:prstGeom prst="rect">
+                <a:avLst/>
+              </a:prstGeom>
+            </p:spPr>
+          </p:pic>
+        </mc:Fallback>
+      </mc:AlternateContent>
+      <mc:AlternateContent xmlns:mc="http://schemas.openxmlformats.org/markup-compatibility/2006" xmlns:p14="http://schemas.microsoft.com/office/powerpoint/2010/main">
+        <mc:Choice Requires="p14">
+          <p:contentPart p14:bwMode="auto" r:id="rId35">
+            <p14:nvContentPartPr>
+              <p14:cNvPr id="309" name="Freihand 308"/>
+              <p14:cNvContentPartPr/>
+              <p14:nvPr/>
+            </p14:nvContentPartPr>
+            <p14:xfrm>
+              <a:off x="3244320" y="2524817"/>
+              <a:ext cx="122760" cy="69840"/>
+            </p14:xfrm>
+          </p:contentPart>
+        </mc:Choice>
+        <mc:Fallback xmlns="">
+          <p:pic>
+            <p:nvPicPr>
+              <p:cNvPr id="309" name="Freihand 308"/>
+              <p:cNvPicPr/>
+              <p:nvPr/>
+            </p:nvPicPr>
+            <p:blipFill>
+              <a:blip r:embed="rId36"/>
+              <a:stretch>
+                <a:fillRect/>
+              </a:stretch>
+            </p:blipFill>
+            <p:spPr>
+              <a:xfrm>
+                <a:off x="3229920" y="2510417"/>
+                <a:ext cx="151560" cy="98640"/>
+              </a:xfrm>
+              <a:prstGeom prst="rect">
+                <a:avLst/>
+              </a:prstGeom>
+            </p:spPr>
+          </p:pic>
+        </mc:Fallback>
+      </mc:AlternateContent>
+      <mc:AlternateContent xmlns:mc="http://schemas.openxmlformats.org/markup-compatibility/2006" xmlns:p14="http://schemas.microsoft.com/office/powerpoint/2010/main">
+        <mc:Choice Requires="p14">
+          <p:contentPart p14:bwMode="auto" r:id="rId37">
+            <p14:nvContentPartPr>
+              <p14:cNvPr id="310" name="Freihand 309"/>
+              <p14:cNvContentPartPr/>
+              <p14:nvPr/>
+            </p14:nvContentPartPr>
+            <p14:xfrm>
+              <a:off x="3418560" y="2524817"/>
+              <a:ext cx="9000" cy="61200"/>
+            </p14:xfrm>
+          </p:contentPart>
+        </mc:Choice>
+        <mc:Fallback xmlns="">
+          <p:pic>
+            <p:nvPicPr>
+              <p:cNvPr id="310" name="Freihand 309"/>
+              <p:cNvPicPr/>
+              <p:nvPr/>
+            </p:nvPicPr>
+            <p:blipFill>
+              <a:blip r:embed="rId38"/>
+              <a:stretch>
+                <a:fillRect/>
+              </a:stretch>
+            </p:blipFill>
+            <p:spPr>
+              <a:xfrm>
+                <a:off x="3404160" y="2510417"/>
+                <a:ext cx="37800" cy="90000"/>
+              </a:xfrm>
+              <a:prstGeom prst="rect">
+                <a:avLst/>
+              </a:prstGeom>
+            </p:spPr>
+          </p:pic>
+        </mc:Fallback>
+      </mc:AlternateContent>
+      <mc:AlternateContent xmlns:mc="http://schemas.openxmlformats.org/markup-compatibility/2006" xmlns:p14="http://schemas.microsoft.com/office/powerpoint/2010/main">
+        <mc:Choice Requires="p14">
+          <p:contentPart p14:bwMode="auto" r:id="rId39">
+            <p14:nvContentPartPr>
+              <p14:cNvPr id="311" name="Freihand 310"/>
+              <p14:cNvContentPartPr/>
+              <p14:nvPr/>
+            </p14:nvContentPartPr>
+            <p14:xfrm>
+              <a:off x="3418560" y="2472617"/>
+              <a:ext cx="9000" cy="9000"/>
+            </p14:xfrm>
+          </p:contentPart>
+        </mc:Choice>
+        <mc:Fallback xmlns="">
+          <p:pic>
+            <p:nvPicPr>
+              <p:cNvPr id="311" name="Freihand 310"/>
+              <p:cNvPicPr/>
+              <p:nvPr/>
+            </p:nvPicPr>
+            <p:blipFill>
+              <a:blip r:embed="rId40"/>
+              <a:stretch>
+                <a:fillRect/>
+              </a:stretch>
+            </p:blipFill>
+            <p:spPr>
+              <a:xfrm>
+                <a:off x="3404160" y="2458217"/>
+                <a:ext cx="37800" cy="37800"/>
+              </a:xfrm>
+              <a:prstGeom prst="rect">
+                <a:avLst/>
+              </a:prstGeom>
+            </p:spPr>
+          </p:pic>
+        </mc:Fallback>
+      </mc:AlternateContent>
+      <mc:AlternateContent xmlns:mc="http://schemas.openxmlformats.org/markup-compatibility/2006" xmlns:p14="http://schemas.microsoft.com/office/powerpoint/2010/main">
+        <mc:Choice Requires="p14">
+          <p:contentPart p14:bwMode="auto" r:id="rId41">
+            <p14:nvContentPartPr>
+              <p14:cNvPr id="312" name="Freihand 311"/>
+              <p14:cNvContentPartPr/>
+              <p14:nvPr/>
+            </p14:nvContentPartPr>
+            <p14:xfrm>
+              <a:off x="3479400" y="2516177"/>
+              <a:ext cx="62280" cy="69840"/>
+            </p14:xfrm>
+          </p:contentPart>
+        </mc:Choice>
+        <mc:Fallback xmlns="">
+          <p:pic>
+            <p:nvPicPr>
+              <p:cNvPr id="312" name="Freihand 311"/>
+              <p:cNvPicPr/>
+              <p:nvPr/>
+            </p:nvPicPr>
+            <p:blipFill>
+              <a:blip r:embed="rId42"/>
+              <a:stretch>
+                <a:fillRect/>
+              </a:stretch>
+            </p:blipFill>
+            <p:spPr>
+              <a:xfrm>
+                <a:off x="3465000" y="2501777"/>
+                <a:ext cx="91080" cy="98640"/>
+              </a:xfrm>
+              <a:prstGeom prst="rect">
+                <a:avLst/>
+              </a:prstGeom>
+            </p:spPr>
+          </p:pic>
+        </mc:Fallback>
+      </mc:AlternateContent>
+      <mc:AlternateContent xmlns:mc="http://schemas.openxmlformats.org/markup-compatibility/2006" xmlns:p14="http://schemas.microsoft.com/office/powerpoint/2010/main">
+        <mc:Choice Requires="p14">
+          <p:contentPart p14:bwMode="auto" r:id="rId43">
+            <p14:nvContentPartPr>
+              <p14:cNvPr id="313" name="Freihand 312"/>
+              <p14:cNvContentPartPr/>
+              <p14:nvPr/>
+            </p14:nvContentPartPr>
+            <p14:xfrm>
+              <a:off x="3566160" y="2513297"/>
+              <a:ext cx="87840" cy="221040"/>
+            </p14:xfrm>
+          </p:contentPart>
+        </mc:Choice>
+        <mc:Fallback xmlns="">
+          <p:pic>
+            <p:nvPicPr>
+              <p:cNvPr id="313" name="Freihand 312"/>
+              <p:cNvPicPr/>
+              <p:nvPr/>
+            </p:nvPicPr>
+            <p:blipFill>
+              <a:blip r:embed="rId44"/>
+              <a:stretch>
+                <a:fillRect/>
+              </a:stretch>
+            </p:blipFill>
+            <p:spPr>
+              <a:xfrm>
+                <a:off x="3551760" y="2498897"/>
+                <a:ext cx="116640" cy="249840"/>
+              </a:xfrm>
+              <a:prstGeom prst="rect">
+                <a:avLst/>
+              </a:prstGeom>
+            </p:spPr>
+          </p:pic>
+        </mc:Fallback>
+      </mc:AlternateContent>
+      <mc:AlternateContent xmlns:mc="http://schemas.openxmlformats.org/markup-compatibility/2006" xmlns:p14="http://schemas.microsoft.com/office/powerpoint/2010/main">
+        <mc:Choice Requires="p14">
+          <p:contentPart p14:bwMode="auto" r:id="rId45">
+            <p14:nvContentPartPr>
+              <p14:cNvPr id="320" name="Freihand 319"/>
+              <p14:cNvContentPartPr/>
+              <p14:nvPr/>
+            </p14:nvContentPartPr>
+            <p14:xfrm>
+              <a:off x="7129748" y="2620937"/>
+              <a:ext cx="659160" cy="392400"/>
+            </p14:xfrm>
+          </p:contentPart>
+        </mc:Choice>
+        <mc:Fallback xmlns="">
+          <p:pic>
+            <p:nvPicPr>
+              <p:cNvPr id="320" name="Freihand 319"/>
+              <p:cNvPicPr/>
+              <p:nvPr/>
+            </p:nvPicPr>
+            <p:blipFill>
+              <a:blip r:embed="rId46"/>
+              <a:stretch>
+                <a:fillRect/>
+              </a:stretch>
+            </p:blipFill>
+            <p:spPr>
+              <a:xfrm>
+                <a:off x="7110668" y="2601857"/>
+                <a:ext cx="697320" cy="430560"/>
+              </a:xfrm>
+              <a:prstGeom prst="rect">
+                <a:avLst/>
+              </a:prstGeom>
+            </p:spPr>
+          </p:pic>
+        </mc:Fallback>
+      </mc:AlternateContent>
+      <mc:AlternateContent xmlns:mc="http://schemas.openxmlformats.org/markup-compatibility/2006" xmlns:p14="http://schemas.microsoft.com/office/powerpoint/2010/main">
+        <mc:Choice Requires="p14">
+          <p:contentPart p14:bwMode="auto" r:id="rId47">
+            <p14:nvContentPartPr>
+              <p14:cNvPr id="322" name="Freihand 321"/>
+              <p14:cNvContentPartPr/>
+              <p14:nvPr/>
+            </p14:nvContentPartPr>
+            <p14:xfrm>
+              <a:off x="7074308" y="2490257"/>
+              <a:ext cx="671040" cy="557640"/>
+            </p14:xfrm>
+          </p:contentPart>
+        </mc:Choice>
+        <mc:Fallback xmlns="">
+          <p:pic>
+            <p:nvPicPr>
+              <p:cNvPr id="322" name="Freihand 321"/>
+              <p:cNvPicPr/>
+              <p:nvPr/>
+            </p:nvPicPr>
+            <p:blipFill>
+              <a:blip r:embed="rId48"/>
+              <a:stretch>
+                <a:fillRect/>
+              </a:stretch>
+            </p:blipFill>
+            <p:spPr>
+              <a:xfrm>
+                <a:off x="7059908" y="2475857"/>
+                <a:ext cx="699840" cy="586440"/>
+              </a:xfrm>
+              <a:prstGeom prst="rect">
+                <a:avLst/>
+              </a:prstGeom>
+            </p:spPr>
+          </p:pic>
+        </mc:Fallback>
+      </mc:AlternateContent>
+      <mc:AlternateContent xmlns:mc="http://schemas.openxmlformats.org/markup-compatibility/2006" xmlns:p14="http://schemas.microsoft.com/office/powerpoint/2010/main">
+        <mc:Choice Requires="p14">
+          <p:contentPart p14:bwMode="auto" r:id="rId49">
+            <p14:nvContentPartPr>
+              <p14:cNvPr id="324" name="Freihand 323"/>
+              <p14:cNvContentPartPr/>
+              <p14:nvPr/>
+            </p14:nvContentPartPr>
+            <p14:xfrm>
+              <a:off x="7152788" y="2594657"/>
+              <a:ext cx="618840" cy="462240"/>
+            </p14:xfrm>
+          </p:contentPart>
+        </mc:Choice>
+        <mc:Fallback xmlns="">
+          <p:pic>
+            <p:nvPicPr>
+              <p:cNvPr id="324" name="Freihand 323"/>
+              <p:cNvPicPr/>
+              <p:nvPr/>
+            </p:nvPicPr>
+            <p:blipFill>
+              <a:blip r:embed="rId50"/>
+              <a:stretch>
+                <a:fillRect/>
+              </a:stretch>
+            </p:blipFill>
+            <p:spPr>
+              <a:xfrm>
+                <a:off x="7138388" y="2580257"/>
+                <a:ext cx="647640" cy="491040"/>
+              </a:xfrm>
+              <a:prstGeom prst="rect">
+                <a:avLst/>
+              </a:prstGeom>
+            </p:spPr>
+          </p:pic>
+        </mc:Fallback>
+      </mc:AlternateContent>
+      <mc:AlternateContent xmlns:mc="http://schemas.openxmlformats.org/markup-compatibility/2006" xmlns:p14="http://schemas.microsoft.com/office/powerpoint/2010/main">
+        <mc:Choice Requires="p14">
+          <p:contentPart p14:bwMode="auto" r:id="rId51">
+            <p14:nvContentPartPr>
+              <p14:cNvPr id="329" name="Freihand 328"/>
+              <p14:cNvContentPartPr/>
+              <p14:nvPr/>
+            </p14:nvContentPartPr>
+            <p14:xfrm>
+              <a:off x="2909340" y="3172457"/>
+              <a:ext cx="1220760" cy="983160"/>
+            </p14:xfrm>
+          </p:contentPart>
+        </mc:Choice>
+        <mc:Fallback xmlns="">
+          <p:pic>
+            <p:nvPicPr>
+              <p:cNvPr id="329" name="Freihand 328"/>
+              <p:cNvPicPr/>
+              <p:nvPr/>
+            </p:nvPicPr>
+            <p:blipFill>
+              <a:blip r:embed="rId52"/>
+              <a:stretch>
+                <a:fillRect/>
+              </a:stretch>
+            </p:blipFill>
+            <p:spPr>
+              <a:xfrm>
+                <a:off x="2894940" y="3158057"/>
+                <a:ext cx="1249560" cy="1011960"/>
+              </a:xfrm>
+              <a:prstGeom prst="rect">
+                <a:avLst/>
+              </a:prstGeom>
+            </p:spPr>
+          </p:pic>
+        </mc:Fallback>
+      </mc:AlternateContent>
+    </p:spTree>
+    <p:extLst>
+      <p:ext uri="{BB962C8B-B14F-4D97-AF65-F5344CB8AC3E}">
+        <p14:creationId xmlns:p14="http://schemas.microsoft.com/office/powerpoint/2010/main" val="2897440469"/>
       </p:ext>
     </p:extLst>
   </p:cSld>
@@ -18942,24 +21402,24 @@
           <a:chExt cx="0" cy="0"/>
         </a:xfrm>
       </p:grpSpPr>
-      <mc:AlternateContent xmlns:mc="http://schemas.openxmlformats.org/markup-compatibility/2006">
-        <mc:Choice xmlns:p14="http://schemas.microsoft.com/office/powerpoint/2010/main" Requires="p14">
+      <mc:AlternateContent xmlns:mc="http://schemas.openxmlformats.org/markup-compatibility/2006" xmlns:p14="http://schemas.microsoft.com/office/powerpoint/2010/main">
+        <mc:Choice Requires="p14">
           <p:contentPart p14:bwMode="auto" r:id="rId2">
             <p14:nvContentPartPr>
-              <p14:cNvPr id="5" name="Freihand 4"/>
+              <p14:cNvPr id="6" name="Freihand 5"/>
               <p14:cNvContentPartPr/>
               <p14:nvPr/>
             </p14:nvContentPartPr>
             <p14:xfrm>
-              <a:off x="4023360" y="1846217"/>
-              <a:ext cx="3117960" cy="4024800"/>
+              <a:off x="4432680" y="1306217"/>
+              <a:ext cx="2264400" cy="1236960"/>
             </p14:xfrm>
           </p:contentPart>
         </mc:Choice>
-        <mc:Fallback>
+        <mc:Fallback xmlns="">
           <p:pic>
             <p:nvPicPr>
-              <p:cNvPr id="5" name="Freihand 4"/>
+              <p:cNvPr id="6" name="Freihand 5"/>
               <p:cNvPicPr/>
               <p:nvPr/>
             </p:nvPicPr>
@@ -18971,8 +21431,125 @@
             </p:blipFill>
             <p:spPr>
               <a:xfrm>
-                <a:off x="4004280" y="1827137"/>
-                <a:ext cx="3156120" cy="4062960"/>
+                <a:off x="4413600" y="1287137"/>
+                <a:ext cx="2302560" cy="1270440"/>
+              </a:xfrm>
+              <a:prstGeom prst="rect">
+                <a:avLst/>
+              </a:prstGeom>
+            </p:spPr>
+          </p:pic>
+        </mc:Fallback>
+      </mc:AlternateContent>
+      <mc:AlternateContent xmlns:mc="http://schemas.openxmlformats.org/markup-compatibility/2006" xmlns:p14="http://schemas.microsoft.com/office/powerpoint/2010/main">
+        <mc:Choice Requires="p14">
+          <p:contentPart p14:bwMode="auto" r:id="rId4">
+            <p14:nvContentPartPr>
+              <p14:cNvPr id="98" name="Freihand 97"/>
+              <p14:cNvContentPartPr/>
+              <p14:nvPr/>
+            </p14:nvContentPartPr>
+            <p14:xfrm>
+              <a:off x="4032000" y="1332497"/>
+              <a:ext cx="360" cy="331200"/>
+            </p14:xfrm>
+          </p:contentPart>
+        </mc:Choice>
+        <mc:Fallback xmlns="">
+          <p:pic>
+            <p:nvPicPr>
+              <p:cNvPr id="98" name="Freihand 97"/>
+              <p:cNvPicPr/>
+              <p:nvPr/>
+            </p:nvPicPr>
+            <p:blipFill>
+              <a:blip r:embed="rId5"/>
+              <a:stretch>
+                <a:fillRect/>
+              </a:stretch>
+            </p:blipFill>
+            <p:spPr>
+              <a:xfrm>
+                <a:off x="4012920" y="1313417"/>
+                <a:ext cx="38520" cy="369360"/>
+              </a:xfrm>
+              <a:prstGeom prst="rect">
+                <a:avLst/>
+              </a:prstGeom>
+            </p:spPr>
+          </p:pic>
+        </mc:Fallback>
+      </mc:AlternateContent>
+      <mc:AlternateContent xmlns:mc="http://schemas.openxmlformats.org/markup-compatibility/2006" xmlns:p14="http://schemas.microsoft.com/office/powerpoint/2010/main">
+        <mc:Choice Requires="p14">
+          <p:contentPart p14:bwMode="auto" r:id="rId6">
+            <p14:nvContentPartPr>
+              <p14:cNvPr id="99" name="Freihand 98"/>
+              <p14:cNvContentPartPr/>
+              <p14:nvPr/>
+            </p14:nvContentPartPr>
+            <p14:xfrm>
+              <a:off x="3892680" y="1314137"/>
+              <a:ext cx="305280" cy="19080"/>
+            </p14:xfrm>
+          </p:contentPart>
+        </mc:Choice>
+        <mc:Fallback xmlns="">
+          <p:pic>
+            <p:nvPicPr>
+              <p:cNvPr id="99" name="Freihand 98"/>
+              <p:cNvPicPr/>
+              <p:nvPr/>
+            </p:nvPicPr>
+            <p:blipFill>
+              <a:blip r:embed="rId7"/>
+              <a:stretch>
+                <a:fillRect/>
+              </a:stretch>
+            </p:blipFill>
+            <p:spPr>
+              <a:xfrm>
+                <a:off x="3873600" y="1295057"/>
+                <a:ext cx="343440" cy="57240"/>
+              </a:xfrm>
+              <a:prstGeom prst="rect">
+                <a:avLst/>
+              </a:prstGeom>
+            </p:spPr>
+          </p:pic>
+        </mc:Fallback>
+      </mc:AlternateContent>
+      <mc:AlternateContent xmlns:mc="http://schemas.openxmlformats.org/markup-compatibility/2006" xmlns:p14="http://schemas.microsoft.com/office/powerpoint/2010/main">
+        <mc:Choice Requires="p14">
+          <p:contentPart p14:bwMode="auto" r:id="rId8">
+            <p14:nvContentPartPr>
+              <p14:cNvPr id="102" name="Freihand 101"/>
+              <p14:cNvContentPartPr/>
+              <p14:nvPr/>
+            </p14:nvContentPartPr>
+            <p14:xfrm>
+              <a:off x="4232520" y="1314857"/>
+              <a:ext cx="142560" cy="348840"/>
+            </p14:xfrm>
+          </p:contentPart>
+        </mc:Choice>
+        <mc:Fallback xmlns="">
+          <p:pic>
+            <p:nvPicPr>
+              <p:cNvPr id="102" name="Freihand 101"/>
+              <p:cNvPicPr/>
+              <p:nvPr/>
+            </p:nvPicPr>
+            <p:blipFill>
+              <a:blip r:embed="rId9"/>
+              <a:stretch>
+                <a:fillRect/>
+              </a:stretch>
+            </p:blipFill>
+            <p:spPr>
+              <a:xfrm>
+                <a:off x="4213440" y="1295777"/>
+                <a:ext cx="180720" cy="387000"/>
               </a:xfrm>
               <a:prstGeom prst="rect">
                 <a:avLst/>
@@ -19015,20 +21592,20 @@
         <mc:Choice xmlns:p14="http://schemas.microsoft.com/office/powerpoint/2010/main" Requires="p14">
           <p:contentPart p14:bwMode="auto" r:id="rId2">
             <p14:nvContentPartPr>
-              <p14:cNvPr id="5" name="Freihand 4"/>
+              <p14:cNvPr id="24" name="Freihand 23"/>
               <p14:cNvContentPartPr/>
               <p14:nvPr/>
             </p14:nvContentPartPr>
             <p14:xfrm>
-              <a:off x="3472560" y="1985537"/>
-              <a:ext cx="378720" cy="853920"/>
+              <a:off x="3866194" y="3474875"/>
+              <a:ext cx="2604600" cy="811800"/>
             </p14:xfrm>
           </p:contentPart>
         </mc:Choice>
         <mc:Fallback>
           <p:pic>
             <p:nvPicPr>
-              <p:cNvPr id="5" name="Freihand 4"/>
+              <p:cNvPr id="24" name="Freihand 23"/>
               <p:cNvPicPr/>
               <p:nvPr/>
             </p:nvPicPr>
@@ -19040,8 +21617,8 @@
             </p:blipFill>
             <p:spPr>
               <a:xfrm>
-                <a:off x="3444120" y="1957097"/>
-                <a:ext cx="435600" cy="910800"/>
+                <a:off x="3847114" y="3460475"/>
+                <a:ext cx="2642760" cy="845280"/>
               </a:xfrm>
               <a:prstGeom prst="rect">
                 <a:avLst/>
@@ -19054,150 +21631,33 @@
         <mc:Choice xmlns:p14="http://schemas.microsoft.com/office/powerpoint/2010/main" Requires="p14">
           <p:contentPart p14:bwMode="auto" r:id="rId4">
             <p14:nvContentPartPr>
-              <p14:cNvPr id="17" name="Freihand 16"/>
+              <p14:cNvPr id="48" name="Freihand 47"/>
               <p14:cNvContentPartPr/>
               <p14:nvPr/>
             </p14:nvContentPartPr>
             <p14:xfrm>
-              <a:off x="4037760" y="1828577"/>
-              <a:ext cx="3418200" cy="1665000"/>
+              <a:off x="339634" y="3065418"/>
+              <a:ext cx="0" cy="0"/>
             </p14:xfrm>
           </p:contentPart>
         </mc:Choice>
         <mc:Fallback>
           <p:pic>
             <p:nvPicPr>
-              <p:cNvPr id="17" name="Freihand 16"/>
+              <p:cNvPr id="48" name="Freihand 47"/>
               <p:cNvPicPr/>
               <p:nvPr/>
             </p:nvPicPr>
             <p:blipFill>
-              <a:blip r:embed="rId5"/>
+              <a:blip/>
               <a:stretch>
                 <a:fillRect/>
               </a:stretch>
             </p:blipFill>
             <p:spPr>
               <a:xfrm>
-                <a:off x="4009320" y="1809497"/>
-                <a:ext cx="3465720" cy="1703160"/>
-              </a:xfrm>
-              <a:prstGeom prst="rect">
-                <a:avLst/>
-              </a:prstGeom>
-            </p:spPr>
-          </p:pic>
-        </mc:Fallback>
-      </mc:AlternateContent>
-      <mc:AlternateContent xmlns:mc="http://schemas.openxmlformats.org/markup-compatibility/2006">
-        <mc:Choice xmlns:p14="http://schemas.microsoft.com/office/powerpoint/2010/main" Requires="p14">
-          <p:contentPart p14:bwMode="auto" r:id="rId6">
-            <p14:nvContentPartPr>
-              <p14:cNvPr id="41" name="Freihand 40"/>
-              <p14:cNvContentPartPr/>
-              <p14:nvPr/>
-            </p14:nvContentPartPr>
-            <p14:xfrm>
-              <a:off x="4328280" y="1854857"/>
-              <a:ext cx="200520" cy="24480"/>
-            </p14:xfrm>
-          </p:contentPart>
-        </mc:Choice>
-        <mc:Fallback>
-          <p:pic>
-            <p:nvPicPr>
-              <p:cNvPr id="41" name="Freihand 40"/>
-              <p:cNvPicPr/>
-              <p:nvPr/>
-            </p:nvPicPr>
-            <p:blipFill>
-              <a:blip r:embed="rId7"/>
-              <a:stretch>
-                <a:fillRect/>
-              </a:stretch>
-            </p:blipFill>
-            <p:spPr>
-              <a:xfrm>
-                <a:off x="4309200" y="1835777"/>
-                <a:ext cx="238680" cy="62640"/>
-              </a:xfrm>
-              <a:prstGeom prst="rect">
-                <a:avLst/>
-              </a:prstGeom>
-            </p:spPr>
-          </p:pic>
-        </mc:Fallback>
-      </mc:AlternateContent>
-      <mc:AlternateContent xmlns:mc="http://schemas.openxmlformats.org/markup-compatibility/2006">
-        <mc:Choice xmlns:p14="http://schemas.microsoft.com/office/powerpoint/2010/main" Requires="p14">
-          <p:contentPart p14:bwMode="auto" r:id="rId8">
-            <p14:nvContentPartPr>
-              <p14:cNvPr id="42" name="Freihand 41"/>
-              <p14:cNvContentPartPr/>
-              <p14:nvPr/>
-            </p14:nvContentPartPr>
-            <p14:xfrm>
-              <a:off x="4275360" y="1602497"/>
-              <a:ext cx="45000" cy="453240"/>
-            </p14:xfrm>
-          </p:contentPart>
-        </mc:Choice>
-        <mc:Fallback>
-          <p:pic>
-            <p:nvPicPr>
-              <p:cNvPr id="42" name="Freihand 41"/>
-              <p:cNvPicPr/>
-              <p:nvPr/>
-            </p:nvPicPr>
-            <p:blipFill>
-              <a:blip r:embed="rId9"/>
-              <a:stretch>
-                <a:fillRect/>
-              </a:stretch>
-            </p:blipFill>
-            <p:spPr>
-              <a:xfrm>
-                <a:off x="4256280" y="1583417"/>
-                <a:ext cx="83160" cy="491400"/>
-              </a:xfrm>
-              <a:prstGeom prst="rect">
-                <a:avLst/>
-              </a:prstGeom>
-            </p:spPr>
-          </p:pic>
-        </mc:Fallback>
-      </mc:AlternateContent>
-      <mc:AlternateContent xmlns:mc="http://schemas.openxmlformats.org/markup-compatibility/2006">
-        <mc:Choice xmlns:p14="http://schemas.microsoft.com/office/powerpoint/2010/main" Requires="p14">
-          <p:contentPart p14:bwMode="auto" r:id="rId10">
-            <p14:nvContentPartPr>
-              <p14:cNvPr id="43" name="Freihand 42"/>
-              <p14:cNvContentPartPr/>
-              <p14:nvPr/>
-            </p14:nvContentPartPr>
-            <p14:xfrm>
-              <a:off x="4491720" y="1593497"/>
-              <a:ext cx="37080" cy="464760"/>
-            </p14:xfrm>
-          </p:contentPart>
-        </mc:Choice>
-        <mc:Fallback>
-          <p:pic>
-            <p:nvPicPr>
-              <p:cNvPr id="43" name="Freihand 42"/>
-              <p:cNvPicPr/>
-              <p:nvPr/>
-            </p:nvPicPr>
-            <p:blipFill>
-              <a:blip r:embed="rId11"/>
-              <a:stretch>
-                <a:fillRect/>
-              </a:stretch>
-            </p:blipFill>
-            <p:spPr>
-              <a:xfrm>
-                <a:off x="4472640" y="1574417"/>
-                <a:ext cx="75240" cy="502920"/>
+                <a:off x="0" y="0"/>
+                <a:ext cx="0" cy="0"/>
               </a:xfrm>
               <a:prstGeom prst="rect">
                 <a:avLst/>
@@ -19209,7 +21669,7 @@
     </p:spTree>
     <p:extLst>
       <p:ext uri="{BB962C8B-B14F-4D97-AF65-F5344CB8AC3E}">
-        <p14:creationId xmlns:p14="http://schemas.microsoft.com/office/powerpoint/2010/main" val="1878245104"/>
+        <p14:creationId xmlns:p14="http://schemas.microsoft.com/office/powerpoint/2010/main" val="1743723786"/>
       </p:ext>
     </p:extLst>
   </p:cSld>
@@ -19236,24 +21696,63 @@
           <a:chExt cx="0" cy="0"/>
         </a:xfrm>
       </p:grpSpPr>
-      <mc:AlternateContent xmlns:mc="http://schemas.openxmlformats.org/markup-compatibility/2006">
-        <mc:Choice xmlns:p14="http://schemas.microsoft.com/office/powerpoint/2010/main" Requires="p14">
+      <mc:AlternateContent xmlns:mc="http://schemas.openxmlformats.org/markup-compatibility/2006" xmlns:p14="http://schemas.microsoft.com/office/powerpoint/2010/main">
+        <mc:Choice Requires="p14">
           <p:contentPart p14:bwMode="auto" r:id="rId2">
             <p14:nvContentPartPr>
-              <p14:cNvPr id="7" name="Freihand 6"/>
+              <p14:cNvPr id="5" name="Freihand 4"/>
               <p14:cNvContentPartPr/>
               <p14:nvPr/>
             </p14:nvContentPartPr>
             <p14:xfrm>
-              <a:off x="4054320" y="2488817"/>
+              <a:off x="3509640" y="409457"/>
+              <a:ext cx="2386440" cy="924480"/>
+            </p14:xfrm>
+          </p:contentPart>
+        </mc:Choice>
+        <mc:Fallback xmlns="">
+          <p:pic>
+            <p:nvPicPr>
+              <p:cNvPr id="5" name="Freihand 4"/>
+              <p:cNvPicPr/>
+              <p:nvPr/>
+            </p:nvPicPr>
+            <p:blipFill>
+              <a:blip r:embed="rId3"/>
+              <a:stretch>
+                <a:fillRect/>
+              </a:stretch>
+            </p:blipFill>
+            <p:spPr>
+              <a:xfrm>
+                <a:off x="3490560" y="395057"/>
+                <a:ext cx="2424600" cy="957960"/>
+              </a:xfrm>
+              <a:prstGeom prst="rect">
+                <a:avLst/>
+              </a:prstGeom>
+            </p:spPr>
+          </p:pic>
+        </mc:Fallback>
+      </mc:AlternateContent>
+      <mc:AlternateContent xmlns:mc="http://schemas.openxmlformats.org/markup-compatibility/2006" xmlns:p14="http://schemas.microsoft.com/office/powerpoint/2010/main">
+        <mc:Choice Requires="p14">
+          <p:contentPart p14:bwMode="auto" r:id="rId4">
+            <p14:nvContentPartPr>
+              <p14:cNvPr id="28" name="Freihand 27"/>
+              <p14:cNvContentPartPr/>
+              <p14:nvPr/>
+            </p14:nvContentPartPr>
+            <p14:xfrm>
+              <a:off x="0" y="0"/>
               <a:ext cx="0" cy="0"/>
             </p14:xfrm>
           </p:contentPart>
         </mc:Choice>
-        <mc:Fallback>
+        <mc:Fallback xmlns="">
           <p:pic>
             <p:nvPicPr>
-              <p:cNvPr id="7" name="Freihand 6"/>
+              <p:cNvPr id="28" name="Freihand 27"/>
               <p:cNvPicPr/>
               <p:nvPr/>
             </p:nvPicPr>
@@ -19275,973 +21774,67 @@
           </p:pic>
         </mc:Fallback>
       </mc:AlternateContent>
-      <mc:AlternateContent xmlns:mc="http://schemas.openxmlformats.org/markup-compatibility/2006">
-        <mc:Choice xmlns:p14="http://schemas.microsoft.com/office/powerpoint/2010/main" Requires="p14">
-          <p:contentPart p14:bwMode="auto" r:id="rId3">
+    </p:spTree>
+    <p:extLst>
+      <p:ext uri="{BB962C8B-B14F-4D97-AF65-F5344CB8AC3E}">
+        <p14:creationId xmlns:p14="http://schemas.microsoft.com/office/powerpoint/2010/main" val="1525813199"/>
+      </p:ext>
+    </p:extLst>
+  </p:cSld>
+  <p:clrMapOvr>
+    <a:masterClrMapping/>
+  </p:clrMapOvr>
+</p:sld>
+</file>
+
+<file path=ppt/slides/slide8.xml><?xml version="1.0" encoding="utf-8"?>
+<p:sld xmlns:a="http://schemas.openxmlformats.org/drawingml/2006/main" xmlns:r="http://schemas.openxmlformats.org/officeDocument/2006/relationships" xmlns:p="http://schemas.openxmlformats.org/presentationml/2006/main">
+  <p:cSld>
+    <p:spTree>
+      <p:nvGrpSpPr>
+        <p:cNvPr id="1" name=""/>
+        <p:cNvGrpSpPr/>
+        <p:nvPr/>
+      </p:nvGrpSpPr>
+      <p:grpSpPr>
+        <a:xfrm>
+          <a:off x="0" y="0"/>
+          <a:ext cx="0" cy="0"/>
+          <a:chOff x="0" y="0"/>
+          <a:chExt cx="0" cy="0"/>
+        </a:xfrm>
+      </p:grpSpPr>
+      <mc:AlternateContent xmlns:mc="http://schemas.openxmlformats.org/markup-compatibility/2006" xmlns:p14="http://schemas.microsoft.com/office/powerpoint/2010/main">
+        <mc:Choice Requires="p14">
+          <p:contentPart p14:bwMode="auto" r:id="rId2">
             <p14:nvContentPartPr>
-              <p14:cNvPr id="35" name="Freihand 34"/>
+              <p14:cNvPr id="20" name="Freihand 19"/>
               <p14:cNvContentPartPr/>
               <p14:nvPr/>
             </p14:nvContentPartPr>
             <p14:xfrm>
-              <a:off x="4352760" y="1723637"/>
-              <a:ext cx="1586160" cy="760680"/>
+              <a:off x="3479760" y="409457"/>
+              <a:ext cx="2311920" cy="940680"/>
             </p14:xfrm>
           </p:contentPart>
         </mc:Choice>
-        <mc:Fallback>
+        <mc:Fallback xmlns="">
           <p:pic>
             <p:nvPicPr>
-              <p:cNvPr id="35" name="Freihand 34"/>
+              <p:cNvPr id="20" name="Freihand 19"/>
               <p:cNvPicPr/>
               <p:nvPr/>
             </p:nvPicPr>
             <p:blipFill>
-              <a:blip r:embed="rId4"/>
+              <a:blip r:embed="rId3"/>
               <a:stretch>
                 <a:fillRect/>
               </a:stretch>
             </p:blipFill>
             <p:spPr>
               <a:xfrm>
-                <a:off x="4333680" y="1704557"/>
-                <a:ext cx="1624320" cy="798840"/>
-              </a:xfrm>
-              <a:prstGeom prst="rect">
-                <a:avLst/>
-              </a:prstGeom>
-            </p:spPr>
-          </p:pic>
-        </mc:Fallback>
-      </mc:AlternateContent>
-      <mc:AlternateContent xmlns:mc="http://schemas.openxmlformats.org/markup-compatibility/2006">
-        <mc:Choice xmlns:p14="http://schemas.microsoft.com/office/powerpoint/2010/main" Requires="p14">
-          <p:contentPart p14:bwMode="auto" r:id="rId5">
-            <p14:nvContentPartPr>
-              <p14:cNvPr id="140" name="Freihand 139"/>
-              <p14:cNvContentPartPr/>
-              <p14:nvPr/>
-            </p14:nvContentPartPr>
-            <p14:xfrm>
-              <a:off x="6627188" y="687891"/>
-              <a:ext cx="1187640" cy="280440"/>
-            </p14:xfrm>
-          </p:contentPart>
-        </mc:Choice>
-        <mc:Fallback>
-          <p:pic>
-            <p:nvPicPr>
-              <p:cNvPr id="140" name="Freihand 139"/>
-              <p:cNvPicPr/>
-              <p:nvPr/>
-            </p:nvPicPr>
-            <p:blipFill>
-              <a:blip r:embed="rId6"/>
-              <a:stretch>
-                <a:fillRect/>
-              </a:stretch>
-            </p:blipFill>
-            <p:spPr>
-              <a:xfrm>
-                <a:off x="6612788" y="673491"/>
-                <a:ext cx="1216440" cy="309240"/>
-              </a:xfrm>
-              <a:prstGeom prst="rect">
-                <a:avLst/>
-              </a:prstGeom>
-            </p:spPr>
-          </p:pic>
-        </mc:Fallback>
-      </mc:AlternateContent>
-      <mc:AlternateContent xmlns:mc="http://schemas.openxmlformats.org/markup-compatibility/2006">
-        <mc:Choice xmlns:p14="http://schemas.microsoft.com/office/powerpoint/2010/main" Requires="p14">
-          <p:contentPart p14:bwMode="auto" r:id="rId7">
-            <p14:nvContentPartPr>
-              <p14:cNvPr id="141" name="Freihand 140"/>
-              <p14:cNvContentPartPr/>
-              <p14:nvPr/>
-            </p14:nvContentPartPr>
-            <p14:xfrm>
-              <a:off x="7218668" y="1001451"/>
-              <a:ext cx="570240" cy="593640"/>
-            </p14:xfrm>
-          </p:contentPart>
-        </mc:Choice>
-        <mc:Fallback>
-          <p:pic>
-            <p:nvPicPr>
-              <p:cNvPr id="141" name="Freihand 140"/>
-              <p:cNvPicPr/>
-              <p:nvPr/>
-            </p:nvPicPr>
-            <p:blipFill>
-              <a:blip r:embed="rId8"/>
-              <a:stretch>
-                <a:fillRect/>
-              </a:stretch>
-            </p:blipFill>
-            <p:spPr>
-              <a:xfrm>
-                <a:off x="7209308" y="992091"/>
-                <a:ext cx="588960" cy="612360"/>
-              </a:xfrm>
-              <a:prstGeom prst="rect">
-                <a:avLst/>
-              </a:prstGeom>
-            </p:spPr>
-          </p:pic>
-        </mc:Fallback>
-      </mc:AlternateContent>
-      <mc:AlternateContent xmlns:mc="http://schemas.openxmlformats.org/markup-compatibility/2006">
-        <mc:Choice xmlns:p14="http://schemas.microsoft.com/office/powerpoint/2010/main" Requires="p14">
-          <p:contentPart p14:bwMode="auto" r:id="rId9">
-            <p14:nvContentPartPr>
-              <p14:cNvPr id="167" name="Freihand 166"/>
-              <p14:cNvContentPartPr/>
-              <p14:nvPr/>
-            </p14:nvContentPartPr>
-            <p14:xfrm>
-              <a:off x="7567508" y="1053651"/>
-              <a:ext cx="227160" cy="516240"/>
-            </p14:xfrm>
-          </p:contentPart>
-        </mc:Choice>
-        <mc:Fallback>
-          <p:pic>
-            <p:nvPicPr>
-              <p:cNvPr id="167" name="Freihand 166"/>
-              <p:cNvPicPr/>
-              <p:nvPr/>
-            </p:nvPicPr>
-            <p:blipFill>
-              <a:blip r:embed="rId10"/>
-              <a:stretch>
-                <a:fillRect/>
-              </a:stretch>
-            </p:blipFill>
-            <p:spPr>
-              <a:xfrm>
-                <a:off x="7558148" y="1044291"/>
-                <a:ext cx="245880" cy="534960"/>
-              </a:xfrm>
-              <a:prstGeom prst="rect">
-                <a:avLst/>
-              </a:prstGeom>
-            </p:spPr>
-          </p:pic>
-        </mc:Fallback>
-      </mc:AlternateContent>
-      <mc:AlternateContent xmlns:mc="http://schemas.openxmlformats.org/markup-compatibility/2006">
-        <mc:Choice xmlns:p14="http://schemas.microsoft.com/office/powerpoint/2010/main" Requires="p14">
-          <p:contentPart p14:bwMode="auto" r:id="rId11">
-            <p14:nvContentPartPr>
-              <p14:cNvPr id="168" name="Freihand 167"/>
-              <p14:cNvContentPartPr/>
-              <p14:nvPr/>
-            </p14:nvContentPartPr>
-            <p14:xfrm>
-              <a:off x="6705668" y="1105851"/>
-              <a:ext cx="1315440" cy="952200"/>
-            </p14:xfrm>
-          </p:contentPart>
-        </mc:Choice>
-        <mc:Fallback>
-          <p:pic>
-            <p:nvPicPr>
-              <p:cNvPr id="168" name="Freihand 167"/>
-              <p:cNvPicPr/>
-              <p:nvPr/>
-            </p:nvPicPr>
-            <p:blipFill>
-              <a:blip r:embed="rId12"/>
-              <a:stretch>
-                <a:fillRect/>
-              </a:stretch>
-            </p:blipFill>
-            <p:spPr>
-              <a:xfrm>
-                <a:off x="6691268" y="1096491"/>
-                <a:ext cx="1344240" cy="975960"/>
-              </a:xfrm>
-              <a:prstGeom prst="rect">
-                <a:avLst/>
-              </a:prstGeom>
-            </p:spPr>
-          </p:pic>
-        </mc:Fallback>
-      </mc:AlternateContent>
-      <mc:AlternateContent xmlns:mc="http://schemas.openxmlformats.org/markup-compatibility/2006">
-        <mc:Choice xmlns:p14="http://schemas.microsoft.com/office/powerpoint/2010/main" Requires="p14">
-          <p:contentPart p14:bwMode="auto" r:id="rId13">
-            <p14:nvContentPartPr>
-              <p14:cNvPr id="208" name="Freihand 207"/>
-              <p14:cNvContentPartPr/>
-              <p14:nvPr/>
-            </p14:nvContentPartPr>
-            <p14:xfrm>
-              <a:off x="5027511" y="3013337"/>
-              <a:ext cx="210240" cy="409680"/>
-            </p14:xfrm>
-          </p:contentPart>
-        </mc:Choice>
-        <mc:Fallback>
-          <p:pic>
-            <p:nvPicPr>
-              <p:cNvPr id="208" name="Freihand 207"/>
-              <p:cNvPicPr/>
-              <p:nvPr/>
-            </p:nvPicPr>
-            <p:blipFill>
-              <a:blip r:embed="rId14"/>
-              <a:stretch>
-                <a:fillRect/>
-              </a:stretch>
-            </p:blipFill>
-            <p:spPr>
-              <a:xfrm>
-                <a:off x="5013111" y="2998937"/>
-                <a:ext cx="239040" cy="438480"/>
-              </a:xfrm>
-              <a:prstGeom prst="rect">
-                <a:avLst/>
-              </a:prstGeom>
-            </p:spPr>
-          </p:pic>
-        </mc:Fallback>
-      </mc:AlternateContent>
-      <mc:AlternateContent xmlns:mc="http://schemas.openxmlformats.org/markup-compatibility/2006">
-        <mc:Choice xmlns:p14="http://schemas.microsoft.com/office/powerpoint/2010/main" Requires="p14">
-          <p:contentPart p14:bwMode="auto" r:id="rId15">
-            <p14:nvContentPartPr>
-              <p14:cNvPr id="211" name="Freihand 210"/>
-              <p14:cNvContentPartPr/>
-              <p14:nvPr/>
-            </p14:nvContentPartPr>
-            <p14:xfrm>
-              <a:off x="4522431" y="3431297"/>
-              <a:ext cx="1106280" cy="323640"/>
-            </p14:xfrm>
-          </p:contentPart>
-        </mc:Choice>
-        <mc:Fallback>
-          <p:pic>
-            <p:nvPicPr>
-              <p:cNvPr id="211" name="Freihand 210"/>
-              <p:cNvPicPr/>
-              <p:nvPr/>
-            </p:nvPicPr>
-            <p:blipFill>
-              <a:blip r:embed="rId16"/>
-              <a:stretch>
-                <a:fillRect/>
-              </a:stretch>
-            </p:blipFill>
-            <p:spPr>
-              <a:xfrm>
-                <a:off x="4508031" y="3416897"/>
-                <a:ext cx="1135080" cy="352440"/>
-              </a:xfrm>
-              <a:prstGeom prst="rect">
-                <a:avLst/>
-              </a:prstGeom>
-            </p:spPr>
-          </p:pic>
-        </mc:Fallback>
-      </mc:AlternateContent>
-      <mc:AlternateContent xmlns:mc="http://schemas.openxmlformats.org/markup-compatibility/2006">
-        <mc:Choice xmlns:p14="http://schemas.microsoft.com/office/powerpoint/2010/main" Requires="p14">
-          <p:contentPart p14:bwMode="auto" r:id="rId17">
-            <p14:nvContentPartPr>
-              <p14:cNvPr id="224" name="Freihand 223"/>
-              <p14:cNvContentPartPr/>
-              <p14:nvPr/>
-            </p14:nvContentPartPr>
-            <p14:xfrm>
-              <a:off x="6498308" y="3532680"/>
-              <a:ext cx="1005480" cy="888840"/>
-            </p14:xfrm>
-          </p:contentPart>
-        </mc:Choice>
-        <mc:Fallback>
-          <p:pic>
-            <p:nvPicPr>
-              <p:cNvPr id="224" name="Freihand 223"/>
-              <p:cNvPicPr/>
-              <p:nvPr/>
-            </p:nvPicPr>
-            <p:blipFill>
-              <a:blip r:embed="rId18"/>
-              <a:stretch>
-                <a:fillRect/>
-              </a:stretch>
-            </p:blipFill>
-            <p:spPr>
-              <a:xfrm>
-                <a:off x="6483908" y="3518280"/>
-                <a:ext cx="1034280" cy="917640"/>
-              </a:xfrm>
-              <a:prstGeom prst="rect">
-                <a:avLst/>
-              </a:prstGeom>
-            </p:spPr>
-          </p:pic>
-        </mc:Fallback>
-      </mc:AlternateContent>
-      <mc:AlternateContent xmlns:mc="http://schemas.openxmlformats.org/markup-compatibility/2006">
-        <mc:Choice xmlns:p14="http://schemas.microsoft.com/office/powerpoint/2010/main" Requires="p14">
-          <p:contentPart p14:bwMode="auto" r:id="rId19">
-            <p14:nvContentPartPr>
-              <p14:cNvPr id="247" name="Freihand 246"/>
-              <p14:cNvContentPartPr/>
-              <p14:nvPr/>
-            </p14:nvContentPartPr>
-            <p14:xfrm>
-              <a:off x="2694600" y="1888697"/>
-              <a:ext cx="711000" cy="430560"/>
-            </p14:xfrm>
-          </p:contentPart>
-        </mc:Choice>
-        <mc:Fallback>
-          <p:pic>
-            <p:nvPicPr>
-              <p:cNvPr id="247" name="Freihand 246"/>
-              <p:cNvPicPr/>
-              <p:nvPr/>
-            </p:nvPicPr>
-            <p:blipFill>
-              <a:blip r:embed="rId20"/>
-              <a:stretch>
-                <a:fillRect/>
-              </a:stretch>
-            </p:blipFill>
-            <p:spPr>
-              <a:xfrm>
-                <a:off x="2685240" y="1879337"/>
-                <a:ext cx="729720" cy="449280"/>
-              </a:xfrm>
-              <a:prstGeom prst="rect">
-                <a:avLst/>
-              </a:prstGeom>
-            </p:spPr>
-          </p:pic>
-        </mc:Fallback>
-      </mc:AlternateContent>
-      <mc:AlternateContent xmlns:mc="http://schemas.openxmlformats.org/markup-compatibility/2006">
-        <mc:Choice xmlns:p14="http://schemas.microsoft.com/office/powerpoint/2010/main" Requires="p14">
-          <p:contentPart p14:bwMode="auto" r:id="rId21">
-            <p14:nvContentPartPr>
-              <p14:cNvPr id="287" name="Freihand 286"/>
-              <p14:cNvContentPartPr/>
-              <p14:nvPr/>
-            </p14:nvContentPartPr>
-            <p14:xfrm>
-              <a:off x="2896200" y="2298377"/>
-              <a:ext cx="313560" cy="87480"/>
-            </p14:xfrm>
-          </p:contentPart>
-        </mc:Choice>
-        <mc:Fallback>
-          <p:pic>
-            <p:nvPicPr>
-              <p:cNvPr id="287" name="Freihand 286"/>
-              <p:cNvPicPr/>
-              <p:nvPr/>
-            </p:nvPicPr>
-            <p:blipFill>
-              <a:blip r:embed="rId22"/>
-              <a:stretch>
-                <a:fillRect/>
-              </a:stretch>
-            </p:blipFill>
-            <p:spPr>
-              <a:xfrm>
-                <a:off x="2886840" y="2289017"/>
-                <a:ext cx="332280" cy="106200"/>
-              </a:xfrm>
-              <a:prstGeom prst="rect">
-                <a:avLst/>
-              </a:prstGeom>
-            </p:spPr>
-          </p:pic>
-        </mc:Fallback>
-      </mc:AlternateContent>
-      <mc:AlternateContent xmlns:mc="http://schemas.openxmlformats.org/markup-compatibility/2006">
-        <mc:Choice xmlns:p14="http://schemas.microsoft.com/office/powerpoint/2010/main" Requires="p14">
-          <p:contentPart p14:bwMode="auto" r:id="rId23">
-            <p14:nvContentPartPr>
-              <p14:cNvPr id="299" name="Freihand 298"/>
-              <p14:cNvContentPartPr/>
-              <p14:nvPr/>
-            </p14:nvContentPartPr>
-            <p14:xfrm>
-              <a:off x="2451960" y="1035497"/>
-              <a:ext cx="2752200" cy="1585440"/>
-            </p14:xfrm>
-          </p:contentPart>
-        </mc:Choice>
-        <mc:Fallback>
-          <p:pic>
-            <p:nvPicPr>
-              <p:cNvPr id="299" name="Freihand 298"/>
-              <p:cNvPicPr/>
-              <p:nvPr/>
-            </p:nvPicPr>
-            <p:blipFill>
-              <a:blip r:embed="rId24"/>
-              <a:stretch>
-                <a:fillRect/>
-              </a:stretch>
-            </p:blipFill>
-            <p:spPr>
-              <a:xfrm>
-                <a:off x="2437560" y="1021097"/>
-                <a:ext cx="2781000" cy="1614240"/>
-              </a:xfrm>
-              <a:prstGeom prst="rect">
-                <a:avLst/>
-              </a:prstGeom>
-            </p:spPr>
-          </p:pic>
-        </mc:Fallback>
-      </mc:AlternateContent>
-      <mc:AlternateContent xmlns:mc="http://schemas.openxmlformats.org/markup-compatibility/2006">
-        <mc:Choice xmlns:p14="http://schemas.microsoft.com/office/powerpoint/2010/main" Requires="p14">
-          <p:contentPart p14:bwMode="auto" r:id="rId25">
-            <p14:nvContentPartPr>
-              <p14:cNvPr id="304" name="Freihand 303"/>
-              <p14:cNvContentPartPr/>
-              <p14:nvPr/>
-            </p14:nvContentPartPr>
-            <p14:xfrm>
-              <a:off x="2687040" y="2532737"/>
-              <a:ext cx="62640" cy="88560"/>
-            </p14:xfrm>
-          </p:contentPart>
-        </mc:Choice>
-        <mc:Fallback>
-          <p:pic>
-            <p:nvPicPr>
-              <p:cNvPr id="304" name="Freihand 303"/>
-              <p:cNvPicPr/>
-              <p:nvPr/>
-            </p:nvPicPr>
-            <p:blipFill>
-              <a:blip r:embed="rId26"/>
-              <a:stretch>
-                <a:fillRect/>
-              </a:stretch>
-            </p:blipFill>
-            <p:spPr>
-              <a:xfrm>
-                <a:off x="2672640" y="2518337"/>
-                <a:ext cx="91440" cy="117360"/>
-              </a:xfrm>
-              <a:prstGeom prst="rect">
-                <a:avLst/>
-              </a:prstGeom>
-            </p:spPr>
-          </p:pic>
-        </mc:Fallback>
-      </mc:AlternateContent>
-      <mc:AlternateContent xmlns:mc="http://schemas.openxmlformats.org/markup-compatibility/2006">
-        <mc:Choice xmlns:p14="http://schemas.microsoft.com/office/powerpoint/2010/main" Requires="p14">
-          <p:contentPart p14:bwMode="auto" r:id="rId27">
-            <p14:nvContentPartPr>
-              <p14:cNvPr id="305" name="Freihand 304"/>
-              <p14:cNvContentPartPr/>
-              <p14:nvPr/>
-            </p14:nvContentPartPr>
-            <p14:xfrm>
-              <a:off x="2780640" y="2538857"/>
-              <a:ext cx="64080" cy="170280"/>
-            </p14:xfrm>
-          </p:contentPart>
-        </mc:Choice>
-        <mc:Fallback>
-          <p:pic>
-            <p:nvPicPr>
-              <p:cNvPr id="305" name="Freihand 304"/>
-              <p:cNvPicPr/>
-              <p:nvPr/>
-            </p:nvPicPr>
-            <p:blipFill>
-              <a:blip r:embed="rId28"/>
-              <a:stretch>
-                <a:fillRect/>
-              </a:stretch>
-            </p:blipFill>
-            <p:spPr>
-              <a:xfrm>
-                <a:off x="2766240" y="2524457"/>
-                <a:ext cx="92880" cy="199080"/>
-              </a:xfrm>
-              <a:prstGeom prst="rect">
-                <a:avLst/>
-              </a:prstGeom>
-            </p:spPr>
-          </p:pic>
-        </mc:Fallback>
-      </mc:AlternateContent>
-      <mc:AlternateContent xmlns:mc="http://schemas.openxmlformats.org/markup-compatibility/2006">
-        <mc:Choice xmlns:p14="http://schemas.microsoft.com/office/powerpoint/2010/main" Requires="p14">
-          <p:contentPart p14:bwMode="auto" r:id="rId29">
-            <p14:nvContentPartPr>
-              <p14:cNvPr id="306" name="Freihand 305"/>
-              <p14:cNvContentPartPr/>
-              <p14:nvPr/>
-            </p14:nvContentPartPr>
-            <p14:xfrm>
-              <a:off x="2878560" y="2533457"/>
-              <a:ext cx="61560" cy="69840"/>
-            </p14:xfrm>
-          </p:contentPart>
-        </mc:Choice>
-        <mc:Fallback>
-          <p:pic>
-            <p:nvPicPr>
-              <p:cNvPr id="306" name="Freihand 305"/>
-              <p:cNvPicPr/>
-              <p:nvPr/>
-            </p:nvPicPr>
-            <p:blipFill>
-              <a:blip r:embed="rId30"/>
-              <a:stretch>
-                <a:fillRect/>
-              </a:stretch>
-            </p:blipFill>
-            <p:spPr>
-              <a:xfrm>
-                <a:off x="2864160" y="2519057"/>
-                <a:ext cx="90360" cy="98640"/>
-              </a:xfrm>
-              <a:prstGeom prst="rect">
-                <a:avLst/>
-              </a:prstGeom>
-            </p:spPr>
-          </p:pic>
-        </mc:Fallback>
-      </mc:AlternateContent>
-      <mc:AlternateContent xmlns:mc="http://schemas.openxmlformats.org/markup-compatibility/2006">
-        <mc:Choice xmlns:p14="http://schemas.microsoft.com/office/powerpoint/2010/main" Requires="p14">
-          <p:contentPart p14:bwMode="auto" r:id="rId31">
-            <p14:nvContentPartPr>
-              <p14:cNvPr id="307" name="Freihand 306"/>
-              <p14:cNvContentPartPr/>
-              <p14:nvPr/>
-            </p14:nvContentPartPr>
-            <p14:xfrm>
-              <a:off x="2974320" y="2533457"/>
-              <a:ext cx="96120" cy="78840"/>
-            </p14:xfrm>
-          </p:contentPart>
-        </mc:Choice>
-        <mc:Fallback>
-          <p:pic>
-            <p:nvPicPr>
-              <p:cNvPr id="307" name="Freihand 306"/>
-              <p:cNvPicPr/>
-              <p:nvPr/>
-            </p:nvPicPr>
-            <p:blipFill>
-              <a:blip r:embed="rId32"/>
-              <a:stretch>
-                <a:fillRect/>
-              </a:stretch>
-            </p:blipFill>
-            <p:spPr>
-              <a:xfrm>
-                <a:off x="2959920" y="2519057"/>
-                <a:ext cx="124920" cy="107640"/>
-              </a:xfrm>
-              <a:prstGeom prst="rect">
-                <a:avLst/>
-              </a:prstGeom>
-            </p:spPr>
-          </p:pic>
-        </mc:Fallback>
-      </mc:AlternateContent>
-      <mc:AlternateContent xmlns:mc="http://schemas.openxmlformats.org/markup-compatibility/2006">
-        <mc:Choice xmlns:p14="http://schemas.microsoft.com/office/powerpoint/2010/main" Requires="p14">
-          <p:contentPart p14:bwMode="auto" r:id="rId33">
-            <p14:nvContentPartPr>
-              <p14:cNvPr id="308" name="Freihand 307"/>
-              <p14:cNvContentPartPr/>
-              <p14:nvPr/>
-            </p14:nvContentPartPr>
-            <p14:xfrm>
-              <a:off x="3096000" y="2524817"/>
-              <a:ext cx="107640" cy="69840"/>
-            </p14:xfrm>
-          </p:contentPart>
-        </mc:Choice>
-        <mc:Fallback>
-          <p:pic>
-            <p:nvPicPr>
-              <p:cNvPr id="308" name="Freihand 307"/>
-              <p:cNvPicPr/>
-              <p:nvPr/>
-            </p:nvPicPr>
-            <p:blipFill>
-              <a:blip r:embed="rId34"/>
-              <a:stretch>
-                <a:fillRect/>
-              </a:stretch>
-            </p:blipFill>
-            <p:spPr>
-              <a:xfrm>
-                <a:off x="3081600" y="2510417"/>
-                <a:ext cx="136440" cy="98640"/>
-              </a:xfrm>
-              <a:prstGeom prst="rect">
-                <a:avLst/>
-              </a:prstGeom>
-            </p:spPr>
-          </p:pic>
-        </mc:Fallback>
-      </mc:AlternateContent>
-      <mc:AlternateContent xmlns:mc="http://schemas.openxmlformats.org/markup-compatibility/2006">
-        <mc:Choice xmlns:p14="http://schemas.microsoft.com/office/powerpoint/2010/main" Requires="p14">
-          <p:contentPart p14:bwMode="auto" r:id="rId35">
-            <p14:nvContentPartPr>
-              <p14:cNvPr id="309" name="Freihand 308"/>
-              <p14:cNvContentPartPr/>
-              <p14:nvPr/>
-            </p14:nvContentPartPr>
-            <p14:xfrm>
-              <a:off x="3244320" y="2524817"/>
-              <a:ext cx="122760" cy="69840"/>
-            </p14:xfrm>
-          </p:contentPart>
-        </mc:Choice>
-        <mc:Fallback>
-          <p:pic>
-            <p:nvPicPr>
-              <p:cNvPr id="309" name="Freihand 308"/>
-              <p:cNvPicPr/>
-              <p:nvPr/>
-            </p:nvPicPr>
-            <p:blipFill>
-              <a:blip r:embed="rId36"/>
-              <a:stretch>
-                <a:fillRect/>
-              </a:stretch>
-            </p:blipFill>
-            <p:spPr>
-              <a:xfrm>
-                <a:off x="3229920" y="2510417"/>
-                <a:ext cx="151560" cy="98640"/>
-              </a:xfrm>
-              <a:prstGeom prst="rect">
-                <a:avLst/>
-              </a:prstGeom>
-            </p:spPr>
-          </p:pic>
-        </mc:Fallback>
-      </mc:AlternateContent>
-      <mc:AlternateContent xmlns:mc="http://schemas.openxmlformats.org/markup-compatibility/2006">
-        <mc:Choice xmlns:p14="http://schemas.microsoft.com/office/powerpoint/2010/main" Requires="p14">
-          <p:contentPart p14:bwMode="auto" r:id="rId37">
-            <p14:nvContentPartPr>
-              <p14:cNvPr id="310" name="Freihand 309"/>
-              <p14:cNvContentPartPr/>
-              <p14:nvPr/>
-            </p14:nvContentPartPr>
-            <p14:xfrm>
-              <a:off x="3418560" y="2524817"/>
-              <a:ext cx="9000" cy="61200"/>
-            </p14:xfrm>
-          </p:contentPart>
-        </mc:Choice>
-        <mc:Fallback>
-          <p:pic>
-            <p:nvPicPr>
-              <p:cNvPr id="310" name="Freihand 309"/>
-              <p:cNvPicPr/>
-              <p:nvPr/>
-            </p:nvPicPr>
-            <p:blipFill>
-              <a:blip r:embed="rId38"/>
-              <a:stretch>
-                <a:fillRect/>
-              </a:stretch>
-            </p:blipFill>
-            <p:spPr>
-              <a:xfrm>
-                <a:off x="3404160" y="2510417"/>
-                <a:ext cx="37800" cy="90000"/>
-              </a:xfrm>
-              <a:prstGeom prst="rect">
-                <a:avLst/>
-              </a:prstGeom>
-            </p:spPr>
-          </p:pic>
-        </mc:Fallback>
-      </mc:AlternateContent>
-      <mc:AlternateContent xmlns:mc="http://schemas.openxmlformats.org/markup-compatibility/2006">
-        <mc:Choice xmlns:p14="http://schemas.microsoft.com/office/powerpoint/2010/main" Requires="p14">
-          <p:contentPart p14:bwMode="auto" r:id="rId39">
-            <p14:nvContentPartPr>
-              <p14:cNvPr id="311" name="Freihand 310"/>
-              <p14:cNvContentPartPr/>
-              <p14:nvPr/>
-            </p14:nvContentPartPr>
-            <p14:xfrm>
-              <a:off x="3418560" y="2472617"/>
-              <a:ext cx="9000" cy="9000"/>
-            </p14:xfrm>
-          </p:contentPart>
-        </mc:Choice>
-        <mc:Fallback>
-          <p:pic>
-            <p:nvPicPr>
-              <p:cNvPr id="311" name="Freihand 310"/>
-              <p:cNvPicPr/>
-              <p:nvPr/>
-            </p:nvPicPr>
-            <p:blipFill>
-              <a:blip r:embed="rId40"/>
-              <a:stretch>
-                <a:fillRect/>
-              </a:stretch>
-            </p:blipFill>
-            <p:spPr>
-              <a:xfrm>
-                <a:off x="3404160" y="2458217"/>
-                <a:ext cx="37800" cy="37800"/>
-              </a:xfrm>
-              <a:prstGeom prst="rect">
-                <a:avLst/>
-              </a:prstGeom>
-            </p:spPr>
-          </p:pic>
-        </mc:Fallback>
-      </mc:AlternateContent>
-      <mc:AlternateContent xmlns:mc="http://schemas.openxmlformats.org/markup-compatibility/2006">
-        <mc:Choice xmlns:p14="http://schemas.microsoft.com/office/powerpoint/2010/main" Requires="p14">
-          <p:contentPart p14:bwMode="auto" r:id="rId41">
-            <p14:nvContentPartPr>
-              <p14:cNvPr id="312" name="Freihand 311"/>
-              <p14:cNvContentPartPr/>
-              <p14:nvPr/>
-            </p14:nvContentPartPr>
-            <p14:xfrm>
-              <a:off x="3479400" y="2516177"/>
-              <a:ext cx="62280" cy="69840"/>
-            </p14:xfrm>
-          </p:contentPart>
-        </mc:Choice>
-        <mc:Fallback>
-          <p:pic>
-            <p:nvPicPr>
-              <p:cNvPr id="312" name="Freihand 311"/>
-              <p:cNvPicPr/>
-              <p:nvPr/>
-            </p:nvPicPr>
-            <p:blipFill>
-              <a:blip r:embed="rId42"/>
-              <a:stretch>
-                <a:fillRect/>
-              </a:stretch>
-            </p:blipFill>
-            <p:spPr>
-              <a:xfrm>
-                <a:off x="3465000" y="2501777"/>
-                <a:ext cx="91080" cy="98640"/>
-              </a:xfrm>
-              <a:prstGeom prst="rect">
-                <a:avLst/>
-              </a:prstGeom>
-            </p:spPr>
-          </p:pic>
-        </mc:Fallback>
-      </mc:AlternateContent>
-      <mc:AlternateContent xmlns:mc="http://schemas.openxmlformats.org/markup-compatibility/2006">
-        <mc:Choice xmlns:p14="http://schemas.microsoft.com/office/powerpoint/2010/main" Requires="p14">
-          <p:contentPart p14:bwMode="auto" r:id="rId43">
-            <p14:nvContentPartPr>
-              <p14:cNvPr id="313" name="Freihand 312"/>
-              <p14:cNvContentPartPr/>
-              <p14:nvPr/>
-            </p14:nvContentPartPr>
-            <p14:xfrm>
-              <a:off x="3566160" y="2513297"/>
-              <a:ext cx="87840" cy="221040"/>
-            </p14:xfrm>
-          </p:contentPart>
-        </mc:Choice>
-        <mc:Fallback>
-          <p:pic>
-            <p:nvPicPr>
-              <p:cNvPr id="313" name="Freihand 312"/>
-              <p:cNvPicPr/>
-              <p:nvPr/>
-            </p:nvPicPr>
-            <p:blipFill>
-              <a:blip r:embed="rId44"/>
-              <a:stretch>
-                <a:fillRect/>
-              </a:stretch>
-            </p:blipFill>
-            <p:spPr>
-              <a:xfrm>
-                <a:off x="3551760" y="2498897"/>
-                <a:ext cx="116640" cy="249840"/>
-              </a:xfrm>
-              <a:prstGeom prst="rect">
-                <a:avLst/>
-              </a:prstGeom>
-            </p:spPr>
-          </p:pic>
-        </mc:Fallback>
-      </mc:AlternateContent>
-      <mc:AlternateContent xmlns:mc="http://schemas.openxmlformats.org/markup-compatibility/2006">
-        <mc:Choice xmlns:p14="http://schemas.microsoft.com/office/powerpoint/2010/main" Requires="p14">
-          <p:contentPart p14:bwMode="auto" r:id="rId45">
-            <p14:nvContentPartPr>
-              <p14:cNvPr id="320" name="Freihand 319"/>
-              <p14:cNvContentPartPr/>
-              <p14:nvPr/>
-            </p14:nvContentPartPr>
-            <p14:xfrm>
-              <a:off x="7129748" y="2620937"/>
-              <a:ext cx="659160" cy="392400"/>
-            </p14:xfrm>
-          </p:contentPart>
-        </mc:Choice>
-        <mc:Fallback>
-          <p:pic>
-            <p:nvPicPr>
-              <p:cNvPr id="320" name="Freihand 319"/>
-              <p:cNvPicPr/>
-              <p:nvPr/>
-            </p:nvPicPr>
-            <p:blipFill>
-              <a:blip r:embed="rId46"/>
-              <a:stretch>
-                <a:fillRect/>
-              </a:stretch>
-            </p:blipFill>
-            <p:spPr>
-              <a:xfrm>
-                <a:off x="7110668" y="2601857"/>
-                <a:ext cx="697320" cy="430560"/>
-              </a:xfrm>
-              <a:prstGeom prst="rect">
-                <a:avLst/>
-              </a:prstGeom>
-            </p:spPr>
-          </p:pic>
-        </mc:Fallback>
-      </mc:AlternateContent>
-      <mc:AlternateContent xmlns:mc="http://schemas.openxmlformats.org/markup-compatibility/2006">
-        <mc:Choice xmlns:p14="http://schemas.microsoft.com/office/powerpoint/2010/main" Requires="p14">
-          <p:contentPart p14:bwMode="auto" r:id="rId47">
-            <p14:nvContentPartPr>
-              <p14:cNvPr id="322" name="Freihand 321"/>
-              <p14:cNvContentPartPr/>
-              <p14:nvPr/>
-            </p14:nvContentPartPr>
-            <p14:xfrm>
-              <a:off x="7074308" y="2490257"/>
-              <a:ext cx="671040" cy="557640"/>
-            </p14:xfrm>
-          </p:contentPart>
-        </mc:Choice>
-        <mc:Fallback>
-          <p:pic>
-            <p:nvPicPr>
-              <p:cNvPr id="322" name="Freihand 321"/>
-              <p:cNvPicPr/>
-              <p:nvPr/>
-            </p:nvPicPr>
-            <p:blipFill>
-              <a:blip r:embed="rId48"/>
-              <a:stretch>
-                <a:fillRect/>
-              </a:stretch>
-            </p:blipFill>
-            <p:spPr>
-              <a:xfrm>
-                <a:off x="7059908" y="2475857"/>
-                <a:ext cx="699840" cy="586440"/>
-              </a:xfrm>
-              <a:prstGeom prst="rect">
-                <a:avLst/>
-              </a:prstGeom>
-            </p:spPr>
-          </p:pic>
-        </mc:Fallback>
-      </mc:AlternateContent>
-      <mc:AlternateContent xmlns:mc="http://schemas.openxmlformats.org/markup-compatibility/2006">
-        <mc:Choice xmlns:p14="http://schemas.microsoft.com/office/powerpoint/2010/main" Requires="p14">
-          <p:contentPart p14:bwMode="auto" r:id="rId49">
-            <p14:nvContentPartPr>
-              <p14:cNvPr id="324" name="Freihand 323"/>
-              <p14:cNvContentPartPr/>
-              <p14:nvPr/>
-            </p14:nvContentPartPr>
-            <p14:xfrm>
-              <a:off x="7152788" y="2594657"/>
-              <a:ext cx="618840" cy="462240"/>
-            </p14:xfrm>
-          </p:contentPart>
-        </mc:Choice>
-        <mc:Fallback>
-          <p:pic>
-            <p:nvPicPr>
-              <p:cNvPr id="324" name="Freihand 323"/>
-              <p:cNvPicPr/>
-              <p:nvPr/>
-            </p:nvPicPr>
-            <p:blipFill>
-              <a:blip r:embed="rId50"/>
-              <a:stretch>
-                <a:fillRect/>
-              </a:stretch>
-            </p:blipFill>
-            <p:spPr>
-              <a:xfrm>
-                <a:off x="7138388" y="2580257"/>
-                <a:ext cx="647640" cy="491040"/>
-              </a:xfrm>
-              <a:prstGeom prst="rect">
-                <a:avLst/>
-              </a:prstGeom>
-            </p:spPr>
-          </p:pic>
-        </mc:Fallback>
-      </mc:AlternateContent>
-      <mc:AlternateContent xmlns:mc="http://schemas.openxmlformats.org/markup-compatibility/2006">
-        <mc:Choice xmlns:p14="http://schemas.microsoft.com/office/powerpoint/2010/main" Requires="p14">
-          <p:contentPart p14:bwMode="auto" r:id="rId51">
-            <p14:nvContentPartPr>
-              <p14:cNvPr id="329" name="Freihand 328"/>
-              <p14:cNvContentPartPr/>
-              <p14:nvPr/>
-            </p14:nvContentPartPr>
-            <p14:xfrm>
-              <a:off x="2909340" y="3172457"/>
-              <a:ext cx="1220760" cy="983160"/>
-            </p14:xfrm>
-          </p:contentPart>
-        </mc:Choice>
-        <mc:Fallback>
-          <p:pic>
-            <p:nvPicPr>
-              <p:cNvPr id="329" name="Freihand 328"/>
-              <p:cNvPicPr/>
-              <p:nvPr/>
-            </p:nvPicPr>
-            <p:blipFill>
-              <a:blip r:embed="rId52"/>
-              <a:stretch>
-                <a:fillRect/>
-              </a:stretch>
-            </p:blipFill>
-            <p:spPr>
-              <a:xfrm>
-                <a:off x="2894940" y="3158057"/>
-                <a:ext cx="1249560" cy="1011960"/>
+                <a:off x="3460680" y="395057"/>
+                <a:ext cx="2350080" cy="974160"/>
               </a:xfrm>
               <a:prstGeom prst="rect">
                 <a:avLst/>
@@ -20253,7 +21846,76 @@
     </p:spTree>
     <p:extLst>
       <p:ext uri="{BB962C8B-B14F-4D97-AF65-F5344CB8AC3E}">
-        <p14:creationId xmlns:p14="http://schemas.microsoft.com/office/powerpoint/2010/main" val="2897440469"/>
+        <p14:creationId xmlns:p14="http://schemas.microsoft.com/office/powerpoint/2010/main" val="1561997512"/>
+      </p:ext>
+    </p:extLst>
+  </p:cSld>
+  <p:clrMapOvr>
+    <a:masterClrMapping/>
+  </p:clrMapOvr>
+</p:sld>
+</file>
+
+<file path=ppt/slides/slide9.xml><?xml version="1.0" encoding="utf-8"?>
+<p:sld xmlns:a="http://schemas.openxmlformats.org/drawingml/2006/main" xmlns:r="http://schemas.openxmlformats.org/officeDocument/2006/relationships" xmlns:p="http://schemas.openxmlformats.org/presentationml/2006/main">
+  <p:cSld>
+    <p:spTree>
+      <p:nvGrpSpPr>
+        <p:cNvPr id="1" name=""/>
+        <p:cNvGrpSpPr/>
+        <p:nvPr/>
+      </p:nvGrpSpPr>
+      <p:grpSpPr>
+        <a:xfrm>
+          <a:off x="0" y="0"/>
+          <a:ext cx="0" cy="0"/>
+          <a:chOff x="0" y="0"/>
+          <a:chExt cx="0" cy="0"/>
+        </a:xfrm>
+      </p:grpSpPr>
+      <mc:AlternateContent xmlns:mc="http://schemas.openxmlformats.org/markup-compatibility/2006" xmlns:p14="http://schemas.microsoft.com/office/powerpoint/2010/main">
+        <mc:Choice Requires="p14">
+          <p:contentPart p14:bwMode="auto" r:id="rId2">
+            <p14:nvContentPartPr>
+              <p14:cNvPr id="16" name="Freihand 15"/>
+              <p14:cNvContentPartPr/>
+              <p14:nvPr/>
+            </p14:nvContentPartPr>
+            <p14:xfrm>
+              <a:off x="3456000" y="409457"/>
+              <a:ext cx="2988720" cy="1236960"/>
+            </p14:xfrm>
+          </p:contentPart>
+        </mc:Choice>
+        <mc:Fallback xmlns="">
+          <p:pic>
+            <p:nvPicPr>
+              <p:cNvPr id="16" name="Freihand 15"/>
+              <p:cNvPicPr/>
+              <p:nvPr/>
+            </p:nvPicPr>
+            <p:blipFill>
+              <a:blip r:embed="rId3"/>
+              <a:stretch>
+                <a:fillRect/>
+              </a:stretch>
+            </p:blipFill>
+            <p:spPr>
+              <a:xfrm>
+                <a:off x="3436920" y="395057"/>
+                <a:ext cx="3026880" cy="1270440"/>
+              </a:xfrm>
+              <a:prstGeom prst="rect">
+                <a:avLst/>
+              </a:prstGeom>
+            </p:spPr>
+          </p:pic>
+        </mc:Fallback>
+      </mc:AlternateContent>
+    </p:spTree>
+    <p:extLst>
+      <p:ext uri="{BB962C8B-B14F-4D97-AF65-F5344CB8AC3E}">
+        <p14:creationId xmlns:p14="http://schemas.microsoft.com/office/powerpoint/2010/main" val="3895948791"/>
       </p:ext>
     </p:extLst>
   </p:cSld>
